--- a/최종합본.pptx
+++ b/최종합본.pptx
@@ -4,6 +4,21 @@
   <p:sldMasterIdLst>
     <p:sldMasterId id="2147483648" r:id="rId1"/>
   </p:sldMasterIdLst>
+  <p:sldIdLst>
+    <p:sldId id="257" r:id="rId2"/>
+    <p:sldId id="271" r:id="rId3"/>
+    <p:sldId id="258" r:id="rId4"/>
+    <p:sldId id="264" r:id="rId5"/>
+    <p:sldId id="272" r:id="rId6"/>
+    <p:sldId id="263" r:id="rId7"/>
+    <p:sldId id="265" r:id="rId8"/>
+    <p:sldId id="266" r:id="rId9"/>
+    <p:sldId id="267" r:id="rId10"/>
+    <p:sldId id="268" r:id="rId11"/>
+    <p:sldId id="273" r:id="rId12"/>
+    <p:sldId id="269" r:id="rId13"/>
+    <p:sldId id="274" r:id="rId14"/>
+  </p:sldIdLst>
   <p:sldSz cx="12192000" cy="6858000"/>
   <p:notesSz cx="6858000" cy="9144000"/>
   <p:defaultTextStyle>
@@ -101,7 +116,140 @@
       </a:defRPr>
     </a:lvl9pPr>
   </p:defaultTextStyle>
+  <p:extLst>
+    <p:ext uri="{EFAFB233-063F-42B5-8137-9DF3F51BA10A}">
+      <p15:sldGuideLst xmlns:p15="http://schemas.microsoft.com/office/powerpoint/2012/main"/>
+    </p:ext>
+  </p:extLst>
 </p:presentation>
+</file>
+
+<file path=ppt/revisionInfo.xml><?xml version="1.0" encoding="utf-8"?>
+<p1510:revInfo xmlns:a="http://schemas.openxmlformats.org/drawingml/2006/main" xmlns:r="http://schemas.openxmlformats.org/officeDocument/2006/relationships" xmlns:p1510="http://schemas.microsoft.com/office/powerpoint/2015/10/main">
+  <p1510:revLst>
+    <p1510:client id="{2BFF7B8E-AA04-4116-B7CD-F87AF890BA15}" v="3" dt="2020-09-08T02:08:56.498"/>
+  </p1510:revLst>
+</p1510:revInfo>
+</file>
+
+<file path=ppt/changesInfos/changesInfo1.xml><?xml version="1.0" encoding="utf-8"?>
+<pc:chgInfo xmlns:a="http://schemas.openxmlformats.org/drawingml/2006/main" xmlns:r="http://schemas.openxmlformats.org/officeDocument/2006/relationships" xmlns:ac="http://schemas.microsoft.com/office/drawing/2013/main/command" xmlns:pc="http://schemas.microsoft.com/office/powerpoint/2013/main/command">
+  <pc:docChgLst>
+    <pc:chgData name="Park Jihyeon" userId="73b7d8dedb86db3b" providerId="LiveId" clId="{2BFF7B8E-AA04-4116-B7CD-F87AF890BA15}"/>
+    <pc:docChg chg="addSld delSld modSld">
+      <pc:chgData name="Park Jihyeon" userId="73b7d8dedb86db3b" providerId="LiveId" clId="{2BFF7B8E-AA04-4116-B7CD-F87AF890BA15}" dt="2020-09-08T02:08:56.498" v="26"/>
+      <pc:docMkLst>
+        <pc:docMk/>
+      </pc:docMkLst>
+      <pc:sldChg chg="new del">
+        <pc:chgData name="Park Jihyeon" userId="73b7d8dedb86db3b" providerId="LiveId" clId="{2BFF7B8E-AA04-4116-B7CD-F87AF890BA15}" dt="2020-09-08T02:08:45.285" v="2" actId="47"/>
+        <pc:sldMkLst>
+          <pc:docMk/>
+          <pc:sldMk cId="4071618934" sldId="256"/>
+        </pc:sldMkLst>
+      </pc:sldChg>
+      <pc:sldChg chg="add">
+        <pc:chgData name="Park Jihyeon" userId="73b7d8dedb86db3b" providerId="LiveId" clId="{2BFF7B8E-AA04-4116-B7CD-F87AF890BA15}" dt="2020-09-08T02:08:32.942" v="1"/>
+        <pc:sldMkLst>
+          <pc:docMk/>
+          <pc:sldMk cId="318083337" sldId="257"/>
+        </pc:sldMkLst>
+      </pc:sldChg>
+      <pc:sldChg chg="add">
+        <pc:chgData name="Park Jihyeon" userId="73b7d8dedb86db3b" providerId="LiveId" clId="{2BFF7B8E-AA04-4116-B7CD-F87AF890BA15}" dt="2020-09-08T02:08:32.942" v="1"/>
+        <pc:sldMkLst>
+          <pc:docMk/>
+          <pc:sldMk cId="1899479455" sldId="258"/>
+        </pc:sldMkLst>
+      </pc:sldChg>
+      <pc:sldChg chg="add">
+        <pc:chgData name="Park Jihyeon" userId="73b7d8dedb86db3b" providerId="LiveId" clId="{2BFF7B8E-AA04-4116-B7CD-F87AF890BA15}" dt="2020-09-08T02:08:32.942" v="1"/>
+        <pc:sldMkLst>
+          <pc:docMk/>
+          <pc:sldMk cId="3552012908" sldId="263"/>
+        </pc:sldMkLst>
+      </pc:sldChg>
+      <pc:sldChg chg="add">
+        <pc:chgData name="Park Jihyeon" userId="73b7d8dedb86db3b" providerId="LiveId" clId="{2BFF7B8E-AA04-4116-B7CD-F87AF890BA15}" dt="2020-09-08T02:08:32.942" v="1"/>
+        <pc:sldMkLst>
+          <pc:docMk/>
+          <pc:sldMk cId="1063728826" sldId="264"/>
+        </pc:sldMkLst>
+      </pc:sldChg>
+      <pc:sldChg chg="add">
+        <pc:chgData name="Park Jihyeon" userId="73b7d8dedb86db3b" providerId="LiveId" clId="{2BFF7B8E-AA04-4116-B7CD-F87AF890BA15}" dt="2020-09-08T02:08:32.942" v="1"/>
+        <pc:sldMkLst>
+          <pc:docMk/>
+          <pc:sldMk cId="4101479404" sldId="265"/>
+        </pc:sldMkLst>
+      </pc:sldChg>
+      <pc:sldChg chg="add">
+        <pc:chgData name="Park Jihyeon" userId="73b7d8dedb86db3b" providerId="LiveId" clId="{2BFF7B8E-AA04-4116-B7CD-F87AF890BA15}" dt="2020-09-08T02:08:32.942" v="1"/>
+        <pc:sldMkLst>
+          <pc:docMk/>
+          <pc:sldMk cId="164512347" sldId="266"/>
+        </pc:sldMkLst>
+      </pc:sldChg>
+      <pc:sldChg chg="add">
+        <pc:chgData name="Park Jihyeon" userId="73b7d8dedb86db3b" providerId="LiveId" clId="{2BFF7B8E-AA04-4116-B7CD-F87AF890BA15}" dt="2020-09-08T02:08:32.942" v="1"/>
+        <pc:sldMkLst>
+          <pc:docMk/>
+          <pc:sldMk cId="2119341593" sldId="267"/>
+        </pc:sldMkLst>
+      </pc:sldChg>
+      <pc:sldChg chg="add">
+        <pc:chgData name="Park Jihyeon" userId="73b7d8dedb86db3b" providerId="LiveId" clId="{2BFF7B8E-AA04-4116-B7CD-F87AF890BA15}" dt="2020-09-08T02:08:32.942" v="1"/>
+        <pc:sldMkLst>
+          <pc:docMk/>
+          <pc:sldMk cId="748043010" sldId="268"/>
+        </pc:sldMkLst>
+      </pc:sldChg>
+      <pc:sldChg chg="add">
+        <pc:chgData name="Park Jihyeon" userId="73b7d8dedb86db3b" providerId="LiveId" clId="{2BFF7B8E-AA04-4116-B7CD-F87AF890BA15}" dt="2020-09-08T02:08:32.942" v="1"/>
+        <pc:sldMkLst>
+          <pc:docMk/>
+          <pc:sldMk cId="1219664629" sldId="269"/>
+        </pc:sldMkLst>
+      </pc:sldChg>
+      <pc:sldChg chg="add">
+        <pc:chgData name="Park Jihyeon" userId="73b7d8dedb86db3b" providerId="LiveId" clId="{2BFF7B8E-AA04-4116-B7CD-F87AF890BA15}" dt="2020-09-08T02:08:32.942" v="1"/>
+        <pc:sldMkLst>
+          <pc:docMk/>
+          <pc:sldMk cId="879370990" sldId="271"/>
+        </pc:sldMkLst>
+      </pc:sldChg>
+      <pc:sldChg chg="modSp add mod">
+        <pc:chgData name="Park Jihyeon" userId="73b7d8dedb86db3b" providerId="LiveId" clId="{2BFF7B8E-AA04-4116-B7CD-F87AF890BA15}" dt="2020-09-08T02:08:56.498" v="26"/>
+        <pc:sldMkLst>
+          <pc:docMk/>
+          <pc:sldMk cId="402626737" sldId="272"/>
+        </pc:sldMkLst>
+        <pc:spChg chg="mod">
+          <ac:chgData name="Park Jihyeon" userId="73b7d8dedb86db3b" providerId="LiveId" clId="{2BFF7B8E-AA04-4116-B7CD-F87AF890BA15}" dt="2020-09-08T02:08:56.498" v="26"/>
+          <ac:spMkLst>
+            <pc:docMk/>
+            <pc:sldMk cId="402626737" sldId="272"/>
+            <ac:spMk id="2" creationId="{409F1CDC-49B8-49F7-9173-F18AC7C17FCE}"/>
+          </ac:spMkLst>
+        </pc:spChg>
+      </pc:sldChg>
+      <pc:sldChg chg="add">
+        <pc:chgData name="Park Jihyeon" userId="73b7d8dedb86db3b" providerId="LiveId" clId="{2BFF7B8E-AA04-4116-B7CD-F87AF890BA15}" dt="2020-09-08T02:08:32.942" v="1"/>
+        <pc:sldMkLst>
+          <pc:docMk/>
+          <pc:sldMk cId="434288412" sldId="273"/>
+        </pc:sldMkLst>
+      </pc:sldChg>
+      <pc:sldChg chg="add">
+        <pc:chgData name="Park Jihyeon" userId="73b7d8dedb86db3b" providerId="LiveId" clId="{2BFF7B8E-AA04-4116-B7CD-F87AF890BA15}" dt="2020-09-08T02:08:32.942" v="1"/>
+        <pc:sldMkLst>
+          <pc:docMk/>
+          <pc:sldMk cId="3229153092" sldId="274"/>
+        </pc:sldMkLst>
+      </pc:sldChg>
+    </pc:docChg>
+  </pc:docChgLst>
+</pc:chgInfo>
 </file>
 
 <file path=ppt/slideLayouts/slideLayout1.xml><?xml version="1.0" encoding="utf-8"?>
@@ -3301,6 +3449,3586 @@
 </p:sldMaster>
 </file>
 
+<file path=ppt/slides/slide1.xml><?xml version="1.0" encoding="utf-8"?>
+<p:sld xmlns:a="http://schemas.openxmlformats.org/drawingml/2006/main" xmlns:r="http://schemas.openxmlformats.org/officeDocument/2006/relationships" xmlns:p="http://schemas.openxmlformats.org/presentationml/2006/main">
+  <p:cSld>
+    <p:spTree>
+      <p:nvGrpSpPr>
+        <p:cNvPr id="1" name=""/>
+        <p:cNvGrpSpPr/>
+        <p:nvPr/>
+      </p:nvGrpSpPr>
+      <p:grpSpPr>
+        <a:xfrm>
+          <a:off x="0" y="0"/>
+          <a:ext cx="0" cy="0"/>
+          <a:chOff x="0" y="0"/>
+          <a:chExt cx="0" cy="0"/>
+        </a:xfrm>
+      </p:grpSpPr>
+      <p:sp>
+        <p:nvSpPr>
+          <p:cNvPr id="2" name="제목 1">
+            <a:extLst>
+              <a:ext uri="{FF2B5EF4-FFF2-40B4-BE49-F238E27FC236}">
+                <a16:creationId xmlns:a16="http://schemas.microsoft.com/office/drawing/2014/main" id="{606AC98A-0176-42E1-AD7F-149973AD9855}"/>
+              </a:ext>
+            </a:extLst>
+          </p:cNvPr>
+          <p:cNvSpPr>
+            <a:spLocks noGrp="1"/>
+          </p:cNvSpPr>
+          <p:nvPr>
+            <p:ph type="title"/>
+          </p:nvPr>
+        </p:nvSpPr>
+        <p:spPr>
+          <a:xfrm>
+            <a:off x="838200" y="2684118"/>
+            <a:ext cx="10515600" cy="1325563"/>
+          </a:xfrm>
+        </p:spPr>
+        <p:txBody>
+          <a:bodyPr>
+            <a:normAutofit fontScale="90000"/>
+          </a:bodyPr>
+          <a:lstStyle/>
+          <a:p>
+            <a:pPr algn="ctr">
+              <a:lnSpc>
+                <a:spcPct val="150000"/>
+              </a:lnSpc>
+            </a:pPr>
+            <a:r>
+              <a:rPr lang="ko-KR" altLang="en-US" dirty="0"/>
+              <a:t>왜 </a:t>
+            </a:r>
+            <a:r>
+              <a:rPr lang="en-US" altLang="ko-KR" dirty="0"/>
+              <a:t>20</a:t>
+            </a:r>
+            <a:r>
+              <a:rPr lang="ko-KR" altLang="en-US" dirty="0"/>
+              <a:t>대가 확연히 인구 대비 감염자의 수가 많을까</a:t>
+            </a:r>
+            <a:r>
+              <a:rPr lang="en-US" altLang="ko-KR" dirty="0"/>
+              <a:t>?</a:t>
+            </a:r>
+            <a:endParaRPr lang="ko-KR" altLang="en-US" dirty="0"/>
+          </a:p>
+        </p:txBody>
+      </p:sp>
+    </p:spTree>
+    <p:extLst>
+      <p:ext uri="{BB962C8B-B14F-4D97-AF65-F5344CB8AC3E}">
+        <p14:creationId xmlns:p14="http://schemas.microsoft.com/office/powerpoint/2010/main" val="318083337"/>
+      </p:ext>
+    </p:extLst>
+  </p:cSld>
+  <p:clrMapOvr>
+    <a:masterClrMapping/>
+  </p:clrMapOvr>
+</p:sld>
+</file>
+
+<file path=ppt/slides/slide10.xml><?xml version="1.0" encoding="utf-8"?>
+<p:sld xmlns:a="http://schemas.openxmlformats.org/drawingml/2006/main" xmlns:r="http://schemas.openxmlformats.org/officeDocument/2006/relationships" xmlns:p="http://schemas.openxmlformats.org/presentationml/2006/main">
+  <p:cSld>
+    <p:spTree>
+      <p:nvGrpSpPr>
+        <p:cNvPr id="1" name=""/>
+        <p:cNvGrpSpPr/>
+        <p:nvPr/>
+      </p:nvGrpSpPr>
+      <p:grpSpPr>
+        <a:xfrm>
+          <a:off x="0" y="0"/>
+          <a:ext cx="0" cy="0"/>
+          <a:chOff x="0" y="0"/>
+          <a:chExt cx="0" cy="0"/>
+        </a:xfrm>
+      </p:grpSpPr>
+      <p:sp>
+        <p:nvSpPr>
+          <p:cNvPr id="2" name="제목 1">
+            <a:extLst>
+              <a:ext uri="{FF2B5EF4-FFF2-40B4-BE49-F238E27FC236}">
+                <a16:creationId xmlns:a16="http://schemas.microsoft.com/office/drawing/2014/main" id="{B148CC22-7BEE-428A-A7E1-1E6388DB5C93}"/>
+              </a:ext>
+            </a:extLst>
+          </p:cNvPr>
+          <p:cNvSpPr>
+            <a:spLocks noGrp="1"/>
+          </p:cNvSpPr>
+          <p:nvPr>
+            <p:ph type="title"/>
+          </p:nvPr>
+        </p:nvSpPr>
+        <p:spPr/>
+        <p:txBody>
+          <a:bodyPr>
+            <a:normAutofit fontScale="90000"/>
+          </a:bodyPr>
+          <a:lstStyle/>
+          <a:p>
+            <a:pPr>
+              <a:lnSpc>
+                <a:spcPct val="150000"/>
+              </a:lnSpc>
+            </a:pPr>
+            <a:r>
+              <a:rPr lang="en-US" altLang="ko-KR" dirty="0"/>
+              <a:t>1. 20</a:t>
+            </a:r>
+            <a:r>
+              <a:rPr lang="ko-KR" altLang="en-US" dirty="0"/>
+              <a:t>대는 불타는 청춘</a:t>
+            </a:r>
+            <a:r>
+              <a:rPr lang="en-US" altLang="ko-KR" dirty="0"/>
+              <a:t>. </a:t>
+            </a:r>
+            <a:br>
+              <a:rPr lang="en-US" altLang="ko-KR" dirty="0"/>
+            </a:br>
+            <a:r>
+              <a:rPr lang="ko-KR" altLang="en-US" dirty="0"/>
+              <a:t>외출을 많이 해서 그렇지 않을까</a:t>
+            </a:r>
+            <a:r>
+              <a:rPr lang="en-US" altLang="ko-KR" dirty="0"/>
+              <a:t>??</a:t>
+            </a:r>
+            <a:endParaRPr lang="ko-KR" altLang="en-US" dirty="0"/>
+          </a:p>
+        </p:txBody>
+      </p:sp>
+      <p:sp>
+        <p:nvSpPr>
+          <p:cNvPr id="3" name="TextBox 2">
+            <a:extLst>
+              <a:ext uri="{FF2B5EF4-FFF2-40B4-BE49-F238E27FC236}">
+                <a16:creationId xmlns:a16="http://schemas.microsoft.com/office/drawing/2014/main" id="{41EBE7FF-D261-4577-B0A2-BFCE149D07F0}"/>
+              </a:ext>
+            </a:extLst>
+          </p:cNvPr>
+          <p:cNvSpPr txBox="1"/>
+          <p:nvPr/>
+        </p:nvSpPr>
+        <p:spPr>
+          <a:xfrm>
+            <a:off x="3806023" y="4285962"/>
+            <a:ext cx="7713532" cy="1754326"/>
+          </a:xfrm>
+          <a:prstGeom prst="rect">
+            <a:avLst/>
+          </a:prstGeom>
+          <a:noFill/>
+        </p:spPr>
+        <p:txBody>
+          <a:bodyPr wrap="square" rtlCol="0">
+            <a:spAutoFit/>
+          </a:bodyPr>
+          <a:lstStyle/>
+          <a:p>
+            <a:r>
+              <a:rPr lang="ko-KR" altLang="en-US" dirty="0"/>
+              <a:t>이 점을 참고했을 때</a:t>
+            </a:r>
+            <a:r>
+              <a:rPr lang="en-US" altLang="ko-KR" dirty="0"/>
+              <a:t>, </a:t>
+            </a:r>
+            <a:r>
+              <a:rPr lang="ko-KR" altLang="en-US" dirty="0"/>
+              <a:t>외출을 할 시 실내에서 마스크를 벗는 일이 잦은 곳을 많이 가면 평소에 마스크를 쓰고 다녔더라도 감염률을 올릴 수 있다고 생각했다</a:t>
+            </a:r>
+            <a:r>
+              <a:rPr lang="en-US" altLang="ko-KR" dirty="0"/>
+              <a:t>. </a:t>
+            </a:r>
+          </a:p>
+          <a:p>
+            <a:endParaRPr lang="en-US" altLang="ko-KR" dirty="0"/>
+          </a:p>
+          <a:p>
+            <a:r>
+              <a:rPr lang="ko-KR" altLang="en-US" dirty="0"/>
+              <a:t>그래서 혹시 </a:t>
+            </a:r>
+            <a:r>
+              <a:rPr lang="en-US" altLang="ko-KR" dirty="0"/>
+              <a:t>20</a:t>
+            </a:r>
+            <a:r>
+              <a:rPr lang="ko-KR" altLang="en-US" dirty="0"/>
+              <a:t>대의 </a:t>
+            </a:r>
+            <a:r>
+              <a:rPr lang="ko-KR" altLang="en-US" dirty="0" err="1"/>
+              <a:t>외출지</a:t>
+            </a:r>
+            <a:r>
+              <a:rPr lang="ko-KR" altLang="en-US" dirty="0"/>
+              <a:t> 중 실내에서 마스크를 벗는 일이 잦은 곳을 외출한 비율을 알아본다면 이유를 알 수 있을 거라 생각했다</a:t>
+            </a:r>
+            <a:r>
+              <a:rPr lang="en-US" altLang="ko-KR" dirty="0"/>
+              <a:t>.</a:t>
+            </a:r>
+          </a:p>
+        </p:txBody>
+      </p:sp>
+      <p:pic>
+        <p:nvPicPr>
+          <p:cNvPr id="1026" name="Picture 2">
+            <a:extLst>
+              <a:ext uri="{FF2B5EF4-FFF2-40B4-BE49-F238E27FC236}">
+                <a16:creationId xmlns:a16="http://schemas.microsoft.com/office/drawing/2014/main" id="{4A255F2E-F192-4ACD-AB35-F35607DFAFE2}"/>
+              </a:ext>
+            </a:extLst>
+          </p:cNvPr>
+          <p:cNvPicPr>
+            <a:picLocks noChangeAspect="1" noChangeArrowheads="1"/>
+          </p:cNvPicPr>
+          <p:nvPr/>
+        </p:nvPicPr>
+        <p:blipFill>
+          <a:blip r:embed="rId2">
+            <a:extLst>
+              <a:ext uri="{28A0092B-C50C-407E-A947-70E740481C1C}">
+                <a14:useLocalDpi xmlns:a14="http://schemas.microsoft.com/office/drawing/2010/main" val="0"/>
+              </a:ext>
+            </a:extLst>
+          </a:blip>
+          <a:srcRect/>
+          <a:stretch>
+            <a:fillRect/>
+          </a:stretch>
+        </p:blipFill>
+        <p:spPr bwMode="auto">
+          <a:xfrm>
+            <a:off x="339365" y="1925415"/>
+            <a:ext cx="3344109" cy="4721094"/>
+          </a:xfrm>
+          <a:prstGeom prst="rect">
+            <a:avLst/>
+          </a:prstGeom>
+          <a:noFill/>
+          <a:extLst>
+            <a:ext uri="{909E8E84-426E-40DD-AFC4-6F175D3DCCD1}">
+              <a14:hiddenFill xmlns:a14="http://schemas.microsoft.com/office/drawing/2010/main">
+                <a:solidFill>
+                  <a:srgbClr val="FFFFFF"/>
+                </a:solidFill>
+              </a14:hiddenFill>
+            </a:ext>
+          </a:extLst>
+        </p:spPr>
+      </p:pic>
+      <p:sp>
+        <p:nvSpPr>
+          <p:cNvPr id="10" name="TextBox 9">
+            <a:extLst>
+              <a:ext uri="{FF2B5EF4-FFF2-40B4-BE49-F238E27FC236}">
+                <a16:creationId xmlns:a16="http://schemas.microsoft.com/office/drawing/2014/main" id="{0D77FCF5-DA20-4CF5-9EF9-36410D5A06A1}"/>
+              </a:ext>
+            </a:extLst>
+          </p:cNvPr>
+          <p:cNvSpPr txBox="1"/>
+          <p:nvPr/>
+        </p:nvSpPr>
+        <p:spPr>
+          <a:xfrm>
+            <a:off x="3806023" y="2030588"/>
+            <a:ext cx="7547777" cy="2031325"/>
+          </a:xfrm>
+          <a:prstGeom prst="rect">
+            <a:avLst/>
+          </a:prstGeom>
+          <a:noFill/>
+        </p:spPr>
+        <p:txBody>
+          <a:bodyPr wrap="square" rtlCol="0">
+            <a:spAutoFit/>
+          </a:bodyPr>
+          <a:lstStyle/>
+          <a:p>
+            <a:r>
+              <a:rPr lang="ko-KR" altLang="en-US" b="0" i="0" dirty="0">
+                <a:solidFill>
+                  <a:srgbClr val="333333"/>
+                </a:solidFill>
+                <a:effectLst/>
+                <a:latin typeface="나눔고딕"/>
+              </a:rPr>
+              <a:t>질병관리본부에 따르면 코로나</a:t>
+            </a:r>
+            <a:r>
+              <a:rPr lang="en-US" altLang="ko-KR" b="0" i="0" dirty="0">
+                <a:solidFill>
+                  <a:srgbClr val="333333"/>
+                </a:solidFill>
+                <a:effectLst/>
+                <a:latin typeface="나눔고딕"/>
+              </a:rPr>
+              <a:t>19 </a:t>
+            </a:r>
+            <a:r>
+              <a:rPr lang="ko-KR" altLang="en-US" b="0" i="0" dirty="0">
+                <a:solidFill>
+                  <a:srgbClr val="333333"/>
+                </a:solidFill>
+                <a:effectLst/>
+                <a:latin typeface="나눔고딕"/>
+              </a:rPr>
+              <a:t>감염자와 건강한 사람 모두 마스크를 착용하지 않았을 때 감염률을 </a:t>
+            </a:r>
+            <a:r>
+              <a:rPr lang="en-US" altLang="ko-KR" b="0" i="0" dirty="0">
+                <a:solidFill>
+                  <a:srgbClr val="333333"/>
+                </a:solidFill>
+                <a:effectLst/>
+                <a:latin typeface="나눔고딕"/>
+              </a:rPr>
+              <a:t>100%</a:t>
+            </a:r>
+            <a:r>
+              <a:rPr lang="ko-KR" altLang="en-US" b="0" i="0" dirty="0">
+                <a:solidFill>
+                  <a:srgbClr val="333333"/>
+                </a:solidFill>
+                <a:effectLst/>
+                <a:latin typeface="나눔고딕"/>
+              </a:rPr>
+              <a:t>라고 한다면</a:t>
+            </a:r>
+            <a:r>
+              <a:rPr lang="en-US" altLang="ko-KR" b="0" i="0" dirty="0">
+                <a:solidFill>
+                  <a:srgbClr val="333333"/>
+                </a:solidFill>
+                <a:effectLst/>
+                <a:latin typeface="나눔고딕"/>
+              </a:rPr>
+              <a:t>, </a:t>
+            </a:r>
+            <a:r>
+              <a:rPr lang="ko-KR" altLang="en-US" b="0" i="0" dirty="0">
+                <a:solidFill>
+                  <a:srgbClr val="333333"/>
+                </a:solidFill>
+                <a:effectLst/>
+                <a:latin typeface="나눔고딕"/>
+              </a:rPr>
+              <a:t>코로나</a:t>
+            </a:r>
+            <a:r>
+              <a:rPr lang="en-US" altLang="ko-KR" b="0" i="0" dirty="0">
+                <a:solidFill>
+                  <a:srgbClr val="333333"/>
+                </a:solidFill>
+                <a:effectLst/>
+                <a:latin typeface="나눔고딕"/>
+              </a:rPr>
+              <a:t>19 </a:t>
+            </a:r>
+            <a:r>
+              <a:rPr lang="ko-KR" altLang="en-US" b="0" i="0" dirty="0">
+                <a:solidFill>
+                  <a:srgbClr val="333333"/>
+                </a:solidFill>
+                <a:effectLst/>
+                <a:latin typeface="나눔고딕"/>
+              </a:rPr>
+              <a:t>감염자가 마스크를 착용하지 않고 건강한 사람이 마스크를 착용한 경우는 </a:t>
+            </a:r>
+            <a:r>
+              <a:rPr lang="en-US" altLang="ko-KR" b="0" i="0" dirty="0">
+                <a:solidFill>
+                  <a:srgbClr val="333333"/>
+                </a:solidFill>
+                <a:effectLst/>
+                <a:latin typeface="나눔고딕"/>
+              </a:rPr>
+              <a:t>70%</a:t>
+            </a:r>
+            <a:r>
+              <a:rPr lang="ko-KR" altLang="en-US" b="0" i="0" dirty="0">
+                <a:solidFill>
+                  <a:srgbClr val="333333"/>
+                </a:solidFill>
+                <a:effectLst/>
+                <a:latin typeface="나눔고딕"/>
+              </a:rPr>
+              <a:t>다</a:t>
+            </a:r>
+            <a:r>
+              <a:rPr lang="en-US" altLang="ko-KR" b="0" i="0" dirty="0">
+                <a:solidFill>
+                  <a:srgbClr val="333333"/>
+                </a:solidFill>
+                <a:effectLst/>
+                <a:latin typeface="나눔고딕"/>
+              </a:rPr>
+              <a:t>.</a:t>
+            </a:r>
+            <a:br>
+              <a:rPr lang="ko-KR" altLang="en-US" dirty="0"/>
+            </a:br>
+            <a:br>
+              <a:rPr lang="ko-KR" altLang="en-US" dirty="0"/>
+            </a:br>
+            <a:r>
+              <a:rPr lang="ko-KR" altLang="en-US" b="0" i="0" dirty="0">
+                <a:solidFill>
+                  <a:srgbClr val="333333"/>
+                </a:solidFill>
+                <a:effectLst/>
+                <a:latin typeface="나눔고딕"/>
+              </a:rPr>
+              <a:t>반면 건강한 사람이 마스크를 착용하지 않았더라도 코로나</a:t>
+            </a:r>
+            <a:r>
+              <a:rPr lang="en-US" altLang="ko-KR" b="0" i="0" dirty="0">
+                <a:solidFill>
+                  <a:srgbClr val="333333"/>
+                </a:solidFill>
+                <a:effectLst/>
+                <a:latin typeface="나눔고딕"/>
+              </a:rPr>
+              <a:t>19 </a:t>
+            </a:r>
+            <a:r>
+              <a:rPr lang="ko-KR" altLang="en-US" b="0" i="0" dirty="0">
+                <a:solidFill>
+                  <a:srgbClr val="333333"/>
+                </a:solidFill>
+                <a:effectLst/>
+                <a:latin typeface="나눔고딕"/>
+              </a:rPr>
+              <a:t>감염자가 마스크를 착용한다면 감염률은 </a:t>
+            </a:r>
+            <a:r>
+              <a:rPr lang="en-US" altLang="ko-KR" b="0" i="0" dirty="0">
+                <a:solidFill>
+                  <a:srgbClr val="333333"/>
+                </a:solidFill>
+                <a:effectLst/>
+                <a:latin typeface="나눔고딕"/>
+              </a:rPr>
+              <a:t>5%</a:t>
+            </a:r>
+            <a:r>
+              <a:rPr lang="ko-KR" altLang="en-US" b="0" i="0" dirty="0">
+                <a:solidFill>
+                  <a:srgbClr val="333333"/>
+                </a:solidFill>
+                <a:effectLst/>
+                <a:latin typeface="나눔고딕"/>
+              </a:rPr>
+              <a:t>로 떨어진다</a:t>
+            </a:r>
+            <a:r>
+              <a:rPr lang="en-US" altLang="ko-KR" b="0" i="0" dirty="0">
+                <a:solidFill>
+                  <a:srgbClr val="333333"/>
+                </a:solidFill>
+                <a:effectLst/>
+                <a:latin typeface="나눔고딕"/>
+              </a:rPr>
+              <a:t>. </a:t>
+            </a:r>
+            <a:r>
+              <a:rPr lang="ko-KR" altLang="en-US" b="0" i="0" dirty="0">
+                <a:solidFill>
+                  <a:srgbClr val="333333"/>
+                </a:solidFill>
+                <a:effectLst/>
+                <a:latin typeface="나눔고딕"/>
+              </a:rPr>
+              <a:t>둘 다 마스크를 착용하는 경우 감염률은 </a:t>
+            </a:r>
+            <a:r>
+              <a:rPr lang="en-US" altLang="ko-KR" b="0" i="0" dirty="0">
+                <a:solidFill>
+                  <a:srgbClr val="333333"/>
+                </a:solidFill>
+                <a:effectLst/>
+                <a:latin typeface="나눔고딕"/>
+              </a:rPr>
+              <a:t>1.5%</a:t>
+            </a:r>
+            <a:r>
+              <a:rPr lang="ko-KR" altLang="en-US" b="0" i="0" dirty="0">
+                <a:solidFill>
+                  <a:srgbClr val="333333"/>
+                </a:solidFill>
+                <a:effectLst/>
+                <a:latin typeface="나눔고딕"/>
+              </a:rPr>
+              <a:t>로 현저히 하락한다</a:t>
+            </a:r>
+            <a:r>
+              <a:rPr lang="en-US" altLang="ko-KR" b="0" i="0" dirty="0">
+                <a:solidFill>
+                  <a:srgbClr val="333333"/>
+                </a:solidFill>
+                <a:effectLst/>
+                <a:latin typeface="나눔고딕"/>
+              </a:rPr>
+              <a:t>.</a:t>
+            </a:r>
+            <a:endParaRPr lang="en-US" altLang="ko-KR" dirty="0"/>
+          </a:p>
+        </p:txBody>
+      </p:sp>
+    </p:spTree>
+    <p:extLst>
+      <p:ext uri="{BB962C8B-B14F-4D97-AF65-F5344CB8AC3E}">
+        <p14:creationId xmlns:p14="http://schemas.microsoft.com/office/powerpoint/2010/main" val="748043010"/>
+      </p:ext>
+    </p:extLst>
+  </p:cSld>
+  <p:clrMapOvr>
+    <a:masterClrMapping/>
+  </p:clrMapOvr>
+</p:sld>
+</file>
+
+<file path=ppt/slides/slide11.xml><?xml version="1.0" encoding="utf-8"?>
+<p:sld xmlns:a="http://schemas.openxmlformats.org/drawingml/2006/main" xmlns:r="http://schemas.openxmlformats.org/officeDocument/2006/relationships" xmlns:p="http://schemas.openxmlformats.org/presentationml/2006/main">
+  <p:cSld>
+    <p:spTree>
+      <p:nvGrpSpPr>
+        <p:cNvPr id="1" name=""/>
+        <p:cNvGrpSpPr/>
+        <p:nvPr/>
+      </p:nvGrpSpPr>
+      <p:grpSpPr>
+        <a:xfrm>
+          <a:off x="0" y="0"/>
+          <a:ext cx="0" cy="0"/>
+          <a:chOff x="0" y="0"/>
+          <a:chExt cx="0" cy="0"/>
+        </a:xfrm>
+      </p:grpSpPr>
+      <p:sp>
+        <p:nvSpPr>
+          <p:cNvPr id="2" name="제목 1">
+            <a:extLst>
+              <a:ext uri="{FF2B5EF4-FFF2-40B4-BE49-F238E27FC236}">
+                <a16:creationId xmlns:a16="http://schemas.microsoft.com/office/drawing/2014/main" id="{B148CC22-7BEE-428A-A7E1-1E6388DB5C93}"/>
+              </a:ext>
+            </a:extLst>
+          </p:cNvPr>
+          <p:cNvSpPr>
+            <a:spLocks noGrp="1"/>
+          </p:cNvSpPr>
+          <p:nvPr>
+            <p:ph type="title"/>
+          </p:nvPr>
+        </p:nvSpPr>
+        <p:spPr/>
+        <p:txBody>
+          <a:bodyPr>
+            <a:normAutofit fontScale="90000"/>
+          </a:bodyPr>
+          <a:lstStyle/>
+          <a:p>
+            <a:pPr>
+              <a:lnSpc>
+                <a:spcPct val="150000"/>
+              </a:lnSpc>
+            </a:pPr>
+            <a:r>
+              <a:rPr lang="en-US" altLang="ko-KR" dirty="0"/>
+              <a:t>1. 20</a:t>
+            </a:r>
+            <a:r>
+              <a:rPr lang="ko-KR" altLang="en-US" dirty="0"/>
+              <a:t>대는 불타는 청춘</a:t>
+            </a:r>
+            <a:r>
+              <a:rPr lang="en-US" altLang="ko-KR" dirty="0"/>
+              <a:t>. </a:t>
+            </a:r>
+            <a:br>
+              <a:rPr lang="en-US" altLang="ko-KR" dirty="0"/>
+            </a:br>
+            <a:r>
+              <a:rPr lang="ko-KR" altLang="en-US" dirty="0"/>
+              <a:t>외출을 많이 해서 그렇지 않을까</a:t>
+            </a:r>
+            <a:r>
+              <a:rPr lang="en-US" altLang="ko-KR" dirty="0"/>
+              <a:t>??</a:t>
+            </a:r>
+            <a:endParaRPr lang="ko-KR" altLang="en-US" dirty="0"/>
+          </a:p>
+        </p:txBody>
+      </p:sp>
+      <p:sp>
+        <p:nvSpPr>
+          <p:cNvPr id="16" name="TextBox 15">
+            <a:extLst>
+              <a:ext uri="{FF2B5EF4-FFF2-40B4-BE49-F238E27FC236}">
+                <a16:creationId xmlns:a16="http://schemas.microsoft.com/office/drawing/2014/main" id="{F405EB89-1F74-421A-AC52-182A8538B56B}"/>
+              </a:ext>
+            </a:extLst>
+          </p:cNvPr>
+          <p:cNvSpPr txBox="1"/>
+          <p:nvPr/>
+        </p:nvSpPr>
+        <p:spPr>
+          <a:xfrm>
+            <a:off x="7806794" y="5125841"/>
+            <a:ext cx="3448810" cy="923330"/>
+          </a:xfrm>
+          <a:prstGeom prst="rect">
+            <a:avLst/>
+          </a:prstGeom>
+          <a:noFill/>
+        </p:spPr>
+        <p:txBody>
+          <a:bodyPr wrap="square" rtlCol="0">
+            <a:spAutoFit/>
+          </a:bodyPr>
+          <a:lstStyle/>
+          <a:p>
+            <a:r>
+              <a:rPr lang="ko-KR" altLang="en-US" dirty="0"/>
+              <a:t>각 계층별 </a:t>
+            </a:r>
+            <a:r>
+              <a:rPr lang="ko-KR" altLang="en-US" dirty="0" err="1"/>
+              <a:t>확진자들의</a:t>
+            </a:r>
+            <a:r>
+              <a:rPr lang="ko-KR" altLang="en-US" dirty="0"/>
+              <a:t> 동선 중 마스크를 쓰지 않는 곳이 포함된 비율</a:t>
+            </a:r>
+            <a:endParaRPr lang="en-US" altLang="ko-KR" dirty="0"/>
+          </a:p>
+        </p:txBody>
+      </p:sp>
+      <p:sp>
+        <p:nvSpPr>
+          <p:cNvPr id="7" name="TextBox 6">
+            <a:extLst>
+              <a:ext uri="{FF2B5EF4-FFF2-40B4-BE49-F238E27FC236}">
+                <a16:creationId xmlns:a16="http://schemas.microsoft.com/office/drawing/2014/main" id="{D958D84E-B76D-49C6-882C-20A8F8E33048}"/>
+              </a:ext>
+            </a:extLst>
+          </p:cNvPr>
+          <p:cNvSpPr txBox="1"/>
+          <p:nvPr/>
+        </p:nvSpPr>
+        <p:spPr>
+          <a:xfrm>
+            <a:off x="1942707" y="2208364"/>
+            <a:ext cx="8306585" cy="369332"/>
+          </a:xfrm>
+          <a:prstGeom prst="rect">
+            <a:avLst/>
+          </a:prstGeom>
+          <a:noFill/>
+        </p:spPr>
+        <p:txBody>
+          <a:bodyPr wrap="square">
+            <a:spAutoFit/>
+          </a:bodyPr>
+          <a:lstStyle/>
+          <a:p>
+            <a:r>
+              <a:rPr lang="ko-KR" altLang="en-US" dirty="0"/>
+              <a:t>'</a:t>
+            </a:r>
+            <a:r>
+              <a:rPr lang="ko-KR" altLang="en-US" dirty="0" err="1"/>
+              <a:t>restaurant</a:t>
+            </a:r>
+            <a:r>
+              <a:rPr lang="ko-KR" altLang="en-US" dirty="0"/>
+              <a:t>','</a:t>
+            </a:r>
+            <a:r>
+              <a:rPr lang="ko-KR" altLang="en-US" dirty="0" err="1"/>
+              <a:t>cafe</a:t>
+            </a:r>
+            <a:r>
+              <a:rPr lang="ko-KR" altLang="en-US" dirty="0"/>
+              <a:t>','</a:t>
+            </a:r>
+            <a:r>
+              <a:rPr lang="ko-KR" altLang="en-US" dirty="0" err="1"/>
+              <a:t>bar</a:t>
+            </a:r>
+            <a:r>
+              <a:rPr lang="ko-KR" altLang="en-US" dirty="0"/>
+              <a:t>', '</a:t>
+            </a:r>
+            <a:r>
+              <a:rPr lang="ko-KR" altLang="en-US" dirty="0" err="1"/>
+              <a:t>bakery</a:t>
+            </a:r>
+            <a:r>
+              <a:rPr lang="ko-KR" altLang="en-US" dirty="0"/>
+              <a:t>', '</a:t>
+            </a:r>
+            <a:r>
+              <a:rPr lang="ko-KR" altLang="en-US" dirty="0" err="1"/>
+              <a:t>karaoke</a:t>
+            </a:r>
+            <a:r>
+              <a:rPr lang="ko-KR" altLang="en-US" dirty="0"/>
+              <a:t>','</a:t>
+            </a:r>
+            <a:r>
+              <a:rPr lang="ko-KR" altLang="en-US" dirty="0" err="1"/>
+              <a:t>lodging</a:t>
+            </a:r>
+            <a:r>
+              <a:rPr lang="ko-KR" altLang="en-US" dirty="0"/>
+              <a:t>','</a:t>
+            </a:r>
+            <a:r>
+              <a:rPr lang="ko-KR" altLang="en-US" dirty="0" err="1"/>
+              <a:t>gym</a:t>
+            </a:r>
+            <a:r>
+              <a:rPr lang="ko-KR" altLang="en-US" dirty="0"/>
+              <a:t>','</a:t>
+            </a:r>
+            <a:r>
+              <a:rPr lang="ko-KR" altLang="en-US" dirty="0" err="1"/>
+              <a:t>church</a:t>
+            </a:r>
+            <a:r>
+              <a:rPr lang="ko-KR" altLang="en-US" dirty="0"/>
+              <a:t>', '</a:t>
+            </a:r>
+            <a:r>
+              <a:rPr lang="ko-KR" altLang="en-US" dirty="0" err="1"/>
+              <a:t>pc_cafe</a:t>
+            </a:r>
+            <a:r>
+              <a:rPr lang="ko-KR" altLang="en-US" dirty="0"/>
+              <a:t>'</a:t>
+            </a:r>
+          </a:p>
+        </p:txBody>
+      </p:sp>
+      <p:sp>
+        <p:nvSpPr>
+          <p:cNvPr id="6" name="TextBox 5">
+            <a:extLst>
+              <a:ext uri="{FF2B5EF4-FFF2-40B4-BE49-F238E27FC236}">
+                <a16:creationId xmlns:a16="http://schemas.microsoft.com/office/drawing/2014/main" id="{4960B02D-C447-478B-8FFE-37257AF2C68B}"/>
+              </a:ext>
+            </a:extLst>
+          </p:cNvPr>
+          <p:cNvSpPr txBox="1"/>
+          <p:nvPr/>
+        </p:nvSpPr>
+        <p:spPr>
+          <a:xfrm>
+            <a:off x="923827" y="2761933"/>
+            <a:ext cx="10237510" cy="646331"/>
+          </a:xfrm>
+          <a:prstGeom prst="rect">
+            <a:avLst/>
+          </a:prstGeom>
+          <a:noFill/>
+        </p:spPr>
+        <p:txBody>
+          <a:bodyPr wrap="square" rtlCol="0">
+            <a:spAutoFit/>
+          </a:bodyPr>
+          <a:lstStyle/>
+          <a:p>
+            <a:r>
+              <a:rPr lang="ko-KR" altLang="en-US" dirty="0"/>
+              <a:t>위와 같은 곳을 실내에선 마스크를 쓰지 않는 곳으로 정의하고</a:t>
+            </a:r>
+            <a:r>
+              <a:rPr lang="en-US" altLang="ko-KR" dirty="0"/>
+              <a:t>, </a:t>
+            </a:r>
+            <a:r>
+              <a:rPr lang="ko-KR" altLang="en-US" dirty="0"/>
+              <a:t>외출한 곳에서 이 곳이 차지하는 비율을 계산해보았다</a:t>
+            </a:r>
+            <a:r>
+              <a:rPr lang="en-US" altLang="ko-KR" dirty="0"/>
+              <a:t>.</a:t>
+            </a:r>
+          </a:p>
+        </p:txBody>
+      </p:sp>
+      <p:pic>
+        <p:nvPicPr>
+          <p:cNvPr id="9" name="Picture 10">
+            <a:extLst>
+              <a:ext uri="{FF2B5EF4-FFF2-40B4-BE49-F238E27FC236}">
+                <a16:creationId xmlns:a16="http://schemas.microsoft.com/office/drawing/2014/main" id="{4412FC46-4F5B-475A-BFF6-2E06E56C1C1E}"/>
+              </a:ext>
+            </a:extLst>
+          </p:cNvPr>
+          <p:cNvPicPr>
+            <a:picLocks noChangeAspect="1" noChangeArrowheads="1"/>
+          </p:cNvPicPr>
+          <p:nvPr/>
+        </p:nvPicPr>
+        <p:blipFill>
+          <a:blip r:embed="rId2">
+            <a:extLst>
+              <a:ext uri="{28A0092B-C50C-407E-A947-70E740481C1C}">
+                <a14:useLocalDpi xmlns:a14="http://schemas.microsoft.com/office/drawing/2010/main" val="0"/>
+              </a:ext>
+            </a:extLst>
+          </a:blip>
+          <a:srcRect/>
+          <a:stretch>
+            <a:fillRect/>
+          </a:stretch>
+        </p:blipFill>
+        <p:spPr bwMode="auto">
+          <a:xfrm>
+            <a:off x="3246477" y="3546717"/>
+            <a:ext cx="4389034" cy="3158247"/>
+          </a:xfrm>
+          <a:prstGeom prst="rect">
+            <a:avLst/>
+          </a:prstGeom>
+          <a:noFill/>
+          <a:extLst>
+            <a:ext uri="{909E8E84-426E-40DD-AFC4-6F175D3DCCD1}">
+              <a14:hiddenFill xmlns:a14="http://schemas.microsoft.com/office/drawing/2010/main">
+                <a:solidFill>
+                  <a:srgbClr val="FFFFFF"/>
+                </a:solidFill>
+              </a14:hiddenFill>
+            </a:ext>
+          </a:extLst>
+        </p:spPr>
+      </p:pic>
+    </p:spTree>
+    <p:extLst>
+      <p:ext uri="{BB962C8B-B14F-4D97-AF65-F5344CB8AC3E}">
+        <p14:creationId xmlns:p14="http://schemas.microsoft.com/office/powerpoint/2010/main" val="434288412"/>
+      </p:ext>
+    </p:extLst>
+  </p:cSld>
+  <p:clrMapOvr>
+    <a:masterClrMapping/>
+  </p:clrMapOvr>
+</p:sld>
+</file>
+
+<file path=ppt/slides/slide12.xml><?xml version="1.0" encoding="utf-8"?>
+<p:sld xmlns:a="http://schemas.openxmlformats.org/drawingml/2006/main" xmlns:r="http://schemas.openxmlformats.org/officeDocument/2006/relationships" xmlns:p="http://schemas.openxmlformats.org/presentationml/2006/main">
+  <p:cSld>
+    <p:spTree>
+      <p:nvGrpSpPr>
+        <p:cNvPr id="1" name=""/>
+        <p:cNvGrpSpPr/>
+        <p:nvPr/>
+      </p:nvGrpSpPr>
+      <p:grpSpPr>
+        <a:xfrm>
+          <a:off x="0" y="0"/>
+          <a:ext cx="0" cy="0"/>
+          <a:chOff x="0" y="0"/>
+          <a:chExt cx="0" cy="0"/>
+        </a:xfrm>
+      </p:grpSpPr>
+      <p:sp>
+        <p:nvSpPr>
+          <p:cNvPr id="2" name="제목 1">
+            <a:extLst>
+              <a:ext uri="{FF2B5EF4-FFF2-40B4-BE49-F238E27FC236}">
+                <a16:creationId xmlns:a16="http://schemas.microsoft.com/office/drawing/2014/main" id="{B148CC22-7BEE-428A-A7E1-1E6388DB5C93}"/>
+              </a:ext>
+            </a:extLst>
+          </p:cNvPr>
+          <p:cNvSpPr>
+            <a:spLocks noGrp="1"/>
+          </p:cNvSpPr>
+          <p:nvPr>
+            <p:ph type="title"/>
+          </p:nvPr>
+        </p:nvSpPr>
+        <p:spPr/>
+        <p:txBody>
+          <a:bodyPr>
+            <a:normAutofit fontScale="90000"/>
+          </a:bodyPr>
+          <a:lstStyle/>
+          <a:p>
+            <a:pPr>
+              <a:lnSpc>
+                <a:spcPct val="150000"/>
+              </a:lnSpc>
+            </a:pPr>
+            <a:r>
+              <a:rPr lang="en-US" altLang="ko-KR" dirty="0"/>
+              <a:t>1. 20</a:t>
+            </a:r>
+            <a:r>
+              <a:rPr lang="ko-KR" altLang="en-US" dirty="0"/>
+              <a:t>대는 불타는 청춘</a:t>
+            </a:r>
+            <a:r>
+              <a:rPr lang="en-US" altLang="ko-KR" dirty="0"/>
+              <a:t>. </a:t>
+            </a:r>
+            <a:br>
+              <a:rPr lang="en-US" altLang="ko-KR" dirty="0"/>
+            </a:br>
+            <a:r>
+              <a:rPr lang="ko-KR" altLang="en-US" dirty="0"/>
+              <a:t>외출을 많이 해서 그렇지 않을까</a:t>
+            </a:r>
+            <a:r>
+              <a:rPr lang="en-US" altLang="ko-KR" dirty="0"/>
+              <a:t>??</a:t>
+            </a:r>
+            <a:endParaRPr lang="ko-KR" altLang="en-US" dirty="0"/>
+          </a:p>
+        </p:txBody>
+      </p:sp>
+      <p:sp>
+        <p:nvSpPr>
+          <p:cNvPr id="3" name="TextBox 2">
+            <a:extLst>
+              <a:ext uri="{FF2B5EF4-FFF2-40B4-BE49-F238E27FC236}">
+                <a16:creationId xmlns:a16="http://schemas.microsoft.com/office/drawing/2014/main" id="{41EBE7FF-D261-4577-B0A2-BFCE149D07F0}"/>
+              </a:ext>
+            </a:extLst>
+          </p:cNvPr>
+          <p:cNvSpPr txBox="1"/>
+          <p:nvPr/>
+        </p:nvSpPr>
+        <p:spPr>
+          <a:xfrm>
+            <a:off x="977245" y="2144880"/>
+            <a:ext cx="10237510" cy="646331"/>
+          </a:xfrm>
+          <a:prstGeom prst="rect">
+            <a:avLst/>
+          </a:prstGeom>
+          <a:noFill/>
+        </p:spPr>
+        <p:txBody>
+          <a:bodyPr wrap="square" rtlCol="0">
+            <a:spAutoFit/>
+          </a:bodyPr>
+          <a:lstStyle/>
+          <a:p>
+            <a:r>
+              <a:rPr lang="ko-KR" altLang="en-US" dirty="0"/>
+              <a:t>다른 계층에 비해 마스크를 실내에서 쓰지 않는 곳의 비율이 </a:t>
+            </a:r>
+            <a:r>
+              <a:rPr lang="en-US" altLang="ko-KR" dirty="0"/>
+              <a:t>20</a:t>
+            </a:r>
+            <a:r>
+              <a:rPr lang="ko-KR" altLang="en-US" dirty="0"/>
+              <a:t>대가 높았고</a:t>
+            </a:r>
+            <a:r>
+              <a:rPr lang="en-US" altLang="ko-KR" dirty="0"/>
+              <a:t>,</a:t>
+            </a:r>
+          </a:p>
+          <a:p>
+            <a:r>
+              <a:rPr lang="ko-KR" altLang="en-US" dirty="0"/>
+              <a:t>이를 통해 두 번째 결론에 도달할 수 있었다</a:t>
+            </a:r>
+            <a:r>
+              <a:rPr lang="en-US" altLang="ko-KR" dirty="0"/>
+              <a:t>.</a:t>
+            </a:r>
+          </a:p>
+        </p:txBody>
+      </p:sp>
+      <p:sp>
+        <p:nvSpPr>
+          <p:cNvPr id="4" name="직사각형 3">
+            <a:extLst>
+              <a:ext uri="{FF2B5EF4-FFF2-40B4-BE49-F238E27FC236}">
+                <a16:creationId xmlns:a16="http://schemas.microsoft.com/office/drawing/2014/main" id="{FFC81EB3-B096-4587-8E2D-17D44BB080DE}"/>
+              </a:ext>
+            </a:extLst>
+          </p:cNvPr>
+          <p:cNvSpPr/>
+          <p:nvPr/>
+        </p:nvSpPr>
+        <p:spPr>
+          <a:xfrm>
+            <a:off x="838200" y="3009953"/>
+            <a:ext cx="9983771" cy="2061667"/>
+          </a:xfrm>
+          <a:prstGeom prst="rect">
+            <a:avLst/>
+          </a:prstGeom>
+        </p:spPr>
+        <p:style>
+          <a:lnRef idx="2">
+            <a:schemeClr val="accent1">
+              <a:shade val="50000"/>
+            </a:schemeClr>
+          </a:lnRef>
+          <a:fillRef idx="1">
+            <a:schemeClr val="accent1"/>
+          </a:fillRef>
+          <a:effectRef idx="0">
+            <a:schemeClr val="accent1"/>
+          </a:effectRef>
+          <a:fontRef idx="minor">
+            <a:schemeClr val="lt1"/>
+          </a:fontRef>
+        </p:style>
+        <p:txBody>
+          <a:bodyPr rtlCol="0" anchor="ctr"/>
+          <a:lstStyle/>
+          <a:p>
+            <a:pPr algn="ctr"/>
+            <a:r>
+              <a:rPr lang="ko-KR" altLang="en-US" sz="3200" dirty="0"/>
+              <a:t>두 번째 결론 </a:t>
+            </a:r>
+            <a:r>
+              <a:rPr lang="en-US" altLang="ko-KR" sz="3200" dirty="0"/>
+              <a:t>: 20</a:t>
+            </a:r>
+            <a:r>
+              <a:rPr lang="ko-KR" altLang="en-US" sz="3200" dirty="0"/>
+              <a:t>대는 실내에서 마스크를 착용하지 않는 곳에 외출을 많이 했고</a:t>
+            </a:r>
+            <a:r>
+              <a:rPr lang="en-US" altLang="ko-KR" sz="3200" dirty="0"/>
+              <a:t>, </a:t>
+            </a:r>
+            <a:r>
+              <a:rPr lang="ko-KR" altLang="en-US" sz="3200" dirty="0"/>
+              <a:t>감염의 위험이 높아졌다</a:t>
+            </a:r>
+            <a:r>
+              <a:rPr lang="en-US" altLang="ko-KR" sz="3200" dirty="0"/>
+              <a:t>.</a:t>
+            </a:r>
+          </a:p>
+        </p:txBody>
+      </p:sp>
+    </p:spTree>
+    <p:extLst>
+      <p:ext uri="{BB962C8B-B14F-4D97-AF65-F5344CB8AC3E}">
+        <p14:creationId xmlns:p14="http://schemas.microsoft.com/office/powerpoint/2010/main" val="1219664629"/>
+      </p:ext>
+    </p:extLst>
+  </p:cSld>
+  <p:clrMapOvr>
+    <a:masterClrMapping/>
+  </p:clrMapOvr>
+</p:sld>
+</file>
+
+<file path=ppt/slides/slide13.xml><?xml version="1.0" encoding="utf-8"?>
+<p:sld xmlns:a="http://schemas.openxmlformats.org/drawingml/2006/main" xmlns:r="http://schemas.openxmlformats.org/officeDocument/2006/relationships" xmlns:p="http://schemas.openxmlformats.org/presentationml/2006/main">
+  <p:cSld>
+    <p:spTree>
+      <p:nvGrpSpPr>
+        <p:cNvPr id="1" name=""/>
+        <p:cNvGrpSpPr/>
+        <p:nvPr/>
+      </p:nvGrpSpPr>
+      <p:grpSpPr>
+        <a:xfrm>
+          <a:off x="0" y="0"/>
+          <a:ext cx="0" cy="0"/>
+          <a:chOff x="0" y="0"/>
+          <a:chExt cx="0" cy="0"/>
+        </a:xfrm>
+      </p:grpSpPr>
+      <p:sp>
+        <p:nvSpPr>
+          <p:cNvPr id="5" name="직사각형 4">
+            <a:extLst>
+              <a:ext uri="{FF2B5EF4-FFF2-40B4-BE49-F238E27FC236}">
+                <a16:creationId xmlns:a16="http://schemas.microsoft.com/office/drawing/2014/main" id="{454D0E85-C097-45E5-807D-2F3FEEE4B0C7}"/>
+              </a:ext>
+            </a:extLst>
+          </p:cNvPr>
+          <p:cNvSpPr/>
+          <p:nvPr/>
+        </p:nvSpPr>
+        <p:spPr>
+          <a:xfrm>
+            <a:off x="838200" y="346435"/>
+            <a:ext cx="10143241" cy="2941163"/>
+          </a:xfrm>
+          <a:prstGeom prst="rect">
+            <a:avLst/>
+          </a:prstGeom>
+        </p:spPr>
+        <p:style>
+          <a:lnRef idx="2">
+            <a:schemeClr val="accent2">
+              <a:shade val="50000"/>
+            </a:schemeClr>
+          </a:lnRef>
+          <a:fillRef idx="1">
+            <a:schemeClr val="accent2"/>
+          </a:fillRef>
+          <a:effectRef idx="0">
+            <a:schemeClr val="accent2"/>
+          </a:effectRef>
+          <a:fontRef idx="minor">
+            <a:schemeClr val="lt1"/>
+          </a:fontRef>
+        </p:style>
+        <p:txBody>
+          <a:bodyPr rtlCol="0" anchor="ctr"/>
+          <a:lstStyle/>
+          <a:p>
+            <a:pPr algn="ctr"/>
+            <a:r>
+              <a:rPr lang="ko-KR" altLang="en-US" sz="3200" dirty="0"/>
+              <a:t>최종 결론 </a:t>
+            </a:r>
+            <a:r>
+              <a:rPr lang="en-US" altLang="ko-KR" sz="3200" dirty="0"/>
+              <a:t>: 20</a:t>
+            </a:r>
+            <a:r>
+              <a:rPr lang="ko-KR" altLang="en-US" sz="3200" dirty="0"/>
+              <a:t>대 전반의 문제 라기 보다는 소수의 슈퍼감염자들로 인한 감염이 많아 보인다</a:t>
+            </a:r>
+            <a:r>
+              <a:rPr lang="en-US" altLang="ko-KR" sz="3200" dirty="0"/>
+              <a:t>. </a:t>
+            </a:r>
+            <a:r>
+              <a:rPr lang="ko-KR" altLang="en-US" sz="3200" dirty="0"/>
+              <a:t>또한 이 감염은 </a:t>
+            </a:r>
+            <a:r>
+              <a:rPr lang="en-US" altLang="ko-KR" sz="3200" dirty="0"/>
+              <a:t>20</a:t>
+            </a:r>
+            <a:r>
+              <a:rPr lang="ko-KR" altLang="en-US" sz="3200" dirty="0"/>
+              <a:t>대들이 실내에서 마스크를 벗는 시설을 자주 이용해서 그렇다고 예상된다</a:t>
+            </a:r>
+            <a:r>
+              <a:rPr lang="en-US" altLang="ko-KR" sz="3200" dirty="0"/>
+              <a:t>.</a:t>
+            </a:r>
+            <a:r>
+              <a:rPr lang="ko-KR" altLang="en-US" sz="3200" dirty="0"/>
+              <a:t> </a:t>
+            </a:r>
+            <a:endParaRPr lang="en-US" altLang="ko-KR" sz="3200" dirty="0"/>
+          </a:p>
+        </p:txBody>
+      </p:sp>
+      <p:sp>
+        <p:nvSpPr>
+          <p:cNvPr id="6" name="직사각형 5">
+            <a:extLst>
+              <a:ext uri="{FF2B5EF4-FFF2-40B4-BE49-F238E27FC236}">
+                <a16:creationId xmlns:a16="http://schemas.microsoft.com/office/drawing/2014/main" id="{4EFD88A8-0108-4009-B9FB-CCFCCEE6E993}"/>
+              </a:ext>
+            </a:extLst>
+          </p:cNvPr>
+          <p:cNvSpPr/>
+          <p:nvPr/>
+        </p:nvSpPr>
+        <p:spPr>
+          <a:xfrm>
+            <a:off x="838200" y="3570403"/>
+            <a:ext cx="10143241" cy="2941163"/>
+          </a:xfrm>
+          <a:prstGeom prst="rect">
+            <a:avLst/>
+          </a:prstGeom>
+        </p:spPr>
+        <p:style>
+          <a:lnRef idx="2">
+            <a:schemeClr val="accent6">
+              <a:shade val="50000"/>
+            </a:schemeClr>
+          </a:lnRef>
+          <a:fillRef idx="1">
+            <a:schemeClr val="accent6"/>
+          </a:fillRef>
+          <a:effectRef idx="0">
+            <a:schemeClr val="accent6"/>
+          </a:effectRef>
+          <a:fontRef idx="minor">
+            <a:schemeClr val="lt1"/>
+          </a:fontRef>
+        </p:style>
+        <p:txBody>
+          <a:bodyPr rtlCol="0" anchor="ctr"/>
+          <a:lstStyle/>
+          <a:p>
+            <a:pPr algn="ctr"/>
+            <a:r>
+              <a:rPr lang="ko-KR" altLang="en-US" sz="3200" dirty="0"/>
+              <a:t>해결책 </a:t>
+            </a:r>
+            <a:r>
+              <a:rPr lang="en-US" altLang="ko-KR" sz="3200" dirty="0"/>
+              <a:t>: </a:t>
+            </a:r>
+            <a:r>
+              <a:rPr lang="ko-KR" altLang="en-US" sz="3200" dirty="0"/>
+              <a:t>실내에서 마스크를 벗는 시설은 최대한 자제를 정책적으로 하고 </a:t>
+            </a:r>
+            <a:r>
+              <a:rPr lang="en-US" altLang="ko-KR" sz="3200" dirty="0"/>
+              <a:t>(</a:t>
+            </a:r>
+            <a:r>
+              <a:rPr lang="ko-KR" altLang="en-US" sz="3200" dirty="0"/>
+              <a:t>현재 시행 중</a:t>
+            </a:r>
+            <a:r>
+              <a:rPr lang="en-US" altLang="ko-KR" sz="3200" dirty="0"/>
+              <a:t>), </a:t>
+            </a:r>
+            <a:r>
+              <a:rPr lang="ko-KR" altLang="en-US" sz="3200" dirty="0"/>
+              <a:t>시설 입장 시 </a:t>
+            </a:r>
+            <a:r>
+              <a:rPr lang="en-US" altLang="ko-KR" sz="3200" dirty="0"/>
+              <a:t>QR</a:t>
+            </a:r>
+            <a:r>
+              <a:rPr lang="ko-KR" altLang="en-US" sz="3200" dirty="0"/>
+              <a:t>코드를 필수로 입력하게 하고</a:t>
+            </a:r>
+            <a:r>
+              <a:rPr lang="en-US" altLang="ko-KR" sz="3200" dirty="0"/>
+              <a:t>, </a:t>
+            </a:r>
+            <a:r>
+              <a:rPr lang="ko-KR" altLang="en-US" sz="3200" dirty="0"/>
+              <a:t>일정 수준 이상의 외출 시엔 경고를 주는 식의 제재가 효과적일 것이라 생각한다</a:t>
+            </a:r>
+            <a:r>
+              <a:rPr lang="en-US" altLang="ko-KR" sz="3200" dirty="0"/>
+              <a:t>.</a:t>
+            </a:r>
+          </a:p>
+        </p:txBody>
+      </p:sp>
+    </p:spTree>
+    <p:extLst>
+      <p:ext uri="{BB962C8B-B14F-4D97-AF65-F5344CB8AC3E}">
+        <p14:creationId xmlns:p14="http://schemas.microsoft.com/office/powerpoint/2010/main" val="3229153092"/>
+      </p:ext>
+    </p:extLst>
+  </p:cSld>
+  <p:clrMapOvr>
+    <a:masterClrMapping/>
+  </p:clrMapOvr>
+</p:sld>
+</file>
+
+<file path=ppt/slides/slide2.xml><?xml version="1.0" encoding="utf-8"?>
+<p:sld xmlns:a="http://schemas.openxmlformats.org/drawingml/2006/main" xmlns:r="http://schemas.openxmlformats.org/officeDocument/2006/relationships" xmlns:p="http://schemas.openxmlformats.org/presentationml/2006/main">
+  <p:cSld>
+    <p:spTree>
+      <p:nvGrpSpPr>
+        <p:cNvPr id="1" name=""/>
+        <p:cNvGrpSpPr/>
+        <p:nvPr/>
+      </p:nvGrpSpPr>
+      <p:grpSpPr>
+        <a:xfrm>
+          <a:off x="0" y="0"/>
+          <a:ext cx="0" cy="0"/>
+          <a:chOff x="0" y="0"/>
+          <a:chExt cx="0" cy="0"/>
+        </a:xfrm>
+      </p:grpSpPr>
+      <p:sp>
+        <p:nvSpPr>
+          <p:cNvPr id="6" name="제목 1">
+            <a:extLst>
+              <a:ext uri="{FF2B5EF4-FFF2-40B4-BE49-F238E27FC236}">
+                <a16:creationId xmlns:a16="http://schemas.microsoft.com/office/drawing/2014/main" id="{8C6C5092-7898-4B0B-A235-35DDE929727C}"/>
+              </a:ext>
+            </a:extLst>
+          </p:cNvPr>
+          <p:cNvSpPr>
+            <a:spLocks noGrp="1"/>
+          </p:cNvSpPr>
+          <p:nvPr>
+            <p:ph type="title"/>
+          </p:nvPr>
+        </p:nvSpPr>
+        <p:spPr>
+          <a:xfrm>
+            <a:off x="838200" y="365126"/>
+            <a:ext cx="10515600" cy="879212"/>
+          </a:xfrm>
+        </p:spPr>
+        <p:txBody>
+          <a:bodyPr>
+            <a:normAutofit fontScale="90000"/>
+          </a:bodyPr>
+          <a:lstStyle/>
+          <a:p>
+            <a:pPr>
+              <a:lnSpc>
+                <a:spcPct val="150000"/>
+              </a:lnSpc>
+            </a:pPr>
+            <a:r>
+              <a:rPr lang="en-US" altLang="ko-KR" dirty="0"/>
+              <a:t>0. </a:t>
+            </a:r>
+            <a:r>
+              <a:rPr lang="ko-KR" altLang="en-US" dirty="0" err="1"/>
+              <a:t>인트로</a:t>
+            </a:r>
+            <a:r>
+              <a:rPr lang="ko-KR" altLang="en-US" dirty="0"/>
+              <a:t> </a:t>
+            </a:r>
+            <a:r>
+              <a:rPr lang="en-US" altLang="ko-KR" dirty="0"/>
+              <a:t>– </a:t>
+            </a:r>
+            <a:r>
+              <a:rPr lang="ko-KR" altLang="en-US" dirty="0"/>
+              <a:t>왜 </a:t>
+            </a:r>
+            <a:r>
+              <a:rPr lang="en-US" altLang="ko-KR" dirty="0"/>
+              <a:t>20</a:t>
+            </a:r>
+            <a:r>
+              <a:rPr lang="ko-KR" altLang="en-US" dirty="0"/>
+              <a:t>대에 주목했는가</a:t>
+            </a:r>
+            <a:r>
+              <a:rPr lang="en-US" altLang="ko-KR" dirty="0"/>
+              <a:t>?</a:t>
+            </a:r>
+            <a:endParaRPr lang="ko-KR" altLang="en-US" dirty="0"/>
+          </a:p>
+        </p:txBody>
+      </p:sp>
+      <p:pic>
+        <p:nvPicPr>
+          <p:cNvPr id="10" name="Picture 6">
+            <a:extLst>
+              <a:ext uri="{FF2B5EF4-FFF2-40B4-BE49-F238E27FC236}">
+                <a16:creationId xmlns:a16="http://schemas.microsoft.com/office/drawing/2014/main" id="{C156C4E2-BC6B-4C75-9FD6-698C3C0657FE}"/>
+              </a:ext>
+            </a:extLst>
+          </p:cNvPr>
+          <p:cNvPicPr>
+            <a:picLocks noChangeAspect="1" noChangeArrowheads="1"/>
+          </p:cNvPicPr>
+          <p:nvPr/>
+        </p:nvPicPr>
+        <p:blipFill>
+          <a:blip r:embed="rId2">
+            <a:extLst>
+              <a:ext uri="{28A0092B-C50C-407E-A947-70E740481C1C}">
+                <a14:useLocalDpi xmlns:a14="http://schemas.microsoft.com/office/drawing/2010/main" val="0"/>
+              </a:ext>
+            </a:extLst>
+          </a:blip>
+          <a:srcRect/>
+          <a:stretch>
+            <a:fillRect/>
+          </a:stretch>
+        </p:blipFill>
+        <p:spPr bwMode="auto">
+          <a:xfrm>
+            <a:off x="2534005" y="3064660"/>
+            <a:ext cx="6762750" cy="3352800"/>
+          </a:xfrm>
+          <a:prstGeom prst="rect">
+            <a:avLst/>
+          </a:prstGeom>
+          <a:noFill/>
+          <a:extLst>
+            <a:ext uri="{909E8E84-426E-40DD-AFC4-6F175D3DCCD1}">
+              <a14:hiddenFill xmlns:a14="http://schemas.microsoft.com/office/drawing/2010/main">
+                <a:solidFill>
+                  <a:srgbClr val="FFFFFF"/>
+                </a:solidFill>
+              </a14:hiddenFill>
+            </a:ext>
+          </a:extLst>
+        </p:spPr>
+      </p:pic>
+      <p:sp>
+        <p:nvSpPr>
+          <p:cNvPr id="12" name="TextBox 11">
+            <a:extLst>
+              <a:ext uri="{FF2B5EF4-FFF2-40B4-BE49-F238E27FC236}">
+                <a16:creationId xmlns:a16="http://schemas.microsoft.com/office/drawing/2014/main" id="{05282052-B492-4D38-B079-50630A0815B7}"/>
+              </a:ext>
+            </a:extLst>
+          </p:cNvPr>
+          <p:cNvSpPr txBox="1"/>
+          <p:nvPr/>
+        </p:nvSpPr>
+        <p:spPr>
+          <a:xfrm>
+            <a:off x="923827" y="1864331"/>
+            <a:ext cx="9964132" cy="923330"/>
+          </a:xfrm>
+          <a:prstGeom prst="rect">
+            <a:avLst/>
+          </a:prstGeom>
+          <a:noFill/>
+        </p:spPr>
+        <p:txBody>
+          <a:bodyPr wrap="square" rtlCol="0">
+            <a:spAutoFit/>
+          </a:bodyPr>
+          <a:lstStyle/>
+          <a:p>
+            <a:r>
+              <a:rPr lang="ko-KR" altLang="en-US" dirty="0" err="1"/>
+              <a:t>나이대</a:t>
+            </a:r>
+            <a:r>
+              <a:rPr lang="ko-KR" altLang="en-US" dirty="0"/>
+              <a:t> 별 인구 대비 </a:t>
+            </a:r>
+            <a:r>
+              <a:rPr lang="ko-KR" altLang="en-US" dirty="0" err="1"/>
+              <a:t>확진자</a:t>
+            </a:r>
+            <a:r>
+              <a:rPr lang="en-US" altLang="ko-KR" dirty="0"/>
+              <a:t>, </a:t>
+            </a:r>
+            <a:r>
+              <a:rPr lang="ko-KR" altLang="en-US" dirty="0"/>
+              <a:t>사망자</a:t>
+            </a:r>
+            <a:r>
+              <a:rPr lang="en-US" altLang="ko-KR" dirty="0"/>
+              <a:t>, </a:t>
+            </a:r>
+            <a:r>
+              <a:rPr lang="ko-KR" altLang="en-US" dirty="0"/>
+              <a:t>나이별 </a:t>
+            </a:r>
+            <a:r>
+              <a:rPr lang="ko-KR" altLang="en-US" dirty="0" err="1"/>
+              <a:t>확진자</a:t>
+            </a:r>
+            <a:r>
+              <a:rPr lang="ko-KR" altLang="en-US" dirty="0"/>
+              <a:t> 대비 사망자의 비율을 비교해봤을 때</a:t>
+            </a:r>
+            <a:r>
+              <a:rPr lang="en-US" altLang="ko-KR" dirty="0"/>
+              <a:t>,</a:t>
+            </a:r>
+          </a:p>
+          <a:p>
+            <a:r>
+              <a:rPr lang="ko-KR" altLang="en-US" dirty="0"/>
+              <a:t>눈에 띄는 한 수치</a:t>
+            </a:r>
+            <a:r>
+              <a:rPr lang="en-US" altLang="ko-KR" dirty="0"/>
+              <a:t>.</a:t>
+            </a:r>
+          </a:p>
+          <a:p>
+            <a:r>
+              <a:rPr lang="ko-KR" altLang="en-US" dirty="0"/>
+              <a:t>왜 </a:t>
+            </a:r>
+            <a:r>
+              <a:rPr lang="en-US" altLang="ko-KR" dirty="0"/>
+              <a:t>20</a:t>
+            </a:r>
+            <a:r>
+              <a:rPr lang="ko-KR" altLang="en-US" dirty="0"/>
+              <a:t>대의 인구대비 </a:t>
+            </a:r>
+            <a:r>
+              <a:rPr lang="ko-KR" altLang="en-US" dirty="0" err="1"/>
+              <a:t>확진자</a:t>
+            </a:r>
+            <a:r>
+              <a:rPr lang="ko-KR" altLang="en-US" dirty="0"/>
+              <a:t> 수가 많을까</a:t>
+            </a:r>
+            <a:r>
+              <a:rPr lang="en-US" altLang="ko-KR" dirty="0"/>
+              <a:t>?</a:t>
+            </a:r>
+          </a:p>
+        </p:txBody>
+      </p:sp>
+    </p:spTree>
+    <p:extLst>
+      <p:ext uri="{BB962C8B-B14F-4D97-AF65-F5344CB8AC3E}">
+        <p14:creationId xmlns:p14="http://schemas.microsoft.com/office/powerpoint/2010/main" val="879370990"/>
+      </p:ext>
+    </p:extLst>
+  </p:cSld>
+  <p:clrMapOvr>
+    <a:masterClrMapping/>
+  </p:clrMapOvr>
+</p:sld>
+</file>
+
+<file path=ppt/slides/slide3.xml><?xml version="1.0" encoding="utf-8"?>
+<p:sld xmlns:a="http://schemas.openxmlformats.org/drawingml/2006/main" xmlns:r="http://schemas.openxmlformats.org/officeDocument/2006/relationships" xmlns:p="http://schemas.openxmlformats.org/presentationml/2006/main">
+  <p:cSld>
+    <p:spTree>
+      <p:nvGrpSpPr>
+        <p:cNvPr id="1" name=""/>
+        <p:cNvGrpSpPr/>
+        <p:nvPr/>
+      </p:nvGrpSpPr>
+      <p:grpSpPr>
+        <a:xfrm>
+          <a:off x="0" y="0"/>
+          <a:ext cx="0" cy="0"/>
+          <a:chOff x="0" y="0"/>
+          <a:chExt cx="0" cy="0"/>
+        </a:xfrm>
+      </p:grpSpPr>
+      <p:sp>
+        <p:nvSpPr>
+          <p:cNvPr id="2" name="제목 1">
+            <a:extLst>
+              <a:ext uri="{FF2B5EF4-FFF2-40B4-BE49-F238E27FC236}">
+                <a16:creationId xmlns:a16="http://schemas.microsoft.com/office/drawing/2014/main" id="{B148CC22-7BEE-428A-A7E1-1E6388DB5C93}"/>
+              </a:ext>
+            </a:extLst>
+          </p:cNvPr>
+          <p:cNvSpPr>
+            <a:spLocks noGrp="1"/>
+          </p:cNvSpPr>
+          <p:nvPr>
+            <p:ph type="title"/>
+          </p:nvPr>
+        </p:nvSpPr>
+        <p:spPr/>
+        <p:txBody>
+          <a:bodyPr>
+            <a:normAutofit fontScale="90000"/>
+          </a:bodyPr>
+          <a:lstStyle/>
+          <a:p>
+            <a:pPr>
+              <a:lnSpc>
+                <a:spcPct val="150000"/>
+              </a:lnSpc>
+            </a:pPr>
+            <a:r>
+              <a:rPr lang="en-US" altLang="ko-KR" dirty="0"/>
+              <a:t>1. 20</a:t>
+            </a:r>
+            <a:r>
+              <a:rPr lang="ko-KR" altLang="en-US" dirty="0"/>
+              <a:t>대는 불타는 청춘</a:t>
+            </a:r>
+            <a:r>
+              <a:rPr lang="en-US" altLang="ko-KR" dirty="0"/>
+              <a:t>. </a:t>
+            </a:r>
+            <a:br>
+              <a:rPr lang="en-US" altLang="ko-KR" dirty="0"/>
+            </a:br>
+            <a:r>
+              <a:rPr lang="ko-KR" altLang="en-US" dirty="0"/>
+              <a:t>외출을 많이 해서 그렇지 않을까</a:t>
+            </a:r>
+            <a:r>
+              <a:rPr lang="en-US" altLang="ko-KR" dirty="0"/>
+              <a:t>??</a:t>
+            </a:r>
+            <a:endParaRPr lang="ko-KR" altLang="en-US" dirty="0"/>
+          </a:p>
+        </p:txBody>
+      </p:sp>
+      <p:sp>
+        <p:nvSpPr>
+          <p:cNvPr id="4" name="TextBox 3">
+            <a:extLst>
+              <a:ext uri="{FF2B5EF4-FFF2-40B4-BE49-F238E27FC236}">
+                <a16:creationId xmlns:a16="http://schemas.microsoft.com/office/drawing/2014/main" id="{407B04E7-01F8-4EFB-BF9D-371BCD9A3A6D}"/>
+              </a:ext>
+            </a:extLst>
+          </p:cNvPr>
+          <p:cNvSpPr txBox="1"/>
+          <p:nvPr/>
+        </p:nvSpPr>
+        <p:spPr>
+          <a:xfrm>
+            <a:off x="923827" y="2348584"/>
+            <a:ext cx="9964132" cy="1200329"/>
+          </a:xfrm>
+          <a:prstGeom prst="rect">
+            <a:avLst/>
+          </a:prstGeom>
+          <a:noFill/>
+        </p:spPr>
+        <p:txBody>
+          <a:bodyPr wrap="square" rtlCol="0">
+            <a:spAutoFit/>
+          </a:bodyPr>
+          <a:lstStyle/>
+          <a:p>
+            <a:r>
+              <a:rPr lang="en-US" altLang="ko-KR" dirty="0"/>
+              <a:t>[work_out_20s] </a:t>
+            </a:r>
+            <a:r>
+              <a:rPr lang="ko-KR" altLang="en-US" dirty="0"/>
+              <a:t>에 따르면 </a:t>
+            </a:r>
+            <a:r>
+              <a:rPr lang="en-US" altLang="ko-KR" dirty="0"/>
+              <a:t>20</a:t>
+            </a:r>
+            <a:r>
+              <a:rPr lang="ko-KR" altLang="en-US" dirty="0"/>
+              <a:t>대의 절대적인 </a:t>
+            </a:r>
+            <a:r>
+              <a:rPr lang="ko-KR" altLang="en-US" dirty="0" err="1"/>
+              <a:t>외출량은</a:t>
+            </a:r>
+            <a:r>
+              <a:rPr lang="ko-KR" altLang="en-US" dirty="0"/>
+              <a:t> 많았다</a:t>
+            </a:r>
+            <a:r>
+              <a:rPr lang="en-US" altLang="ko-KR" dirty="0"/>
+              <a:t>. (PatientRoute.csv) </a:t>
+            </a:r>
+          </a:p>
+          <a:p>
+            <a:r>
+              <a:rPr lang="ko-KR" altLang="en-US" dirty="0"/>
+              <a:t>다른 계층에 비해 월등한 </a:t>
+            </a:r>
+            <a:r>
+              <a:rPr lang="ko-KR" altLang="en-US" dirty="0" err="1"/>
+              <a:t>외출량을</a:t>
+            </a:r>
+            <a:r>
+              <a:rPr lang="ko-KR" altLang="en-US" dirty="0"/>
+              <a:t> 보였는데</a:t>
+            </a:r>
+            <a:r>
+              <a:rPr lang="en-US" altLang="ko-KR" dirty="0"/>
+              <a:t>, </a:t>
+            </a:r>
+            <a:r>
+              <a:rPr lang="ko-KR" altLang="en-US" dirty="0"/>
+              <a:t>우리가 알고 있다시피 </a:t>
+            </a:r>
+            <a:r>
+              <a:rPr lang="en-US" altLang="ko-KR" dirty="0"/>
+              <a:t>20</a:t>
+            </a:r>
+            <a:r>
+              <a:rPr lang="ko-KR" altLang="en-US" dirty="0"/>
+              <a:t>대의 </a:t>
+            </a:r>
+            <a:r>
+              <a:rPr lang="ko-KR" altLang="en-US" dirty="0" err="1"/>
+              <a:t>확진자의</a:t>
+            </a:r>
+            <a:r>
+              <a:rPr lang="ko-KR" altLang="en-US" dirty="0"/>
+              <a:t> 수는 다른 나이대에 비해 많다</a:t>
+            </a:r>
+            <a:r>
+              <a:rPr lang="en-US" altLang="ko-KR" dirty="0"/>
+              <a:t>.</a:t>
+            </a:r>
+          </a:p>
+          <a:p>
+            <a:endParaRPr lang="en-US" altLang="ko-KR" dirty="0"/>
+          </a:p>
+        </p:txBody>
+      </p:sp>
+      <p:pic>
+        <p:nvPicPr>
+          <p:cNvPr id="3" name="Picture 2">
+            <a:extLst>
+              <a:ext uri="{FF2B5EF4-FFF2-40B4-BE49-F238E27FC236}">
+                <a16:creationId xmlns:a16="http://schemas.microsoft.com/office/drawing/2014/main" id="{3DEE9642-EBD5-4BA6-ACAD-FE3923E7C4F9}"/>
+              </a:ext>
+            </a:extLst>
+          </p:cNvPr>
+          <p:cNvPicPr>
+            <a:picLocks noChangeAspect="1" noChangeArrowheads="1"/>
+          </p:cNvPicPr>
+          <p:nvPr/>
+        </p:nvPicPr>
+        <p:blipFill>
+          <a:blip r:embed="rId2">
+            <a:extLst>
+              <a:ext uri="{28A0092B-C50C-407E-A947-70E740481C1C}">
+                <a14:useLocalDpi xmlns:a14="http://schemas.microsoft.com/office/drawing/2010/main" val="0"/>
+              </a:ext>
+            </a:extLst>
+          </a:blip>
+          <a:srcRect/>
+          <a:stretch>
+            <a:fillRect/>
+          </a:stretch>
+        </p:blipFill>
+        <p:spPr bwMode="auto">
+          <a:xfrm>
+            <a:off x="1559032" y="3651298"/>
+            <a:ext cx="3629025" cy="2724150"/>
+          </a:xfrm>
+          <a:prstGeom prst="rect">
+            <a:avLst/>
+          </a:prstGeom>
+          <a:noFill/>
+          <a:extLst>
+            <a:ext uri="{909E8E84-426E-40DD-AFC4-6F175D3DCCD1}">
+              <a14:hiddenFill xmlns:a14="http://schemas.microsoft.com/office/drawing/2010/main">
+                <a:solidFill>
+                  <a:srgbClr val="FFFFFF"/>
+                </a:solidFill>
+              </a14:hiddenFill>
+            </a:ext>
+          </a:extLst>
+        </p:spPr>
+      </p:pic>
+      <p:sp>
+        <p:nvSpPr>
+          <p:cNvPr id="9" name="TextBox 8">
+            <a:extLst>
+              <a:ext uri="{FF2B5EF4-FFF2-40B4-BE49-F238E27FC236}">
+                <a16:creationId xmlns:a16="http://schemas.microsoft.com/office/drawing/2014/main" id="{00946E6F-D73B-45D2-82C4-BC4B0EAA905F}"/>
+              </a:ext>
+            </a:extLst>
+          </p:cNvPr>
+          <p:cNvSpPr txBox="1"/>
+          <p:nvPr/>
+        </p:nvSpPr>
+        <p:spPr>
+          <a:xfrm>
+            <a:off x="1799268" y="6375448"/>
+            <a:ext cx="3148552" cy="369332"/>
+          </a:xfrm>
+          <a:prstGeom prst="rect">
+            <a:avLst/>
+          </a:prstGeom>
+          <a:noFill/>
+        </p:spPr>
+        <p:txBody>
+          <a:bodyPr wrap="square" rtlCol="0">
+            <a:spAutoFit/>
+          </a:bodyPr>
+          <a:lstStyle/>
+          <a:p>
+            <a:r>
+              <a:rPr lang="ko-KR" altLang="en-US" dirty="0"/>
+              <a:t>각 계층별 </a:t>
+            </a:r>
+            <a:r>
+              <a:rPr lang="ko-KR" altLang="en-US" dirty="0" err="1"/>
+              <a:t>확진자의</a:t>
+            </a:r>
+            <a:r>
+              <a:rPr lang="ko-KR" altLang="en-US" dirty="0"/>
+              <a:t> </a:t>
+            </a:r>
+            <a:r>
+              <a:rPr lang="ko-KR" altLang="en-US" dirty="0" err="1"/>
+              <a:t>외출량</a:t>
+            </a:r>
+            <a:endParaRPr lang="en-US" altLang="ko-KR" dirty="0"/>
+          </a:p>
+        </p:txBody>
+      </p:sp>
+      <p:pic>
+        <p:nvPicPr>
+          <p:cNvPr id="11" name="Picture 2">
+            <a:extLst>
+              <a:ext uri="{FF2B5EF4-FFF2-40B4-BE49-F238E27FC236}">
+                <a16:creationId xmlns:a16="http://schemas.microsoft.com/office/drawing/2014/main" id="{8980F8C1-D699-47BE-B7A5-3A6D94969945}"/>
+              </a:ext>
+            </a:extLst>
+          </p:cNvPr>
+          <p:cNvPicPr>
+            <a:picLocks noChangeAspect="1" noChangeArrowheads="1"/>
+          </p:cNvPicPr>
+          <p:nvPr/>
+        </p:nvPicPr>
+        <p:blipFill>
+          <a:blip r:embed="rId3">
+            <a:extLst>
+              <a:ext uri="{28A0092B-C50C-407E-A947-70E740481C1C}">
+                <a14:useLocalDpi xmlns:a14="http://schemas.microsoft.com/office/drawing/2010/main" val="0"/>
+              </a:ext>
+            </a:extLst>
+          </a:blip>
+          <a:srcRect/>
+          <a:stretch>
+            <a:fillRect/>
+          </a:stretch>
+        </p:blipFill>
+        <p:spPr bwMode="auto">
+          <a:xfrm>
+            <a:off x="7003944" y="3548913"/>
+            <a:ext cx="3884015" cy="2826535"/>
+          </a:xfrm>
+          <a:prstGeom prst="rect">
+            <a:avLst/>
+          </a:prstGeom>
+          <a:noFill/>
+          <a:extLst>
+            <a:ext uri="{909E8E84-426E-40DD-AFC4-6F175D3DCCD1}">
+              <a14:hiddenFill xmlns:a14="http://schemas.microsoft.com/office/drawing/2010/main">
+                <a:solidFill>
+                  <a:srgbClr val="FFFFFF"/>
+                </a:solidFill>
+              </a14:hiddenFill>
+            </a:ext>
+          </a:extLst>
+        </p:spPr>
+      </p:pic>
+      <p:sp>
+        <p:nvSpPr>
+          <p:cNvPr id="12" name="TextBox 11">
+            <a:extLst>
+              <a:ext uri="{FF2B5EF4-FFF2-40B4-BE49-F238E27FC236}">
+                <a16:creationId xmlns:a16="http://schemas.microsoft.com/office/drawing/2014/main" id="{A3C303C2-8273-4C2C-848A-AB9BBC106D8A}"/>
+              </a:ext>
+            </a:extLst>
+          </p:cNvPr>
+          <p:cNvSpPr txBox="1"/>
+          <p:nvPr/>
+        </p:nvSpPr>
+        <p:spPr>
+          <a:xfrm>
+            <a:off x="7061024" y="6375448"/>
+            <a:ext cx="3966913" cy="369332"/>
+          </a:xfrm>
+          <a:prstGeom prst="rect">
+            <a:avLst/>
+          </a:prstGeom>
+          <a:noFill/>
+        </p:spPr>
+        <p:txBody>
+          <a:bodyPr wrap="square" rtlCol="0">
+            <a:spAutoFit/>
+          </a:bodyPr>
+          <a:lstStyle/>
+          <a:p>
+            <a:r>
+              <a:rPr lang="en-US" altLang="ko-KR" dirty="0"/>
+              <a:t>20</a:t>
+            </a:r>
+            <a:r>
+              <a:rPr lang="ko-KR" altLang="en-US" dirty="0"/>
+              <a:t>대의 </a:t>
+            </a:r>
+            <a:r>
+              <a:rPr lang="ko-KR" altLang="en-US" dirty="0" err="1"/>
+              <a:t>확진자</a:t>
+            </a:r>
+            <a:r>
+              <a:rPr lang="ko-KR" altLang="en-US" dirty="0"/>
+              <a:t> 수가 절대적으로 많다</a:t>
+            </a:r>
+            <a:r>
+              <a:rPr lang="en-US" altLang="ko-KR" dirty="0"/>
+              <a:t>.</a:t>
+            </a:r>
+          </a:p>
+        </p:txBody>
+      </p:sp>
+    </p:spTree>
+    <p:extLst>
+      <p:ext uri="{BB962C8B-B14F-4D97-AF65-F5344CB8AC3E}">
+        <p14:creationId xmlns:p14="http://schemas.microsoft.com/office/powerpoint/2010/main" val="1899479455"/>
+      </p:ext>
+    </p:extLst>
+  </p:cSld>
+  <p:clrMapOvr>
+    <a:masterClrMapping/>
+  </p:clrMapOvr>
+</p:sld>
+</file>
+
+<file path=ppt/slides/slide4.xml><?xml version="1.0" encoding="utf-8"?>
+<p:sld xmlns:a="http://schemas.openxmlformats.org/drawingml/2006/main" xmlns:r="http://schemas.openxmlformats.org/officeDocument/2006/relationships" xmlns:p="http://schemas.openxmlformats.org/presentationml/2006/main">
+  <p:cSld>
+    <p:spTree>
+      <p:nvGrpSpPr>
+        <p:cNvPr id="1" name=""/>
+        <p:cNvGrpSpPr/>
+        <p:nvPr/>
+      </p:nvGrpSpPr>
+      <p:grpSpPr>
+        <a:xfrm>
+          <a:off x="0" y="0"/>
+          <a:ext cx="0" cy="0"/>
+          <a:chOff x="0" y="0"/>
+          <a:chExt cx="0" cy="0"/>
+        </a:xfrm>
+      </p:grpSpPr>
+      <p:sp>
+        <p:nvSpPr>
+          <p:cNvPr id="2" name="제목 1">
+            <a:extLst>
+              <a:ext uri="{FF2B5EF4-FFF2-40B4-BE49-F238E27FC236}">
+                <a16:creationId xmlns:a16="http://schemas.microsoft.com/office/drawing/2014/main" id="{B148CC22-7BEE-428A-A7E1-1E6388DB5C93}"/>
+              </a:ext>
+            </a:extLst>
+          </p:cNvPr>
+          <p:cNvSpPr>
+            <a:spLocks noGrp="1"/>
+          </p:cNvSpPr>
+          <p:nvPr>
+            <p:ph type="title"/>
+          </p:nvPr>
+        </p:nvSpPr>
+        <p:spPr/>
+        <p:txBody>
+          <a:bodyPr>
+            <a:normAutofit fontScale="90000"/>
+          </a:bodyPr>
+          <a:lstStyle/>
+          <a:p>
+            <a:pPr>
+              <a:lnSpc>
+                <a:spcPct val="150000"/>
+              </a:lnSpc>
+            </a:pPr>
+            <a:r>
+              <a:rPr lang="en-US" altLang="ko-KR" dirty="0"/>
+              <a:t>1. 20</a:t>
+            </a:r>
+            <a:r>
+              <a:rPr lang="ko-KR" altLang="en-US" dirty="0"/>
+              <a:t>대는 불타는 청춘</a:t>
+            </a:r>
+            <a:r>
+              <a:rPr lang="en-US" altLang="ko-KR" dirty="0"/>
+              <a:t>. </a:t>
+            </a:r>
+            <a:br>
+              <a:rPr lang="en-US" altLang="ko-KR" dirty="0"/>
+            </a:br>
+            <a:r>
+              <a:rPr lang="ko-KR" altLang="en-US" dirty="0"/>
+              <a:t>외출을 많이 해서 그렇지 않을까</a:t>
+            </a:r>
+            <a:r>
+              <a:rPr lang="en-US" altLang="ko-KR" dirty="0"/>
+              <a:t>??</a:t>
+            </a:r>
+            <a:endParaRPr lang="ko-KR" altLang="en-US" dirty="0"/>
+          </a:p>
+        </p:txBody>
+      </p:sp>
+      <p:sp>
+        <p:nvSpPr>
+          <p:cNvPr id="4" name="TextBox 3">
+            <a:extLst>
+              <a:ext uri="{FF2B5EF4-FFF2-40B4-BE49-F238E27FC236}">
+                <a16:creationId xmlns:a16="http://schemas.microsoft.com/office/drawing/2014/main" id="{407B04E7-01F8-4EFB-BF9D-371BCD9A3A6D}"/>
+              </a:ext>
+            </a:extLst>
+          </p:cNvPr>
+          <p:cNvSpPr txBox="1"/>
+          <p:nvPr/>
+        </p:nvSpPr>
+        <p:spPr>
+          <a:xfrm>
+            <a:off x="923827" y="2450969"/>
+            <a:ext cx="9964132" cy="923330"/>
+          </a:xfrm>
+          <a:prstGeom prst="rect">
+            <a:avLst/>
+          </a:prstGeom>
+          <a:noFill/>
+        </p:spPr>
+        <p:txBody>
+          <a:bodyPr wrap="square" rtlCol="0">
+            <a:spAutoFit/>
+          </a:bodyPr>
+          <a:lstStyle/>
+          <a:p>
+            <a:r>
+              <a:rPr lang="ko-KR" altLang="en-US" dirty="0"/>
+              <a:t>그러므로 절대적인 양 보다는 </a:t>
+            </a:r>
+            <a:r>
+              <a:rPr lang="ko-KR" altLang="en-US" dirty="0" err="1"/>
+              <a:t>확진자</a:t>
+            </a:r>
+            <a:r>
+              <a:rPr lang="ko-KR" altLang="en-US" dirty="0"/>
+              <a:t> 수에 따른 비율에 주목해야한다고 느꼈다</a:t>
+            </a:r>
+            <a:r>
+              <a:rPr lang="en-US" altLang="ko-KR" dirty="0"/>
+              <a:t>.</a:t>
+            </a:r>
+          </a:p>
+          <a:p>
+            <a:r>
+              <a:rPr lang="ko-KR" altLang="en-US" dirty="0"/>
+              <a:t>그 결과 </a:t>
+            </a:r>
+            <a:r>
+              <a:rPr lang="en-US" altLang="ko-KR" dirty="0"/>
+              <a:t>20</a:t>
+            </a:r>
+            <a:r>
+              <a:rPr lang="ko-KR" altLang="en-US" dirty="0"/>
+              <a:t>대 </a:t>
+            </a:r>
+            <a:r>
+              <a:rPr lang="ko-KR" altLang="en-US" dirty="0" err="1"/>
+              <a:t>확진자의</a:t>
+            </a:r>
+            <a:r>
+              <a:rPr lang="ko-KR" altLang="en-US" dirty="0"/>
+              <a:t> 평균 </a:t>
+            </a:r>
+            <a:r>
+              <a:rPr lang="ko-KR" altLang="en-US" dirty="0" err="1"/>
+              <a:t>외출량은</a:t>
+            </a:r>
+            <a:r>
+              <a:rPr lang="ko-KR" altLang="en-US" dirty="0"/>
+              <a:t> </a:t>
+            </a:r>
+            <a:r>
+              <a:rPr lang="en-US" altLang="ko-KR" dirty="0"/>
+              <a:t>6</a:t>
+            </a:r>
+            <a:r>
+              <a:rPr lang="ko-KR" altLang="en-US" dirty="0"/>
+              <a:t>건으로</a:t>
+            </a:r>
+            <a:r>
+              <a:rPr lang="en-US" altLang="ko-KR" dirty="0"/>
+              <a:t>, 30 ~ 50 </a:t>
+            </a:r>
+            <a:r>
+              <a:rPr lang="ko-KR" altLang="en-US" dirty="0"/>
+              <a:t>대의 </a:t>
+            </a:r>
+            <a:r>
+              <a:rPr lang="ko-KR" altLang="en-US" dirty="0" err="1"/>
+              <a:t>확진자들과</a:t>
+            </a:r>
+            <a:r>
+              <a:rPr lang="ko-KR" altLang="en-US" dirty="0"/>
+              <a:t> 별반 차이가 없었다</a:t>
+            </a:r>
+            <a:r>
+              <a:rPr lang="en-US" altLang="ko-KR" dirty="0"/>
+              <a:t>.</a:t>
+            </a:r>
+          </a:p>
+          <a:p>
+            <a:endParaRPr lang="en-US" altLang="ko-KR" dirty="0"/>
+          </a:p>
+        </p:txBody>
+      </p:sp>
+      <p:pic>
+        <p:nvPicPr>
+          <p:cNvPr id="3" name="Picture 4">
+            <a:extLst>
+              <a:ext uri="{FF2B5EF4-FFF2-40B4-BE49-F238E27FC236}">
+                <a16:creationId xmlns:a16="http://schemas.microsoft.com/office/drawing/2014/main" id="{1637CECB-2C39-42A1-9940-D642B48D05C9}"/>
+              </a:ext>
+            </a:extLst>
+          </p:cNvPr>
+          <p:cNvPicPr>
+            <a:picLocks noChangeAspect="1" noChangeArrowheads="1"/>
+          </p:cNvPicPr>
+          <p:nvPr/>
+        </p:nvPicPr>
+        <p:blipFill>
+          <a:blip r:embed="rId2">
+            <a:extLst>
+              <a:ext uri="{28A0092B-C50C-407E-A947-70E740481C1C}">
+                <a14:useLocalDpi xmlns:a14="http://schemas.microsoft.com/office/drawing/2010/main" val="0"/>
+              </a:ext>
+            </a:extLst>
+          </a:blip>
+          <a:srcRect/>
+          <a:stretch>
+            <a:fillRect/>
+          </a:stretch>
+        </p:blipFill>
+        <p:spPr bwMode="auto">
+          <a:xfrm>
+            <a:off x="3848295" y="3429000"/>
+            <a:ext cx="3764120" cy="2828289"/>
+          </a:xfrm>
+          <a:prstGeom prst="rect">
+            <a:avLst/>
+          </a:prstGeom>
+          <a:noFill/>
+          <a:extLst>
+            <a:ext uri="{909E8E84-426E-40DD-AFC4-6F175D3DCCD1}">
+              <a14:hiddenFill xmlns:a14="http://schemas.microsoft.com/office/drawing/2010/main">
+                <a:solidFill>
+                  <a:srgbClr val="FFFFFF"/>
+                </a:solidFill>
+              </a14:hiddenFill>
+            </a:ext>
+          </a:extLst>
+        </p:spPr>
+      </p:pic>
+      <p:sp>
+        <p:nvSpPr>
+          <p:cNvPr id="7" name="TextBox 6">
+            <a:extLst>
+              <a:ext uri="{FF2B5EF4-FFF2-40B4-BE49-F238E27FC236}">
+                <a16:creationId xmlns:a16="http://schemas.microsoft.com/office/drawing/2014/main" id="{13911B03-A813-411C-B26B-5AC28760054A}"/>
+              </a:ext>
+            </a:extLst>
+          </p:cNvPr>
+          <p:cNvSpPr txBox="1"/>
+          <p:nvPr/>
+        </p:nvSpPr>
+        <p:spPr>
+          <a:xfrm>
+            <a:off x="3829740" y="6375448"/>
+            <a:ext cx="4532520" cy="369332"/>
+          </a:xfrm>
+          <a:prstGeom prst="rect">
+            <a:avLst/>
+          </a:prstGeom>
+          <a:noFill/>
+        </p:spPr>
+        <p:txBody>
+          <a:bodyPr wrap="square" rtlCol="0">
+            <a:spAutoFit/>
+          </a:bodyPr>
+          <a:lstStyle/>
+          <a:p>
+            <a:r>
+              <a:rPr lang="ko-KR" altLang="en-US" dirty="0"/>
+              <a:t>각 계층별 </a:t>
+            </a:r>
+            <a:r>
+              <a:rPr lang="ko-KR" altLang="en-US" dirty="0" err="1"/>
+              <a:t>확진자</a:t>
+            </a:r>
+            <a:r>
+              <a:rPr lang="ko-KR" altLang="en-US" dirty="0"/>
+              <a:t> </a:t>
+            </a:r>
+            <a:r>
+              <a:rPr lang="en-US" altLang="ko-KR" dirty="0"/>
+              <a:t>1</a:t>
+            </a:r>
+            <a:r>
+              <a:rPr lang="ko-KR" altLang="en-US" dirty="0"/>
+              <a:t>명당 평균 </a:t>
+            </a:r>
+            <a:r>
+              <a:rPr lang="ko-KR" altLang="en-US" dirty="0" err="1"/>
+              <a:t>외출량</a:t>
+            </a:r>
+            <a:endParaRPr lang="en-US" altLang="ko-KR" dirty="0"/>
+          </a:p>
+        </p:txBody>
+      </p:sp>
+    </p:spTree>
+    <p:extLst>
+      <p:ext uri="{BB962C8B-B14F-4D97-AF65-F5344CB8AC3E}">
+        <p14:creationId xmlns:p14="http://schemas.microsoft.com/office/powerpoint/2010/main" val="1063728826"/>
+      </p:ext>
+    </p:extLst>
+  </p:cSld>
+  <p:clrMapOvr>
+    <a:masterClrMapping/>
+  </p:clrMapOvr>
+</p:sld>
+</file>
+
+<file path=ppt/slides/slide5.xml><?xml version="1.0" encoding="utf-8"?>
+<p:sld xmlns:a="http://schemas.openxmlformats.org/drawingml/2006/main" xmlns:r="http://schemas.openxmlformats.org/officeDocument/2006/relationships" xmlns:p="http://schemas.openxmlformats.org/presentationml/2006/main">
+  <p:cSld>
+    <p:spTree>
+      <p:nvGrpSpPr>
+        <p:cNvPr id="1" name=""/>
+        <p:cNvGrpSpPr/>
+        <p:nvPr/>
+      </p:nvGrpSpPr>
+      <p:grpSpPr>
+        <a:xfrm>
+          <a:off x="0" y="0"/>
+          <a:ext cx="0" cy="0"/>
+          <a:chOff x="0" y="0"/>
+          <a:chExt cx="0" cy="0"/>
+        </a:xfrm>
+      </p:grpSpPr>
+      <p:sp>
+        <p:nvSpPr>
+          <p:cNvPr id="2" name="제목 1">
+            <a:extLst>
+              <a:ext uri="{FF2B5EF4-FFF2-40B4-BE49-F238E27FC236}">
+                <a16:creationId xmlns:a16="http://schemas.microsoft.com/office/drawing/2014/main" id="{409F1CDC-49B8-49F7-9173-F18AC7C17FCE}"/>
+              </a:ext>
+            </a:extLst>
+          </p:cNvPr>
+          <p:cNvSpPr>
+            <a:spLocks noGrp="1"/>
+          </p:cNvSpPr>
+          <p:nvPr>
+            <p:ph type="title"/>
+          </p:nvPr>
+        </p:nvSpPr>
+        <p:spPr>
+          <a:xfrm>
+            <a:off x="838200" y="2766218"/>
+            <a:ext cx="10515600" cy="1325563"/>
+          </a:xfrm>
+        </p:spPr>
+        <p:txBody>
+          <a:bodyPr>
+            <a:normAutofit fontScale="90000"/>
+          </a:bodyPr>
+          <a:lstStyle/>
+          <a:p>
+            <a:r>
+              <a:rPr lang="ko-KR" altLang="en-US" dirty="0"/>
+              <a:t>이를 뒷받침 해주는 결과로 네이버 검색어 추이를 중요사건 때 생각해봤을 때 다른 연령층에 비해 </a:t>
+            </a:r>
+            <a:r>
+              <a:rPr lang="en-US" altLang="ko-KR" dirty="0"/>
+              <a:t>20</a:t>
+            </a:r>
+            <a:r>
+              <a:rPr lang="ko-KR" altLang="en-US" dirty="0"/>
+              <a:t>대의 관심은 떨어지지 않았고</a:t>
+            </a:r>
+            <a:r>
+              <a:rPr lang="en-US" altLang="ko-KR" dirty="0"/>
+              <a:t>, </a:t>
+            </a:r>
+            <a:r>
+              <a:rPr lang="ko-KR" altLang="en-US" dirty="0"/>
+              <a:t>대부분의 </a:t>
+            </a:r>
+            <a:r>
+              <a:rPr lang="en-US" altLang="ko-KR" dirty="0"/>
+              <a:t>20</a:t>
+            </a:r>
+            <a:r>
+              <a:rPr lang="ko-KR" altLang="en-US" dirty="0"/>
+              <a:t>대는 코로나 상황에 관심을 가지고 있다</a:t>
+            </a:r>
+            <a:r>
+              <a:rPr lang="en-US" altLang="ko-KR" dirty="0"/>
+              <a:t>. =&gt; </a:t>
+            </a:r>
+            <a:r>
+              <a:rPr lang="ko-KR" altLang="en-US" dirty="0" err="1"/>
+              <a:t>주현님</a:t>
+            </a:r>
+            <a:r>
+              <a:rPr lang="ko-KR" altLang="en-US" dirty="0"/>
+              <a:t> 부분</a:t>
+            </a:r>
+          </a:p>
+        </p:txBody>
+      </p:sp>
+    </p:spTree>
+    <p:extLst>
+      <p:ext uri="{BB962C8B-B14F-4D97-AF65-F5344CB8AC3E}">
+        <p14:creationId xmlns:p14="http://schemas.microsoft.com/office/powerpoint/2010/main" val="402626737"/>
+      </p:ext>
+    </p:extLst>
+  </p:cSld>
+  <p:clrMapOvr>
+    <a:masterClrMapping/>
+  </p:clrMapOvr>
+</p:sld>
+</file>
+
+<file path=ppt/slides/slide6.xml><?xml version="1.0" encoding="utf-8"?>
+<p:sld xmlns:a="http://schemas.openxmlformats.org/drawingml/2006/main" xmlns:r="http://schemas.openxmlformats.org/officeDocument/2006/relationships" xmlns:p="http://schemas.openxmlformats.org/presentationml/2006/main">
+  <p:cSld>
+    <p:spTree>
+      <p:nvGrpSpPr>
+        <p:cNvPr id="1" name=""/>
+        <p:cNvGrpSpPr/>
+        <p:nvPr/>
+      </p:nvGrpSpPr>
+      <p:grpSpPr>
+        <a:xfrm>
+          <a:off x="0" y="0"/>
+          <a:ext cx="0" cy="0"/>
+          <a:chOff x="0" y="0"/>
+          <a:chExt cx="0" cy="0"/>
+        </a:xfrm>
+      </p:grpSpPr>
+      <p:sp>
+        <p:nvSpPr>
+          <p:cNvPr id="2" name="제목 1">
+            <a:extLst>
+              <a:ext uri="{FF2B5EF4-FFF2-40B4-BE49-F238E27FC236}">
+                <a16:creationId xmlns:a16="http://schemas.microsoft.com/office/drawing/2014/main" id="{B148CC22-7BEE-428A-A7E1-1E6388DB5C93}"/>
+              </a:ext>
+            </a:extLst>
+          </p:cNvPr>
+          <p:cNvSpPr>
+            <a:spLocks noGrp="1"/>
+          </p:cNvSpPr>
+          <p:nvPr>
+            <p:ph type="title"/>
+          </p:nvPr>
+        </p:nvSpPr>
+        <p:spPr/>
+        <p:txBody>
+          <a:bodyPr>
+            <a:normAutofit fontScale="90000"/>
+          </a:bodyPr>
+          <a:lstStyle/>
+          <a:p>
+            <a:pPr>
+              <a:lnSpc>
+                <a:spcPct val="150000"/>
+              </a:lnSpc>
+            </a:pPr>
+            <a:r>
+              <a:rPr lang="en-US" altLang="ko-KR" dirty="0"/>
+              <a:t>1. 20</a:t>
+            </a:r>
+            <a:r>
+              <a:rPr lang="ko-KR" altLang="en-US" dirty="0"/>
+              <a:t>대는 불타는 청춘</a:t>
+            </a:r>
+            <a:r>
+              <a:rPr lang="en-US" altLang="ko-KR" dirty="0"/>
+              <a:t>. </a:t>
+            </a:r>
+            <a:br>
+              <a:rPr lang="en-US" altLang="ko-KR" dirty="0"/>
+            </a:br>
+            <a:r>
+              <a:rPr lang="ko-KR" altLang="en-US" dirty="0"/>
+              <a:t>외출을 많이 해서 그렇지 않을까</a:t>
+            </a:r>
+            <a:r>
+              <a:rPr lang="en-US" altLang="ko-KR" dirty="0"/>
+              <a:t>??</a:t>
+            </a:r>
+            <a:endParaRPr lang="ko-KR" altLang="en-US" dirty="0"/>
+          </a:p>
+        </p:txBody>
+      </p:sp>
+      <p:sp>
+        <p:nvSpPr>
+          <p:cNvPr id="4" name="TextBox 3">
+            <a:extLst>
+              <a:ext uri="{FF2B5EF4-FFF2-40B4-BE49-F238E27FC236}">
+                <a16:creationId xmlns:a16="http://schemas.microsoft.com/office/drawing/2014/main" id="{407B04E7-01F8-4EFB-BF9D-371BCD9A3A6D}"/>
+              </a:ext>
+            </a:extLst>
+          </p:cNvPr>
+          <p:cNvSpPr txBox="1"/>
+          <p:nvPr/>
+        </p:nvSpPr>
+        <p:spPr>
+          <a:xfrm>
+            <a:off x="923827" y="2450969"/>
+            <a:ext cx="10237510" cy="1477328"/>
+          </a:xfrm>
+          <a:prstGeom prst="rect">
+            <a:avLst/>
+          </a:prstGeom>
+          <a:noFill/>
+        </p:spPr>
+        <p:txBody>
+          <a:bodyPr wrap="square" rtlCol="0">
+            <a:spAutoFit/>
+          </a:bodyPr>
+          <a:lstStyle/>
+          <a:p>
+            <a:r>
+              <a:rPr lang="ko-KR" altLang="en-US" dirty="0"/>
+              <a:t>하지만 어떤 슈퍼 전파자가 여러 군데를 돌아다녔다면</a:t>
+            </a:r>
+            <a:r>
+              <a:rPr lang="en-US" altLang="ko-KR" dirty="0"/>
+              <a:t>, </a:t>
+            </a:r>
+            <a:r>
+              <a:rPr lang="ko-KR" altLang="en-US" dirty="0"/>
+              <a:t>단 </a:t>
+            </a:r>
+            <a:r>
+              <a:rPr lang="en-US" altLang="ko-KR" dirty="0"/>
+              <a:t>1</a:t>
+            </a:r>
+            <a:r>
+              <a:rPr lang="ko-KR" altLang="en-US" dirty="0"/>
+              <a:t>번의 외출로도 </a:t>
+            </a:r>
+            <a:r>
+              <a:rPr lang="ko-KR" altLang="en-US" dirty="0" err="1"/>
+              <a:t>확진자가</a:t>
+            </a:r>
+            <a:r>
+              <a:rPr lang="ko-KR" altLang="en-US" dirty="0"/>
+              <a:t> 될 수 있는 것이 코로나의 위력이다</a:t>
+            </a:r>
+            <a:r>
+              <a:rPr lang="en-US" altLang="ko-KR" dirty="0"/>
+              <a:t>.</a:t>
+            </a:r>
+          </a:p>
+          <a:p>
+            <a:r>
+              <a:rPr lang="ko-KR" altLang="en-US" dirty="0"/>
+              <a:t>그래서 슈퍼 전파자</a:t>
+            </a:r>
+            <a:r>
+              <a:rPr lang="en-US" altLang="ko-KR" dirty="0"/>
+              <a:t>(</a:t>
+            </a:r>
+            <a:r>
+              <a:rPr lang="ko-KR" altLang="en-US" dirty="0" err="1"/>
+              <a:t>외출량</a:t>
+            </a:r>
+            <a:r>
+              <a:rPr lang="ko-KR" altLang="en-US" dirty="0"/>
+              <a:t> 상위 </a:t>
+            </a:r>
+            <a:r>
+              <a:rPr lang="en-US" altLang="ko-KR" dirty="0"/>
+              <a:t>10%) </a:t>
+            </a:r>
+            <a:r>
+              <a:rPr lang="ko-KR" altLang="en-US" dirty="0"/>
+              <a:t>중 </a:t>
+            </a:r>
+            <a:r>
+              <a:rPr lang="en-US" altLang="ko-KR" dirty="0"/>
+              <a:t>20</a:t>
+            </a:r>
+            <a:r>
+              <a:rPr lang="ko-KR" altLang="en-US" dirty="0"/>
+              <a:t>대가 얼마나 되는지를 알아보았고</a:t>
+            </a:r>
+            <a:r>
+              <a:rPr lang="en-US" altLang="ko-KR" dirty="0"/>
+              <a:t>, </a:t>
+            </a:r>
+            <a:r>
+              <a:rPr lang="ko-KR" altLang="en-US" dirty="0"/>
+              <a:t>예상대로 </a:t>
+            </a:r>
+            <a:r>
+              <a:rPr lang="en-US" altLang="ko-KR" dirty="0"/>
+              <a:t>20</a:t>
+            </a:r>
+            <a:r>
+              <a:rPr lang="ko-KR" altLang="en-US" dirty="0"/>
+              <a:t>대의 비율이 높았다</a:t>
+            </a:r>
+            <a:r>
+              <a:rPr lang="en-US" altLang="ko-KR" dirty="0"/>
+              <a:t>. </a:t>
+            </a:r>
+            <a:r>
+              <a:rPr lang="ko-KR" altLang="en-US" dirty="0" err="1"/>
+              <a:t>외출량</a:t>
+            </a:r>
+            <a:r>
+              <a:rPr lang="ko-KR" altLang="en-US" dirty="0"/>
+              <a:t> 상위 </a:t>
+            </a:r>
+            <a:r>
+              <a:rPr lang="en-US" altLang="ko-KR" dirty="0"/>
+              <a:t>10%</a:t>
+            </a:r>
+            <a:r>
+              <a:rPr lang="ko-KR" altLang="en-US" dirty="0"/>
+              <a:t>인 </a:t>
+            </a:r>
+            <a:r>
+              <a:rPr lang="en-US" altLang="ko-KR" dirty="0"/>
+              <a:t>136</a:t>
+            </a:r>
+            <a:r>
+              <a:rPr lang="ko-KR" altLang="en-US" dirty="0"/>
+              <a:t>명 중 약 </a:t>
+            </a:r>
+            <a:r>
+              <a:rPr lang="en-US" altLang="ko-KR" dirty="0"/>
+              <a:t>30</a:t>
+            </a:r>
+            <a:r>
+              <a:rPr lang="ko-KR" altLang="en-US" dirty="0"/>
+              <a:t>명 즉</a:t>
+            </a:r>
+            <a:r>
+              <a:rPr lang="en-US" altLang="ko-KR" dirty="0"/>
+              <a:t>, 20%</a:t>
+            </a:r>
+            <a:r>
+              <a:rPr lang="ko-KR" altLang="en-US" dirty="0"/>
+              <a:t>가</a:t>
+            </a:r>
+            <a:r>
+              <a:rPr lang="en-US" altLang="ko-KR" dirty="0"/>
+              <a:t> 20</a:t>
+            </a:r>
+            <a:r>
+              <a:rPr lang="ko-KR" altLang="en-US" dirty="0"/>
+              <a:t>대였다</a:t>
+            </a:r>
+            <a:r>
+              <a:rPr lang="en-US" altLang="ko-KR" dirty="0"/>
+              <a:t>.</a:t>
+            </a:r>
+          </a:p>
+          <a:p>
+            <a:endParaRPr lang="en-US" altLang="ko-KR" dirty="0"/>
+          </a:p>
+        </p:txBody>
+      </p:sp>
+      <p:pic>
+        <p:nvPicPr>
+          <p:cNvPr id="8" name="Picture 6">
+            <a:extLst>
+              <a:ext uri="{FF2B5EF4-FFF2-40B4-BE49-F238E27FC236}">
+                <a16:creationId xmlns:a16="http://schemas.microsoft.com/office/drawing/2014/main" id="{E3611059-5E6C-48A2-95F6-7B1D59AB0AC9}"/>
+              </a:ext>
+            </a:extLst>
+          </p:cNvPr>
+          <p:cNvPicPr>
+            <a:picLocks noChangeAspect="1" noChangeArrowheads="1"/>
+          </p:cNvPicPr>
+          <p:nvPr/>
+        </p:nvPicPr>
+        <p:blipFill>
+          <a:blip r:embed="rId2">
+            <a:extLst>
+              <a:ext uri="{28A0092B-C50C-407E-A947-70E740481C1C}">
+                <a14:useLocalDpi xmlns:a14="http://schemas.microsoft.com/office/drawing/2010/main" val="0"/>
+              </a:ext>
+            </a:extLst>
+          </a:blip>
+          <a:srcRect/>
+          <a:stretch>
+            <a:fillRect/>
+          </a:stretch>
+        </p:blipFill>
+        <p:spPr bwMode="auto">
+          <a:xfrm>
+            <a:off x="4063738" y="3785883"/>
+            <a:ext cx="3505200" cy="2590800"/>
+          </a:xfrm>
+          <a:prstGeom prst="rect">
+            <a:avLst/>
+          </a:prstGeom>
+          <a:noFill/>
+          <a:extLst>
+            <a:ext uri="{909E8E84-426E-40DD-AFC4-6F175D3DCCD1}">
+              <a14:hiddenFill xmlns:a14="http://schemas.microsoft.com/office/drawing/2010/main">
+                <a:solidFill>
+                  <a:srgbClr val="FFFFFF"/>
+                </a:solidFill>
+              </a14:hiddenFill>
+            </a:ext>
+          </a:extLst>
+        </p:spPr>
+      </p:pic>
+      <p:sp>
+        <p:nvSpPr>
+          <p:cNvPr id="10" name="TextBox 9">
+            <a:extLst>
+              <a:ext uri="{FF2B5EF4-FFF2-40B4-BE49-F238E27FC236}">
+                <a16:creationId xmlns:a16="http://schemas.microsoft.com/office/drawing/2014/main" id="{1BD6C633-756C-406B-A435-CC9BFE0BD6B0}"/>
+              </a:ext>
+            </a:extLst>
+          </p:cNvPr>
+          <p:cNvSpPr txBox="1"/>
+          <p:nvPr/>
+        </p:nvSpPr>
+        <p:spPr>
+          <a:xfrm>
+            <a:off x="3383881" y="6375448"/>
+            <a:ext cx="5317402" cy="369332"/>
+          </a:xfrm>
+          <a:prstGeom prst="rect">
+            <a:avLst/>
+          </a:prstGeom>
+          <a:noFill/>
+        </p:spPr>
+        <p:txBody>
+          <a:bodyPr wrap="square" rtlCol="0">
+            <a:spAutoFit/>
+          </a:bodyPr>
+          <a:lstStyle/>
+          <a:p>
+            <a:r>
+              <a:rPr lang="ko-KR" altLang="en-US" dirty="0"/>
+              <a:t>상위 </a:t>
+            </a:r>
+            <a:r>
+              <a:rPr lang="en-US" altLang="ko-KR" dirty="0"/>
+              <a:t>10% </a:t>
+            </a:r>
+            <a:r>
+              <a:rPr lang="ko-KR" altLang="en-US" dirty="0" err="1"/>
+              <a:t>외출량을</a:t>
+            </a:r>
+            <a:r>
+              <a:rPr lang="ko-KR" altLang="en-US" dirty="0"/>
+              <a:t> 가진 </a:t>
+            </a:r>
+            <a:r>
+              <a:rPr lang="ko-KR" altLang="en-US" dirty="0" err="1"/>
+              <a:t>확진자들의</a:t>
+            </a:r>
+            <a:r>
+              <a:rPr lang="ko-KR" altLang="en-US" dirty="0"/>
+              <a:t> 연령대 분석</a:t>
+            </a:r>
+            <a:endParaRPr lang="en-US" altLang="ko-KR" dirty="0"/>
+          </a:p>
+        </p:txBody>
+      </p:sp>
+    </p:spTree>
+    <p:extLst>
+      <p:ext uri="{BB962C8B-B14F-4D97-AF65-F5344CB8AC3E}">
+        <p14:creationId xmlns:p14="http://schemas.microsoft.com/office/powerpoint/2010/main" val="3552012908"/>
+      </p:ext>
+    </p:extLst>
+  </p:cSld>
+  <p:clrMapOvr>
+    <a:masterClrMapping/>
+  </p:clrMapOvr>
+</p:sld>
+</file>
+
+<file path=ppt/slides/slide7.xml><?xml version="1.0" encoding="utf-8"?>
+<p:sld xmlns:a="http://schemas.openxmlformats.org/drawingml/2006/main" xmlns:r="http://schemas.openxmlformats.org/officeDocument/2006/relationships" xmlns:p="http://schemas.openxmlformats.org/presentationml/2006/main">
+  <p:cSld>
+    <p:spTree>
+      <p:nvGrpSpPr>
+        <p:cNvPr id="1" name=""/>
+        <p:cNvGrpSpPr/>
+        <p:nvPr/>
+      </p:nvGrpSpPr>
+      <p:grpSpPr>
+        <a:xfrm>
+          <a:off x="0" y="0"/>
+          <a:ext cx="0" cy="0"/>
+          <a:chOff x="0" y="0"/>
+          <a:chExt cx="0" cy="0"/>
+        </a:xfrm>
+      </p:grpSpPr>
+      <p:sp>
+        <p:nvSpPr>
+          <p:cNvPr id="2" name="제목 1">
+            <a:extLst>
+              <a:ext uri="{FF2B5EF4-FFF2-40B4-BE49-F238E27FC236}">
+                <a16:creationId xmlns:a16="http://schemas.microsoft.com/office/drawing/2014/main" id="{B148CC22-7BEE-428A-A7E1-1E6388DB5C93}"/>
+              </a:ext>
+            </a:extLst>
+          </p:cNvPr>
+          <p:cNvSpPr>
+            <a:spLocks noGrp="1"/>
+          </p:cNvSpPr>
+          <p:nvPr>
+            <p:ph type="title"/>
+          </p:nvPr>
+        </p:nvSpPr>
+        <p:spPr/>
+        <p:txBody>
+          <a:bodyPr>
+            <a:normAutofit fontScale="90000"/>
+          </a:bodyPr>
+          <a:lstStyle/>
+          <a:p>
+            <a:pPr>
+              <a:lnSpc>
+                <a:spcPct val="150000"/>
+              </a:lnSpc>
+            </a:pPr>
+            <a:r>
+              <a:rPr lang="en-US" altLang="ko-KR" dirty="0"/>
+              <a:t>1. 20</a:t>
+            </a:r>
+            <a:r>
+              <a:rPr lang="ko-KR" altLang="en-US" dirty="0"/>
+              <a:t>대는 불타는 청춘</a:t>
+            </a:r>
+            <a:r>
+              <a:rPr lang="en-US" altLang="ko-KR" dirty="0"/>
+              <a:t>. </a:t>
+            </a:r>
+            <a:br>
+              <a:rPr lang="en-US" altLang="ko-KR" dirty="0"/>
+            </a:br>
+            <a:r>
+              <a:rPr lang="ko-KR" altLang="en-US" dirty="0"/>
+              <a:t>외출을 많이 해서 그렇지 않을까</a:t>
+            </a:r>
+            <a:r>
+              <a:rPr lang="en-US" altLang="ko-KR" dirty="0"/>
+              <a:t>??</a:t>
+            </a:r>
+            <a:endParaRPr lang="ko-KR" altLang="en-US" dirty="0"/>
+          </a:p>
+        </p:txBody>
+      </p:sp>
+      <p:sp>
+        <p:nvSpPr>
+          <p:cNvPr id="5" name="직사각형 4">
+            <a:extLst>
+              <a:ext uri="{FF2B5EF4-FFF2-40B4-BE49-F238E27FC236}">
+                <a16:creationId xmlns:a16="http://schemas.microsoft.com/office/drawing/2014/main" id="{4CDE85A0-D577-4157-AA9B-F56ADDA86DCE}"/>
+              </a:ext>
+            </a:extLst>
+          </p:cNvPr>
+          <p:cNvSpPr/>
+          <p:nvPr/>
+        </p:nvSpPr>
+        <p:spPr>
+          <a:xfrm>
+            <a:off x="838200" y="2548039"/>
+            <a:ext cx="10143241" cy="2061667"/>
+          </a:xfrm>
+          <a:prstGeom prst="rect">
+            <a:avLst/>
+          </a:prstGeom>
+        </p:spPr>
+        <p:style>
+          <a:lnRef idx="2">
+            <a:schemeClr val="accent1">
+              <a:shade val="50000"/>
+            </a:schemeClr>
+          </a:lnRef>
+          <a:fillRef idx="1">
+            <a:schemeClr val="accent1"/>
+          </a:fillRef>
+          <a:effectRef idx="0">
+            <a:schemeClr val="accent1"/>
+          </a:effectRef>
+          <a:fontRef idx="minor">
+            <a:schemeClr val="lt1"/>
+          </a:fontRef>
+        </p:style>
+        <p:txBody>
+          <a:bodyPr rtlCol="0" anchor="ctr"/>
+          <a:lstStyle/>
+          <a:p>
+            <a:pPr algn="ctr"/>
+            <a:r>
+              <a:rPr lang="ko-KR" altLang="en-US" sz="3200" dirty="0"/>
+              <a:t>첫 번째 결론 </a:t>
+            </a:r>
+            <a:r>
+              <a:rPr lang="en-US" altLang="ko-KR" sz="3200" dirty="0"/>
+              <a:t>: </a:t>
+            </a:r>
+            <a:r>
+              <a:rPr lang="ko-KR" altLang="en-US" sz="3200" dirty="0"/>
+              <a:t>대부분의 </a:t>
+            </a:r>
+            <a:r>
+              <a:rPr lang="en-US" altLang="ko-KR" sz="3200" dirty="0"/>
+              <a:t>20</a:t>
+            </a:r>
+            <a:r>
+              <a:rPr lang="ko-KR" altLang="en-US" sz="3200" dirty="0"/>
+              <a:t>대가 아닌 슈퍼 감염자가 </a:t>
+            </a:r>
+            <a:r>
+              <a:rPr lang="en-US" altLang="ko-KR" sz="3200" dirty="0"/>
+              <a:t>20</a:t>
+            </a:r>
+            <a:r>
+              <a:rPr lang="ko-KR" altLang="en-US" sz="3200" dirty="0"/>
+              <a:t>대의 높은 </a:t>
+            </a:r>
+            <a:r>
+              <a:rPr lang="ko-KR" altLang="en-US" sz="3200" dirty="0" err="1"/>
+              <a:t>확진자</a:t>
+            </a:r>
+            <a:r>
+              <a:rPr lang="ko-KR" altLang="en-US" sz="3200" dirty="0"/>
+              <a:t> 비율을 만들었다</a:t>
+            </a:r>
+            <a:r>
+              <a:rPr lang="en-US" altLang="ko-KR" sz="3200" dirty="0"/>
+              <a:t>!</a:t>
+            </a:r>
+          </a:p>
+        </p:txBody>
+      </p:sp>
+      <p:sp>
+        <p:nvSpPr>
+          <p:cNvPr id="3" name="TextBox 2">
+            <a:extLst>
+              <a:ext uri="{FF2B5EF4-FFF2-40B4-BE49-F238E27FC236}">
+                <a16:creationId xmlns:a16="http://schemas.microsoft.com/office/drawing/2014/main" id="{16A5A3BF-65D7-491E-AF18-8F04623E1166}"/>
+              </a:ext>
+            </a:extLst>
+          </p:cNvPr>
+          <p:cNvSpPr txBox="1"/>
+          <p:nvPr/>
+        </p:nvSpPr>
+        <p:spPr>
+          <a:xfrm>
+            <a:off x="838200" y="5338225"/>
+            <a:ext cx="10143241" cy="646331"/>
+          </a:xfrm>
+          <a:prstGeom prst="rect">
+            <a:avLst/>
+          </a:prstGeom>
+          <a:noFill/>
+        </p:spPr>
+        <p:txBody>
+          <a:bodyPr wrap="square" rtlCol="0">
+            <a:spAutoFit/>
+          </a:bodyPr>
+          <a:lstStyle/>
+          <a:p>
+            <a:r>
+              <a:rPr lang="ko-KR" altLang="en-US" dirty="0"/>
+              <a:t>이 결론이 성립하기 위해선 </a:t>
+            </a:r>
+            <a:r>
+              <a:rPr lang="en-US" altLang="ko-KR" dirty="0"/>
+              <a:t>20</a:t>
+            </a:r>
+            <a:r>
+              <a:rPr lang="ko-KR" altLang="en-US" dirty="0"/>
+              <a:t>대 감염자가 사람이 많은 곳에 외출을 많이 해야 한다고 생각했다</a:t>
+            </a:r>
+            <a:r>
+              <a:rPr lang="en-US" altLang="ko-KR" dirty="0"/>
+              <a:t>.</a:t>
+            </a:r>
+          </a:p>
+          <a:p>
+            <a:r>
+              <a:rPr lang="ko-KR" altLang="en-US" dirty="0"/>
+              <a:t>코로나에 걸린 사람이 이를 퍼트리기 위해선 사람이 많은 곳에 외출을 해야 하기 때문이다</a:t>
+            </a:r>
+            <a:r>
+              <a:rPr lang="en-US" altLang="ko-KR" dirty="0"/>
+              <a:t>.</a:t>
+            </a:r>
+            <a:endParaRPr lang="ko-KR" altLang="en-US" dirty="0"/>
+          </a:p>
+        </p:txBody>
+      </p:sp>
+    </p:spTree>
+    <p:extLst>
+      <p:ext uri="{BB962C8B-B14F-4D97-AF65-F5344CB8AC3E}">
+        <p14:creationId xmlns:p14="http://schemas.microsoft.com/office/powerpoint/2010/main" val="4101479404"/>
+      </p:ext>
+    </p:extLst>
+  </p:cSld>
+  <p:clrMapOvr>
+    <a:masterClrMapping/>
+  </p:clrMapOvr>
+</p:sld>
+</file>
+
+<file path=ppt/slides/slide8.xml><?xml version="1.0" encoding="utf-8"?>
+<p:sld xmlns:a="http://schemas.openxmlformats.org/drawingml/2006/main" xmlns:r="http://schemas.openxmlformats.org/officeDocument/2006/relationships" xmlns:p="http://schemas.openxmlformats.org/presentationml/2006/main">
+  <p:cSld>
+    <p:spTree>
+      <p:nvGrpSpPr>
+        <p:cNvPr id="1" name=""/>
+        <p:cNvGrpSpPr/>
+        <p:nvPr/>
+      </p:nvGrpSpPr>
+      <p:grpSpPr>
+        <a:xfrm>
+          <a:off x="0" y="0"/>
+          <a:ext cx="0" cy="0"/>
+          <a:chOff x="0" y="0"/>
+          <a:chExt cx="0" cy="0"/>
+        </a:xfrm>
+      </p:grpSpPr>
+      <p:sp>
+        <p:nvSpPr>
+          <p:cNvPr id="2" name="제목 1">
+            <a:extLst>
+              <a:ext uri="{FF2B5EF4-FFF2-40B4-BE49-F238E27FC236}">
+                <a16:creationId xmlns:a16="http://schemas.microsoft.com/office/drawing/2014/main" id="{B148CC22-7BEE-428A-A7E1-1E6388DB5C93}"/>
+              </a:ext>
+            </a:extLst>
+          </p:cNvPr>
+          <p:cNvSpPr>
+            <a:spLocks noGrp="1"/>
+          </p:cNvSpPr>
+          <p:nvPr>
+            <p:ph type="title"/>
+          </p:nvPr>
+        </p:nvSpPr>
+        <p:spPr/>
+        <p:txBody>
+          <a:bodyPr>
+            <a:normAutofit fontScale="90000"/>
+          </a:bodyPr>
+          <a:lstStyle/>
+          <a:p>
+            <a:pPr>
+              <a:lnSpc>
+                <a:spcPct val="150000"/>
+              </a:lnSpc>
+            </a:pPr>
+            <a:r>
+              <a:rPr lang="en-US" altLang="ko-KR" dirty="0"/>
+              <a:t>1. 20</a:t>
+            </a:r>
+            <a:r>
+              <a:rPr lang="ko-KR" altLang="en-US" dirty="0"/>
+              <a:t>대는 불타는 청춘</a:t>
+            </a:r>
+            <a:r>
+              <a:rPr lang="en-US" altLang="ko-KR" dirty="0"/>
+              <a:t>. </a:t>
+            </a:r>
+            <a:br>
+              <a:rPr lang="en-US" altLang="ko-KR" dirty="0"/>
+            </a:br>
+            <a:r>
+              <a:rPr lang="ko-KR" altLang="en-US" dirty="0"/>
+              <a:t>외출을 많이 해서 그렇지 않을까</a:t>
+            </a:r>
+            <a:r>
+              <a:rPr lang="en-US" altLang="ko-KR" dirty="0"/>
+              <a:t>??</a:t>
+            </a:r>
+            <a:endParaRPr lang="ko-KR" altLang="en-US" dirty="0"/>
+          </a:p>
+        </p:txBody>
+      </p:sp>
+      <p:sp>
+        <p:nvSpPr>
+          <p:cNvPr id="9" name="TextBox 8">
+            <a:extLst>
+              <a:ext uri="{FF2B5EF4-FFF2-40B4-BE49-F238E27FC236}">
+                <a16:creationId xmlns:a16="http://schemas.microsoft.com/office/drawing/2014/main" id="{74191420-F0C8-4AC0-8F54-24B17E7A2E38}"/>
+              </a:ext>
+            </a:extLst>
+          </p:cNvPr>
+          <p:cNvSpPr txBox="1"/>
+          <p:nvPr/>
+        </p:nvSpPr>
+        <p:spPr>
+          <a:xfrm>
+            <a:off x="1821731" y="2331138"/>
+            <a:ext cx="8745716" cy="369332"/>
+          </a:xfrm>
+          <a:prstGeom prst="rect">
+            <a:avLst/>
+          </a:prstGeom>
+          <a:noFill/>
+        </p:spPr>
+        <p:txBody>
+          <a:bodyPr wrap="square">
+            <a:spAutoFit/>
+          </a:bodyPr>
+          <a:lstStyle/>
+          <a:p>
+            <a:r>
+              <a:rPr lang="ko-KR" altLang="en-US" dirty="0"/>
+              <a:t>'</a:t>
+            </a:r>
+            <a:r>
+              <a:rPr lang="ko-KR" altLang="en-US" dirty="0" err="1"/>
+              <a:t>hospital</a:t>
+            </a:r>
+            <a:r>
+              <a:rPr lang="ko-KR" altLang="en-US" dirty="0"/>
+              <a:t>','</a:t>
+            </a:r>
+            <a:r>
+              <a:rPr lang="ko-KR" altLang="en-US" dirty="0" err="1"/>
+              <a:t>public_transportation</a:t>
+            </a:r>
+            <a:r>
+              <a:rPr lang="ko-KR" altLang="en-US" dirty="0"/>
+              <a:t>', '</a:t>
+            </a:r>
+            <a:r>
+              <a:rPr lang="ko-KR" altLang="en-US" dirty="0" err="1"/>
+              <a:t>airport</a:t>
+            </a:r>
+            <a:r>
+              <a:rPr lang="ko-KR" altLang="en-US" dirty="0"/>
+              <a:t>', '</a:t>
+            </a:r>
+            <a:r>
+              <a:rPr lang="ko-KR" altLang="en-US" dirty="0" err="1"/>
+              <a:t>church</a:t>
+            </a:r>
+            <a:r>
+              <a:rPr lang="ko-KR" altLang="en-US" dirty="0"/>
+              <a:t>', '</a:t>
+            </a:r>
+            <a:r>
+              <a:rPr lang="ko-KR" altLang="en-US" dirty="0" err="1"/>
+              <a:t>university</a:t>
+            </a:r>
+            <a:r>
+              <a:rPr lang="ko-KR" altLang="en-US" dirty="0"/>
+              <a:t>','</a:t>
+            </a:r>
+            <a:r>
+              <a:rPr lang="ko-KR" altLang="en-US" dirty="0" err="1"/>
+              <a:t>school</a:t>
+            </a:r>
+            <a:r>
+              <a:rPr lang="ko-KR" altLang="en-US" dirty="0"/>
+              <a:t>','</a:t>
+            </a:r>
+            <a:r>
+              <a:rPr lang="ko-KR" altLang="en-US" dirty="0" err="1"/>
+              <a:t>park</a:t>
+            </a:r>
+            <a:r>
+              <a:rPr lang="ko-KR" altLang="en-US" dirty="0"/>
+              <a:t>'</a:t>
+            </a:r>
+          </a:p>
+        </p:txBody>
+      </p:sp>
+      <p:sp>
+        <p:nvSpPr>
+          <p:cNvPr id="10" name="TextBox 9">
+            <a:extLst>
+              <a:ext uri="{FF2B5EF4-FFF2-40B4-BE49-F238E27FC236}">
+                <a16:creationId xmlns:a16="http://schemas.microsoft.com/office/drawing/2014/main" id="{46B97F12-EF96-49A3-89FD-AAD592A3D324}"/>
+              </a:ext>
+            </a:extLst>
+          </p:cNvPr>
+          <p:cNvSpPr txBox="1"/>
+          <p:nvPr/>
+        </p:nvSpPr>
+        <p:spPr>
+          <a:xfrm>
+            <a:off x="923827" y="2930506"/>
+            <a:ext cx="10237510" cy="646331"/>
+          </a:xfrm>
+          <a:prstGeom prst="rect">
+            <a:avLst/>
+          </a:prstGeom>
+          <a:noFill/>
+        </p:spPr>
+        <p:txBody>
+          <a:bodyPr wrap="square" rtlCol="0">
+            <a:spAutoFit/>
+          </a:bodyPr>
+          <a:lstStyle/>
+          <a:p>
+            <a:r>
+              <a:rPr lang="ko-KR" altLang="en-US" dirty="0"/>
+              <a:t>위와 같은 곳을 사람이 많은 곳으로 정의하고</a:t>
+            </a:r>
+            <a:r>
+              <a:rPr lang="en-US" altLang="ko-KR" dirty="0"/>
+              <a:t>, </a:t>
+            </a:r>
+            <a:r>
+              <a:rPr lang="ko-KR" altLang="en-US" dirty="0"/>
+              <a:t>외출에서 사람 많은 곳이 차지하는 비율을 계산해보았다</a:t>
+            </a:r>
+            <a:r>
+              <a:rPr lang="en-US" altLang="ko-KR" dirty="0"/>
+              <a:t>.</a:t>
+            </a:r>
+          </a:p>
+        </p:txBody>
+      </p:sp>
+      <p:pic>
+        <p:nvPicPr>
+          <p:cNvPr id="14" name="Picture 8">
+            <a:extLst>
+              <a:ext uri="{FF2B5EF4-FFF2-40B4-BE49-F238E27FC236}">
+                <a16:creationId xmlns:a16="http://schemas.microsoft.com/office/drawing/2014/main" id="{E39515BC-B57A-4988-A974-1D8686766C8D}"/>
+              </a:ext>
+            </a:extLst>
+          </p:cNvPr>
+          <p:cNvPicPr>
+            <a:picLocks noChangeAspect="1" noChangeArrowheads="1"/>
+          </p:cNvPicPr>
+          <p:nvPr/>
+        </p:nvPicPr>
+        <p:blipFill>
+          <a:blip r:embed="rId2">
+            <a:extLst>
+              <a:ext uri="{28A0092B-C50C-407E-A947-70E740481C1C}">
+                <a14:useLocalDpi xmlns:a14="http://schemas.microsoft.com/office/drawing/2010/main" val="0"/>
+              </a:ext>
+            </a:extLst>
+          </a:blip>
+          <a:srcRect/>
+          <a:stretch>
+            <a:fillRect/>
+          </a:stretch>
+        </p:blipFill>
+        <p:spPr bwMode="auto">
+          <a:xfrm>
+            <a:off x="3824189" y="3653706"/>
+            <a:ext cx="3571875" cy="2667000"/>
+          </a:xfrm>
+          <a:prstGeom prst="rect">
+            <a:avLst/>
+          </a:prstGeom>
+          <a:noFill/>
+          <a:extLst>
+            <a:ext uri="{909E8E84-426E-40DD-AFC4-6F175D3DCCD1}">
+              <a14:hiddenFill xmlns:a14="http://schemas.microsoft.com/office/drawing/2010/main">
+                <a:solidFill>
+                  <a:srgbClr val="FFFFFF"/>
+                </a:solidFill>
+              </a14:hiddenFill>
+            </a:ext>
+          </a:extLst>
+        </p:spPr>
+      </p:pic>
+      <p:sp>
+        <p:nvSpPr>
+          <p:cNvPr id="16" name="TextBox 15">
+            <a:extLst>
+              <a:ext uri="{FF2B5EF4-FFF2-40B4-BE49-F238E27FC236}">
+                <a16:creationId xmlns:a16="http://schemas.microsoft.com/office/drawing/2014/main" id="{F405EB89-1F74-421A-AC52-182A8538B56B}"/>
+              </a:ext>
+            </a:extLst>
+          </p:cNvPr>
+          <p:cNvSpPr txBox="1"/>
+          <p:nvPr/>
+        </p:nvSpPr>
+        <p:spPr>
+          <a:xfrm>
+            <a:off x="2895429" y="6473874"/>
+            <a:ext cx="6401142" cy="369332"/>
+          </a:xfrm>
+          <a:prstGeom prst="rect">
+            <a:avLst/>
+          </a:prstGeom>
+          <a:noFill/>
+        </p:spPr>
+        <p:txBody>
+          <a:bodyPr wrap="square" rtlCol="0">
+            <a:spAutoFit/>
+          </a:bodyPr>
+          <a:lstStyle/>
+          <a:p>
+            <a:r>
+              <a:rPr lang="en-US" altLang="ko-KR" dirty="0"/>
+              <a:t>20</a:t>
+            </a:r>
+            <a:r>
+              <a:rPr lang="ko-KR" altLang="en-US" dirty="0"/>
+              <a:t>대 </a:t>
+            </a:r>
+            <a:r>
+              <a:rPr lang="ko-KR" altLang="en-US" dirty="0" err="1"/>
+              <a:t>확진자의</a:t>
+            </a:r>
+            <a:r>
+              <a:rPr lang="ko-KR" altLang="en-US" dirty="0"/>
+              <a:t> 동선 중 사람이 많은 곳이 차지하는 건 수</a:t>
+            </a:r>
+            <a:endParaRPr lang="en-US" altLang="ko-KR" dirty="0"/>
+          </a:p>
+        </p:txBody>
+      </p:sp>
+    </p:spTree>
+    <p:extLst>
+      <p:ext uri="{BB962C8B-B14F-4D97-AF65-F5344CB8AC3E}">
+        <p14:creationId xmlns:p14="http://schemas.microsoft.com/office/powerpoint/2010/main" val="164512347"/>
+      </p:ext>
+    </p:extLst>
+  </p:cSld>
+  <p:clrMapOvr>
+    <a:masterClrMapping/>
+  </p:clrMapOvr>
+</p:sld>
+</file>
+
+<file path=ppt/slides/slide9.xml><?xml version="1.0" encoding="utf-8"?>
+<p:sld xmlns:a="http://schemas.openxmlformats.org/drawingml/2006/main" xmlns:r="http://schemas.openxmlformats.org/officeDocument/2006/relationships" xmlns:p="http://schemas.openxmlformats.org/presentationml/2006/main">
+  <p:cSld>
+    <p:spTree>
+      <p:nvGrpSpPr>
+        <p:cNvPr id="1" name=""/>
+        <p:cNvGrpSpPr/>
+        <p:nvPr/>
+      </p:nvGrpSpPr>
+      <p:grpSpPr>
+        <a:xfrm>
+          <a:off x="0" y="0"/>
+          <a:ext cx="0" cy="0"/>
+          <a:chOff x="0" y="0"/>
+          <a:chExt cx="0" cy="0"/>
+        </a:xfrm>
+      </p:grpSpPr>
+      <p:sp>
+        <p:nvSpPr>
+          <p:cNvPr id="2" name="제목 1">
+            <a:extLst>
+              <a:ext uri="{FF2B5EF4-FFF2-40B4-BE49-F238E27FC236}">
+                <a16:creationId xmlns:a16="http://schemas.microsoft.com/office/drawing/2014/main" id="{B148CC22-7BEE-428A-A7E1-1E6388DB5C93}"/>
+              </a:ext>
+            </a:extLst>
+          </p:cNvPr>
+          <p:cNvSpPr>
+            <a:spLocks noGrp="1"/>
+          </p:cNvSpPr>
+          <p:nvPr>
+            <p:ph type="title"/>
+          </p:nvPr>
+        </p:nvSpPr>
+        <p:spPr/>
+        <p:txBody>
+          <a:bodyPr>
+            <a:normAutofit fontScale="90000"/>
+          </a:bodyPr>
+          <a:lstStyle/>
+          <a:p>
+            <a:pPr>
+              <a:lnSpc>
+                <a:spcPct val="150000"/>
+              </a:lnSpc>
+            </a:pPr>
+            <a:r>
+              <a:rPr lang="en-US" altLang="ko-KR" dirty="0"/>
+              <a:t>1. 20</a:t>
+            </a:r>
+            <a:r>
+              <a:rPr lang="ko-KR" altLang="en-US" dirty="0"/>
+              <a:t>대는 불타는 청춘</a:t>
+            </a:r>
+            <a:r>
+              <a:rPr lang="en-US" altLang="ko-KR" dirty="0"/>
+              <a:t>. </a:t>
+            </a:r>
+            <a:br>
+              <a:rPr lang="en-US" altLang="ko-KR" dirty="0"/>
+            </a:br>
+            <a:r>
+              <a:rPr lang="ko-KR" altLang="en-US" dirty="0"/>
+              <a:t>외출을 많이 해서 그렇지 않을까</a:t>
+            </a:r>
+            <a:r>
+              <a:rPr lang="en-US" altLang="ko-KR" dirty="0"/>
+              <a:t>??</a:t>
+            </a:r>
+            <a:endParaRPr lang="ko-KR" altLang="en-US" dirty="0"/>
+          </a:p>
+        </p:txBody>
+      </p:sp>
+      <p:sp>
+        <p:nvSpPr>
+          <p:cNvPr id="3" name="TextBox 2">
+            <a:extLst>
+              <a:ext uri="{FF2B5EF4-FFF2-40B4-BE49-F238E27FC236}">
+                <a16:creationId xmlns:a16="http://schemas.microsoft.com/office/drawing/2014/main" id="{41EBE7FF-D261-4577-B0A2-BFCE149D07F0}"/>
+              </a:ext>
+            </a:extLst>
+          </p:cNvPr>
+          <p:cNvSpPr txBox="1"/>
+          <p:nvPr/>
+        </p:nvSpPr>
+        <p:spPr>
+          <a:xfrm>
+            <a:off x="977245" y="2144880"/>
+            <a:ext cx="10237510" cy="1754326"/>
+          </a:xfrm>
+          <a:prstGeom prst="rect">
+            <a:avLst/>
+          </a:prstGeom>
+          <a:noFill/>
+        </p:spPr>
+        <p:txBody>
+          <a:bodyPr wrap="square" rtlCol="0">
+            <a:spAutoFit/>
+          </a:bodyPr>
+          <a:lstStyle/>
+          <a:p>
+            <a:r>
+              <a:rPr lang="ko-KR" altLang="en-US" dirty="0"/>
+              <a:t>그래프만 보면</a:t>
+            </a:r>
+            <a:r>
+              <a:rPr lang="en-US" altLang="ko-KR" dirty="0"/>
+              <a:t> </a:t>
+            </a:r>
+            <a:r>
+              <a:rPr lang="ko-KR" altLang="en-US" dirty="0"/>
+              <a:t>사람이 많은 곳이 약 </a:t>
+            </a:r>
+            <a:r>
+              <a:rPr lang="en-US" altLang="ko-KR" dirty="0"/>
+              <a:t>60%</a:t>
+            </a:r>
+            <a:r>
+              <a:rPr lang="ko-KR" altLang="en-US" dirty="0"/>
+              <a:t>로 많이 갔다고 생각할 수 있지만</a:t>
+            </a:r>
+            <a:r>
+              <a:rPr lang="en-US" altLang="ko-KR" dirty="0"/>
+              <a:t>, </a:t>
+            </a:r>
+            <a:r>
+              <a:rPr lang="ko-KR" altLang="en-US" dirty="0"/>
+              <a:t>아래 </a:t>
+            </a:r>
+            <a:r>
+              <a:rPr lang="en-US" altLang="ko-KR" dirty="0"/>
+              <a:t>20</a:t>
+            </a:r>
+            <a:r>
+              <a:rPr lang="ko-KR" altLang="en-US" dirty="0"/>
+              <a:t>대 </a:t>
+            </a:r>
+            <a:r>
+              <a:rPr lang="ko-KR" altLang="en-US" dirty="0" err="1"/>
+              <a:t>확진자의</a:t>
+            </a:r>
+            <a:r>
+              <a:rPr lang="ko-KR" altLang="en-US" dirty="0"/>
+              <a:t> 루트에 나온 모든 장소에 대한 통계를 보면 </a:t>
+            </a:r>
+            <a:r>
+              <a:rPr lang="en-US" altLang="ko-KR" dirty="0" err="1"/>
+              <a:t>etc</a:t>
+            </a:r>
+            <a:r>
+              <a:rPr lang="en-US" altLang="ko-KR" dirty="0"/>
+              <a:t>(</a:t>
+            </a:r>
+            <a:r>
+              <a:rPr lang="ko-KR" altLang="en-US" dirty="0"/>
+              <a:t>그 외</a:t>
+            </a:r>
+            <a:r>
+              <a:rPr lang="en-US" altLang="ko-KR" dirty="0"/>
+              <a:t>)</a:t>
+            </a:r>
+            <a:r>
+              <a:rPr lang="ko-KR" altLang="en-US" dirty="0"/>
+              <a:t>의 수치가 </a:t>
+            </a:r>
+            <a:r>
+              <a:rPr lang="en-US" altLang="ko-KR" dirty="0"/>
+              <a:t>600</a:t>
+            </a:r>
+            <a:r>
+              <a:rPr lang="ko-KR" altLang="en-US" dirty="0"/>
+              <a:t>건에 이른다</a:t>
+            </a:r>
+            <a:r>
+              <a:rPr lang="en-US" altLang="ko-KR" dirty="0"/>
+              <a:t>. </a:t>
+            </a:r>
+          </a:p>
+          <a:p>
+            <a:r>
+              <a:rPr lang="ko-KR" altLang="en-US" dirty="0"/>
+              <a:t>이는 집단 시설인지 아닌지 판별할 수 없는 경우인데</a:t>
+            </a:r>
+            <a:r>
+              <a:rPr lang="en-US" altLang="ko-KR" dirty="0"/>
+              <a:t>, </a:t>
+            </a:r>
+            <a:r>
+              <a:rPr lang="ko-KR" altLang="en-US" dirty="0"/>
+              <a:t>이 수치가 앞서 말했던 통계를 엎기에 충분한 수치이다</a:t>
+            </a:r>
+            <a:r>
+              <a:rPr lang="en-US" altLang="ko-KR" dirty="0"/>
+              <a:t>.(</a:t>
+            </a:r>
+            <a:r>
+              <a:rPr lang="ko-KR" altLang="en-US" dirty="0"/>
+              <a:t>사람 많은 곳이 차지하는 건 수 </a:t>
+            </a:r>
+            <a:r>
+              <a:rPr lang="en-US" altLang="ko-KR" dirty="0"/>
+              <a:t>: 800, </a:t>
+            </a:r>
+            <a:r>
+              <a:rPr lang="ko-KR" altLang="en-US" dirty="0"/>
+              <a:t>아닌 건 수 </a:t>
+            </a:r>
+            <a:r>
+              <a:rPr lang="en-US" altLang="ko-KR" dirty="0"/>
+              <a:t>: 550 </a:t>
+            </a:r>
+            <a:r>
+              <a:rPr lang="ko-KR" altLang="en-US" dirty="0"/>
+              <a:t>정도 였다</a:t>
+            </a:r>
+            <a:r>
+              <a:rPr lang="en-US" altLang="ko-KR" dirty="0"/>
+              <a:t>)</a:t>
+            </a:r>
+          </a:p>
+          <a:p>
+            <a:r>
+              <a:rPr lang="ko-KR" altLang="en-US" dirty="0"/>
+              <a:t>그러므로 더 이상의 사람 많은 곳에의 외출에 대한 분석의 의미 없다고 생각해 이 </a:t>
+            </a:r>
+            <a:r>
+              <a:rPr lang="ko-KR" altLang="en-US" dirty="0" err="1"/>
+              <a:t>쯤에서</a:t>
+            </a:r>
+            <a:r>
+              <a:rPr lang="ko-KR" altLang="en-US" dirty="0"/>
+              <a:t> 멈추고 다른 가설을 생각해보았다</a:t>
+            </a:r>
+            <a:r>
+              <a:rPr lang="en-US" altLang="ko-KR" dirty="0"/>
+              <a:t>.</a:t>
+            </a:r>
+          </a:p>
+        </p:txBody>
+      </p:sp>
+      <p:sp>
+        <p:nvSpPr>
+          <p:cNvPr id="16" name="TextBox 15">
+            <a:extLst>
+              <a:ext uri="{FF2B5EF4-FFF2-40B4-BE49-F238E27FC236}">
+                <a16:creationId xmlns:a16="http://schemas.microsoft.com/office/drawing/2014/main" id="{F405EB89-1F74-421A-AC52-182A8538B56B}"/>
+              </a:ext>
+            </a:extLst>
+          </p:cNvPr>
+          <p:cNvSpPr txBox="1"/>
+          <p:nvPr/>
+        </p:nvSpPr>
+        <p:spPr>
+          <a:xfrm>
+            <a:off x="7806794" y="5125841"/>
+            <a:ext cx="3448810" cy="646331"/>
+          </a:xfrm>
+          <a:prstGeom prst="rect">
+            <a:avLst/>
+          </a:prstGeom>
+          <a:noFill/>
+        </p:spPr>
+        <p:txBody>
+          <a:bodyPr wrap="square" rtlCol="0">
+            <a:spAutoFit/>
+          </a:bodyPr>
+          <a:lstStyle/>
+          <a:p>
+            <a:r>
+              <a:rPr lang="en-US" altLang="ko-KR" dirty="0"/>
+              <a:t>20</a:t>
+            </a:r>
+            <a:r>
+              <a:rPr lang="ko-KR" altLang="en-US" dirty="0"/>
+              <a:t>대 </a:t>
+            </a:r>
+            <a:r>
+              <a:rPr lang="ko-KR" altLang="en-US" dirty="0" err="1"/>
+              <a:t>확진자의</a:t>
+            </a:r>
+            <a:r>
+              <a:rPr lang="ko-KR" altLang="en-US" dirty="0"/>
+              <a:t> 동선 중 사람이 많은 곳이 차지하는 건 수</a:t>
+            </a:r>
+            <a:endParaRPr lang="en-US" altLang="ko-KR" dirty="0"/>
+          </a:p>
+        </p:txBody>
+      </p:sp>
+      <p:pic>
+        <p:nvPicPr>
+          <p:cNvPr id="4" name="Picture 6">
+            <a:extLst>
+              <a:ext uri="{FF2B5EF4-FFF2-40B4-BE49-F238E27FC236}">
+                <a16:creationId xmlns:a16="http://schemas.microsoft.com/office/drawing/2014/main" id="{707C3D36-EAD7-43CD-BD00-E40B3B750A9D}"/>
+              </a:ext>
+            </a:extLst>
+          </p:cNvPr>
+          <p:cNvPicPr>
+            <a:picLocks noChangeAspect="1" noChangeArrowheads="1"/>
+          </p:cNvPicPr>
+          <p:nvPr/>
+        </p:nvPicPr>
+        <p:blipFill>
+          <a:blip r:embed="rId2">
+            <a:extLst>
+              <a:ext uri="{28A0092B-C50C-407E-A947-70E740481C1C}">
+                <a14:useLocalDpi xmlns:a14="http://schemas.microsoft.com/office/drawing/2010/main" val="0"/>
+              </a:ext>
+            </a:extLst>
+          </a:blip>
+          <a:srcRect/>
+          <a:stretch>
+            <a:fillRect/>
+          </a:stretch>
+        </p:blipFill>
+        <p:spPr bwMode="auto">
+          <a:xfrm>
+            <a:off x="1775828" y="3727771"/>
+            <a:ext cx="5682303" cy="3071204"/>
+          </a:xfrm>
+          <a:prstGeom prst="rect">
+            <a:avLst/>
+          </a:prstGeom>
+          <a:noFill/>
+          <a:extLst>
+            <a:ext uri="{909E8E84-426E-40DD-AFC4-6F175D3DCCD1}">
+              <a14:hiddenFill xmlns:a14="http://schemas.microsoft.com/office/drawing/2010/main">
+                <a:solidFill>
+                  <a:srgbClr val="FFFFFF"/>
+                </a:solidFill>
+              </a14:hiddenFill>
+            </a:ext>
+          </a:extLst>
+        </p:spPr>
+      </p:pic>
+    </p:spTree>
+    <p:extLst>
+      <p:ext uri="{BB962C8B-B14F-4D97-AF65-F5344CB8AC3E}">
+        <p14:creationId xmlns:p14="http://schemas.microsoft.com/office/powerpoint/2010/main" val="2119341593"/>
+      </p:ext>
+    </p:extLst>
+  </p:cSld>
+  <p:clrMapOvr>
+    <a:masterClrMapping/>
+  </p:clrMapOvr>
+</p:sld>
+</file>
+
 <file path=ppt/theme/theme1.xml><?xml version="1.0" encoding="utf-8"?>
 <a:theme xmlns:a="http://schemas.openxmlformats.org/drawingml/2006/main" name="Office 테마">
   <a:themeElements>

--- a/최종합본.pptx
+++ b/최종합본.pptx
@@ -2,8 +2,26 @@
 <file path=ppt/presentation.xml><?xml version="1.0" encoding="utf-8"?>
 <p:presentation xmlns:a="http://schemas.openxmlformats.org/drawingml/2006/main" xmlns:r="http://schemas.openxmlformats.org/officeDocument/2006/relationships" xmlns:p="http://schemas.openxmlformats.org/presentationml/2006/main" saveSubsetFonts="1">
   <p:sldMasterIdLst>
-    <p:sldMasterId id="2147483648" r:id="rId1"/>
+    <p:sldMasterId id="2147483660" r:id="rId1"/>
+    <p:sldMasterId id="2147483648" r:id="rId2"/>
   </p:sldMasterIdLst>
+  <p:sldIdLst>
+    <p:sldId id="257" r:id="rId3"/>
+    <p:sldId id="271" r:id="rId4"/>
+    <p:sldId id="258" r:id="rId5"/>
+    <p:sldId id="264" r:id="rId6"/>
+    <p:sldId id="272" r:id="rId7"/>
+    <p:sldId id="275" r:id="rId8"/>
+    <p:sldId id="276" r:id="rId9"/>
+    <p:sldId id="263" r:id="rId10"/>
+    <p:sldId id="265" r:id="rId11"/>
+    <p:sldId id="266" r:id="rId12"/>
+    <p:sldId id="267" r:id="rId13"/>
+    <p:sldId id="268" r:id="rId14"/>
+    <p:sldId id="273" r:id="rId15"/>
+    <p:sldId id="269" r:id="rId16"/>
+    <p:sldId id="274" r:id="rId17"/>
+  </p:sldIdLst>
   <p:sldSz cx="12192000" cy="6858000"/>
   <p:notesSz cx="6858000" cy="9144000"/>
   <p:defaultTextStyle>
@@ -101,7 +119,21 @@
       </a:defRPr>
     </a:lvl9pPr>
   </p:defaultTextStyle>
+  <p:extLst>
+    <p:ext uri="{EFAFB233-063F-42B5-8137-9DF3F51BA10A}">
+      <p15:sldGuideLst xmlns:p15="http://schemas.microsoft.com/office/powerpoint/2012/main"/>
+    </p:ext>
+  </p:extLst>
 </p:presentation>
+</file>
+
+<file path=ppt/revisionInfo.xml><?xml version="1.0" encoding="utf-8"?>
+<p1510:revInfo xmlns:a="http://schemas.openxmlformats.org/drawingml/2006/main" xmlns:r="http://schemas.openxmlformats.org/officeDocument/2006/relationships" xmlns:p1510="http://schemas.microsoft.com/office/powerpoint/2015/10/main">
+  <p1510:revLst>
+    <p1510:client id="{2BFF7B8E-AA04-4116-B7CD-F87AF890BA15}" v="3" dt="2020-09-08T02:08:56.498"/>
+    <p1510:client id="{92C9369D-2089-4A04-5FF9-4FA6A585B5BE}" v="162" dt="2020-09-08T02:16:10.674"/>
+  </p1510:revLst>
+</p1510:revInfo>
 </file>
 
 <file path=ppt/slideLayouts/slideLayout1.xml><?xml version="1.0" encoding="utf-8"?>
@@ -251,7 +283,7 @@
           <a:p>
             <a:fld id="{AE7D38E6-CE97-48F0-9A09-0E6F3D08A1DB}" type="datetimeFigureOut">
               <a:rPr lang="ko-KR" altLang="en-US" smtClean="0"/>
-              <a:t>2020-09-08</a:t>
+              <a:t>2020-09-07</a:t>
             </a:fld>
             <a:endParaRPr lang="ko-KR" altLang="en-US"/>
           </a:p>
@@ -449,7 +481,7 @@
           <a:p>
             <a:fld id="{AE7D38E6-CE97-48F0-9A09-0E6F3D08A1DB}" type="datetimeFigureOut">
               <a:rPr lang="ko-KR" altLang="en-US" smtClean="0"/>
-              <a:t>2020-09-08</a:t>
+              <a:t>2020-09-07</a:t>
             </a:fld>
             <a:endParaRPr lang="ko-KR" altLang="en-US"/>
           </a:p>
@@ -657,7 +689,7 @@
           <a:p>
             <a:fld id="{AE7D38E6-CE97-48F0-9A09-0E6F3D08A1DB}" type="datetimeFigureOut">
               <a:rPr lang="ko-KR" altLang="en-US" smtClean="0"/>
-              <a:t>2020-09-08</a:t>
+              <a:t>2020-09-07</a:t>
             </a:fld>
             <a:endParaRPr lang="ko-KR" altLang="en-US"/>
           </a:p>
@@ -721,6 +753,1689 @@
     <p:extLst>
       <p:ext uri="{BB962C8B-B14F-4D97-AF65-F5344CB8AC3E}">
         <p14:creationId xmlns:p14="http://schemas.microsoft.com/office/powerpoint/2010/main" val="2552305254"/>
+      </p:ext>
+    </p:extLst>
+  </p:cSld>
+  <p:clrMapOvr>
+    <a:masterClrMapping/>
+  </p:clrMapOvr>
+</p:sldLayout>
+</file>
+
+<file path=ppt/slideLayouts/slideLayout12.xml><?xml version="1.0" encoding="utf-8"?>
+<p:sldLayout xmlns:a="http://schemas.openxmlformats.org/drawingml/2006/main" xmlns:r="http://schemas.openxmlformats.org/officeDocument/2006/relationships" xmlns:p="http://schemas.openxmlformats.org/presentationml/2006/main" type="title" preserve="1">
+  <p:cSld name="제목 슬라이드">
+    <p:spTree>
+      <p:nvGrpSpPr>
+        <p:cNvPr id="1" name=""/>
+        <p:cNvGrpSpPr/>
+        <p:nvPr/>
+      </p:nvGrpSpPr>
+      <p:grpSpPr>
+        <a:xfrm>
+          <a:off x="0" y="0"/>
+          <a:ext cx="0" cy="0"/>
+          <a:chOff x="0" y="0"/>
+          <a:chExt cx="0" cy="0"/>
+        </a:xfrm>
+      </p:grpSpPr>
+      <p:sp>
+        <p:nvSpPr>
+          <p:cNvPr id="2" name="제목 1"/>
+          <p:cNvSpPr>
+            <a:spLocks noGrp="1"/>
+          </p:cNvSpPr>
+          <p:nvPr>
+            <p:ph type="ctrTitle"/>
+          </p:nvPr>
+        </p:nvSpPr>
+        <p:spPr>
+          <a:xfrm>
+            <a:off x="1524000" y="1122363"/>
+            <a:ext cx="9144000" cy="2387600"/>
+          </a:xfrm>
+        </p:spPr>
+        <p:txBody>
+          <a:bodyPr anchor="b"/>
+          <a:lstStyle>
+            <a:lvl1pPr algn="ctr">
+              <a:defRPr sz="6000"/>
+            </a:lvl1pPr>
+          </a:lstStyle>
+          <a:p>
+            <a:r>
+              <a:rPr lang="ko-KR" altLang="en-US"/>
+              <a:t>마스터 제목 스타일 편집</a:t>
+            </a:r>
+          </a:p>
+        </p:txBody>
+      </p:sp>
+      <p:sp>
+        <p:nvSpPr>
+          <p:cNvPr id="3" name="부제목 2"/>
+          <p:cNvSpPr>
+            <a:spLocks noGrp="1"/>
+          </p:cNvSpPr>
+          <p:nvPr>
+            <p:ph type="subTitle" idx="1"/>
+          </p:nvPr>
+        </p:nvSpPr>
+        <p:spPr>
+          <a:xfrm>
+            <a:off x="1524000" y="3602038"/>
+            <a:ext cx="9144000" cy="1655762"/>
+          </a:xfrm>
+        </p:spPr>
+        <p:txBody>
+          <a:bodyPr/>
+          <a:lstStyle>
+            <a:lvl1pPr marL="0" indent="0" algn="ctr">
+              <a:buNone/>
+              <a:defRPr sz="2400"/>
+            </a:lvl1pPr>
+            <a:lvl2pPr marL="457200" indent="0" algn="ctr">
+              <a:buNone/>
+              <a:defRPr sz="2000"/>
+            </a:lvl2pPr>
+            <a:lvl3pPr marL="914400" indent="0" algn="ctr">
+              <a:buNone/>
+              <a:defRPr sz="1800"/>
+            </a:lvl3pPr>
+            <a:lvl4pPr marL="1371600" indent="0" algn="ctr">
+              <a:buNone/>
+              <a:defRPr sz="1600"/>
+            </a:lvl4pPr>
+            <a:lvl5pPr marL="1828800" indent="0" algn="ctr">
+              <a:buNone/>
+              <a:defRPr sz="1600"/>
+            </a:lvl5pPr>
+            <a:lvl6pPr marL="2286000" indent="0" algn="ctr">
+              <a:buNone/>
+              <a:defRPr sz="1600"/>
+            </a:lvl6pPr>
+            <a:lvl7pPr marL="2743200" indent="0" algn="ctr">
+              <a:buNone/>
+              <a:defRPr sz="1600"/>
+            </a:lvl7pPr>
+            <a:lvl8pPr marL="3200400" indent="0" algn="ctr">
+              <a:buNone/>
+              <a:defRPr sz="1600"/>
+            </a:lvl8pPr>
+            <a:lvl9pPr marL="3657600" indent="0" algn="ctr">
+              <a:buNone/>
+              <a:defRPr sz="1600"/>
+            </a:lvl9pPr>
+          </a:lstStyle>
+          <a:p>
+            <a:r>
+              <a:rPr lang="ko-KR" altLang="en-US"/>
+              <a:t>마스터 부제목 스타일 편집</a:t>
+            </a:r>
+          </a:p>
+        </p:txBody>
+      </p:sp>
+      <p:sp>
+        <p:nvSpPr>
+          <p:cNvPr id="4" name="날짜 개체 틀 3"/>
+          <p:cNvSpPr>
+            <a:spLocks noGrp="1"/>
+          </p:cNvSpPr>
+          <p:nvPr>
+            <p:ph type="dt" sz="half" idx="10"/>
+          </p:nvPr>
+        </p:nvSpPr>
+        <p:spPr/>
+        <p:txBody>
+          <a:bodyPr/>
+          <a:lstStyle/>
+          <a:p>
+            <a:fld id="{2566825D-2B69-4989-8861-A6901ABADB6C}" type="datetimeFigureOut">
+              <a:rPr lang="ko-KR" altLang="en-US" smtClean="0"/>
+              <a:t>2020-09-07</a:t>
+            </a:fld>
+            <a:endParaRPr lang="ko-KR" altLang="en-US"/>
+          </a:p>
+        </p:txBody>
+      </p:sp>
+      <p:sp>
+        <p:nvSpPr>
+          <p:cNvPr id="5" name="바닥글 개체 틀 4"/>
+          <p:cNvSpPr>
+            <a:spLocks noGrp="1"/>
+          </p:cNvSpPr>
+          <p:nvPr>
+            <p:ph type="ftr" sz="quarter" idx="11"/>
+          </p:nvPr>
+        </p:nvSpPr>
+        <p:spPr/>
+        <p:txBody>
+          <a:bodyPr/>
+          <a:lstStyle/>
+          <a:p>
+            <a:endParaRPr lang="ko-KR" altLang="en-US"/>
+          </a:p>
+        </p:txBody>
+      </p:sp>
+      <p:sp>
+        <p:nvSpPr>
+          <p:cNvPr id="6" name="슬라이드 번호 개체 틀 5"/>
+          <p:cNvSpPr>
+            <a:spLocks noGrp="1"/>
+          </p:cNvSpPr>
+          <p:nvPr>
+            <p:ph type="sldNum" sz="quarter" idx="12"/>
+          </p:nvPr>
+        </p:nvSpPr>
+        <p:spPr/>
+        <p:txBody>
+          <a:bodyPr/>
+          <a:lstStyle/>
+          <a:p>
+            <a:fld id="{836B6DB3-44B8-41C4-A846-21F6C6172237}" type="slidenum">
+              <a:rPr lang="ko-KR" altLang="en-US" smtClean="0"/>
+              <a:t>‹#›</a:t>
+            </a:fld>
+            <a:endParaRPr lang="ko-KR" altLang="en-US"/>
+          </a:p>
+        </p:txBody>
+      </p:sp>
+    </p:spTree>
+    <p:extLst>
+      <p:ext uri="{BB962C8B-B14F-4D97-AF65-F5344CB8AC3E}">
+        <p14:creationId xmlns:p14="http://schemas.microsoft.com/office/powerpoint/2010/main" val="346971665"/>
+      </p:ext>
+    </p:extLst>
+  </p:cSld>
+  <p:clrMapOvr>
+    <a:masterClrMapping/>
+  </p:clrMapOvr>
+</p:sldLayout>
+</file>
+
+<file path=ppt/slideLayouts/slideLayout13.xml><?xml version="1.0" encoding="utf-8"?>
+<p:sldLayout xmlns:a="http://schemas.openxmlformats.org/drawingml/2006/main" xmlns:r="http://schemas.openxmlformats.org/officeDocument/2006/relationships" xmlns:p="http://schemas.openxmlformats.org/presentationml/2006/main" type="obj" preserve="1">
+  <p:cSld name="제목 및 내용">
+    <p:spTree>
+      <p:nvGrpSpPr>
+        <p:cNvPr id="1" name=""/>
+        <p:cNvGrpSpPr/>
+        <p:nvPr/>
+      </p:nvGrpSpPr>
+      <p:grpSpPr>
+        <a:xfrm>
+          <a:off x="0" y="0"/>
+          <a:ext cx="0" cy="0"/>
+          <a:chOff x="0" y="0"/>
+          <a:chExt cx="0" cy="0"/>
+        </a:xfrm>
+      </p:grpSpPr>
+      <p:sp>
+        <p:nvSpPr>
+          <p:cNvPr id="2" name="제목 1"/>
+          <p:cNvSpPr>
+            <a:spLocks noGrp="1"/>
+          </p:cNvSpPr>
+          <p:nvPr>
+            <p:ph type="title"/>
+          </p:nvPr>
+        </p:nvSpPr>
+        <p:spPr/>
+        <p:txBody>
+          <a:bodyPr/>
+          <a:lstStyle/>
+          <a:p>
+            <a:r>
+              <a:rPr lang="ko-KR" altLang="en-US"/>
+              <a:t>마스터 제목 스타일 편집</a:t>
+            </a:r>
+          </a:p>
+        </p:txBody>
+      </p:sp>
+      <p:sp>
+        <p:nvSpPr>
+          <p:cNvPr id="3" name="내용 개체 틀 2"/>
+          <p:cNvSpPr>
+            <a:spLocks noGrp="1"/>
+          </p:cNvSpPr>
+          <p:nvPr>
+            <p:ph idx="1"/>
+          </p:nvPr>
+        </p:nvSpPr>
+        <p:spPr/>
+        <p:txBody>
+          <a:bodyPr/>
+          <a:lstStyle/>
+          <a:p>
+            <a:pPr lvl="0"/>
+            <a:r>
+              <a:rPr lang="ko-KR" altLang="en-US"/>
+              <a:t>마스터 텍스트 스타일을 편집합니다</a:t>
+            </a:r>
+          </a:p>
+          <a:p>
+            <a:pPr lvl="1"/>
+            <a:r>
+              <a:rPr lang="ko-KR" altLang="en-US"/>
+              <a:t>둘째 수준</a:t>
+            </a:r>
+          </a:p>
+          <a:p>
+            <a:pPr lvl="2"/>
+            <a:r>
+              <a:rPr lang="ko-KR" altLang="en-US"/>
+              <a:t>셋째 수준</a:t>
+            </a:r>
+          </a:p>
+          <a:p>
+            <a:pPr lvl="3"/>
+            <a:r>
+              <a:rPr lang="ko-KR" altLang="en-US"/>
+              <a:t>넷째 수준</a:t>
+            </a:r>
+          </a:p>
+          <a:p>
+            <a:pPr lvl="4"/>
+            <a:r>
+              <a:rPr lang="ko-KR" altLang="en-US"/>
+              <a:t>다섯째 수준</a:t>
+            </a:r>
+          </a:p>
+        </p:txBody>
+      </p:sp>
+      <p:sp>
+        <p:nvSpPr>
+          <p:cNvPr id="4" name="날짜 개체 틀 3"/>
+          <p:cNvSpPr>
+            <a:spLocks noGrp="1"/>
+          </p:cNvSpPr>
+          <p:nvPr>
+            <p:ph type="dt" sz="half" idx="10"/>
+          </p:nvPr>
+        </p:nvSpPr>
+        <p:spPr/>
+        <p:txBody>
+          <a:bodyPr/>
+          <a:lstStyle/>
+          <a:p>
+            <a:fld id="{2566825D-2B69-4989-8861-A6901ABADB6C}" type="datetimeFigureOut">
+              <a:rPr lang="ko-KR" altLang="en-US" smtClean="0"/>
+              <a:t>2020-09-07</a:t>
+            </a:fld>
+            <a:endParaRPr lang="ko-KR" altLang="en-US"/>
+          </a:p>
+        </p:txBody>
+      </p:sp>
+      <p:sp>
+        <p:nvSpPr>
+          <p:cNvPr id="5" name="바닥글 개체 틀 4"/>
+          <p:cNvSpPr>
+            <a:spLocks noGrp="1"/>
+          </p:cNvSpPr>
+          <p:nvPr>
+            <p:ph type="ftr" sz="quarter" idx="11"/>
+          </p:nvPr>
+        </p:nvSpPr>
+        <p:spPr/>
+        <p:txBody>
+          <a:bodyPr/>
+          <a:lstStyle/>
+          <a:p>
+            <a:endParaRPr lang="ko-KR" altLang="en-US"/>
+          </a:p>
+        </p:txBody>
+      </p:sp>
+      <p:sp>
+        <p:nvSpPr>
+          <p:cNvPr id="6" name="슬라이드 번호 개체 틀 5"/>
+          <p:cNvSpPr>
+            <a:spLocks noGrp="1"/>
+          </p:cNvSpPr>
+          <p:nvPr>
+            <p:ph type="sldNum" sz="quarter" idx="12"/>
+          </p:nvPr>
+        </p:nvSpPr>
+        <p:spPr/>
+        <p:txBody>
+          <a:bodyPr/>
+          <a:lstStyle/>
+          <a:p>
+            <a:fld id="{836B6DB3-44B8-41C4-A846-21F6C6172237}" type="slidenum">
+              <a:rPr lang="ko-KR" altLang="en-US" smtClean="0"/>
+              <a:t>‹#›</a:t>
+            </a:fld>
+            <a:endParaRPr lang="ko-KR" altLang="en-US"/>
+          </a:p>
+        </p:txBody>
+      </p:sp>
+    </p:spTree>
+    <p:extLst>
+      <p:ext uri="{BB962C8B-B14F-4D97-AF65-F5344CB8AC3E}">
+        <p14:creationId xmlns:p14="http://schemas.microsoft.com/office/powerpoint/2010/main" val="463982937"/>
+      </p:ext>
+    </p:extLst>
+  </p:cSld>
+  <p:clrMapOvr>
+    <a:masterClrMapping/>
+  </p:clrMapOvr>
+</p:sldLayout>
+</file>
+
+<file path=ppt/slideLayouts/slideLayout14.xml><?xml version="1.0" encoding="utf-8"?>
+<p:sldLayout xmlns:a="http://schemas.openxmlformats.org/drawingml/2006/main" xmlns:r="http://schemas.openxmlformats.org/officeDocument/2006/relationships" xmlns:p="http://schemas.openxmlformats.org/presentationml/2006/main" type="secHead" preserve="1">
+  <p:cSld name="구역 머리글">
+    <p:spTree>
+      <p:nvGrpSpPr>
+        <p:cNvPr id="1" name=""/>
+        <p:cNvGrpSpPr/>
+        <p:nvPr/>
+      </p:nvGrpSpPr>
+      <p:grpSpPr>
+        <a:xfrm>
+          <a:off x="0" y="0"/>
+          <a:ext cx="0" cy="0"/>
+          <a:chOff x="0" y="0"/>
+          <a:chExt cx="0" cy="0"/>
+        </a:xfrm>
+      </p:grpSpPr>
+      <p:sp>
+        <p:nvSpPr>
+          <p:cNvPr id="2" name="제목 1"/>
+          <p:cNvSpPr>
+            <a:spLocks noGrp="1"/>
+          </p:cNvSpPr>
+          <p:nvPr>
+            <p:ph type="title"/>
+          </p:nvPr>
+        </p:nvSpPr>
+        <p:spPr>
+          <a:xfrm>
+            <a:off x="831850" y="1709738"/>
+            <a:ext cx="10515600" cy="2852737"/>
+          </a:xfrm>
+        </p:spPr>
+        <p:txBody>
+          <a:bodyPr anchor="b"/>
+          <a:lstStyle>
+            <a:lvl1pPr>
+              <a:defRPr sz="6000"/>
+            </a:lvl1pPr>
+          </a:lstStyle>
+          <a:p>
+            <a:r>
+              <a:rPr lang="ko-KR" altLang="en-US"/>
+              <a:t>마스터 제목 스타일 편집</a:t>
+            </a:r>
+          </a:p>
+        </p:txBody>
+      </p:sp>
+      <p:sp>
+        <p:nvSpPr>
+          <p:cNvPr id="3" name="텍스트 개체 틀 2"/>
+          <p:cNvSpPr>
+            <a:spLocks noGrp="1"/>
+          </p:cNvSpPr>
+          <p:nvPr>
+            <p:ph type="body" idx="1"/>
+          </p:nvPr>
+        </p:nvSpPr>
+        <p:spPr>
+          <a:xfrm>
+            <a:off x="831850" y="4589463"/>
+            <a:ext cx="10515600" cy="1500187"/>
+          </a:xfrm>
+        </p:spPr>
+        <p:txBody>
+          <a:bodyPr/>
+          <a:lstStyle>
+            <a:lvl1pPr marL="0" indent="0">
+              <a:buNone/>
+              <a:defRPr sz="2400">
+                <a:solidFill>
+                  <a:schemeClr val="tx1">
+                    <a:tint val="75000"/>
+                  </a:schemeClr>
+                </a:solidFill>
+              </a:defRPr>
+            </a:lvl1pPr>
+            <a:lvl2pPr marL="457200" indent="0">
+              <a:buNone/>
+              <a:defRPr sz="2000">
+                <a:solidFill>
+                  <a:schemeClr val="tx1">
+                    <a:tint val="75000"/>
+                  </a:schemeClr>
+                </a:solidFill>
+              </a:defRPr>
+            </a:lvl2pPr>
+            <a:lvl3pPr marL="914400" indent="0">
+              <a:buNone/>
+              <a:defRPr sz="1800">
+                <a:solidFill>
+                  <a:schemeClr val="tx1">
+                    <a:tint val="75000"/>
+                  </a:schemeClr>
+                </a:solidFill>
+              </a:defRPr>
+            </a:lvl3pPr>
+            <a:lvl4pPr marL="1371600" indent="0">
+              <a:buNone/>
+              <a:defRPr sz="1600">
+                <a:solidFill>
+                  <a:schemeClr val="tx1">
+                    <a:tint val="75000"/>
+                  </a:schemeClr>
+                </a:solidFill>
+              </a:defRPr>
+            </a:lvl4pPr>
+            <a:lvl5pPr marL="1828800" indent="0">
+              <a:buNone/>
+              <a:defRPr sz="1600">
+                <a:solidFill>
+                  <a:schemeClr val="tx1">
+                    <a:tint val="75000"/>
+                  </a:schemeClr>
+                </a:solidFill>
+              </a:defRPr>
+            </a:lvl5pPr>
+            <a:lvl6pPr marL="2286000" indent="0">
+              <a:buNone/>
+              <a:defRPr sz="1600">
+                <a:solidFill>
+                  <a:schemeClr val="tx1">
+                    <a:tint val="75000"/>
+                  </a:schemeClr>
+                </a:solidFill>
+              </a:defRPr>
+            </a:lvl6pPr>
+            <a:lvl7pPr marL="2743200" indent="0">
+              <a:buNone/>
+              <a:defRPr sz="1600">
+                <a:solidFill>
+                  <a:schemeClr val="tx1">
+                    <a:tint val="75000"/>
+                  </a:schemeClr>
+                </a:solidFill>
+              </a:defRPr>
+            </a:lvl7pPr>
+            <a:lvl8pPr marL="3200400" indent="0">
+              <a:buNone/>
+              <a:defRPr sz="1600">
+                <a:solidFill>
+                  <a:schemeClr val="tx1">
+                    <a:tint val="75000"/>
+                  </a:schemeClr>
+                </a:solidFill>
+              </a:defRPr>
+            </a:lvl8pPr>
+            <a:lvl9pPr marL="3657600" indent="0">
+              <a:buNone/>
+              <a:defRPr sz="1600">
+                <a:solidFill>
+                  <a:schemeClr val="tx1">
+                    <a:tint val="75000"/>
+                  </a:schemeClr>
+                </a:solidFill>
+              </a:defRPr>
+            </a:lvl9pPr>
+          </a:lstStyle>
+          <a:p>
+            <a:pPr lvl="0"/>
+            <a:r>
+              <a:rPr lang="ko-KR" altLang="en-US"/>
+              <a:t>마스터 텍스트 스타일을 편집합니다</a:t>
+            </a:r>
+          </a:p>
+        </p:txBody>
+      </p:sp>
+      <p:sp>
+        <p:nvSpPr>
+          <p:cNvPr id="4" name="날짜 개체 틀 3"/>
+          <p:cNvSpPr>
+            <a:spLocks noGrp="1"/>
+          </p:cNvSpPr>
+          <p:nvPr>
+            <p:ph type="dt" sz="half" idx="10"/>
+          </p:nvPr>
+        </p:nvSpPr>
+        <p:spPr/>
+        <p:txBody>
+          <a:bodyPr/>
+          <a:lstStyle/>
+          <a:p>
+            <a:fld id="{2566825D-2B69-4989-8861-A6901ABADB6C}" type="datetimeFigureOut">
+              <a:rPr lang="ko-KR" altLang="en-US" smtClean="0"/>
+              <a:t>2020-09-07</a:t>
+            </a:fld>
+            <a:endParaRPr lang="ko-KR" altLang="en-US"/>
+          </a:p>
+        </p:txBody>
+      </p:sp>
+      <p:sp>
+        <p:nvSpPr>
+          <p:cNvPr id="5" name="바닥글 개체 틀 4"/>
+          <p:cNvSpPr>
+            <a:spLocks noGrp="1"/>
+          </p:cNvSpPr>
+          <p:nvPr>
+            <p:ph type="ftr" sz="quarter" idx="11"/>
+          </p:nvPr>
+        </p:nvSpPr>
+        <p:spPr/>
+        <p:txBody>
+          <a:bodyPr/>
+          <a:lstStyle/>
+          <a:p>
+            <a:endParaRPr lang="ko-KR" altLang="en-US"/>
+          </a:p>
+        </p:txBody>
+      </p:sp>
+      <p:sp>
+        <p:nvSpPr>
+          <p:cNvPr id="6" name="슬라이드 번호 개체 틀 5"/>
+          <p:cNvSpPr>
+            <a:spLocks noGrp="1"/>
+          </p:cNvSpPr>
+          <p:nvPr>
+            <p:ph type="sldNum" sz="quarter" idx="12"/>
+          </p:nvPr>
+        </p:nvSpPr>
+        <p:spPr/>
+        <p:txBody>
+          <a:bodyPr/>
+          <a:lstStyle/>
+          <a:p>
+            <a:fld id="{836B6DB3-44B8-41C4-A846-21F6C6172237}" type="slidenum">
+              <a:rPr lang="ko-KR" altLang="en-US" smtClean="0"/>
+              <a:t>‹#›</a:t>
+            </a:fld>
+            <a:endParaRPr lang="ko-KR" altLang="en-US"/>
+          </a:p>
+        </p:txBody>
+      </p:sp>
+    </p:spTree>
+    <p:extLst>
+      <p:ext uri="{BB962C8B-B14F-4D97-AF65-F5344CB8AC3E}">
+        <p14:creationId xmlns:p14="http://schemas.microsoft.com/office/powerpoint/2010/main" val="2146234188"/>
+      </p:ext>
+    </p:extLst>
+  </p:cSld>
+  <p:clrMapOvr>
+    <a:masterClrMapping/>
+  </p:clrMapOvr>
+</p:sldLayout>
+</file>
+
+<file path=ppt/slideLayouts/slideLayout15.xml><?xml version="1.0" encoding="utf-8"?>
+<p:sldLayout xmlns:a="http://schemas.openxmlformats.org/drawingml/2006/main" xmlns:r="http://schemas.openxmlformats.org/officeDocument/2006/relationships" xmlns:p="http://schemas.openxmlformats.org/presentationml/2006/main" type="twoObj" preserve="1">
+  <p:cSld name="콘텐츠 2개">
+    <p:spTree>
+      <p:nvGrpSpPr>
+        <p:cNvPr id="1" name=""/>
+        <p:cNvGrpSpPr/>
+        <p:nvPr/>
+      </p:nvGrpSpPr>
+      <p:grpSpPr>
+        <a:xfrm>
+          <a:off x="0" y="0"/>
+          <a:ext cx="0" cy="0"/>
+          <a:chOff x="0" y="0"/>
+          <a:chExt cx="0" cy="0"/>
+        </a:xfrm>
+      </p:grpSpPr>
+      <p:sp>
+        <p:nvSpPr>
+          <p:cNvPr id="2" name="제목 1"/>
+          <p:cNvSpPr>
+            <a:spLocks noGrp="1"/>
+          </p:cNvSpPr>
+          <p:nvPr>
+            <p:ph type="title"/>
+          </p:nvPr>
+        </p:nvSpPr>
+        <p:spPr/>
+        <p:txBody>
+          <a:bodyPr/>
+          <a:lstStyle/>
+          <a:p>
+            <a:r>
+              <a:rPr lang="ko-KR" altLang="en-US"/>
+              <a:t>마스터 제목 스타일 편집</a:t>
+            </a:r>
+          </a:p>
+        </p:txBody>
+      </p:sp>
+      <p:sp>
+        <p:nvSpPr>
+          <p:cNvPr id="3" name="내용 개체 틀 2"/>
+          <p:cNvSpPr>
+            <a:spLocks noGrp="1"/>
+          </p:cNvSpPr>
+          <p:nvPr>
+            <p:ph sz="half" idx="1"/>
+          </p:nvPr>
+        </p:nvSpPr>
+        <p:spPr>
+          <a:xfrm>
+            <a:off x="838200" y="1825625"/>
+            <a:ext cx="5181600" cy="4351338"/>
+          </a:xfrm>
+        </p:spPr>
+        <p:txBody>
+          <a:bodyPr/>
+          <a:lstStyle/>
+          <a:p>
+            <a:pPr lvl="0"/>
+            <a:r>
+              <a:rPr lang="ko-KR" altLang="en-US"/>
+              <a:t>마스터 텍스트 스타일을 편집합니다</a:t>
+            </a:r>
+          </a:p>
+          <a:p>
+            <a:pPr lvl="1"/>
+            <a:r>
+              <a:rPr lang="ko-KR" altLang="en-US"/>
+              <a:t>둘째 수준</a:t>
+            </a:r>
+          </a:p>
+          <a:p>
+            <a:pPr lvl="2"/>
+            <a:r>
+              <a:rPr lang="ko-KR" altLang="en-US"/>
+              <a:t>셋째 수준</a:t>
+            </a:r>
+          </a:p>
+          <a:p>
+            <a:pPr lvl="3"/>
+            <a:r>
+              <a:rPr lang="ko-KR" altLang="en-US"/>
+              <a:t>넷째 수준</a:t>
+            </a:r>
+          </a:p>
+          <a:p>
+            <a:pPr lvl="4"/>
+            <a:r>
+              <a:rPr lang="ko-KR" altLang="en-US"/>
+              <a:t>다섯째 수준</a:t>
+            </a:r>
+          </a:p>
+        </p:txBody>
+      </p:sp>
+      <p:sp>
+        <p:nvSpPr>
+          <p:cNvPr id="4" name="내용 개체 틀 3"/>
+          <p:cNvSpPr>
+            <a:spLocks noGrp="1"/>
+          </p:cNvSpPr>
+          <p:nvPr>
+            <p:ph sz="half" idx="2"/>
+          </p:nvPr>
+        </p:nvSpPr>
+        <p:spPr>
+          <a:xfrm>
+            <a:off x="6172200" y="1825625"/>
+            <a:ext cx="5181600" cy="4351338"/>
+          </a:xfrm>
+        </p:spPr>
+        <p:txBody>
+          <a:bodyPr/>
+          <a:lstStyle/>
+          <a:p>
+            <a:pPr lvl="0"/>
+            <a:r>
+              <a:rPr lang="ko-KR" altLang="en-US"/>
+              <a:t>마스터 텍스트 스타일을 편집합니다</a:t>
+            </a:r>
+          </a:p>
+          <a:p>
+            <a:pPr lvl="1"/>
+            <a:r>
+              <a:rPr lang="ko-KR" altLang="en-US"/>
+              <a:t>둘째 수준</a:t>
+            </a:r>
+          </a:p>
+          <a:p>
+            <a:pPr lvl="2"/>
+            <a:r>
+              <a:rPr lang="ko-KR" altLang="en-US"/>
+              <a:t>셋째 수준</a:t>
+            </a:r>
+          </a:p>
+          <a:p>
+            <a:pPr lvl="3"/>
+            <a:r>
+              <a:rPr lang="ko-KR" altLang="en-US"/>
+              <a:t>넷째 수준</a:t>
+            </a:r>
+          </a:p>
+          <a:p>
+            <a:pPr lvl="4"/>
+            <a:r>
+              <a:rPr lang="ko-KR" altLang="en-US"/>
+              <a:t>다섯째 수준</a:t>
+            </a:r>
+          </a:p>
+        </p:txBody>
+      </p:sp>
+      <p:sp>
+        <p:nvSpPr>
+          <p:cNvPr id="5" name="날짜 개체 틀 4"/>
+          <p:cNvSpPr>
+            <a:spLocks noGrp="1"/>
+          </p:cNvSpPr>
+          <p:nvPr>
+            <p:ph type="dt" sz="half" idx="10"/>
+          </p:nvPr>
+        </p:nvSpPr>
+        <p:spPr/>
+        <p:txBody>
+          <a:bodyPr/>
+          <a:lstStyle/>
+          <a:p>
+            <a:fld id="{2566825D-2B69-4989-8861-A6901ABADB6C}" type="datetimeFigureOut">
+              <a:rPr lang="ko-KR" altLang="en-US" smtClean="0"/>
+              <a:t>2020-09-07</a:t>
+            </a:fld>
+            <a:endParaRPr lang="ko-KR" altLang="en-US"/>
+          </a:p>
+        </p:txBody>
+      </p:sp>
+      <p:sp>
+        <p:nvSpPr>
+          <p:cNvPr id="6" name="바닥글 개체 틀 5"/>
+          <p:cNvSpPr>
+            <a:spLocks noGrp="1"/>
+          </p:cNvSpPr>
+          <p:nvPr>
+            <p:ph type="ftr" sz="quarter" idx="11"/>
+          </p:nvPr>
+        </p:nvSpPr>
+        <p:spPr/>
+        <p:txBody>
+          <a:bodyPr/>
+          <a:lstStyle/>
+          <a:p>
+            <a:endParaRPr lang="ko-KR" altLang="en-US"/>
+          </a:p>
+        </p:txBody>
+      </p:sp>
+      <p:sp>
+        <p:nvSpPr>
+          <p:cNvPr id="7" name="슬라이드 번호 개체 틀 6"/>
+          <p:cNvSpPr>
+            <a:spLocks noGrp="1"/>
+          </p:cNvSpPr>
+          <p:nvPr>
+            <p:ph type="sldNum" sz="quarter" idx="12"/>
+          </p:nvPr>
+        </p:nvSpPr>
+        <p:spPr/>
+        <p:txBody>
+          <a:bodyPr/>
+          <a:lstStyle/>
+          <a:p>
+            <a:fld id="{836B6DB3-44B8-41C4-A846-21F6C6172237}" type="slidenum">
+              <a:rPr lang="ko-KR" altLang="en-US" smtClean="0"/>
+              <a:t>‹#›</a:t>
+            </a:fld>
+            <a:endParaRPr lang="ko-KR" altLang="en-US"/>
+          </a:p>
+        </p:txBody>
+      </p:sp>
+    </p:spTree>
+    <p:extLst>
+      <p:ext uri="{BB962C8B-B14F-4D97-AF65-F5344CB8AC3E}">
+        <p14:creationId xmlns:p14="http://schemas.microsoft.com/office/powerpoint/2010/main" val="62196340"/>
+      </p:ext>
+    </p:extLst>
+  </p:cSld>
+  <p:clrMapOvr>
+    <a:masterClrMapping/>
+  </p:clrMapOvr>
+</p:sldLayout>
+</file>
+
+<file path=ppt/slideLayouts/slideLayout16.xml><?xml version="1.0" encoding="utf-8"?>
+<p:sldLayout xmlns:a="http://schemas.openxmlformats.org/drawingml/2006/main" xmlns:r="http://schemas.openxmlformats.org/officeDocument/2006/relationships" xmlns:p="http://schemas.openxmlformats.org/presentationml/2006/main" type="twoTxTwoObj" preserve="1">
+  <p:cSld name="비교">
+    <p:spTree>
+      <p:nvGrpSpPr>
+        <p:cNvPr id="1" name=""/>
+        <p:cNvGrpSpPr/>
+        <p:nvPr/>
+      </p:nvGrpSpPr>
+      <p:grpSpPr>
+        <a:xfrm>
+          <a:off x="0" y="0"/>
+          <a:ext cx="0" cy="0"/>
+          <a:chOff x="0" y="0"/>
+          <a:chExt cx="0" cy="0"/>
+        </a:xfrm>
+      </p:grpSpPr>
+      <p:sp>
+        <p:nvSpPr>
+          <p:cNvPr id="2" name="제목 1"/>
+          <p:cNvSpPr>
+            <a:spLocks noGrp="1"/>
+          </p:cNvSpPr>
+          <p:nvPr>
+            <p:ph type="title"/>
+          </p:nvPr>
+        </p:nvSpPr>
+        <p:spPr>
+          <a:xfrm>
+            <a:off x="839788" y="365125"/>
+            <a:ext cx="10515600" cy="1325563"/>
+          </a:xfrm>
+        </p:spPr>
+        <p:txBody>
+          <a:bodyPr/>
+          <a:lstStyle/>
+          <a:p>
+            <a:r>
+              <a:rPr lang="ko-KR" altLang="en-US"/>
+              <a:t>마스터 제목 스타일 편집</a:t>
+            </a:r>
+          </a:p>
+        </p:txBody>
+      </p:sp>
+      <p:sp>
+        <p:nvSpPr>
+          <p:cNvPr id="3" name="텍스트 개체 틀 2"/>
+          <p:cNvSpPr>
+            <a:spLocks noGrp="1"/>
+          </p:cNvSpPr>
+          <p:nvPr>
+            <p:ph type="body" idx="1"/>
+          </p:nvPr>
+        </p:nvSpPr>
+        <p:spPr>
+          <a:xfrm>
+            <a:off x="839788" y="1681163"/>
+            <a:ext cx="5157787" cy="823912"/>
+          </a:xfrm>
+        </p:spPr>
+        <p:txBody>
+          <a:bodyPr anchor="b"/>
+          <a:lstStyle>
+            <a:lvl1pPr marL="0" indent="0">
+              <a:buNone/>
+              <a:defRPr sz="2400" b="1"/>
+            </a:lvl1pPr>
+            <a:lvl2pPr marL="457200" indent="0">
+              <a:buNone/>
+              <a:defRPr sz="2000" b="1"/>
+            </a:lvl2pPr>
+            <a:lvl3pPr marL="914400" indent="0">
+              <a:buNone/>
+              <a:defRPr sz="1800" b="1"/>
+            </a:lvl3pPr>
+            <a:lvl4pPr marL="1371600" indent="0">
+              <a:buNone/>
+              <a:defRPr sz="1600" b="1"/>
+            </a:lvl4pPr>
+            <a:lvl5pPr marL="1828800" indent="0">
+              <a:buNone/>
+              <a:defRPr sz="1600" b="1"/>
+            </a:lvl5pPr>
+            <a:lvl6pPr marL="2286000" indent="0">
+              <a:buNone/>
+              <a:defRPr sz="1600" b="1"/>
+            </a:lvl6pPr>
+            <a:lvl7pPr marL="2743200" indent="0">
+              <a:buNone/>
+              <a:defRPr sz="1600" b="1"/>
+            </a:lvl7pPr>
+            <a:lvl8pPr marL="3200400" indent="0">
+              <a:buNone/>
+              <a:defRPr sz="1600" b="1"/>
+            </a:lvl8pPr>
+            <a:lvl9pPr marL="3657600" indent="0">
+              <a:buNone/>
+              <a:defRPr sz="1600" b="1"/>
+            </a:lvl9pPr>
+          </a:lstStyle>
+          <a:p>
+            <a:pPr lvl="0"/>
+            <a:r>
+              <a:rPr lang="ko-KR" altLang="en-US"/>
+              <a:t>마스터 텍스트 스타일을 편집합니다</a:t>
+            </a:r>
+          </a:p>
+        </p:txBody>
+      </p:sp>
+      <p:sp>
+        <p:nvSpPr>
+          <p:cNvPr id="4" name="내용 개체 틀 3"/>
+          <p:cNvSpPr>
+            <a:spLocks noGrp="1"/>
+          </p:cNvSpPr>
+          <p:nvPr>
+            <p:ph sz="half" idx="2"/>
+          </p:nvPr>
+        </p:nvSpPr>
+        <p:spPr>
+          <a:xfrm>
+            <a:off x="839788" y="2505075"/>
+            <a:ext cx="5157787" cy="3684588"/>
+          </a:xfrm>
+        </p:spPr>
+        <p:txBody>
+          <a:bodyPr/>
+          <a:lstStyle/>
+          <a:p>
+            <a:pPr lvl="0"/>
+            <a:r>
+              <a:rPr lang="ko-KR" altLang="en-US"/>
+              <a:t>마스터 텍스트 스타일을 편집합니다</a:t>
+            </a:r>
+          </a:p>
+          <a:p>
+            <a:pPr lvl="1"/>
+            <a:r>
+              <a:rPr lang="ko-KR" altLang="en-US"/>
+              <a:t>둘째 수준</a:t>
+            </a:r>
+          </a:p>
+          <a:p>
+            <a:pPr lvl="2"/>
+            <a:r>
+              <a:rPr lang="ko-KR" altLang="en-US"/>
+              <a:t>셋째 수준</a:t>
+            </a:r>
+          </a:p>
+          <a:p>
+            <a:pPr lvl="3"/>
+            <a:r>
+              <a:rPr lang="ko-KR" altLang="en-US"/>
+              <a:t>넷째 수준</a:t>
+            </a:r>
+          </a:p>
+          <a:p>
+            <a:pPr lvl="4"/>
+            <a:r>
+              <a:rPr lang="ko-KR" altLang="en-US"/>
+              <a:t>다섯째 수준</a:t>
+            </a:r>
+          </a:p>
+        </p:txBody>
+      </p:sp>
+      <p:sp>
+        <p:nvSpPr>
+          <p:cNvPr id="5" name="텍스트 개체 틀 4"/>
+          <p:cNvSpPr>
+            <a:spLocks noGrp="1"/>
+          </p:cNvSpPr>
+          <p:nvPr>
+            <p:ph type="body" sz="quarter" idx="3"/>
+          </p:nvPr>
+        </p:nvSpPr>
+        <p:spPr>
+          <a:xfrm>
+            <a:off x="6172200" y="1681163"/>
+            <a:ext cx="5183188" cy="823912"/>
+          </a:xfrm>
+        </p:spPr>
+        <p:txBody>
+          <a:bodyPr anchor="b"/>
+          <a:lstStyle>
+            <a:lvl1pPr marL="0" indent="0">
+              <a:buNone/>
+              <a:defRPr sz="2400" b="1"/>
+            </a:lvl1pPr>
+            <a:lvl2pPr marL="457200" indent="0">
+              <a:buNone/>
+              <a:defRPr sz="2000" b="1"/>
+            </a:lvl2pPr>
+            <a:lvl3pPr marL="914400" indent="0">
+              <a:buNone/>
+              <a:defRPr sz="1800" b="1"/>
+            </a:lvl3pPr>
+            <a:lvl4pPr marL="1371600" indent="0">
+              <a:buNone/>
+              <a:defRPr sz="1600" b="1"/>
+            </a:lvl4pPr>
+            <a:lvl5pPr marL="1828800" indent="0">
+              <a:buNone/>
+              <a:defRPr sz="1600" b="1"/>
+            </a:lvl5pPr>
+            <a:lvl6pPr marL="2286000" indent="0">
+              <a:buNone/>
+              <a:defRPr sz="1600" b="1"/>
+            </a:lvl6pPr>
+            <a:lvl7pPr marL="2743200" indent="0">
+              <a:buNone/>
+              <a:defRPr sz="1600" b="1"/>
+            </a:lvl7pPr>
+            <a:lvl8pPr marL="3200400" indent="0">
+              <a:buNone/>
+              <a:defRPr sz="1600" b="1"/>
+            </a:lvl8pPr>
+            <a:lvl9pPr marL="3657600" indent="0">
+              <a:buNone/>
+              <a:defRPr sz="1600" b="1"/>
+            </a:lvl9pPr>
+          </a:lstStyle>
+          <a:p>
+            <a:pPr lvl="0"/>
+            <a:r>
+              <a:rPr lang="ko-KR" altLang="en-US"/>
+              <a:t>마스터 텍스트 스타일을 편집합니다</a:t>
+            </a:r>
+          </a:p>
+        </p:txBody>
+      </p:sp>
+      <p:sp>
+        <p:nvSpPr>
+          <p:cNvPr id="6" name="내용 개체 틀 5"/>
+          <p:cNvSpPr>
+            <a:spLocks noGrp="1"/>
+          </p:cNvSpPr>
+          <p:nvPr>
+            <p:ph sz="quarter" idx="4"/>
+          </p:nvPr>
+        </p:nvSpPr>
+        <p:spPr>
+          <a:xfrm>
+            <a:off x="6172200" y="2505075"/>
+            <a:ext cx="5183188" cy="3684588"/>
+          </a:xfrm>
+        </p:spPr>
+        <p:txBody>
+          <a:bodyPr/>
+          <a:lstStyle/>
+          <a:p>
+            <a:pPr lvl="0"/>
+            <a:r>
+              <a:rPr lang="ko-KR" altLang="en-US"/>
+              <a:t>마스터 텍스트 스타일을 편집합니다</a:t>
+            </a:r>
+          </a:p>
+          <a:p>
+            <a:pPr lvl="1"/>
+            <a:r>
+              <a:rPr lang="ko-KR" altLang="en-US"/>
+              <a:t>둘째 수준</a:t>
+            </a:r>
+          </a:p>
+          <a:p>
+            <a:pPr lvl="2"/>
+            <a:r>
+              <a:rPr lang="ko-KR" altLang="en-US"/>
+              <a:t>셋째 수준</a:t>
+            </a:r>
+          </a:p>
+          <a:p>
+            <a:pPr lvl="3"/>
+            <a:r>
+              <a:rPr lang="ko-KR" altLang="en-US"/>
+              <a:t>넷째 수준</a:t>
+            </a:r>
+          </a:p>
+          <a:p>
+            <a:pPr lvl="4"/>
+            <a:r>
+              <a:rPr lang="ko-KR" altLang="en-US"/>
+              <a:t>다섯째 수준</a:t>
+            </a:r>
+          </a:p>
+        </p:txBody>
+      </p:sp>
+      <p:sp>
+        <p:nvSpPr>
+          <p:cNvPr id="7" name="날짜 개체 틀 6"/>
+          <p:cNvSpPr>
+            <a:spLocks noGrp="1"/>
+          </p:cNvSpPr>
+          <p:nvPr>
+            <p:ph type="dt" sz="half" idx="10"/>
+          </p:nvPr>
+        </p:nvSpPr>
+        <p:spPr/>
+        <p:txBody>
+          <a:bodyPr/>
+          <a:lstStyle/>
+          <a:p>
+            <a:fld id="{2566825D-2B69-4989-8861-A6901ABADB6C}" type="datetimeFigureOut">
+              <a:rPr lang="ko-KR" altLang="en-US" smtClean="0"/>
+              <a:t>2020-09-07</a:t>
+            </a:fld>
+            <a:endParaRPr lang="ko-KR" altLang="en-US"/>
+          </a:p>
+        </p:txBody>
+      </p:sp>
+      <p:sp>
+        <p:nvSpPr>
+          <p:cNvPr id="8" name="바닥글 개체 틀 7"/>
+          <p:cNvSpPr>
+            <a:spLocks noGrp="1"/>
+          </p:cNvSpPr>
+          <p:nvPr>
+            <p:ph type="ftr" sz="quarter" idx="11"/>
+          </p:nvPr>
+        </p:nvSpPr>
+        <p:spPr/>
+        <p:txBody>
+          <a:bodyPr/>
+          <a:lstStyle/>
+          <a:p>
+            <a:endParaRPr lang="ko-KR" altLang="en-US"/>
+          </a:p>
+        </p:txBody>
+      </p:sp>
+      <p:sp>
+        <p:nvSpPr>
+          <p:cNvPr id="9" name="슬라이드 번호 개체 틀 8"/>
+          <p:cNvSpPr>
+            <a:spLocks noGrp="1"/>
+          </p:cNvSpPr>
+          <p:nvPr>
+            <p:ph type="sldNum" sz="quarter" idx="12"/>
+          </p:nvPr>
+        </p:nvSpPr>
+        <p:spPr/>
+        <p:txBody>
+          <a:bodyPr/>
+          <a:lstStyle/>
+          <a:p>
+            <a:fld id="{836B6DB3-44B8-41C4-A846-21F6C6172237}" type="slidenum">
+              <a:rPr lang="ko-KR" altLang="en-US" smtClean="0"/>
+              <a:t>‹#›</a:t>
+            </a:fld>
+            <a:endParaRPr lang="ko-KR" altLang="en-US"/>
+          </a:p>
+        </p:txBody>
+      </p:sp>
+    </p:spTree>
+    <p:extLst>
+      <p:ext uri="{BB962C8B-B14F-4D97-AF65-F5344CB8AC3E}">
+        <p14:creationId xmlns:p14="http://schemas.microsoft.com/office/powerpoint/2010/main" val="2923469982"/>
+      </p:ext>
+    </p:extLst>
+  </p:cSld>
+  <p:clrMapOvr>
+    <a:masterClrMapping/>
+  </p:clrMapOvr>
+</p:sldLayout>
+</file>
+
+<file path=ppt/slideLayouts/slideLayout17.xml><?xml version="1.0" encoding="utf-8"?>
+<p:sldLayout xmlns:a="http://schemas.openxmlformats.org/drawingml/2006/main" xmlns:r="http://schemas.openxmlformats.org/officeDocument/2006/relationships" xmlns:p="http://schemas.openxmlformats.org/presentationml/2006/main" type="titleOnly" preserve="1">
+  <p:cSld name="제목만">
+    <p:spTree>
+      <p:nvGrpSpPr>
+        <p:cNvPr id="1" name=""/>
+        <p:cNvGrpSpPr/>
+        <p:nvPr/>
+      </p:nvGrpSpPr>
+      <p:grpSpPr>
+        <a:xfrm>
+          <a:off x="0" y="0"/>
+          <a:ext cx="0" cy="0"/>
+          <a:chOff x="0" y="0"/>
+          <a:chExt cx="0" cy="0"/>
+        </a:xfrm>
+      </p:grpSpPr>
+      <p:sp>
+        <p:nvSpPr>
+          <p:cNvPr id="2" name="제목 1"/>
+          <p:cNvSpPr>
+            <a:spLocks noGrp="1"/>
+          </p:cNvSpPr>
+          <p:nvPr>
+            <p:ph type="title"/>
+          </p:nvPr>
+        </p:nvSpPr>
+        <p:spPr/>
+        <p:txBody>
+          <a:bodyPr/>
+          <a:lstStyle/>
+          <a:p>
+            <a:r>
+              <a:rPr lang="ko-KR" altLang="en-US"/>
+              <a:t>마스터 제목 스타일 편집</a:t>
+            </a:r>
+          </a:p>
+        </p:txBody>
+      </p:sp>
+      <p:sp>
+        <p:nvSpPr>
+          <p:cNvPr id="3" name="날짜 개체 틀 2"/>
+          <p:cNvSpPr>
+            <a:spLocks noGrp="1"/>
+          </p:cNvSpPr>
+          <p:nvPr>
+            <p:ph type="dt" sz="half" idx="10"/>
+          </p:nvPr>
+        </p:nvSpPr>
+        <p:spPr/>
+        <p:txBody>
+          <a:bodyPr/>
+          <a:lstStyle/>
+          <a:p>
+            <a:fld id="{2566825D-2B69-4989-8861-A6901ABADB6C}" type="datetimeFigureOut">
+              <a:rPr lang="ko-KR" altLang="en-US" smtClean="0"/>
+              <a:t>2020-09-07</a:t>
+            </a:fld>
+            <a:endParaRPr lang="ko-KR" altLang="en-US"/>
+          </a:p>
+        </p:txBody>
+      </p:sp>
+      <p:sp>
+        <p:nvSpPr>
+          <p:cNvPr id="4" name="바닥글 개체 틀 3"/>
+          <p:cNvSpPr>
+            <a:spLocks noGrp="1"/>
+          </p:cNvSpPr>
+          <p:nvPr>
+            <p:ph type="ftr" sz="quarter" idx="11"/>
+          </p:nvPr>
+        </p:nvSpPr>
+        <p:spPr/>
+        <p:txBody>
+          <a:bodyPr/>
+          <a:lstStyle/>
+          <a:p>
+            <a:endParaRPr lang="ko-KR" altLang="en-US"/>
+          </a:p>
+        </p:txBody>
+      </p:sp>
+      <p:sp>
+        <p:nvSpPr>
+          <p:cNvPr id="5" name="슬라이드 번호 개체 틀 4"/>
+          <p:cNvSpPr>
+            <a:spLocks noGrp="1"/>
+          </p:cNvSpPr>
+          <p:nvPr>
+            <p:ph type="sldNum" sz="quarter" idx="12"/>
+          </p:nvPr>
+        </p:nvSpPr>
+        <p:spPr/>
+        <p:txBody>
+          <a:bodyPr/>
+          <a:lstStyle/>
+          <a:p>
+            <a:fld id="{836B6DB3-44B8-41C4-A846-21F6C6172237}" type="slidenum">
+              <a:rPr lang="ko-KR" altLang="en-US" smtClean="0"/>
+              <a:t>‹#›</a:t>
+            </a:fld>
+            <a:endParaRPr lang="ko-KR" altLang="en-US"/>
+          </a:p>
+        </p:txBody>
+      </p:sp>
+    </p:spTree>
+    <p:extLst>
+      <p:ext uri="{BB962C8B-B14F-4D97-AF65-F5344CB8AC3E}">
+        <p14:creationId xmlns:p14="http://schemas.microsoft.com/office/powerpoint/2010/main" val="1130272583"/>
+      </p:ext>
+    </p:extLst>
+  </p:cSld>
+  <p:clrMapOvr>
+    <a:masterClrMapping/>
+  </p:clrMapOvr>
+</p:sldLayout>
+</file>
+
+<file path=ppt/slideLayouts/slideLayout18.xml><?xml version="1.0" encoding="utf-8"?>
+<p:sldLayout xmlns:a="http://schemas.openxmlformats.org/drawingml/2006/main" xmlns:r="http://schemas.openxmlformats.org/officeDocument/2006/relationships" xmlns:p="http://schemas.openxmlformats.org/presentationml/2006/main" type="blank" preserve="1">
+  <p:cSld name="빈 화면">
+    <p:spTree>
+      <p:nvGrpSpPr>
+        <p:cNvPr id="1" name=""/>
+        <p:cNvGrpSpPr/>
+        <p:nvPr/>
+      </p:nvGrpSpPr>
+      <p:grpSpPr>
+        <a:xfrm>
+          <a:off x="0" y="0"/>
+          <a:ext cx="0" cy="0"/>
+          <a:chOff x="0" y="0"/>
+          <a:chExt cx="0" cy="0"/>
+        </a:xfrm>
+      </p:grpSpPr>
+      <p:sp>
+        <p:nvSpPr>
+          <p:cNvPr id="2" name="날짜 개체 틀 1"/>
+          <p:cNvSpPr>
+            <a:spLocks noGrp="1"/>
+          </p:cNvSpPr>
+          <p:nvPr>
+            <p:ph type="dt" sz="half" idx="10"/>
+          </p:nvPr>
+        </p:nvSpPr>
+        <p:spPr/>
+        <p:txBody>
+          <a:bodyPr/>
+          <a:lstStyle/>
+          <a:p>
+            <a:fld id="{2566825D-2B69-4989-8861-A6901ABADB6C}" type="datetimeFigureOut">
+              <a:rPr lang="ko-KR" altLang="en-US" smtClean="0"/>
+              <a:t>2020-09-07</a:t>
+            </a:fld>
+            <a:endParaRPr lang="ko-KR" altLang="en-US"/>
+          </a:p>
+        </p:txBody>
+      </p:sp>
+      <p:sp>
+        <p:nvSpPr>
+          <p:cNvPr id="3" name="바닥글 개체 틀 2"/>
+          <p:cNvSpPr>
+            <a:spLocks noGrp="1"/>
+          </p:cNvSpPr>
+          <p:nvPr>
+            <p:ph type="ftr" sz="quarter" idx="11"/>
+          </p:nvPr>
+        </p:nvSpPr>
+        <p:spPr/>
+        <p:txBody>
+          <a:bodyPr/>
+          <a:lstStyle/>
+          <a:p>
+            <a:endParaRPr lang="ko-KR" altLang="en-US"/>
+          </a:p>
+        </p:txBody>
+      </p:sp>
+      <p:sp>
+        <p:nvSpPr>
+          <p:cNvPr id="4" name="슬라이드 번호 개체 틀 3"/>
+          <p:cNvSpPr>
+            <a:spLocks noGrp="1"/>
+          </p:cNvSpPr>
+          <p:nvPr>
+            <p:ph type="sldNum" sz="quarter" idx="12"/>
+          </p:nvPr>
+        </p:nvSpPr>
+        <p:spPr/>
+        <p:txBody>
+          <a:bodyPr/>
+          <a:lstStyle/>
+          <a:p>
+            <a:fld id="{836B6DB3-44B8-41C4-A846-21F6C6172237}" type="slidenum">
+              <a:rPr lang="ko-KR" altLang="en-US" smtClean="0"/>
+              <a:t>‹#›</a:t>
+            </a:fld>
+            <a:endParaRPr lang="ko-KR" altLang="en-US"/>
+          </a:p>
+        </p:txBody>
+      </p:sp>
+    </p:spTree>
+    <p:extLst>
+      <p:ext uri="{BB962C8B-B14F-4D97-AF65-F5344CB8AC3E}">
+        <p14:creationId xmlns:p14="http://schemas.microsoft.com/office/powerpoint/2010/main" val="1945682316"/>
+      </p:ext>
+    </p:extLst>
+  </p:cSld>
+  <p:clrMapOvr>
+    <a:masterClrMapping/>
+  </p:clrMapOvr>
+</p:sldLayout>
+</file>
+
+<file path=ppt/slideLayouts/slideLayout19.xml><?xml version="1.0" encoding="utf-8"?>
+<p:sldLayout xmlns:a="http://schemas.openxmlformats.org/drawingml/2006/main" xmlns:r="http://schemas.openxmlformats.org/officeDocument/2006/relationships" xmlns:p="http://schemas.openxmlformats.org/presentationml/2006/main" type="objTx" preserve="1">
+  <p:cSld name="캡션 있는 콘텐츠">
+    <p:spTree>
+      <p:nvGrpSpPr>
+        <p:cNvPr id="1" name=""/>
+        <p:cNvGrpSpPr/>
+        <p:nvPr/>
+      </p:nvGrpSpPr>
+      <p:grpSpPr>
+        <a:xfrm>
+          <a:off x="0" y="0"/>
+          <a:ext cx="0" cy="0"/>
+          <a:chOff x="0" y="0"/>
+          <a:chExt cx="0" cy="0"/>
+        </a:xfrm>
+      </p:grpSpPr>
+      <p:sp>
+        <p:nvSpPr>
+          <p:cNvPr id="2" name="제목 1"/>
+          <p:cNvSpPr>
+            <a:spLocks noGrp="1"/>
+          </p:cNvSpPr>
+          <p:nvPr>
+            <p:ph type="title"/>
+          </p:nvPr>
+        </p:nvSpPr>
+        <p:spPr>
+          <a:xfrm>
+            <a:off x="839788" y="457200"/>
+            <a:ext cx="3932237" cy="1600200"/>
+          </a:xfrm>
+        </p:spPr>
+        <p:txBody>
+          <a:bodyPr anchor="b"/>
+          <a:lstStyle>
+            <a:lvl1pPr>
+              <a:defRPr sz="3200"/>
+            </a:lvl1pPr>
+          </a:lstStyle>
+          <a:p>
+            <a:r>
+              <a:rPr lang="ko-KR" altLang="en-US"/>
+              <a:t>마스터 제목 스타일 편집</a:t>
+            </a:r>
+          </a:p>
+        </p:txBody>
+      </p:sp>
+      <p:sp>
+        <p:nvSpPr>
+          <p:cNvPr id="3" name="내용 개체 틀 2"/>
+          <p:cNvSpPr>
+            <a:spLocks noGrp="1"/>
+          </p:cNvSpPr>
+          <p:nvPr>
+            <p:ph idx="1"/>
+          </p:nvPr>
+        </p:nvSpPr>
+        <p:spPr>
+          <a:xfrm>
+            <a:off x="5183188" y="987425"/>
+            <a:ext cx="6172200" cy="4873625"/>
+          </a:xfrm>
+        </p:spPr>
+        <p:txBody>
+          <a:bodyPr/>
+          <a:lstStyle>
+            <a:lvl1pPr>
+              <a:defRPr sz="3200"/>
+            </a:lvl1pPr>
+            <a:lvl2pPr>
+              <a:defRPr sz="2800"/>
+            </a:lvl2pPr>
+            <a:lvl3pPr>
+              <a:defRPr sz="2400"/>
+            </a:lvl3pPr>
+            <a:lvl4pPr>
+              <a:defRPr sz="2000"/>
+            </a:lvl4pPr>
+            <a:lvl5pPr>
+              <a:defRPr sz="2000"/>
+            </a:lvl5pPr>
+            <a:lvl6pPr>
+              <a:defRPr sz="2000"/>
+            </a:lvl6pPr>
+            <a:lvl7pPr>
+              <a:defRPr sz="2000"/>
+            </a:lvl7pPr>
+            <a:lvl8pPr>
+              <a:defRPr sz="2000"/>
+            </a:lvl8pPr>
+            <a:lvl9pPr>
+              <a:defRPr sz="2000"/>
+            </a:lvl9pPr>
+          </a:lstStyle>
+          <a:p>
+            <a:pPr lvl="0"/>
+            <a:r>
+              <a:rPr lang="ko-KR" altLang="en-US"/>
+              <a:t>마스터 텍스트 스타일을 편집합니다</a:t>
+            </a:r>
+          </a:p>
+          <a:p>
+            <a:pPr lvl="1"/>
+            <a:r>
+              <a:rPr lang="ko-KR" altLang="en-US"/>
+              <a:t>둘째 수준</a:t>
+            </a:r>
+          </a:p>
+          <a:p>
+            <a:pPr lvl="2"/>
+            <a:r>
+              <a:rPr lang="ko-KR" altLang="en-US"/>
+              <a:t>셋째 수준</a:t>
+            </a:r>
+          </a:p>
+          <a:p>
+            <a:pPr lvl="3"/>
+            <a:r>
+              <a:rPr lang="ko-KR" altLang="en-US"/>
+              <a:t>넷째 수준</a:t>
+            </a:r>
+          </a:p>
+          <a:p>
+            <a:pPr lvl="4"/>
+            <a:r>
+              <a:rPr lang="ko-KR" altLang="en-US"/>
+              <a:t>다섯째 수준</a:t>
+            </a:r>
+          </a:p>
+        </p:txBody>
+      </p:sp>
+      <p:sp>
+        <p:nvSpPr>
+          <p:cNvPr id="4" name="텍스트 개체 틀 3"/>
+          <p:cNvSpPr>
+            <a:spLocks noGrp="1"/>
+          </p:cNvSpPr>
+          <p:nvPr>
+            <p:ph type="body" sz="half" idx="2"/>
+          </p:nvPr>
+        </p:nvSpPr>
+        <p:spPr>
+          <a:xfrm>
+            <a:off x="839788" y="2057400"/>
+            <a:ext cx="3932237" cy="3811588"/>
+          </a:xfrm>
+        </p:spPr>
+        <p:txBody>
+          <a:bodyPr/>
+          <a:lstStyle>
+            <a:lvl1pPr marL="0" indent="0">
+              <a:buNone/>
+              <a:defRPr sz="1600"/>
+            </a:lvl1pPr>
+            <a:lvl2pPr marL="457200" indent="0">
+              <a:buNone/>
+              <a:defRPr sz="1400"/>
+            </a:lvl2pPr>
+            <a:lvl3pPr marL="914400" indent="0">
+              <a:buNone/>
+              <a:defRPr sz="1200"/>
+            </a:lvl3pPr>
+            <a:lvl4pPr marL="1371600" indent="0">
+              <a:buNone/>
+              <a:defRPr sz="1000"/>
+            </a:lvl4pPr>
+            <a:lvl5pPr marL="1828800" indent="0">
+              <a:buNone/>
+              <a:defRPr sz="1000"/>
+            </a:lvl5pPr>
+            <a:lvl6pPr marL="2286000" indent="0">
+              <a:buNone/>
+              <a:defRPr sz="1000"/>
+            </a:lvl6pPr>
+            <a:lvl7pPr marL="2743200" indent="0">
+              <a:buNone/>
+              <a:defRPr sz="1000"/>
+            </a:lvl7pPr>
+            <a:lvl8pPr marL="3200400" indent="0">
+              <a:buNone/>
+              <a:defRPr sz="1000"/>
+            </a:lvl8pPr>
+            <a:lvl9pPr marL="3657600" indent="0">
+              <a:buNone/>
+              <a:defRPr sz="1000"/>
+            </a:lvl9pPr>
+          </a:lstStyle>
+          <a:p>
+            <a:pPr lvl="0"/>
+            <a:r>
+              <a:rPr lang="ko-KR" altLang="en-US"/>
+              <a:t>마스터 텍스트 스타일을 편집합니다</a:t>
+            </a:r>
+          </a:p>
+        </p:txBody>
+      </p:sp>
+      <p:sp>
+        <p:nvSpPr>
+          <p:cNvPr id="5" name="날짜 개체 틀 4"/>
+          <p:cNvSpPr>
+            <a:spLocks noGrp="1"/>
+          </p:cNvSpPr>
+          <p:nvPr>
+            <p:ph type="dt" sz="half" idx="10"/>
+          </p:nvPr>
+        </p:nvSpPr>
+        <p:spPr/>
+        <p:txBody>
+          <a:bodyPr/>
+          <a:lstStyle/>
+          <a:p>
+            <a:fld id="{2566825D-2B69-4989-8861-A6901ABADB6C}" type="datetimeFigureOut">
+              <a:rPr lang="ko-KR" altLang="en-US" smtClean="0"/>
+              <a:t>2020-09-07</a:t>
+            </a:fld>
+            <a:endParaRPr lang="ko-KR" altLang="en-US"/>
+          </a:p>
+        </p:txBody>
+      </p:sp>
+      <p:sp>
+        <p:nvSpPr>
+          <p:cNvPr id="6" name="바닥글 개체 틀 5"/>
+          <p:cNvSpPr>
+            <a:spLocks noGrp="1"/>
+          </p:cNvSpPr>
+          <p:nvPr>
+            <p:ph type="ftr" sz="quarter" idx="11"/>
+          </p:nvPr>
+        </p:nvSpPr>
+        <p:spPr/>
+        <p:txBody>
+          <a:bodyPr/>
+          <a:lstStyle/>
+          <a:p>
+            <a:endParaRPr lang="ko-KR" altLang="en-US"/>
+          </a:p>
+        </p:txBody>
+      </p:sp>
+      <p:sp>
+        <p:nvSpPr>
+          <p:cNvPr id="7" name="슬라이드 번호 개체 틀 6"/>
+          <p:cNvSpPr>
+            <a:spLocks noGrp="1"/>
+          </p:cNvSpPr>
+          <p:nvPr>
+            <p:ph type="sldNum" sz="quarter" idx="12"/>
+          </p:nvPr>
+        </p:nvSpPr>
+        <p:spPr/>
+        <p:txBody>
+          <a:bodyPr/>
+          <a:lstStyle/>
+          <a:p>
+            <a:fld id="{836B6DB3-44B8-41C4-A846-21F6C6172237}" type="slidenum">
+              <a:rPr lang="ko-KR" altLang="en-US" smtClean="0"/>
+              <a:t>‹#›</a:t>
+            </a:fld>
+            <a:endParaRPr lang="ko-KR" altLang="en-US"/>
+          </a:p>
+        </p:txBody>
+      </p:sp>
+    </p:spTree>
+    <p:extLst>
+      <p:ext uri="{BB962C8B-B14F-4D97-AF65-F5344CB8AC3E}">
+        <p14:creationId xmlns:p14="http://schemas.microsoft.com/office/powerpoint/2010/main" val="3419606053"/>
       </p:ext>
     </p:extLst>
   </p:cSld>
@@ -855,7 +2570,7 @@
           <a:p>
             <a:fld id="{AE7D38E6-CE97-48F0-9A09-0E6F3D08A1DB}" type="datetimeFigureOut">
               <a:rPr lang="ko-KR" altLang="en-US" smtClean="0"/>
-              <a:t>2020-09-08</a:t>
+              <a:t>2020-09-07</a:t>
             </a:fld>
             <a:endParaRPr lang="ko-KR" altLang="en-US"/>
           </a:p>
@@ -919,6 +2634,604 @@
     <p:extLst>
       <p:ext uri="{BB962C8B-B14F-4D97-AF65-F5344CB8AC3E}">
         <p14:creationId xmlns:p14="http://schemas.microsoft.com/office/powerpoint/2010/main" val="3762838003"/>
+      </p:ext>
+    </p:extLst>
+  </p:cSld>
+  <p:clrMapOvr>
+    <a:masterClrMapping/>
+  </p:clrMapOvr>
+</p:sldLayout>
+</file>
+
+<file path=ppt/slideLayouts/slideLayout20.xml><?xml version="1.0" encoding="utf-8"?>
+<p:sldLayout xmlns:a="http://schemas.openxmlformats.org/drawingml/2006/main" xmlns:r="http://schemas.openxmlformats.org/officeDocument/2006/relationships" xmlns:p="http://schemas.openxmlformats.org/presentationml/2006/main" type="picTx" preserve="1">
+  <p:cSld name="캡션 있는 그림">
+    <p:spTree>
+      <p:nvGrpSpPr>
+        <p:cNvPr id="1" name=""/>
+        <p:cNvGrpSpPr/>
+        <p:nvPr/>
+      </p:nvGrpSpPr>
+      <p:grpSpPr>
+        <a:xfrm>
+          <a:off x="0" y="0"/>
+          <a:ext cx="0" cy="0"/>
+          <a:chOff x="0" y="0"/>
+          <a:chExt cx="0" cy="0"/>
+        </a:xfrm>
+      </p:grpSpPr>
+      <p:sp>
+        <p:nvSpPr>
+          <p:cNvPr id="2" name="제목 1"/>
+          <p:cNvSpPr>
+            <a:spLocks noGrp="1"/>
+          </p:cNvSpPr>
+          <p:nvPr>
+            <p:ph type="title"/>
+          </p:nvPr>
+        </p:nvSpPr>
+        <p:spPr>
+          <a:xfrm>
+            <a:off x="839788" y="457200"/>
+            <a:ext cx="3932237" cy="1600200"/>
+          </a:xfrm>
+        </p:spPr>
+        <p:txBody>
+          <a:bodyPr anchor="b"/>
+          <a:lstStyle>
+            <a:lvl1pPr>
+              <a:defRPr sz="3200"/>
+            </a:lvl1pPr>
+          </a:lstStyle>
+          <a:p>
+            <a:r>
+              <a:rPr lang="ko-KR" altLang="en-US"/>
+              <a:t>마스터 제목 스타일 편집</a:t>
+            </a:r>
+          </a:p>
+        </p:txBody>
+      </p:sp>
+      <p:sp>
+        <p:nvSpPr>
+          <p:cNvPr id="3" name="그림 개체 틀 2"/>
+          <p:cNvSpPr>
+            <a:spLocks noGrp="1"/>
+          </p:cNvSpPr>
+          <p:nvPr>
+            <p:ph type="pic" idx="1"/>
+          </p:nvPr>
+        </p:nvSpPr>
+        <p:spPr>
+          <a:xfrm>
+            <a:off x="5183188" y="987425"/>
+            <a:ext cx="6172200" cy="4873625"/>
+          </a:xfrm>
+        </p:spPr>
+        <p:txBody>
+          <a:bodyPr/>
+          <a:lstStyle>
+            <a:lvl1pPr marL="0" indent="0">
+              <a:buNone/>
+              <a:defRPr sz="3200"/>
+            </a:lvl1pPr>
+            <a:lvl2pPr marL="457200" indent="0">
+              <a:buNone/>
+              <a:defRPr sz="2800"/>
+            </a:lvl2pPr>
+            <a:lvl3pPr marL="914400" indent="0">
+              <a:buNone/>
+              <a:defRPr sz="2400"/>
+            </a:lvl3pPr>
+            <a:lvl4pPr marL="1371600" indent="0">
+              <a:buNone/>
+              <a:defRPr sz="2000"/>
+            </a:lvl4pPr>
+            <a:lvl5pPr marL="1828800" indent="0">
+              <a:buNone/>
+              <a:defRPr sz="2000"/>
+            </a:lvl5pPr>
+            <a:lvl6pPr marL="2286000" indent="0">
+              <a:buNone/>
+              <a:defRPr sz="2000"/>
+            </a:lvl6pPr>
+            <a:lvl7pPr marL="2743200" indent="0">
+              <a:buNone/>
+              <a:defRPr sz="2000"/>
+            </a:lvl7pPr>
+            <a:lvl8pPr marL="3200400" indent="0">
+              <a:buNone/>
+              <a:defRPr sz="2000"/>
+            </a:lvl8pPr>
+            <a:lvl9pPr marL="3657600" indent="0">
+              <a:buNone/>
+              <a:defRPr sz="2000"/>
+            </a:lvl9pPr>
+          </a:lstStyle>
+          <a:p>
+            <a:endParaRPr lang="ko-KR" altLang="en-US"/>
+          </a:p>
+        </p:txBody>
+      </p:sp>
+      <p:sp>
+        <p:nvSpPr>
+          <p:cNvPr id="4" name="텍스트 개체 틀 3"/>
+          <p:cNvSpPr>
+            <a:spLocks noGrp="1"/>
+          </p:cNvSpPr>
+          <p:nvPr>
+            <p:ph type="body" sz="half" idx="2"/>
+          </p:nvPr>
+        </p:nvSpPr>
+        <p:spPr>
+          <a:xfrm>
+            <a:off x="839788" y="2057400"/>
+            <a:ext cx="3932237" cy="3811588"/>
+          </a:xfrm>
+        </p:spPr>
+        <p:txBody>
+          <a:bodyPr/>
+          <a:lstStyle>
+            <a:lvl1pPr marL="0" indent="0">
+              <a:buNone/>
+              <a:defRPr sz="1600"/>
+            </a:lvl1pPr>
+            <a:lvl2pPr marL="457200" indent="0">
+              <a:buNone/>
+              <a:defRPr sz="1400"/>
+            </a:lvl2pPr>
+            <a:lvl3pPr marL="914400" indent="0">
+              <a:buNone/>
+              <a:defRPr sz="1200"/>
+            </a:lvl3pPr>
+            <a:lvl4pPr marL="1371600" indent="0">
+              <a:buNone/>
+              <a:defRPr sz="1000"/>
+            </a:lvl4pPr>
+            <a:lvl5pPr marL="1828800" indent="0">
+              <a:buNone/>
+              <a:defRPr sz="1000"/>
+            </a:lvl5pPr>
+            <a:lvl6pPr marL="2286000" indent="0">
+              <a:buNone/>
+              <a:defRPr sz="1000"/>
+            </a:lvl6pPr>
+            <a:lvl7pPr marL="2743200" indent="0">
+              <a:buNone/>
+              <a:defRPr sz="1000"/>
+            </a:lvl7pPr>
+            <a:lvl8pPr marL="3200400" indent="0">
+              <a:buNone/>
+              <a:defRPr sz="1000"/>
+            </a:lvl8pPr>
+            <a:lvl9pPr marL="3657600" indent="0">
+              <a:buNone/>
+              <a:defRPr sz="1000"/>
+            </a:lvl9pPr>
+          </a:lstStyle>
+          <a:p>
+            <a:pPr lvl="0"/>
+            <a:r>
+              <a:rPr lang="ko-KR" altLang="en-US"/>
+              <a:t>마스터 텍스트 스타일을 편집합니다</a:t>
+            </a:r>
+          </a:p>
+        </p:txBody>
+      </p:sp>
+      <p:sp>
+        <p:nvSpPr>
+          <p:cNvPr id="5" name="날짜 개체 틀 4"/>
+          <p:cNvSpPr>
+            <a:spLocks noGrp="1"/>
+          </p:cNvSpPr>
+          <p:nvPr>
+            <p:ph type="dt" sz="half" idx="10"/>
+          </p:nvPr>
+        </p:nvSpPr>
+        <p:spPr/>
+        <p:txBody>
+          <a:bodyPr/>
+          <a:lstStyle/>
+          <a:p>
+            <a:fld id="{2566825D-2B69-4989-8861-A6901ABADB6C}" type="datetimeFigureOut">
+              <a:rPr lang="ko-KR" altLang="en-US" smtClean="0"/>
+              <a:t>2020-09-07</a:t>
+            </a:fld>
+            <a:endParaRPr lang="ko-KR" altLang="en-US"/>
+          </a:p>
+        </p:txBody>
+      </p:sp>
+      <p:sp>
+        <p:nvSpPr>
+          <p:cNvPr id="6" name="바닥글 개체 틀 5"/>
+          <p:cNvSpPr>
+            <a:spLocks noGrp="1"/>
+          </p:cNvSpPr>
+          <p:nvPr>
+            <p:ph type="ftr" sz="quarter" idx="11"/>
+          </p:nvPr>
+        </p:nvSpPr>
+        <p:spPr/>
+        <p:txBody>
+          <a:bodyPr/>
+          <a:lstStyle/>
+          <a:p>
+            <a:endParaRPr lang="ko-KR" altLang="en-US"/>
+          </a:p>
+        </p:txBody>
+      </p:sp>
+      <p:sp>
+        <p:nvSpPr>
+          <p:cNvPr id="7" name="슬라이드 번호 개체 틀 6"/>
+          <p:cNvSpPr>
+            <a:spLocks noGrp="1"/>
+          </p:cNvSpPr>
+          <p:nvPr>
+            <p:ph type="sldNum" sz="quarter" idx="12"/>
+          </p:nvPr>
+        </p:nvSpPr>
+        <p:spPr/>
+        <p:txBody>
+          <a:bodyPr/>
+          <a:lstStyle/>
+          <a:p>
+            <a:fld id="{836B6DB3-44B8-41C4-A846-21F6C6172237}" type="slidenum">
+              <a:rPr lang="ko-KR" altLang="en-US" smtClean="0"/>
+              <a:t>‹#›</a:t>
+            </a:fld>
+            <a:endParaRPr lang="ko-KR" altLang="en-US"/>
+          </a:p>
+        </p:txBody>
+      </p:sp>
+    </p:spTree>
+    <p:extLst>
+      <p:ext uri="{BB962C8B-B14F-4D97-AF65-F5344CB8AC3E}">
+        <p14:creationId xmlns:p14="http://schemas.microsoft.com/office/powerpoint/2010/main" val="1416493134"/>
+      </p:ext>
+    </p:extLst>
+  </p:cSld>
+  <p:clrMapOvr>
+    <a:masterClrMapping/>
+  </p:clrMapOvr>
+</p:sldLayout>
+</file>
+
+<file path=ppt/slideLayouts/slideLayout21.xml><?xml version="1.0" encoding="utf-8"?>
+<p:sldLayout xmlns:a="http://schemas.openxmlformats.org/drawingml/2006/main" xmlns:r="http://schemas.openxmlformats.org/officeDocument/2006/relationships" xmlns:p="http://schemas.openxmlformats.org/presentationml/2006/main" type="vertTx" preserve="1">
+  <p:cSld name="제목 및 세로 텍스트">
+    <p:spTree>
+      <p:nvGrpSpPr>
+        <p:cNvPr id="1" name=""/>
+        <p:cNvGrpSpPr/>
+        <p:nvPr/>
+      </p:nvGrpSpPr>
+      <p:grpSpPr>
+        <a:xfrm>
+          <a:off x="0" y="0"/>
+          <a:ext cx="0" cy="0"/>
+          <a:chOff x="0" y="0"/>
+          <a:chExt cx="0" cy="0"/>
+        </a:xfrm>
+      </p:grpSpPr>
+      <p:sp>
+        <p:nvSpPr>
+          <p:cNvPr id="2" name="제목 1"/>
+          <p:cNvSpPr>
+            <a:spLocks noGrp="1"/>
+          </p:cNvSpPr>
+          <p:nvPr>
+            <p:ph type="title"/>
+          </p:nvPr>
+        </p:nvSpPr>
+        <p:spPr/>
+        <p:txBody>
+          <a:bodyPr/>
+          <a:lstStyle/>
+          <a:p>
+            <a:r>
+              <a:rPr lang="ko-KR" altLang="en-US"/>
+              <a:t>마스터 제목 스타일 편집</a:t>
+            </a:r>
+          </a:p>
+        </p:txBody>
+      </p:sp>
+      <p:sp>
+        <p:nvSpPr>
+          <p:cNvPr id="3" name="세로 텍스트 개체 틀 2"/>
+          <p:cNvSpPr>
+            <a:spLocks noGrp="1"/>
+          </p:cNvSpPr>
+          <p:nvPr>
+            <p:ph type="body" orient="vert" idx="1"/>
+          </p:nvPr>
+        </p:nvSpPr>
+        <p:spPr/>
+        <p:txBody>
+          <a:bodyPr vert="eaVert"/>
+          <a:lstStyle/>
+          <a:p>
+            <a:pPr lvl="0"/>
+            <a:r>
+              <a:rPr lang="ko-KR" altLang="en-US"/>
+              <a:t>마스터 텍스트 스타일을 편집합니다</a:t>
+            </a:r>
+          </a:p>
+          <a:p>
+            <a:pPr lvl="1"/>
+            <a:r>
+              <a:rPr lang="ko-KR" altLang="en-US"/>
+              <a:t>둘째 수준</a:t>
+            </a:r>
+          </a:p>
+          <a:p>
+            <a:pPr lvl="2"/>
+            <a:r>
+              <a:rPr lang="ko-KR" altLang="en-US"/>
+              <a:t>셋째 수준</a:t>
+            </a:r>
+          </a:p>
+          <a:p>
+            <a:pPr lvl="3"/>
+            <a:r>
+              <a:rPr lang="ko-KR" altLang="en-US"/>
+              <a:t>넷째 수준</a:t>
+            </a:r>
+          </a:p>
+          <a:p>
+            <a:pPr lvl="4"/>
+            <a:r>
+              <a:rPr lang="ko-KR" altLang="en-US"/>
+              <a:t>다섯째 수준</a:t>
+            </a:r>
+          </a:p>
+        </p:txBody>
+      </p:sp>
+      <p:sp>
+        <p:nvSpPr>
+          <p:cNvPr id="4" name="날짜 개체 틀 3"/>
+          <p:cNvSpPr>
+            <a:spLocks noGrp="1"/>
+          </p:cNvSpPr>
+          <p:nvPr>
+            <p:ph type="dt" sz="half" idx="10"/>
+          </p:nvPr>
+        </p:nvSpPr>
+        <p:spPr/>
+        <p:txBody>
+          <a:bodyPr/>
+          <a:lstStyle/>
+          <a:p>
+            <a:fld id="{2566825D-2B69-4989-8861-A6901ABADB6C}" type="datetimeFigureOut">
+              <a:rPr lang="ko-KR" altLang="en-US" smtClean="0"/>
+              <a:t>2020-09-07</a:t>
+            </a:fld>
+            <a:endParaRPr lang="ko-KR" altLang="en-US"/>
+          </a:p>
+        </p:txBody>
+      </p:sp>
+      <p:sp>
+        <p:nvSpPr>
+          <p:cNvPr id="5" name="바닥글 개체 틀 4"/>
+          <p:cNvSpPr>
+            <a:spLocks noGrp="1"/>
+          </p:cNvSpPr>
+          <p:nvPr>
+            <p:ph type="ftr" sz="quarter" idx="11"/>
+          </p:nvPr>
+        </p:nvSpPr>
+        <p:spPr/>
+        <p:txBody>
+          <a:bodyPr/>
+          <a:lstStyle/>
+          <a:p>
+            <a:endParaRPr lang="ko-KR" altLang="en-US"/>
+          </a:p>
+        </p:txBody>
+      </p:sp>
+      <p:sp>
+        <p:nvSpPr>
+          <p:cNvPr id="6" name="슬라이드 번호 개체 틀 5"/>
+          <p:cNvSpPr>
+            <a:spLocks noGrp="1"/>
+          </p:cNvSpPr>
+          <p:nvPr>
+            <p:ph type="sldNum" sz="quarter" idx="12"/>
+          </p:nvPr>
+        </p:nvSpPr>
+        <p:spPr/>
+        <p:txBody>
+          <a:bodyPr/>
+          <a:lstStyle/>
+          <a:p>
+            <a:fld id="{836B6DB3-44B8-41C4-A846-21F6C6172237}" type="slidenum">
+              <a:rPr lang="ko-KR" altLang="en-US" smtClean="0"/>
+              <a:t>‹#›</a:t>
+            </a:fld>
+            <a:endParaRPr lang="ko-KR" altLang="en-US"/>
+          </a:p>
+        </p:txBody>
+      </p:sp>
+    </p:spTree>
+    <p:extLst>
+      <p:ext uri="{BB962C8B-B14F-4D97-AF65-F5344CB8AC3E}">
+        <p14:creationId xmlns:p14="http://schemas.microsoft.com/office/powerpoint/2010/main" val="510513095"/>
+      </p:ext>
+    </p:extLst>
+  </p:cSld>
+  <p:clrMapOvr>
+    <a:masterClrMapping/>
+  </p:clrMapOvr>
+</p:sldLayout>
+</file>
+
+<file path=ppt/slideLayouts/slideLayout22.xml><?xml version="1.0" encoding="utf-8"?>
+<p:sldLayout xmlns:a="http://schemas.openxmlformats.org/drawingml/2006/main" xmlns:r="http://schemas.openxmlformats.org/officeDocument/2006/relationships" xmlns:p="http://schemas.openxmlformats.org/presentationml/2006/main" type="vertTitleAndTx" preserve="1">
+  <p:cSld name="세로 제목 및 텍스트">
+    <p:spTree>
+      <p:nvGrpSpPr>
+        <p:cNvPr id="1" name=""/>
+        <p:cNvGrpSpPr/>
+        <p:nvPr/>
+      </p:nvGrpSpPr>
+      <p:grpSpPr>
+        <a:xfrm>
+          <a:off x="0" y="0"/>
+          <a:ext cx="0" cy="0"/>
+          <a:chOff x="0" y="0"/>
+          <a:chExt cx="0" cy="0"/>
+        </a:xfrm>
+      </p:grpSpPr>
+      <p:sp>
+        <p:nvSpPr>
+          <p:cNvPr id="2" name="세로 제목 1"/>
+          <p:cNvSpPr>
+            <a:spLocks noGrp="1"/>
+          </p:cNvSpPr>
+          <p:nvPr>
+            <p:ph type="title" orient="vert"/>
+          </p:nvPr>
+        </p:nvSpPr>
+        <p:spPr>
+          <a:xfrm>
+            <a:off x="8724900" y="365125"/>
+            <a:ext cx="2628900" cy="5811838"/>
+          </a:xfrm>
+        </p:spPr>
+        <p:txBody>
+          <a:bodyPr vert="eaVert"/>
+          <a:lstStyle/>
+          <a:p>
+            <a:r>
+              <a:rPr lang="ko-KR" altLang="en-US"/>
+              <a:t>마스터 제목 스타일 편집</a:t>
+            </a:r>
+          </a:p>
+        </p:txBody>
+      </p:sp>
+      <p:sp>
+        <p:nvSpPr>
+          <p:cNvPr id="3" name="세로 텍스트 개체 틀 2"/>
+          <p:cNvSpPr>
+            <a:spLocks noGrp="1"/>
+          </p:cNvSpPr>
+          <p:nvPr>
+            <p:ph type="body" orient="vert" idx="1"/>
+          </p:nvPr>
+        </p:nvSpPr>
+        <p:spPr>
+          <a:xfrm>
+            <a:off x="838200" y="365125"/>
+            <a:ext cx="7734300" cy="5811838"/>
+          </a:xfrm>
+        </p:spPr>
+        <p:txBody>
+          <a:bodyPr vert="eaVert"/>
+          <a:lstStyle/>
+          <a:p>
+            <a:pPr lvl="0"/>
+            <a:r>
+              <a:rPr lang="ko-KR" altLang="en-US"/>
+              <a:t>마스터 텍스트 스타일을 편집합니다</a:t>
+            </a:r>
+          </a:p>
+          <a:p>
+            <a:pPr lvl="1"/>
+            <a:r>
+              <a:rPr lang="ko-KR" altLang="en-US"/>
+              <a:t>둘째 수준</a:t>
+            </a:r>
+          </a:p>
+          <a:p>
+            <a:pPr lvl="2"/>
+            <a:r>
+              <a:rPr lang="ko-KR" altLang="en-US"/>
+              <a:t>셋째 수준</a:t>
+            </a:r>
+          </a:p>
+          <a:p>
+            <a:pPr lvl="3"/>
+            <a:r>
+              <a:rPr lang="ko-KR" altLang="en-US"/>
+              <a:t>넷째 수준</a:t>
+            </a:r>
+          </a:p>
+          <a:p>
+            <a:pPr lvl="4"/>
+            <a:r>
+              <a:rPr lang="ko-KR" altLang="en-US"/>
+              <a:t>다섯째 수준</a:t>
+            </a:r>
+          </a:p>
+        </p:txBody>
+      </p:sp>
+      <p:sp>
+        <p:nvSpPr>
+          <p:cNvPr id="4" name="날짜 개체 틀 3"/>
+          <p:cNvSpPr>
+            <a:spLocks noGrp="1"/>
+          </p:cNvSpPr>
+          <p:nvPr>
+            <p:ph type="dt" sz="half" idx="10"/>
+          </p:nvPr>
+        </p:nvSpPr>
+        <p:spPr/>
+        <p:txBody>
+          <a:bodyPr/>
+          <a:lstStyle/>
+          <a:p>
+            <a:fld id="{2566825D-2B69-4989-8861-A6901ABADB6C}" type="datetimeFigureOut">
+              <a:rPr lang="ko-KR" altLang="en-US" smtClean="0"/>
+              <a:t>2020-09-07</a:t>
+            </a:fld>
+            <a:endParaRPr lang="ko-KR" altLang="en-US"/>
+          </a:p>
+        </p:txBody>
+      </p:sp>
+      <p:sp>
+        <p:nvSpPr>
+          <p:cNvPr id="5" name="바닥글 개체 틀 4"/>
+          <p:cNvSpPr>
+            <a:spLocks noGrp="1"/>
+          </p:cNvSpPr>
+          <p:nvPr>
+            <p:ph type="ftr" sz="quarter" idx="11"/>
+          </p:nvPr>
+        </p:nvSpPr>
+        <p:spPr/>
+        <p:txBody>
+          <a:bodyPr/>
+          <a:lstStyle/>
+          <a:p>
+            <a:endParaRPr lang="ko-KR" altLang="en-US"/>
+          </a:p>
+        </p:txBody>
+      </p:sp>
+      <p:sp>
+        <p:nvSpPr>
+          <p:cNvPr id="6" name="슬라이드 번호 개체 틀 5"/>
+          <p:cNvSpPr>
+            <a:spLocks noGrp="1"/>
+          </p:cNvSpPr>
+          <p:nvPr>
+            <p:ph type="sldNum" sz="quarter" idx="12"/>
+          </p:nvPr>
+        </p:nvSpPr>
+        <p:spPr/>
+        <p:txBody>
+          <a:bodyPr/>
+          <a:lstStyle/>
+          <a:p>
+            <a:fld id="{836B6DB3-44B8-41C4-A846-21F6C6172237}" type="slidenum">
+              <a:rPr lang="ko-KR" altLang="en-US" smtClean="0"/>
+              <a:t>‹#›</a:t>
+            </a:fld>
+            <a:endParaRPr lang="ko-KR" altLang="en-US"/>
+          </a:p>
+        </p:txBody>
+      </p:sp>
+    </p:spTree>
+    <p:extLst>
+      <p:ext uri="{BB962C8B-B14F-4D97-AF65-F5344CB8AC3E}">
+        <p14:creationId xmlns:p14="http://schemas.microsoft.com/office/powerpoint/2010/main" val="3663956867"/>
       </p:ext>
     </p:extLst>
   </p:cSld>
@@ -1130,7 +3443,7 @@
           <a:p>
             <a:fld id="{AE7D38E6-CE97-48F0-9A09-0E6F3D08A1DB}" type="datetimeFigureOut">
               <a:rPr lang="ko-KR" altLang="en-US" smtClean="0"/>
-              <a:t>2020-09-08</a:t>
+              <a:t>2020-09-07</a:t>
             </a:fld>
             <a:endParaRPr lang="ko-KR" altLang="en-US"/>
           </a:p>
@@ -1395,7 +3708,7 @@
           <a:p>
             <a:fld id="{AE7D38E6-CE97-48F0-9A09-0E6F3D08A1DB}" type="datetimeFigureOut">
               <a:rPr lang="ko-KR" altLang="en-US" smtClean="0"/>
-              <a:t>2020-09-08</a:t>
+              <a:t>2020-09-07</a:t>
             </a:fld>
             <a:endParaRPr lang="ko-KR" altLang="en-US"/>
           </a:p>
@@ -1807,7 +4120,7 @@
           <a:p>
             <a:fld id="{AE7D38E6-CE97-48F0-9A09-0E6F3D08A1DB}" type="datetimeFigureOut">
               <a:rPr lang="ko-KR" altLang="en-US" smtClean="0"/>
-              <a:t>2020-09-08</a:t>
+              <a:t>2020-09-07</a:t>
             </a:fld>
             <a:endParaRPr lang="ko-KR" altLang="en-US"/>
           </a:p>
@@ -1948,7 +4261,7 @@
           <a:p>
             <a:fld id="{AE7D38E6-CE97-48F0-9A09-0E6F3D08A1DB}" type="datetimeFigureOut">
               <a:rPr lang="ko-KR" altLang="en-US" smtClean="0"/>
-              <a:t>2020-09-08</a:t>
+              <a:t>2020-09-07</a:t>
             </a:fld>
             <a:endParaRPr lang="ko-KR" altLang="en-US"/>
           </a:p>
@@ -2061,7 +4374,7 @@
           <a:p>
             <a:fld id="{AE7D38E6-CE97-48F0-9A09-0E6F3D08A1DB}" type="datetimeFigureOut">
               <a:rPr lang="ko-KR" altLang="en-US" smtClean="0"/>
-              <a:t>2020-09-08</a:t>
+              <a:t>2020-09-07</a:t>
             </a:fld>
             <a:endParaRPr lang="ko-KR" altLang="en-US"/>
           </a:p>
@@ -2372,7 +4685,7 @@
           <a:p>
             <a:fld id="{AE7D38E6-CE97-48F0-9A09-0E6F3D08A1DB}" type="datetimeFigureOut">
               <a:rPr lang="ko-KR" altLang="en-US" smtClean="0"/>
-              <a:t>2020-09-08</a:t>
+              <a:t>2020-09-07</a:t>
             </a:fld>
             <a:endParaRPr lang="ko-KR" altLang="en-US"/>
           </a:p>
@@ -2660,7 +4973,7 @@
           <a:p>
             <a:fld id="{AE7D38E6-CE97-48F0-9A09-0E6F3D08A1DB}" type="datetimeFigureOut">
               <a:rPr lang="ko-KR" altLang="en-US" smtClean="0"/>
-              <a:t>2020-09-08</a:t>
+              <a:t>2020-09-07</a:t>
             </a:fld>
             <a:endParaRPr lang="ko-KR" altLang="en-US"/>
           </a:p>
@@ -2901,7 +5214,7 @@
           <a:p>
             <a:fld id="{AE7D38E6-CE97-48F0-9A09-0E6F3D08A1DB}" type="datetimeFigureOut">
               <a:rPr lang="ko-KR" altLang="en-US" smtClean="0"/>
-              <a:t>2020-09-08</a:t>
+              <a:t>2020-09-07</a:t>
             </a:fld>
             <a:endParaRPr lang="ko-KR" altLang="en-US"/>
           </a:p>
@@ -3001,6 +5314,544 @@
     <p:extLst>
       <p:ext uri="{BB962C8B-B14F-4D97-AF65-F5344CB8AC3E}">
         <p14:creationId xmlns:p14="http://schemas.microsoft.com/office/powerpoint/2010/main" val="2002456866"/>
+      </p:ext>
+    </p:extLst>
+  </p:cSld>
+  <p:clrMap bg1="lt1" tx1="dk1" bg2="lt2" tx2="dk2" accent1="accent1" accent2="accent2" accent3="accent3" accent4="accent4" accent5="accent5" accent6="accent6" hlink="hlink" folHlink="folHlink"/>
+  <p:sldLayoutIdLst>
+    <p:sldLayoutId id="2147483661" r:id="rId1"/>
+    <p:sldLayoutId id="2147483662" r:id="rId2"/>
+    <p:sldLayoutId id="2147483663" r:id="rId3"/>
+    <p:sldLayoutId id="2147483664" r:id="rId4"/>
+    <p:sldLayoutId id="2147483665" r:id="rId5"/>
+    <p:sldLayoutId id="2147483666" r:id="rId6"/>
+    <p:sldLayoutId id="2147483667" r:id="rId7"/>
+    <p:sldLayoutId id="2147483668" r:id="rId8"/>
+    <p:sldLayoutId id="2147483669" r:id="rId9"/>
+    <p:sldLayoutId id="2147483670" r:id="rId10"/>
+    <p:sldLayoutId id="2147483671" r:id="rId11"/>
+  </p:sldLayoutIdLst>
+  <p:txStyles>
+    <p:titleStyle>
+      <a:lvl1pPr algn="l" defTabSz="914400" rtl="0" eaLnBrk="1" latinLnBrk="1" hangingPunct="1">
+        <a:lnSpc>
+          <a:spcPct val="90000"/>
+        </a:lnSpc>
+        <a:spcBef>
+          <a:spcPct val="0"/>
+        </a:spcBef>
+        <a:buNone/>
+        <a:defRPr sz="4400" kern="1200">
+          <a:solidFill>
+            <a:schemeClr val="tx1"/>
+          </a:solidFill>
+          <a:latin typeface="+mj-lt"/>
+          <a:ea typeface="+mj-ea"/>
+          <a:cs typeface="+mj-cs"/>
+        </a:defRPr>
+      </a:lvl1pPr>
+    </p:titleStyle>
+    <p:bodyStyle>
+      <a:lvl1pPr marL="228600" indent="-228600" algn="l" defTabSz="914400" rtl="0" eaLnBrk="1" latinLnBrk="1" hangingPunct="1">
+        <a:lnSpc>
+          <a:spcPct val="90000"/>
+        </a:lnSpc>
+        <a:spcBef>
+          <a:spcPts val="1000"/>
+        </a:spcBef>
+        <a:buFont typeface="Arial" panose="020B0604020202020204" pitchFamily="34" charset="0"/>
+        <a:buChar char="•"/>
+        <a:defRPr sz="2800" kern="1200">
+          <a:solidFill>
+            <a:schemeClr val="tx1"/>
+          </a:solidFill>
+          <a:latin typeface="+mn-lt"/>
+          <a:ea typeface="+mn-ea"/>
+          <a:cs typeface="+mn-cs"/>
+        </a:defRPr>
+      </a:lvl1pPr>
+      <a:lvl2pPr marL="685800" indent="-228600" algn="l" defTabSz="914400" rtl="0" eaLnBrk="1" latinLnBrk="1" hangingPunct="1">
+        <a:lnSpc>
+          <a:spcPct val="90000"/>
+        </a:lnSpc>
+        <a:spcBef>
+          <a:spcPts val="500"/>
+        </a:spcBef>
+        <a:buFont typeface="Arial" panose="020B0604020202020204" pitchFamily="34" charset="0"/>
+        <a:buChar char="•"/>
+        <a:defRPr sz="2400" kern="1200">
+          <a:solidFill>
+            <a:schemeClr val="tx1"/>
+          </a:solidFill>
+          <a:latin typeface="+mn-lt"/>
+          <a:ea typeface="+mn-ea"/>
+          <a:cs typeface="+mn-cs"/>
+        </a:defRPr>
+      </a:lvl2pPr>
+      <a:lvl3pPr marL="1143000" indent="-228600" algn="l" defTabSz="914400" rtl="0" eaLnBrk="1" latinLnBrk="1" hangingPunct="1">
+        <a:lnSpc>
+          <a:spcPct val="90000"/>
+        </a:lnSpc>
+        <a:spcBef>
+          <a:spcPts val="500"/>
+        </a:spcBef>
+        <a:buFont typeface="Arial" panose="020B0604020202020204" pitchFamily="34" charset="0"/>
+        <a:buChar char="•"/>
+        <a:defRPr sz="2000" kern="1200">
+          <a:solidFill>
+            <a:schemeClr val="tx1"/>
+          </a:solidFill>
+          <a:latin typeface="+mn-lt"/>
+          <a:ea typeface="+mn-ea"/>
+          <a:cs typeface="+mn-cs"/>
+        </a:defRPr>
+      </a:lvl3pPr>
+      <a:lvl4pPr marL="1600200" indent="-228600" algn="l" defTabSz="914400" rtl="0" eaLnBrk="1" latinLnBrk="1" hangingPunct="1">
+        <a:lnSpc>
+          <a:spcPct val="90000"/>
+        </a:lnSpc>
+        <a:spcBef>
+          <a:spcPts val="500"/>
+        </a:spcBef>
+        <a:buFont typeface="Arial" panose="020B0604020202020204" pitchFamily="34" charset="0"/>
+        <a:buChar char="•"/>
+        <a:defRPr sz="1800" kern="1200">
+          <a:solidFill>
+            <a:schemeClr val="tx1"/>
+          </a:solidFill>
+          <a:latin typeface="+mn-lt"/>
+          <a:ea typeface="+mn-ea"/>
+          <a:cs typeface="+mn-cs"/>
+        </a:defRPr>
+      </a:lvl4pPr>
+      <a:lvl5pPr marL="2057400" indent="-228600" algn="l" defTabSz="914400" rtl="0" eaLnBrk="1" latinLnBrk="1" hangingPunct="1">
+        <a:lnSpc>
+          <a:spcPct val="90000"/>
+        </a:lnSpc>
+        <a:spcBef>
+          <a:spcPts val="500"/>
+        </a:spcBef>
+        <a:buFont typeface="Arial" panose="020B0604020202020204" pitchFamily="34" charset="0"/>
+        <a:buChar char="•"/>
+        <a:defRPr sz="1800" kern="1200">
+          <a:solidFill>
+            <a:schemeClr val="tx1"/>
+          </a:solidFill>
+          <a:latin typeface="+mn-lt"/>
+          <a:ea typeface="+mn-ea"/>
+          <a:cs typeface="+mn-cs"/>
+        </a:defRPr>
+      </a:lvl5pPr>
+      <a:lvl6pPr marL="2514600" indent="-228600" algn="l" defTabSz="914400" rtl="0" eaLnBrk="1" latinLnBrk="1" hangingPunct="1">
+        <a:lnSpc>
+          <a:spcPct val="90000"/>
+        </a:lnSpc>
+        <a:spcBef>
+          <a:spcPts val="500"/>
+        </a:spcBef>
+        <a:buFont typeface="Arial" panose="020B0604020202020204" pitchFamily="34" charset="0"/>
+        <a:buChar char="•"/>
+        <a:defRPr sz="1800" kern="1200">
+          <a:solidFill>
+            <a:schemeClr val="tx1"/>
+          </a:solidFill>
+          <a:latin typeface="+mn-lt"/>
+          <a:ea typeface="+mn-ea"/>
+          <a:cs typeface="+mn-cs"/>
+        </a:defRPr>
+      </a:lvl6pPr>
+      <a:lvl7pPr marL="2971800" indent="-228600" algn="l" defTabSz="914400" rtl="0" eaLnBrk="1" latinLnBrk="1" hangingPunct="1">
+        <a:lnSpc>
+          <a:spcPct val="90000"/>
+        </a:lnSpc>
+        <a:spcBef>
+          <a:spcPts val="500"/>
+        </a:spcBef>
+        <a:buFont typeface="Arial" panose="020B0604020202020204" pitchFamily="34" charset="0"/>
+        <a:buChar char="•"/>
+        <a:defRPr sz="1800" kern="1200">
+          <a:solidFill>
+            <a:schemeClr val="tx1"/>
+          </a:solidFill>
+          <a:latin typeface="+mn-lt"/>
+          <a:ea typeface="+mn-ea"/>
+          <a:cs typeface="+mn-cs"/>
+        </a:defRPr>
+      </a:lvl7pPr>
+      <a:lvl8pPr marL="3429000" indent="-228600" algn="l" defTabSz="914400" rtl="0" eaLnBrk="1" latinLnBrk="1" hangingPunct="1">
+        <a:lnSpc>
+          <a:spcPct val="90000"/>
+        </a:lnSpc>
+        <a:spcBef>
+          <a:spcPts val="500"/>
+        </a:spcBef>
+        <a:buFont typeface="Arial" panose="020B0604020202020204" pitchFamily="34" charset="0"/>
+        <a:buChar char="•"/>
+        <a:defRPr sz="1800" kern="1200">
+          <a:solidFill>
+            <a:schemeClr val="tx1"/>
+          </a:solidFill>
+          <a:latin typeface="+mn-lt"/>
+          <a:ea typeface="+mn-ea"/>
+          <a:cs typeface="+mn-cs"/>
+        </a:defRPr>
+      </a:lvl8pPr>
+      <a:lvl9pPr marL="3886200" indent="-228600" algn="l" defTabSz="914400" rtl="0" eaLnBrk="1" latinLnBrk="1" hangingPunct="1">
+        <a:lnSpc>
+          <a:spcPct val="90000"/>
+        </a:lnSpc>
+        <a:spcBef>
+          <a:spcPts val="500"/>
+        </a:spcBef>
+        <a:buFont typeface="Arial" panose="020B0604020202020204" pitchFamily="34" charset="0"/>
+        <a:buChar char="•"/>
+        <a:defRPr sz="1800" kern="1200">
+          <a:solidFill>
+            <a:schemeClr val="tx1"/>
+          </a:solidFill>
+          <a:latin typeface="+mn-lt"/>
+          <a:ea typeface="+mn-ea"/>
+          <a:cs typeface="+mn-cs"/>
+        </a:defRPr>
+      </a:lvl9pPr>
+    </p:bodyStyle>
+    <p:otherStyle>
+      <a:defPPr>
+        <a:defRPr lang="ko-KR"/>
+      </a:defPPr>
+      <a:lvl1pPr marL="0" algn="l" defTabSz="914400" rtl="0" eaLnBrk="1" latinLnBrk="1" hangingPunct="1">
+        <a:defRPr sz="1800" kern="1200">
+          <a:solidFill>
+            <a:schemeClr val="tx1"/>
+          </a:solidFill>
+          <a:latin typeface="+mn-lt"/>
+          <a:ea typeface="+mn-ea"/>
+          <a:cs typeface="+mn-cs"/>
+        </a:defRPr>
+      </a:lvl1pPr>
+      <a:lvl2pPr marL="457200" algn="l" defTabSz="914400" rtl="0" eaLnBrk="1" latinLnBrk="1" hangingPunct="1">
+        <a:defRPr sz="1800" kern="1200">
+          <a:solidFill>
+            <a:schemeClr val="tx1"/>
+          </a:solidFill>
+          <a:latin typeface="+mn-lt"/>
+          <a:ea typeface="+mn-ea"/>
+          <a:cs typeface="+mn-cs"/>
+        </a:defRPr>
+      </a:lvl2pPr>
+      <a:lvl3pPr marL="914400" algn="l" defTabSz="914400" rtl="0" eaLnBrk="1" latinLnBrk="1" hangingPunct="1">
+        <a:defRPr sz="1800" kern="1200">
+          <a:solidFill>
+            <a:schemeClr val="tx1"/>
+          </a:solidFill>
+          <a:latin typeface="+mn-lt"/>
+          <a:ea typeface="+mn-ea"/>
+          <a:cs typeface="+mn-cs"/>
+        </a:defRPr>
+      </a:lvl3pPr>
+      <a:lvl4pPr marL="1371600" algn="l" defTabSz="914400" rtl="0" eaLnBrk="1" latinLnBrk="1" hangingPunct="1">
+        <a:defRPr sz="1800" kern="1200">
+          <a:solidFill>
+            <a:schemeClr val="tx1"/>
+          </a:solidFill>
+          <a:latin typeface="+mn-lt"/>
+          <a:ea typeface="+mn-ea"/>
+          <a:cs typeface="+mn-cs"/>
+        </a:defRPr>
+      </a:lvl4pPr>
+      <a:lvl5pPr marL="1828800" algn="l" defTabSz="914400" rtl="0" eaLnBrk="1" latinLnBrk="1" hangingPunct="1">
+        <a:defRPr sz="1800" kern="1200">
+          <a:solidFill>
+            <a:schemeClr val="tx1"/>
+          </a:solidFill>
+          <a:latin typeface="+mn-lt"/>
+          <a:ea typeface="+mn-ea"/>
+          <a:cs typeface="+mn-cs"/>
+        </a:defRPr>
+      </a:lvl5pPr>
+      <a:lvl6pPr marL="2286000" algn="l" defTabSz="914400" rtl="0" eaLnBrk="1" latinLnBrk="1" hangingPunct="1">
+        <a:defRPr sz="1800" kern="1200">
+          <a:solidFill>
+            <a:schemeClr val="tx1"/>
+          </a:solidFill>
+          <a:latin typeface="+mn-lt"/>
+          <a:ea typeface="+mn-ea"/>
+          <a:cs typeface="+mn-cs"/>
+        </a:defRPr>
+      </a:lvl6pPr>
+      <a:lvl7pPr marL="2743200" algn="l" defTabSz="914400" rtl="0" eaLnBrk="1" latinLnBrk="1" hangingPunct="1">
+        <a:defRPr sz="1800" kern="1200">
+          <a:solidFill>
+            <a:schemeClr val="tx1"/>
+          </a:solidFill>
+          <a:latin typeface="+mn-lt"/>
+          <a:ea typeface="+mn-ea"/>
+          <a:cs typeface="+mn-cs"/>
+        </a:defRPr>
+      </a:lvl7pPr>
+      <a:lvl8pPr marL="3200400" algn="l" defTabSz="914400" rtl="0" eaLnBrk="1" latinLnBrk="1" hangingPunct="1">
+        <a:defRPr sz="1800" kern="1200">
+          <a:solidFill>
+            <a:schemeClr val="tx1"/>
+          </a:solidFill>
+          <a:latin typeface="+mn-lt"/>
+          <a:ea typeface="+mn-ea"/>
+          <a:cs typeface="+mn-cs"/>
+        </a:defRPr>
+      </a:lvl8pPr>
+      <a:lvl9pPr marL="3657600" algn="l" defTabSz="914400" rtl="0" eaLnBrk="1" latinLnBrk="1" hangingPunct="1">
+        <a:defRPr sz="1800" kern="1200">
+          <a:solidFill>
+            <a:schemeClr val="tx1"/>
+          </a:solidFill>
+          <a:latin typeface="+mn-lt"/>
+          <a:ea typeface="+mn-ea"/>
+          <a:cs typeface="+mn-cs"/>
+        </a:defRPr>
+      </a:lvl9pPr>
+    </p:otherStyle>
+  </p:txStyles>
+</p:sldMaster>
+</file>
+
+<file path=ppt/slideMasters/slideMaster2.xml><?xml version="1.0" encoding="utf-8"?>
+<p:sldMaster xmlns:a="http://schemas.openxmlformats.org/drawingml/2006/main" xmlns:r="http://schemas.openxmlformats.org/officeDocument/2006/relationships" xmlns:p="http://schemas.openxmlformats.org/presentationml/2006/main">
+  <p:cSld>
+    <p:bg>
+      <p:bgRef idx="1001">
+        <a:schemeClr val="bg1"/>
+      </p:bgRef>
+    </p:bg>
+    <p:spTree>
+      <p:nvGrpSpPr>
+        <p:cNvPr id="1" name=""/>
+        <p:cNvGrpSpPr/>
+        <p:nvPr/>
+      </p:nvGrpSpPr>
+      <p:grpSpPr>
+        <a:xfrm>
+          <a:off x="0" y="0"/>
+          <a:ext cx="0" cy="0"/>
+          <a:chOff x="0" y="0"/>
+          <a:chExt cx="0" cy="0"/>
+        </a:xfrm>
+      </p:grpSpPr>
+      <p:sp>
+        <p:nvSpPr>
+          <p:cNvPr id="2" name="제목 개체 틀 1"/>
+          <p:cNvSpPr>
+            <a:spLocks noGrp="1"/>
+          </p:cNvSpPr>
+          <p:nvPr>
+            <p:ph type="title"/>
+          </p:nvPr>
+        </p:nvSpPr>
+        <p:spPr>
+          <a:xfrm>
+            <a:off x="838200" y="365125"/>
+            <a:ext cx="10515600" cy="1325563"/>
+          </a:xfrm>
+          <a:prstGeom prst="rect">
+            <a:avLst/>
+          </a:prstGeom>
+        </p:spPr>
+        <p:txBody>
+          <a:bodyPr vert="horz" lIns="91440" tIns="45720" rIns="91440" bIns="45720" rtlCol="0" anchor="ctr">
+            <a:normAutofit/>
+          </a:bodyPr>
+          <a:lstStyle/>
+          <a:p>
+            <a:r>
+              <a:rPr lang="ko-KR" altLang="en-US"/>
+              <a:t>마스터 제목 스타일 편집</a:t>
+            </a:r>
+          </a:p>
+        </p:txBody>
+      </p:sp>
+      <p:sp>
+        <p:nvSpPr>
+          <p:cNvPr id="3" name="텍스트 개체 틀 2"/>
+          <p:cNvSpPr>
+            <a:spLocks noGrp="1"/>
+          </p:cNvSpPr>
+          <p:nvPr>
+            <p:ph type="body" idx="1"/>
+          </p:nvPr>
+        </p:nvSpPr>
+        <p:spPr>
+          <a:xfrm>
+            <a:off x="838200" y="1825625"/>
+            <a:ext cx="10515600" cy="4351338"/>
+          </a:xfrm>
+          <a:prstGeom prst="rect">
+            <a:avLst/>
+          </a:prstGeom>
+        </p:spPr>
+        <p:txBody>
+          <a:bodyPr vert="horz" lIns="91440" tIns="45720" rIns="91440" bIns="45720" rtlCol="0">
+            <a:normAutofit/>
+          </a:bodyPr>
+          <a:lstStyle/>
+          <a:p>
+            <a:pPr lvl="0"/>
+            <a:r>
+              <a:rPr lang="ko-KR" altLang="en-US"/>
+              <a:t>마스터 텍스트 스타일을 편집합니다</a:t>
+            </a:r>
+          </a:p>
+          <a:p>
+            <a:pPr lvl="1"/>
+            <a:r>
+              <a:rPr lang="ko-KR" altLang="en-US"/>
+              <a:t>둘째 수준</a:t>
+            </a:r>
+          </a:p>
+          <a:p>
+            <a:pPr lvl="2"/>
+            <a:r>
+              <a:rPr lang="ko-KR" altLang="en-US"/>
+              <a:t>셋째 수준</a:t>
+            </a:r>
+          </a:p>
+          <a:p>
+            <a:pPr lvl="3"/>
+            <a:r>
+              <a:rPr lang="ko-KR" altLang="en-US"/>
+              <a:t>넷째 수준</a:t>
+            </a:r>
+          </a:p>
+          <a:p>
+            <a:pPr lvl="4"/>
+            <a:r>
+              <a:rPr lang="ko-KR" altLang="en-US"/>
+              <a:t>다섯째 수준</a:t>
+            </a:r>
+          </a:p>
+        </p:txBody>
+      </p:sp>
+      <p:sp>
+        <p:nvSpPr>
+          <p:cNvPr id="4" name="날짜 개체 틀 3"/>
+          <p:cNvSpPr>
+            <a:spLocks noGrp="1"/>
+          </p:cNvSpPr>
+          <p:nvPr>
+            <p:ph type="dt" sz="half" idx="2"/>
+          </p:nvPr>
+        </p:nvSpPr>
+        <p:spPr>
+          <a:xfrm>
+            <a:off x="838200" y="6356350"/>
+            <a:ext cx="2743200" cy="365125"/>
+          </a:xfrm>
+          <a:prstGeom prst="rect">
+            <a:avLst/>
+          </a:prstGeom>
+        </p:spPr>
+        <p:txBody>
+          <a:bodyPr vert="horz" lIns="91440" tIns="45720" rIns="91440" bIns="45720" rtlCol="0" anchor="ctr"/>
+          <a:lstStyle>
+            <a:lvl1pPr algn="l">
+              <a:defRPr sz="1200">
+                <a:solidFill>
+                  <a:schemeClr val="tx1">
+                    <a:tint val="75000"/>
+                  </a:schemeClr>
+                </a:solidFill>
+              </a:defRPr>
+            </a:lvl1pPr>
+          </a:lstStyle>
+          <a:p>
+            <a:fld id="{2566825D-2B69-4989-8861-A6901ABADB6C}" type="datetimeFigureOut">
+              <a:rPr lang="ko-KR" altLang="en-US" smtClean="0"/>
+              <a:t>2020-09-07</a:t>
+            </a:fld>
+            <a:endParaRPr lang="ko-KR" altLang="en-US"/>
+          </a:p>
+        </p:txBody>
+      </p:sp>
+      <p:sp>
+        <p:nvSpPr>
+          <p:cNvPr id="5" name="바닥글 개체 틀 4"/>
+          <p:cNvSpPr>
+            <a:spLocks noGrp="1"/>
+          </p:cNvSpPr>
+          <p:nvPr>
+            <p:ph type="ftr" sz="quarter" idx="3"/>
+          </p:nvPr>
+        </p:nvSpPr>
+        <p:spPr>
+          <a:xfrm>
+            <a:off x="4038600" y="6356350"/>
+            <a:ext cx="4114800" cy="365125"/>
+          </a:xfrm>
+          <a:prstGeom prst="rect">
+            <a:avLst/>
+          </a:prstGeom>
+        </p:spPr>
+        <p:txBody>
+          <a:bodyPr vert="horz" lIns="91440" tIns="45720" rIns="91440" bIns="45720" rtlCol="0" anchor="ctr"/>
+          <a:lstStyle>
+            <a:lvl1pPr algn="ctr">
+              <a:defRPr sz="1200">
+                <a:solidFill>
+                  <a:schemeClr val="tx1">
+                    <a:tint val="75000"/>
+                  </a:schemeClr>
+                </a:solidFill>
+              </a:defRPr>
+            </a:lvl1pPr>
+          </a:lstStyle>
+          <a:p>
+            <a:endParaRPr lang="ko-KR" altLang="en-US"/>
+          </a:p>
+        </p:txBody>
+      </p:sp>
+      <p:sp>
+        <p:nvSpPr>
+          <p:cNvPr id="6" name="슬라이드 번호 개체 틀 5"/>
+          <p:cNvSpPr>
+            <a:spLocks noGrp="1"/>
+          </p:cNvSpPr>
+          <p:nvPr>
+            <p:ph type="sldNum" sz="quarter" idx="4"/>
+          </p:nvPr>
+        </p:nvSpPr>
+        <p:spPr>
+          <a:xfrm>
+            <a:off x="8610600" y="6356350"/>
+            <a:ext cx="2743200" cy="365125"/>
+          </a:xfrm>
+          <a:prstGeom prst="rect">
+            <a:avLst/>
+          </a:prstGeom>
+        </p:spPr>
+        <p:txBody>
+          <a:bodyPr vert="horz" lIns="91440" tIns="45720" rIns="91440" bIns="45720" rtlCol="0" anchor="ctr"/>
+          <a:lstStyle>
+            <a:lvl1pPr algn="r">
+              <a:defRPr sz="1200">
+                <a:solidFill>
+                  <a:schemeClr val="tx1">
+                    <a:tint val="75000"/>
+                  </a:schemeClr>
+                </a:solidFill>
+              </a:defRPr>
+            </a:lvl1pPr>
+          </a:lstStyle>
+          <a:p>
+            <a:fld id="{836B6DB3-44B8-41C4-A846-21F6C6172237}" type="slidenum">
+              <a:rPr lang="ko-KR" altLang="en-US" smtClean="0"/>
+              <a:t>‹#›</a:t>
+            </a:fld>
+            <a:endParaRPr lang="ko-KR" altLang="en-US"/>
+          </a:p>
+        </p:txBody>
+      </p:sp>
+    </p:spTree>
+    <p:extLst>
+      <p:ext uri="{BB962C8B-B14F-4D97-AF65-F5344CB8AC3E}">
+        <p14:creationId xmlns:p14="http://schemas.microsoft.com/office/powerpoint/2010/main" val="3686743294"/>
       </p:ext>
     </p:extLst>
   </p:cSld>
@@ -3301,6 +6152,4454 @@
 </p:sldMaster>
 </file>
 
+<file path=ppt/slides/slide1.xml><?xml version="1.0" encoding="utf-8"?>
+<p:sld xmlns:a="http://schemas.openxmlformats.org/drawingml/2006/main" xmlns:r="http://schemas.openxmlformats.org/officeDocument/2006/relationships" xmlns:p="http://schemas.openxmlformats.org/presentationml/2006/main">
+  <p:cSld>
+    <p:spTree>
+      <p:nvGrpSpPr>
+        <p:cNvPr id="1" name=""/>
+        <p:cNvGrpSpPr/>
+        <p:nvPr/>
+      </p:nvGrpSpPr>
+      <p:grpSpPr>
+        <a:xfrm>
+          <a:off x="0" y="0"/>
+          <a:ext cx="0" cy="0"/>
+          <a:chOff x="0" y="0"/>
+          <a:chExt cx="0" cy="0"/>
+        </a:xfrm>
+      </p:grpSpPr>
+      <p:sp>
+        <p:nvSpPr>
+          <p:cNvPr id="2" name="제목 1">
+            <a:extLst>
+              <a:ext uri="{FF2B5EF4-FFF2-40B4-BE49-F238E27FC236}">
+                <a16:creationId xmlns:a16="http://schemas.microsoft.com/office/drawing/2014/main" id="{606AC98A-0176-42E1-AD7F-149973AD9855}"/>
+              </a:ext>
+            </a:extLst>
+          </p:cNvPr>
+          <p:cNvSpPr>
+            <a:spLocks noGrp="1"/>
+          </p:cNvSpPr>
+          <p:nvPr>
+            <p:ph type="title"/>
+          </p:nvPr>
+        </p:nvSpPr>
+        <p:spPr>
+          <a:xfrm>
+            <a:off x="838200" y="2684118"/>
+            <a:ext cx="10515600" cy="1325563"/>
+          </a:xfrm>
+        </p:spPr>
+        <p:txBody>
+          <a:bodyPr>
+            <a:normAutofit fontScale="90000"/>
+          </a:bodyPr>
+          <a:lstStyle/>
+          <a:p>
+            <a:pPr algn="ctr">
+              <a:lnSpc>
+                <a:spcPct val="150000"/>
+              </a:lnSpc>
+            </a:pPr>
+            <a:r>
+              <a:rPr lang="ko-KR" altLang="en-US" dirty="0"/>
+              <a:t>왜 </a:t>
+            </a:r>
+            <a:r>
+              <a:rPr lang="en-US" altLang="ko-KR" dirty="0"/>
+              <a:t>20</a:t>
+            </a:r>
+            <a:r>
+              <a:rPr lang="ko-KR" altLang="en-US" dirty="0"/>
+              <a:t>대가 확연히 인구 대비 감염자의 수가 많을까</a:t>
+            </a:r>
+            <a:r>
+              <a:rPr lang="en-US" altLang="ko-KR" dirty="0"/>
+              <a:t>?</a:t>
+            </a:r>
+            <a:endParaRPr lang="ko-KR" altLang="en-US" dirty="0"/>
+          </a:p>
+        </p:txBody>
+      </p:sp>
+    </p:spTree>
+    <p:extLst>
+      <p:ext uri="{BB962C8B-B14F-4D97-AF65-F5344CB8AC3E}">
+        <p14:creationId xmlns:p14="http://schemas.microsoft.com/office/powerpoint/2010/main" val="318083337"/>
+      </p:ext>
+    </p:extLst>
+  </p:cSld>
+  <p:clrMapOvr>
+    <a:masterClrMapping/>
+  </p:clrMapOvr>
+</p:sld>
+</file>
+
+<file path=ppt/slides/slide10.xml><?xml version="1.0" encoding="utf-8"?>
+<p:sld xmlns:a="http://schemas.openxmlformats.org/drawingml/2006/main" xmlns:r="http://schemas.openxmlformats.org/officeDocument/2006/relationships" xmlns:p="http://schemas.openxmlformats.org/presentationml/2006/main">
+  <p:cSld>
+    <p:spTree>
+      <p:nvGrpSpPr>
+        <p:cNvPr id="1" name=""/>
+        <p:cNvGrpSpPr/>
+        <p:nvPr/>
+      </p:nvGrpSpPr>
+      <p:grpSpPr>
+        <a:xfrm>
+          <a:off x="0" y="0"/>
+          <a:ext cx="0" cy="0"/>
+          <a:chOff x="0" y="0"/>
+          <a:chExt cx="0" cy="0"/>
+        </a:xfrm>
+      </p:grpSpPr>
+      <p:sp>
+        <p:nvSpPr>
+          <p:cNvPr id="2" name="제목 1">
+            <a:extLst>
+              <a:ext uri="{FF2B5EF4-FFF2-40B4-BE49-F238E27FC236}">
+                <a16:creationId xmlns:a16="http://schemas.microsoft.com/office/drawing/2014/main" id="{B148CC22-7BEE-428A-A7E1-1E6388DB5C93}"/>
+              </a:ext>
+            </a:extLst>
+          </p:cNvPr>
+          <p:cNvSpPr>
+            <a:spLocks noGrp="1"/>
+          </p:cNvSpPr>
+          <p:nvPr>
+            <p:ph type="title"/>
+          </p:nvPr>
+        </p:nvSpPr>
+        <p:spPr/>
+        <p:txBody>
+          <a:bodyPr>
+            <a:normAutofit fontScale="90000"/>
+          </a:bodyPr>
+          <a:lstStyle/>
+          <a:p>
+            <a:pPr>
+              <a:lnSpc>
+                <a:spcPct val="150000"/>
+              </a:lnSpc>
+            </a:pPr>
+            <a:r>
+              <a:rPr lang="en-US" altLang="ko-KR" dirty="0"/>
+              <a:t>1. 20</a:t>
+            </a:r>
+            <a:r>
+              <a:rPr lang="ko-KR" altLang="en-US" dirty="0"/>
+              <a:t>대는 불타는 청춘</a:t>
+            </a:r>
+            <a:r>
+              <a:rPr lang="en-US" altLang="ko-KR" dirty="0"/>
+              <a:t>. </a:t>
+            </a:r>
+            <a:br>
+              <a:rPr lang="en-US" altLang="ko-KR" dirty="0"/>
+            </a:br>
+            <a:r>
+              <a:rPr lang="ko-KR" altLang="en-US" dirty="0"/>
+              <a:t>외출을 많이 해서 그렇지 않을까</a:t>
+            </a:r>
+            <a:r>
+              <a:rPr lang="en-US" altLang="ko-KR" dirty="0"/>
+              <a:t>??</a:t>
+            </a:r>
+            <a:endParaRPr lang="ko-KR" altLang="en-US" dirty="0"/>
+          </a:p>
+        </p:txBody>
+      </p:sp>
+      <p:sp>
+        <p:nvSpPr>
+          <p:cNvPr id="9" name="TextBox 8">
+            <a:extLst>
+              <a:ext uri="{FF2B5EF4-FFF2-40B4-BE49-F238E27FC236}">
+                <a16:creationId xmlns:a16="http://schemas.microsoft.com/office/drawing/2014/main" id="{74191420-F0C8-4AC0-8F54-24B17E7A2E38}"/>
+              </a:ext>
+            </a:extLst>
+          </p:cNvPr>
+          <p:cNvSpPr txBox="1"/>
+          <p:nvPr/>
+        </p:nvSpPr>
+        <p:spPr>
+          <a:xfrm>
+            <a:off x="1821731" y="2331138"/>
+            <a:ext cx="8745716" cy="369332"/>
+          </a:xfrm>
+          <a:prstGeom prst="rect">
+            <a:avLst/>
+          </a:prstGeom>
+          <a:noFill/>
+        </p:spPr>
+        <p:txBody>
+          <a:bodyPr wrap="square">
+            <a:spAutoFit/>
+          </a:bodyPr>
+          <a:lstStyle/>
+          <a:p>
+            <a:r>
+              <a:rPr lang="ko-KR" altLang="en-US" dirty="0"/>
+              <a:t>'</a:t>
+            </a:r>
+            <a:r>
+              <a:rPr lang="ko-KR" altLang="en-US" dirty="0" err="1"/>
+              <a:t>hospital</a:t>
+            </a:r>
+            <a:r>
+              <a:rPr lang="ko-KR" altLang="en-US" dirty="0"/>
+              <a:t>','</a:t>
+            </a:r>
+            <a:r>
+              <a:rPr lang="ko-KR" altLang="en-US" dirty="0" err="1"/>
+              <a:t>public_transportation</a:t>
+            </a:r>
+            <a:r>
+              <a:rPr lang="ko-KR" altLang="en-US" dirty="0"/>
+              <a:t>', '</a:t>
+            </a:r>
+            <a:r>
+              <a:rPr lang="ko-KR" altLang="en-US" dirty="0" err="1"/>
+              <a:t>airport</a:t>
+            </a:r>
+            <a:r>
+              <a:rPr lang="ko-KR" altLang="en-US" dirty="0"/>
+              <a:t>', '</a:t>
+            </a:r>
+            <a:r>
+              <a:rPr lang="ko-KR" altLang="en-US" dirty="0" err="1"/>
+              <a:t>church</a:t>
+            </a:r>
+            <a:r>
+              <a:rPr lang="ko-KR" altLang="en-US" dirty="0"/>
+              <a:t>', '</a:t>
+            </a:r>
+            <a:r>
+              <a:rPr lang="ko-KR" altLang="en-US" dirty="0" err="1"/>
+              <a:t>university</a:t>
+            </a:r>
+            <a:r>
+              <a:rPr lang="ko-KR" altLang="en-US" dirty="0"/>
+              <a:t>','</a:t>
+            </a:r>
+            <a:r>
+              <a:rPr lang="ko-KR" altLang="en-US" dirty="0" err="1"/>
+              <a:t>school</a:t>
+            </a:r>
+            <a:r>
+              <a:rPr lang="ko-KR" altLang="en-US" dirty="0"/>
+              <a:t>','</a:t>
+            </a:r>
+            <a:r>
+              <a:rPr lang="ko-KR" altLang="en-US" dirty="0" err="1"/>
+              <a:t>park</a:t>
+            </a:r>
+            <a:r>
+              <a:rPr lang="ko-KR" altLang="en-US" dirty="0"/>
+              <a:t>'</a:t>
+            </a:r>
+          </a:p>
+        </p:txBody>
+      </p:sp>
+      <p:sp>
+        <p:nvSpPr>
+          <p:cNvPr id="10" name="TextBox 9">
+            <a:extLst>
+              <a:ext uri="{FF2B5EF4-FFF2-40B4-BE49-F238E27FC236}">
+                <a16:creationId xmlns:a16="http://schemas.microsoft.com/office/drawing/2014/main" id="{46B97F12-EF96-49A3-89FD-AAD592A3D324}"/>
+              </a:ext>
+            </a:extLst>
+          </p:cNvPr>
+          <p:cNvSpPr txBox="1"/>
+          <p:nvPr/>
+        </p:nvSpPr>
+        <p:spPr>
+          <a:xfrm>
+            <a:off x="923827" y="2930506"/>
+            <a:ext cx="10237510" cy="646331"/>
+          </a:xfrm>
+          <a:prstGeom prst="rect">
+            <a:avLst/>
+          </a:prstGeom>
+          <a:noFill/>
+        </p:spPr>
+        <p:txBody>
+          <a:bodyPr wrap="square" rtlCol="0">
+            <a:spAutoFit/>
+          </a:bodyPr>
+          <a:lstStyle/>
+          <a:p>
+            <a:r>
+              <a:rPr lang="ko-KR" altLang="en-US" dirty="0"/>
+              <a:t>위와 같은 곳을 사람이 많은 곳으로 정의하고</a:t>
+            </a:r>
+            <a:r>
+              <a:rPr lang="en-US" altLang="ko-KR" dirty="0"/>
+              <a:t>, </a:t>
+            </a:r>
+            <a:r>
+              <a:rPr lang="ko-KR" altLang="en-US" dirty="0"/>
+              <a:t>외출에서 사람 많은 곳이 차지하는 비율을 계산해보았다</a:t>
+            </a:r>
+            <a:r>
+              <a:rPr lang="en-US" altLang="ko-KR" dirty="0"/>
+              <a:t>.</a:t>
+            </a:r>
+          </a:p>
+        </p:txBody>
+      </p:sp>
+      <p:pic>
+        <p:nvPicPr>
+          <p:cNvPr id="14" name="Picture 8">
+            <a:extLst>
+              <a:ext uri="{FF2B5EF4-FFF2-40B4-BE49-F238E27FC236}">
+                <a16:creationId xmlns:a16="http://schemas.microsoft.com/office/drawing/2014/main" id="{E39515BC-B57A-4988-A974-1D8686766C8D}"/>
+              </a:ext>
+            </a:extLst>
+          </p:cNvPr>
+          <p:cNvPicPr>
+            <a:picLocks noChangeAspect="1" noChangeArrowheads="1"/>
+          </p:cNvPicPr>
+          <p:nvPr/>
+        </p:nvPicPr>
+        <p:blipFill>
+          <a:blip r:embed="rId2">
+            <a:extLst>
+              <a:ext uri="{28A0092B-C50C-407E-A947-70E740481C1C}">
+                <a14:useLocalDpi xmlns:a14="http://schemas.microsoft.com/office/drawing/2010/main" val="0"/>
+              </a:ext>
+            </a:extLst>
+          </a:blip>
+          <a:srcRect/>
+          <a:stretch>
+            <a:fillRect/>
+          </a:stretch>
+        </p:blipFill>
+        <p:spPr bwMode="auto">
+          <a:xfrm>
+            <a:off x="3824189" y="3653706"/>
+            <a:ext cx="3571875" cy="2667000"/>
+          </a:xfrm>
+          <a:prstGeom prst="rect">
+            <a:avLst/>
+          </a:prstGeom>
+          <a:noFill/>
+          <a:extLst>
+            <a:ext uri="{909E8E84-426E-40DD-AFC4-6F175D3DCCD1}">
+              <a14:hiddenFill xmlns:a14="http://schemas.microsoft.com/office/drawing/2010/main">
+                <a:solidFill>
+                  <a:srgbClr val="FFFFFF"/>
+                </a:solidFill>
+              </a14:hiddenFill>
+            </a:ext>
+          </a:extLst>
+        </p:spPr>
+      </p:pic>
+      <p:sp>
+        <p:nvSpPr>
+          <p:cNvPr id="16" name="TextBox 15">
+            <a:extLst>
+              <a:ext uri="{FF2B5EF4-FFF2-40B4-BE49-F238E27FC236}">
+                <a16:creationId xmlns:a16="http://schemas.microsoft.com/office/drawing/2014/main" id="{F405EB89-1F74-421A-AC52-182A8538B56B}"/>
+              </a:ext>
+            </a:extLst>
+          </p:cNvPr>
+          <p:cNvSpPr txBox="1"/>
+          <p:nvPr/>
+        </p:nvSpPr>
+        <p:spPr>
+          <a:xfrm>
+            <a:off x="2895429" y="6473874"/>
+            <a:ext cx="6401142" cy="369332"/>
+          </a:xfrm>
+          <a:prstGeom prst="rect">
+            <a:avLst/>
+          </a:prstGeom>
+          <a:noFill/>
+        </p:spPr>
+        <p:txBody>
+          <a:bodyPr wrap="square" rtlCol="0">
+            <a:spAutoFit/>
+          </a:bodyPr>
+          <a:lstStyle/>
+          <a:p>
+            <a:r>
+              <a:rPr lang="en-US" altLang="ko-KR" dirty="0"/>
+              <a:t>20</a:t>
+            </a:r>
+            <a:r>
+              <a:rPr lang="ko-KR" altLang="en-US" dirty="0"/>
+              <a:t>대 </a:t>
+            </a:r>
+            <a:r>
+              <a:rPr lang="ko-KR" altLang="en-US" dirty="0" err="1"/>
+              <a:t>확진자의</a:t>
+            </a:r>
+            <a:r>
+              <a:rPr lang="ko-KR" altLang="en-US" dirty="0"/>
+              <a:t> 동선 중 사람이 많은 곳이 차지하는 건 수</a:t>
+            </a:r>
+            <a:endParaRPr lang="en-US" altLang="ko-KR" dirty="0"/>
+          </a:p>
+        </p:txBody>
+      </p:sp>
+    </p:spTree>
+    <p:extLst>
+      <p:ext uri="{BB962C8B-B14F-4D97-AF65-F5344CB8AC3E}">
+        <p14:creationId xmlns:p14="http://schemas.microsoft.com/office/powerpoint/2010/main" val="164512347"/>
+      </p:ext>
+    </p:extLst>
+  </p:cSld>
+  <p:clrMapOvr>
+    <a:masterClrMapping/>
+  </p:clrMapOvr>
+</p:sld>
+</file>
+
+<file path=ppt/slides/slide11.xml><?xml version="1.0" encoding="utf-8"?>
+<p:sld xmlns:a="http://schemas.openxmlformats.org/drawingml/2006/main" xmlns:r="http://schemas.openxmlformats.org/officeDocument/2006/relationships" xmlns:p="http://schemas.openxmlformats.org/presentationml/2006/main">
+  <p:cSld>
+    <p:spTree>
+      <p:nvGrpSpPr>
+        <p:cNvPr id="1" name=""/>
+        <p:cNvGrpSpPr/>
+        <p:nvPr/>
+      </p:nvGrpSpPr>
+      <p:grpSpPr>
+        <a:xfrm>
+          <a:off x="0" y="0"/>
+          <a:ext cx="0" cy="0"/>
+          <a:chOff x="0" y="0"/>
+          <a:chExt cx="0" cy="0"/>
+        </a:xfrm>
+      </p:grpSpPr>
+      <p:sp>
+        <p:nvSpPr>
+          <p:cNvPr id="2" name="제목 1">
+            <a:extLst>
+              <a:ext uri="{FF2B5EF4-FFF2-40B4-BE49-F238E27FC236}">
+                <a16:creationId xmlns:a16="http://schemas.microsoft.com/office/drawing/2014/main" id="{B148CC22-7BEE-428A-A7E1-1E6388DB5C93}"/>
+              </a:ext>
+            </a:extLst>
+          </p:cNvPr>
+          <p:cNvSpPr>
+            <a:spLocks noGrp="1"/>
+          </p:cNvSpPr>
+          <p:nvPr>
+            <p:ph type="title"/>
+          </p:nvPr>
+        </p:nvSpPr>
+        <p:spPr/>
+        <p:txBody>
+          <a:bodyPr>
+            <a:normAutofit fontScale="90000"/>
+          </a:bodyPr>
+          <a:lstStyle/>
+          <a:p>
+            <a:pPr>
+              <a:lnSpc>
+                <a:spcPct val="150000"/>
+              </a:lnSpc>
+            </a:pPr>
+            <a:r>
+              <a:rPr lang="en-US" altLang="ko-KR" dirty="0"/>
+              <a:t>1. 20</a:t>
+            </a:r>
+            <a:r>
+              <a:rPr lang="ko-KR" altLang="en-US" dirty="0"/>
+              <a:t>대는 불타는 청춘</a:t>
+            </a:r>
+            <a:r>
+              <a:rPr lang="en-US" altLang="ko-KR" dirty="0"/>
+              <a:t>. </a:t>
+            </a:r>
+            <a:br>
+              <a:rPr lang="en-US" altLang="ko-KR" dirty="0"/>
+            </a:br>
+            <a:r>
+              <a:rPr lang="ko-KR" altLang="en-US" dirty="0"/>
+              <a:t>외출을 많이 해서 그렇지 않을까</a:t>
+            </a:r>
+            <a:r>
+              <a:rPr lang="en-US" altLang="ko-KR" dirty="0"/>
+              <a:t>??</a:t>
+            </a:r>
+            <a:endParaRPr lang="ko-KR" altLang="en-US" dirty="0"/>
+          </a:p>
+        </p:txBody>
+      </p:sp>
+      <p:sp>
+        <p:nvSpPr>
+          <p:cNvPr id="3" name="TextBox 2">
+            <a:extLst>
+              <a:ext uri="{FF2B5EF4-FFF2-40B4-BE49-F238E27FC236}">
+                <a16:creationId xmlns:a16="http://schemas.microsoft.com/office/drawing/2014/main" id="{41EBE7FF-D261-4577-B0A2-BFCE149D07F0}"/>
+              </a:ext>
+            </a:extLst>
+          </p:cNvPr>
+          <p:cNvSpPr txBox="1"/>
+          <p:nvPr/>
+        </p:nvSpPr>
+        <p:spPr>
+          <a:xfrm>
+            <a:off x="977245" y="2144880"/>
+            <a:ext cx="10237510" cy="1754326"/>
+          </a:xfrm>
+          <a:prstGeom prst="rect">
+            <a:avLst/>
+          </a:prstGeom>
+          <a:noFill/>
+        </p:spPr>
+        <p:txBody>
+          <a:bodyPr wrap="square" rtlCol="0">
+            <a:spAutoFit/>
+          </a:bodyPr>
+          <a:lstStyle/>
+          <a:p>
+            <a:r>
+              <a:rPr lang="ko-KR" altLang="en-US" dirty="0"/>
+              <a:t>그래프만 보면</a:t>
+            </a:r>
+            <a:r>
+              <a:rPr lang="en-US" altLang="ko-KR" dirty="0"/>
+              <a:t> </a:t>
+            </a:r>
+            <a:r>
+              <a:rPr lang="ko-KR" altLang="en-US" dirty="0"/>
+              <a:t>사람이 많은 곳이 약 </a:t>
+            </a:r>
+            <a:r>
+              <a:rPr lang="en-US" altLang="ko-KR" dirty="0"/>
+              <a:t>60%</a:t>
+            </a:r>
+            <a:r>
+              <a:rPr lang="ko-KR" altLang="en-US" dirty="0"/>
+              <a:t>로 많이 갔다고 생각할 수 있지만</a:t>
+            </a:r>
+            <a:r>
+              <a:rPr lang="en-US" altLang="ko-KR" dirty="0"/>
+              <a:t>, </a:t>
+            </a:r>
+            <a:r>
+              <a:rPr lang="ko-KR" altLang="en-US" dirty="0"/>
+              <a:t>아래 </a:t>
+            </a:r>
+            <a:r>
+              <a:rPr lang="en-US" altLang="ko-KR" dirty="0"/>
+              <a:t>20</a:t>
+            </a:r>
+            <a:r>
+              <a:rPr lang="ko-KR" altLang="en-US" dirty="0"/>
+              <a:t>대 </a:t>
+            </a:r>
+            <a:r>
+              <a:rPr lang="ko-KR" altLang="en-US" dirty="0" err="1"/>
+              <a:t>확진자의</a:t>
+            </a:r>
+            <a:r>
+              <a:rPr lang="ko-KR" altLang="en-US" dirty="0"/>
+              <a:t> 루트에 나온 모든 장소에 대한 통계를 보면 </a:t>
+            </a:r>
+            <a:r>
+              <a:rPr lang="en-US" altLang="ko-KR" dirty="0" err="1"/>
+              <a:t>etc</a:t>
+            </a:r>
+            <a:r>
+              <a:rPr lang="en-US" altLang="ko-KR" dirty="0"/>
+              <a:t>(</a:t>
+            </a:r>
+            <a:r>
+              <a:rPr lang="ko-KR" altLang="en-US" dirty="0"/>
+              <a:t>그 외</a:t>
+            </a:r>
+            <a:r>
+              <a:rPr lang="en-US" altLang="ko-KR" dirty="0"/>
+              <a:t>)</a:t>
+            </a:r>
+            <a:r>
+              <a:rPr lang="ko-KR" altLang="en-US" dirty="0"/>
+              <a:t>의 수치가 </a:t>
+            </a:r>
+            <a:r>
+              <a:rPr lang="en-US" altLang="ko-KR" dirty="0"/>
+              <a:t>600</a:t>
+            </a:r>
+            <a:r>
+              <a:rPr lang="ko-KR" altLang="en-US" dirty="0"/>
+              <a:t>건에 이른다</a:t>
+            </a:r>
+            <a:r>
+              <a:rPr lang="en-US" altLang="ko-KR" dirty="0"/>
+              <a:t>. </a:t>
+            </a:r>
+          </a:p>
+          <a:p>
+            <a:r>
+              <a:rPr lang="ko-KR" altLang="en-US" dirty="0"/>
+              <a:t>이는 집단 시설인지 아닌지 판별할 수 없는 경우인데</a:t>
+            </a:r>
+            <a:r>
+              <a:rPr lang="en-US" altLang="ko-KR" dirty="0"/>
+              <a:t>, </a:t>
+            </a:r>
+            <a:r>
+              <a:rPr lang="ko-KR" altLang="en-US" dirty="0"/>
+              <a:t>이 수치가 앞서 말했던 통계를 엎기에 충분한 수치이다</a:t>
+            </a:r>
+            <a:r>
+              <a:rPr lang="en-US" altLang="ko-KR" dirty="0"/>
+              <a:t>.(</a:t>
+            </a:r>
+            <a:r>
+              <a:rPr lang="ko-KR" altLang="en-US" dirty="0"/>
+              <a:t>사람 많은 곳이 차지하는 건 수 </a:t>
+            </a:r>
+            <a:r>
+              <a:rPr lang="en-US" altLang="ko-KR" dirty="0"/>
+              <a:t>: 800, </a:t>
+            </a:r>
+            <a:r>
+              <a:rPr lang="ko-KR" altLang="en-US" dirty="0"/>
+              <a:t>아닌 건 수 </a:t>
+            </a:r>
+            <a:r>
+              <a:rPr lang="en-US" altLang="ko-KR" dirty="0"/>
+              <a:t>: 550 </a:t>
+            </a:r>
+            <a:r>
+              <a:rPr lang="ko-KR" altLang="en-US" dirty="0"/>
+              <a:t>정도 였다</a:t>
+            </a:r>
+            <a:r>
+              <a:rPr lang="en-US" altLang="ko-KR" dirty="0"/>
+              <a:t>)</a:t>
+            </a:r>
+          </a:p>
+          <a:p>
+            <a:r>
+              <a:rPr lang="ko-KR" altLang="en-US" dirty="0"/>
+              <a:t>그러므로 더 이상의 사람 많은 곳에의 외출에 대한 분석의 의미 없다고 생각해 이 </a:t>
+            </a:r>
+            <a:r>
+              <a:rPr lang="ko-KR" altLang="en-US" dirty="0" err="1"/>
+              <a:t>쯤에서</a:t>
+            </a:r>
+            <a:r>
+              <a:rPr lang="ko-KR" altLang="en-US" dirty="0"/>
+              <a:t> 멈추고 다른 가설을 생각해보았다</a:t>
+            </a:r>
+            <a:r>
+              <a:rPr lang="en-US" altLang="ko-KR" dirty="0"/>
+              <a:t>.</a:t>
+            </a:r>
+          </a:p>
+        </p:txBody>
+      </p:sp>
+      <p:sp>
+        <p:nvSpPr>
+          <p:cNvPr id="16" name="TextBox 15">
+            <a:extLst>
+              <a:ext uri="{FF2B5EF4-FFF2-40B4-BE49-F238E27FC236}">
+                <a16:creationId xmlns:a16="http://schemas.microsoft.com/office/drawing/2014/main" id="{F405EB89-1F74-421A-AC52-182A8538B56B}"/>
+              </a:ext>
+            </a:extLst>
+          </p:cNvPr>
+          <p:cNvSpPr txBox="1"/>
+          <p:nvPr/>
+        </p:nvSpPr>
+        <p:spPr>
+          <a:xfrm>
+            <a:off x="7806794" y="5125841"/>
+            <a:ext cx="3448810" cy="646331"/>
+          </a:xfrm>
+          <a:prstGeom prst="rect">
+            <a:avLst/>
+          </a:prstGeom>
+          <a:noFill/>
+        </p:spPr>
+        <p:txBody>
+          <a:bodyPr wrap="square" rtlCol="0">
+            <a:spAutoFit/>
+          </a:bodyPr>
+          <a:lstStyle/>
+          <a:p>
+            <a:r>
+              <a:rPr lang="en-US" altLang="ko-KR" dirty="0"/>
+              <a:t>20</a:t>
+            </a:r>
+            <a:r>
+              <a:rPr lang="ko-KR" altLang="en-US" dirty="0"/>
+              <a:t>대 </a:t>
+            </a:r>
+            <a:r>
+              <a:rPr lang="ko-KR" altLang="en-US" dirty="0" err="1"/>
+              <a:t>확진자의</a:t>
+            </a:r>
+            <a:r>
+              <a:rPr lang="ko-KR" altLang="en-US" dirty="0"/>
+              <a:t> 동선 중 사람이 많은 곳이 차지하는 건 수</a:t>
+            </a:r>
+            <a:endParaRPr lang="en-US" altLang="ko-KR" dirty="0"/>
+          </a:p>
+        </p:txBody>
+      </p:sp>
+      <p:pic>
+        <p:nvPicPr>
+          <p:cNvPr id="4" name="Picture 6">
+            <a:extLst>
+              <a:ext uri="{FF2B5EF4-FFF2-40B4-BE49-F238E27FC236}">
+                <a16:creationId xmlns:a16="http://schemas.microsoft.com/office/drawing/2014/main" id="{707C3D36-EAD7-43CD-BD00-E40B3B750A9D}"/>
+              </a:ext>
+            </a:extLst>
+          </p:cNvPr>
+          <p:cNvPicPr>
+            <a:picLocks noChangeAspect="1" noChangeArrowheads="1"/>
+          </p:cNvPicPr>
+          <p:nvPr/>
+        </p:nvPicPr>
+        <p:blipFill>
+          <a:blip r:embed="rId2">
+            <a:extLst>
+              <a:ext uri="{28A0092B-C50C-407E-A947-70E740481C1C}">
+                <a14:useLocalDpi xmlns:a14="http://schemas.microsoft.com/office/drawing/2010/main" val="0"/>
+              </a:ext>
+            </a:extLst>
+          </a:blip>
+          <a:srcRect/>
+          <a:stretch>
+            <a:fillRect/>
+          </a:stretch>
+        </p:blipFill>
+        <p:spPr bwMode="auto">
+          <a:xfrm>
+            <a:off x="1775828" y="3727771"/>
+            <a:ext cx="5682303" cy="3071204"/>
+          </a:xfrm>
+          <a:prstGeom prst="rect">
+            <a:avLst/>
+          </a:prstGeom>
+          <a:noFill/>
+          <a:extLst>
+            <a:ext uri="{909E8E84-426E-40DD-AFC4-6F175D3DCCD1}">
+              <a14:hiddenFill xmlns:a14="http://schemas.microsoft.com/office/drawing/2010/main">
+                <a:solidFill>
+                  <a:srgbClr val="FFFFFF"/>
+                </a:solidFill>
+              </a14:hiddenFill>
+            </a:ext>
+          </a:extLst>
+        </p:spPr>
+      </p:pic>
+    </p:spTree>
+    <p:extLst>
+      <p:ext uri="{BB962C8B-B14F-4D97-AF65-F5344CB8AC3E}">
+        <p14:creationId xmlns:p14="http://schemas.microsoft.com/office/powerpoint/2010/main" val="2119341593"/>
+      </p:ext>
+    </p:extLst>
+  </p:cSld>
+  <p:clrMapOvr>
+    <a:masterClrMapping/>
+  </p:clrMapOvr>
+</p:sld>
+</file>
+
+<file path=ppt/slides/slide12.xml><?xml version="1.0" encoding="utf-8"?>
+<p:sld xmlns:a="http://schemas.openxmlformats.org/drawingml/2006/main" xmlns:r="http://schemas.openxmlformats.org/officeDocument/2006/relationships" xmlns:p="http://schemas.openxmlformats.org/presentationml/2006/main">
+  <p:cSld>
+    <p:spTree>
+      <p:nvGrpSpPr>
+        <p:cNvPr id="1" name=""/>
+        <p:cNvGrpSpPr/>
+        <p:nvPr/>
+      </p:nvGrpSpPr>
+      <p:grpSpPr>
+        <a:xfrm>
+          <a:off x="0" y="0"/>
+          <a:ext cx="0" cy="0"/>
+          <a:chOff x="0" y="0"/>
+          <a:chExt cx="0" cy="0"/>
+        </a:xfrm>
+      </p:grpSpPr>
+      <p:sp>
+        <p:nvSpPr>
+          <p:cNvPr id="2" name="제목 1">
+            <a:extLst>
+              <a:ext uri="{FF2B5EF4-FFF2-40B4-BE49-F238E27FC236}">
+                <a16:creationId xmlns:a16="http://schemas.microsoft.com/office/drawing/2014/main" id="{B148CC22-7BEE-428A-A7E1-1E6388DB5C93}"/>
+              </a:ext>
+            </a:extLst>
+          </p:cNvPr>
+          <p:cNvSpPr>
+            <a:spLocks noGrp="1"/>
+          </p:cNvSpPr>
+          <p:nvPr>
+            <p:ph type="title"/>
+          </p:nvPr>
+        </p:nvSpPr>
+        <p:spPr/>
+        <p:txBody>
+          <a:bodyPr>
+            <a:normAutofit fontScale="90000"/>
+          </a:bodyPr>
+          <a:lstStyle/>
+          <a:p>
+            <a:pPr>
+              <a:lnSpc>
+                <a:spcPct val="150000"/>
+              </a:lnSpc>
+            </a:pPr>
+            <a:r>
+              <a:rPr lang="en-US" altLang="ko-KR" dirty="0"/>
+              <a:t>1. 20</a:t>
+            </a:r>
+            <a:r>
+              <a:rPr lang="ko-KR" altLang="en-US" dirty="0"/>
+              <a:t>대는 불타는 청춘</a:t>
+            </a:r>
+            <a:r>
+              <a:rPr lang="en-US" altLang="ko-KR" dirty="0"/>
+              <a:t>. </a:t>
+            </a:r>
+            <a:br>
+              <a:rPr lang="en-US" altLang="ko-KR" dirty="0"/>
+            </a:br>
+            <a:r>
+              <a:rPr lang="ko-KR" altLang="en-US" dirty="0"/>
+              <a:t>외출을 많이 해서 그렇지 않을까</a:t>
+            </a:r>
+            <a:r>
+              <a:rPr lang="en-US" altLang="ko-KR" dirty="0"/>
+              <a:t>??</a:t>
+            </a:r>
+            <a:endParaRPr lang="ko-KR" altLang="en-US" dirty="0"/>
+          </a:p>
+        </p:txBody>
+      </p:sp>
+      <p:sp>
+        <p:nvSpPr>
+          <p:cNvPr id="3" name="TextBox 2">
+            <a:extLst>
+              <a:ext uri="{FF2B5EF4-FFF2-40B4-BE49-F238E27FC236}">
+                <a16:creationId xmlns:a16="http://schemas.microsoft.com/office/drawing/2014/main" id="{41EBE7FF-D261-4577-B0A2-BFCE149D07F0}"/>
+              </a:ext>
+            </a:extLst>
+          </p:cNvPr>
+          <p:cNvSpPr txBox="1"/>
+          <p:nvPr/>
+        </p:nvSpPr>
+        <p:spPr>
+          <a:xfrm>
+            <a:off x="3806023" y="4285962"/>
+            <a:ext cx="7713532" cy="1754326"/>
+          </a:xfrm>
+          <a:prstGeom prst="rect">
+            <a:avLst/>
+          </a:prstGeom>
+          <a:noFill/>
+        </p:spPr>
+        <p:txBody>
+          <a:bodyPr wrap="square" rtlCol="0">
+            <a:spAutoFit/>
+          </a:bodyPr>
+          <a:lstStyle/>
+          <a:p>
+            <a:r>
+              <a:rPr lang="ko-KR" altLang="en-US" dirty="0"/>
+              <a:t>이 점을 참고했을 때</a:t>
+            </a:r>
+            <a:r>
+              <a:rPr lang="en-US" altLang="ko-KR" dirty="0"/>
+              <a:t>, </a:t>
+            </a:r>
+            <a:r>
+              <a:rPr lang="ko-KR" altLang="en-US" dirty="0"/>
+              <a:t>외출을 할 시 실내에서 마스크를 벗는 일이 잦은 곳을 많이 가면 평소에 마스크를 쓰고 다녔더라도 감염률을 올릴 수 있다고 생각했다</a:t>
+            </a:r>
+            <a:r>
+              <a:rPr lang="en-US" altLang="ko-KR" dirty="0"/>
+              <a:t>. </a:t>
+            </a:r>
+          </a:p>
+          <a:p>
+            <a:endParaRPr lang="en-US" altLang="ko-KR" dirty="0"/>
+          </a:p>
+          <a:p>
+            <a:r>
+              <a:rPr lang="ko-KR" altLang="en-US" dirty="0"/>
+              <a:t>그래서 혹시 </a:t>
+            </a:r>
+            <a:r>
+              <a:rPr lang="en-US" altLang="ko-KR" dirty="0"/>
+              <a:t>20</a:t>
+            </a:r>
+            <a:r>
+              <a:rPr lang="ko-KR" altLang="en-US" dirty="0"/>
+              <a:t>대의 </a:t>
+            </a:r>
+            <a:r>
+              <a:rPr lang="ko-KR" altLang="en-US" dirty="0" err="1"/>
+              <a:t>외출지</a:t>
+            </a:r>
+            <a:r>
+              <a:rPr lang="ko-KR" altLang="en-US" dirty="0"/>
+              <a:t> 중 실내에서 마스크를 벗는 일이 잦은 곳을 외출한 비율을 알아본다면 이유를 알 수 있을 거라 생각했다</a:t>
+            </a:r>
+            <a:r>
+              <a:rPr lang="en-US" altLang="ko-KR" dirty="0"/>
+              <a:t>.</a:t>
+            </a:r>
+          </a:p>
+        </p:txBody>
+      </p:sp>
+      <p:pic>
+        <p:nvPicPr>
+          <p:cNvPr id="1026" name="Picture 2">
+            <a:extLst>
+              <a:ext uri="{FF2B5EF4-FFF2-40B4-BE49-F238E27FC236}">
+                <a16:creationId xmlns:a16="http://schemas.microsoft.com/office/drawing/2014/main" id="{4A255F2E-F192-4ACD-AB35-F35607DFAFE2}"/>
+              </a:ext>
+            </a:extLst>
+          </p:cNvPr>
+          <p:cNvPicPr>
+            <a:picLocks noChangeAspect="1" noChangeArrowheads="1"/>
+          </p:cNvPicPr>
+          <p:nvPr/>
+        </p:nvPicPr>
+        <p:blipFill>
+          <a:blip r:embed="rId2">
+            <a:extLst>
+              <a:ext uri="{28A0092B-C50C-407E-A947-70E740481C1C}">
+                <a14:useLocalDpi xmlns:a14="http://schemas.microsoft.com/office/drawing/2010/main" val="0"/>
+              </a:ext>
+            </a:extLst>
+          </a:blip>
+          <a:srcRect/>
+          <a:stretch>
+            <a:fillRect/>
+          </a:stretch>
+        </p:blipFill>
+        <p:spPr bwMode="auto">
+          <a:xfrm>
+            <a:off x="339365" y="1925415"/>
+            <a:ext cx="3344109" cy="4721094"/>
+          </a:xfrm>
+          <a:prstGeom prst="rect">
+            <a:avLst/>
+          </a:prstGeom>
+          <a:noFill/>
+          <a:extLst>
+            <a:ext uri="{909E8E84-426E-40DD-AFC4-6F175D3DCCD1}">
+              <a14:hiddenFill xmlns:a14="http://schemas.microsoft.com/office/drawing/2010/main">
+                <a:solidFill>
+                  <a:srgbClr val="FFFFFF"/>
+                </a:solidFill>
+              </a14:hiddenFill>
+            </a:ext>
+          </a:extLst>
+        </p:spPr>
+      </p:pic>
+      <p:sp>
+        <p:nvSpPr>
+          <p:cNvPr id="10" name="TextBox 9">
+            <a:extLst>
+              <a:ext uri="{FF2B5EF4-FFF2-40B4-BE49-F238E27FC236}">
+                <a16:creationId xmlns:a16="http://schemas.microsoft.com/office/drawing/2014/main" id="{0D77FCF5-DA20-4CF5-9EF9-36410D5A06A1}"/>
+              </a:ext>
+            </a:extLst>
+          </p:cNvPr>
+          <p:cNvSpPr txBox="1"/>
+          <p:nvPr/>
+        </p:nvSpPr>
+        <p:spPr>
+          <a:xfrm>
+            <a:off x="3806023" y="2030588"/>
+            <a:ext cx="7547777" cy="2031325"/>
+          </a:xfrm>
+          <a:prstGeom prst="rect">
+            <a:avLst/>
+          </a:prstGeom>
+          <a:noFill/>
+        </p:spPr>
+        <p:txBody>
+          <a:bodyPr wrap="square" rtlCol="0">
+            <a:spAutoFit/>
+          </a:bodyPr>
+          <a:lstStyle/>
+          <a:p>
+            <a:r>
+              <a:rPr lang="ko-KR" altLang="en-US" b="0" i="0" dirty="0">
+                <a:solidFill>
+                  <a:srgbClr val="333333"/>
+                </a:solidFill>
+                <a:effectLst/>
+                <a:latin typeface="나눔고딕"/>
+              </a:rPr>
+              <a:t>질병관리본부에 따르면 코로나</a:t>
+            </a:r>
+            <a:r>
+              <a:rPr lang="en-US" altLang="ko-KR" b="0" i="0" dirty="0">
+                <a:solidFill>
+                  <a:srgbClr val="333333"/>
+                </a:solidFill>
+                <a:effectLst/>
+                <a:latin typeface="나눔고딕"/>
+              </a:rPr>
+              <a:t>19 </a:t>
+            </a:r>
+            <a:r>
+              <a:rPr lang="ko-KR" altLang="en-US" b="0" i="0" dirty="0">
+                <a:solidFill>
+                  <a:srgbClr val="333333"/>
+                </a:solidFill>
+                <a:effectLst/>
+                <a:latin typeface="나눔고딕"/>
+              </a:rPr>
+              <a:t>감염자와 건강한 사람 모두 마스크를 착용하지 않았을 때 감염률을 </a:t>
+            </a:r>
+            <a:r>
+              <a:rPr lang="en-US" altLang="ko-KR" b="0" i="0" dirty="0">
+                <a:solidFill>
+                  <a:srgbClr val="333333"/>
+                </a:solidFill>
+                <a:effectLst/>
+                <a:latin typeface="나눔고딕"/>
+              </a:rPr>
+              <a:t>100%</a:t>
+            </a:r>
+            <a:r>
+              <a:rPr lang="ko-KR" altLang="en-US" b="0" i="0" dirty="0">
+                <a:solidFill>
+                  <a:srgbClr val="333333"/>
+                </a:solidFill>
+                <a:effectLst/>
+                <a:latin typeface="나눔고딕"/>
+              </a:rPr>
+              <a:t>라고 한다면</a:t>
+            </a:r>
+            <a:r>
+              <a:rPr lang="en-US" altLang="ko-KR" b="0" i="0" dirty="0">
+                <a:solidFill>
+                  <a:srgbClr val="333333"/>
+                </a:solidFill>
+                <a:effectLst/>
+                <a:latin typeface="나눔고딕"/>
+              </a:rPr>
+              <a:t>, </a:t>
+            </a:r>
+            <a:r>
+              <a:rPr lang="ko-KR" altLang="en-US" b="0" i="0" dirty="0">
+                <a:solidFill>
+                  <a:srgbClr val="333333"/>
+                </a:solidFill>
+                <a:effectLst/>
+                <a:latin typeface="나눔고딕"/>
+              </a:rPr>
+              <a:t>코로나</a:t>
+            </a:r>
+            <a:r>
+              <a:rPr lang="en-US" altLang="ko-KR" b="0" i="0" dirty="0">
+                <a:solidFill>
+                  <a:srgbClr val="333333"/>
+                </a:solidFill>
+                <a:effectLst/>
+                <a:latin typeface="나눔고딕"/>
+              </a:rPr>
+              <a:t>19 </a:t>
+            </a:r>
+            <a:r>
+              <a:rPr lang="ko-KR" altLang="en-US" b="0" i="0" dirty="0">
+                <a:solidFill>
+                  <a:srgbClr val="333333"/>
+                </a:solidFill>
+                <a:effectLst/>
+                <a:latin typeface="나눔고딕"/>
+              </a:rPr>
+              <a:t>감염자가 마스크를 착용하지 않고 건강한 사람이 마스크를 착용한 경우는 </a:t>
+            </a:r>
+            <a:r>
+              <a:rPr lang="en-US" altLang="ko-KR" b="0" i="0" dirty="0">
+                <a:solidFill>
+                  <a:srgbClr val="333333"/>
+                </a:solidFill>
+                <a:effectLst/>
+                <a:latin typeface="나눔고딕"/>
+              </a:rPr>
+              <a:t>70%</a:t>
+            </a:r>
+            <a:r>
+              <a:rPr lang="ko-KR" altLang="en-US" b="0" i="0" dirty="0">
+                <a:solidFill>
+                  <a:srgbClr val="333333"/>
+                </a:solidFill>
+                <a:effectLst/>
+                <a:latin typeface="나눔고딕"/>
+              </a:rPr>
+              <a:t>다</a:t>
+            </a:r>
+            <a:r>
+              <a:rPr lang="en-US" altLang="ko-KR" b="0" i="0" dirty="0">
+                <a:solidFill>
+                  <a:srgbClr val="333333"/>
+                </a:solidFill>
+                <a:effectLst/>
+                <a:latin typeface="나눔고딕"/>
+              </a:rPr>
+              <a:t>.</a:t>
+            </a:r>
+            <a:br>
+              <a:rPr lang="ko-KR" altLang="en-US" dirty="0"/>
+            </a:br>
+            <a:br>
+              <a:rPr lang="ko-KR" altLang="en-US" dirty="0"/>
+            </a:br>
+            <a:r>
+              <a:rPr lang="ko-KR" altLang="en-US" b="0" i="0" dirty="0">
+                <a:solidFill>
+                  <a:srgbClr val="333333"/>
+                </a:solidFill>
+                <a:effectLst/>
+                <a:latin typeface="나눔고딕"/>
+              </a:rPr>
+              <a:t>반면 건강한 사람이 마스크를 착용하지 않았더라도 코로나</a:t>
+            </a:r>
+            <a:r>
+              <a:rPr lang="en-US" altLang="ko-KR" b="0" i="0" dirty="0">
+                <a:solidFill>
+                  <a:srgbClr val="333333"/>
+                </a:solidFill>
+                <a:effectLst/>
+                <a:latin typeface="나눔고딕"/>
+              </a:rPr>
+              <a:t>19 </a:t>
+            </a:r>
+            <a:r>
+              <a:rPr lang="ko-KR" altLang="en-US" b="0" i="0" dirty="0">
+                <a:solidFill>
+                  <a:srgbClr val="333333"/>
+                </a:solidFill>
+                <a:effectLst/>
+                <a:latin typeface="나눔고딕"/>
+              </a:rPr>
+              <a:t>감염자가 마스크를 착용한다면 감염률은 </a:t>
+            </a:r>
+            <a:r>
+              <a:rPr lang="en-US" altLang="ko-KR" b="0" i="0" dirty="0">
+                <a:solidFill>
+                  <a:srgbClr val="333333"/>
+                </a:solidFill>
+                <a:effectLst/>
+                <a:latin typeface="나눔고딕"/>
+              </a:rPr>
+              <a:t>5%</a:t>
+            </a:r>
+            <a:r>
+              <a:rPr lang="ko-KR" altLang="en-US" b="0" i="0" dirty="0">
+                <a:solidFill>
+                  <a:srgbClr val="333333"/>
+                </a:solidFill>
+                <a:effectLst/>
+                <a:latin typeface="나눔고딕"/>
+              </a:rPr>
+              <a:t>로 떨어진다</a:t>
+            </a:r>
+            <a:r>
+              <a:rPr lang="en-US" altLang="ko-KR" b="0" i="0" dirty="0">
+                <a:solidFill>
+                  <a:srgbClr val="333333"/>
+                </a:solidFill>
+                <a:effectLst/>
+                <a:latin typeface="나눔고딕"/>
+              </a:rPr>
+              <a:t>. </a:t>
+            </a:r>
+            <a:r>
+              <a:rPr lang="ko-KR" altLang="en-US" b="0" i="0" dirty="0">
+                <a:solidFill>
+                  <a:srgbClr val="333333"/>
+                </a:solidFill>
+                <a:effectLst/>
+                <a:latin typeface="나눔고딕"/>
+              </a:rPr>
+              <a:t>둘 다 마스크를 착용하는 경우 감염률은 </a:t>
+            </a:r>
+            <a:r>
+              <a:rPr lang="en-US" altLang="ko-KR" b="0" i="0" dirty="0">
+                <a:solidFill>
+                  <a:srgbClr val="333333"/>
+                </a:solidFill>
+                <a:effectLst/>
+                <a:latin typeface="나눔고딕"/>
+              </a:rPr>
+              <a:t>1.5%</a:t>
+            </a:r>
+            <a:r>
+              <a:rPr lang="ko-KR" altLang="en-US" b="0" i="0" dirty="0">
+                <a:solidFill>
+                  <a:srgbClr val="333333"/>
+                </a:solidFill>
+                <a:effectLst/>
+                <a:latin typeface="나눔고딕"/>
+              </a:rPr>
+              <a:t>로 현저히 하락한다</a:t>
+            </a:r>
+            <a:r>
+              <a:rPr lang="en-US" altLang="ko-KR" b="0" i="0" dirty="0">
+                <a:solidFill>
+                  <a:srgbClr val="333333"/>
+                </a:solidFill>
+                <a:effectLst/>
+                <a:latin typeface="나눔고딕"/>
+              </a:rPr>
+              <a:t>.</a:t>
+            </a:r>
+            <a:endParaRPr lang="en-US" altLang="ko-KR" dirty="0"/>
+          </a:p>
+        </p:txBody>
+      </p:sp>
+    </p:spTree>
+    <p:extLst>
+      <p:ext uri="{BB962C8B-B14F-4D97-AF65-F5344CB8AC3E}">
+        <p14:creationId xmlns:p14="http://schemas.microsoft.com/office/powerpoint/2010/main" val="748043010"/>
+      </p:ext>
+    </p:extLst>
+  </p:cSld>
+  <p:clrMapOvr>
+    <a:masterClrMapping/>
+  </p:clrMapOvr>
+</p:sld>
+</file>
+
+<file path=ppt/slides/slide13.xml><?xml version="1.0" encoding="utf-8"?>
+<p:sld xmlns:a="http://schemas.openxmlformats.org/drawingml/2006/main" xmlns:r="http://schemas.openxmlformats.org/officeDocument/2006/relationships" xmlns:p="http://schemas.openxmlformats.org/presentationml/2006/main">
+  <p:cSld>
+    <p:spTree>
+      <p:nvGrpSpPr>
+        <p:cNvPr id="1" name=""/>
+        <p:cNvGrpSpPr/>
+        <p:nvPr/>
+      </p:nvGrpSpPr>
+      <p:grpSpPr>
+        <a:xfrm>
+          <a:off x="0" y="0"/>
+          <a:ext cx="0" cy="0"/>
+          <a:chOff x="0" y="0"/>
+          <a:chExt cx="0" cy="0"/>
+        </a:xfrm>
+      </p:grpSpPr>
+      <p:sp>
+        <p:nvSpPr>
+          <p:cNvPr id="2" name="제목 1">
+            <a:extLst>
+              <a:ext uri="{FF2B5EF4-FFF2-40B4-BE49-F238E27FC236}">
+                <a16:creationId xmlns:a16="http://schemas.microsoft.com/office/drawing/2014/main" id="{B148CC22-7BEE-428A-A7E1-1E6388DB5C93}"/>
+              </a:ext>
+            </a:extLst>
+          </p:cNvPr>
+          <p:cNvSpPr>
+            <a:spLocks noGrp="1"/>
+          </p:cNvSpPr>
+          <p:nvPr>
+            <p:ph type="title"/>
+          </p:nvPr>
+        </p:nvSpPr>
+        <p:spPr/>
+        <p:txBody>
+          <a:bodyPr>
+            <a:normAutofit fontScale="90000"/>
+          </a:bodyPr>
+          <a:lstStyle/>
+          <a:p>
+            <a:pPr>
+              <a:lnSpc>
+                <a:spcPct val="150000"/>
+              </a:lnSpc>
+            </a:pPr>
+            <a:r>
+              <a:rPr lang="en-US" altLang="ko-KR" dirty="0"/>
+              <a:t>1. 20</a:t>
+            </a:r>
+            <a:r>
+              <a:rPr lang="ko-KR" altLang="en-US" dirty="0"/>
+              <a:t>대는 불타는 청춘</a:t>
+            </a:r>
+            <a:r>
+              <a:rPr lang="en-US" altLang="ko-KR" dirty="0"/>
+              <a:t>. </a:t>
+            </a:r>
+            <a:br>
+              <a:rPr lang="en-US" altLang="ko-KR" dirty="0"/>
+            </a:br>
+            <a:r>
+              <a:rPr lang="ko-KR" altLang="en-US" dirty="0"/>
+              <a:t>외출을 많이 해서 그렇지 않을까</a:t>
+            </a:r>
+            <a:r>
+              <a:rPr lang="en-US" altLang="ko-KR" dirty="0"/>
+              <a:t>??</a:t>
+            </a:r>
+            <a:endParaRPr lang="ko-KR" altLang="en-US" dirty="0"/>
+          </a:p>
+        </p:txBody>
+      </p:sp>
+      <p:sp>
+        <p:nvSpPr>
+          <p:cNvPr id="16" name="TextBox 15">
+            <a:extLst>
+              <a:ext uri="{FF2B5EF4-FFF2-40B4-BE49-F238E27FC236}">
+                <a16:creationId xmlns:a16="http://schemas.microsoft.com/office/drawing/2014/main" id="{F405EB89-1F74-421A-AC52-182A8538B56B}"/>
+              </a:ext>
+            </a:extLst>
+          </p:cNvPr>
+          <p:cNvSpPr txBox="1"/>
+          <p:nvPr/>
+        </p:nvSpPr>
+        <p:spPr>
+          <a:xfrm>
+            <a:off x="7806794" y="5125841"/>
+            <a:ext cx="3448810" cy="923330"/>
+          </a:xfrm>
+          <a:prstGeom prst="rect">
+            <a:avLst/>
+          </a:prstGeom>
+          <a:noFill/>
+        </p:spPr>
+        <p:txBody>
+          <a:bodyPr wrap="square" rtlCol="0">
+            <a:spAutoFit/>
+          </a:bodyPr>
+          <a:lstStyle/>
+          <a:p>
+            <a:r>
+              <a:rPr lang="ko-KR" altLang="en-US" dirty="0"/>
+              <a:t>각 계층별 </a:t>
+            </a:r>
+            <a:r>
+              <a:rPr lang="ko-KR" altLang="en-US" dirty="0" err="1"/>
+              <a:t>확진자들의</a:t>
+            </a:r>
+            <a:r>
+              <a:rPr lang="ko-KR" altLang="en-US" dirty="0"/>
+              <a:t> 동선 중 마스크를 쓰지 않는 곳이 포함된 비율</a:t>
+            </a:r>
+            <a:endParaRPr lang="en-US" altLang="ko-KR" dirty="0"/>
+          </a:p>
+        </p:txBody>
+      </p:sp>
+      <p:sp>
+        <p:nvSpPr>
+          <p:cNvPr id="7" name="TextBox 6">
+            <a:extLst>
+              <a:ext uri="{FF2B5EF4-FFF2-40B4-BE49-F238E27FC236}">
+                <a16:creationId xmlns:a16="http://schemas.microsoft.com/office/drawing/2014/main" id="{D958D84E-B76D-49C6-882C-20A8F8E33048}"/>
+              </a:ext>
+            </a:extLst>
+          </p:cNvPr>
+          <p:cNvSpPr txBox="1"/>
+          <p:nvPr/>
+        </p:nvSpPr>
+        <p:spPr>
+          <a:xfrm>
+            <a:off x="1942707" y="2208364"/>
+            <a:ext cx="8306585" cy="369332"/>
+          </a:xfrm>
+          <a:prstGeom prst="rect">
+            <a:avLst/>
+          </a:prstGeom>
+          <a:noFill/>
+        </p:spPr>
+        <p:txBody>
+          <a:bodyPr wrap="square">
+            <a:spAutoFit/>
+          </a:bodyPr>
+          <a:lstStyle/>
+          <a:p>
+            <a:r>
+              <a:rPr lang="ko-KR" altLang="en-US" dirty="0"/>
+              <a:t>'</a:t>
+            </a:r>
+            <a:r>
+              <a:rPr lang="ko-KR" altLang="en-US" dirty="0" err="1"/>
+              <a:t>restaurant</a:t>
+            </a:r>
+            <a:r>
+              <a:rPr lang="ko-KR" altLang="en-US" dirty="0"/>
+              <a:t>','</a:t>
+            </a:r>
+            <a:r>
+              <a:rPr lang="ko-KR" altLang="en-US" dirty="0" err="1"/>
+              <a:t>cafe</a:t>
+            </a:r>
+            <a:r>
+              <a:rPr lang="ko-KR" altLang="en-US" dirty="0"/>
+              <a:t>','</a:t>
+            </a:r>
+            <a:r>
+              <a:rPr lang="ko-KR" altLang="en-US" dirty="0" err="1"/>
+              <a:t>bar</a:t>
+            </a:r>
+            <a:r>
+              <a:rPr lang="ko-KR" altLang="en-US" dirty="0"/>
+              <a:t>', '</a:t>
+            </a:r>
+            <a:r>
+              <a:rPr lang="ko-KR" altLang="en-US" dirty="0" err="1"/>
+              <a:t>bakery</a:t>
+            </a:r>
+            <a:r>
+              <a:rPr lang="ko-KR" altLang="en-US" dirty="0"/>
+              <a:t>', '</a:t>
+            </a:r>
+            <a:r>
+              <a:rPr lang="ko-KR" altLang="en-US" dirty="0" err="1"/>
+              <a:t>karaoke</a:t>
+            </a:r>
+            <a:r>
+              <a:rPr lang="ko-KR" altLang="en-US" dirty="0"/>
+              <a:t>','</a:t>
+            </a:r>
+            <a:r>
+              <a:rPr lang="ko-KR" altLang="en-US" dirty="0" err="1"/>
+              <a:t>lodging</a:t>
+            </a:r>
+            <a:r>
+              <a:rPr lang="ko-KR" altLang="en-US" dirty="0"/>
+              <a:t>','</a:t>
+            </a:r>
+            <a:r>
+              <a:rPr lang="ko-KR" altLang="en-US" dirty="0" err="1"/>
+              <a:t>gym</a:t>
+            </a:r>
+            <a:r>
+              <a:rPr lang="ko-KR" altLang="en-US" dirty="0"/>
+              <a:t>','</a:t>
+            </a:r>
+            <a:r>
+              <a:rPr lang="ko-KR" altLang="en-US" dirty="0" err="1"/>
+              <a:t>church</a:t>
+            </a:r>
+            <a:r>
+              <a:rPr lang="ko-KR" altLang="en-US" dirty="0"/>
+              <a:t>', '</a:t>
+            </a:r>
+            <a:r>
+              <a:rPr lang="ko-KR" altLang="en-US" dirty="0" err="1"/>
+              <a:t>pc_cafe</a:t>
+            </a:r>
+            <a:r>
+              <a:rPr lang="ko-KR" altLang="en-US" dirty="0"/>
+              <a:t>'</a:t>
+            </a:r>
+          </a:p>
+        </p:txBody>
+      </p:sp>
+      <p:sp>
+        <p:nvSpPr>
+          <p:cNvPr id="6" name="TextBox 5">
+            <a:extLst>
+              <a:ext uri="{FF2B5EF4-FFF2-40B4-BE49-F238E27FC236}">
+                <a16:creationId xmlns:a16="http://schemas.microsoft.com/office/drawing/2014/main" id="{4960B02D-C447-478B-8FFE-37257AF2C68B}"/>
+              </a:ext>
+            </a:extLst>
+          </p:cNvPr>
+          <p:cNvSpPr txBox="1"/>
+          <p:nvPr/>
+        </p:nvSpPr>
+        <p:spPr>
+          <a:xfrm>
+            <a:off x="923827" y="2761933"/>
+            <a:ext cx="10237510" cy="646331"/>
+          </a:xfrm>
+          <a:prstGeom prst="rect">
+            <a:avLst/>
+          </a:prstGeom>
+          <a:noFill/>
+        </p:spPr>
+        <p:txBody>
+          <a:bodyPr wrap="square" rtlCol="0">
+            <a:spAutoFit/>
+          </a:bodyPr>
+          <a:lstStyle/>
+          <a:p>
+            <a:r>
+              <a:rPr lang="ko-KR" altLang="en-US" dirty="0"/>
+              <a:t>위와 같은 곳을 실내에선 마스크를 쓰지 않는 곳으로 정의하고</a:t>
+            </a:r>
+            <a:r>
+              <a:rPr lang="en-US" altLang="ko-KR" dirty="0"/>
+              <a:t>, </a:t>
+            </a:r>
+            <a:r>
+              <a:rPr lang="ko-KR" altLang="en-US" dirty="0"/>
+              <a:t>외출한 곳에서 이 곳이 차지하는 비율을 계산해보았다</a:t>
+            </a:r>
+            <a:r>
+              <a:rPr lang="en-US" altLang="ko-KR" dirty="0"/>
+              <a:t>.</a:t>
+            </a:r>
+          </a:p>
+        </p:txBody>
+      </p:sp>
+      <p:pic>
+        <p:nvPicPr>
+          <p:cNvPr id="9" name="Picture 10">
+            <a:extLst>
+              <a:ext uri="{FF2B5EF4-FFF2-40B4-BE49-F238E27FC236}">
+                <a16:creationId xmlns:a16="http://schemas.microsoft.com/office/drawing/2014/main" id="{4412FC46-4F5B-475A-BFF6-2E06E56C1C1E}"/>
+              </a:ext>
+            </a:extLst>
+          </p:cNvPr>
+          <p:cNvPicPr>
+            <a:picLocks noChangeAspect="1" noChangeArrowheads="1"/>
+          </p:cNvPicPr>
+          <p:nvPr/>
+        </p:nvPicPr>
+        <p:blipFill>
+          <a:blip r:embed="rId2">
+            <a:extLst>
+              <a:ext uri="{28A0092B-C50C-407E-A947-70E740481C1C}">
+                <a14:useLocalDpi xmlns:a14="http://schemas.microsoft.com/office/drawing/2010/main" val="0"/>
+              </a:ext>
+            </a:extLst>
+          </a:blip>
+          <a:srcRect/>
+          <a:stretch>
+            <a:fillRect/>
+          </a:stretch>
+        </p:blipFill>
+        <p:spPr bwMode="auto">
+          <a:xfrm>
+            <a:off x="3246477" y="3546717"/>
+            <a:ext cx="4389034" cy="3158247"/>
+          </a:xfrm>
+          <a:prstGeom prst="rect">
+            <a:avLst/>
+          </a:prstGeom>
+          <a:noFill/>
+          <a:extLst>
+            <a:ext uri="{909E8E84-426E-40DD-AFC4-6F175D3DCCD1}">
+              <a14:hiddenFill xmlns:a14="http://schemas.microsoft.com/office/drawing/2010/main">
+                <a:solidFill>
+                  <a:srgbClr val="FFFFFF"/>
+                </a:solidFill>
+              </a14:hiddenFill>
+            </a:ext>
+          </a:extLst>
+        </p:spPr>
+      </p:pic>
+    </p:spTree>
+    <p:extLst>
+      <p:ext uri="{BB962C8B-B14F-4D97-AF65-F5344CB8AC3E}">
+        <p14:creationId xmlns:p14="http://schemas.microsoft.com/office/powerpoint/2010/main" val="434288412"/>
+      </p:ext>
+    </p:extLst>
+  </p:cSld>
+  <p:clrMapOvr>
+    <a:masterClrMapping/>
+  </p:clrMapOvr>
+</p:sld>
+</file>
+
+<file path=ppt/slides/slide14.xml><?xml version="1.0" encoding="utf-8"?>
+<p:sld xmlns:a="http://schemas.openxmlformats.org/drawingml/2006/main" xmlns:r="http://schemas.openxmlformats.org/officeDocument/2006/relationships" xmlns:p="http://schemas.openxmlformats.org/presentationml/2006/main">
+  <p:cSld>
+    <p:spTree>
+      <p:nvGrpSpPr>
+        <p:cNvPr id="1" name=""/>
+        <p:cNvGrpSpPr/>
+        <p:nvPr/>
+      </p:nvGrpSpPr>
+      <p:grpSpPr>
+        <a:xfrm>
+          <a:off x="0" y="0"/>
+          <a:ext cx="0" cy="0"/>
+          <a:chOff x="0" y="0"/>
+          <a:chExt cx="0" cy="0"/>
+        </a:xfrm>
+      </p:grpSpPr>
+      <p:sp>
+        <p:nvSpPr>
+          <p:cNvPr id="2" name="제목 1">
+            <a:extLst>
+              <a:ext uri="{FF2B5EF4-FFF2-40B4-BE49-F238E27FC236}">
+                <a16:creationId xmlns:a16="http://schemas.microsoft.com/office/drawing/2014/main" id="{B148CC22-7BEE-428A-A7E1-1E6388DB5C93}"/>
+              </a:ext>
+            </a:extLst>
+          </p:cNvPr>
+          <p:cNvSpPr>
+            <a:spLocks noGrp="1"/>
+          </p:cNvSpPr>
+          <p:nvPr>
+            <p:ph type="title"/>
+          </p:nvPr>
+        </p:nvSpPr>
+        <p:spPr/>
+        <p:txBody>
+          <a:bodyPr>
+            <a:normAutofit fontScale="90000"/>
+          </a:bodyPr>
+          <a:lstStyle/>
+          <a:p>
+            <a:pPr>
+              <a:lnSpc>
+                <a:spcPct val="150000"/>
+              </a:lnSpc>
+            </a:pPr>
+            <a:r>
+              <a:rPr lang="en-US" altLang="ko-KR" dirty="0"/>
+              <a:t>1. 20</a:t>
+            </a:r>
+            <a:r>
+              <a:rPr lang="ko-KR" altLang="en-US" dirty="0"/>
+              <a:t>대는 불타는 청춘</a:t>
+            </a:r>
+            <a:r>
+              <a:rPr lang="en-US" altLang="ko-KR" dirty="0"/>
+              <a:t>. </a:t>
+            </a:r>
+            <a:br>
+              <a:rPr lang="en-US" altLang="ko-KR" dirty="0"/>
+            </a:br>
+            <a:r>
+              <a:rPr lang="ko-KR" altLang="en-US" dirty="0"/>
+              <a:t>외출을 많이 해서 그렇지 않을까</a:t>
+            </a:r>
+            <a:r>
+              <a:rPr lang="en-US" altLang="ko-KR" dirty="0"/>
+              <a:t>??</a:t>
+            </a:r>
+            <a:endParaRPr lang="ko-KR" altLang="en-US" dirty="0"/>
+          </a:p>
+        </p:txBody>
+      </p:sp>
+      <p:sp>
+        <p:nvSpPr>
+          <p:cNvPr id="3" name="TextBox 2">
+            <a:extLst>
+              <a:ext uri="{FF2B5EF4-FFF2-40B4-BE49-F238E27FC236}">
+                <a16:creationId xmlns:a16="http://schemas.microsoft.com/office/drawing/2014/main" id="{41EBE7FF-D261-4577-B0A2-BFCE149D07F0}"/>
+              </a:ext>
+            </a:extLst>
+          </p:cNvPr>
+          <p:cNvSpPr txBox="1"/>
+          <p:nvPr/>
+        </p:nvSpPr>
+        <p:spPr>
+          <a:xfrm>
+            <a:off x="977245" y="2144880"/>
+            <a:ext cx="10237510" cy="646331"/>
+          </a:xfrm>
+          <a:prstGeom prst="rect">
+            <a:avLst/>
+          </a:prstGeom>
+          <a:noFill/>
+        </p:spPr>
+        <p:txBody>
+          <a:bodyPr wrap="square" rtlCol="0">
+            <a:spAutoFit/>
+          </a:bodyPr>
+          <a:lstStyle/>
+          <a:p>
+            <a:r>
+              <a:rPr lang="ko-KR" altLang="en-US" dirty="0"/>
+              <a:t>다른 계층에 비해 마스크를 실내에서 쓰지 않는 곳의 비율이 </a:t>
+            </a:r>
+            <a:r>
+              <a:rPr lang="en-US" altLang="ko-KR" dirty="0"/>
+              <a:t>20</a:t>
+            </a:r>
+            <a:r>
+              <a:rPr lang="ko-KR" altLang="en-US" dirty="0"/>
+              <a:t>대가 높았고</a:t>
+            </a:r>
+            <a:r>
+              <a:rPr lang="en-US" altLang="ko-KR" dirty="0"/>
+              <a:t>,</a:t>
+            </a:r>
+          </a:p>
+          <a:p>
+            <a:r>
+              <a:rPr lang="ko-KR" altLang="en-US" dirty="0"/>
+              <a:t>이를 통해 두 번째 결론에 도달할 수 있었다</a:t>
+            </a:r>
+            <a:r>
+              <a:rPr lang="en-US" altLang="ko-KR" dirty="0"/>
+              <a:t>.</a:t>
+            </a:r>
+          </a:p>
+        </p:txBody>
+      </p:sp>
+      <p:sp>
+        <p:nvSpPr>
+          <p:cNvPr id="4" name="직사각형 3">
+            <a:extLst>
+              <a:ext uri="{FF2B5EF4-FFF2-40B4-BE49-F238E27FC236}">
+                <a16:creationId xmlns:a16="http://schemas.microsoft.com/office/drawing/2014/main" id="{FFC81EB3-B096-4587-8E2D-17D44BB080DE}"/>
+              </a:ext>
+            </a:extLst>
+          </p:cNvPr>
+          <p:cNvSpPr/>
+          <p:nvPr/>
+        </p:nvSpPr>
+        <p:spPr>
+          <a:xfrm>
+            <a:off x="838200" y="3009953"/>
+            <a:ext cx="9983771" cy="2061667"/>
+          </a:xfrm>
+          <a:prstGeom prst="rect">
+            <a:avLst/>
+          </a:prstGeom>
+        </p:spPr>
+        <p:style>
+          <a:lnRef idx="2">
+            <a:schemeClr val="accent1">
+              <a:shade val="50000"/>
+            </a:schemeClr>
+          </a:lnRef>
+          <a:fillRef idx="1">
+            <a:schemeClr val="accent1"/>
+          </a:fillRef>
+          <a:effectRef idx="0">
+            <a:schemeClr val="accent1"/>
+          </a:effectRef>
+          <a:fontRef idx="minor">
+            <a:schemeClr val="lt1"/>
+          </a:fontRef>
+        </p:style>
+        <p:txBody>
+          <a:bodyPr rtlCol="0" anchor="ctr"/>
+          <a:lstStyle/>
+          <a:p>
+            <a:pPr algn="ctr"/>
+            <a:r>
+              <a:rPr lang="ko-KR" altLang="en-US" sz="3200" dirty="0"/>
+              <a:t>두 번째 결론 </a:t>
+            </a:r>
+            <a:r>
+              <a:rPr lang="en-US" altLang="ko-KR" sz="3200" dirty="0"/>
+              <a:t>: 20</a:t>
+            </a:r>
+            <a:r>
+              <a:rPr lang="ko-KR" altLang="en-US" sz="3200" dirty="0"/>
+              <a:t>대는 실내에서 마스크를 착용하지 않는 곳에 외출을 많이 했고</a:t>
+            </a:r>
+            <a:r>
+              <a:rPr lang="en-US" altLang="ko-KR" sz="3200" dirty="0"/>
+              <a:t>, </a:t>
+            </a:r>
+            <a:r>
+              <a:rPr lang="ko-KR" altLang="en-US" sz="3200" dirty="0"/>
+              <a:t>감염의 위험이 높아졌다</a:t>
+            </a:r>
+            <a:r>
+              <a:rPr lang="en-US" altLang="ko-KR" sz="3200" dirty="0"/>
+              <a:t>.</a:t>
+            </a:r>
+          </a:p>
+        </p:txBody>
+      </p:sp>
+    </p:spTree>
+    <p:extLst>
+      <p:ext uri="{BB962C8B-B14F-4D97-AF65-F5344CB8AC3E}">
+        <p14:creationId xmlns:p14="http://schemas.microsoft.com/office/powerpoint/2010/main" val="1219664629"/>
+      </p:ext>
+    </p:extLst>
+  </p:cSld>
+  <p:clrMapOvr>
+    <a:masterClrMapping/>
+  </p:clrMapOvr>
+</p:sld>
+</file>
+
+<file path=ppt/slides/slide15.xml><?xml version="1.0" encoding="utf-8"?>
+<p:sld xmlns:a="http://schemas.openxmlformats.org/drawingml/2006/main" xmlns:r="http://schemas.openxmlformats.org/officeDocument/2006/relationships" xmlns:p="http://schemas.openxmlformats.org/presentationml/2006/main">
+  <p:cSld>
+    <p:spTree>
+      <p:nvGrpSpPr>
+        <p:cNvPr id="1" name=""/>
+        <p:cNvGrpSpPr/>
+        <p:nvPr/>
+      </p:nvGrpSpPr>
+      <p:grpSpPr>
+        <a:xfrm>
+          <a:off x="0" y="0"/>
+          <a:ext cx="0" cy="0"/>
+          <a:chOff x="0" y="0"/>
+          <a:chExt cx="0" cy="0"/>
+        </a:xfrm>
+      </p:grpSpPr>
+      <p:sp>
+        <p:nvSpPr>
+          <p:cNvPr id="5" name="직사각형 4">
+            <a:extLst>
+              <a:ext uri="{FF2B5EF4-FFF2-40B4-BE49-F238E27FC236}">
+                <a16:creationId xmlns:a16="http://schemas.microsoft.com/office/drawing/2014/main" id="{454D0E85-C097-45E5-807D-2F3FEEE4B0C7}"/>
+              </a:ext>
+            </a:extLst>
+          </p:cNvPr>
+          <p:cNvSpPr/>
+          <p:nvPr/>
+        </p:nvSpPr>
+        <p:spPr>
+          <a:xfrm>
+            <a:off x="838200" y="346435"/>
+            <a:ext cx="10143241" cy="2941163"/>
+          </a:xfrm>
+          <a:prstGeom prst="rect">
+            <a:avLst/>
+          </a:prstGeom>
+        </p:spPr>
+        <p:style>
+          <a:lnRef idx="2">
+            <a:schemeClr val="accent2">
+              <a:shade val="50000"/>
+            </a:schemeClr>
+          </a:lnRef>
+          <a:fillRef idx="1">
+            <a:schemeClr val="accent2"/>
+          </a:fillRef>
+          <a:effectRef idx="0">
+            <a:schemeClr val="accent2"/>
+          </a:effectRef>
+          <a:fontRef idx="minor">
+            <a:schemeClr val="lt1"/>
+          </a:fontRef>
+        </p:style>
+        <p:txBody>
+          <a:bodyPr rtlCol="0" anchor="ctr"/>
+          <a:lstStyle/>
+          <a:p>
+            <a:pPr algn="ctr"/>
+            <a:r>
+              <a:rPr lang="ko-KR" altLang="en-US" sz="3200" dirty="0"/>
+              <a:t>최종 결론 </a:t>
+            </a:r>
+            <a:r>
+              <a:rPr lang="en-US" altLang="ko-KR" sz="3200" dirty="0"/>
+              <a:t>: 20</a:t>
+            </a:r>
+            <a:r>
+              <a:rPr lang="ko-KR" altLang="en-US" sz="3200" dirty="0"/>
+              <a:t>대 전반의 문제 라기 보다는 소수의 슈퍼감염자들로 인한 감염이 많아 보인다</a:t>
+            </a:r>
+            <a:r>
+              <a:rPr lang="en-US" altLang="ko-KR" sz="3200" dirty="0"/>
+              <a:t>. </a:t>
+            </a:r>
+            <a:r>
+              <a:rPr lang="ko-KR" altLang="en-US" sz="3200" dirty="0"/>
+              <a:t>또한 이 감염은 </a:t>
+            </a:r>
+            <a:r>
+              <a:rPr lang="en-US" altLang="ko-KR" sz="3200" dirty="0"/>
+              <a:t>20</a:t>
+            </a:r>
+            <a:r>
+              <a:rPr lang="ko-KR" altLang="en-US" sz="3200" dirty="0"/>
+              <a:t>대들이 실내에서 마스크를 벗는 시설을 자주 이용해서 그렇다고 예상된다</a:t>
+            </a:r>
+            <a:r>
+              <a:rPr lang="en-US" altLang="ko-KR" sz="3200" dirty="0"/>
+              <a:t>.</a:t>
+            </a:r>
+            <a:r>
+              <a:rPr lang="ko-KR" altLang="en-US" sz="3200" dirty="0"/>
+              <a:t> </a:t>
+            </a:r>
+            <a:endParaRPr lang="en-US" altLang="ko-KR" sz="3200" dirty="0"/>
+          </a:p>
+        </p:txBody>
+      </p:sp>
+      <p:sp>
+        <p:nvSpPr>
+          <p:cNvPr id="6" name="직사각형 5">
+            <a:extLst>
+              <a:ext uri="{FF2B5EF4-FFF2-40B4-BE49-F238E27FC236}">
+                <a16:creationId xmlns:a16="http://schemas.microsoft.com/office/drawing/2014/main" id="{4EFD88A8-0108-4009-B9FB-CCFCCEE6E993}"/>
+              </a:ext>
+            </a:extLst>
+          </p:cNvPr>
+          <p:cNvSpPr/>
+          <p:nvPr/>
+        </p:nvSpPr>
+        <p:spPr>
+          <a:xfrm>
+            <a:off x="838200" y="3570403"/>
+            <a:ext cx="10143241" cy="2941163"/>
+          </a:xfrm>
+          <a:prstGeom prst="rect">
+            <a:avLst/>
+          </a:prstGeom>
+        </p:spPr>
+        <p:style>
+          <a:lnRef idx="2">
+            <a:schemeClr val="accent6">
+              <a:shade val="50000"/>
+            </a:schemeClr>
+          </a:lnRef>
+          <a:fillRef idx="1">
+            <a:schemeClr val="accent6"/>
+          </a:fillRef>
+          <a:effectRef idx="0">
+            <a:schemeClr val="accent6"/>
+          </a:effectRef>
+          <a:fontRef idx="minor">
+            <a:schemeClr val="lt1"/>
+          </a:fontRef>
+        </p:style>
+        <p:txBody>
+          <a:bodyPr rtlCol="0" anchor="ctr"/>
+          <a:lstStyle/>
+          <a:p>
+            <a:pPr algn="ctr"/>
+            <a:r>
+              <a:rPr lang="ko-KR" altLang="en-US" sz="3200" dirty="0"/>
+              <a:t>해결책 </a:t>
+            </a:r>
+            <a:r>
+              <a:rPr lang="en-US" altLang="ko-KR" sz="3200" dirty="0"/>
+              <a:t>: </a:t>
+            </a:r>
+            <a:r>
+              <a:rPr lang="ko-KR" altLang="en-US" sz="3200" dirty="0"/>
+              <a:t>실내에서 마스크를 벗는 시설은 최대한 자제를 정책적으로 하고 </a:t>
+            </a:r>
+            <a:r>
+              <a:rPr lang="en-US" altLang="ko-KR" sz="3200" dirty="0"/>
+              <a:t>(</a:t>
+            </a:r>
+            <a:r>
+              <a:rPr lang="ko-KR" altLang="en-US" sz="3200" dirty="0"/>
+              <a:t>현재 시행 중</a:t>
+            </a:r>
+            <a:r>
+              <a:rPr lang="en-US" altLang="ko-KR" sz="3200" dirty="0"/>
+              <a:t>), </a:t>
+            </a:r>
+            <a:r>
+              <a:rPr lang="ko-KR" altLang="en-US" sz="3200" dirty="0"/>
+              <a:t>시설 입장 시 </a:t>
+            </a:r>
+            <a:r>
+              <a:rPr lang="en-US" altLang="ko-KR" sz="3200" dirty="0"/>
+              <a:t>QR</a:t>
+            </a:r>
+            <a:r>
+              <a:rPr lang="ko-KR" altLang="en-US" sz="3200" dirty="0"/>
+              <a:t>코드를 필수로 입력하게 하고</a:t>
+            </a:r>
+            <a:r>
+              <a:rPr lang="en-US" altLang="ko-KR" sz="3200" dirty="0"/>
+              <a:t>, </a:t>
+            </a:r>
+            <a:r>
+              <a:rPr lang="ko-KR" altLang="en-US" sz="3200" dirty="0"/>
+              <a:t>일정 수준 이상의 외출 시엔 경고를 주는 식의 제재가 효과적일 것이라 생각한다</a:t>
+            </a:r>
+            <a:r>
+              <a:rPr lang="en-US" altLang="ko-KR" sz="3200" dirty="0"/>
+              <a:t>.</a:t>
+            </a:r>
+          </a:p>
+        </p:txBody>
+      </p:sp>
+    </p:spTree>
+    <p:extLst>
+      <p:ext uri="{BB962C8B-B14F-4D97-AF65-F5344CB8AC3E}">
+        <p14:creationId xmlns:p14="http://schemas.microsoft.com/office/powerpoint/2010/main" val="3229153092"/>
+      </p:ext>
+    </p:extLst>
+  </p:cSld>
+  <p:clrMapOvr>
+    <a:masterClrMapping/>
+  </p:clrMapOvr>
+</p:sld>
+</file>
+
+<file path=ppt/slides/slide2.xml><?xml version="1.0" encoding="utf-8"?>
+<p:sld xmlns:a="http://schemas.openxmlformats.org/drawingml/2006/main" xmlns:r="http://schemas.openxmlformats.org/officeDocument/2006/relationships" xmlns:p="http://schemas.openxmlformats.org/presentationml/2006/main">
+  <p:cSld>
+    <p:spTree>
+      <p:nvGrpSpPr>
+        <p:cNvPr id="1" name=""/>
+        <p:cNvGrpSpPr/>
+        <p:nvPr/>
+      </p:nvGrpSpPr>
+      <p:grpSpPr>
+        <a:xfrm>
+          <a:off x="0" y="0"/>
+          <a:ext cx="0" cy="0"/>
+          <a:chOff x="0" y="0"/>
+          <a:chExt cx="0" cy="0"/>
+        </a:xfrm>
+      </p:grpSpPr>
+      <p:sp>
+        <p:nvSpPr>
+          <p:cNvPr id="6" name="제목 1">
+            <a:extLst>
+              <a:ext uri="{FF2B5EF4-FFF2-40B4-BE49-F238E27FC236}">
+                <a16:creationId xmlns:a16="http://schemas.microsoft.com/office/drawing/2014/main" id="{8C6C5092-7898-4B0B-A235-35DDE929727C}"/>
+              </a:ext>
+            </a:extLst>
+          </p:cNvPr>
+          <p:cNvSpPr>
+            <a:spLocks noGrp="1"/>
+          </p:cNvSpPr>
+          <p:nvPr>
+            <p:ph type="title"/>
+          </p:nvPr>
+        </p:nvSpPr>
+        <p:spPr>
+          <a:xfrm>
+            <a:off x="838200" y="365126"/>
+            <a:ext cx="10515600" cy="879212"/>
+          </a:xfrm>
+        </p:spPr>
+        <p:txBody>
+          <a:bodyPr>
+            <a:normAutofit fontScale="90000"/>
+          </a:bodyPr>
+          <a:lstStyle/>
+          <a:p>
+            <a:pPr>
+              <a:lnSpc>
+                <a:spcPct val="150000"/>
+              </a:lnSpc>
+            </a:pPr>
+            <a:r>
+              <a:rPr lang="en-US" altLang="ko-KR" dirty="0"/>
+              <a:t>0. </a:t>
+            </a:r>
+            <a:r>
+              <a:rPr lang="ko-KR" altLang="en-US" dirty="0" err="1"/>
+              <a:t>인트로</a:t>
+            </a:r>
+            <a:r>
+              <a:rPr lang="ko-KR" altLang="en-US" dirty="0"/>
+              <a:t> </a:t>
+            </a:r>
+            <a:r>
+              <a:rPr lang="en-US" altLang="ko-KR" dirty="0"/>
+              <a:t>– </a:t>
+            </a:r>
+            <a:r>
+              <a:rPr lang="ko-KR" altLang="en-US" dirty="0"/>
+              <a:t>왜 </a:t>
+            </a:r>
+            <a:r>
+              <a:rPr lang="en-US" altLang="ko-KR" dirty="0"/>
+              <a:t>20</a:t>
+            </a:r>
+            <a:r>
+              <a:rPr lang="ko-KR" altLang="en-US" dirty="0"/>
+              <a:t>대에 주목했는가</a:t>
+            </a:r>
+            <a:r>
+              <a:rPr lang="en-US" altLang="ko-KR" dirty="0"/>
+              <a:t>?</a:t>
+            </a:r>
+            <a:endParaRPr lang="ko-KR" altLang="en-US" dirty="0"/>
+          </a:p>
+        </p:txBody>
+      </p:sp>
+      <p:pic>
+        <p:nvPicPr>
+          <p:cNvPr id="10" name="Picture 6">
+            <a:extLst>
+              <a:ext uri="{FF2B5EF4-FFF2-40B4-BE49-F238E27FC236}">
+                <a16:creationId xmlns:a16="http://schemas.microsoft.com/office/drawing/2014/main" id="{C156C4E2-BC6B-4C75-9FD6-698C3C0657FE}"/>
+              </a:ext>
+            </a:extLst>
+          </p:cNvPr>
+          <p:cNvPicPr>
+            <a:picLocks noChangeAspect="1" noChangeArrowheads="1"/>
+          </p:cNvPicPr>
+          <p:nvPr/>
+        </p:nvPicPr>
+        <p:blipFill>
+          <a:blip r:embed="rId2">
+            <a:extLst>
+              <a:ext uri="{28A0092B-C50C-407E-A947-70E740481C1C}">
+                <a14:useLocalDpi xmlns:a14="http://schemas.microsoft.com/office/drawing/2010/main" val="0"/>
+              </a:ext>
+            </a:extLst>
+          </a:blip>
+          <a:srcRect/>
+          <a:stretch>
+            <a:fillRect/>
+          </a:stretch>
+        </p:blipFill>
+        <p:spPr bwMode="auto">
+          <a:xfrm>
+            <a:off x="2534005" y="3064660"/>
+            <a:ext cx="6762750" cy="3352800"/>
+          </a:xfrm>
+          <a:prstGeom prst="rect">
+            <a:avLst/>
+          </a:prstGeom>
+          <a:noFill/>
+          <a:extLst>
+            <a:ext uri="{909E8E84-426E-40DD-AFC4-6F175D3DCCD1}">
+              <a14:hiddenFill xmlns:a14="http://schemas.microsoft.com/office/drawing/2010/main">
+                <a:solidFill>
+                  <a:srgbClr val="FFFFFF"/>
+                </a:solidFill>
+              </a14:hiddenFill>
+            </a:ext>
+          </a:extLst>
+        </p:spPr>
+      </p:pic>
+      <p:sp>
+        <p:nvSpPr>
+          <p:cNvPr id="12" name="TextBox 11">
+            <a:extLst>
+              <a:ext uri="{FF2B5EF4-FFF2-40B4-BE49-F238E27FC236}">
+                <a16:creationId xmlns:a16="http://schemas.microsoft.com/office/drawing/2014/main" id="{05282052-B492-4D38-B079-50630A0815B7}"/>
+              </a:ext>
+            </a:extLst>
+          </p:cNvPr>
+          <p:cNvSpPr txBox="1"/>
+          <p:nvPr/>
+        </p:nvSpPr>
+        <p:spPr>
+          <a:xfrm>
+            <a:off x="923827" y="1864331"/>
+            <a:ext cx="9964132" cy="923330"/>
+          </a:xfrm>
+          <a:prstGeom prst="rect">
+            <a:avLst/>
+          </a:prstGeom>
+          <a:noFill/>
+        </p:spPr>
+        <p:txBody>
+          <a:bodyPr wrap="square" rtlCol="0">
+            <a:spAutoFit/>
+          </a:bodyPr>
+          <a:lstStyle/>
+          <a:p>
+            <a:r>
+              <a:rPr lang="ko-KR" altLang="en-US" dirty="0" err="1"/>
+              <a:t>나이대</a:t>
+            </a:r>
+            <a:r>
+              <a:rPr lang="ko-KR" altLang="en-US" dirty="0"/>
+              <a:t> 별 인구 대비 </a:t>
+            </a:r>
+            <a:r>
+              <a:rPr lang="ko-KR" altLang="en-US" dirty="0" err="1"/>
+              <a:t>확진자</a:t>
+            </a:r>
+            <a:r>
+              <a:rPr lang="en-US" altLang="ko-KR" dirty="0"/>
+              <a:t>, </a:t>
+            </a:r>
+            <a:r>
+              <a:rPr lang="ko-KR" altLang="en-US" dirty="0"/>
+              <a:t>사망자</a:t>
+            </a:r>
+            <a:r>
+              <a:rPr lang="en-US" altLang="ko-KR" dirty="0"/>
+              <a:t>, </a:t>
+            </a:r>
+            <a:r>
+              <a:rPr lang="ko-KR" altLang="en-US" dirty="0"/>
+              <a:t>나이별 </a:t>
+            </a:r>
+            <a:r>
+              <a:rPr lang="ko-KR" altLang="en-US" dirty="0" err="1"/>
+              <a:t>확진자</a:t>
+            </a:r>
+            <a:r>
+              <a:rPr lang="ko-KR" altLang="en-US" dirty="0"/>
+              <a:t> 대비 사망자의 비율을 비교해봤을 때</a:t>
+            </a:r>
+            <a:r>
+              <a:rPr lang="en-US" altLang="ko-KR" dirty="0"/>
+              <a:t>,</a:t>
+            </a:r>
+          </a:p>
+          <a:p>
+            <a:r>
+              <a:rPr lang="ko-KR" altLang="en-US" dirty="0"/>
+              <a:t>눈에 띄는 한 수치</a:t>
+            </a:r>
+            <a:r>
+              <a:rPr lang="en-US" altLang="ko-KR" dirty="0"/>
+              <a:t>.</a:t>
+            </a:r>
+          </a:p>
+          <a:p>
+            <a:r>
+              <a:rPr lang="ko-KR" altLang="en-US" dirty="0"/>
+              <a:t>왜 </a:t>
+            </a:r>
+            <a:r>
+              <a:rPr lang="en-US" altLang="ko-KR" dirty="0"/>
+              <a:t>20</a:t>
+            </a:r>
+            <a:r>
+              <a:rPr lang="ko-KR" altLang="en-US" dirty="0"/>
+              <a:t>대의 인구대비 </a:t>
+            </a:r>
+            <a:r>
+              <a:rPr lang="ko-KR" altLang="en-US" dirty="0" err="1"/>
+              <a:t>확진자</a:t>
+            </a:r>
+            <a:r>
+              <a:rPr lang="ko-KR" altLang="en-US" dirty="0"/>
+              <a:t> 수가 많을까</a:t>
+            </a:r>
+            <a:r>
+              <a:rPr lang="en-US" altLang="ko-KR" dirty="0"/>
+              <a:t>?</a:t>
+            </a:r>
+          </a:p>
+        </p:txBody>
+      </p:sp>
+    </p:spTree>
+    <p:extLst>
+      <p:ext uri="{BB962C8B-B14F-4D97-AF65-F5344CB8AC3E}">
+        <p14:creationId xmlns:p14="http://schemas.microsoft.com/office/powerpoint/2010/main" val="879370990"/>
+      </p:ext>
+    </p:extLst>
+  </p:cSld>
+  <p:clrMapOvr>
+    <a:masterClrMapping/>
+  </p:clrMapOvr>
+</p:sld>
+</file>
+
+<file path=ppt/slides/slide3.xml><?xml version="1.0" encoding="utf-8"?>
+<p:sld xmlns:a="http://schemas.openxmlformats.org/drawingml/2006/main" xmlns:r="http://schemas.openxmlformats.org/officeDocument/2006/relationships" xmlns:p="http://schemas.openxmlformats.org/presentationml/2006/main">
+  <p:cSld>
+    <p:spTree>
+      <p:nvGrpSpPr>
+        <p:cNvPr id="1" name=""/>
+        <p:cNvGrpSpPr/>
+        <p:nvPr/>
+      </p:nvGrpSpPr>
+      <p:grpSpPr>
+        <a:xfrm>
+          <a:off x="0" y="0"/>
+          <a:ext cx="0" cy="0"/>
+          <a:chOff x="0" y="0"/>
+          <a:chExt cx="0" cy="0"/>
+        </a:xfrm>
+      </p:grpSpPr>
+      <p:sp>
+        <p:nvSpPr>
+          <p:cNvPr id="2" name="제목 1">
+            <a:extLst>
+              <a:ext uri="{FF2B5EF4-FFF2-40B4-BE49-F238E27FC236}">
+                <a16:creationId xmlns:a16="http://schemas.microsoft.com/office/drawing/2014/main" id="{B148CC22-7BEE-428A-A7E1-1E6388DB5C93}"/>
+              </a:ext>
+            </a:extLst>
+          </p:cNvPr>
+          <p:cNvSpPr>
+            <a:spLocks noGrp="1"/>
+          </p:cNvSpPr>
+          <p:nvPr>
+            <p:ph type="title"/>
+          </p:nvPr>
+        </p:nvSpPr>
+        <p:spPr/>
+        <p:txBody>
+          <a:bodyPr>
+            <a:normAutofit fontScale="90000"/>
+          </a:bodyPr>
+          <a:lstStyle/>
+          <a:p>
+            <a:pPr>
+              <a:lnSpc>
+                <a:spcPct val="150000"/>
+              </a:lnSpc>
+            </a:pPr>
+            <a:r>
+              <a:rPr lang="en-US" altLang="ko-KR" dirty="0"/>
+              <a:t>1. 20</a:t>
+            </a:r>
+            <a:r>
+              <a:rPr lang="ko-KR" altLang="en-US" dirty="0"/>
+              <a:t>대는 불타는 청춘</a:t>
+            </a:r>
+            <a:r>
+              <a:rPr lang="en-US" altLang="ko-KR" dirty="0"/>
+              <a:t>. </a:t>
+            </a:r>
+            <a:br>
+              <a:rPr lang="en-US" altLang="ko-KR" dirty="0"/>
+            </a:br>
+            <a:r>
+              <a:rPr lang="ko-KR" altLang="en-US" dirty="0"/>
+              <a:t>외출을 많이 해서 그렇지 않을까</a:t>
+            </a:r>
+            <a:r>
+              <a:rPr lang="en-US" altLang="ko-KR" dirty="0"/>
+              <a:t>??</a:t>
+            </a:r>
+            <a:endParaRPr lang="ko-KR" altLang="en-US" dirty="0"/>
+          </a:p>
+        </p:txBody>
+      </p:sp>
+      <p:sp>
+        <p:nvSpPr>
+          <p:cNvPr id="4" name="TextBox 3">
+            <a:extLst>
+              <a:ext uri="{FF2B5EF4-FFF2-40B4-BE49-F238E27FC236}">
+                <a16:creationId xmlns:a16="http://schemas.microsoft.com/office/drawing/2014/main" id="{407B04E7-01F8-4EFB-BF9D-371BCD9A3A6D}"/>
+              </a:ext>
+            </a:extLst>
+          </p:cNvPr>
+          <p:cNvSpPr txBox="1"/>
+          <p:nvPr/>
+        </p:nvSpPr>
+        <p:spPr>
+          <a:xfrm>
+            <a:off x="923827" y="2348584"/>
+            <a:ext cx="9964132" cy="1200329"/>
+          </a:xfrm>
+          <a:prstGeom prst="rect">
+            <a:avLst/>
+          </a:prstGeom>
+          <a:noFill/>
+        </p:spPr>
+        <p:txBody>
+          <a:bodyPr wrap="square" rtlCol="0">
+            <a:spAutoFit/>
+          </a:bodyPr>
+          <a:lstStyle/>
+          <a:p>
+            <a:r>
+              <a:rPr lang="en-US" altLang="ko-KR" dirty="0"/>
+              <a:t>[work_out_20s] </a:t>
+            </a:r>
+            <a:r>
+              <a:rPr lang="ko-KR" altLang="en-US" dirty="0"/>
+              <a:t>에 따르면 </a:t>
+            </a:r>
+            <a:r>
+              <a:rPr lang="en-US" altLang="ko-KR" dirty="0"/>
+              <a:t>20</a:t>
+            </a:r>
+            <a:r>
+              <a:rPr lang="ko-KR" altLang="en-US" dirty="0"/>
+              <a:t>대의 절대적인 </a:t>
+            </a:r>
+            <a:r>
+              <a:rPr lang="ko-KR" altLang="en-US" dirty="0" err="1"/>
+              <a:t>외출량은</a:t>
+            </a:r>
+            <a:r>
+              <a:rPr lang="ko-KR" altLang="en-US" dirty="0"/>
+              <a:t> 많았다</a:t>
+            </a:r>
+            <a:r>
+              <a:rPr lang="en-US" altLang="ko-KR" dirty="0"/>
+              <a:t>. (PatientRoute.csv) </a:t>
+            </a:r>
+          </a:p>
+          <a:p>
+            <a:r>
+              <a:rPr lang="ko-KR" altLang="en-US" dirty="0"/>
+              <a:t>다른 계층에 비해 월등한 </a:t>
+            </a:r>
+            <a:r>
+              <a:rPr lang="ko-KR" altLang="en-US" dirty="0" err="1"/>
+              <a:t>외출량을</a:t>
+            </a:r>
+            <a:r>
+              <a:rPr lang="ko-KR" altLang="en-US" dirty="0"/>
+              <a:t> 보였는데</a:t>
+            </a:r>
+            <a:r>
+              <a:rPr lang="en-US" altLang="ko-KR" dirty="0"/>
+              <a:t>, </a:t>
+            </a:r>
+            <a:r>
+              <a:rPr lang="ko-KR" altLang="en-US" dirty="0"/>
+              <a:t>우리가 알고 있다시피 </a:t>
+            </a:r>
+            <a:r>
+              <a:rPr lang="en-US" altLang="ko-KR" dirty="0"/>
+              <a:t>20</a:t>
+            </a:r>
+            <a:r>
+              <a:rPr lang="ko-KR" altLang="en-US" dirty="0"/>
+              <a:t>대의 </a:t>
+            </a:r>
+            <a:r>
+              <a:rPr lang="ko-KR" altLang="en-US" dirty="0" err="1"/>
+              <a:t>확진자의</a:t>
+            </a:r>
+            <a:r>
+              <a:rPr lang="ko-KR" altLang="en-US" dirty="0"/>
+              <a:t> 수는 다른 나이대에 비해 많다</a:t>
+            </a:r>
+            <a:r>
+              <a:rPr lang="en-US" altLang="ko-KR" dirty="0"/>
+              <a:t>.</a:t>
+            </a:r>
+          </a:p>
+          <a:p>
+            <a:endParaRPr lang="en-US" altLang="ko-KR" dirty="0"/>
+          </a:p>
+        </p:txBody>
+      </p:sp>
+      <p:pic>
+        <p:nvPicPr>
+          <p:cNvPr id="3" name="Picture 2">
+            <a:extLst>
+              <a:ext uri="{FF2B5EF4-FFF2-40B4-BE49-F238E27FC236}">
+                <a16:creationId xmlns:a16="http://schemas.microsoft.com/office/drawing/2014/main" id="{3DEE9642-EBD5-4BA6-ACAD-FE3923E7C4F9}"/>
+              </a:ext>
+            </a:extLst>
+          </p:cNvPr>
+          <p:cNvPicPr>
+            <a:picLocks noChangeAspect="1" noChangeArrowheads="1"/>
+          </p:cNvPicPr>
+          <p:nvPr/>
+        </p:nvPicPr>
+        <p:blipFill>
+          <a:blip r:embed="rId2">
+            <a:extLst>
+              <a:ext uri="{28A0092B-C50C-407E-A947-70E740481C1C}">
+                <a14:useLocalDpi xmlns:a14="http://schemas.microsoft.com/office/drawing/2010/main" val="0"/>
+              </a:ext>
+            </a:extLst>
+          </a:blip>
+          <a:srcRect/>
+          <a:stretch>
+            <a:fillRect/>
+          </a:stretch>
+        </p:blipFill>
+        <p:spPr bwMode="auto">
+          <a:xfrm>
+            <a:off x="1559032" y="3651298"/>
+            <a:ext cx="3629025" cy="2724150"/>
+          </a:xfrm>
+          <a:prstGeom prst="rect">
+            <a:avLst/>
+          </a:prstGeom>
+          <a:noFill/>
+          <a:extLst>
+            <a:ext uri="{909E8E84-426E-40DD-AFC4-6F175D3DCCD1}">
+              <a14:hiddenFill xmlns:a14="http://schemas.microsoft.com/office/drawing/2010/main">
+                <a:solidFill>
+                  <a:srgbClr val="FFFFFF"/>
+                </a:solidFill>
+              </a14:hiddenFill>
+            </a:ext>
+          </a:extLst>
+        </p:spPr>
+      </p:pic>
+      <p:sp>
+        <p:nvSpPr>
+          <p:cNvPr id="9" name="TextBox 8">
+            <a:extLst>
+              <a:ext uri="{FF2B5EF4-FFF2-40B4-BE49-F238E27FC236}">
+                <a16:creationId xmlns:a16="http://schemas.microsoft.com/office/drawing/2014/main" id="{00946E6F-D73B-45D2-82C4-BC4B0EAA905F}"/>
+              </a:ext>
+            </a:extLst>
+          </p:cNvPr>
+          <p:cNvSpPr txBox="1"/>
+          <p:nvPr/>
+        </p:nvSpPr>
+        <p:spPr>
+          <a:xfrm>
+            <a:off x="1799268" y="6375448"/>
+            <a:ext cx="3148552" cy="369332"/>
+          </a:xfrm>
+          <a:prstGeom prst="rect">
+            <a:avLst/>
+          </a:prstGeom>
+          <a:noFill/>
+        </p:spPr>
+        <p:txBody>
+          <a:bodyPr wrap="square" rtlCol="0">
+            <a:spAutoFit/>
+          </a:bodyPr>
+          <a:lstStyle/>
+          <a:p>
+            <a:r>
+              <a:rPr lang="ko-KR" altLang="en-US" dirty="0"/>
+              <a:t>각 계층별 </a:t>
+            </a:r>
+            <a:r>
+              <a:rPr lang="ko-KR" altLang="en-US" dirty="0" err="1"/>
+              <a:t>확진자의</a:t>
+            </a:r>
+            <a:r>
+              <a:rPr lang="ko-KR" altLang="en-US" dirty="0"/>
+              <a:t> </a:t>
+            </a:r>
+            <a:r>
+              <a:rPr lang="ko-KR" altLang="en-US" dirty="0" err="1"/>
+              <a:t>외출량</a:t>
+            </a:r>
+            <a:endParaRPr lang="en-US" altLang="ko-KR" dirty="0"/>
+          </a:p>
+        </p:txBody>
+      </p:sp>
+      <p:pic>
+        <p:nvPicPr>
+          <p:cNvPr id="11" name="Picture 2">
+            <a:extLst>
+              <a:ext uri="{FF2B5EF4-FFF2-40B4-BE49-F238E27FC236}">
+                <a16:creationId xmlns:a16="http://schemas.microsoft.com/office/drawing/2014/main" id="{8980F8C1-D699-47BE-B7A5-3A6D94969945}"/>
+              </a:ext>
+            </a:extLst>
+          </p:cNvPr>
+          <p:cNvPicPr>
+            <a:picLocks noChangeAspect="1" noChangeArrowheads="1"/>
+          </p:cNvPicPr>
+          <p:nvPr/>
+        </p:nvPicPr>
+        <p:blipFill>
+          <a:blip r:embed="rId3">
+            <a:extLst>
+              <a:ext uri="{28A0092B-C50C-407E-A947-70E740481C1C}">
+                <a14:useLocalDpi xmlns:a14="http://schemas.microsoft.com/office/drawing/2010/main" val="0"/>
+              </a:ext>
+            </a:extLst>
+          </a:blip>
+          <a:srcRect/>
+          <a:stretch>
+            <a:fillRect/>
+          </a:stretch>
+        </p:blipFill>
+        <p:spPr bwMode="auto">
+          <a:xfrm>
+            <a:off x="7003944" y="3548913"/>
+            <a:ext cx="3884015" cy="2826535"/>
+          </a:xfrm>
+          <a:prstGeom prst="rect">
+            <a:avLst/>
+          </a:prstGeom>
+          <a:noFill/>
+          <a:extLst>
+            <a:ext uri="{909E8E84-426E-40DD-AFC4-6F175D3DCCD1}">
+              <a14:hiddenFill xmlns:a14="http://schemas.microsoft.com/office/drawing/2010/main">
+                <a:solidFill>
+                  <a:srgbClr val="FFFFFF"/>
+                </a:solidFill>
+              </a14:hiddenFill>
+            </a:ext>
+          </a:extLst>
+        </p:spPr>
+      </p:pic>
+      <p:sp>
+        <p:nvSpPr>
+          <p:cNvPr id="12" name="TextBox 11">
+            <a:extLst>
+              <a:ext uri="{FF2B5EF4-FFF2-40B4-BE49-F238E27FC236}">
+                <a16:creationId xmlns:a16="http://schemas.microsoft.com/office/drawing/2014/main" id="{A3C303C2-8273-4C2C-848A-AB9BBC106D8A}"/>
+              </a:ext>
+            </a:extLst>
+          </p:cNvPr>
+          <p:cNvSpPr txBox="1"/>
+          <p:nvPr/>
+        </p:nvSpPr>
+        <p:spPr>
+          <a:xfrm>
+            <a:off x="7061024" y="6375448"/>
+            <a:ext cx="3966913" cy="369332"/>
+          </a:xfrm>
+          <a:prstGeom prst="rect">
+            <a:avLst/>
+          </a:prstGeom>
+          <a:noFill/>
+        </p:spPr>
+        <p:txBody>
+          <a:bodyPr wrap="square" rtlCol="0">
+            <a:spAutoFit/>
+          </a:bodyPr>
+          <a:lstStyle/>
+          <a:p>
+            <a:r>
+              <a:rPr lang="en-US" altLang="ko-KR" dirty="0"/>
+              <a:t>20</a:t>
+            </a:r>
+            <a:r>
+              <a:rPr lang="ko-KR" altLang="en-US" dirty="0"/>
+              <a:t>대의 </a:t>
+            </a:r>
+            <a:r>
+              <a:rPr lang="ko-KR" altLang="en-US" dirty="0" err="1"/>
+              <a:t>확진자</a:t>
+            </a:r>
+            <a:r>
+              <a:rPr lang="ko-KR" altLang="en-US" dirty="0"/>
+              <a:t> 수가 절대적으로 많다</a:t>
+            </a:r>
+            <a:r>
+              <a:rPr lang="en-US" altLang="ko-KR" dirty="0"/>
+              <a:t>.</a:t>
+            </a:r>
+          </a:p>
+        </p:txBody>
+      </p:sp>
+    </p:spTree>
+    <p:extLst>
+      <p:ext uri="{BB962C8B-B14F-4D97-AF65-F5344CB8AC3E}">
+        <p14:creationId xmlns:p14="http://schemas.microsoft.com/office/powerpoint/2010/main" val="1899479455"/>
+      </p:ext>
+    </p:extLst>
+  </p:cSld>
+  <p:clrMapOvr>
+    <a:masterClrMapping/>
+  </p:clrMapOvr>
+</p:sld>
+</file>
+
+<file path=ppt/slides/slide4.xml><?xml version="1.0" encoding="utf-8"?>
+<p:sld xmlns:a="http://schemas.openxmlformats.org/drawingml/2006/main" xmlns:r="http://schemas.openxmlformats.org/officeDocument/2006/relationships" xmlns:p="http://schemas.openxmlformats.org/presentationml/2006/main">
+  <p:cSld>
+    <p:spTree>
+      <p:nvGrpSpPr>
+        <p:cNvPr id="1" name=""/>
+        <p:cNvGrpSpPr/>
+        <p:nvPr/>
+      </p:nvGrpSpPr>
+      <p:grpSpPr>
+        <a:xfrm>
+          <a:off x="0" y="0"/>
+          <a:ext cx="0" cy="0"/>
+          <a:chOff x="0" y="0"/>
+          <a:chExt cx="0" cy="0"/>
+        </a:xfrm>
+      </p:grpSpPr>
+      <p:sp>
+        <p:nvSpPr>
+          <p:cNvPr id="2" name="제목 1">
+            <a:extLst>
+              <a:ext uri="{FF2B5EF4-FFF2-40B4-BE49-F238E27FC236}">
+                <a16:creationId xmlns:a16="http://schemas.microsoft.com/office/drawing/2014/main" id="{B148CC22-7BEE-428A-A7E1-1E6388DB5C93}"/>
+              </a:ext>
+            </a:extLst>
+          </p:cNvPr>
+          <p:cNvSpPr>
+            <a:spLocks noGrp="1"/>
+          </p:cNvSpPr>
+          <p:nvPr>
+            <p:ph type="title"/>
+          </p:nvPr>
+        </p:nvSpPr>
+        <p:spPr/>
+        <p:txBody>
+          <a:bodyPr>
+            <a:normAutofit fontScale="90000"/>
+          </a:bodyPr>
+          <a:lstStyle/>
+          <a:p>
+            <a:pPr>
+              <a:lnSpc>
+                <a:spcPct val="150000"/>
+              </a:lnSpc>
+            </a:pPr>
+            <a:r>
+              <a:rPr lang="en-US" altLang="ko-KR" dirty="0"/>
+              <a:t>1. 20</a:t>
+            </a:r>
+            <a:r>
+              <a:rPr lang="ko-KR" altLang="en-US" dirty="0"/>
+              <a:t>대는 불타는 청춘</a:t>
+            </a:r>
+            <a:r>
+              <a:rPr lang="en-US" altLang="ko-KR" dirty="0"/>
+              <a:t>. </a:t>
+            </a:r>
+            <a:br>
+              <a:rPr lang="en-US" altLang="ko-KR" dirty="0"/>
+            </a:br>
+            <a:r>
+              <a:rPr lang="ko-KR" altLang="en-US" dirty="0"/>
+              <a:t>외출을 많이 해서 그렇지 않을까</a:t>
+            </a:r>
+            <a:r>
+              <a:rPr lang="en-US" altLang="ko-KR" dirty="0"/>
+              <a:t>??</a:t>
+            </a:r>
+            <a:endParaRPr lang="ko-KR" altLang="en-US" dirty="0"/>
+          </a:p>
+        </p:txBody>
+      </p:sp>
+      <p:sp>
+        <p:nvSpPr>
+          <p:cNvPr id="4" name="TextBox 3">
+            <a:extLst>
+              <a:ext uri="{FF2B5EF4-FFF2-40B4-BE49-F238E27FC236}">
+                <a16:creationId xmlns:a16="http://schemas.microsoft.com/office/drawing/2014/main" id="{407B04E7-01F8-4EFB-BF9D-371BCD9A3A6D}"/>
+              </a:ext>
+            </a:extLst>
+          </p:cNvPr>
+          <p:cNvSpPr txBox="1"/>
+          <p:nvPr/>
+        </p:nvSpPr>
+        <p:spPr>
+          <a:xfrm>
+            <a:off x="923827" y="2450969"/>
+            <a:ext cx="9964132" cy="923330"/>
+          </a:xfrm>
+          <a:prstGeom prst="rect">
+            <a:avLst/>
+          </a:prstGeom>
+          <a:noFill/>
+        </p:spPr>
+        <p:txBody>
+          <a:bodyPr wrap="square" rtlCol="0">
+            <a:spAutoFit/>
+          </a:bodyPr>
+          <a:lstStyle/>
+          <a:p>
+            <a:r>
+              <a:rPr lang="ko-KR" altLang="en-US" dirty="0"/>
+              <a:t>그러므로 절대적인 양 보다는 </a:t>
+            </a:r>
+            <a:r>
+              <a:rPr lang="ko-KR" altLang="en-US" dirty="0" err="1"/>
+              <a:t>확진자</a:t>
+            </a:r>
+            <a:r>
+              <a:rPr lang="ko-KR" altLang="en-US" dirty="0"/>
+              <a:t> 수에 따른 비율에 주목해야한다고 느꼈다</a:t>
+            </a:r>
+            <a:r>
+              <a:rPr lang="en-US" altLang="ko-KR" dirty="0"/>
+              <a:t>.</a:t>
+            </a:r>
+          </a:p>
+          <a:p>
+            <a:r>
+              <a:rPr lang="ko-KR" altLang="en-US" dirty="0"/>
+              <a:t>그 결과 </a:t>
+            </a:r>
+            <a:r>
+              <a:rPr lang="en-US" altLang="ko-KR" dirty="0"/>
+              <a:t>20</a:t>
+            </a:r>
+            <a:r>
+              <a:rPr lang="ko-KR" altLang="en-US" dirty="0"/>
+              <a:t>대 </a:t>
+            </a:r>
+            <a:r>
+              <a:rPr lang="ko-KR" altLang="en-US" dirty="0" err="1"/>
+              <a:t>확진자의</a:t>
+            </a:r>
+            <a:r>
+              <a:rPr lang="ko-KR" altLang="en-US" dirty="0"/>
+              <a:t> 평균 </a:t>
+            </a:r>
+            <a:r>
+              <a:rPr lang="ko-KR" altLang="en-US" dirty="0" err="1"/>
+              <a:t>외출량은</a:t>
+            </a:r>
+            <a:r>
+              <a:rPr lang="ko-KR" altLang="en-US" dirty="0"/>
+              <a:t> </a:t>
+            </a:r>
+            <a:r>
+              <a:rPr lang="en-US" altLang="ko-KR" dirty="0"/>
+              <a:t>6</a:t>
+            </a:r>
+            <a:r>
+              <a:rPr lang="ko-KR" altLang="en-US" dirty="0"/>
+              <a:t>건으로</a:t>
+            </a:r>
+            <a:r>
+              <a:rPr lang="en-US" altLang="ko-KR" dirty="0"/>
+              <a:t>, 30 ~ 50 </a:t>
+            </a:r>
+            <a:r>
+              <a:rPr lang="ko-KR" altLang="en-US" dirty="0"/>
+              <a:t>대의 </a:t>
+            </a:r>
+            <a:r>
+              <a:rPr lang="ko-KR" altLang="en-US" dirty="0" err="1"/>
+              <a:t>확진자들과</a:t>
+            </a:r>
+            <a:r>
+              <a:rPr lang="ko-KR" altLang="en-US" dirty="0"/>
+              <a:t> 별반 차이가 없었다</a:t>
+            </a:r>
+            <a:r>
+              <a:rPr lang="en-US" altLang="ko-KR" dirty="0"/>
+              <a:t>.</a:t>
+            </a:r>
+          </a:p>
+          <a:p>
+            <a:endParaRPr lang="en-US" altLang="ko-KR" dirty="0"/>
+          </a:p>
+        </p:txBody>
+      </p:sp>
+      <p:pic>
+        <p:nvPicPr>
+          <p:cNvPr id="3" name="Picture 4">
+            <a:extLst>
+              <a:ext uri="{FF2B5EF4-FFF2-40B4-BE49-F238E27FC236}">
+                <a16:creationId xmlns:a16="http://schemas.microsoft.com/office/drawing/2014/main" id="{1637CECB-2C39-42A1-9940-D642B48D05C9}"/>
+              </a:ext>
+            </a:extLst>
+          </p:cNvPr>
+          <p:cNvPicPr>
+            <a:picLocks noChangeAspect="1" noChangeArrowheads="1"/>
+          </p:cNvPicPr>
+          <p:nvPr/>
+        </p:nvPicPr>
+        <p:blipFill>
+          <a:blip r:embed="rId2">
+            <a:extLst>
+              <a:ext uri="{28A0092B-C50C-407E-A947-70E740481C1C}">
+                <a14:useLocalDpi xmlns:a14="http://schemas.microsoft.com/office/drawing/2010/main" val="0"/>
+              </a:ext>
+            </a:extLst>
+          </a:blip>
+          <a:srcRect/>
+          <a:stretch>
+            <a:fillRect/>
+          </a:stretch>
+        </p:blipFill>
+        <p:spPr bwMode="auto">
+          <a:xfrm>
+            <a:off x="3848295" y="3429000"/>
+            <a:ext cx="3764120" cy="2828289"/>
+          </a:xfrm>
+          <a:prstGeom prst="rect">
+            <a:avLst/>
+          </a:prstGeom>
+          <a:noFill/>
+          <a:extLst>
+            <a:ext uri="{909E8E84-426E-40DD-AFC4-6F175D3DCCD1}">
+              <a14:hiddenFill xmlns:a14="http://schemas.microsoft.com/office/drawing/2010/main">
+                <a:solidFill>
+                  <a:srgbClr val="FFFFFF"/>
+                </a:solidFill>
+              </a14:hiddenFill>
+            </a:ext>
+          </a:extLst>
+        </p:spPr>
+      </p:pic>
+      <p:sp>
+        <p:nvSpPr>
+          <p:cNvPr id="7" name="TextBox 6">
+            <a:extLst>
+              <a:ext uri="{FF2B5EF4-FFF2-40B4-BE49-F238E27FC236}">
+                <a16:creationId xmlns:a16="http://schemas.microsoft.com/office/drawing/2014/main" id="{13911B03-A813-411C-B26B-5AC28760054A}"/>
+              </a:ext>
+            </a:extLst>
+          </p:cNvPr>
+          <p:cNvSpPr txBox="1"/>
+          <p:nvPr/>
+        </p:nvSpPr>
+        <p:spPr>
+          <a:xfrm>
+            <a:off x="3829740" y="6375448"/>
+            <a:ext cx="4532520" cy="369332"/>
+          </a:xfrm>
+          <a:prstGeom prst="rect">
+            <a:avLst/>
+          </a:prstGeom>
+          <a:noFill/>
+        </p:spPr>
+        <p:txBody>
+          <a:bodyPr wrap="square" rtlCol="0">
+            <a:spAutoFit/>
+          </a:bodyPr>
+          <a:lstStyle/>
+          <a:p>
+            <a:r>
+              <a:rPr lang="ko-KR" altLang="en-US" dirty="0"/>
+              <a:t>각 계층별 </a:t>
+            </a:r>
+            <a:r>
+              <a:rPr lang="ko-KR" altLang="en-US" dirty="0" err="1"/>
+              <a:t>확진자</a:t>
+            </a:r>
+            <a:r>
+              <a:rPr lang="ko-KR" altLang="en-US" dirty="0"/>
+              <a:t> </a:t>
+            </a:r>
+            <a:r>
+              <a:rPr lang="en-US" altLang="ko-KR" dirty="0"/>
+              <a:t>1</a:t>
+            </a:r>
+            <a:r>
+              <a:rPr lang="ko-KR" altLang="en-US" dirty="0"/>
+              <a:t>명당 평균 </a:t>
+            </a:r>
+            <a:r>
+              <a:rPr lang="ko-KR" altLang="en-US" dirty="0" err="1"/>
+              <a:t>외출량</a:t>
+            </a:r>
+            <a:endParaRPr lang="en-US" altLang="ko-KR" dirty="0"/>
+          </a:p>
+        </p:txBody>
+      </p:sp>
+    </p:spTree>
+    <p:extLst>
+      <p:ext uri="{BB962C8B-B14F-4D97-AF65-F5344CB8AC3E}">
+        <p14:creationId xmlns:p14="http://schemas.microsoft.com/office/powerpoint/2010/main" val="1063728826"/>
+      </p:ext>
+    </p:extLst>
+  </p:cSld>
+  <p:clrMapOvr>
+    <a:masterClrMapping/>
+  </p:clrMapOvr>
+</p:sld>
+</file>
+
+<file path=ppt/slides/slide5.xml><?xml version="1.0" encoding="utf-8"?>
+<p:sld xmlns:a="http://schemas.openxmlformats.org/drawingml/2006/main" xmlns:r="http://schemas.openxmlformats.org/officeDocument/2006/relationships" xmlns:p="http://schemas.openxmlformats.org/presentationml/2006/main">
+  <p:cSld>
+    <p:spTree>
+      <p:nvGrpSpPr>
+        <p:cNvPr id="1" name=""/>
+        <p:cNvGrpSpPr/>
+        <p:nvPr/>
+      </p:nvGrpSpPr>
+      <p:grpSpPr>
+        <a:xfrm>
+          <a:off x="0" y="0"/>
+          <a:ext cx="0" cy="0"/>
+          <a:chOff x="0" y="0"/>
+          <a:chExt cx="0" cy="0"/>
+        </a:xfrm>
+      </p:grpSpPr>
+      <p:sp>
+        <p:nvSpPr>
+          <p:cNvPr id="2" name="제목 1">
+            <a:extLst>
+              <a:ext uri="{FF2B5EF4-FFF2-40B4-BE49-F238E27FC236}">
+                <a16:creationId xmlns:a16="http://schemas.microsoft.com/office/drawing/2014/main" id="{409F1CDC-49B8-49F7-9173-F18AC7C17FCE}"/>
+              </a:ext>
+            </a:extLst>
+          </p:cNvPr>
+          <p:cNvSpPr>
+            <a:spLocks noGrp="1"/>
+          </p:cNvSpPr>
+          <p:nvPr>
+            <p:ph type="title"/>
+          </p:nvPr>
+        </p:nvSpPr>
+        <p:spPr>
+          <a:xfrm>
+            <a:off x="838200" y="2766218"/>
+            <a:ext cx="10515600" cy="1325563"/>
+          </a:xfrm>
+        </p:spPr>
+        <p:txBody>
+          <a:bodyPr>
+            <a:normAutofit fontScale="90000"/>
+          </a:bodyPr>
+          <a:lstStyle/>
+          <a:p>
+            <a:r>
+              <a:rPr lang="ko-KR" altLang="en-US" dirty="0"/>
+              <a:t>이를 뒷받침 해주는 결과로 네이버 검색어 추이를 중요사건 때 생각해봤을 때 다른 연령층에 비해 </a:t>
+            </a:r>
+            <a:r>
+              <a:rPr lang="en-US" altLang="ko-KR" dirty="0"/>
+              <a:t>20</a:t>
+            </a:r>
+            <a:r>
+              <a:rPr lang="ko-KR" altLang="en-US" dirty="0"/>
+              <a:t>대의 관심은 떨어지지 않았고</a:t>
+            </a:r>
+            <a:r>
+              <a:rPr lang="en-US" altLang="ko-KR" dirty="0"/>
+              <a:t>, </a:t>
+            </a:r>
+            <a:r>
+              <a:rPr lang="ko-KR" altLang="en-US" dirty="0"/>
+              <a:t>대부분의 </a:t>
+            </a:r>
+            <a:r>
+              <a:rPr lang="en-US" altLang="ko-KR" dirty="0"/>
+              <a:t>20</a:t>
+            </a:r>
+            <a:r>
+              <a:rPr lang="ko-KR" altLang="en-US" dirty="0"/>
+              <a:t>대는 코로나 상황에 관심을 가지고 있다</a:t>
+            </a:r>
+            <a:r>
+              <a:rPr lang="en-US" altLang="ko-KR" dirty="0"/>
+              <a:t>. =&gt; </a:t>
+            </a:r>
+            <a:r>
+              <a:rPr lang="ko-KR" altLang="en-US" dirty="0" err="1"/>
+              <a:t>주현님</a:t>
+            </a:r>
+            <a:r>
+              <a:rPr lang="ko-KR" altLang="en-US" dirty="0"/>
+              <a:t> 부분</a:t>
+            </a:r>
+          </a:p>
+        </p:txBody>
+      </p:sp>
+    </p:spTree>
+    <p:extLst>
+      <p:ext uri="{BB962C8B-B14F-4D97-AF65-F5344CB8AC3E}">
+        <p14:creationId xmlns:p14="http://schemas.microsoft.com/office/powerpoint/2010/main" val="402626737"/>
+      </p:ext>
+    </p:extLst>
+  </p:cSld>
+  <p:clrMapOvr>
+    <a:masterClrMapping/>
+  </p:clrMapOvr>
+</p:sld>
+</file>
+
+<file path=ppt/slides/slide6.xml><?xml version="1.0" encoding="utf-8"?>
+<p:sld xmlns:a="http://schemas.openxmlformats.org/drawingml/2006/main" xmlns:r="http://schemas.openxmlformats.org/officeDocument/2006/relationships" xmlns:p="http://schemas.openxmlformats.org/presentationml/2006/main">
+  <p:cSld>
+    <p:spTree>
+      <p:nvGrpSpPr>
+        <p:cNvPr id="1" name=""/>
+        <p:cNvGrpSpPr/>
+        <p:nvPr/>
+      </p:nvGrpSpPr>
+      <p:grpSpPr>
+        <a:xfrm>
+          <a:off x="0" y="0"/>
+          <a:ext cx="0" cy="0"/>
+          <a:chOff x="0" y="0"/>
+          <a:chExt cx="0" cy="0"/>
+        </a:xfrm>
+      </p:grpSpPr>
+      <p:sp>
+        <p:nvSpPr>
+          <p:cNvPr id="5" name="TextBox 4">
+            <a:extLst>
+              <a:ext uri="{FF2B5EF4-FFF2-40B4-BE49-F238E27FC236}">
+                <a16:creationId xmlns:a16="http://schemas.microsoft.com/office/drawing/2014/main" id="{43C6768B-A4CE-4FA0-B9F9-C7DB90F82BE4}"/>
+              </a:ext>
+            </a:extLst>
+          </p:cNvPr>
+          <p:cNvSpPr txBox="1"/>
+          <p:nvPr/>
+        </p:nvSpPr>
+        <p:spPr>
+          <a:xfrm>
+            <a:off x="1409142" y="1255312"/>
+            <a:ext cx="2988234" cy="4480726"/>
+          </a:xfrm>
+          <a:prstGeom prst="rect">
+            <a:avLst/>
+          </a:prstGeom>
+        </p:spPr>
+        <p:txBody>
+          <a:bodyPr rot="0" spcFirstLastPara="0" vertOverflow="overflow" horzOverflow="overflow" vert="horz" lIns="91440" tIns="45720" rIns="91440" bIns="45720" numCol="1" spcCol="0" rtlCol="0" fromWordArt="0" anchor="ctr" anchorCtr="0" forceAA="0" compatLnSpc="1">
+            <a:prstTxWarp prst="textNoShape">
+              <a:avLst/>
+            </a:prstTxWarp>
+            <a:normAutofit/>
+          </a:bodyPr>
+          <a:lstStyle/>
+          <a:p>
+            <a:pPr algn="r" latinLnBrk="0">
+              <a:lnSpc>
+                <a:spcPct val="90000"/>
+              </a:lnSpc>
+              <a:spcBef>
+                <a:spcPct val="0"/>
+              </a:spcBef>
+              <a:spcAft>
+                <a:spcPts val="600"/>
+              </a:spcAft>
+            </a:pPr>
+            <a:r>
+              <a:rPr lang="en-US" altLang="ko-KR" sz="4100" kern="1200" dirty="0">
+                <a:latin typeface="+mj-lt"/>
+                <a:ea typeface="맑은 고딕"/>
+                <a:cs typeface="+mj-cs"/>
+              </a:rPr>
+              <a:t>Q. 20</a:t>
+            </a:r>
+            <a:r>
+              <a:rPr lang="en-US" altLang="ko-KR" sz="4100" dirty="0">
+                <a:latin typeface="+mj-lt"/>
+                <a:ea typeface="맑은 고딕"/>
+                <a:cs typeface="+mj-cs"/>
+              </a:rPr>
+              <a:t>대의 </a:t>
+            </a:r>
+            <a:r>
+              <a:rPr lang="en-US" altLang="ko-KR" sz="4100" dirty="0" err="1">
+                <a:latin typeface="+mj-lt"/>
+                <a:ea typeface="맑은 고딕"/>
+                <a:cs typeface="+mj-cs"/>
+              </a:rPr>
+              <a:t>코로나</a:t>
+            </a:r>
+            <a:r>
+              <a:rPr lang="en-US" altLang="ko-KR" sz="4100" dirty="0">
+                <a:latin typeface="+mj-lt"/>
+                <a:ea typeface="맑은 고딕"/>
+                <a:cs typeface="+mj-cs"/>
+              </a:rPr>
+              <a:t> </a:t>
+            </a:r>
+            <a:r>
+              <a:rPr lang="en-US" altLang="ko-KR" sz="4100" dirty="0" err="1">
+                <a:latin typeface="+mj-lt"/>
+                <a:ea typeface="맑은 고딕"/>
+                <a:cs typeface="+mj-cs"/>
+              </a:rPr>
+              <a:t>상황에</a:t>
+            </a:r>
+            <a:r>
+              <a:rPr lang="en-US" altLang="ko-KR" sz="4100" dirty="0">
+                <a:latin typeface="+mj-lt"/>
+                <a:ea typeface="맑은 고딕"/>
+                <a:cs typeface="+mj-cs"/>
+              </a:rPr>
+              <a:t> </a:t>
+            </a:r>
+            <a:r>
+              <a:rPr lang="en-US" altLang="ko-KR" sz="4100" dirty="0" err="1">
+                <a:latin typeface="+mj-lt"/>
+                <a:ea typeface="맑은 고딕"/>
+                <a:cs typeface="+mj-cs"/>
+              </a:rPr>
+              <a:t>대한</a:t>
+            </a:r>
+            <a:r>
+              <a:rPr lang="en-US" altLang="ko-KR" sz="4100" dirty="0">
+                <a:latin typeface="+mj-lt"/>
+                <a:ea typeface="맑은 고딕"/>
+                <a:cs typeface="+mj-cs"/>
+              </a:rPr>
+              <a:t> </a:t>
+            </a:r>
+            <a:r>
+              <a:rPr lang="en-US" altLang="ko-KR" sz="4100" dirty="0" err="1">
+                <a:latin typeface="+mj-lt"/>
+                <a:ea typeface="맑은 고딕"/>
+                <a:cs typeface="+mj-cs"/>
+              </a:rPr>
+              <a:t>관심이</a:t>
+            </a:r>
+            <a:r>
+              <a:rPr lang="en-US" altLang="ko-KR" sz="4100" dirty="0">
+                <a:latin typeface="+mj-lt"/>
+                <a:ea typeface="맑은 고딕"/>
+                <a:cs typeface="+mj-cs"/>
+              </a:rPr>
+              <a:t> </a:t>
+            </a:r>
+            <a:r>
+              <a:rPr lang="en-US" altLang="ko-KR" sz="4100" dirty="0" err="1">
+                <a:latin typeface="+mj-lt"/>
+                <a:ea typeface="맑은 고딕"/>
+                <a:cs typeface="+mj-cs"/>
+              </a:rPr>
+              <a:t>정말</a:t>
+            </a:r>
+            <a:r>
+              <a:rPr lang="en-US" altLang="ko-KR" sz="4100" dirty="0">
+                <a:latin typeface="+mj-lt"/>
+                <a:ea typeface="맑은 고딕"/>
+                <a:cs typeface="+mj-cs"/>
+              </a:rPr>
+              <a:t> </a:t>
+            </a:r>
+            <a:r>
+              <a:rPr lang="en-US" altLang="ko-KR" sz="4100" dirty="0" err="1">
+                <a:latin typeface="+mj-lt"/>
+                <a:ea typeface="맑은 고딕"/>
+                <a:cs typeface="+mj-cs"/>
+              </a:rPr>
+              <a:t>낮았을까</a:t>
+            </a:r>
+            <a:r>
+              <a:rPr lang="en-US" altLang="ko-KR" sz="4100" dirty="0">
+                <a:latin typeface="+mj-lt"/>
+                <a:ea typeface="맑은 고딕"/>
+                <a:cs typeface="+mj-cs"/>
+              </a:rPr>
+              <a:t>?</a:t>
+            </a:r>
+            <a:endParaRPr lang="en-US" altLang="ko-KR" sz="4100" kern="1200" dirty="0">
+              <a:latin typeface="+mj-lt"/>
+              <a:ea typeface="맑은 고딕"/>
+              <a:cs typeface="+mj-cs"/>
+            </a:endParaRPr>
+          </a:p>
+        </p:txBody>
+      </p:sp>
+      <p:sp>
+        <p:nvSpPr>
+          <p:cNvPr id="7" name="TextBox 6">
+            <a:extLst>
+              <a:ext uri="{FF2B5EF4-FFF2-40B4-BE49-F238E27FC236}">
+                <a16:creationId xmlns:a16="http://schemas.microsoft.com/office/drawing/2014/main" id="{85063496-1C2A-4EB0-98DC-AEBBAE75E184}"/>
+              </a:ext>
+            </a:extLst>
+          </p:cNvPr>
+          <p:cNvSpPr txBox="1"/>
+          <p:nvPr/>
+        </p:nvSpPr>
+        <p:spPr>
+          <a:xfrm>
+            <a:off x="5588635" y="1715545"/>
+            <a:ext cx="4702848" cy="3560260"/>
+          </a:xfrm>
+          <a:prstGeom prst="rect">
+            <a:avLst/>
+          </a:prstGeom>
+        </p:spPr>
+        <p:txBody>
+          <a:bodyPr rot="0" spcFirstLastPara="0" vertOverflow="overflow" horzOverflow="overflow" vert="horz" lIns="91440" tIns="45720" rIns="91440" bIns="45720" numCol="1" spcCol="0" rtlCol="0" fromWordArt="0" anchor="ctr" anchorCtr="0" forceAA="0" compatLnSpc="1">
+            <a:prstTxWarp prst="textNoShape">
+              <a:avLst/>
+            </a:prstTxWarp>
+            <a:normAutofit/>
+          </a:bodyPr>
+          <a:lstStyle/>
+          <a:p>
+            <a:pPr indent="-228600" latinLnBrk="0">
+              <a:lnSpc>
+                <a:spcPct val="90000"/>
+              </a:lnSpc>
+              <a:spcAft>
+                <a:spcPts val="600"/>
+              </a:spcAft>
+              <a:buFont typeface="Arial" panose="020B0604020202020204" pitchFamily="34" charset="0"/>
+              <a:buChar char="•"/>
+            </a:pPr>
+            <a:r>
+              <a:rPr lang="ko-KR" altLang="en-US" dirty="0">
+                <a:ea typeface="맑은 고딕"/>
+              </a:rPr>
+              <a:t>네이버 </a:t>
+            </a:r>
+            <a:r>
+              <a:rPr lang="ko-KR" altLang="en-US" dirty="0" err="1">
+                <a:ea typeface="맑은 고딕"/>
+              </a:rPr>
+              <a:t>데이터랩의</a:t>
+            </a:r>
+            <a:r>
+              <a:rPr lang="en-US" altLang="ko-KR" dirty="0">
+                <a:ea typeface="맑은 고딕"/>
+              </a:rPr>
+              <a:t> </a:t>
+            </a:r>
+            <a:r>
+              <a:rPr lang="ko-KR" altLang="en-US" dirty="0">
+                <a:ea typeface="맑은 고딕"/>
+              </a:rPr>
+              <a:t>특정 기간별 검색어 트렌드 데이터를 통해 ‘사회적 거리두기’ 정책 시행에 따른 각 연령층의 코로나에 관한 관심도를 시각화 해보았다</a:t>
+            </a:r>
+            <a:r>
+              <a:rPr lang="en-US" altLang="ko-KR" dirty="0">
+                <a:ea typeface="맑은 고딕"/>
+              </a:rPr>
+              <a:t>.</a:t>
+            </a:r>
+          </a:p>
+          <a:p>
+            <a:pPr indent="-228600" latinLnBrk="0">
+              <a:lnSpc>
+                <a:spcPct val="90000"/>
+              </a:lnSpc>
+              <a:spcAft>
+                <a:spcPts val="600"/>
+              </a:spcAft>
+              <a:buFont typeface="Arial" panose="020B0604020202020204" pitchFamily="34" charset="0"/>
+              <a:buChar char="•"/>
+            </a:pPr>
+            <a:endParaRPr lang="en-US" altLang="ko-KR" dirty="0">
+              <a:ea typeface="맑은 고딕"/>
+            </a:endParaRPr>
+          </a:p>
+          <a:p>
+            <a:pPr indent="-228600" latinLnBrk="0">
+              <a:lnSpc>
+                <a:spcPct val="90000"/>
+              </a:lnSpc>
+              <a:spcAft>
+                <a:spcPts val="600"/>
+              </a:spcAft>
+              <a:buFont typeface="Arial" panose="020B0604020202020204" pitchFamily="34" charset="0"/>
+              <a:buChar char="•"/>
+            </a:pPr>
+            <a:r>
+              <a:rPr lang="ko-KR" altLang="en-US" dirty="0">
+                <a:ea typeface="맑은 고딕"/>
+              </a:rPr>
+              <a:t>검색어는 크게 코로나</a:t>
+            </a:r>
+            <a:r>
+              <a:rPr lang="en-US" altLang="ko-KR" dirty="0">
+                <a:ea typeface="맑은 고딕"/>
+              </a:rPr>
+              <a:t>(</a:t>
+            </a:r>
+            <a:r>
+              <a:rPr lang="ko-KR" altLang="en-US" dirty="0">
+                <a:ea typeface="맑은 고딕"/>
+              </a:rPr>
+              <a:t>하위 주제어 </a:t>
+            </a:r>
+            <a:r>
+              <a:rPr lang="en-US" altLang="ko-KR" dirty="0">
+                <a:ea typeface="맑은 고딕"/>
+              </a:rPr>
+              <a:t>: </a:t>
+            </a:r>
+            <a:r>
+              <a:rPr lang="ko-KR" altLang="en-US" dirty="0">
+                <a:ea typeface="맑은 고딕"/>
+              </a:rPr>
+              <a:t>코로나</a:t>
+            </a:r>
+            <a:r>
+              <a:rPr lang="en-US" altLang="ko-KR" dirty="0">
+                <a:ea typeface="맑은 고딕"/>
+              </a:rPr>
+              <a:t>19, </a:t>
+            </a:r>
+            <a:r>
+              <a:rPr lang="ko-KR" altLang="en-US" dirty="0" err="1">
+                <a:ea typeface="맑은 고딕"/>
+              </a:rPr>
+              <a:t>확진자</a:t>
+            </a:r>
+            <a:r>
+              <a:rPr lang="en-US" altLang="ko-KR" dirty="0">
+                <a:ea typeface="맑은 고딕"/>
+              </a:rPr>
+              <a:t>), </a:t>
+            </a:r>
+            <a:r>
+              <a:rPr lang="ko-KR" altLang="en-US" dirty="0">
+                <a:ea typeface="맑은 고딕"/>
+              </a:rPr>
+              <a:t>마스크</a:t>
+            </a:r>
+            <a:r>
+              <a:rPr lang="en-US" altLang="ko-KR" dirty="0">
+                <a:ea typeface="맑은 고딕"/>
+              </a:rPr>
+              <a:t>(</a:t>
+            </a:r>
+            <a:r>
+              <a:rPr lang="ko-KR" altLang="en-US" dirty="0">
+                <a:ea typeface="맑은 고딕"/>
+              </a:rPr>
+              <a:t>하위 주제어 </a:t>
+            </a:r>
+            <a:r>
+              <a:rPr lang="en-US" altLang="ko-KR" dirty="0">
+                <a:ea typeface="맑은 고딕"/>
+              </a:rPr>
+              <a:t>: </a:t>
+            </a:r>
+            <a:r>
+              <a:rPr lang="ko-KR" altLang="en-US" dirty="0">
+                <a:ea typeface="맑은 고딕"/>
+              </a:rPr>
+              <a:t>공적 마스크</a:t>
+            </a:r>
+            <a:r>
+              <a:rPr lang="en-US" altLang="ko-KR" dirty="0">
+                <a:ea typeface="맑은 고딕"/>
+              </a:rPr>
+              <a:t>, kf94), </a:t>
+            </a:r>
+            <a:r>
+              <a:rPr lang="ko-KR" altLang="en-US" dirty="0">
+                <a:ea typeface="맑은 고딕"/>
+              </a:rPr>
+              <a:t>사회적 거리두기</a:t>
+            </a:r>
+            <a:r>
+              <a:rPr lang="en-US" altLang="ko-KR" dirty="0">
+                <a:ea typeface="맑은 고딕"/>
+              </a:rPr>
+              <a:t>(</a:t>
+            </a:r>
+            <a:r>
+              <a:rPr lang="ko-KR" altLang="en-US" dirty="0">
+                <a:ea typeface="맑은 고딕"/>
+              </a:rPr>
+              <a:t>하위 주제어 </a:t>
+            </a:r>
+            <a:r>
+              <a:rPr lang="en-US" altLang="ko-KR" dirty="0">
+                <a:ea typeface="맑은 고딕"/>
+              </a:rPr>
+              <a:t>: </a:t>
+            </a:r>
+            <a:r>
+              <a:rPr lang="ko-KR" altLang="en-US" dirty="0">
+                <a:ea typeface="맑은 고딕"/>
+              </a:rPr>
+              <a:t>생활 속 거리두기</a:t>
+            </a:r>
+            <a:r>
+              <a:rPr lang="en-US" altLang="ko-KR" dirty="0">
+                <a:ea typeface="맑은 고딕"/>
+              </a:rPr>
+              <a:t>, </a:t>
+            </a:r>
+            <a:r>
+              <a:rPr lang="ko-KR" altLang="en-US" dirty="0">
+                <a:ea typeface="맑은 고딕"/>
+              </a:rPr>
+              <a:t>사회적 거리두기</a:t>
+            </a:r>
+            <a:r>
+              <a:rPr lang="en-US" altLang="ko-KR" dirty="0">
+                <a:ea typeface="맑은 고딕"/>
+              </a:rPr>
+              <a:t>)</a:t>
+            </a:r>
+            <a:r>
+              <a:rPr lang="ko-KR" altLang="en-US" dirty="0">
+                <a:ea typeface="맑은 고딕"/>
+              </a:rPr>
+              <a:t>의 </a:t>
+            </a:r>
+            <a:r>
+              <a:rPr lang="en-US" altLang="ko-KR" dirty="0">
+                <a:ea typeface="맑은 고딕"/>
+              </a:rPr>
+              <a:t>3</a:t>
+            </a:r>
+            <a:r>
+              <a:rPr lang="ko-KR" altLang="en-US" dirty="0">
+                <a:ea typeface="맑은 고딕"/>
+              </a:rPr>
+              <a:t>가지이며 사회적 거리두기 정책이 발표된 시점부터 종료된 시점까지의 연령대별 네이버 검색 데이터이다</a:t>
+            </a:r>
+            <a:r>
+              <a:rPr lang="en-US" altLang="ko-KR" dirty="0">
+                <a:ea typeface="맑은 고딕"/>
+              </a:rPr>
+              <a:t>.</a:t>
+            </a:r>
+            <a:br>
+              <a:rPr lang="en-US" altLang="ko-KR" sz="1500" dirty="0"/>
+            </a:br>
+            <a:endParaRPr lang="en-US" altLang="ko-KR" sz="1500" dirty="0">
+              <a:ea typeface="맑은 고딕"/>
+            </a:endParaRPr>
+          </a:p>
+        </p:txBody>
+      </p:sp>
+      <p:cxnSp>
+        <p:nvCxnSpPr>
+          <p:cNvPr id="8" name="직선 화살표 연결선 7">
+            <a:extLst>
+              <a:ext uri="{FF2B5EF4-FFF2-40B4-BE49-F238E27FC236}">
+                <a16:creationId xmlns:a16="http://schemas.microsoft.com/office/drawing/2014/main" id="{49E409D0-E4A9-4DA9-82B8-7123D97A2826}"/>
+              </a:ext>
+            </a:extLst>
+          </p:cNvPr>
+          <p:cNvCxnSpPr/>
+          <p:nvPr/>
+        </p:nvCxnSpPr>
+        <p:spPr>
+          <a:xfrm flipH="1">
+            <a:off x="4981575" y="1857375"/>
+            <a:ext cx="19050" cy="3181350"/>
+          </a:xfrm>
+          <a:prstGeom prst="straightConnector1">
+            <a:avLst/>
+          </a:prstGeom>
+          <a:ln>
+            <a:solidFill>
+              <a:schemeClr val="tx1"/>
+            </a:solidFill>
+          </a:ln>
+        </p:spPr>
+        <p:style>
+          <a:lnRef idx="1">
+            <a:schemeClr val="accent1"/>
+          </a:lnRef>
+          <a:fillRef idx="0">
+            <a:schemeClr val="accent1"/>
+          </a:fillRef>
+          <a:effectRef idx="0">
+            <a:schemeClr val="accent1"/>
+          </a:effectRef>
+          <a:fontRef idx="minor">
+            <a:schemeClr val="tx1"/>
+          </a:fontRef>
+        </p:style>
+      </p:cxnSp>
+      <p:sp>
+        <p:nvSpPr>
+          <p:cNvPr id="2" name="직사각형 1">
+            <a:extLst>
+              <a:ext uri="{FF2B5EF4-FFF2-40B4-BE49-F238E27FC236}">
+                <a16:creationId xmlns:a16="http://schemas.microsoft.com/office/drawing/2014/main" id="{C7EF9DBE-C44C-4D82-9C4A-1195088E25AD}"/>
+              </a:ext>
+            </a:extLst>
+          </p:cNvPr>
+          <p:cNvSpPr/>
+          <p:nvPr/>
+        </p:nvSpPr>
+        <p:spPr>
+          <a:xfrm>
+            <a:off x="923925" y="809625"/>
+            <a:ext cx="10344150" cy="5391150"/>
+          </a:xfrm>
+          <a:prstGeom prst="rect">
+            <a:avLst/>
+          </a:prstGeom>
+          <a:noFill/>
+        </p:spPr>
+        <p:style>
+          <a:lnRef idx="2">
+            <a:schemeClr val="accent1">
+              <a:shade val="50000"/>
+            </a:schemeClr>
+          </a:lnRef>
+          <a:fillRef idx="1">
+            <a:schemeClr val="accent1"/>
+          </a:fillRef>
+          <a:effectRef idx="0">
+            <a:schemeClr val="accent1"/>
+          </a:effectRef>
+          <a:fontRef idx="minor">
+            <a:schemeClr val="lt1"/>
+          </a:fontRef>
+        </p:style>
+        <p:txBody>
+          <a:bodyPr rtlCol="0" anchor="ctr"/>
+          <a:lstStyle/>
+          <a:p>
+            <a:pPr algn="ctr"/>
+            <a:endParaRPr lang="ko-KR" altLang="en-US"/>
+          </a:p>
+        </p:txBody>
+      </p:sp>
+    </p:spTree>
+    <p:extLst>
+      <p:ext uri="{BB962C8B-B14F-4D97-AF65-F5344CB8AC3E}">
+        <p14:creationId xmlns:p14="http://schemas.microsoft.com/office/powerpoint/2010/main" val="2872115355"/>
+      </p:ext>
+    </p:extLst>
+  </p:cSld>
+  <p:clrMapOvr>
+    <a:masterClrMapping/>
+  </p:clrMapOvr>
+</p:sld>
+</file>
+
+<file path=ppt/slides/slide7.xml><?xml version="1.0" encoding="utf-8"?>
+<p:sld xmlns:a="http://schemas.openxmlformats.org/drawingml/2006/main" xmlns:r="http://schemas.openxmlformats.org/officeDocument/2006/relationships" xmlns:p="http://schemas.openxmlformats.org/presentationml/2006/main">
+  <p:cSld>
+    <p:spTree>
+      <p:nvGrpSpPr>
+        <p:cNvPr id="1" name=""/>
+        <p:cNvGrpSpPr/>
+        <p:nvPr/>
+      </p:nvGrpSpPr>
+      <p:grpSpPr>
+        <a:xfrm>
+          <a:off x="0" y="0"/>
+          <a:ext cx="0" cy="0"/>
+          <a:chOff x="0" y="0"/>
+          <a:chExt cx="0" cy="0"/>
+        </a:xfrm>
+      </p:grpSpPr>
+      <p:sp>
+        <p:nvSpPr>
+          <p:cNvPr id="7" name="직사각형 6">
+            <a:extLst>
+              <a:ext uri="{FF2B5EF4-FFF2-40B4-BE49-F238E27FC236}">
+                <a16:creationId xmlns:a16="http://schemas.microsoft.com/office/drawing/2014/main" id="{F94FF3B4-A60D-4B54-AE43-9E93AB19D675}"/>
+              </a:ext>
+            </a:extLst>
+          </p:cNvPr>
+          <p:cNvSpPr/>
+          <p:nvPr/>
+        </p:nvSpPr>
+        <p:spPr>
+          <a:xfrm>
+            <a:off x="0" y="4610100"/>
+            <a:ext cx="4248150" cy="2247900"/>
+          </a:xfrm>
+          <a:prstGeom prst="rect">
+            <a:avLst/>
+          </a:prstGeom>
+          <a:solidFill>
+            <a:schemeClr val="bg1">
+              <a:lumMod val="95000"/>
+            </a:schemeClr>
+          </a:solidFill>
+          <a:ln>
+            <a:noFill/>
+          </a:ln>
+        </p:spPr>
+        <p:style>
+          <a:lnRef idx="2">
+            <a:schemeClr val="accent1">
+              <a:shade val="50000"/>
+            </a:schemeClr>
+          </a:lnRef>
+          <a:fillRef idx="1">
+            <a:schemeClr val="accent1"/>
+          </a:fillRef>
+          <a:effectRef idx="0">
+            <a:schemeClr val="accent1"/>
+          </a:effectRef>
+          <a:fontRef idx="minor">
+            <a:schemeClr val="lt1"/>
+          </a:fontRef>
+        </p:style>
+        <p:txBody>
+          <a:bodyPr rtlCol="0" anchor="ctr"/>
+          <a:lstStyle/>
+          <a:p>
+            <a:pPr algn="ctr"/>
+            <a:endParaRPr lang="ko-KR" altLang="en-US"/>
+          </a:p>
+        </p:txBody>
+      </p:sp>
+      <p:sp>
+        <p:nvSpPr>
+          <p:cNvPr id="6" name="직사각형 5">
+            <a:extLst>
+              <a:ext uri="{FF2B5EF4-FFF2-40B4-BE49-F238E27FC236}">
+                <a16:creationId xmlns:a16="http://schemas.microsoft.com/office/drawing/2014/main" id="{5AEF4E89-0282-486F-9F0D-A993714A6CA4}"/>
+              </a:ext>
+            </a:extLst>
+          </p:cNvPr>
+          <p:cNvSpPr/>
+          <p:nvPr/>
+        </p:nvSpPr>
+        <p:spPr>
+          <a:xfrm>
+            <a:off x="0" y="0"/>
+            <a:ext cx="4248150" cy="2305050"/>
+          </a:xfrm>
+          <a:prstGeom prst="rect">
+            <a:avLst/>
+          </a:prstGeom>
+          <a:solidFill>
+            <a:schemeClr val="bg1">
+              <a:lumMod val="95000"/>
+            </a:schemeClr>
+          </a:solidFill>
+          <a:ln>
+            <a:noFill/>
+          </a:ln>
+        </p:spPr>
+        <p:style>
+          <a:lnRef idx="2">
+            <a:schemeClr val="accent1">
+              <a:shade val="50000"/>
+            </a:schemeClr>
+          </a:lnRef>
+          <a:fillRef idx="1">
+            <a:schemeClr val="accent1"/>
+          </a:fillRef>
+          <a:effectRef idx="0">
+            <a:schemeClr val="accent1"/>
+          </a:effectRef>
+          <a:fontRef idx="minor">
+            <a:schemeClr val="lt1"/>
+          </a:fontRef>
+        </p:style>
+        <p:txBody>
+          <a:bodyPr rtlCol="0" anchor="ctr"/>
+          <a:lstStyle/>
+          <a:p>
+            <a:pPr algn="ctr"/>
+            <a:endParaRPr lang="ko-KR" altLang="en-US"/>
+          </a:p>
+        </p:txBody>
+      </p:sp>
+      <p:sp>
+        <p:nvSpPr>
+          <p:cNvPr id="3" name="직사각형 2">
+            <a:extLst>
+              <a:ext uri="{FF2B5EF4-FFF2-40B4-BE49-F238E27FC236}">
+                <a16:creationId xmlns:a16="http://schemas.microsoft.com/office/drawing/2014/main" id="{2F766E5C-16D1-4613-AA74-28450984E65D}"/>
+              </a:ext>
+            </a:extLst>
+          </p:cNvPr>
+          <p:cNvSpPr/>
+          <p:nvPr/>
+        </p:nvSpPr>
+        <p:spPr>
+          <a:xfrm>
+            <a:off x="4156552" y="-3133"/>
+            <a:ext cx="8037532" cy="6857999"/>
+          </a:xfrm>
+          <a:prstGeom prst="rect">
+            <a:avLst/>
+          </a:prstGeom>
+          <a:solidFill>
+            <a:schemeClr val="bg1">
+              <a:lumMod val="95000"/>
+            </a:schemeClr>
+          </a:solidFill>
+          <a:ln>
+            <a:noFill/>
+          </a:ln>
+        </p:spPr>
+        <p:style>
+          <a:lnRef idx="2">
+            <a:schemeClr val="accent1">
+              <a:shade val="50000"/>
+            </a:schemeClr>
+          </a:lnRef>
+          <a:fillRef idx="1">
+            <a:schemeClr val="accent1"/>
+          </a:fillRef>
+          <a:effectRef idx="0">
+            <a:schemeClr val="accent1"/>
+          </a:effectRef>
+          <a:fontRef idx="minor">
+            <a:schemeClr val="lt1"/>
+          </a:fontRef>
+        </p:style>
+        <p:txBody>
+          <a:bodyPr rtlCol="0" anchor="ctr"/>
+          <a:lstStyle/>
+          <a:p>
+            <a:pPr algn="ctr"/>
+            <a:endParaRPr lang="ko-KR" altLang="en-US"/>
+          </a:p>
+        </p:txBody>
+      </p:sp>
+      <p:pic>
+        <p:nvPicPr>
+          <p:cNvPr id="8" name="그림 8" descr="텍스트, 지도이(가) 표시된 사진&#10;&#10;자동 생성된 설명">
+            <a:extLst>
+              <a:ext uri="{FF2B5EF4-FFF2-40B4-BE49-F238E27FC236}">
+                <a16:creationId xmlns:a16="http://schemas.microsoft.com/office/drawing/2014/main" id="{590CE766-5880-4AAE-8679-3CCE58590EE1}"/>
+              </a:ext>
+            </a:extLst>
+          </p:cNvPr>
+          <p:cNvPicPr>
+            <a:picLocks noChangeAspect="1"/>
+          </p:cNvPicPr>
+          <p:nvPr/>
+        </p:nvPicPr>
+        <p:blipFill>
+          <a:blip r:embed="rId2"/>
+          <a:stretch>
+            <a:fillRect/>
+          </a:stretch>
+        </p:blipFill>
+        <p:spPr>
+          <a:xfrm>
+            <a:off x="4304647" y="531935"/>
+            <a:ext cx="7743041" cy="5896188"/>
+          </a:xfrm>
+          <a:prstGeom prst="rect">
+            <a:avLst/>
+          </a:prstGeom>
+        </p:spPr>
+      </p:pic>
+      <p:sp>
+        <p:nvSpPr>
+          <p:cNvPr id="11" name="TextBox 10">
+            <a:extLst>
+              <a:ext uri="{FF2B5EF4-FFF2-40B4-BE49-F238E27FC236}">
+                <a16:creationId xmlns:a16="http://schemas.microsoft.com/office/drawing/2014/main" id="{FC7F21E1-1058-4764-B7DE-726B1AA3020F}"/>
+              </a:ext>
+            </a:extLst>
+          </p:cNvPr>
+          <p:cNvSpPr txBox="1"/>
+          <p:nvPr/>
+        </p:nvSpPr>
+        <p:spPr>
+          <a:xfrm>
+            <a:off x="182278" y="2582972"/>
+            <a:ext cx="4006241" cy="2215991"/>
+          </a:xfrm>
+          <a:prstGeom prst="rect">
+            <a:avLst/>
+          </a:prstGeom>
+          <a:noFill/>
+        </p:spPr>
+        <p:txBody>
+          <a:bodyPr rot="0" spcFirstLastPara="0" vertOverflow="overflow" horzOverflow="overflow" vert="horz" wrap="square" lIns="91440" tIns="45720" rIns="91440" bIns="45720" numCol="1" spcCol="0" rtlCol="0" fromWordArt="0" anchor="t" anchorCtr="0" forceAA="0" compatLnSpc="1">
+            <a:prstTxWarp prst="textNoShape">
+              <a:avLst/>
+            </a:prstTxWarp>
+            <a:spAutoFit/>
+          </a:bodyPr>
+          <a:lstStyle/>
+          <a:p>
+            <a:r>
+              <a:rPr lang="ko-KR" altLang="en-US" sz="2400" dirty="0">
+                <a:ea typeface="맑은 고딕"/>
+              </a:rPr>
+              <a:t>사회적 거리두기에 대한 관심도는 20대가 다른 연령층에 비해 특별히 떨어지지 않았고 오히려 높은 추이를 보인다.</a:t>
+            </a:r>
+          </a:p>
+          <a:p>
+            <a:endParaRPr lang="ko-KR" altLang="en-US" dirty="0">
+              <a:ea typeface="맑은 고딕"/>
+            </a:endParaRPr>
+          </a:p>
+        </p:txBody>
+      </p:sp>
+      <p:pic>
+        <p:nvPicPr>
+          <p:cNvPr id="4" name="그림 4">
+            <a:extLst>
+              <a:ext uri="{FF2B5EF4-FFF2-40B4-BE49-F238E27FC236}">
+                <a16:creationId xmlns:a16="http://schemas.microsoft.com/office/drawing/2014/main" id="{4E395E0F-0DFF-464B-804F-160598639312}"/>
+              </a:ext>
+            </a:extLst>
+          </p:cNvPr>
+          <p:cNvPicPr>
+            <a:picLocks noChangeAspect="1"/>
+          </p:cNvPicPr>
+          <p:nvPr/>
+        </p:nvPicPr>
+        <p:blipFill>
+          <a:blip r:embed="rId3"/>
+          <a:stretch>
+            <a:fillRect/>
+          </a:stretch>
+        </p:blipFill>
+        <p:spPr>
+          <a:xfrm>
+            <a:off x="704850" y="-249"/>
+            <a:ext cx="2743200" cy="2191248"/>
+          </a:xfrm>
+          <a:prstGeom prst="rect">
+            <a:avLst/>
+          </a:prstGeom>
+        </p:spPr>
+      </p:pic>
+      <p:pic>
+        <p:nvPicPr>
+          <p:cNvPr id="5" name="그림 5" descr="텍스트이(가) 표시된 사진&#10;&#10;자동 생성된 설명">
+            <a:extLst>
+              <a:ext uri="{FF2B5EF4-FFF2-40B4-BE49-F238E27FC236}">
+                <a16:creationId xmlns:a16="http://schemas.microsoft.com/office/drawing/2014/main" id="{2BEDF4DA-EDD8-4237-A2A6-AE4F523B4E29}"/>
+              </a:ext>
+            </a:extLst>
+          </p:cNvPr>
+          <p:cNvPicPr>
+            <a:picLocks noChangeAspect="1"/>
+          </p:cNvPicPr>
+          <p:nvPr/>
+        </p:nvPicPr>
+        <p:blipFill>
+          <a:blip r:embed="rId4"/>
+          <a:stretch>
+            <a:fillRect/>
+          </a:stretch>
+        </p:blipFill>
+        <p:spPr>
+          <a:xfrm>
+            <a:off x="704850" y="4686051"/>
+            <a:ext cx="2743200" cy="2191248"/>
+          </a:xfrm>
+          <a:prstGeom prst="rect">
+            <a:avLst/>
+          </a:prstGeom>
+        </p:spPr>
+      </p:pic>
+    </p:spTree>
+    <p:extLst>
+      <p:ext uri="{BB962C8B-B14F-4D97-AF65-F5344CB8AC3E}">
+        <p14:creationId xmlns:p14="http://schemas.microsoft.com/office/powerpoint/2010/main" val="2728106436"/>
+      </p:ext>
+    </p:extLst>
+  </p:cSld>
+  <p:clrMapOvr>
+    <a:masterClrMapping/>
+  </p:clrMapOvr>
+</p:sld>
+</file>
+
+<file path=ppt/slides/slide8.xml><?xml version="1.0" encoding="utf-8"?>
+<p:sld xmlns:a="http://schemas.openxmlformats.org/drawingml/2006/main" xmlns:r="http://schemas.openxmlformats.org/officeDocument/2006/relationships" xmlns:p="http://schemas.openxmlformats.org/presentationml/2006/main">
+  <p:cSld>
+    <p:spTree>
+      <p:nvGrpSpPr>
+        <p:cNvPr id="1" name=""/>
+        <p:cNvGrpSpPr/>
+        <p:nvPr/>
+      </p:nvGrpSpPr>
+      <p:grpSpPr>
+        <a:xfrm>
+          <a:off x="0" y="0"/>
+          <a:ext cx="0" cy="0"/>
+          <a:chOff x="0" y="0"/>
+          <a:chExt cx="0" cy="0"/>
+        </a:xfrm>
+      </p:grpSpPr>
+      <p:sp>
+        <p:nvSpPr>
+          <p:cNvPr id="2" name="제목 1">
+            <a:extLst>
+              <a:ext uri="{FF2B5EF4-FFF2-40B4-BE49-F238E27FC236}">
+                <a16:creationId xmlns:a16="http://schemas.microsoft.com/office/drawing/2014/main" id="{B148CC22-7BEE-428A-A7E1-1E6388DB5C93}"/>
+              </a:ext>
+            </a:extLst>
+          </p:cNvPr>
+          <p:cNvSpPr>
+            <a:spLocks noGrp="1"/>
+          </p:cNvSpPr>
+          <p:nvPr>
+            <p:ph type="title"/>
+          </p:nvPr>
+        </p:nvSpPr>
+        <p:spPr/>
+        <p:txBody>
+          <a:bodyPr>
+            <a:normAutofit fontScale="90000"/>
+          </a:bodyPr>
+          <a:lstStyle/>
+          <a:p>
+            <a:pPr>
+              <a:lnSpc>
+                <a:spcPct val="150000"/>
+              </a:lnSpc>
+            </a:pPr>
+            <a:r>
+              <a:rPr lang="en-US" altLang="ko-KR" dirty="0"/>
+              <a:t>1. 20</a:t>
+            </a:r>
+            <a:r>
+              <a:rPr lang="ko-KR" altLang="en-US" dirty="0"/>
+              <a:t>대는 불타는 청춘</a:t>
+            </a:r>
+            <a:r>
+              <a:rPr lang="en-US" altLang="ko-KR" dirty="0"/>
+              <a:t>. </a:t>
+            </a:r>
+            <a:br>
+              <a:rPr lang="en-US" altLang="ko-KR" dirty="0"/>
+            </a:br>
+            <a:r>
+              <a:rPr lang="ko-KR" altLang="en-US" dirty="0"/>
+              <a:t>외출을 많이 해서 그렇지 않을까</a:t>
+            </a:r>
+            <a:r>
+              <a:rPr lang="en-US" altLang="ko-KR" dirty="0"/>
+              <a:t>??</a:t>
+            </a:r>
+            <a:endParaRPr lang="ko-KR" altLang="en-US" dirty="0"/>
+          </a:p>
+        </p:txBody>
+      </p:sp>
+      <p:sp>
+        <p:nvSpPr>
+          <p:cNvPr id="4" name="TextBox 3">
+            <a:extLst>
+              <a:ext uri="{FF2B5EF4-FFF2-40B4-BE49-F238E27FC236}">
+                <a16:creationId xmlns:a16="http://schemas.microsoft.com/office/drawing/2014/main" id="{407B04E7-01F8-4EFB-BF9D-371BCD9A3A6D}"/>
+              </a:ext>
+            </a:extLst>
+          </p:cNvPr>
+          <p:cNvSpPr txBox="1"/>
+          <p:nvPr/>
+        </p:nvSpPr>
+        <p:spPr>
+          <a:xfrm>
+            <a:off x="923827" y="2450969"/>
+            <a:ext cx="10237510" cy="1477328"/>
+          </a:xfrm>
+          <a:prstGeom prst="rect">
+            <a:avLst/>
+          </a:prstGeom>
+          <a:noFill/>
+        </p:spPr>
+        <p:txBody>
+          <a:bodyPr wrap="square" rtlCol="0">
+            <a:spAutoFit/>
+          </a:bodyPr>
+          <a:lstStyle/>
+          <a:p>
+            <a:r>
+              <a:rPr lang="ko-KR" altLang="en-US" dirty="0"/>
+              <a:t>하지만 어떤 슈퍼 전파자가 여러 군데를 돌아다녔다면</a:t>
+            </a:r>
+            <a:r>
+              <a:rPr lang="en-US" altLang="ko-KR" dirty="0"/>
+              <a:t>, </a:t>
+            </a:r>
+            <a:r>
+              <a:rPr lang="ko-KR" altLang="en-US" dirty="0"/>
+              <a:t>단 </a:t>
+            </a:r>
+            <a:r>
+              <a:rPr lang="en-US" altLang="ko-KR" dirty="0"/>
+              <a:t>1</a:t>
+            </a:r>
+            <a:r>
+              <a:rPr lang="ko-KR" altLang="en-US" dirty="0"/>
+              <a:t>번의 외출로도 </a:t>
+            </a:r>
+            <a:r>
+              <a:rPr lang="ko-KR" altLang="en-US" dirty="0" err="1"/>
+              <a:t>확진자가</a:t>
+            </a:r>
+            <a:r>
+              <a:rPr lang="ko-KR" altLang="en-US" dirty="0"/>
+              <a:t> 될 수 있는 것이 코로나의 위력이다</a:t>
+            </a:r>
+            <a:r>
+              <a:rPr lang="en-US" altLang="ko-KR" dirty="0"/>
+              <a:t>.</a:t>
+            </a:r>
+          </a:p>
+          <a:p>
+            <a:r>
+              <a:rPr lang="ko-KR" altLang="en-US" dirty="0"/>
+              <a:t>그래서 슈퍼 전파자</a:t>
+            </a:r>
+            <a:r>
+              <a:rPr lang="en-US" altLang="ko-KR" dirty="0"/>
+              <a:t>(</a:t>
+            </a:r>
+            <a:r>
+              <a:rPr lang="ko-KR" altLang="en-US" dirty="0" err="1"/>
+              <a:t>외출량</a:t>
+            </a:r>
+            <a:r>
+              <a:rPr lang="ko-KR" altLang="en-US" dirty="0"/>
+              <a:t> 상위 </a:t>
+            </a:r>
+            <a:r>
+              <a:rPr lang="en-US" altLang="ko-KR" dirty="0"/>
+              <a:t>10%) </a:t>
+            </a:r>
+            <a:r>
+              <a:rPr lang="ko-KR" altLang="en-US" dirty="0"/>
+              <a:t>중 </a:t>
+            </a:r>
+            <a:r>
+              <a:rPr lang="en-US" altLang="ko-KR" dirty="0"/>
+              <a:t>20</a:t>
+            </a:r>
+            <a:r>
+              <a:rPr lang="ko-KR" altLang="en-US" dirty="0"/>
+              <a:t>대가 얼마나 되는지를 알아보았고</a:t>
+            </a:r>
+            <a:r>
+              <a:rPr lang="en-US" altLang="ko-KR" dirty="0"/>
+              <a:t>, </a:t>
+            </a:r>
+            <a:r>
+              <a:rPr lang="ko-KR" altLang="en-US" dirty="0"/>
+              <a:t>예상대로 </a:t>
+            </a:r>
+            <a:r>
+              <a:rPr lang="en-US" altLang="ko-KR" dirty="0"/>
+              <a:t>20</a:t>
+            </a:r>
+            <a:r>
+              <a:rPr lang="ko-KR" altLang="en-US" dirty="0"/>
+              <a:t>대의 비율이 높았다</a:t>
+            </a:r>
+            <a:r>
+              <a:rPr lang="en-US" altLang="ko-KR" dirty="0"/>
+              <a:t>. </a:t>
+            </a:r>
+            <a:r>
+              <a:rPr lang="ko-KR" altLang="en-US" dirty="0" err="1"/>
+              <a:t>외출량</a:t>
+            </a:r>
+            <a:r>
+              <a:rPr lang="ko-KR" altLang="en-US" dirty="0"/>
+              <a:t> 상위 </a:t>
+            </a:r>
+            <a:r>
+              <a:rPr lang="en-US" altLang="ko-KR" dirty="0"/>
+              <a:t>10%</a:t>
+            </a:r>
+            <a:r>
+              <a:rPr lang="ko-KR" altLang="en-US" dirty="0"/>
+              <a:t>인 </a:t>
+            </a:r>
+            <a:r>
+              <a:rPr lang="en-US" altLang="ko-KR" dirty="0"/>
+              <a:t>136</a:t>
+            </a:r>
+            <a:r>
+              <a:rPr lang="ko-KR" altLang="en-US" dirty="0"/>
+              <a:t>명 중 약 </a:t>
+            </a:r>
+            <a:r>
+              <a:rPr lang="en-US" altLang="ko-KR" dirty="0"/>
+              <a:t>30</a:t>
+            </a:r>
+            <a:r>
+              <a:rPr lang="ko-KR" altLang="en-US" dirty="0"/>
+              <a:t>명 즉</a:t>
+            </a:r>
+            <a:r>
+              <a:rPr lang="en-US" altLang="ko-KR" dirty="0"/>
+              <a:t>, 20%</a:t>
+            </a:r>
+            <a:r>
+              <a:rPr lang="ko-KR" altLang="en-US" dirty="0"/>
+              <a:t>가</a:t>
+            </a:r>
+            <a:r>
+              <a:rPr lang="en-US" altLang="ko-KR" dirty="0"/>
+              <a:t> 20</a:t>
+            </a:r>
+            <a:r>
+              <a:rPr lang="ko-KR" altLang="en-US" dirty="0"/>
+              <a:t>대였다</a:t>
+            </a:r>
+            <a:r>
+              <a:rPr lang="en-US" altLang="ko-KR" dirty="0"/>
+              <a:t>.</a:t>
+            </a:r>
+          </a:p>
+          <a:p>
+            <a:endParaRPr lang="en-US" altLang="ko-KR" dirty="0"/>
+          </a:p>
+        </p:txBody>
+      </p:sp>
+      <p:pic>
+        <p:nvPicPr>
+          <p:cNvPr id="8" name="Picture 6">
+            <a:extLst>
+              <a:ext uri="{FF2B5EF4-FFF2-40B4-BE49-F238E27FC236}">
+                <a16:creationId xmlns:a16="http://schemas.microsoft.com/office/drawing/2014/main" id="{E3611059-5E6C-48A2-95F6-7B1D59AB0AC9}"/>
+              </a:ext>
+            </a:extLst>
+          </p:cNvPr>
+          <p:cNvPicPr>
+            <a:picLocks noChangeAspect="1" noChangeArrowheads="1"/>
+          </p:cNvPicPr>
+          <p:nvPr/>
+        </p:nvPicPr>
+        <p:blipFill>
+          <a:blip r:embed="rId2">
+            <a:extLst>
+              <a:ext uri="{28A0092B-C50C-407E-A947-70E740481C1C}">
+                <a14:useLocalDpi xmlns:a14="http://schemas.microsoft.com/office/drawing/2010/main" val="0"/>
+              </a:ext>
+            </a:extLst>
+          </a:blip>
+          <a:srcRect/>
+          <a:stretch>
+            <a:fillRect/>
+          </a:stretch>
+        </p:blipFill>
+        <p:spPr bwMode="auto">
+          <a:xfrm>
+            <a:off x="4063738" y="3785883"/>
+            <a:ext cx="3505200" cy="2590800"/>
+          </a:xfrm>
+          <a:prstGeom prst="rect">
+            <a:avLst/>
+          </a:prstGeom>
+          <a:noFill/>
+          <a:extLst>
+            <a:ext uri="{909E8E84-426E-40DD-AFC4-6F175D3DCCD1}">
+              <a14:hiddenFill xmlns:a14="http://schemas.microsoft.com/office/drawing/2010/main">
+                <a:solidFill>
+                  <a:srgbClr val="FFFFFF"/>
+                </a:solidFill>
+              </a14:hiddenFill>
+            </a:ext>
+          </a:extLst>
+        </p:spPr>
+      </p:pic>
+      <p:sp>
+        <p:nvSpPr>
+          <p:cNvPr id="10" name="TextBox 9">
+            <a:extLst>
+              <a:ext uri="{FF2B5EF4-FFF2-40B4-BE49-F238E27FC236}">
+                <a16:creationId xmlns:a16="http://schemas.microsoft.com/office/drawing/2014/main" id="{1BD6C633-756C-406B-A435-CC9BFE0BD6B0}"/>
+              </a:ext>
+            </a:extLst>
+          </p:cNvPr>
+          <p:cNvSpPr txBox="1"/>
+          <p:nvPr/>
+        </p:nvSpPr>
+        <p:spPr>
+          <a:xfrm>
+            <a:off x="3383881" y="6375448"/>
+            <a:ext cx="5317402" cy="369332"/>
+          </a:xfrm>
+          <a:prstGeom prst="rect">
+            <a:avLst/>
+          </a:prstGeom>
+          <a:noFill/>
+        </p:spPr>
+        <p:txBody>
+          <a:bodyPr wrap="square" rtlCol="0">
+            <a:spAutoFit/>
+          </a:bodyPr>
+          <a:lstStyle/>
+          <a:p>
+            <a:r>
+              <a:rPr lang="ko-KR" altLang="en-US" dirty="0"/>
+              <a:t>상위 </a:t>
+            </a:r>
+            <a:r>
+              <a:rPr lang="en-US" altLang="ko-KR" dirty="0"/>
+              <a:t>10% </a:t>
+            </a:r>
+            <a:r>
+              <a:rPr lang="ko-KR" altLang="en-US" dirty="0" err="1"/>
+              <a:t>외출량을</a:t>
+            </a:r>
+            <a:r>
+              <a:rPr lang="ko-KR" altLang="en-US" dirty="0"/>
+              <a:t> 가진 </a:t>
+            </a:r>
+            <a:r>
+              <a:rPr lang="ko-KR" altLang="en-US" dirty="0" err="1"/>
+              <a:t>확진자들의</a:t>
+            </a:r>
+            <a:r>
+              <a:rPr lang="ko-KR" altLang="en-US" dirty="0"/>
+              <a:t> 연령대 분석</a:t>
+            </a:r>
+            <a:endParaRPr lang="en-US" altLang="ko-KR" dirty="0"/>
+          </a:p>
+        </p:txBody>
+      </p:sp>
+    </p:spTree>
+    <p:extLst>
+      <p:ext uri="{BB962C8B-B14F-4D97-AF65-F5344CB8AC3E}">
+        <p14:creationId xmlns:p14="http://schemas.microsoft.com/office/powerpoint/2010/main" val="3552012908"/>
+      </p:ext>
+    </p:extLst>
+  </p:cSld>
+  <p:clrMapOvr>
+    <a:masterClrMapping/>
+  </p:clrMapOvr>
+</p:sld>
+</file>
+
+<file path=ppt/slides/slide9.xml><?xml version="1.0" encoding="utf-8"?>
+<p:sld xmlns:a="http://schemas.openxmlformats.org/drawingml/2006/main" xmlns:r="http://schemas.openxmlformats.org/officeDocument/2006/relationships" xmlns:p="http://schemas.openxmlformats.org/presentationml/2006/main">
+  <p:cSld>
+    <p:spTree>
+      <p:nvGrpSpPr>
+        <p:cNvPr id="1" name=""/>
+        <p:cNvGrpSpPr/>
+        <p:nvPr/>
+      </p:nvGrpSpPr>
+      <p:grpSpPr>
+        <a:xfrm>
+          <a:off x="0" y="0"/>
+          <a:ext cx="0" cy="0"/>
+          <a:chOff x="0" y="0"/>
+          <a:chExt cx="0" cy="0"/>
+        </a:xfrm>
+      </p:grpSpPr>
+      <p:sp>
+        <p:nvSpPr>
+          <p:cNvPr id="2" name="제목 1">
+            <a:extLst>
+              <a:ext uri="{FF2B5EF4-FFF2-40B4-BE49-F238E27FC236}">
+                <a16:creationId xmlns:a16="http://schemas.microsoft.com/office/drawing/2014/main" id="{B148CC22-7BEE-428A-A7E1-1E6388DB5C93}"/>
+              </a:ext>
+            </a:extLst>
+          </p:cNvPr>
+          <p:cNvSpPr>
+            <a:spLocks noGrp="1"/>
+          </p:cNvSpPr>
+          <p:nvPr>
+            <p:ph type="title"/>
+          </p:nvPr>
+        </p:nvSpPr>
+        <p:spPr/>
+        <p:txBody>
+          <a:bodyPr>
+            <a:normAutofit fontScale="90000"/>
+          </a:bodyPr>
+          <a:lstStyle/>
+          <a:p>
+            <a:pPr>
+              <a:lnSpc>
+                <a:spcPct val="150000"/>
+              </a:lnSpc>
+            </a:pPr>
+            <a:r>
+              <a:rPr lang="en-US" altLang="ko-KR" dirty="0"/>
+              <a:t>1. 20</a:t>
+            </a:r>
+            <a:r>
+              <a:rPr lang="ko-KR" altLang="en-US" dirty="0"/>
+              <a:t>대는 불타는 청춘</a:t>
+            </a:r>
+            <a:r>
+              <a:rPr lang="en-US" altLang="ko-KR" dirty="0"/>
+              <a:t>. </a:t>
+            </a:r>
+            <a:br>
+              <a:rPr lang="en-US" altLang="ko-KR" dirty="0"/>
+            </a:br>
+            <a:r>
+              <a:rPr lang="ko-KR" altLang="en-US" dirty="0"/>
+              <a:t>외출을 많이 해서 그렇지 않을까</a:t>
+            </a:r>
+            <a:r>
+              <a:rPr lang="en-US" altLang="ko-KR" dirty="0"/>
+              <a:t>??</a:t>
+            </a:r>
+            <a:endParaRPr lang="ko-KR" altLang="en-US" dirty="0"/>
+          </a:p>
+        </p:txBody>
+      </p:sp>
+      <p:sp>
+        <p:nvSpPr>
+          <p:cNvPr id="5" name="직사각형 4">
+            <a:extLst>
+              <a:ext uri="{FF2B5EF4-FFF2-40B4-BE49-F238E27FC236}">
+                <a16:creationId xmlns:a16="http://schemas.microsoft.com/office/drawing/2014/main" id="{4CDE85A0-D577-4157-AA9B-F56ADDA86DCE}"/>
+              </a:ext>
+            </a:extLst>
+          </p:cNvPr>
+          <p:cNvSpPr/>
+          <p:nvPr/>
+        </p:nvSpPr>
+        <p:spPr>
+          <a:xfrm>
+            <a:off x="838200" y="2548039"/>
+            <a:ext cx="10143241" cy="2061667"/>
+          </a:xfrm>
+          <a:prstGeom prst="rect">
+            <a:avLst/>
+          </a:prstGeom>
+        </p:spPr>
+        <p:style>
+          <a:lnRef idx="2">
+            <a:schemeClr val="accent1">
+              <a:shade val="50000"/>
+            </a:schemeClr>
+          </a:lnRef>
+          <a:fillRef idx="1">
+            <a:schemeClr val="accent1"/>
+          </a:fillRef>
+          <a:effectRef idx="0">
+            <a:schemeClr val="accent1"/>
+          </a:effectRef>
+          <a:fontRef idx="minor">
+            <a:schemeClr val="lt1"/>
+          </a:fontRef>
+        </p:style>
+        <p:txBody>
+          <a:bodyPr rtlCol="0" anchor="ctr"/>
+          <a:lstStyle/>
+          <a:p>
+            <a:pPr algn="ctr"/>
+            <a:r>
+              <a:rPr lang="ko-KR" altLang="en-US" sz="3200" dirty="0"/>
+              <a:t>첫 번째 결론 </a:t>
+            </a:r>
+            <a:r>
+              <a:rPr lang="en-US" altLang="ko-KR" sz="3200" dirty="0"/>
+              <a:t>: </a:t>
+            </a:r>
+            <a:r>
+              <a:rPr lang="ko-KR" altLang="en-US" sz="3200" dirty="0"/>
+              <a:t>대부분의 </a:t>
+            </a:r>
+            <a:r>
+              <a:rPr lang="en-US" altLang="ko-KR" sz="3200" dirty="0"/>
+              <a:t>20</a:t>
+            </a:r>
+            <a:r>
+              <a:rPr lang="ko-KR" altLang="en-US" sz="3200" dirty="0"/>
+              <a:t>대가 아닌 슈퍼 감염자가 </a:t>
+            </a:r>
+            <a:r>
+              <a:rPr lang="en-US" altLang="ko-KR" sz="3200" dirty="0"/>
+              <a:t>20</a:t>
+            </a:r>
+            <a:r>
+              <a:rPr lang="ko-KR" altLang="en-US" sz="3200" dirty="0"/>
+              <a:t>대의 높은 </a:t>
+            </a:r>
+            <a:r>
+              <a:rPr lang="ko-KR" altLang="en-US" sz="3200" dirty="0" err="1"/>
+              <a:t>확진자</a:t>
+            </a:r>
+            <a:r>
+              <a:rPr lang="ko-KR" altLang="en-US" sz="3200" dirty="0"/>
+              <a:t> 비율을 만들었다</a:t>
+            </a:r>
+            <a:r>
+              <a:rPr lang="en-US" altLang="ko-KR" sz="3200" dirty="0"/>
+              <a:t>!</a:t>
+            </a:r>
+          </a:p>
+        </p:txBody>
+      </p:sp>
+      <p:sp>
+        <p:nvSpPr>
+          <p:cNvPr id="3" name="TextBox 2">
+            <a:extLst>
+              <a:ext uri="{FF2B5EF4-FFF2-40B4-BE49-F238E27FC236}">
+                <a16:creationId xmlns:a16="http://schemas.microsoft.com/office/drawing/2014/main" id="{16A5A3BF-65D7-491E-AF18-8F04623E1166}"/>
+              </a:ext>
+            </a:extLst>
+          </p:cNvPr>
+          <p:cNvSpPr txBox="1"/>
+          <p:nvPr/>
+        </p:nvSpPr>
+        <p:spPr>
+          <a:xfrm>
+            <a:off x="838200" y="5338225"/>
+            <a:ext cx="10143241" cy="646331"/>
+          </a:xfrm>
+          <a:prstGeom prst="rect">
+            <a:avLst/>
+          </a:prstGeom>
+          <a:noFill/>
+        </p:spPr>
+        <p:txBody>
+          <a:bodyPr wrap="square" rtlCol="0">
+            <a:spAutoFit/>
+          </a:bodyPr>
+          <a:lstStyle/>
+          <a:p>
+            <a:r>
+              <a:rPr lang="ko-KR" altLang="en-US" dirty="0"/>
+              <a:t>이 결론이 성립하기 위해선 </a:t>
+            </a:r>
+            <a:r>
+              <a:rPr lang="en-US" altLang="ko-KR" dirty="0"/>
+              <a:t>20</a:t>
+            </a:r>
+            <a:r>
+              <a:rPr lang="ko-KR" altLang="en-US" dirty="0"/>
+              <a:t>대 감염자가 사람이 많은 곳에 외출을 많이 해야 한다고 생각했다</a:t>
+            </a:r>
+            <a:r>
+              <a:rPr lang="en-US" altLang="ko-KR" dirty="0"/>
+              <a:t>.</a:t>
+            </a:r>
+          </a:p>
+          <a:p>
+            <a:r>
+              <a:rPr lang="ko-KR" altLang="en-US" dirty="0"/>
+              <a:t>코로나에 걸린 사람이 이를 퍼트리기 위해선 사람이 많은 곳에 외출을 해야 하기 때문이다</a:t>
+            </a:r>
+            <a:r>
+              <a:rPr lang="en-US" altLang="ko-KR" dirty="0"/>
+              <a:t>.</a:t>
+            </a:r>
+            <a:endParaRPr lang="ko-KR" altLang="en-US" dirty="0"/>
+          </a:p>
+        </p:txBody>
+      </p:sp>
+    </p:spTree>
+    <p:extLst>
+      <p:ext uri="{BB962C8B-B14F-4D97-AF65-F5344CB8AC3E}">
+        <p14:creationId xmlns:p14="http://schemas.microsoft.com/office/powerpoint/2010/main" val="4101479404"/>
+      </p:ext>
+    </p:extLst>
+  </p:cSld>
+  <p:clrMapOvr>
+    <a:masterClrMapping/>
+  </p:clrMapOvr>
+</p:sld>
+</file>
+
 <file path=ppt/theme/theme1.xml><?xml version="1.0" encoding="utf-8"?>
 <a:theme xmlns:a="http://schemas.openxmlformats.org/drawingml/2006/main" name="Office 테마">
   <a:themeElements>
@@ -3594,4 +10893,265 @@
     </a:ext>
   </a:extLst>
 </a:theme>
+</file>
+
+<file path=ppt/theme/theme2.xml><?xml version="1.0" encoding="utf-8"?>
+<a:theme xmlns:a="http://schemas.openxmlformats.org/drawingml/2006/main" name="Office 테마">
+  <a:themeElements>
+    <a:clrScheme name="Office">
+      <a:dk1>
+        <a:sysClr val="windowText" lastClr="000000"/>
+      </a:dk1>
+      <a:lt1>
+        <a:sysClr val="window" lastClr="FFFFFF"/>
+      </a:lt1>
+      <a:dk2>
+        <a:srgbClr val="44546A"/>
+      </a:dk2>
+      <a:lt2>
+        <a:srgbClr val="E7E6E6"/>
+      </a:lt2>
+      <a:accent1>
+        <a:srgbClr val="4472C4"/>
+      </a:accent1>
+      <a:accent2>
+        <a:srgbClr val="ED7D31"/>
+      </a:accent2>
+      <a:accent3>
+        <a:srgbClr val="A5A5A5"/>
+      </a:accent3>
+      <a:accent4>
+        <a:srgbClr val="FFC000"/>
+      </a:accent4>
+      <a:accent5>
+        <a:srgbClr val="5B9BD5"/>
+      </a:accent5>
+      <a:accent6>
+        <a:srgbClr val="70AD47"/>
+      </a:accent6>
+      <a:hlink>
+        <a:srgbClr val="0563C1"/>
+      </a:hlink>
+      <a:folHlink>
+        <a:srgbClr val="954F72"/>
+      </a:folHlink>
+    </a:clrScheme>
+    <a:fontScheme name="Office">
+      <a:majorFont>
+        <a:latin typeface="맑은 고딕" panose="020F0302020204030204"/>
+        <a:ea typeface=""/>
+        <a:cs typeface=""/>
+        <a:font script="Jpan" typeface="ＭＳ Ｐゴシック"/>
+        <a:font script="Hang" typeface="맑은 고딕"/>
+        <a:font script="Hans" typeface="宋体"/>
+        <a:font script="Hant" typeface="新細明體"/>
+        <a:font script="Arab" typeface="Times New Roman"/>
+        <a:font script="Hebr" typeface="Times New Roman"/>
+        <a:font script="Thai" typeface="Angsana New"/>
+        <a:font script="Ethi" typeface="Nyala"/>
+        <a:font script="Beng" typeface="Vrinda"/>
+        <a:font script="Gujr" typeface="Shruti"/>
+        <a:font script="Khmr" typeface="MoolBoran"/>
+        <a:font script="Knda" typeface="Tunga"/>
+        <a:font script="Guru" typeface="Raavi"/>
+        <a:font script="Cans" typeface="Euphemia"/>
+        <a:font script="Cher" typeface="Plantagenet Cherokee"/>
+        <a:font script="Yiii" typeface="Microsoft Yi Baiti"/>
+        <a:font script="Tibt" typeface="Microsoft Himalaya"/>
+        <a:font script="Thaa" typeface="MV Boli"/>
+        <a:font script="Deva" typeface="Mangal"/>
+        <a:font script="Telu" typeface="Gautami"/>
+        <a:font script="Taml" typeface="Latha"/>
+        <a:font script="Syrc" typeface="Estrangelo Edessa"/>
+        <a:font script="Orya" typeface="Kalinga"/>
+        <a:font script="Mlym" typeface="Kartika"/>
+        <a:font script="Laoo" typeface="DokChampa"/>
+        <a:font script="Sinh" typeface="Iskoola Pota"/>
+        <a:font script="Mong" typeface="Mongolian Baiti"/>
+        <a:font script="Viet" typeface="Times New Roman"/>
+        <a:font script="Uigh" typeface="Microsoft Uighur"/>
+        <a:font script="Geor" typeface="Sylfaen"/>
+      </a:majorFont>
+      <a:minorFont>
+        <a:latin typeface="맑은 고딕" panose="020F0502020204030204"/>
+        <a:ea typeface=""/>
+        <a:cs typeface=""/>
+        <a:font script="Jpan" typeface="ＭＳ Ｐゴシック"/>
+        <a:font script="Hang" typeface="맑은 고딕"/>
+        <a:font script="Hans" typeface="宋体"/>
+        <a:font script="Hant" typeface="新細明體"/>
+        <a:font script="Arab" typeface="Arial"/>
+        <a:font script="Hebr" typeface="Arial"/>
+        <a:font script="Thai" typeface="Cordia New"/>
+        <a:font script="Ethi" typeface="Nyala"/>
+        <a:font script="Beng" typeface="Vrinda"/>
+        <a:font script="Gujr" typeface="Shruti"/>
+        <a:font script="Khmr" typeface="DaunPenh"/>
+        <a:font script="Knda" typeface="Tunga"/>
+        <a:font script="Guru" typeface="Raavi"/>
+        <a:font script="Cans" typeface="Euphemia"/>
+        <a:font script="Cher" typeface="Plantagenet Cherokee"/>
+        <a:font script="Yiii" typeface="Microsoft Yi Baiti"/>
+        <a:font script="Tibt" typeface="Microsoft Himalaya"/>
+        <a:font script="Thaa" typeface="MV Boli"/>
+        <a:font script="Deva" typeface="Mangal"/>
+        <a:font script="Telu" typeface="Gautami"/>
+        <a:font script="Taml" typeface="Latha"/>
+        <a:font script="Syrc" typeface="Estrangelo Edessa"/>
+        <a:font script="Orya" typeface="Kalinga"/>
+        <a:font script="Mlym" typeface="Kartika"/>
+        <a:font script="Laoo" typeface="DokChampa"/>
+        <a:font script="Sinh" typeface="Iskoola Pota"/>
+        <a:font script="Mong" typeface="Mongolian Baiti"/>
+        <a:font script="Viet" typeface="Arial"/>
+        <a:font script="Uigh" typeface="Microsoft Uighur"/>
+        <a:font script="Geor" typeface="Sylfaen"/>
+      </a:minorFont>
+    </a:fontScheme>
+    <a:fmtScheme name="Office">
+      <a:fillStyleLst>
+        <a:solidFill>
+          <a:schemeClr val="phClr"/>
+        </a:solidFill>
+        <a:gradFill rotWithShape="1">
+          <a:gsLst>
+            <a:gs pos="0">
+              <a:schemeClr val="phClr">
+                <a:lumMod val="110000"/>
+                <a:satMod val="105000"/>
+                <a:tint val="67000"/>
+              </a:schemeClr>
+            </a:gs>
+            <a:gs pos="50000">
+              <a:schemeClr val="phClr">
+                <a:lumMod val="105000"/>
+                <a:satMod val="103000"/>
+                <a:tint val="73000"/>
+              </a:schemeClr>
+            </a:gs>
+            <a:gs pos="100000">
+              <a:schemeClr val="phClr">
+                <a:lumMod val="105000"/>
+                <a:satMod val="109000"/>
+                <a:tint val="81000"/>
+              </a:schemeClr>
+            </a:gs>
+          </a:gsLst>
+          <a:lin ang="5400000" scaled="0"/>
+        </a:gradFill>
+        <a:gradFill rotWithShape="1">
+          <a:gsLst>
+            <a:gs pos="0">
+              <a:schemeClr val="phClr">
+                <a:satMod val="103000"/>
+                <a:lumMod val="102000"/>
+                <a:tint val="94000"/>
+              </a:schemeClr>
+            </a:gs>
+            <a:gs pos="50000">
+              <a:schemeClr val="phClr">
+                <a:satMod val="110000"/>
+                <a:lumMod val="100000"/>
+                <a:shade val="100000"/>
+              </a:schemeClr>
+            </a:gs>
+            <a:gs pos="100000">
+              <a:schemeClr val="phClr">
+                <a:lumMod val="99000"/>
+                <a:satMod val="120000"/>
+                <a:shade val="78000"/>
+              </a:schemeClr>
+            </a:gs>
+          </a:gsLst>
+          <a:lin ang="5400000" scaled="0"/>
+        </a:gradFill>
+      </a:fillStyleLst>
+      <a:lnStyleLst>
+        <a:ln w="6350" cap="flat" cmpd="sng" algn="ctr">
+          <a:solidFill>
+            <a:schemeClr val="phClr"/>
+          </a:solidFill>
+          <a:prstDash val="solid"/>
+          <a:miter lim="800000"/>
+        </a:ln>
+        <a:ln w="12700" cap="flat" cmpd="sng" algn="ctr">
+          <a:solidFill>
+            <a:schemeClr val="phClr"/>
+          </a:solidFill>
+          <a:prstDash val="solid"/>
+          <a:miter lim="800000"/>
+        </a:ln>
+        <a:ln w="19050" cap="flat" cmpd="sng" algn="ctr">
+          <a:solidFill>
+            <a:schemeClr val="phClr"/>
+          </a:solidFill>
+          <a:prstDash val="solid"/>
+          <a:miter lim="800000"/>
+        </a:ln>
+      </a:lnStyleLst>
+      <a:effectStyleLst>
+        <a:effectStyle>
+          <a:effectLst/>
+        </a:effectStyle>
+        <a:effectStyle>
+          <a:effectLst/>
+        </a:effectStyle>
+        <a:effectStyle>
+          <a:effectLst>
+            <a:outerShdw blurRad="57150" dist="19050" dir="5400000" algn="ctr" rotWithShape="0">
+              <a:srgbClr val="000000">
+                <a:alpha val="63000"/>
+              </a:srgbClr>
+            </a:outerShdw>
+          </a:effectLst>
+        </a:effectStyle>
+      </a:effectStyleLst>
+      <a:bgFillStyleLst>
+        <a:solidFill>
+          <a:schemeClr val="phClr"/>
+        </a:solidFill>
+        <a:solidFill>
+          <a:schemeClr val="phClr">
+            <a:tint val="95000"/>
+            <a:satMod val="170000"/>
+          </a:schemeClr>
+        </a:solidFill>
+        <a:gradFill rotWithShape="1">
+          <a:gsLst>
+            <a:gs pos="0">
+              <a:schemeClr val="phClr">
+                <a:tint val="93000"/>
+                <a:satMod val="150000"/>
+                <a:shade val="98000"/>
+                <a:lumMod val="102000"/>
+              </a:schemeClr>
+            </a:gs>
+            <a:gs pos="50000">
+              <a:schemeClr val="phClr">
+                <a:tint val="98000"/>
+                <a:satMod val="130000"/>
+                <a:shade val="90000"/>
+                <a:lumMod val="103000"/>
+              </a:schemeClr>
+            </a:gs>
+            <a:gs pos="100000">
+              <a:schemeClr val="phClr">
+                <a:shade val="63000"/>
+                <a:satMod val="120000"/>
+              </a:schemeClr>
+            </a:gs>
+          </a:gsLst>
+          <a:lin ang="5400000" scaled="0"/>
+        </a:gradFill>
+      </a:bgFillStyleLst>
+    </a:fmtScheme>
+  </a:themeElements>
+  <a:objectDefaults/>
+  <a:extraClrSchemeLst/>
+  <a:extLst>
+    <a:ext uri="{05A4C25C-085E-4340-85A3-A5531E510DB2}">
+      <thm15:themeFamily xmlns:thm15="http://schemas.microsoft.com/office/thememl/2012/main" name="Office Theme" id="{62F939B6-93AF-4DB8-9C6B-D6C7DFDC589F}" vid="{4A3C46E8-61CC-4603-A589-7422A47A8E4A}"/>
+    </a:ext>
+  </a:extLst>
+</a:theme>
 </file>
--- a/최종합본.pptx
+++ b/최종합본.pptx
@@ -3,24 +3,46 @@
 <p:presentation xmlns:a="http://schemas.openxmlformats.org/drawingml/2006/main" xmlns:r="http://schemas.openxmlformats.org/officeDocument/2006/relationships" xmlns:p="http://schemas.openxmlformats.org/presentationml/2006/main" saveSubsetFonts="1">
   <p:sldMasterIdLst>
     <p:sldMasterId id="2147483660" r:id="rId1"/>
-    <p:sldMasterId id="2147483648" r:id="rId2"/>
+    <p:sldMasterId id="2147483673" r:id="rId2"/>
+    <p:sldMasterId id="2147483659" r:id="rId3"/>
   </p:sldMasterIdLst>
+  <p:notesMasterIdLst>
+    <p:notesMasterId r:id="rId37"/>
+  </p:notesMasterIdLst>
   <p:sldIdLst>
-    <p:sldId id="257" r:id="rId3"/>
-    <p:sldId id="271" r:id="rId4"/>
-    <p:sldId id="258" r:id="rId5"/>
-    <p:sldId id="264" r:id="rId6"/>
-    <p:sldId id="272" r:id="rId7"/>
-    <p:sldId id="275" r:id="rId8"/>
-    <p:sldId id="276" r:id="rId9"/>
-    <p:sldId id="263" r:id="rId10"/>
-    <p:sldId id="265" r:id="rId11"/>
-    <p:sldId id="266" r:id="rId12"/>
-    <p:sldId id="267" r:id="rId13"/>
-    <p:sldId id="268" r:id="rId14"/>
-    <p:sldId id="273" r:id="rId15"/>
-    <p:sldId id="269" r:id="rId16"/>
-    <p:sldId id="274" r:id="rId17"/>
+    <p:sldId id="257" r:id="rId4"/>
+    <p:sldId id="271" r:id="rId5"/>
+    <p:sldId id="258" r:id="rId6"/>
+    <p:sldId id="264" r:id="rId7"/>
+    <p:sldId id="272" r:id="rId8"/>
+    <p:sldId id="275" r:id="rId9"/>
+    <p:sldId id="276" r:id="rId10"/>
+    <p:sldId id="263" r:id="rId11"/>
+    <p:sldId id="265" r:id="rId12"/>
+    <p:sldId id="266" r:id="rId13"/>
+    <p:sldId id="267" r:id="rId14"/>
+    <p:sldId id="268" r:id="rId15"/>
+    <p:sldId id="273" r:id="rId16"/>
+    <p:sldId id="269" r:id="rId17"/>
+    <p:sldId id="274" r:id="rId18"/>
+    <p:sldId id="277" r:id="rId19"/>
+    <p:sldId id="292" r:id="rId20"/>
+    <p:sldId id="293" r:id="rId21"/>
+    <p:sldId id="294" r:id="rId22"/>
+    <p:sldId id="295" r:id="rId23"/>
+    <p:sldId id="296" r:id="rId24"/>
+    <p:sldId id="297" r:id="rId25"/>
+    <p:sldId id="298" r:id="rId26"/>
+    <p:sldId id="291" r:id="rId27"/>
+    <p:sldId id="290" r:id="rId28"/>
+    <p:sldId id="289" r:id="rId29"/>
+    <p:sldId id="288" r:id="rId30"/>
+    <p:sldId id="287" r:id="rId31"/>
+    <p:sldId id="286" r:id="rId32"/>
+    <p:sldId id="285" r:id="rId33"/>
+    <p:sldId id="278" r:id="rId34"/>
+    <p:sldId id="279" r:id="rId35"/>
+    <p:sldId id="280" r:id="rId36"/>
   </p:sldIdLst>
   <p:sldSz cx="12192000" cy="6858000"/>
   <p:notesSz cx="6858000" cy="9144000"/>
@@ -132,8 +154,1086 @@
   <p1510:revLst>
     <p1510:client id="{2BFF7B8E-AA04-4116-B7CD-F87AF890BA15}" v="3" dt="2020-09-08T02:08:56.498"/>
     <p1510:client id="{92C9369D-2089-4A04-5FF9-4FA6A585B5BE}" v="162" dt="2020-09-08T02:16:10.674"/>
+    <p1510:client id="{F6EA998B-9D19-5BAC-384E-B7F480CAD6D9}" v="162" dt="2020-09-08T03:40:37.419"/>
   </p1510:revLst>
 </p1510:revInfo>
+</file>
+
+<file path=ppt/notesMasters/notesMaster1.xml><?xml version="1.0" encoding="utf-8"?>
+<p:notesMaster xmlns:a="http://schemas.openxmlformats.org/drawingml/2006/main" xmlns:r="http://schemas.openxmlformats.org/officeDocument/2006/relationships" xmlns:p="http://schemas.openxmlformats.org/presentationml/2006/main">
+  <p:cSld>
+    <p:bg>
+      <p:bgRef idx="1001">
+        <a:schemeClr val="bg1"/>
+      </p:bgRef>
+    </p:bg>
+    <p:spTree>
+      <p:nvGrpSpPr>
+        <p:cNvPr id="1" name=""/>
+        <p:cNvGrpSpPr/>
+        <p:nvPr/>
+      </p:nvGrpSpPr>
+      <p:grpSpPr>
+        <a:xfrm>
+          <a:off x="0" y="0"/>
+          <a:ext cx="0" cy="0"/>
+          <a:chOff x="0" y="0"/>
+          <a:chExt cx="0" cy="0"/>
+        </a:xfrm>
+      </p:grpSpPr>
+      <p:sp>
+        <p:nvSpPr>
+          <p:cNvPr id="2" name="머리글 개체 틀 1"/>
+          <p:cNvSpPr>
+            <a:spLocks noGrp="1"/>
+          </p:cNvSpPr>
+          <p:nvPr>
+            <p:ph type="hdr" sz="quarter"/>
+          </p:nvPr>
+        </p:nvSpPr>
+        <p:spPr>
+          <a:xfrm>
+            <a:off x="0" y="0"/>
+            <a:ext cx="2971800" cy="458788"/>
+          </a:xfrm>
+          <a:prstGeom prst="rect">
+            <a:avLst/>
+          </a:prstGeom>
+        </p:spPr>
+        <p:txBody>
+          <a:bodyPr vert="horz" lIns="91440" tIns="45720" rIns="91440" bIns="45720" rtlCol="0"/>
+          <a:lstStyle>
+            <a:lvl1pPr algn="l">
+              <a:defRPr sz="1200"/>
+            </a:lvl1pPr>
+          </a:lstStyle>
+          <a:p>
+            <a:endParaRPr lang="ko-KR" altLang="en-US"/>
+          </a:p>
+        </p:txBody>
+      </p:sp>
+      <p:sp>
+        <p:nvSpPr>
+          <p:cNvPr id="3" name="날짜 개체 틀 2"/>
+          <p:cNvSpPr>
+            <a:spLocks noGrp="1"/>
+          </p:cNvSpPr>
+          <p:nvPr>
+            <p:ph type="dt" idx="1"/>
+          </p:nvPr>
+        </p:nvSpPr>
+        <p:spPr>
+          <a:xfrm>
+            <a:off x="3884613" y="0"/>
+            <a:ext cx="2971800" cy="458788"/>
+          </a:xfrm>
+          <a:prstGeom prst="rect">
+            <a:avLst/>
+          </a:prstGeom>
+        </p:spPr>
+        <p:txBody>
+          <a:bodyPr vert="horz" lIns="91440" tIns="45720" rIns="91440" bIns="45720" rtlCol="0"/>
+          <a:lstStyle>
+            <a:lvl1pPr algn="r">
+              <a:defRPr sz="1200"/>
+            </a:lvl1pPr>
+          </a:lstStyle>
+          <a:p>
+            <a:fld id="{95E34A70-BBD6-4D79-B478-3CC5CCACB8C7}" type="datetimeFigureOut">
+              <a:rPr lang="en-US" altLang="ko-KR"/>
+              <a:t>9/7/2020</a:t>
+            </a:fld>
+            <a:endParaRPr lang="ko-KR" altLang="en-US"/>
+          </a:p>
+        </p:txBody>
+      </p:sp>
+      <p:sp>
+        <p:nvSpPr>
+          <p:cNvPr id="4" name="슬라이드 이미지 개체 틀 3"/>
+          <p:cNvSpPr>
+            <a:spLocks noGrp="1" noRot="1" noChangeAspect="1"/>
+          </p:cNvSpPr>
+          <p:nvPr>
+            <p:ph type="sldImg" idx="2"/>
+          </p:nvPr>
+        </p:nvSpPr>
+        <p:spPr>
+          <a:xfrm>
+            <a:off x="685800" y="1143000"/>
+            <a:ext cx="5486400" cy="3086100"/>
+          </a:xfrm>
+          <a:prstGeom prst="rect">
+            <a:avLst/>
+          </a:prstGeom>
+          <a:noFill/>
+          <a:ln w="12700">
+            <a:solidFill>
+              <a:prstClr val="black"/>
+            </a:solidFill>
+          </a:ln>
+        </p:spPr>
+        <p:txBody>
+          <a:bodyPr vert="horz" lIns="91440" tIns="45720" rIns="91440" bIns="45720" rtlCol="0" anchor="ctr"/>
+          <a:lstStyle/>
+          <a:p>
+            <a:endParaRPr lang="ko-KR" altLang="en-US"/>
+          </a:p>
+        </p:txBody>
+      </p:sp>
+      <p:sp>
+        <p:nvSpPr>
+          <p:cNvPr id="5" name="슬라이드 노트 개체 틀 4"/>
+          <p:cNvSpPr>
+            <a:spLocks noGrp="1"/>
+          </p:cNvSpPr>
+          <p:nvPr>
+            <p:ph type="body" sz="quarter" idx="3"/>
+          </p:nvPr>
+        </p:nvSpPr>
+        <p:spPr>
+          <a:xfrm>
+            <a:off x="685800" y="4400550"/>
+            <a:ext cx="5486400" cy="3600450"/>
+          </a:xfrm>
+          <a:prstGeom prst="rect">
+            <a:avLst/>
+          </a:prstGeom>
+        </p:spPr>
+        <p:txBody>
+          <a:bodyPr vert="horz" lIns="91440" tIns="45720" rIns="91440" bIns="45720" rtlCol="0"/>
+          <a:lstStyle/>
+          <a:p>
+            <a:pPr lvl="0"/>
+            <a:r>
+              <a:rPr lang="ko-KR" altLang="en-US"/>
+              <a:t>마스터 텍스트 스타일을 편집하려면 클릭</a:t>
+            </a:r>
+          </a:p>
+          <a:p>
+            <a:pPr lvl="1"/>
+            <a:r>
+              <a:rPr lang="ko-KR" altLang="en-US"/>
+              <a:t>두 번째 수준</a:t>
+            </a:r>
+          </a:p>
+          <a:p>
+            <a:pPr lvl="2"/>
+            <a:r>
+              <a:rPr lang="ko-KR" altLang="en-US"/>
+              <a:t>세 번째 수준</a:t>
+            </a:r>
+          </a:p>
+          <a:p>
+            <a:pPr lvl="3"/>
+            <a:r>
+              <a:rPr lang="ko-KR" altLang="en-US"/>
+              <a:t>네 번째 수준</a:t>
+            </a:r>
+          </a:p>
+          <a:p>
+            <a:pPr lvl="4"/>
+            <a:r>
+              <a:rPr lang="ko-KR" altLang="en-US"/>
+              <a:t>다섯 번째 수준</a:t>
+            </a:r>
+          </a:p>
+        </p:txBody>
+      </p:sp>
+      <p:sp>
+        <p:nvSpPr>
+          <p:cNvPr id="6" name="바닥글 개체 틀 5"/>
+          <p:cNvSpPr>
+            <a:spLocks noGrp="1"/>
+          </p:cNvSpPr>
+          <p:nvPr>
+            <p:ph type="ftr" sz="quarter" idx="4"/>
+          </p:nvPr>
+        </p:nvSpPr>
+        <p:spPr>
+          <a:xfrm>
+            <a:off x="0" y="8685213"/>
+            <a:ext cx="2971800" cy="458787"/>
+          </a:xfrm>
+          <a:prstGeom prst="rect">
+            <a:avLst/>
+          </a:prstGeom>
+        </p:spPr>
+        <p:txBody>
+          <a:bodyPr vert="horz" lIns="91440" tIns="45720" rIns="91440" bIns="45720" rtlCol="0" anchor="b"/>
+          <a:lstStyle>
+            <a:lvl1pPr algn="l">
+              <a:defRPr sz="1200"/>
+            </a:lvl1pPr>
+          </a:lstStyle>
+          <a:p>
+            <a:endParaRPr lang="ko-KR" altLang="en-US"/>
+          </a:p>
+        </p:txBody>
+      </p:sp>
+      <p:sp>
+        <p:nvSpPr>
+          <p:cNvPr id="7" name="슬라이드 번호 개체 틀 6"/>
+          <p:cNvSpPr>
+            <a:spLocks noGrp="1"/>
+          </p:cNvSpPr>
+          <p:nvPr>
+            <p:ph type="sldNum" sz="quarter" idx="5"/>
+          </p:nvPr>
+        </p:nvSpPr>
+        <p:spPr>
+          <a:xfrm>
+            <a:off x="3884613" y="8685213"/>
+            <a:ext cx="2971800" cy="458787"/>
+          </a:xfrm>
+          <a:prstGeom prst="rect">
+            <a:avLst/>
+          </a:prstGeom>
+        </p:spPr>
+        <p:txBody>
+          <a:bodyPr vert="horz" lIns="91440" tIns="45720" rIns="91440" bIns="45720" rtlCol="0" anchor="b"/>
+          <a:lstStyle>
+            <a:lvl1pPr algn="r">
+              <a:defRPr sz="1200"/>
+            </a:lvl1pPr>
+          </a:lstStyle>
+          <a:p>
+            <a:fld id="{E84D6508-3D2C-476B-9ECA-6CD982D4880F}" type="slidenum">
+              <a:rPr lang="en-US" altLang="ko-KR"/>
+              <a:t>‹#›</a:t>
+            </a:fld>
+            <a:endParaRPr lang="ko-KR" altLang="en-US"/>
+          </a:p>
+        </p:txBody>
+      </p:sp>
+    </p:spTree>
+    <p:extLst>
+      <p:ext uri="{BB962C8B-B14F-4D97-AF65-F5344CB8AC3E}">
+        <p14:creationId xmlns:p14="http://schemas.microsoft.com/office/powerpoint/2010/main" val="1256335208"/>
+      </p:ext>
+    </p:extLst>
+  </p:cSld>
+  <p:clrMap bg1="lt1" tx1="dk1" bg2="lt2" tx2="dk2" accent1="accent1" accent2="accent2" accent3="accent3" accent4="accent4" accent5="accent5" accent6="accent6" hlink="hlink" folHlink="folHlink"/>
+  <p:notesStyle>
+    <a:lvl1pPr marL="0" algn="l" defTabSz="914400" rtl="0" eaLnBrk="1" latinLnBrk="1" hangingPunct="1">
+      <a:defRPr sz="1200" kern="1200">
+        <a:solidFill>
+          <a:schemeClr val="tx1"/>
+        </a:solidFill>
+        <a:latin typeface="+mn-lt"/>
+        <a:ea typeface="+mn-ea"/>
+        <a:cs typeface="+mn-cs"/>
+      </a:defRPr>
+    </a:lvl1pPr>
+    <a:lvl2pPr marL="457200" algn="l" defTabSz="914400" rtl="0" eaLnBrk="1" latinLnBrk="1" hangingPunct="1">
+      <a:defRPr sz="1200" kern="1200">
+        <a:solidFill>
+          <a:schemeClr val="tx1"/>
+        </a:solidFill>
+        <a:latin typeface="+mn-lt"/>
+        <a:ea typeface="+mn-ea"/>
+        <a:cs typeface="+mn-cs"/>
+      </a:defRPr>
+    </a:lvl2pPr>
+    <a:lvl3pPr marL="914400" algn="l" defTabSz="914400" rtl="0" eaLnBrk="1" latinLnBrk="1" hangingPunct="1">
+      <a:defRPr sz="1200" kern="1200">
+        <a:solidFill>
+          <a:schemeClr val="tx1"/>
+        </a:solidFill>
+        <a:latin typeface="+mn-lt"/>
+        <a:ea typeface="+mn-ea"/>
+        <a:cs typeface="+mn-cs"/>
+      </a:defRPr>
+    </a:lvl3pPr>
+    <a:lvl4pPr marL="1371600" algn="l" defTabSz="914400" rtl="0" eaLnBrk="1" latinLnBrk="1" hangingPunct="1">
+      <a:defRPr sz="1200" kern="1200">
+        <a:solidFill>
+          <a:schemeClr val="tx1"/>
+        </a:solidFill>
+        <a:latin typeface="+mn-lt"/>
+        <a:ea typeface="+mn-ea"/>
+        <a:cs typeface="+mn-cs"/>
+      </a:defRPr>
+    </a:lvl4pPr>
+    <a:lvl5pPr marL="1828800" algn="l" defTabSz="914400" rtl="0" eaLnBrk="1" latinLnBrk="1" hangingPunct="1">
+      <a:defRPr sz="1200" kern="1200">
+        <a:solidFill>
+          <a:schemeClr val="tx1"/>
+        </a:solidFill>
+        <a:latin typeface="+mn-lt"/>
+        <a:ea typeface="+mn-ea"/>
+        <a:cs typeface="+mn-cs"/>
+      </a:defRPr>
+    </a:lvl5pPr>
+    <a:lvl6pPr marL="2286000" algn="l" defTabSz="914400" rtl="0" eaLnBrk="1" latinLnBrk="1" hangingPunct="1">
+      <a:defRPr sz="1200" kern="1200">
+        <a:solidFill>
+          <a:schemeClr val="tx1"/>
+        </a:solidFill>
+        <a:latin typeface="+mn-lt"/>
+        <a:ea typeface="+mn-ea"/>
+        <a:cs typeface="+mn-cs"/>
+      </a:defRPr>
+    </a:lvl6pPr>
+    <a:lvl7pPr marL="2743200" algn="l" defTabSz="914400" rtl="0" eaLnBrk="1" latinLnBrk="1" hangingPunct="1">
+      <a:defRPr sz="1200" kern="1200">
+        <a:solidFill>
+          <a:schemeClr val="tx1"/>
+        </a:solidFill>
+        <a:latin typeface="+mn-lt"/>
+        <a:ea typeface="+mn-ea"/>
+        <a:cs typeface="+mn-cs"/>
+      </a:defRPr>
+    </a:lvl7pPr>
+    <a:lvl8pPr marL="3200400" algn="l" defTabSz="914400" rtl="0" eaLnBrk="1" latinLnBrk="1" hangingPunct="1">
+      <a:defRPr sz="1200" kern="1200">
+        <a:solidFill>
+          <a:schemeClr val="tx1"/>
+        </a:solidFill>
+        <a:latin typeface="+mn-lt"/>
+        <a:ea typeface="+mn-ea"/>
+        <a:cs typeface="+mn-cs"/>
+      </a:defRPr>
+    </a:lvl8pPr>
+    <a:lvl9pPr marL="3657600" algn="l" defTabSz="914400" rtl="0" eaLnBrk="1" latinLnBrk="1" hangingPunct="1">
+      <a:defRPr sz="1200" kern="1200">
+        <a:solidFill>
+          <a:schemeClr val="tx1"/>
+        </a:solidFill>
+        <a:latin typeface="+mn-lt"/>
+        <a:ea typeface="+mn-ea"/>
+        <a:cs typeface="+mn-cs"/>
+      </a:defRPr>
+    </a:lvl9pPr>
+  </p:notesStyle>
+</p:notesMaster>
+</file>
+
+<file path=ppt/notesSlides/notesSlide1.xml><?xml version="1.0" encoding="utf-8"?>
+<p:notes xmlns:a="http://schemas.openxmlformats.org/drawingml/2006/main" xmlns:r="http://schemas.openxmlformats.org/officeDocument/2006/relationships" xmlns:p="http://schemas.openxmlformats.org/presentationml/2006/main" showMasterSp="0" showMasterPhAnim="0">
+  <p:cSld>
+    <p:spTree>
+      <p:nvGrpSpPr>
+        <p:cNvPr id="1" name="Shape 50"/>
+        <p:cNvGrpSpPr/>
+        <p:nvPr/>
+      </p:nvGrpSpPr>
+      <p:grpSpPr>
+        <a:xfrm>
+          <a:off x="0" y="0"/>
+          <a:ext cx="0" cy="0"/>
+          <a:chOff x="0" y="0"/>
+          <a:chExt cx="0" cy="0"/>
+        </a:xfrm>
+      </p:grpSpPr>
+      <p:sp>
+        <p:nvSpPr>
+          <p:cNvPr id="51" name="Google Shape;51;g970ef64d1e_0_66:notes"/>
+          <p:cNvSpPr>
+            <a:spLocks noGrp="1" noRot="1" noChangeAspect="1"/>
+          </p:cNvSpPr>
+          <p:nvPr>
+            <p:ph type="sldImg" idx="2"/>
+          </p:nvPr>
+        </p:nvSpPr>
+        <p:spPr>
+          <a:xfrm>
+            <a:off x="381000" y="685800"/>
+            <a:ext cx="6096000" cy="3429000"/>
+          </a:xfrm>
+          <a:custGeom>
+            <a:avLst/>
+            <a:gdLst/>
+            <a:ahLst/>
+            <a:cxnLst/>
+            <a:rect l="l" t="t" r="r" b="b"/>
+            <a:pathLst>
+              <a:path w="120000" h="120000" extrusionOk="0">
+                <a:moveTo>
+                  <a:pt x="0" y="0"/>
+                </a:moveTo>
+                <a:lnTo>
+                  <a:pt x="120000" y="0"/>
+                </a:lnTo>
+                <a:lnTo>
+                  <a:pt x="120000" y="120000"/>
+                </a:lnTo>
+                <a:lnTo>
+                  <a:pt x="0" y="120000"/>
+                </a:lnTo>
+                <a:close/>
+              </a:path>
+            </a:pathLst>
+          </a:custGeom>
+        </p:spPr>
+      </p:sp>
+      <p:sp>
+        <p:nvSpPr>
+          <p:cNvPr id="52" name="Google Shape;52;g970ef64d1e_0_66:notes"/>
+          <p:cNvSpPr txBox="1">
+            <a:spLocks noGrp="1"/>
+          </p:cNvSpPr>
+          <p:nvPr>
+            <p:ph type="body" idx="1"/>
+          </p:nvPr>
+        </p:nvSpPr>
+        <p:spPr>
+          <a:xfrm>
+            <a:off x="685800" y="4343400"/>
+            <a:ext cx="5486400" cy="4114800"/>
+          </a:xfrm>
+          <a:prstGeom prst="rect">
+            <a:avLst/>
+          </a:prstGeom>
+        </p:spPr>
+        <p:txBody>
+          <a:bodyPr spcFirstLastPara="1" wrap="square" lIns="91425" tIns="91425" rIns="91425" bIns="91425" anchor="t" anchorCtr="0">
+            <a:noAutofit/>
+          </a:bodyPr>
+          <a:lstStyle/>
+          <a:p>
+            <a:pPr marL="0" lvl="0" indent="0" algn="l" rtl="0">
+              <a:spcBef>
+                <a:spcPts val="0"/>
+              </a:spcBef>
+              <a:spcAft>
+                <a:spcPts val="0"/>
+              </a:spcAft>
+              <a:buNone/>
+            </a:pPr>
+            <a:endParaRPr/>
+          </a:p>
+        </p:txBody>
+      </p:sp>
+    </p:spTree>
+  </p:cSld>
+  <p:clrMapOvr>
+    <a:masterClrMapping/>
+  </p:clrMapOvr>
+</p:notes>
+</file>
+
+<file path=ppt/notesSlides/notesSlide2.xml><?xml version="1.0" encoding="utf-8"?>
+<p:notes xmlns:a="http://schemas.openxmlformats.org/drawingml/2006/main" xmlns:r="http://schemas.openxmlformats.org/officeDocument/2006/relationships" xmlns:p="http://schemas.openxmlformats.org/presentationml/2006/main" showMasterSp="0" showMasterPhAnim="0">
+  <p:cSld>
+    <p:spTree>
+      <p:nvGrpSpPr>
+        <p:cNvPr id="1" name="Shape 55"/>
+        <p:cNvGrpSpPr/>
+        <p:nvPr/>
+      </p:nvGrpSpPr>
+      <p:grpSpPr>
+        <a:xfrm>
+          <a:off x="0" y="0"/>
+          <a:ext cx="0" cy="0"/>
+          <a:chOff x="0" y="0"/>
+          <a:chExt cx="0" cy="0"/>
+        </a:xfrm>
+      </p:grpSpPr>
+      <p:sp>
+        <p:nvSpPr>
+          <p:cNvPr id="56" name="Google Shape;56;g970ef64d1e_0_92:notes"/>
+          <p:cNvSpPr>
+            <a:spLocks noGrp="1" noRot="1" noChangeAspect="1"/>
+          </p:cNvSpPr>
+          <p:nvPr>
+            <p:ph type="sldImg" idx="2"/>
+          </p:nvPr>
+        </p:nvSpPr>
+        <p:spPr>
+          <a:xfrm>
+            <a:off x="381000" y="685800"/>
+            <a:ext cx="6096000" cy="3429000"/>
+          </a:xfrm>
+          <a:custGeom>
+            <a:avLst/>
+            <a:gdLst/>
+            <a:ahLst/>
+            <a:cxnLst/>
+            <a:rect l="l" t="t" r="r" b="b"/>
+            <a:pathLst>
+              <a:path w="120000" h="120000" extrusionOk="0">
+                <a:moveTo>
+                  <a:pt x="0" y="0"/>
+                </a:moveTo>
+                <a:lnTo>
+                  <a:pt x="120000" y="0"/>
+                </a:lnTo>
+                <a:lnTo>
+                  <a:pt x="120000" y="120000"/>
+                </a:lnTo>
+                <a:lnTo>
+                  <a:pt x="0" y="120000"/>
+                </a:lnTo>
+                <a:close/>
+              </a:path>
+            </a:pathLst>
+          </a:custGeom>
+        </p:spPr>
+      </p:sp>
+      <p:sp>
+        <p:nvSpPr>
+          <p:cNvPr id="57" name="Google Shape;57;g970ef64d1e_0_92:notes"/>
+          <p:cNvSpPr txBox="1">
+            <a:spLocks noGrp="1"/>
+          </p:cNvSpPr>
+          <p:nvPr>
+            <p:ph type="body" idx="1"/>
+          </p:nvPr>
+        </p:nvSpPr>
+        <p:spPr>
+          <a:xfrm>
+            <a:off x="685800" y="4343400"/>
+            <a:ext cx="5486400" cy="4114800"/>
+          </a:xfrm>
+          <a:prstGeom prst="rect">
+            <a:avLst/>
+          </a:prstGeom>
+        </p:spPr>
+        <p:txBody>
+          <a:bodyPr spcFirstLastPara="1" wrap="square" lIns="91425" tIns="91425" rIns="91425" bIns="91425" anchor="t" anchorCtr="0">
+            <a:noAutofit/>
+          </a:bodyPr>
+          <a:lstStyle/>
+          <a:p>
+            <a:pPr marL="0" lvl="0" indent="0" algn="l" rtl="0">
+              <a:spcBef>
+                <a:spcPts val="0"/>
+              </a:spcBef>
+              <a:spcAft>
+                <a:spcPts val="0"/>
+              </a:spcAft>
+              <a:buNone/>
+            </a:pPr>
+            <a:endParaRPr/>
+          </a:p>
+        </p:txBody>
+      </p:sp>
+    </p:spTree>
+  </p:cSld>
+  <p:clrMapOvr>
+    <a:masterClrMapping/>
+  </p:clrMapOvr>
+</p:notes>
+</file>
+
+<file path=ppt/notesSlides/notesSlide3.xml><?xml version="1.0" encoding="utf-8"?>
+<p:notes xmlns:a="http://schemas.openxmlformats.org/drawingml/2006/main" xmlns:r="http://schemas.openxmlformats.org/officeDocument/2006/relationships" xmlns:p="http://schemas.openxmlformats.org/presentationml/2006/main" showMasterSp="0" showMasterPhAnim="0">
+  <p:cSld>
+    <p:spTree>
+      <p:nvGrpSpPr>
+        <p:cNvPr id="1" name="Shape 62"/>
+        <p:cNvGrpSpPr/>
+        <p:nvPr/>
+      </p:nvGrpSpPr>
+      <p:grpSpPr>
+        <a:xfrm>
+          <a:off x="0" y="0"/>
+          <a:ext cx="0" cy="0"/>
+          <a:chOff x="0" y="0"/>
+          <a:chExt cx="0" cy="0"/>
+        </a:xfrm>
+      </p:grpSpPr>
+      <p:sp>
+        <p:nvSpPr>
+          <p:cNvPr id="63" name="Google Shape;63;g970ef64d1e_0_86:notes"/>
+          <p:cNvSpPr>
+            <a:spLocks noGrp="1" noRot="1" noChangeAspect="1"/>
+          </p:cNvSpPr>
+          <p:nvPr>
+            <p:ph type="sldImg" idx="2"/>
+          </p:nvPr>
+        </p:nvSpPr>
+        <p:spPr>
+          <a:xfrm>
+            <a:off x="381000" y="685800"/>
+            <a:ext cx="6096000" cy="3429000"/>
+          </a:xfrm>
+          <a:custGeom>
+            <a:avLst/>
+            <a:gdLst/>
+            <a:ahLst/>
+            <a:cxnLst/>
+            <a:rect l="l" t="t" r="r" b="b"/>
+            <a:pathLst>
+              <a:path w="120000" h="120000" extrusionOk="0">
+                <a:moveTo>
+                  <a:pt x="0" y="0"/>
+                </a:moveTo>
+                <a:lnTo>
+                  <a:pt x="120000" y="0"/>
+                </a:lnTo>
+                <a:lnTo>
+                  <a:pt x="120000" y="120000"/>
+                </a:lnTo>
+                <a:lnTo>
+                  <a:pt x="0" y="120000"/>
+                </a:lnTo>
+                <a:close/>
+              </a:path>
+            </a:pathLst>
+          </a:custGeom>
+        </p:spPr>
+      </p:sp>
+      <p:sp>
+        <p:nvSpPr>
+          <p:cNvPr id="64" name="Google Shape;64;g970ef64d1e_0_86:notes"/>
+          <p:cNvSpPr txBox="1">
+            <a:spLocks noGrp="1"/>
+          </p:cNvSpPr>
+          <p:nvPr>
+            <p:ph type="body" idx="1"/>
+          </p:nvPr>
+        </p:nvSpPr>
+        <p:spPr>
+          <a:xfrm>
+            <a:off x="685800" y="4343400"/>
+            <a:ext cx="5486400" cy="4114800"/>
+          </a:xfrm>
+          <a:prstGeom prst="rect">
+            <a:avLst/>
+          </a:prstGeom>
+        </p:spPr>
+        <p:txBody>
+          <a:bodyPr spcFirstLastPara="1" wrap="square" lIns="91425" tIns="91425" rIns="91425" bIns="91425" anchor="t" anchorCtr="0">
+            <a:noAutofit/>
+          </a:bodyPr>
+          <a:lstStyle/>
+          <a:p>
+            <a:pPr marL="0" lvl="0" indent="0" algn="l" rtl="0">
+              <a:spcBef>
+                <a:spcPts val="0"/>
+              </a:spcBef>
+              <a:spcAft>
+                <a:spcPts val="0"/>
+              </a:spcAft>
+              <a:buNone/>
+            </a:pPr>
+            <a:endParaRPr/>
+          </a:p>
+        </p:txBody>
+      </p:sp>
+    </p:spTree>
+  </p:cSld>
+  <p:clrMapOvr>
+    <a:masterClrMapping/>
+  </p:clrMapOvr>
+</p:notes>
+</file>
+
+<file path=ppt/notesSlides/notesSlide4.xml><?xml version="1.0" encoding="utf-8"?>
+<p:notes xmlns:a="http://schemas.openxmlformats.org/drawingml/2006/main" xmlns:r="http://schemas.openxmlformats.org/officeDocument/2006/relationships" xmlns:p="http://schemas.openxmlformats.org/presentationml/2006/main" showMasterSp="0" showMasterPhAnim="0">
+  <p:cSld>
+    <p:spTree>
+      <p:nvGrpSpPr>
+        <p:cNvPr id="1" name="Shape 69"/>
+        <p:cNvGrpSpPr/>
+        <p:nvPr/>
+      </p:nvGrpSpPr>
+      <p:grpSpPr>
+        <a:xfrm>
+          <a:off x="0" y="0"/>
+          <a:ext cx="0" cy="0"/>
+          <a:chOff x="0" y="0"/>
+          <a:chExt cx="0" cy="0"/>
+        </a:xfrm>
+      </p:grpSpPr>
+      <p:sp>
+        <p:nvSpPr>
+          <p:cNvPr id="70" name="Google Shape;70;g970ef64d1e_0_59:notes"/>
+          <p:cNvSpPr>
+            <a:spLocks noGrp="1" noRot="1" noChangeAspect="1"/>
+          </p:cNvSpPr>
+          <p:nvPr>
+            <p:ph type="sldImg" idx="2"/>
+          </p:nvPr>
+        </p:nvSpPr>
+        <p:spPr>
+          <a:xfrm>
+            <a:off x="381000" y="685800"/>
+            <a:ext cx="6096000" cy="3429000"/>
+          </a:xfrm>
+          <a:custGeom>
+            <a:avLst/>
+            <a:gdLst/>
+            <a:ahLst/>
+            <a:cxnLst/>
+            <a:rect l="l" t="t" r="r" b="b"/>
+            <a:pathLst>
+              <a:path w="120000" h="120000" extrusionOk="0">
+                <a:moveTo>
+                  <a:pt x="0" y="0"/>
+                </a:moveTo>
+                <a:lnTo>
+                  <a:pt x="120000" y="0"/>
+                </a:lnTo>
+                <a:lnTo>
+                  <a:pt x="120000" y="120000"/>
+                </a:lnTo>
+                <a:lnTo>
+                  <a:pt x="0" y="120000"/>
+                </a:lnTo>
+                <a:close/>
+              </a:path>
+            </a:pathLst>
+          </a:custGeom>
+        </p:spPr>
+      </p:sp>
+      <p:sp>
+        <p:nvSpPr>
+          <p:cNvPr id="71" name="Google Shape;71;g970ef64d1e_0_59:notes"/>
+          <p:cNvSpPr txBox="1">
+            <a:spLocks noGrp="1"/>
+          </p:cNvSpPr>
+          <p:nvPr>
+            <p:ph type="body" idx="1"/>
+          </p:nvPr>
+        </p:nvSpPr>
+        <p:spPr>
+          <a:xfrm>
+            <a:off x="685800" y="4343400"/>
+            <a:ext cx="5486400" cy="4114800"/>
+          </a:xfrm>
+          <a:prstGeom prst="rect">
+            <a:avLst/>
+          </a:prstGeom>
+        </p:spPr>
+        <p:txBody>
+          <a:bodyPr spcFirstLastPara="1" wrap="square" lIns="91425" tIns="91425" rIns="91425" bIns="91425" anchor="t" anchorCtr="0">
+            <a:noAutofit/>
+          </a:bodyPr>
+          <a:lstStyle/>
+          <a:p>
+            <a:pPr marL="0" lvl="0" indent="0" algn="l" rtl="0">
+              <a:spcBef>
+                <a:spcPts val="0"/>
+              </a:spcBef>
+              <a:spcAft>
+                <a:spcPts val="0"/>
+              </a:spcAft>
+              <a:buNone/>
+            </a:pPr>
+            <a:endParaRPr/>
+          </a:p>
+        </p:txBody>
+      </p:sp>
+    </p:spTree>
+  </p:cSld>
+  <p:clrMapOvr>
+    <a:masterClrMapping/>
+  </p:clrMapOvr>
+</p:notes>
+</file>
+
+<file path=ppt/notesSlides/notesSlide5.xml><?xml version="1.0" encoding="utf-8"?>
+<p:notes xmlns:a="http://schemas.openxmlformats.org/drawingml/2006/main" xmlns:r="http://schemas.openxmlformats.org/officeDocument/2006/relationships" xmlns:p="http://schemas.openxmlformats.org/presentationml/2006/main" showMasterSp="0" showMasterPhAnim="0">
+  <p:cSld>
+    <p:spTree>
+      <p:nvGrpSpPr>
+        <p:cNvPr id="1" name="Shape 78"/>
+        <p:cNvGrpSpPr/>
+        <p:nvPr/>
+      </p:nvGrpSpPr>
+      <p:grpSpPr>
+        <a:xfrm>
+          <a:off x="0" y="0"/>
+          <a:ext cx="0" cy="0"/>
+          <a:chOff x="0" y="0"/>
+          <a:chExt cx="0" cy="0"/>
+        </a:xfrm>
+      </p:grpSpPr>
+      <p:sp>
+        <p:nvSpPr>
+          <p:cNvPr id="79" name="Google Shape;79;g970e84d78b_0_9:notes"/>
+          <p:cNvSpPr>
+            <a:spLocks noGrp="1" noRot="1" noChangeAspect="1"/>
+          </p:cNvSpPr>
+          <p:nvPr>
+            <p:ph type="sldImg" idx="2"/>
+          </p:nvPr>
+        </p:nvSpPr>
+        <p:spPr>
+          <a:xfrm>
+            <a:off x="381000" y="685800"/>
+            <a:ext cx="6096000" cy="3429000"/>
+          </a:xfrm>
+          <a:custGeom>
+            <a:avLst/>
+            <a:gdLst/>
+            <a:ahLst/>
+            <a:cxnLst/>
+            <a:rect l="l" t="t" r="r" b="b"/>
+            <a:pathLst>
+              <a:path w="120000" h="120000" extrusionOk="0">
+                <a:moveTo>
+                  <a:pt x="0" y="0"/>
+                </a:moveTo>
+                <a:lnTo>
+                  <a:pt x="120000" y="0"/>
+                </a:lnTo>
+                <a:lnTo>
+                  <a:pt x="120000" y="120000"/>
+                </a:lnTo>
+                <a:lnTo>
+                  <a:pt x="0" y="120000"/>
+                </a:lnTo>
+                <a:close/>
+              </a:path>
+            </a:pathLst>
+          </a:custGeom>
+        </p:spPr>
+      </p:sp>
+      <p:sp>
+        <p:nvSpPr>
+          <p:cNvPr id="80" name="Google Shape;80;g970e84d78b_0_9:notes"/>
+          <p:cNvSpPr txBox="1">
+            <a:spLocks noGrp="1"/>
+          </p:cNvSpPr>
+          <p:nvPr>
+            <p:ph type="body" idx="1"/>
+          </p:nvPr>
+        </p:nvSpPr>
+        <p:spPr>
+          <a:xfrm>
+            <a:off x="685800" y="4343400"/>
+            <a:ext cx="5486400" cy="4114800"/>
+          </a:xfrm>
+          <a:prstGeom prst="rect">
+            <a:avLst/>
+          </a:prstGeom>
+        </p:spPr>
+        <p:txBody>
+          <a:bodyPr spcFirstLastPara="1" wrap="square" lIns="91425" tIns="91425" rIns="91425" bIns="91425" anchor="t" anchorCtr="0">
+            <a:noAutofit/>
+          </a:bodyPr>
+          <a:lstStyle/>
+          <a:p>
+            <a:pPr marL="0" lvl="0" indent="0" algn="l" rtl="0">
+              <a:spcBef>
+                <a:spcPts val="0"/>
+              </a:spcBef>
+              <a:spcAft>
+                <a:spcPts val="0"/>
+              </a:spcAft>
+              <a:buNone/>
+            </a:pPr>
+            <a:endParaRPr/>
+          </a:p>
+        </p:txBody>
+      </p:sp>
+    </p:spTree>
+  </p:cSld>
+  <p:clrMapOvr>
+    <a:masterClrMapping/>
+  </p:clrMapOvr>
+</p:notes>
+</file>
+
+<file path=ppt/notesSlides/notesSlide6.xml><?xml version="1.0" encoding="utf-8"?>
+<p:notes xmlns:a="http://schemas.openxmlformats.org/drawingml/2006/main" xmlns:r="http://schemas.openxmlformats.org/officeDocument/2006/relationships" xmlns:p="http://schemas.openxmlformats.org/presentationml/2006/main" showMasterSp="0" showMasterPhAnim="0">
+  <p:cSld>
+    <p:spTree>
+      <p:nvGrpSpPr>
+        <p:cNvPr id="1" name="Shape 85"/>
+        <p:cNvGrpSpPr/>
+        <p:nvPr/>
+      </p:nvGrpSpPr>
+      <p:grpSpPr>
+        <a:xfrm>
+          <a:off x="0" y="0"/>
+          <a:ext cx="0" cy="0"/>
+          <a:chOff x="0" y="0"/>
+          <a:chExt cx="0" cy="0"/>
+        </a:xfrm>
+      </p:grpSpPr>
+      <p:sp>
+        <p:nvSpPr>
+          <p:cNvPr id="86" name="Google Shape;86;g970e84d78b_0_0:notes"/>
+          <p:cNvSpPr>
+            <a:spLocks noGrp="1" noRot="1" noChangeAspect="1"/>
+          </p:cNvSpPr>
+          <p:nvPr>
+            <p:ph type="sldImg" idx="2"/>
+          </p:nvPr>
+        </p:nvSpPr>
+        <p:spPr>
+          <a:xfrm>
+            <a:off x="381000" y="685800"/>
+            <a:ext cx="6096000" cy="3429000"/>
+          </a:xfrm>
+          <a:custGeom>
+            <a:avLst/>
+            <a:gdLst/>
+            <a:ahLst/>
+            <a:cxnLst/>
+            <a:rect l="l" t="t" r="r" b="b"/>
+            <a:pathLst>
+              <a:path w="120000" h="120000" extrusionOk="0">
+                <a:moveTo>
+                  <a:pt x="0" y="0"/>
+                </a:moveTo>
+                <a:lnTo>
+                  <a:pt x="120000" y="0"/>
+                </a:lnTo>
+                <a:lnTo>
+                  <a:pt x="120000" y="120000"/>
+                </a:lnTo>
+                <a:lnTo>
+                  <a:pt x="0" y="120000"/>
+                </a:lnTo>
+                <a:close/>
+              </a:path>
+            </a:pathLst>
+          </a:custGeom>
+        </p:spPr>
+      </p:sp>
+      <p:sp>
+        <p:nvSpPr>
+          <p:cNvPr id="87" name="Google Shape;87;g970e84d78b_0_0:notes"/>
+          <p:cNvSpPr txBox="1">
+            <a:spLocks noGrp="1"/>
+          </p:cNvSpPr>
+          <p:nvPr>
+            <p:ph type="body" idx="1"/>
+          </p:nvPr>
+        </p:nvSpPr>
+        <p:spPr>
+          <a:xfrm>
+            <a:off x="685800" y="4343400"/>
+            <a:ext cx="5486400" cy="4114800"/>
+          </a:xfrm>
+          <a:prstGeom prst="rect">
+            <a:avLst/>
+          </a:prstGeom>
+        </p:spPr>
+        <p:txBody>
+          <a:bodyPr spcFirstLastPara="1" wrap="square" lIns="91425" tIns="91425" rIns="91425" bIns="91425" anchor="t" anchorCtr="0">
+            <a:noAutofit/>
+          </a:bodyPr>
+          <a:lstStyle/>
+          <a:p>
+            <a:pPr marL="0" lvl="0" indent="0" algn="l" rtl="0">
+              <a:spcBef>
+                <a:spcPts val="0"/>
+              </a:spcBef>
+              <a:spcAft>
+                <a:spcPts val="0"/>
+              </a:spcAft>
+              <a:buNone/>
+            </a:pPr>
+            <a:endParaRPr/>
+          </a:p>
+        </p:txBody>
+      </p:sp>
+    </p:spTree>
+  </p:cSld>
+  <p:clrMapOvr>
+    <a:masterClrMapping/>
+  </p:clrMapOvr>
+</p:notes>
+</file>
+
+<file path=ppt/notesSlides/notesSlide7.xml><?xml version="1.0" encoding="utf-8"?>
+<p:notes xmlns:a="http://schemas.openxmlformats.org/drawingml/2006/main" xmlns:r="http://schemas.openxmlformats.org/officeDocument/2006/relationships" xmlns:p="http://schemas.openxmlformats.org/presentationml/2006/main" showMasterSp="0" showMasterPhAnim="0">
+  <p:cSld>
+    <p:spTree>
+      <p:nvGrpSpPr>
+        <p:cNvPr id="1" name="Shape 93"/>
+        <p:cNvGrpSpPr/>
+        <p:nvPr/>
+      </p:nvGrpSpPr>
+      <p:grpSpPr>
+        <a:xfrm>
+          <a:off x="0" y="0"/>
+          <a:ext cx="0" cy="0"/>
+          <a:chOff x="0" y="0"/>
+          <a:chExt cx="0" cy="0"/>
+        </a:xfrm>
+      </p:grpSpPr>
+      <p:sp>
+        <p:nvSpPr>
+          <p:cNvPr id="94" name="Google Shape;94;g970ef64d1e_0_138:notes"/>
+          <p:cNvSpPr>
+            <a:spLocks noGrp="1" noRot="1" noChangeAspect="1"/>
+          </p:cNvSpPr>
+          <p:nvPr>
+            <p:ph type="sldImg" idx="2"/>
+          </p:nvPr>
+        </p:nvSpPr>
+        <p:spPr>
+          <a:xfrm>
+            <a:off x="381000" y="685800"/>
+            <a:ext cx="6096000" cy="3429000"/>
+          </a:xfrm>
+          <a:custGeom>
+            <a:avLst/>
+            <a:gdLst/>
+            <a:ahLst/>
+            <a:cxnLst/>
+            <a:rect l="l" t="t" r="r" b="b"/>
+            <a:pathLst>
+              <a:path w="120000" h="120000" extrusionOk="0">
+                <a:moveTo>
+                  <a:pt x="0" y="0"/>
+                </a:moveTo>
+                <a:lnTo>
+                  <a:pt x="120000" y="0"/>
+                </a:lnTo>
+                <a:lnTo>
+                  <a:pt x="120000" y="120000"/>
+                </a:lnTo>
+                <a:lnTo>
+                  <a:pt x="0" y="120000"/>
+                </a:lnTo>
+                <a:close/>
+              </a:path>
+            </a:pathLst>
+          </a:custGeom>
+        </p:spPr>
+      </p:sp>
+      <p:sp>
+        <p:nvSpPr>
+          <p:cNvPr id="95" name="Google Shape;95;g970ef64d1e_0_138:notes"/>
+          <p:cNvSpPr txBox="1">
+            <a:spLocks noGrp="1"/>
+          </p:cNvSpPr>
+          <p:nvPr>
+            <p:ph type="body" idx="1"/>
+          </p:nvPr>
+        </p:nvSpPr>
+        <p:spPr>
+          <a:xfrm>
+            <a:off x="685800" y="4343400"/>
+            <a:ext cx="5486400" cy="4114800"/>
+          </a:xfrm>
+          <a:prstGeom prst="rect">
+            <a:avLst/>
+          </a:prstGeom>
+        </p:spPr>
+        <p:txBody>
+          <a:bodyPr spcFirstLastPara="1" wrap="square" lIns="91425" tIns="91425" rIns="91425" bIns="91425" anchor="t" anchorCtr="0">
+            <a:noAutofit/>
+          </a:bodyPr>
+          <a:lstStyle/>
+          <a:p>
+            <a:pPr marL="0" lvl="0" indent="0" algn="l" rtl="0">
+              <a:spcBef>
+                <a:spcPts val="0"/>
+              </a:spcBef>
+              <a:spcAft>
+                <a:spcPts val="0"/>
+              </a:spcAft>
+              <a:buNone/>
+            </a:pPr>
+            <a:endParaRPr/>
+          </a:p>
+        </p:txBody>
+      </p:sp>
+    </p:spTree>
+  </p:cSld>
+  <p:clrMapOvr>
+    <a:masterClrMapping/>
+  </p:clrMapOvr>
+</p:notes>
 </file>
 
 <file path=ppt/slideLayouts/slideLayout1.xml><?xml version="1.0" encoding="utf-8"?>
@@ -3241,6 +4341,2372 @@
 </p:sldLayout>
 </file>
 
+<file path=ppt/slideLayouts/slideLayout23.xml><?xml version="1.0" encoding="utf-8"?>
+<p:sldLayout xmlns:a="http://schemas.openxmlformats.org/drawingml/2006/main" xmlns:r="http://schemas.openxmlformats.org/officeDocument/2006/relationships" xmlns:p="http://schemas.openxmlformats.org/presentationml/2006/main" matchingName="Title slide" type="title">
+  <p:cSld name="TITLE">
+    <p:spTree>
+      <p:nvGrpSpPr>
+        <p:cNvPr id="1" name="Shape 9"/>
+        <p:cNvGrpSpPr/>
+        <p:nvPr/>
+      </p:nvGrpSpPr>
+      <p:grpSpPr>
+        <a:xfrm>
+          <a:off x="0" y="0"/>
+          <a:ext cx="0" cy="0"/>
+          <a:chOff x="0" y="0"/>
+          <a:chExt cx="0" cy="0"/>
+        </a:xfrm>
+      </p:grpSpPr>
+      <p:sp>
+        <p:nvSpPr>
+          <p:cNvPr id="10" name="Google Shape;10;p2"/>
+          <p:cNvSpPr txBox="1">
+            <a:spLocks noGrp="1"/>
+          </p:cNvSpPr>
+          <p:nvPr>
+            <p:ph type="ctrTitle"/>
+          </p:nvPr>
+        </p:nvSpPr>
+        <p:spPr>
+          <a:xfrm>
+            <a:off x="415611" y="992767"/>
+            <a:ext cx="11360800" cy="2736800"/>
+          </a:xfrm>
+          <a:prstGeom prst="rect">
+            <a:avLst/>
+          </a:prstGeom>
+        </p:spPr>
+        <p:txBody>
+          <a:bodyPr spcFirstLastPara="1" wrap="square" lIns="91425" tIns="91425" rIns="91425" bIns="91425" anchor="b" anchorCtr="0">
+            <a:noAutofit/>
+          </a:bodyPr>
+          <a:lstStyle>
+            <a:lvl1pPr lvl="0" algn="ctr">
+              <a:spcBef>
+                <a:spcPts val="0"/>
+              </a:spcBef>
+              <a:spcAft>
+                <a:spcPts val="0"/>
+              </a:spcAft>
+              <a:buSzPts val="5200"/>
+              <a:buNone/>
+              <a:defRPr sz="6900"/>
+            </a:lvl1pPr>
+            <a:lvl2pPr lvl="1" algn="ctr">
+              <a:spcBef>
+                <a:spcPts val="0"/>
+              </a:spcBef>
+              <a:spcAft>
+                <a:spcPts val="0"/>
+              </a:spcAft>
+              <a:buSzPts val="5200"/>
+              <a:buNone/>
+              <a:defRPr sz="6900"/>
+            </a:lvl2pPr>
+            <a:lvl3pPr lvl="2" algn="ctr">
+              <a:spcBef>
+                <a:spcPts val="0"/>
+              </a:spcBef>
+              <a:spcAft>
+                <a:spcPts val="0"/>
+              </a:spcAft>
+              <a:buSzPts val="5200"/>
+              <a:buNone/>
+              <a:defRPr sz="6900"/>
+            </a:lvl3pPr>
+            <a:lvl4pPr lvl="3" algn="ctr">
+              <a:spcBef>
+                <a:spcPts val="0"/>
+              </a:spcBef>
+              <a:spcAft>
+                <a:spcPts val="0"/>
+              </a:spcAft>
+              <a:buSzPts val="5200"/>
+              <a:buNone/>
+              <a:defRPr sz="6900"/>
+            </a:lvl4pPr>
+            <a:lvl5pPr lvl="4" algn="ctr">
+              <a:spcBef>
+                <a:spcPts val="0"/>
+              </a:spcBef>
+              <a:spcAft>
+                <a:spcPts val="0"/>
+              </a:spcAft>
+              <a:buSzPts val="5200"/>
+              <a:buNone/>
+              <a:defRPr sz="6900"/>
+            </a:lvl5pPr>
+            <a:lvl6pPr lvl="5" algn="ctr">
+              <a:spcBef>
+                <a:spcPts val="0"/>
+              </a:spcBef>
+              <a:spcAft>
+                <a:spcPts val="0"/>
+              </a:spcAft>
+              <a:buSzPts val="5200"/>
+              <a:buNone/>
+              <a:defRPr sz="6900"/>
+            </a:lvl6pPr>
+            <a:lvl7pPr lvl="6" algn="ctr">
+              <a:spcBef>
+                <a:spcPts val="0"/>
+              </a:spcBef>
+              <a:spcAft>
+                <a:spcPts val="0"/>
+              </a:spcAft>
+              <a:buSzPts val="5200"/>
+              <a:buNone/>
+              <a:defRPr sz="6900"/>
+            </a:lvl7pPr>
+            <a:lvl8pPr lvl="7" algn="ctr">
+              <a:spcBef>
+                <a:spcPts val="0"/>
+              </a:spcBef>
+              <a:spcAft>
+                <a:spcPts val="0"/>
+              </a:spcAft>
+              <a:buSzPts val="5200"/>
+              <a:buNone/>
+              <a:defRPr sz="6900"/>
+            </a:lvl8pPr>
+            <a:lvl9pPr lvl="8" algn="ctr">
+              <a:spcBef>
+                <a:spcPts val="0"/>
+              </a:spcBef>
+              <a:spcAft>
+                <a:spcPts val="0"/>
+              </a:spcAft>
+              <a:buSzPts val="5200"/>
+              <a:buNone/>
+              <a:defRPr sz="6900"/>
+            </a:lvl9pPr>
+          </a:lstStyle>
+          <a:p>
+            <a:endParaRPr/>
+          </a:p>
+        </p:txBody>
+      </p:sp>
+      <p:sp>
+        <p:nvSpPr>
+          <p:cNvPr id="11" name="Google Shape;11;p2"/>
+          <p:cNvSpPr txBox="1">
+            <a:spLocks noGrp="1"/>
+          </p:cNvSpPr>
+          <p:nvPr>
+            <p:ph type="subTitle" idx="1"/>
+          </p:nvPr>
+        </p:nvSpPr>
+        <p:spPr>
+          <a:xfrm>
+            <a:off x="415600" y="3778833"/>
+            <a:ext cx="11360800" cy="1056800"/>
+          </a:xfrm>
+          <a:prstGeom prst="rect">
+            <a:avLst/>
+          </a:prstGeom>
+        </p:spPr>
+        <p:txBody>
+          <a:bodyPr spcFirstLastPara="1" wrap="square" lIns="91425" tIns="91425" rIns="91425" bIns="91425" anchor="t" anchorCtr="0">
+            <a:noAutofit/>
+          </a:bodyPr>
+          <a:lstStyle>
+            <a:lvl1pPr lvl="0" algn="ctr">
+              <a:lnSpc>
+                <a:spcPct val="100000"/>
+              </a:lnSpc>
+              <a:spcBef>
+                <a:spcPts val="0"/>
+              </a:spcBef>
+              <a:spcAft>
+                <a:spcPts val="0"/>
+              </a:spcAft>
+              <a:buSzPts val="2800"/>
+              <a:buNone/>
+              <a:defRPr sz="3700"/>
+            </a:lvl1pPr>
+            <a:lvl2pPr lvl="1" algn="ctr">
+              <a:lnSpc>
+                <a:spcPct val="100000"/>
+              </a:lnSpc>
+              <a:spcBef>
+                <a:spcPts val="0"/>
+              </a:spcBef>
+              <a:spcAft>
+                <a:spcPts val="0"/>
+              </a:spcAft>
+              <a:buSzPts val="2800"/>
+              <a:buNone/>
+              <a:defRPr sz="3700"/>
+            </a:lvl2pPr>
+            <a:lvl3pPr lvl="2" algn="ctr">
+              <a:lnSpc>
+                <a:spcPct val="100000"/>
+              </a:lnSpc>
+              <a:spcBef>
+                <a:spcPts val="0"/>
+              </a:spcBef>
+              <a:spcAft>
+                <a:spcPts val="0"/>
+              </a:spcAft>
+              <a:buSzPts val="2800"/>
+              <a:buNone/>
+              <a:defRPr sz="3700"/>
+            </a:lvl3pPr>
+            <a:lvl4pPr lvl="3" algn="ctr">
+              <a:lnSpc>
+                <a:spcPct val="100000"/>
+              </a:lnSpc>
+              <a:spcBef>
+                <a:spcPts val="0"/>
+              </a:spcBef>
+              <a:spcAft>
+                <a:spcPts val="0"/>
+              </a:spcAft>
+              <a:buSzPts val="2800"/>
+              <a:buNone/>
+              <a:defRPr sz="3700"/>
+            </a:lvl4pPr>
+            <a:lvl5pPr lvl="4" algn="ctr">
+              <a:lnSpc>
+                <a:spcPct val="100000"/>
+              </a:lnSpc>
+              <a:spcBef>
+                <a:spcPts val="0"/>
+              </a:spcBef>
+              <a:spcAft>
+                <a:spcPts val="0"/>
+              </a:spcAft>
+              <a:buSzPts val="2800"/>
+              <a:buNone/>
+              <a:defRPr sz="3700"/>
+            </a:lvl5pPr>
+            <a:lvl6pPr lvl="5" algn="ctr">
+              <a:lnSpc>
+                <a:spcPct val="100000"/>
+              </a:lnSpc>
+              <a:spcBef>
+                <a:spcPts val="0"/>
+              </a:spcBef>
+              <a:spcAft>
+                <a:spcPts val="0"/>
+              </a:spcAft>
+              <a:buSzPts val="2800"/>
+              <a:buNone/>
+              <a:defRPr sz="3700"/>
+            </a:lvl6pPr>
+            <a:lvl7pPr lvl="6" algn="ctr">
+              <a:lnSpc>
+                <a:spcPct val="100000"/>
+              </a:lnSpc>
+              <a:spcBef>
+                <a:spcPts val="0"/>
+              </a:spcBef>
+              <a:spcAft>
+                <a:spcPts val="0"/>
+              </a:spcAft>
+              <a:buSzPts val="2800"/>
+              <a:buNone/>
+              <a:defRPr sz="3700"/>
+            </a:lvl7pPr>
+            <a:lvl8pPr lvl="7" algn="ctr">
+              <a:lnSpc>
+                <a:spcPct val="100000"/>
+              </a:lnSpc>
+              <a:spcBef>
+                <a:spcPts val="0"/>
+              </a:spcBef>
+              <a:spcAft>
+                <a:spcPts val="0"/>
+              </a:spcAft>
+              <a:buSzPts val="2800"/>
+              <a:buNone/>
+              <a:defRPr sz="3700"/>
+            </a:lvl8pPr>
+            <a:lvl9pPr lvl="8" algn="ctr">
+              <a:lnSpc>
+                <a:spcPct val="100000"/>
+              </a:lnSpc>
+              <a:spcBef>
+                <a:spcPts val="0"/>
+              </a:spcBef>
+              <a:spcAft>
+                <a:spcPts val="0"/>
+              </a:spcAft>
+              <a:buSzPts val="2800"/>
+              <a:buNone/>
+              <a:defRPr sz="3700"/>
+            </a:lvl9pPr>
+          </a:lstStyle>
+          <a:p>
+            <a:endParaRPr/>
+          </a:p>
+        </p:txBody>
+      </p:sp>
+      <p:sp>
+        <p:nvSpPr>
+          <p:cNvPr id="12" name="Google Shape;12;p2"/>
+          <p:cNvSpPr txBox="1">
+            <a:spLocks noGrp="1"/>
+          </p:cNvSpPr>
+          <p:nvPr>
+            <p:ph type="sldNum" idx="12"/>
+          </p:nvPr>
+        </p:nvSpPr>
+        <p:spPr>
+          <a:xfrm>
+            <a:off x="11296611" y="6217623"/>
+            <a:ext cx="731600" cy="524800"/>
+          </a:xfrm>
+          <a:prstGeom prst="rect">
+            <a:avLst/>
+          </a:prstGeom>
+        </p:spPr>
+        <p:txBody>
+          <a:bodyPr spcFirstLastPara="1" wrap="square" lIns="91425" tIns="91425" rIns="91425" bIns="91425" anchor="ctr" anchorCtr="0">
+            <a:noAutofit/>
+          </a:bodyPr>
+          <a:lstStyle>
+            <a:lvl1pPr lvl="0">
+              <a:buNone/>
+              <a:defRPr/>
+            </a:lvl1pPr>
+            <a:lvl2pPr lvl="1">
+              <a:buNone/>
+              <a:defRPr/>
+            </a:lvl2pPr>
+            <a:lvl3pPr lvl="2">
+              <a:buNone/>
+              <a:defRPr/>
+            </a:lvl3pPr>
+            <a:lvl4pPr lvl="3">
+              <a:buNone/>
+              <a:defRPr/>
+            </a:lvl4pPr>
+            <a:lvl5pPr lvl="4">
+              <a:buNone/>
+              <a:defRPr/>
+            </a:lvl5pPr>
+            <a:lvl6pPr lvl="5">
+              <a:buNone/>
+              <a:defRPr/>
+            </a:lvl6pPr>
+            <a:lvl7pPr lvl="6">
+              <a:buNone/>
+              <a:defRPr/>
+            </a:lvl7pPr>
+            <a:lvl8pPr lvl="7">
+              <a:buNone/>
+              <a:defRPr/>
+            </a:lvl8pPr>
+            <a:lvl9pPr lvl="8">
+              <a:buNone/>
+              <a:defRPr/>
+            </a:lvl9pPr>
+          </a:lstStyle>
+          <a:p>
+            <a:pPr marL="0" lvl="0" indent="0" algn="r" rtl="0">
+              <a:spcBef>
+                <a:spcPts val="0"/>
+              </a:spcBef>
+              <a:spcAft>
+                <a:spcPts val="0"/>
+              </a:spcAft>
+              <a:buNone/>
+            </a:pPr>
+            <a:fld id="{00000000-1234-1234-1234-123412341234}" type="slidenum">
+              <a:rPr lang="ko"/>
+              <a:pPr marL="0" lvl="0" indent="0" algn="r" rtl="0">
+                <a:spcBef>
+                  <a:spcPts val="0"/>
+                </a:spcBef>
+                <a:spcAft>
+                  <a:spcPts val="0"/>
+                </a:spcAft>
+                <a:buNone/>
+              </a:pPr>
+              <a:t>‹#›</a:t>
+            </a:fld>
+            <a:endParaRPr/>
+          </a:p>
+        </p:txBody>
+      </p:sp>
+    </p:spTree>
+  </p:cSld>
+  <p:clrMapOvr>
+    <a:masterClrMapping/>
+  </p:clrMapOvr>
+</p:sldLayout>
+</file>
+
+<file path=ppt/slideLayouts/slideLayout24.xml><?xml version="1.0" encoding="utf-8"?>
+<p:sldLayout xmlns:a="http://schemas.openxmlformats.org/drawingml/2006/main" xmlns:r="http://schemas.openxmlformats.org/officeDocument/2006/relationships" xmlns:p="http://schemas.openxmlformats.org/presentationml/2006/main" matchingName="Section header" type="secHead">
+  <p:cSld name="SECTION_HEADER">
+    <p:spTree>
+      <p:nvGrpSpPr>
+        <p:cNvPr id="1" name="Shape 13"/>
+        <p:cNvGrpSpPr/>
+        <p:nvPr/>
+      </p:nvGrpSpPr>
+      <p:grpSpPr>
+        <a:xfrm>
+          <a:off x="0" y="0"/>
+          <a:ext cx="0" cy="0"/>
+          <a:chOff x="0" y="0"/>
+          <a:chExt cx="0" cy="0"/>
+        </a:xfrm>
+      </p:grpSpPr>
+      <p:sp>
+        <p:nvSpPr>
+          <p:cNvPr id="14" name="Google Shape;14;p3"/>
+          <p:cNvSpPr txBox="1">
+            <a:spLocks noGrp="1"/>
+          </p:cNvSpPr>
+          <p:nvPr>
+            <p:ph type="title"/>
+          </p:nvPr>
+        </p:nvSpPr>
+        <p:spPr>
+          <a:xfrm>
+            <a:off x="415600" y="2867800"/>
+            <a:ext cx="11360800" cy="1122400"/>
+          </a:xfrm>
+          <a:prstGeom prst="rect">
+            <a:avLst/>
+          </a:prstGeom>
+        </p:spPr>
+        <p:txBody>
+          <a:bodyPr spcFirstLastPara="1" wrap="square" lIns="91425" tIns="91425" rIns="91425" bIns="91425" anchor="ctr" anchorCtr="0">
+            <a:noAutofit/>
+          </a:bodyPr>
+          <a:lstStyle>
+            <a:lvl1pPr lvl="0" algn="ctr">
+              <a:spcBef>
+                <a:spcPts val="0"/>
+              </a:spcBef>
+              <a:spcAft>
+                <a:spcPts val="0"/>
+              </a:spcAft>
+              <a:buSzPts val="3600"/>
+              <a:buNone/>
+              <a:defRPr sz="4800"/>
+            </a:lvl1pPr>
+            <a:lvl2pPr lvl="1" algn="ctr">
+              <a:spcBef>
+                <a:spcPts val="0"/>
+              </a:spcBef>
+              <a:spcAft>
+                <a:spcPts val="0"/>
+              </a:spcAft>
+              <a:buSzPts val="3600"/>
+              <a:buNone/>
+              <a:defRPr sz="4800"/>
+            </a:lvl2pPr>
+            <a:lvl3pPr lvl="2" algn="ctr">
+              <a:spcBef>
+                <a:spcPts val="0"/>
+              </a:spcBef>
+              <a:spcAft>
+                <a:spcPts val="0"/>
+              </a:spcAft>
+              <a:buSzPts val="3600"/>
+              <a:buNone/>
+              <a:defRPr sz="4800"/>
+            </a:lvl3pPr>
+            <a:lvl4pPr lvl="3" algn="ctr">
+              <a:spcBef>
+                <a:spcPts val="0"/>
+              </a:spcBef>
+              <a:spcAft>
+                <a:spcPts val="0"/>
+              </a:spcAft>
+              <a:buSzPts val="3600"/>
+              <a:buNone/>
+              <a:defRPr sz="4800"/>
+            </a:lvl4pPr>
+            <a:lvl5pPr lvl="4" algn="ctr">
+              <a:spcBef>
+                <a:spcPts val="0"/>
+              </a:spcBef>
+              <a:spcAft>
+                <a:spcPts val="0"/>
+              </a:spcAft>
+              <a:buSzPts val="3600"/>
+              <a:buNone/>
+              <a:defRPr sz="4800"/>
+            </a:lvl5pPr>
+            <a:lvl6pPr lvl="5" algn="ctr">
+              <a:spcBef>
+                <a:spcPts val="0"/>
+              </a:spcBef>
+              <a:spcAft>
+                <a:spcPts val="0"/>
+              </a:spcAft>
+              <a:buSzPts val="3600"/>
+              <a:buNone/>
+              <a:defRPr sz="4800"/>
+            </a:lvl6pPr>
+            <a:lvl7pPr lvl="6" algn="ctr">
+              <a:spcBef>
+                <a:spcPts val="0"/>
+              </a:spcBef>
+              <a:spcAft>
+                <a:spcPts val="0"/>
+              </a:spcAft>
+              <a:buSzPts val="3600"/>
+              <a:buNone/>
+              <a:defRPr sz="4800"/>
+            </a:lvl7pPr>
+            <a:lvl8pPr lvl="7" algn="ctr">
+              <a:spcBef>
+                <a:spcPts val="0"/>
+              </a:spcBef>
+              <a:spcAft>
+                <a:spcPts val="0"/>
+              </a:spcAft>
+              <a:buSzPts val="3600"/>
+              <a:buNone/>
+              <a:defRPr sz="4800"/>
+            </a:lvl8pPr>
+            <a:lvl9pPr lvl="8" algn="ctr">
+              <a:spcBef>
+                <a:spcPts val="0"/>
+              </a:spcBef>
+              <a:spcAft>
+                <a:spcPts val="0"/>
+              </a:spcAft>
+              <a:buSzPts val="3600"/>
+              <a:buNone/>
+              <a:defRPr sz="4800"/>
+            </a:lvl9pPr>
+          </a:lstStyle>
+          <a:p>
+            <a:endParaRPr/>
+          </a:p>
+        </p:txBody>
+      </p:sp>
+      <p:sp>
+        <p:nvSpPr>
+          <p:cNvPr id="15" name="Google Shape;15;p3"/>
+          <p:cNvSpPr txBox="1">
+            <a:spLocks noGrp="1"/>
+          </p:cNvSpPr>
+          <p:nvPr>
+            <p:ph type="sldNum" idx="12"/>
+          </p:nvPr>
+        </p:nvSpPr>
+        <p:spPr>
+          <a:xfrm>
+            <a:off x="11296611" y="6217623"/>
+            <a:ext cx="731600" cy="524800"/>
+          </a:xfrm>
+          <a:prstGeom prst="rect">
+            <a:avLst/>
+          </a:prstGeom>
+        </p:spPr>
+        <p:txBody>
+          <a:bodyPr spcFirstLastPara="1" wrap="square" lIns="91425" tIns="91425" rIns="91425" bIns="91425" anchor="ctr" anchorCtr="0">
+            <a:noAutofit/>
+          </a:bodyPr>
+          <a:lstStyle>
+            <a:lvl1pPr lvl="0">
+              <a:buNone/>
+              <a:defRPr/>
+            </a:lvl1pPr>
+            <a:lvl2pPr lvl="1">
+              <a:buNone/>
+              <a:defRPr/>
+            </a:lvl2pPr>
+            <a:lvl3pPr lvl="2">
+              <a:buNone/>
+              <a:defRPr/>
+            </a:lvl3pPr>
+            <a:lvl4pPr lvl="3">
+              <a:buNone/>
+              <a:defRPr/>
+            </a:lvl4pPr>
+            <a:lvl5pPr lvl="4">
+              <a:buNone/>
+              <a:defRPr/>
+            </a:lvl5pPr>
+            <a:lvl6pPr lvl="5">
+              <a:buNone/>
+              <a:defRPr/>
+            </a:lvl6pPr>
+            <a:lvl7pPr lvl="6">
+              <a:buNone/>
+              <a:defRPr/>
+            </a:lvl7pPr>
+            <a:lvl8pPr lvl="7">
+              <a:buNone/>
+              <a:defRPr/>
+            </a:lvl8pPr>
+            <a:lvl9pPr lvl="8">
+              <a:buNone/>
+              <a:defRPr/>
+            </a:lvl9pPr>
+          </a:lstStyle>
+          <a:p>
+            <a:pPr marL="0" lvl="0" indent="0" algn="r" rtl="0">
+              <a:spcBef>
+                <a:spcPts val="0"/>
+              </a:spcBef>
+              <a:spcAft>
+                <a:spcPts val="0"/>
+              </a:spcAft>
+              <a:buNone/>
+            </a:pPr>
+            <a:fld id="{00000000-1234-1234-1234-123412341234}" type="slidenum">
+              <a:rPr lang="ko"/>
+              <a:pPr marL="0" lvl="0" indent="0" algn="r" rtl="0">
+                <a:spcBef>
+                  <a:spcPts val="0"/>
+                </a:spcBef>
+                <a:spcAft>
+                  <a:spcPts val="0"/>
+                </a:spcAft>
+                <a:buNone/>
+              </a:pPr>
+              <a:t>‹#›</a:t>
+            </a:fld>
+            <a:endParaRPr/>
+          </a:p>
+        </p:txBody>
+      </p:sp>
+    </p:spTree>
+  </p:cSld>
+  <p:clrMapOvr>
+    <a:masterClrMapping/>
+  </p:clrMapOvr>
+</p:sldLayout>
+</file>
+
+<file path=ppt/slideLayouts/slideLayout25.xml><?xml version="1.0" encoding="utf-8"?>
+<p:sldLayout xmlns:a="http://schemas.openxmlformats.org/drawingml/2006/main" xmlns:r="http://schemas.openxmlformats.org/officeDocument/2006/relationships" xmlns:p="http://schemas.openxmlformats.org/presentationml/2006/main" matchingName="Title and body" type="tx">
+  <p:cSld name="TITLE_AND_BODY">
+    <p:spTree>
+      <p:nvGrpSpPr>
+        <p:cNvPr id="1" name="Shape 16"/>
+        <p:cNvGrpSpPr/>
+        <p:nvPr/>
+      </p:nvGrpSpPr>
+      <p:grpSpPr>
+        <a:xfrm>
+          <a:off x="0" y="0"/>
+          <a:ext cx="0" cy="0"/>
+          <a:chOff x="0" y="0"/>
+          <a:chExt cx="0" cy="0"/>
+        </a:xfrm>
+      </p:grpSpPr>
+      <p:sp>
+        <p:nvSpPr>
+          <p:cNvPr id="17" name="Google Shape;17;p4"/>
+          <p:cNvSpPr txBox="1">
+            <a:spLocks noGrp="1"/>
+          </p:cNvSpPr>
+          <p:nvPr>
+            <p:ph type="title"/>
+          </p:nvPr>
+        </p:nvSpPr>
+        <p:spPr>
+          <a:xfrm>
+            <a:off x="415600" y="593367"/>
+            <a:ext cx="11360800" cy="763600"/>
+          </a:xfrm>
+          <a:prstGeom prst="rect">
+            <a:avLst/>
+          </a:prstGeom>
+        </p:spPr>
+        <p:txBody>
+          <a:bodyPr spcFirstLastPara="1" wrap="square" lIns="91425" tIns="91425" rIns="91425" bIns="91425" anchor="t" anchorCtr="0">
+            <a:noAutofit/>
+          </a:bodyPr>
+          <a:lstStyle>
+            <a:lvl1pPr lvl="0">
+              <a:spcBef>
+                <a:spcPts val="0"/>
+              </a:spcBef>
+              <a:spcAft>
+                <a:spcPts val="0"/>
+              </a:spcAft>
+              <a:buSzPts val="2800"/>
+              <a:buNone/>
+              <a:defRPr/>
+            </a:lvl1pPr>
+            <a:lvl2pPr lvl="1">
+              <a:spcBef>
+                <a:spcPts val="0"/>
+              </a:spcBef>
+              <a:spcAft>
+                <a:spcPts val="0"/>
+              </a:spcAft>
+              <a:buSzPts val="2800"/>
+              <a:buNone/>
+              <a:defRPr/>
+            </a:lvl2pPr>
+            <a:lvl3pPr lvl="2">
+              <a:spcBef>
+                <a:spcPts val="0"/>
+              </a:spcBef>
+              <a:spcAft>
+                <a:spcPts val="0"/>
+              </a:spcAft>
+              <a:buSzPts val="2800"/>
+              <a:buNone/>
+              <a:defRPr/>
+            </a:lvl3pPr>
+            <a:lvl4pPr lvl="3">
+              <a:spcBef>
+                <a:spcPts val="0"/>
+              </a:spcBef>
+              <a:spcAft>
+                <a:spcPts val="0"/>
+              </a:spcAft>
+              <a:buSzPts val="2800"/>
+              <a:buNone/>
+              <a:defRPr/>
+            </a:lvl4pPr>
+            <a:lvl5pPr lvl="4">
+              <a:spcBef>
+                <a:spcPts val="0"/>
+              </a:spcBef>
+              <a:spcAft>
+                <a:spcPts val="0"/>
+              </a:spcAft>
+              <a:buSzPts val="2800"/>
+              <a:buNone/>
+              <a:defRPr/>
+            </a:lvl5pPr>
+            <a:lvl6pPr lvl="5">
+              <a:spcBef>
+                <a:spcPts val="0"/>
+              </a:spcBef>
+              <a:spcAft>
+                <a:spcPts val="0"/>
+              </a:spcAft>
+              <a:buSzPts val="2800"/>
+              <a:buNone/>
+              <a:defRPr/>
+            </a:lvl6pPr>
+            <a:lvl7pPr lvl="6">
+              <a:spcBef>
+                <a:spcPts val="0"/>
+              </a:spcBef>
+              <a:spcAft>
+                <a:spcPts val="0"/>
+              </a:spcAft>
+              <a:buSzPts val="2800"/>
+              <a:buNone/>
+              <a:defRPr/>
+            </a:lvl7pPr>
+            <a:lvl8pPr lvl="7">
+              <a:spcBef>
+                <a:spcPts val="0"/>
+              </a:spcBef>
+              <a:spcAft>
+                <a:spcPts val="0"/>
+              </a:spcAft>
+              <a:buSzPts val="2800"/>
+              <a:buNone/>
+              <a:defRPr/>
+            </a:lvl8pPr>
+            <a:lvl9pPr lvl="8">
+              <a:spcBef>
+                <a:spcPts val="0"/>
+              </a:spcBef>
+              <a:spcAft>
+                <a:spcPts val="0"/>
+              </a:spcAft>
+              <a:buSzPts val="2800"/>
+              <a:buNone/>
+              <a:defRPr/>
+            </a:lvl9pPr>
+          </a:lstStyle>
+          <a:p>
+            <a:endParaRPr/>
+          </a:p>
+        </p:txBody>
+      </p:sp>
+      <p:sp>
+        <p:nvSpPr>
+          <p:cNvPr id="18" name="Google Shape;18;p4"/>
+          <p:cNvSpPr txBox="1">
+            <a:spLocks noGrp="1"/>
+          </p:cNvSpPr>
+          <p:nvPr>
+            <p:ph type="body" idx="1"/>
+          </p:nvPr>
+        </p:nvSpPr>
+        <p:spPr>
+          <a:xfrm>
+            <a:off x="415600" y="1536633"/>
+            <a:ext cx="11360800" cy="4555200"/>
+          </a:xfrm>
+          <a:prstGeom prst="rect">
+            <a:avLst/>
+          </a:prstGeom>
+        </p:spPr>
+        <p:txBody>
+          <a:bodyPr spcFirstLastPara="1" wrap="square" lIns="91425" tIns="91425" rIns="91425" bIns="91425" anchor="t" anchorCtr="0">
+            <a:noAutofit/>
+          </a:bodyPr>
+          <a:lstStyle>
+            <a:lvl1pPr marL="609585" lvl="0" indent="-457189">
+              <a:spcBef>
+                <a:spcPts val="0"/>
+              </a:spcBef>
+              <a:spcAft>
+                <a:spcPts val="0"/>
+              </a:spcAft>
+              <a:buSzPts val="1800"/>
+              <a:buChar char="●"/>
+              <a:defRPr/>
+            </a:lvl1pPr>
+            <a:lvl2pPr marL="1219170" lvl="1" indent="-423323">
+              <a:spcBef>
+                <a:spcPts val="2133"/>
+              </a:spcBef>
+              <a:spcAft>
+                <a:spcPts val="0"/>
+              </a:spcAft>
+              <a:buSzPts val="1400"/>
+              <a:buChar char="○"/>
+              <a:defRPr/>
+            </a:lvl2pPr>
+            <a:lvl3pPr marL="1828754" lvl="2" indent="-423323">
+              <a:spcBef>
+                <a:spcPts val="2133"/>
+              </a:spcBef>
+              <a:spcAft>
+                <a:spcPts val="0"/>
+              </a:spcAft>
+              <a:buSzPts val="1400"/>
+              <a:buChar char="■"/>
+              <a:defRPr/>
+            </a:lvl3pPr>
+            <a:lvl4pPr marL="2438339" lvl="3" indent="-423323">
+              <a:spcBef>
+                <a:spcPts val="2133"/>
+              </a:spcBef>
+              <a:spcAft>
+                <a:spcPts val="0"/>
+              </a:spcAft>
+              <a:buSzPts val="1400"/>
+              <a:buChar char="●"/>
+              <a:defRPr/>
+            </a:lvl4pPr>
+            <a:lvl5pPr marL="3047924" lvl="4" indent="-423323">
+              <a:spcBef>
+                <a:spcPts val="2133"/>
+              </a:spcBef>
+              <a:spcAft>
+                <a:spcPts val="0"/>
+              </a:spcAft>
+              <a:buSzPts val="1400"/>
+              <a:buChar char="○"/>
+              <a:defRPr/>
+            </a:lvl5pPr>
+            <a:lvl6pPr marL="3657509" lvl="5" indent="-423323">
+              <a:spcBef>
+                <a:spcPts val="2133"/>
+              </a:spcBef>
+              <a:spcAft>
+                <a:spcPts val="0"/>
+              </a:spcAft>
+              <a:buSzPts val="1400"/>
+              <a:buChar char="■"/>
+              <a:defRPr/>
+            </a:lvl6pPr>
+            <a:lvl7pPr marL="4267093" lvl="6" indent="-423323">
+              <a:spcBef>
+                <a:spcPts val="2133"/>
+              </a:spcBef>
+              <a:spcAft>
+                <a:spcPts val="0"/>
+              </a:spcAft>
+              <a:buSzPts val="1400"/>
+              <a:buChar char="●"/>
+              <a:defRPr/>
+            </a:lvl7pPr>
+            <a:lvl8pPr marL="4876678" lvl="7" indent="-423323">
+              <a:spcBef>
+                <a:spcPts val="2133"/>
+              </a:spcBef>
+              <a:spcAft>
+                <a:spcPts val="0"/>
+              </a:spcAft>
+              <a:buSzPts val="1400"/>
+              <a:buChar char="○"/>
+              <a:defRPr/>
+            </a:lvl8pPr>
+            <a:lvl9pPr marL="5486263" lvl="8" indent="-423323">
+              <a:spcBef>
+                <a:spcPts val="2133"/>
+              </a:spcBef>
+              <a:spcAft>
+                <a:spcPts val="2133"/>
+              </a:spcAft>
+              <a:buSzPts val="1400"/>
+              <a:buChar char="■"/>
+              <a:defRPr/>
+            </a:lvl9pPr>
+          </a:lstStyle>
+          <a:p>
+            <a:endParaRPr/>
+          </a:p>
+        </p:txBody>
+      </p:sp>
+      <p:sp>
+        <p:nvSpPr>
+          <p:cNvPr id="19" name="Google Shape;19;p4"/>
+          <p:cNvSpPr txBox="1">
+            <a:spLocks noGrp="1"/>
+          </p:cNvSpPr>
+          <p:nvPr>
+            <p:ph type="sldNum" idx="12"/>
+          </p:nvPr>
+        </p:nvSpPr>
+        <p:spPr>
+          <a:xfrm>
+            <a:off x="11296611" y="6217623"/>
+            <a:ext cx="731600" cy="524800"/>
+          </a:xfrm>
+          <a:prstGeom prst="rect">
+            <a:avLst/>
+          </a:prstGeom>
+        </p:spPr>
+        <p:txBody>
+          <a:bodyPr spcFirstLastPara="1" wrap="square" lIns="91425" tIns="91425" rIns="91425" bIns="91425" anchor="ctr" anchorCtr="0">
+            <a:noAutofit/>
+          </a:bodyPr>
+          <a:lstStyle>
+            <a:lvl1pPr lvl="0">
+              <a:buNone/>
+              <a:defRPr/>
+            </a:lvl1pPr>
+            <a:lvl2pPr lvl="1">
+              <a:buNone/>
+              <a:defRPr/>
+            </a:lvl2pPr>
+            <a:lvl3pPr lvl="2">
+              <a:buNone/>
+              <a:defRPr/>
+            </a:lvl3pPr>
+            <a:lvl4pPr lvl="3">
+              <a:buNone/>
+              <a:defRPr/>
+            </a:lvl4pPr>
+            <a:lvl5pPr lvl="4">
+              <a:buNone/>
+              <a:defRPr/>
+            </a:lvl5pPr>
+            <a:lvl6pPr lvl="5">
+              <a:buNone/>
+              <a:defRPr/>
+            </a:lvl6pPr>
+            <a:lvl7pPr lvl="6">
+              <a:buNone/>
+              <a:defRPr/>
+            </a:lvl7pPr>
+            <a:lvl8pPr lvl="7">
+              <a:buNone/>
+              <a:defRPr/>
+            </a:lvl8pPr>
+            <a:lvl9pPr lvl="8">
+              <a:buNone/>
+              <a:defRPr/>
+            </a:lvl9pPr>
+          </a:lstStyle>
+          <a:p>
+            <a:pPr marL="0" lvl="0" indent="0" algn="r" rtl="0">
+              <a:spcBef>
+                <a:spcPts val="0"/>
+              </a:spcBef>
+              <a:spcAft>
+                <a:spcPts val="0"/>
+              </a:spcAft>
+              <a:buNone/>
+            </a:pPr>
+            <a:fld id="{00000000-1234-1234-1234-123412341234}" type="slidenum">
+              <a:rPr lang="ko"/>
+              <a:pPr marL="0" lvl="0" indent="0" algn="r" rtl="0">
+                <a:spcBef>
+                  <a:spcPts val="0"/>
+                </a:spcBef>
+                <a:spcAft>
+                  <a:spcPts val="0"/>
+                </a:spcAft>
+                <a:buNone/>
+              </a:pPr>
+              <a:t>‹#›</a:t>
+            </a:fld>
+            <a:endParaRPr/>
+          </a:p>
+        </p:txBody>
+      </p:sp>
+    </p:spTree>
+  </p:cSld>
+  <p:clrMapOvr>
+    <a:masterClrMapping/>
+  </p:clrMapOvr>
+</p:sldLayout>
+</file>
+
+<file path=ppt/slideLayouts/slideLayout26.xml><?xml version="1.0" encoding="utf-8"?>
+<p:sldLayout xmlns:a="http://schemas.openxmlformats.org/drawingml/2006/main" xmlns:r="http://schemas.openxmlformats.org/officeDocument/2006/relationships" xmlns:p="http://schemas.openxmlformats.org/presentationml/2006/main" matchingName="Title and two columns" type="twoColTx">
+  <p:cSld name="TITLE_AND_TWO_COLUMNS">
+    <p:spTree>
+      <p:nvGrpSpPr>
+        <p:cNvPr id="1" name="Shape 20"/>
+        <p:cNvGrpSpPr/>
+        <p:nvPr/>
+      </p:nvGrpSpPr>
+      <p:grpSpPr>
+        <a:xfrm>
+          <a:off x="0" y="0"/>
+          <a:ext cx="0" cy="0"/>
+          <a:chOff x="0" y="0"/>
+          <a:chExt cx="0" cy="0"/>
+        </a:xfrm>
+      </p:grpSpPr>
+      <p:sp>
+        <p:nvSpPr>
+          <p:cNvPr id="21" name="Google Shape;21;p5"/>
+          <p:cNvSpPr txBox="1">
+            <a:spLocks noGrp="1"/>
+          </p:cNvSpPr>
+          <p:nvPr>
+            <p:ph type="title"/>
+          </p:nvPr>
+        </p:nvSpPr>
+        <p:spPr>
+          <a:xfrm>
+            <a:off x="415600" y="593367"/>
+            <a:ext cx="11360800" cy="763600"/>
+          </a:xfrm>
+          <a:prstGeom prst="rect">
+            <a:avLst/>
+          </a:prstGeom>
+        </p:spPr>
+        <p:txBody>
+          <a:bodyPr spcFirstLastPara="1" wrap="square" lIns="91425" tIns="91425" rIns="91425" bIns="91425" anchor="t" anchorCtr="0">
+            <a:noAutofit/>
+          </a:bodyPr>
+          <a:lstStyle>
+            <a:lvl1pPr lvl="0">
+              <a:spcBef>
+                <a:spcPts val="0"/>
+              </a:spcBef>
+              <a:spcAft>
+                <a:spcPts val="0"/>
+              </a:spcAft>
+              <a:buSzPts val="2800"/>
+              <a:buNone/>
+              <a:defRPr/>
+            </a:lvl1pPr>
+            <a:lvl2pPr lvl="1">
+              <a:spcBef>
+                <a:spcPts val="0"/>
+              </a:spcBef>
+              <a:spcAft>
+                <a:spcPts val="0"/>
+              </a:spcAft>
+              <a:buSzPts val="2800"/>
+              <a:buNone/>
+              <a:defRPr/>
+            </a:lvl2pPr>
+            <a:lvl3pPr lvl="2">
+              <a:spcBef>
+                <a:spcPts val="0"/>
+              </a:spcBef>
+              <a:spcAft>
+                <a:spcPts val="0"/>
+              </a:spcAft>
+              <a:buSzPts val="2800"/>
+              <a:buNone/>
+              <a:defRPr/>
+            </a:lvl3pPr>
+            <a:lvl4pPr lvl="3">
+              <a:spcBef>
+                <a:spcPts val="0"/>
+              </a:spcBef>
+              <a:spcAft>
+                <a:spcPts val="0"/>
+              </a:spcAft>
+              <a:buSzPts val="2800"/>
+              <a:buNone/>
+              <a:defRPr/>
+            </a:lvl4pPr>
+            <a:lvl5pPr lvl="4">
+              <a:spcBef>
+                <a:spcPts val="0"/>
+              </a:spcBef>
+              <a:spcAft>
+                <a:spcPts val="0"/>
+              </a:spcAft>
+              <a:buSzPts val="2800"/>
+              <a:buNone/>
+              <a:defRPr/>
+            </a:lvl5pPr>
+            <a:lvl6pPr lvl="5">
+              <a:spcBef>
+                <a:spcPts val="0"/>
+              </a:spcBef>
+              <a:spcAft>
+                <a:spcPts val="0"/>
+              </a:spcAft>
+              <a:buSzPts val="2800"/>
+              <a:buNone/>
+              <a:defRPr/>
+            </a:lvl6pPr>
+            <a:lvl7pPr lvl="6">
+              <a:spcBef>
+                <a:spcPts val="0"/>
+              </a:spcBef>
+              <a:spcAft>
+                <a:spcPts val="0"/>
+              </a:spcAft>
+              <a:buSzPts val="2800"/>
+              <a:buNone/>
+              <a:defRPr/>
+            </a:lvl7pPr>
+            <a:lvl8pPr lvl="7">
+              <a:spcBef>
+                <a:spcPts val="0"/>
+              </a:spcBef>
+              <a:spcAft>
+                <a:spcPts val="0"/>
+              </a:spcAft>
+              <a:buSzPts val="2800"/>
+              <a:buNone/>
+              <a:defRPr/>
+            </a:lvl8pPr>
+            <a:lvl9pPr lvl="8">
+              <a:spcBef>
+                <a:spcPts val="0"/>
+              </a:spcBef>
+              <a:spcAft>
+                <a:spcPts val="0"/>
+              </a:spcAft>
+              <a:buSzPts val="2800"/>
+              <a:buNone/>
+              <a:defRPr/>
+            </a:lvl9pPr>
+          </a:lstStyle>
+          <a:p>
+            <a:endParaRPr/>
+          </a:p>
+        </p:txBody>
+      </p:sp>
+      <p:sp>
+        <p:nvSpPr>
+          <p:cNvPr id="22" name="Google Shape;22;p5"/>
+          <p:cNvSpPr txBox="1">
+            <a:spLocks noGrp="1"/>
+          </p:cNvSpPr>
+          <p:nvPr>
+            <p:ph type="body" idx="1"/>
+          </p:nvPr>
+        </p:nvSpPr>
+        <p:spPr>
+          <a:xfrm>
+            <a:off x="415600" y="1536633"/>
+            <a:ext cx="5333200" cy="4555200"/>
+          </a:xfrm>
+          <a:prstGeom prst="rect">
+            <a:avLst/>
+          </a:prstGeom>
+        </p:spPr>
+        <p:txBody>
+          <a:bodyPr spcFirstLastPara="1" wrap="square" lIns="91425" tIns="91425" rIns="91425" bIns="91425" anchor="t" anchorCtr="0">
+            <a:noAutofit/>
+          </a:bodyPr>
+          <a:lstStyle>
+            <a:lvl1pPr marL="609585" lvl="0" indent="-423323">
+              <a:spcBef>
+                <a:spcPts val="0"/>
+              </a:spcBef>
+              <a:spcAft>
+                <a:spcPts val="0"/>
+              </a:spcAft>
+              <a:buSzPts val="1400"/>
+              <a:buChar char="●"/>
+              <a:defRPr sz="1900"/>
+            </a:lvl1pPr>
+            <a:lvl2pPr marL="1219170" lvl="1" indent="-406390">
+              <a:spcBef>
+                <a:spcPts val="2133"/>
+              </a:spcBef>
+              <a:spcAft>
+                <a:spcPts val="0"/>
+              </a:spcAft>
+              <a:buSzPts val="1200"/>
+              <a:buChar char="○"/>
+              <a:defRPr sz="1600"/>
+            </a:lvl2pPr>
+            <a:lvl3pPr marL="1828754" lvl="2" indent="-406390">
+              <a:spcBef>
+                <a:spcPts val="2133"/>
+              </a:spcBef>
+              <a:spcAft>
+                <a:spcPts val="0"/>
+              </a:spcAft>
+              <a:buSzPts val="1200"/>
+              <a:buChar char="■"/>
+              <a:defRPr sz="1600"/>
+            </a:lvl3pPr>
+            <a:lvl4pPr marL="2438339" lvl="3" indent="-406390">
+              <a:spcBef>
+                <a:spcPts val="2133"/>
+              </a:spcBef>
+              <a:spcAft>
+                <a:spcPts val="0"/>
+              </a:spcAft>
+              <a:buSzPts val="1200"/>
+              <a:buChar char="●"/>
+              <a:defRPr sz="1600"/>
+            </a:lvl4pPr>
+            <a:lvl5pPr marL="3047924" lvl="4" indent="-406390">
+              <a:spcBef>
+                <a:spcPts val="2133"/>
+              </a:spcBef>
+              <a:spcAft>
+                <a:spcPts val="0"/>
+              </a:spcAft>
+              <a:buSzPts val="1200"/>
+              <a:buChar char="○"/>
+              <a:defRPr sz="1600"/>
+            </a:lvl5pPr>
+            <a:lvl6pPr marL="3657509" lvl="5" indent="-406390">
+              <a:spcBef>
+                <a:spcPts val="2133"/>
+              </a:spcBef>
+              <a:spcAft>
+                <a:spcPts val="0"/>
+              </a:spcAft>
+              <a:buSzPts val="1200"/>
+              <a:buChar char="■"/>
+              <a:defRPr sz="1600"/>
+            </a:lvl6pPr>
+            <a:lvl7pPr marL="4267093" lvl="6" indent="-406390">
+              <a:spcBef>
+                <a:spcPts val="2133"/>
+              </a:spcBef>
+              <a:spcAft>
+                <a:spcPts val="0"/>
+              </a:spcAft>
+              <a:buSzPts val="1200"/>
+              <a:buChar char="●"/>
+              <a:defRPr sz="1600"/>
+            </a:lvl7pPr>
+            <a:lvl8pPr marL="4876678" lvl="7" indent="-406390">
+              <a:spcBef>
+                <a:spcPts val="2133"/>
+              </a:spcBef>
+              <a:spcAft>
+                <a:spcPts val="0"/>
+              </a:spcAft>
+              <a:buSzPts val="1200"/>
+              <a:buChar char="○"/>
+              <a:defRPr sz="1600"/>
+            </a:lvl8pPr>
+            <a:lvl9pPr marL="5486263" lvl="8" indent="-406390">
+              <a:spcBef>
+                <a:spcPts val="2133"/>
+              </a:spcBef>
+              <a:spcAft>
+                <a:spcPts val="2133"/>
+              </a:spcAft>
+              <a:buSzPts val="1200"/>
+              <a:buChar char="■"/>
+              <a:defRPr sz="1600"/>
+            </a:lvl9pPr>
+          </a:lstStyle>
+          <a:p>
+            <a:endParaRPr/>
+          </a:p>
+        </p:txBody>
+      </p:sp>
+      <p:sp>
+        <p:nvSpPr>
+          <p:cNvPr id="23" name="Google Shape;23;p5"/>
+          <p:cNvSpPr txBox="1">
+            <a:spLocks noGrp="1"/>
+          </p:cNvSpPr>
+          <p:nvPr>
+            <p:ph type="body" idx="2"/>
+          </p:nvPr>
+        </p:nvSpPr>
+        <p:spPr>
+          <a:xfrm>
+            <a:off x="6443200" y="1536633"/>
+            <a:ext cx="5333200" cy="4555200"/>
+          </a:xfrm>
+          <a:prstGeom prst="rect">
+            <a:avLst/>
+          </a:prstGeom>
+        </p:spPr>
+        <p:txBody>
+          <a:bodyPr spcFirstLastPara="1" wrap="square" lIns="91425" tIns="91425" rIns="91425" bIns="91425" anchor="t" anchorCtr="0">
+            <a:noAutofit/>
+          </a:bodyPr>
+          <a:lstStyle>
+            <a:lvl1pPr marL="609585" lvl="0" indent="-423323">
+              <a:spcBef>
+                <a:spcPts val="0"/>
+              </a:spcBef>
+              <a:spcAft>
+                <a:spcPts val="0"/>
+              </a:spcAft>
+              <a:buSzPts val="1400"/>
+              <a:buChar char="●"/>
+              <a:defRPr sz="1900"/>
+            </a:lvl1pPr>
+            <a:lvl2pPr marL="1219170" lvl="1" indent="-406390">
+              <a:spcBef>
+                <a:spcPts val="2133"/>
+              </a:spcBef>
+              <a:spcAft>
+                <a:spcPts val="0"/>
+              </a:spcAft>
+              <a:buSzPts val="1200"/>
+              <a:buChar char="○"/>
+              <a:defRPr sz="1600"/>
+            </a:lvl2pPr>
+            <a:lvl3pPr marL="1828754" lvl="2" indent="-406390">
+              <a:spcBef>
+                <a:spcPts val="2133"/>
+              </a:spcBef>
+              <a:spcAft>
+                <a:spcPts val="0"/>
+              </a:spcAft>
+              <a:buSzPts val="1200"/>
+              <a:buChar char="■"/>
+              <a:defRPr sz="1600"/>
+            </a:lvl3pPr>
+            <a:lvl4pPr marL="2438339" lvl="3" indent="-406390">
+              <a:spcBef>
+                <a:spcPts val="2133"/>
+              </a:spcBef>
+              <a:spcAft>
+                <a:spcPts val="0"/>
+              </a:spcAft>
+              <a:buSzPts val="1200"/>
+              <a:buChar char="●"/>
+              <a:defRPr sz="1600"/>
+            </a:lvl4pPr>
+            <a:lvl5pPr marL="3047924" lvl="4" indent="-406390">
+              <a:spcBef>
+                <a:spcPts val="2133"/>
+              </a:spcBef>
+              <a:spcAft>
+                <a:spcPts val="0"/>
+              </a:spcAft>
+              <a:buSzPts val="1200"/>
+              <a:buChar char="○"/>
+              <a:defRPr sz="1600"/>
+            </a:lvl5pPr>
+            <a:lvl6pPr marL="3657509" lvl="5" indent="-406390">
+              <a:spcBef>
+                <a:spcPts val="2133"/>
+              </a:spcBef>
+              <a:spcAft>
+                <a:spcPts val="0"/>
+              </a:spcAft>
+              <a:buSzPts val="1200"/>
+              <a:buChar char="■"/>
+              <a:defRPr sz="1600"/>
+            </a:lvl6pPr>
+            <a:lvl7pPr marL="4267093" lvl="6" indent="-406390">
+              <a:spcBef>
+                <a:spcPts val="2133"/>
+              </a:spcBef>
+              <a:spcAft>
+                <a:spcPts val="0"/>
+              </a:spcAft>
+              <a:buSzPts val="1200"/>
+              <a:buChar char="●"/>
+              <a:defRPr sz="1600"/>
+            </a:lvl7pPr>
+            <a:lvl8pPr marL="4876678" lvl="7" indent="-406390">
+              <a:spcBef>
+                <a:spcPts val="2133"/>
+              </a:spcBef>
+              <a:spcAft>
+                <a:spcPts val="0"/>
+              </a:spcAft>
+              <a:buSzPts val="1200"/>
+              <a:buChar char="○"/>
+              <a:defRPr sz="1600"/>
+            </a:lvl8pPr>
+            <a:lvl9pPr marL="5486263" lvl="8" indent="-406390">
+              <a:spcBef>
+                <a:spcPts val="2133"/>
+              </a:spcBef>
+              <a:spcAft>
+                <a:spcPts val="2133"/>
+              </a:spcAft>
+              <a:buSzPts val="1200"/>
+              <a:buChar char="■"/>
+              <a:defRPr sz="1600"/>
+            </a:lvl9pPr>
+          </a:lstStyle>
+          <a:p>
+            <a:endParaRPr/>
+          </a:p>
+        </p:txBody>
+      </p:sp>
+      <p:sp>
+        <p:nvSpPr>
+          <p:cNvPr id="24" name="Google Shape;24;p5"/>
+          <p:cNvSpPr txBox="1">
+            <a:spLocks noGrp="1"/>
+          </p:cNvSpPr>
+          <p:nvPr>
+            <p:ph type="sldNum" idx="12"/>
+          </p:nvPr>
+        </p:nvSpPr>
+        <p:spPr>
+          <a:xfrm>
+            <a:off x="11296611" y="6217623"/>
+            <a:ext cx="731600" cy="524800"/>
+          </a:xfrm>
+          <a:prstGeom prst="rect">
+            <a:avLst/>
+          </a:prstGeom>
+        </p:spPr>
+        <p:txBody>
+          <a:bodyPr spcFirstLastPara="1" wrap="square" lIns="91425" tIns="91425" rIns="91425" bIns="91425" anchor="ctr" anchorCtr="0">
+            <a:noAutofit/>
+          </a:bodyPr>
+          <a:lstStyle>
+            <a:lvl1pPr lvl="0">
+              <a:buNone/>
+              <a:defRPr/>
+            </a:lvl1pPr>
+            <a:lvl2pPr lvl="1">
+              <a:buNone/>
+              <a:defRPr/>
+            </a:lvl2pPr>
+            <a:lvl3pPr lvl="2">
+              <a:buNone/>
+              <a:defRPr/>
+            </a:lvl3pPr>
+            <a:lvl4pPr lvl="3">
+              <a:buNone/>
+              <a:defRPr/>
+            </a:lvl4pPr>
+            <a:lvl5pPr lvl="4">
+              <a:buNone/>
+              <a:defRPr/>
+            </a:lvl5pPr>
+            <a:lvl6pPr lvl="5">
+              <a:buNone/>
+              <a:defRPr/>
+            </a:lvl6pPr>
+            <a:lvl7pPr lvl="6">
+              <a:buNone/>
+              <a:defRPr/>
+            </a:lvl7pPr>
+            <a:lvl8pPr lvl="7">
+              <a:buNone/>
+              <a:defRPr/>
+            </a:lvl8pPr>
+            <a:lvl9pPr lvl="8">
+              <a:buNone/>
+              <a:defRPr/>
+            </a:lvl9pPr>
+          </a:lstStyle>
+          <a:p>
+            <a:pPr marL="0" lvl="0" indent="0" algn="r" rtl="0">
+              <a:spcBef>
+                <a:spcPts val="0"/>
+              </a:spcBef>
+              <a:spcAft>
+                <a:spcPts val="0"/>
+              </a:spcAft>
+              <a:buNone/>
+            </a:pPr>
+            <a:fld id="{00000000-1234-1234-1234-123412341234}" type="slidenum">
+              <a:rPr lang="ko"/>
+              <a:pPr marL="0" lvl="0" indent="0" algn="r" rtl="0">
+                <a:spcBef>
+                  <a:spcPts val="0"/>
+                </a:spcBef>
+                <a:spcAft>
+                  <a:spcPts val="0"/>
+                </a:spcAft>
+                <a:buNone/>
+              </a:pPr>
+              <a:t>‹#›</a:t>
+            </a:fld>
+            <a:endParaRPr/>
+          </a:p>
+        </p:txBody>
+      </p:sp>
+    </p:spTree>
+  </p:cSld>
+  <p:clrMapOvr>
+    <a:masterClrMapping/>
+  </p:clrMapOvr>
+</p:sldLayout>
+</file>
+
+<file path=ppt/slideLayouts/slideLayout27.xml><?xml version="1.0" encoding="utf-8"?>
+<p:sldLayout xmlns:a="http://schemas.openxmlformats.org/drawingml/2006/main" xmlns:r="http://schemas.openxmlformats.org/officeDocument/2006/relationships" xmlns:p="http://schemas.openxmlformats.org/presentationml/2006/main" matchingName="Title only" type="titleOnly">
+  <p:cSld name="TITLE_ONLY">
+    <p:spTree>
+      <p:nvGrpSpPr>
+        <p:cNvPr id="1" name="Shape 25"/>
+        <p:cNvGrpSpPr/>
+        <p:nvPr/>
+      </p:nvGrpSpPr>
+      <p:grpSpPr>
+        <a:xfrm>
+          <a:off x="0" y="0"/>
+          <a:ext cx="0" cy="0"/>
+          <a:chOff x="0" y="0"/>
+          <a:chExt cx="0" cy="0"/>
+        </a:xfrm>
+      </p:grpSpPr>
+      <p:sp>
+        <p:nvSpPr>
+          <p:cNvPr id="26" name="Google Shape;26;p6"/>
+          <p:cNvSpPr txBox="1">
+            <a:spLocks noGrp="1"/>
+          </p:cNvSpPr>
+          <p:nvPr>
+            <p:ph type="title"/>
+          </p:nvPr>
+        </p:nvSpPr>
+        <p:spPr>
+          <a:xfrm>
+            <a:off x="415600" y="593367"/>
+            <a:ext cx="11360800" cy="763600"/>
+          </a:xfrm>
+          <a:prstGeom prst="rect">
+            <a:avLst/>
+          </a:prstGeom>
+        </p:spPr>
+        <p:txBody>
+          <a:bodyPr spcFirstLastPara="1" wrap="square" lIns="91425" tIns="91425" rIns="91425" bIns="91425" anchor="t" anchorCtr="0">
+            <a:noAutofit/>
+          </a:bodyPr>
+          <a:lstStyle>
+            <a:lvl1pPr lvl="0">
+              <a:spcBef>
+                <a:spcPts val="0"/>
+              </a:spcBef>
+              <a:spcAft>
+                <a:spcPts val="0"/>
+              </a:spcAft>
+              <a:buSzPts val="2800"/>
+              <a:buNone/>
+              <a:defRPr/>
+            </a:lvl1pPr>
+            <a:lvl2pPr lvl="1">
+              <a:spcBef>
+                <a:spcPts val="0"/>
+              </a:spcBef>
+              <a:spcAft>
+                <a:spcPts val="0"/>
+              </a:spcAft>
+              <a:buSzPts val="2800"/>
+              <a:buNone/>
+              <a:defRPr/>
+            </a:lvl2pPr>
+            <a:lvl3pPr lvl="2">
+              <a:spcBef>
+                <a:spcPts val="0"/>
+              </a:spcBef>
+              <a:spcAft>
+                <a:spcPts val="0"/>
+              </a:spcAft>
+              <a:buSzPts val="2800"/>
+              <a:buNone/>
+              <a:defRPr/>
+            </a:lvl3pPr>
+            <a:lvl4pPr lvl="3">
+              <a:spcBef>
+                <a:spcPts val="0"/>
+              </a:spcBef>
+              <a:spcAft>
+                <a:spcPts val="0"/>
+              </a:spcAft>
+              <a:buSzPts val="2800"/>
+              <a:buNone/>
+              <a:defRPr/>
+            </a:lvl4pPr>
+            <a:lvl5pPr lvl="4">
+              <a:spcBef>
+                <a:spcPts val="0"/>
+              </a:spcBef>
+              <a:spcAft>
+                <a:spcPts val="0"/>
+              </a:spcAft>
+              <a:buSzPts val="2800"/>
+              <a:buNone/>
+              <a:defRPr/>
+            </a:lvl5pPr>
+            <a:lvl6pPr lvl="5">
+              <a:spcBef>
+                <a:spcPts val="0"/>
+              </a:spcBef>
+              <a:spcAft>
+                <a:spcPts val="0"/>
+              </a:spcAft>
+              <a:buSzPts val="2800"/>
+              <a:buNone/>
+              <a:defRPr/>
+            </a:lvl6pPr>
+            <a:lvl7pPr lvl="6">
+              <a:spcBef>
+                <a:spcPts val="0"/>
+              </a:spcBef>
+              <a:spcAft>
+                <a:spcPts val="0"/>
+              </a:spcAft>
+              <a:buSzPts val="2800"/>
+              <a:buNone/>
+              <a:defRPr/>
+            </a:lvl7pPr>
+            <a:lvl8pPr lvl="7">
+              <a:spcBef>
+                <a:spcPts val="0"/>
+              </a:spcBef>
+              <a:spcAft>
+                <a:spcPts val="0"/>
+              </a:spcAft>
+              <a:buSzPts val="2800"/>
+              <a:buNone/>
+              <a:defRPr/>
+            </a:lvl8pPr>
+            <a:lvl9pPr lvl="8">
+              <a:spcBef>
+                <a:spcPts val="0"/>
+              </a:spcBef>
+              <a:spcAft>
+                <a:spcPts val="0"/>
+              </a:spcAft>
+              <a:buSzPts val="2800"/>
+              <a:buNone/>
+              <a:defRPr/>
+            </a:lvl9pPr>
+          </a:lstStyle>
+          <a:p>
+            <a:endParaRPr/>
+          </a:p>
+        </p:txBody>
+      </p:sp>
+      <p:sp>
+        <p:nvSpPr>
+          <p:cNvPr id="27" name="Google Shape;27;p6"/>
+          <p:cNvSpPr txBox="1">
+            <a:spLocks noGrp="1"/>
+          </p:cNvSpPr>
+          <p:nvPr>
+            <p:ph type="sldNum" idx="12"/>
+          </p:nvPr>
+        </p:nvSpPr>
+        <p:spPr>
+          <a:xfrm>
+            <a:off x="11296611" y="6217623"/>
+            <a:ext cx="731600" cy="524800"/>
+          </a:xfrm>
+          <a:prstGeom prst="rect">
+            <a:avLst/>
+          </a:prstGeom>
+        </p:spPr>
+        <p:txBody>
+          <a:bodyPr spcFirstLastPara="1" wrap="square" lIns="91425" tIns="91425" rIns="91425" bIns="91425" anchor="ctr" anchorCtr="0">
+            <a:noAutofit/>
+          </a:bodyPr>
+          <a:lstStyle>
+            <a:lvl1pPr lvl="0">
+              <a:buNone/>
+              <a:defRPr/>
+            </a:lvl1pPr>
+            <a:lvl2pPr lvl="1">
+              <a:buNone/>
+              <a:defRPr/>
+            </a:lvl2pPr>
+            <a:lvl3pPr lvl="2">
+              <a:buNone/>
+              <a:defRPr/>
+            </a:lvl3pPr>
+            <a:lvl4pPr lvl="3">
+              <a:buNone/>
+              <a:defRPr/>
+            </a:lvl4pPr>
+            <a:lvl5pPr lvl="4">
+              <a:buNone/>
+              <a:defRPr/>
+            </a:lvl5pPr>
+            <a:lvl6pPr lvl="5">
+              <a:buNone/>
+              <a:defRPr/>
+            </a:lvl6pPr>
+            <a:lvl7pPr lvl="6">
+              <a:buNone/>
+              <a:defRPr/>
+            </a:lvl7pPr>
+            <a:lvl8pPr lvl="7">
+              <a:buNone/>
+              <a:defRPr/>
+            </a:lvl8pPr>
+            <a:lvl9pPr lvl="8">
+              <a:buNone/>
+              <a:defRPr/>
+            </a:lvl9pPr>
+          </a:lstStyle>
+          <a:p>
+            <a:pPr marL="0" lvl="0" indent="0" algn="r" rtl="0">
+              <a:spcBef>
+                <a:spcPts val="0"/>
+              </a:spcBef>
+              <a:spcAft>
+                <a:spcPts val="0"/>
+              </a:spcAft>
+              <a:buNone/>
+            </a:pPr>
+            <a:fld id="{00000000-1234-1234-1234-123412341234}" type="slidenum">
+              <a:rPr lang="ko"/>
+              <a:pPr marL="0" lvl="0" indent="0" algn="r" rtl="0">
+                <a:spcBef>
+                  <a:spcPts val="0"/>
+                </a:spcBef>
+                <a:spcAft>
+                  <a:spcPts val="0"/>
+                </a:spcAft>
+                <a:buNone/>
+              </a:pPr>
+              <a:t>‹#›</a:t>
+            </a:fld>
+            <a:endParaRPr/>
+          </a:p>
+        </p:txBody>
+      </p:sp>
+    </p:spTree>
+  </p:cSld>
+  <p:clrMapOvr>
+    <a:masterClrMapping/>
+  </p:clrMapOvr>
+</p:sldLayout>
+</file>
+
+<file path=ppt/slideLayouts/slideLayout28.xml><?xml version="1.0" encoding="utf-8"?>
+<p:sldLayout xmlns:a="http://schemas.openxmlformats.org/drawingml/2006/main" xmlns:r="http://schemas.openxmlformats.org/officeDocument/2006/relationships" xmlns:p="http://schemas.openxmlformats.org/presentationml/2006/main" matchingName="One column text">
+  <p:cSld name="ONE_COLUMN_TEXT">
+    <p:spTree>
+      <p:nvGrpSpPr>
+        <p:cNvPr id="1" name="Shape 28"/>
+        <p:cNvGrpSpPr/>
+        <p:nvPr/>
+      </p:nvGrpSpPr>
+      <p:grpSpPr>
+        <a:xfrm>
+          <a:off x="0" y="0"/>
+          <a:ext cx="0" cy="0"/>
+          <a:chOff x="0" y="0"/>
+          <a:chExt cx="0" cy="0"/>
+        </a:xfrm>
+      </p:grpSpPr>
+      <p:sp>
+        <p:nvSpPr>
+          <p:cNvPr id="29" name="Google Shape;29;p7"/>
+          <p:cNvSpPr txBox="1">
+            <a:spLocks noGrp="1"/>
+          </p:cNvSpPr>
+          <p:nvPr>
+            <p:ph type="title"/>
+          </p:nvPr>
+        </p:nvSpPr>
+        <p:spPr>
+          <a:xfrm>
+            <a:off x="415600" y="740800"/>
+            <a:ext cx="3744000" cy="1007600"/>
+          </a:xfrm>
+          <a:prstGeom prst="rect">
+            <a:avLst/>
+          </a:prstGeom>
+        </p:spPr>
+        <p:txBody>
+          <a:bodyPr spcFirstLastPara="1" wrap="square" lIns="91425" tIns="91425" rIns="91425" bIns="91425" anchor="b" anchorCtr="0">
+            <a:noAutofit/>
+          </a:bodyPr>
+          <a:lstStyle>
+            <a:lvl1pPr lvl="0">
+              <a:spcBef>
+                <a:spcPts val="0"/>
+              </a:spcBef>
+              <a:spcAft>
+                <a:spcPts val="0"/>
+              </a:spcAft>
+              <a:buSzPts val="2400"/>
+              <a:buNone/>
+              <a:defRPr sz="3200"/>
+            </a:lvl1pPr>
+            <a:lvl2pPr lvl="1">
+              <a:spcBef>
+                <a:spcPts val="0"/>
+              </a:spcBef>
+              <a:spcAft>
+                <a:spcPts val="0"/>
+              </a:spcAft>
+              <a:buSzPts val="2400"/>
+              <a:buNone/>
+              <a:defRPr sz="3200"/>
+            </a:lvl2pPr>
+            <a:lvl3pPr lvl="2">
+              <a:spcBef>
+                <a:spcPts val="0"/>
+              </a:spcBef>
+              <a:spcAft>
+                <a:spcPts val="0"/>
+              </a:spcAft>
+              <a:buSzPts val="2400"/>
+              <a:buNone/>
+              <a:defRPr sz="3200"/>
+            </a:lvl3pPr>
+            <a:lvl4pPr lvl="3">
+              <a:spcBef>
+                <a:spcPts val="0"/>
+              </a:spcBef>
+              <a:spcAft>
+                <a:spcPts val="0"/>
+              </a:spcAft>
+              <a:buSzPts val="2400"/>
+              <a:buNone/>
+              <a:defRPr sz="3200"/>
+            </a:lvl4pPr>
+            <a:lvl5pPr lvl="4">
+              <a:spcBef>
+                <a:spcPts val="0"/>
+              </a:spcBef>
+              <a:spcAft>
+                <a:spcPts val="0"/>
+              </a:spcAft>
+              <a:buSzPts val="2400"/>
+              <a:buNone/>
+              <a:defRPr sz="3200"/>
+            </a:lvl5pPr>
+            <a:lvl6pPr lvl="5">
+              <a:spcBef>
+                <a:spcPts val="0"/>
+              </a:spcBef>
+              <a:spcAft>
+                <a:spcPts val="0"/>
+              </a:spcAft>
+              <a:buSzPts val="2400"/>
+              <a:buNone/>
+              <a:defRPr sz="3200"/>
+            </a:lvl6pPr>
+            <a:lvl7pPr lvl="6">
+              <a:spcBef>
+                <a:spcPts val="0"/>
+              </a:spcBef>
+              <a:spcAft>
+                <a:spcPts val="0"/>
+              </a:spcAft>
+              <a:buSzPts val="2400"/>
+              <a:buNone/>
+              <a:defRPr sz="3200"/>
+            </a:lvl7pPr>
+            <a:lvl8pPr lvl="7">
+              <a:spcBef>
+                <a:spcPts val="0"/>
+              </a:spcBef>
+              <a:spcAft>
+                <a:spcPts val="0"/>
+              </a:spcAft>
+              <a:buSzPts val="2400"/>
+              <a:buNone/>
+              <a:defRPr sz="3200"/>
+            </a:lvl8pPr>
+            <a:lvl9pPr lvl="8">
+              <a:spcBef>
+                <a:spcPts val="0"/>
+              </a:spcBef>
+              <a:spcAft>
+                <a:spcPts val="0"/>
+              </a:spcAft>
+              <a:buSzPts val="2400"/>
+              <a:buNone/>
+              <a:defRPr sz="3200"/>
+            </a:lvl9pPr>
+          </a:lstStyle>
+          <a:p>
+            <a:endParaRPr/>
+          </a:p>
+        </p:txBody>
+      </p:sp>
+      <p:sp>
+        <p:nvSpPr>
+          <p:cNvPr id="30" name="Google Shape;30;p7"/>
+          <p:cNvSpPr txBox="1">
+            <a:spLocks noGrp="1"/>
+          </p:cNvSpPr>
+          <p:nvPr>
+            <p:ph type="body" idx="1"/>
+          </p:nvPr>
+        </p:nvSpPr>
+        <p:spPr>
+          <a:xfrm>
+            <a:off x="415600" y="1852800"/>
+            <a:ext cx="3744000" cy="4239200"/>
+          </a:xfrm>
+          <a:prstGeom prst="rect">
+            <a:avLst/>
+          </a:prstGeom>
+        </p:spPr>
+        <p:txBody>
+          <a:bodyPr spcFirstLastPara="1" wrap="square" lIns="91425" tIns="91425" rIns="91425" bIns="91425" anchor="t" anchorCtr="0">
+            <a:noAutofit/>
+          </a:bodyPr>
+          <a:lstStyle>
+            <a:lvl1pPr marL="609585" lvl="0" indent="-406390">
+              <a:spcBef>
+                <a:spcPts val="0"/>
+              </a:spcBef>
+              <a:spcAft>
+                <a:spcPts val="0"/>
+              </a:spcAft>
+              <a:buSzPts val="1200"/>
+              <a:buChar char="●"/>
+              <a:defRPr sz="1600"/>
+            </a:lvl1pPr>
+            <a:lvl2pPr marL="1219170" lvl="1" indent="-406390">
+              <a:spcBef>
+                <a:spcPts val="2133"/>
+              </a:spcBef>
+              <a:spcAft>
+                <a:spcPts val="0"/>
+              </a:spcAft>
+              <a:buSzPts val="1200"/>
+              <a:buChar char="○"/>
+              <a:defRPr sz="1600"/>
+            </a:lvl2pPr>
+            <a:lvl3pPr marL="1828754" lvl="2" indent="-406390">
+              <a:spcBef>
+                <a:spcPts val="2133"/>
+              </a:spcBef>
+              <a:spcAft>
+                <a:spcPts val="0"/>
+              </a:spcAft>
+              <a:buSzPts val="1200"/>
+              <a:buChar char="■"/>
+              <a:defRPr sz="1600"/>
+            </a:lvl3pPr>
+            <a:lvl4pPr marL="2438339" lvl="3" indent="-406390">
+              <a:spcBef>
+                <a:spcPts val="2133"/>
+              </a:spcBef>
+              <a:spcAft>
+                <a:spcPts val="0"/>
+              </a:spcAft>
+              <a:buSzPts val="1200"/>
+              <a:buChar char="●"/>
+              <a:defRPr sz="1600"/>
+            </a:lvl4pPr>
+            <a:lvl5pPr marL="3047924" lvl="4" indent="-406390">
+              <a:spcBef>
+                <a:spcPts val="2133"/>
+              </a:spcBef>
+              <a:spcAft>
+                <a:spcPts val="0"/>
+              </a:spcAft>
+              <a:buSzPts val="1200"/>
+              <a:buChar char="○"/>
+              <a:defRPr sz="1600"/>
+            </a:lvl5pPr>
+            <a:lvl6pPr marL="3657509" lvl="5" indent="-406390">
+              <a:spcBef>
+                <a:spcPts val="2133"/>
+              </a:spcBef>
+              <a:spcAft>
+                <a:spcPts val="0"/>
+              </a:spcAft>
+              <a:buSzPts val="1200"/>
+              <a:buChar char="■"/>
+              <a:defRPr sz="1600"/>
+            </a:lvl6pPr>
+            <a:lvl7pPr marL="4267093" lvl="6" indent="-406390">
+              <a:spcBef>
+                <a:spcPts val="2133"/>
+              </a:spcBef>
+              <a:spcAft>
+                <a:spcPts val="0"/>
+              </a:spcAft>
+              <a:buSzPts val="1200"/>
+              <a:buChar char="●"/>
+              <a:defRPr sz="1600"/>
+            </a:lvl7pPr>
+            <a:lvl8pPr marL="4876678" lvl="7" indent="-406390">
+              <a:spcBef>
+                <a:spcPts val="2133"/>
+              </a:spcBef>
+              <a:spcAft>
+                <a:spcPts val="0"/>
+              </a:spcAft>
+              <a:buSzPts val="1200"/>
+              <a:buChar char="○"/>
+              <a:defRPr sz="1600"/>
+            </a:lvl8pPr>
+            <a:lvl9pPr marL="5486263" lvl="8" indent="-406390">
+              <a:spcBef>
+                <a:spcPts val="2133"/>
+              </a:spcBef>
+              <a:spcAft>
+                <a:spcPts val="2133"/>
+              </a:spcAft>
+              <a:buSzPts val="1200"/>
+              <a:buChar char="■"/>
+              <a:defRPr sz="1600"/>
+            </a:lvl9pPr>
+          </a:lstStyle>
+          <a:p>
+            <a:endParaRPr/>
+          </a:p>
+        </p:txBody>
+      </p:sp>
+      <p:sp>
+        <p:nvSpPr>
+          <p:cNvPr id="31" name="Google Shape;31;p7"/>
+          <p:cNvSpPr txBox="1">
+            <a:spLocks noGrp="1"/>
+          </p:cNvSpPr>
+          <p:nvPr>
+            <p:ph type="sldNum" idx="12"/>
+          </p:nvPr>
+        </p:nvSpPr>
+        <p:spPr>
+          <a:xfrm>
+            <a:off x="11296611" y="6217623"/>
+            <a:ext cx="731600" cy="524800"/>
+          </a:xfrm>
+          <a:prstGeom prst="rect">
+            <a:avLst/>
+          </a:prstGeom>
+        </p:spPr>
+        <p:txBody>
+          <a:bodyPr spcFirstLastPara="1" wrap="square" lIns="91425" tIns="91425" rIns="91425" bIns="91425" anchor="ctr" anchorCtr="0">
+            <a:noAutofit/>
+          </a:bodyPr>
+          <a:lstStyle>
+            <a:lvl1pPr lvl="0">
+              <a:buNone/>
+              <a:defRPr/>
+            </a:lvl1pPr>
+            <a:lvl2pPr lvl="1">
+              <a:buNone/>
+              <a:defRPr/>
+            </a:lvl2pPr>
+            <a:lvl3pPr lvl="2">
+              <a:buNone/>
+              <a:defRPr/>
+            </a:lvl3pPr>
+            <a:lvl4pPr lvl="3">
+              <a:buNone/>
+              <a:defRPr/>
+            </a:lvl4pPr>
+            <a:lvl5pPr lvl="4">
+              <a:buNone/>
+              <a:defRPr/>
+            </a:lvl5pPr>
+            <a:lvl6pPr lvl="5">
+              <a:buNone/>
+              <a:defRPr/>
+            </a:lvl6pPr>
+            <a:lvl7pPr lvl="6">
+              <a:buNone/>
+              <a:defRPr/>
+            </a:lvl7pPr>
+            <a:lvl8pPr lvl="7">
+              <a:buNone/>
+              <a:defRPr/>
+            </a:lvl8pPr>
+            <a:lvl9pPr lvl="8">
+              <a:buNone/>
+              <a:defRPr/>
+            </a:lvl9pPr>
+          </a:lstStyle>
+          <a:p>
+            <a:pPr marL="0" lvl="0" indent="0" algn="r" rtl="0">
+              <a:spcBef>
+                <a:spcPts val="0"/>
+              </a:spcBef>
+              <a:spcAft>
+                <a:spcPts val="0"/>
+              </a:spcAft>
+              <a:buNone/>
+            </a:pPr>
+            <a:fld id="{00000000-1234-1234-1234-123412341234}" type="slidenum">
+              <a:rPr lang="ko"/>
+              <a:pPr marL="0" lvl="0" indent="0" algn="r" rtl="0">
+                <a:spcBef>
+                  <a:spcPts val="0"/>
+                </a:spcBef>
+                <a:spcAft>
+                  <a:spcPts val="0"/>
+                </a:spcAft>
+                <a:buNone/>
+              </a:pPr>
+              <a:t>‹#›</a:t>
+            </a:fld>
+            <a:endParaRPr/>
+          </a:p>
+        </p:txBody>
+      </p:sp>
+    </p:spTree>
+  </p:cSld>
+  <p:clrMapOvr>
+    <a:masterClrMapping/>
+  </p:clrMapOvr>
+</p:sldLayout>
+</file>
+
+<file path=ppt/slideLayouts/slideLayout29.xml><?xml version="1.0" encoding="utf-8"?>
+<p:sldLayout xmlns:a="http://schemas.openxmlformats.org/drawingml/2006/main" xmlns:r="http://schemas.openxmlformats.org/officeDocument/2006/relationships" xmlns:p="http://schemas.openxmlformats.org/presentationml/2006/main" matchingName="Main point">
+  <p:cSld name="MAIN_POINT">
+    <p:spTree>
+      <p:nvGrpSpPr>
+        <p:cNvPr id="1" name="Shape 32"/>
+        <p:cNvGrpSpPr/>
+        <p:nvPr/>
+      </p:nvGrpSpPr>
+      <p:grpSpPr>
+        <a:xfrm>
+          <a:off x="0" y="0"/>
+          <a:ext cx="0" cy="0"/>
+          <a:chOff x="0" y="0"/>
+          <a:chExt cx="0" cy="0"/>
+        </a:xfrm>
+      </p:grpSpPr>
+      <p:sp>
+        <p:nvSpPr>
+          <p:cNvPr id="33" name="Google Shape;33;p8"/>
+          <p:cNvSpPr txBox="1">
+            <a:spLocks noGrp="1"/>
+          </p:cNvSpPr>
+          <p:nvPr>
+            <p:ph type="title"/>
+          </p:nvPr>
+        </p:nvSpPr>
+        <p:spPr>
+          <a:xfrm>
+            <a:off x="653667" y="600200"/>
+            <a:ext cx="8490400" cy="5454400"/>
+          </a:xfrm>
+          <a:prstGeom prst="rect">
+            <a:avLst/>
+          </a:prstGeom>
+        </p:spPr>
+        <p:txBody>
+          <a:bodyPr spcFirstLastPara="1" wrap="square" lIns="91425" tIns="91425" rIns="91425" bIns="91425" anchor="ctr" anchorCtr="0">
+            <a:noAutofit/>
+          </a:bodyPr>
+          <a:lstStyle>
+            <a:lvl1pPr lvl="0">
+              <a:spcBef>
+                <a:spcPts val="0"/>
+              </a:spcBef>
+              <a:spcAft>
+                <a:spcPts val="0"/>
+              </a:spcAft>
+              <a:buSzPts val="4800"/>
+              <a:buNone/>
+              <a:defRPr sz="6400"/>
+            </a:lvl1pPr>
+            <a:lvl2pPr lvl="1">
+              <a:spcBef>
+                <a:spcPts val="0"/>
+              </a:spcBef>
+              <a:spcAft>
+                <a:spcPts val="0"/>
+              </a:spcAft>
+              <a:buSzPts val="4800"/>
+              <a:buNone/>
+              <a:defRPr sz="6400"/>
+            </a:lvl2pPr>
+            <a:lvl3pPr lvl="2">
+              <a:spcBef>
+                <a:spcPts val="0"/>
+              </a:spcBef>
+              <a:spcAft>
+                <a:spcPts val="0"/>
+              </a:spcAft>
+              <a:buSzPts val="4800"/>
+              <a:buNone/>
+              <a:defRPr sz="6400"/>
+            </a:lvl3pPr>
+            <a:lvl4pPr lvl="3">
+              <a:spcBef>
+                <a:spcPts val="0"/>
+              </a:spcBef>
+              <a:spcAft>
+                <a:spcPts val="0"/>
+              </a:spcAft>
+              <a:buSzPts val="4800"/>
+              <a:buNone/>
+              <a:defRPr sz="6400"/>
+            </a:lvl4pPr>
+            <a:lvl5pPr lvl="4">
+              <a:spcBef>
+                <a:spcPts val="0"/>
+              </a:spcBef>
+              <a:spcAft>
+                <a:spcPts val="0"/>
+              </a:spcAft>
+              <a:buSzPts val="4800"/>
+              <a:buNone/>
+              <a:defRPr sz="6400"/>
+            </a:lvl5pPr>
+            <a:lvl6pPr lvl="5">
+              <a:spcBef>
+                <a:spcPts val="0"/>
+              </a:spcBef>
+              <a:spcAft>
+                <a:spcPts val="0"/>
+              </a:spcAft>
+              <a:buSzPts val="4800"/>
+              <a:buNone/>
+              <a:defRPr sz="6400"/>
+            </a:lvl6pPr>
+            <a:lvl7pPr lvl="6">
+              <a:spcBef>
+                <a:spcPts val="0"/>
+              </a:spcBef>
+              <a:spcAft>
+                <a:spcPts val="0"/>
+              </a:spcAft>
+              <a:buSzPts val="4800"/>
+              <a:buNone/>
+              <a:defRPr sz="6400"/>
+            </a:lvl7pPr>
+            <a:lvl8pPr lvl="7">
+              <a:spcBef>
+                <a:spcPts val="0"/>
+              </a:spcBef>
+              <a:spcAft>
+                <a:spcPts val="0"/>
+              </a:spcAft>
+              <a:buSzPts val="4800"/>
+              <a:buNone/>
+              <a:defRPr sz="6400"/>
+            </a:lvl8pPr>
+            <a:lvl9pPr lvl="8">
+              <a:spcBef>
+                <a:spcPts val="0"/>
+              </a:spcBef>
+              <a:spcAft>
+                <a:spcPts val="0"/>
+              </a:spcAft>
+              <a:buSzPts val="4800"/>
+              <a:buNone/>
+              <a:defRPr sz="6400"/>
+            </a:lvl9pPr>
+          </a:lstStyle>
+          <a:p>
+            <a:endParaRPr/>
+          </a:p>
+        </p:txBody>
+      </p:sp>
+      <p:sp>
+        <p:nvSpPr>
+          <p:cNvPr id="34" name="Google Shape;34;p8"/>
+          <p:cNvSpPr txBox="1">
+            <a:spLocks noGrp="1"/>
+          </p:cNvSpPr>
+          <p:nvPr>
+            <p:ph type="sldNum" idx="12"/>
+          </p:nvPr>
+        </p:nvSpPr>
+        <p:spPr>
+          <a:xfrm>
+            <a:off x="11296611" y="6217623"/>
+            <a:ext cx="731600" cy="524800"/>
+          </a:xfrm>
+          <a:prstGeom prst="rect">
+            <a:avLst/>
+          </a:prstGeom>
+        </p:spPr>
+        <p:txBody>
+          <a:bodyPr spcFirstLastPara="1" wrap="square" lIns="91425" tIns="91425" rIns="91425" bIns="91425" anchor="ctr" anchorCtr="0">
+            <a:noAutofit/>
+          </a:bodyPr>
+          <a:lstStyle>
+            <a:lvl1pPr lvl="0">
+              <a:buNone/>
+              <a:defRPr/>
+            </a:lvl1pPr>
+            <a:lvl2pPr lvl="1">
+              <a:buNone/>
+              <a:defRPr/>
+            </a:lvl2pPr>
+            <a:lvl3pPr lvl="2">
+              <a:buNone/>
+              <a:defRPr/>
+            </a:lvl3pPr>
+            <a:lvl4pPr lvl="3">
+              <a:buNone/>
+              <a:defRPr/>
+            </a:lvl4pPr>
+            <a:lvl5pPr lvl="4">
+              <a:buNone/>
+              <a:defRPr/>
+            </a:lvl5pPr>
+            <a:lvl6pPr lvl="5">
+              <a:buNone/>
+              <a:defRPr/>
+            </a:lvl6pPr>
+            <a:lvl7pPr lvl="6">
+              <a:buNone/>
+              <a:defRPr/>
+            </a:lvl7pPr>
+            <a:lvl8pPr lvl="7">
+              <a:buNone/>
+              <a:defRPr/>
+            </a:lvl8pPr>
+            <a:lvl9pPr lvl="8">
+              <a:buNone/>
+              <a:defRPr/>
+            </a:lvl9pPr>
+          </a:lstStyle>
+          <a:p>
+            <a:pPr marL="0" lvl="0" indent="0" algn="r" rtl="0">
+              <a:spcBef>
+                <a:spcPts val="0"/>
+              </a:spcBef>
+              <a:spcAft>
+                <a:spcPts val="0"/>
+              </a:spcAft>
+              <a:buNone/>
+            </a:pPr>
+            <a:fld id="{00000000-1234-1234-1234-123412341234}" type="slidenum">
+              <a:rPr lang="ko"/>
+              <a:pPr marL="0" lvl="0" indent="0" algn="r" rtl="0">
+                <a:spcBef>
+                  <a:spcPts val="0"/>
+                </a:spcBef>
+                <a:spcAft>
+                  <a:spcPts val="0"/>
+                </a:spcAft>
+                <a:buNone/>
+              </a:pPr>
+              <a:t>‹#›</a:t>
+            </a:fld>
+            <a:endParaRPr/>
+          </a:p>
+        </p:txBody>
+      </p:sp>
+    </p:spTree>
+  </p:cSld>
+  <p:clrMapOvr>
+    <a:masterClrMapping/>
+  </p:clrMapOvr>
+</p:sldLayout>
+</file>
+
 <file path=ppt/slideLayouts/slideLayout3.xml><?xml version="1.0" encoding="utf-8"?>
 <p:sldLayout xmlns:a="http://schemas.openxmlformats.org/drawingml/2006/main" xmlns:r="http://schemas.openxmlformats.org/officeDocument/2006/relationships" xmlns:p="http://schemas.openxmlformats.org/presentationml/2006/main" type="secHead" preserve="1">
   <p:cSld name="구역 머리글">
@@ -3509,6 +6975,1216 @@
         <p14:creationId xmlns:p14="http://schemas.microsoft.com/office/powerpoint/2010/main" val="2327942369"/>
       </p:ext>
     </p:extLst>
+  </p:cSld>
+  <p:clrMapOvr>
+    <a:masterClrMapping/>
+  </p:clrMapOvr>
+</p:sldLayout>
+</file>
+
+<file path=ppt/slideLayouts/slideLayout30.xml><?xml version="1.0" encoding="utf-8"?>
+<p:sldLayout xmlns:a="http://schemas.openxmlformats.org/drawingml/2006/main" xmlns:r="http://schemas.openxmlformats.org/officeDocument/2006/relationships" xmlns:p="http://schemas.openxmlformats.org/presentationml/2006/main" matchingName="Section title and description">
+  <p:cSld name="SECTION_TITLE_AND_DESCRIPTION">
+    <p:spTree>
+      <p:nvGrpSpPr>
+        <p:cNvPr id="1" name="Shape 35"/>
+        <p:cNvGrpSpPr/>
+        <p:nvPr/>
+      </p:nvGrpSpPr>
+      <p:grpSpPr>
+        <a:xfrm>
+          <a:off x="0" y="0"/>
+          <a:ext cx="0" cy="0"/>
+          <a:chOff x="0" y="0"/>
+          <a:chExt cx="0" cy="0"/>
+        </a:xfrm>
+      </p:grpSpPr>
+      <p:sp>
+        <p:nvSpPr>
+          <p:cNvPr id="36" name="Google Shape;36;p9"/>
+          <p:cNvSpPr/>
+          <p:nvPr/>
+        </p:nvSpPr>
+        <p:spPr>
+          <a:xfrm>
+            <a:off x="6096000" y="-167"/>
+            <a:ext cx="6096000" cy="6858000"/>
+          </a:xfrm>
+          <a:prstGeom prst="rect">
+            <a:avLst/>
+          </a:prstGeom>
+          <a:solidFill>
+            <a:schemeClr val="lt2"/>
+          </a:solidFill>
+          <a:ln>
+            <a:noFill/>
+          </a:ln>
+        </p:spPr>
+        <p:txBody>
+          <a:bodyPr spcFirstLastPara="1" wrap="square" lIns="121900" tIns="121900" rIns="121900" bIns="121900" anchor="ctr" anchorCtr="0">
+            <a:noAutofit/>
+          </a:bodyPr>
+          <a:lstStyle/>
+          <a:p>
+            <a:pPr marL="0" lvl="0" indent="0" algn="l" rtl="0">
+              <a:spcBef>
+                <a:spcPts val="0"/>
+              </a:spcBef>
+              <a:spcAft>
+                <a:spcPts val="0"/>
+              </a:spcAft>
+              <a:buNone/>
+            </a:pPr>
+            <a:endParaRPr/>
+          </a:p>
+        </p:txBody>
+      </p:sp>
+      <p:sp>
+        <p:nvSpPr>
+          <p:cNvPr id="37" name="Google Shape;37;p9"/>
+          <p:cNvSpPr txBox="1">
+            <a:spLocks noGrp="1"/>
+          </p:cNvSpPr>
+          <p:nvPr>
+            <p:ph type="title"/>
+          </p:nvPr>
+        </p:nvSpPr>
+        <p:spPr>
+          <a:xfrm>
+            <a:off x="354000" y="1644233"/>
+            <a:ext cx="5393600" cy="1976400"/>
+          </a:xfrm>
+          <a:prstGeom prst="rect">
+            <a:avLst/>
+          </a:prstGeom>
+        </p:spPr>
+        <p:txBody>
+          <a:bodyPr spcFirstLastPara="1" wrap="square" lIns="91425" tIns="91425" rIns="91425" bIns="91425" anchor="b" anchorCtr="0">
+            <a:noAutofit/>
+          </a:bodyPr>
+          <a:lstStyle>
+            <a:lvl1pPr lvl="0" algn="ctr">
+              <a:spcBef>
+                <a:spcPts val="0"/>
+              </a:spcBef>
+              <a:spcAft>
+                <a:spcPts val="0"/>
+              </a:spcAft>
+              <a:buSzPts val="4200"/>
+              <a:buNone/>
+              <a:defRPr sz="5600"/>
+            </a:lvl1pPr>
+            <a:lvl2pPr lvl="1" algn="ctr">
+              <a:spcBef>
+                <a:spcPts val="0"/>
+              </a:spcBef>
+              <a:spcAft>
+                <a:spcPts val="0"/>
+              </a:spcAft>
+              <a:buSzPts val="4200"/>
+              <a:buNone/>
+              <a:defRPr sz="5600"/>
+            </a:lvl2pPr>
+            <a:lvl3pPr lvl="2" algn="ctr">
+              <a:spcBef>
+                <a:spcPts val="0"/>
+              </a:spcBef>
+              <a:spcAft>
+                <a:spcPts val="0"/>
+              </a:spcAft>
+              <a:buSzPts val="4200"/>
+              <a:buNone/>
+              <a:defRPr sz="5600"/>
+            </a:lvl3pPr>
+            <a:lvl4pPr lvl="3" algn="ctr">
+              <a:spcBef>
+                <a:spcPts val="0"/>
+              </a:spcBef>
+              <a:spcAft>
+                <a:spcPts val="0"/>
+              </a:spcAft>
+              <a:buSzPts val="4200"/>
+              <a:buNone/>
+              <a:defRPr sz="5600"/>
+            </a:lvl4pPr>
+            <a:lvl5pPr lvl="4" algn="ctr">
+              <a:spcBef>
+                <a:spcPts val="0"/>
+              </a:spcBef>
+              <a:spcAft>
+                <a:spcPts val="0"/>
+              </a:spcAft>
+              <a:buSzPts val="4200"/>
+              <a:buNone/>
+              <a:defRPr sz="5600"/>
+            </a:lvl5pPr>
+            <a:lvl6pPr lvl="5" algn="ctr">
+              <a:spcBef>
+                <a:spcPts val="0"/>
+              </a:spcBef>
+              <a:spcAft>
+                <a:spcPts val="0"/>
+              </a:spcAft>
+              <a:buSzPts val="4200"/>
+              <a:buNone/>
+              <a:defRPr sz="5600"/>
+            </a:lvl6pPr>
+            <a:lvl7pPr lvl="6" algn="ctr">
+              <a:spcBef>
+                <a:spcPts val="0"/>
+              </a:spcBef>
+              <a:spcAft>
+                <a:spcPts val="0"/>
+              </a:spcAft>
+              <a:buSzPts val="4200"/>
+              <a:buNone/>
+              <a:defRPr sz="5600"/>
+            </a:lvl7pPr>
+            <a:lvl8pPr lvl="7" algn="ctr">
+              <a:spcBef>
+                <a:spcPts val="0"/>
+              </a:spcBef>
+              <a:spcAft>
+                <a:spcPts val="0"/>
+              </a:spcAft>
+              <a:buSzPts val="4200"/>
+              <a:buNone/>
+              <a:defRPr sz="5600"/>
+            </a:lvl8pPr>
+            <a:lvl9pPr lvl="8" algn="ctr">
+              <a:spcBef>
+                <a:spcPts val="0"/>
+              </a:spcBef>
+              <a:spcAft>
+                <a:spcPts val="0"/>
+              </a:spcAft>
+              <a:buSzPts val="4200"/>
+              <a:buNone/>
+              <a:defRPr sz="5600"/>
+            </a:lvl9pPr>
+          </a:lstStyle>
+          <a:p>
+            <a:endParaRPr/>
+          </a:p>
+        </p:txBody>
+      </p:sp>
+      <p:sp>
+        <p:nvSpPr>
+          <p:cNvPr id="38" name="Google Shape;38;p9"/>
+          <p:cNvSpPr txBox="1">
+            <a:spLocks noGrp="1"/>
+          </p:cNvSpPr>
+          <p:nvPr>
+            <p:ph type="subTitle" idx="1"/>
+          </p:nvPr>
+        </p:nvSpPr>
+        <p:spPr>
+          <a:xfrm>
+            <a:off x="354000" y="3737433"/>
+            <a:ext cx="5393600" cy="1646800"/>
+          </a:xfrm>
+          <a:prstGeom prst="rect">
+            <a:avLst/>
+          </a:prstGeom>
+        </p:spPr>
+        <p:txBody>
+          <a:bodyPr spcFirstLastPara="1" wrap="square" lIns="91425" tIns="91425" rIns="91425" bIns="91425" anchor="t" anchorCtr="0">
+            <a:noAutofit/>
+          </a:bodyPr>
+          <a:lstStyle>
+            <a:lvl1pPr lvl="0" algn="ctr">
+              <a:lnSpc>
+                <a:spcPct val="100000"/>
+              </a:lnSpc>
+              <a:spcBef>
+                <a:spcPts val="0"/>
+              </a:spcBef>
+              <a:spcAft>
+                <a:spcPts val="0"/>
+              </a:spcAft>
+              <a:buSzPts val="2100"/>
+              <a:buNone/>
+              <a:defRPr sz="2800"/>
+            </a:lvl1pPr>
+            <a:lvl2pPr lvl="1" algn="ctr">
+              <a:lnSpc>
+                <a:spcPct val="100000"/>
+              </a:lnSpc>
+              <a:spcBef>
+                <a:spcPts val="0"/>
+              </a:spcBef>
+              <a:spcAft>
+                <a:spcPts val="0"/>
+              </a:spcAft>
+              <a:buSzPts val="2100"/>
+              <a:buNone/>
+              <a:defRPr sz="2800"/>
+            </a:lvl2pPr>
+            <a:lvl3pPr lvl="2" algn="ctr">
+              <a:lnSpc>
+                <a:spcPct val="100000"/>
+              </a:lnSpc>
+              <a:spcBef>
+                <a:spcPts val="0"/>
+              </a:spcBef>
+              <a:spcAft>
+                <a:spcPts val="0"/>
+              </a:spcAft>
+              <a:buSzPts val="2100"/>
+              <a:buNone/>
+              <a:defRPr sz="2800"/>
+            </a:lvl3pPr>
+            <a:lvl4pPr lvl="3" algn="ctr">
+              <a:lnSpc>
+                <a:spcPct val="100000"/>
+              </a:lnSpc>
+              <a:spcBef>
+                <a:spcPts val="0"/>
+              </a:spcBef>
+              <a:spcAft>
+                <a:spcPts val="0"/>
+              </a:spcAft>
+              <a:buSzPts val="2100"/>
+              <a:buNone/>
+              <a:defRPr sz="2800"/>
+            </a:lvl4pPr>
+            <a:lvl5pPr lvl="4" algn="ctr">
+              <a:lnSpc>
+                <a:spcPct val="100000"/>
+              </a:lnSpc>
+              <a:spcBef>
+                <a:spcPts val="0"/>
+              </a:spcBef>
+              <a:spcAft>
+                <a:spcPts val="0"/>
+              </a:spcAft>
+              <a:buSzPts val="2100"/>
+              <a:buNone/>
+              <a:defRPr sz="2800"/>
+            </a:lvl5pPr>
+            <a:lvl6pPr lvl="5" algn="ctr">
+              <a:lnSpc>
+                <a:spcPct val="100000"/>
+              </a:lnSpc>
+              <a:spcBef>
+                <a:spcPts val="0"/>
+              </a:spcBef>
+              <a:spcAft>
+                <a:spcPts val="0"/>
+              </a:spcAft>
+              <a:buSzPts val="2100"/>
+              <a:buNone/>
+              <a:defRPr sz="2800"/>
+            </a:lvl6pPr>
+            <a:lvl7pPr lvl="6" algn="ctr">
+              <a:lnSpc>
+                <a:spcPct val="100000"/>
+              </a:lnSpc>
+              <a:spcBef>
+                <a:spcPts val="0"/>
+              </a:spcBef>
+              <a:spcAft>
+                <a:spcPts val="0"/>
+              </a:spcAft>
+              <a:buSzPts val="2100"/>
+              <a:buNone/>
+              <a:defRPr sz="2800"/>
+            </a:lvl7pPr>
+            <a:lvl8pPr lvl="7" algn="ctr">
+              <a:lnSpc>
+                <a:spcPct val="100000"/>
+              </a:lnSpc>
+              <a:spcBef>
+                <a:spcPts val="0"/>
+              </a:spcBef>
+              <a:spcAft>
+                <a:spcPts val="0"/>
+              </a:spcAft>
+              <a:buSzPts val="2100"/>
+              <a:buNone/>
+              <a:defRPr sz="2800"/>
+            </a:lvl8pPr>
+            <a:lvl9pPr lvl="8" algn="ctr">
+              <a:lnSpc>
+                <a:spcPct val="100000"/>
+              </a:lnSpc>
+              <a:spcBef>
+                <a:spcPts val="0"/>
+              </a:spcBef>
+              <a:spcAft>
+                <a:spcPts val="0"/>
+              </a:spcAft>
+              <a:buSzPts val="2100"/>
+              <a:buNone/>
+              <a:defRPr sz="2800"/>
+            </a:lvl9pPr>
+          </a:lstStyle>
+          <a:p>
+            <a:endParaRPr/>
+          </a:p>
+        </p:txBody>
+      </p:sp>
+      <p:sp>
+        <p:nvSpPr>
+          <p:cNvPr id="39" name="Google Shape;39;p9"/>
+          <p:cNvSpPr txBox="1">
+            <a:spLocks noGrp="1"/>
+          </p:cNvSpPr>
+          <p:nvPr>
+            <p:ph type="body" idx="2"/>
+          </p:nvPr>
+        </p:nvSpPr>
+        <p:spPr>
+          <a:xfrm>
+            <a:off x="6586000" y="965433"/>
+            <a:ext cx="5116000" cy="4926800"/>
+          </a:xfrm>
+          <a:prstGeom prst="rect">
+            <a:avLst/>
+          </a:prstGeom>
+        </p:spPr>
+        <p:txBody>
+          <a:bodyPr spcFirstLastPara="1" wrap="square" lIns="91425" tIns="91425" rIns="91425" bIns="91425" anchor="ctr" anchorCtr="0">
+            <a:noAutofit/>
+          </a:bodyPr>
+          <a:lstStyle>
+            <a:lvl1pPr marL="609585" lvl="0" indent="-457189">
+              <a:spcBef>
+                <a:spcPts val="0"/>
+              </a:spcBef>
+              <a:spcAft>
+                <a:spcPts val="0"/>
+              </a:spcAft>
+              <a:buSzPts val="1800"/>
+              <a:buChar char="●"/>
+              <a:defRPr/>
+            </a:lvl1pPr>
+            <a:lvl2pPr marL="1219170" lvl="1" indent="-423323">
+              <a:spcBef>
+                <a:spcPts val="2133"/>
+              </a:spcBef>
+              <a:spcAft>
+                <a:spcPts val="0"/>
+              </a:spcAft>
+              <a:buSzPts val="1400"/>
+              <a:buChar char="○"/>
+              <a:defRPr/>
+            </a:lvl2pPr>
+            <a:lvl3pPr marL="1828754" lvl="2" indent="-423323">
+              <a:spcBef>
+                <a:spcPts val="2133"/>
+              </a:spcBef>
+              <a:spcAft>
+                <a:spcPts val="0"/>
+              </a:spcAft>
+              <a:buSzPts val="1400"/>
+              <a:buChar char="■"/>
+              <a:defRPr/>
+            </a:lvl3pPr>
+            <a:lvl4pPr marL="2438339" lvl="3" indent="-423323">
+              <a:spcBef>
+                <a:spcPts val="2133"/>
+              </a:spcBef>
+              <a:spcAft>
+                <a:spcPts val="0"/>
+              </a:spcAft>
+              <a:buSzPts val="1400"/>
+              <a:buChar char="●"/>
+              <a:defRPr/>
+            </a:lvl4pPr>
+            <a:lvl5pPr marL="3047924" lvl="4" indent="-423323">
+              <a:spcBef>
+                <a:spcPts val="2133"/>
+              </a:spcBef>
+              <a:spcAft>
+                <a:spcPts val="0"/>
+              </a:spcAft>
+              <a:buSzPts val="1400"/>
+              <a:buChar char="○"/>
+              <a:defRPr/>
+            </a:lvl5pPr>
+            <a:lvl6pPr marL="3657509" lvl="5" indent="-423323">
+              <a:spcBef>
+                <a:spcPts val="2133"/>
+              </a:spcBef>
+              <a:spcAft>
+                <a:spcPts val="0"/>
+              </a:spcAft>
+              <a:buSzPts val="1400"/>
+              <a:buChar char="■"/>
+              <a:defRPr/>
+            </a:lvl6pPr>
+            <a:lvl7pPr marL="4267093" lvl="6" indent="-423323">
+              <a:spcBef>
+                <a:spcPts val="2133"/>
+              </a:spcBef>
+              <a:spcAft>
+                <a:spcPts val="0"/>
+              </a:spcAft>
+              <a:buSzPts val="1400"/>
+              <a:buChar char="●"/>
+              <a:defRPr/>
+            </a:lvl7pPr>
+            <a:lvl8pPr marL="4876678" lvl="7" indent="-423323">
+              <a:spcBef>
+                <a:spcPts val="2133"/>
+              </a:spcBef>
+              <a:spcAft>
+                <a:spcPts val="0"/>
+              </a:spcAft>
+              <a:buSzPts val="1400"/>
+              <a:buChar char="○"/>
+              <a:defRPr/>
+            </a:lvl8pPr>
+            <a:lvl9pPr marL="5486263" lvl="8" indent="-423323">
+              <a:spcBef>
+                <a:spcPts val="2133"/>
+              </a:spcBef>
+              <a:spcAft>
+                <a:spcPts val="2133"/>
+              </a:spcAft>
+              <a:buSzPts val="1400"/>
+              <a:buChar char="■"/>
+              <a:defRPr/>
+            </a:lvl9pPr>
+          </a:lstStyle>
+          <a:p>
+            <a:endParaRPr/>
+          </a:p>
+        </p:txBody>
+      </p:sp>
+      <p:sp>
+        <p:nvSpPr>
+          <p:cNvPr id="40" name="Google Shape;40;p9"/>
+          <p:cNvSpPr txBox="1">
+            <a:spLocks noGrp="1"/>
+          </p:cNvSpPr>
+          <p:nvPr>
+            <p:ph type="sldNum" idx="12"/>
+          </p:nvPr>
+        </p:nvSpPr>
+        <p:spPr>
+          <a:xfrm>
+            <a:off x="11296611" y="6217623"/>
+            <a:ext cx="731600" cy="524800"/>
+          </a:xfrm>
+          <a:prstGeom prst="rect">
+            <a:avLst/>
+          </a:prstGeom>
+        </p:spPr>
+        <p:txBody>
+          <a:bodyPr spcFirstLastPara="1" wrap="square" lIns="91425" tIns="91425" rIns="91425" bIns="91425" anchor="ctr" anchorCtr="0">
+            <a:noAutofit/>
+          </a:bodyPr>
+          <a:lstStyle>
+            <a:lvl1pPr lvl="0">
+              <a:buNone/>
+              <a:defRPr/>
+            </a:lvl1pPr>
+            <a:lvl2pPr lvl="1">
+              <a:buNone/>
+              <a:defRPr/>
+            </a:lvl2pPr>
+            <a:lvl3pPr lvl="2">
+              <a:buNone/>
+              <a:defRPr/>
+            </a:lvl3pPr>
+            <a:lvl4pPr lvl="3">
+              <a:buNone/>
+              <a:defRPr/>
+            </a:lvl4pPr>
+            <a:lvl5pPr lvl="4">
+              <a:buNone/>
+              <a:defRPr/>
+            </a:lvl5pPr>
+            <a:lvl6pPr lvl="5">
+              <a:buNone/>
+              <a:defRPr/>
+            </a:lvl6pPr>
+            <a:lvl7pPr lvl="6">
+              <a:buNone/>
+              <a:defRPr/>
+            </a:lvl7pPr>
+            <a:lvl8pPr lvl="7">
+              <a:buNone/>
+              <a:defRPr/>
+            </a:lvl8pPr>
+            <a:lvl9pPr lvl="8">
+              <a:buNone/>
+              <a:defRPr/>
+            </a:lvl9pPr>
+          </a:lstStyle>
+          <a:p>
+            <a:pPr marL="0" lvl="0" indent="0" algn="r" rtl="0">
+              <a:spcBef>
+                <a:spcPts val="0"/>
+              </a:spcBef>
+              <a:spcAft>
+                <a:spcPts val="0"/>
+              </a:spcAft>
+              <a:buNone/>
+            </a:pPr>
+            <a:fld id="{00000000-1234-1234-1234-123412341234}" type="slidenum">
+              <a:rPr lang="ko"/>
+              <a:pPr marL="0" lvl="0" indent="0" algn="r" rtl="0">
+                <a:spcBef>
+                  <a:spcPts val="0"/>
+                </a:spcBef>
+                <a:spcAft>
+                  <a:spcPts val="0"/>
+                </a:spcAft>
+                <a:buNone/>
+              </a:pPr>
+              <a:t>‹#›</a:t>
+            </a:fld>
+            <a:endParaRPr/>
+          </a:p>
+        </p:txBody>
+      </p:sp>
+    </p:spTree>
+  </p:cSld>
+  <p:clrMapOvr>
+    <a:masterClrMapping/>
+  </p:clrMapOvr>
+</p:sldLayout>
+</file>
+
+<file path=ppt/slideLayouts/slideLayout31.xml><?xml version="1.0" encoding="utf-8"?>
+<p:sldLayout xmlns:a="http://schemas.openxmlformats.org/drawingml/2006/main" xmlns:r="http://schemas.openxmlformats.org/officeDocument/2006/relationships" xmlns:p="http://schemas.openxmlformats.org/presentationml/2006/main" matchingName="Caption">
+  <p:cSld name="CAPTION_ONLY">
+    <p:spTree>
+      <p:nvGrpSpPr>
+        <p:cNvPr id="1" name="Shape 41"/>
+        <p:cNvGrpSpPr/>
+        <p:nvPr/>
+      </p:nvGrpSpPr>
+      <p:grpSpPr>
+        <a:xfrm>
+          <a:off x="0" y="0"/>
+          <a:ext cx="0" cy="0"/>
+          <a:chOff x="0" y="0"/>
+          <a:chExt cx="0" cy="0"/>
+        </a:xfrm>
+      </p:grpSpPr>
+      <p:sp>
+        <p:nvSpPr>
+          <p:cNvPr id="42" name="Google Shape;42;p10"/>
+          <p:cNvSpPr txBox="1">
+            <a:spLocks noGrp="1"/>
+          </p:cNvSpPr>
+          <p:nvPr>
+            <p:ph type="body" idx="1"/>
+          </p:nvPr>
+        </p:nvSpPr>
+        <p:spPr>
+          <a:xfrm>
+            <a:off x="415600" y="5640767"/>
+            <a:ext cx="7998400" cy="806800"/>
+          </a:xfrm>
+          <a:prstGeom prst="rect">
+            <a:avLst/>
+          </a:prstGeom>
+        </p:spPr>
+        <p:txBody>
+          <a:bodyPr spcFirstLastPara="1" wrap="square" lIns="91425" tIns="91425" rIns="91425" bIns="91425" anchor="ctr" anchorCtr="0">
+            <a:noAutofit/>
+          </a:bodyPr>
+          <a:lstStyle>
+            <a:lvl1pPr marL="609585" lvl="0" indent="-304792">
+              <a:lnSpc>
+                <a:spcPct val="100000"/>
+              </a:lnSpc>
+              <a:spcBef>
+                <a:spcPts val="0"/>
+              </a:spcBef>
+              <a:spcAft>
+                <a:spcPts val="0"/>
+              </a:spcAft>
+              <a:buSzPts val="1800"/>
+              <a:buNone/>
+              <a:defRPr/>
+            </a:lvl1pPr>
+          </a:lstStyle>
+          <a:p>
+            <a:endParaRPr/>
+          </a:p>
+        </p:txBody>
+      </p:sp>
+      <p:sp>
+        <p:nvSpPr>
+          <p:cNvPr id="43" name="Google Shape;43;p10"/>
+          <p:cNvSpPr txBox="1">
+            <a:spLocks noGrp="1"/>
+          </p:cNvSpPr>
+          <p:nvPr>
+            <p:ph type="sldNum" idx="12"/>
+          </p:nvPr>
+        </p:nvSpPr>
+        <p:spPr>
+          <a:xfrm>
+            <a:off x="11296611" y="6217623"/>
+            <a:ext cx="731600" cy="524800"/>
+          </a:xfrm>
+          <a:prstGeom prst="rect">
+            <a:avLst/>
+          </a:prstGeom>
+        </p:spPr>
+        <p:txBody>
+          <a:bodyPr spcFirstLastPara="1" wrap="square" lIns="91425" tIns="91425" rIns="91425" bIns="91425" anchor="ctr" anchorCtr="0">
+            <a:noAutofit/>
+          </a:bodyPr>
+          <a:lstStyle>
+            <a:lvl1pPr lvl="0">
+              <a:buNone/>
+              <a:defRPr/>
+            </a:lvl1pPr>
+            <a:lvl2pPr lvl="1">
+              <a:buNone/>
+              <a:defRPr/>
+            </a:lvl2pPr>
+            <a:lvl3pPr lvl="2">
+              <a:buNone/>
+              <a:defRPr/>
+            </a:lvl3pPr>
+            <a:lvl4pPr lvl="3">
+              <a:buNone/>
+              <a:defRPr/>
+            </a:lvl4pPr>
+            <a:lvl5pPr lvl="4">
+              <a:buNone/>
+              <a:defRPr/>
+            </a:lvl5pPr>
+            <a:lvl6pPr lvl="5">
+              <a:buNone/>
+              <a:defRPr/>
+            </a:lvl6pPr>
+            <a:lvl7pPr lvl="6">
+              <a:buNone/>
+              <a:defRPr/>
+            </a:lvl7pPr>
+            <a:lvl8pPr lvl="7">
+              <a:buNone/>
+              <a:defRPr/>
+            </a:lvl8pPr>
+            <a:lvl9pPr lvl="8">
+              <a:buNone/>
+              <a:defRPr/>
+            </a:lvl9pPr>
+          </a:lstStyle>
+          <a:p>
+            <a:pPr marL="0" lvl="0" indent="0" algn="r" rtl="0">
+              <a:spcBef>
+                <a:spcPts val="0"/>
+              </a:spcBef>
+              <a:spcAft>
+                <a:spcPts val="0"/>
+              </a:spcAft>
+              <a:buNone/>
+            </a:pPr>
+            <a:fld id="{00000000-1234-1234-1234-123412341234}" type="slidenum">
+              <a:rPr lang="ko"/>
+              <a:pPr marL="0" lvl="0" indent="0" algn="r" rtl="0">
+                <a:spcBef>
+                  <a:spcPts val="0"/>
+                </a:spcBef>
+                <a:spcAft>
+                  <a:spcPts val="0"/>
+                </a:spcAft>
+                <a:buNone/>
+              </a:pPr>
+              <a:t>‹#›</a:t>
+            </a:fld>
+            <a:endParaRPr/>
+          </a:p>
+        </p:txBody>
+      </p:sp>
+    </p:spTree>
+  </p:cSld>
+  <p:clrMapOvr>
+    <a:masterClrMapping/>
+  </p:clrMapOvr>
+</p:sldLayout>
+</file>
+
+<file path=ppt/slideLayouts/slideLayout32.xml><?xml version="1.0" encoding="utf-8"?>
+<p:sldLayout xmlns:a="http://schemas.openxmlformats.org/drawingml/2006/main" xmlns:r="http://schemas.openxmlformats.org/officeDocument/2006/relationships" xmlns:p="http://schemas.openxmlformats.org/presentationml/2006/main" matchingName="Big number">
+  <p:cSld name="BIG_NUMBER">
+    <p:spTree>
+      <p:nvGrpSpPr>
+        <p:cNvPr id="1" name="Shape 44"/>
+        <p:cNvGrpSpPr/>
+        <p:nvPr/>
+      </p:nvGrpSpPr>
+      <p:grpSpPr>
+        <a:xfrm>
+          <a:off x="0" y="0"/>
+          <a:ext cx="0" cy="0"/>
+          <a:chOff x="0" y="0"/>
+          <a:chExt cx="0" cy="0"/>
+        </a:xfrm>
+      </p:grpSpPr>
+      <p:sp>
+        <p:nvSpPr>
+          <p:cNvPr id="45" name="Google Shape;45;p11"/>
+          <p:cNvSpPr txBox="1">
+            <a:spLocks noGrp="1"/>
+          </p:cNvSpPr>
+          <p:nvPr>
+            <p:ph type="title" hasCustomPrompt="1"/>
+          </p:nvPr>
+        </p:nvSpPr>
+        <p:spPr>
+          <a:xfrm>
+            <a:off x="415600" y="1474833"/>
+            <a:ext cx="11360800" cy="2618000"/>
+          </a:xfrm>
+          <a:prstGeom prst="rect">
+            <a:avLst/>
+          </a:prstGeom>
+        </p:spPr>
+        <p:txBody>
+          <a:bodyPr spcFirstLastPara="1" wrap="square" lIns="91425" tIns="91425" rIns="91425" bIns="91425" anchor="b" anchorCtr="0">
+            <a:noAutofit/>
+          </a:bodyPr>
+          <a:lstStyle>
+            <a:lvl1pPr lvl="0" algn="ctr">
+              <a:spcBef>
+                <a:spcPts val="0"/>
+              </a:spcBef>
+              <a:spcAft>
+                <a:spcPts val="0"/>
+              </a:spcAft>
+              <a:buSzPts val="12000"/>
+              <a:buNone/>
+              <a:defRPr sz="16000"/>
+            </a:lvl1pPr>
+            <a:lvl2pPr lvl="1" algn="ctr">
+              <a:spcBef>
+                <a:spcPts val="0"/>
+              </a:spcBef>
+              <a:spcAft>
+                <a:spcPts val="0"/>
+              </a:spcAft>
+              <a:buSzPts val="12000"/>
+              <a:buNone/>
+              <a:defRPr sz="16000"/>
+            </a:lvl2pPr>
+            <a:lvl3pPr lvl="2" algn="ctr">
+              <a:spcBef>
+                <a:spcPts val="0"/>
+              </a:spcBef>
+              <a:spcAft>
+                <a:spcPts val="0"/>
+              </a:spcAft>
+              <a:buSzPts val="12000"/>
+              <a:buNone/>
+              <a:defRPr sz="16000"/>
+            </a:lvl3pPr>
+            <a:lvl4pPr lvl="3" algn="ctr">
+              <a:spcBef>
+                <a:spcPts val="0"/>
+              </a:spcBef>
+              <a:spcAft>
+                <a:spcPts val="0"/>
+              </a:spcAft>
+              <a:buSzPts val="12000"/>
+              <a:buNone/>
+              <a:defRPr sz="16000"/>
+            </a:lvl4pPr>
+            <a:lvl5pPr lvl="4" algn="ctr">
+              <a:spcBef>
+                <a:spcPts val="0"/>
+              </a:spcBef>
+              <a:spcAft>
+                <a:spcPts val="0"/>
+              </a:spcAft>
+              <a:buSzPts val="12000"/>
+              <a:buNone/>
+              <a:defRPr sz="16000"/>
+            </a:lvl5pPr>
+            <a:lvl6pPr lvl="5" algn="ctr">
+              <a:spcBef>
+                <a:spcPts val="0"/>
+              </a:spcBef>
+              <a:spcAft>
+                <a:spcPts val="0"/>
+              </a:spcAft>
+              <a:buSzPts val="12000"/>
+              <a:buNone/>
+              <a:defRPr sz="16000"/>
+            </a:lvl6pPr>
+            <a:lvl7pPr lvl="6" algn="ctr">
+              <a:spcBef>
+                <a:spcPts val="0"/>
+              </a:spcBef>
+              <a:spcAft>
+                <a:spcPts val="0"/>
+              </a:spcAft>
+              <a:buSzPts val="12000"/>
+              <a:buNone/>
+              <a:defRPr sz="16000"/>
+            </a:lvl7pPr>
+            <a:lvl8pPr lvl="7" algn="ctr">
+              <a:spcBef>
+                <a:spcPts val="0"/>
+              </a:spcBef>
+              <a:spcAft>
+                <a:spcPts val="0"/>
+              </a:spcAft>
+              <a:buSzPts val="12000"/>
+              <a:buNone/>
+              <a:defRPr sz="16000"/>
+            </a:lvl8pPr>
+            <a:lvl9pPr lvl="8" algn="ctr">
+              <a:spcBef>
+                <a:spcPts val="0"/>
+              </a:spcBef>
+              <a:spcAft>
+                <a:spcPts val="0"/>
+              </a:spcAft>
+              <a:buSzPts val="12000"/>
+              <a:buNone/>
+              <a:defRPr sz="16000"/>
+            </a:lvl9pPr>
+          </a:lstStyle>
+          <a:p>
+            <a:r>
+              <a:t>xx%</a:t>
+            </a:r>
+          </a:p>
+        </p:txBody>
+      </p:sp>
+      <p:sp>
+        <p:nvSpPr>
+          <p:cNvPr id="46" name="Google Shape;46;p11"/>
+          <p:cNvSpPr txBox="1">
+            <a:spLocks noGrp="1"/>
+          </p:cNvSpPr>
+          <p:nvPr>
+            <p:ph type="body" idx="1"/>
+          </p:nvPr>
+        </p:nvSpPr>
+        <p:spPr>
+          <a:xfrm>
+            <a:off x="415600" y="4202967"/>
+            <a:ext cx="11360800" cy="1734400"/>
+          </a:xfrm>
+          <a:prstGeom prst="rect">
+            <a:avLst/>
+          </a:prstGeom>
+        </p:spPr>
+        <p:txBody>
+          <a:bodyPr spcFirstLastPara="1" wrap="square" lIns="91425" tIns="91425" rIns="91425" bIns="91425" anchor="t" anchorCtr="0">
+            <a:noAutofit/>
+          </a:bodyPr>
+          <a:lstStyle>
+            <a:lvl1pPr marL="609585" lvl="0" indent="-457189" algn="ctr">
+              <a:spcBef>
+                <a:spcPts val="0"/>
+              </a:spcBef>
+              <a:spcAft>
+                <a:spcPts val="0"/>
+              </a:spcAft>
+              <a:buSzPts val="1800"/>
+              <a:buChar char="●"/>
+              <a:defRPr/>
+            </a:lvl1pPr>
+            <a:lvl2pPr marL="1219170" lvl="1" indent="-423323" algn="ctr">
+              <a:spcBef>
+                <a:spcPts val="2133"/>
+              </a:spcBef>
+              <a:spcAft>
+                <a:spcPts val="0"/>
+              </a:spcAft>
+              <a:buSzPts val="1400"/>
+              <a:buChar char="○"/>
+              <a:defRPr/>
+            </a:lvl2pPr>
+            <a:lvl3pPr marL="1828754" lvl="2" indent="-423323" algn="ctr">
+              <a:spcBef>
+                <a:spcPts val="2133"/>
+              </a:spcBef>
+              <a:spcAft>
+                <a:spcPts val="0"/>
+              </a:spcAft>
+              <a:buSzPts val="1400"/>
+              <a:buChar char="■"/>
+              <a:defRPr/>
+            </a:lvl3pPr>
+            <a:lvl4pPr marL="2438339" lvl="3" indent="-423323" algn="ctr">
+              <a:spcBef>
+                <a:spcPts val="2133"/>
+              </a:spcBef>
+              <a:spcAft>
+                <a:spcPts val="0"/>
+              </a:spcAft>
+              <a:buSzPts val="1400"/>
+              <a:buChar char="●"/>
+              <a:defRPr/>
+            </a:lvl4pPr>
+            <a:lvl5pPr marL="3047924" lvl="4" indent="-423323" algn="ctr">
+              <a:spcBef>
+                <a:spcPts val="2133"/>
+              </a:spcBef>
+              <a:spcAft>
+                <a:spcPts val="0"/>
+              </a:spcAft>
+              <a:buSzPts val="1400"/>
+              <a:buChar char="○"/>
+              <a:defRPr/>
+            </a:lvl5pPr>
+            <a:lvl6pPr marL="3657509" lvl="5" indent="-423323" algn="ctr">
+              <a:spcBef>
+                <a:spcPts val="2133"/>
+              </a:spcBef>
+              <a:spcAft>
+                <a:spcPts val="0"/>
+              </a:spcAft>
+              <a:buSzPts val="1400"/>
+              <a:buChar char="■"/>
+              <a:defRPr/>
+            </a:lvl6pPr>
+            <a:lvl7pPr marL="4267093" lvl="6" indent="-423323" algn="ctr">
+              <a:spcBef>
+                <a:spcPts val="2133"/>
+              </a:spcBef>
+              <a:spcAft>
+                <a:spcPts val="0"/>
+              </a:spcAft>
+              <a:buSzPts val="1400"/>
+              <a:buChar char="●"/>
+              <a:defRPr/>
+            </a:lvl7pPr>
+            <a:lvl8pPr marL="4876678" lvl="7" indent="-423323" algn="ctr">
+              <a:spcBef>
+                <a:spcPts val="2133"/>
+              </a:spcBef>
+              <a:spcAft>
+                <a:spcPts val="0"/>
+              </a:spcAft>
+              <a:buSzPts val="1400"/>
+              <a:buChar char="○"/>
+              <a:defRPr/>
+            </a:lvl8pPr>
+            <a:lvl9pPr marL="5486263" lvl="8" indent="-423323" algn="ctr">
+              <a:spcBef>
+                <a:spcPts val="2133"/>
+              </a:spcBef>
+              <a:spcAft>
+                <a:spcPts val="2133"/>
+              </a:spcAft>
+              <a:buSzPts val="1400"/>
+              <a:buChar char="■"/>
+              <a:defRPr/>
+            </a:lvl9pPr>
+          </a:lstStyle>
+          <a:p>
+            <a:endParaRPr/>
+          </a:p>
+        </p:txBody>
+      </p:sp>
+      <p:sp>
+        <p:nvSpPr>
+          <p:cNvPr id="47" name="Google Shape;47;p11"/>
+          <p:cNvSpPr txBox="1">
+            <a:spLocks noGrp="1"/>
+          </p:cNvSpPr>
+          <p:nvPr>
+            <p:ph type="sldNum" idx="12"/>
+          </p:nvPr>
+        </p:nvSpPr>
+        <p:spPr>
+          <a:xfrm>
+            <a:off x="11296611" y="6217623"/>
+            <a:ext cx="731600" cy="524800"/>
+          </a:xfrm>
+          <a:prstGeom prst="rect">
+            <a:avLst/>
+          </a:prstGeom>
+        </p:spPr>
+        <p:txBody>
+          <a:bodyPr spcFirstLastPara="1" wrap="square" lIns="91425" tIns="91425" rIns="91425" bIns="91425" anchor="ctr" anchorCtr="0">
+            <a:noAutofit/>
+          </a:bodyPr>
+          <a:lstStyle>
+            <a:lvl1pPr lvl="0">
+              <a:buNone/>
+              <a:defRPr/>
+            </a:lvl1pPr>
+            <a:lvl2pPr lvl="1">
+              <a:buNone/>
+              <a:defRPr/>
+            </a:lvl2pPr>
+            <a:lvl3pPr lvl="2">
+              <a:buNone/>
+              <a:defRPr/>
+            </a:lvl3pPr>
+            <a:lvl4pPr lvl="3">
+              <a:buNone/>
+              <a:defRPr/>
+            </a:lvl4pPr>
+            <a:lvl5pPr lvl="4">
+              <a:buNone/>
+              <a:defRPr/>
+            </a:lvl5pPr>
+            <a:lvl6pPr lvl="5">
+              <a:buNone/>
+              <a:defRPr/>
+            </a:lvl6pPr>
+            <a:lvl7pPr lvl="6">
+              <a:buNone/>
+              <a:defRPr/>
+            </a:lvl7pPr>
+            <a:lvl8pPr lvl="7">
+              <a:buNone/>
+              <a:defRPr/>
+            </a:lvl8pPr>
+            <a:lvl9pPr lvl="8">
+              <a:buNone/>
+              <a:defRPr/>
+            </a:lvl9pPr>
+          </a:lstStyle>
+          <a:p>
+            <a:pPr marL="0" lvl="0" indent="0" algn="r" rtl="0">
+              <a:spcBef>
+                <a:spcPts val="0"/>
+              </a:spcBef>
+              <a:spcAft>
+                <a:spcPts val="0"/>
+              </a:spcAft>
+              <a:buNone/>
+            </a:pPr>
+            <a:fld id="{00000000-1234-1234-1234-123412341234}" type="slidenum">
+              <a:rPr lang="ko"/>
+              <a:pPr marL="0" lvl="0" indent="0" algn="r" rtl="0">
+                <a:spcBef>
+                  <a:spcPts val="0"/>
+                </a:spcBef>
+                <a:spcAft>
+                  <a:spcPts val="0"/>
+                </a:spcAft>
+                <a:buNone/>
+              </a:pPr>
+              <a:t>‹#›</a:t>
+            </a:fld>
+            <a:endParaRPr/>
+          </a:p>
+        </p:txBody>
+      </p:sp>
+    </p:spTree>
+  </p:cSld>
+  <p:clrMapOvr>
+    <a:masterClrMapping/>
+  </p:clrMapOvr>
+</p:sldLayout>
+</file>
+
+<file path=ppt/slideLayouts/slideLayout33.xml><?xml version="1.0" encoding="utf-8"?>
+<p:sldLayout xmlns:a="http://schemas.openxmlformats.org/drawingml/2006/main" xmlns:r="http://schemas.openxmlformats.org/officeDocument/2006/relationships" xmlns:p="http://schemas.openxmlformats.org/presentationml/2006/main" matchingName="Blank" type="blank">
+  <p:cSld name="BLANK">
+    <p:spTree>
+      <p:nvGrpSpPr>
+        <p:cNvPr id="1" name="Shape 48"/>
+        <p:cNvGrpSpPr/>
+        <p:nvPr/>
+      </p:nvGrpSpPr>
+      <p:grpSpPr>
+        <a:xfrm>
+          <a:off x="0" y="0"/>
+          <a:ext cx="0" cy="0"/>
+          <a:chOff x="0" y="0"/>
+          <a:chExt cx="0" cy="0"/>
+        </a:xfrm>
+      </p:grpSpPr>
+      <p:sp>
+        <p:nvSpPr>
+          <p:cNvPr id="49" name="Google Shape;49;p12"/>
+          <p:cNvSpPr txBox="1">
+            <a:spLocks noGrp="1"/>
+          </p:cNvSpPr>
+          <p:nvPr>
+            <p:ph type="sldNum" idx="12"/>
+          </p:nvPr>
+        </p:nvSpPr>
+        <p:spPr>
+          <a:xfrm>
+            <a:off x="11296611" y="6217623"/>
+            <a:ext cx="731600" cy="524800"/>
+          </a:xfrm>
+          <a:prstGeom prst="rect">
+            <a:avLst/>
+          </a:prstGeom>
+        </p:spPr>
+        <p:txBody>
+          <a:bodyPr spcFirstLastPara="1" wrap="square" lIns="91425" tIns="91425" rIns="91425" bIns="91425" anchor="ctr" anchorCtr="0">
+            <a:noAutofit/>
+          </a:bodyPr>
+          <a:lstStyle>
+            <a:lvl1pPr lvl="0">
+              <a:buNone/>
+              <a:defRPr/>
+            </a:lvl1pPr>
+            <a:lvl2pPr lvl="1">
+              <a:buNone/>
+              <a:defRPr/>
+            </a:lvl2pPr>
+            <a:lvl3pPr lvl="2">
+              <a:buNone/>
+              <a:defRPr/>
+            </a:lvl3pPr>
+            <a:lvl4pPr lvl="3">
+              <a:buNone/>
+              <a:defRPr/>
+            </a:lvl4pPr>
+            <a:lvl5pPr lvl="4">
+              <a:buNone/>
+              <a:defRPr/>
+            </a:lvl5pPr>
+            <a:lvl6pPr lvl="5">
+              <a:buNone/>
+              <a:defRPr/>
+            </a:lvl6pPr>
+            <a:lvl7pPr lvl="6">
+              <a:buNone/>
+              <a:defRPr/>
+            </a:lvl7pPr>
+            <a:lvl8pPr lvl="7">
+              <a:buNone/>
+              <a:defRPr/>
+            </a:lvl8pPr>
+            <a:lvl9pPr lvl="8">
+              <a:buNone/>
+              <a:defRPr/>
+            </a:lvl9pPr>
+          </a:lstStyle>
+          <a:p>
+            <a:pPr marL="0" lvl="0" indent="0" algn="r" rtl="0">
+              <a:spcBef>
+                <a:spcPts val="0"/>
+              </a:spcBef>
+              <a:spcAft>
+                <a:spcPts val="0"/>
+              </a:spcAft>
+              <a:buNone/>
+            </a:pPr>
+            <a:fld id="{00000000-1234-1234-1234-123412341234}" type="slidenum">
+              <a:rPr lang="ko"/>
+              <a:pPr marL="0" lvl="0" indent="0" algn="r" rtl="0">
+                <a:spcBef>
+                  <a:spcPts val="0"/>
+                </a:spcBef>
+                <a:spcAft>
+                  <a:spcPts val="0"/>
+                </a:spcAft>
+                <a:buNone/>
+              </a:pPr>
+              <a:t>‹#›</a:t>
+            </a:fld>
+            <a:endParaRPr/>
+          </a:p>
+        </p:txBody>
+      </p:sp>
+    </p:spTree>
   </p:cSld>
   <p:clrMapOvr>
     <a:masterClrMapping/>
@@ -5857,17 +10533,17 @@
   </p:cSld>
   <p:clrMap bg1="lt1" tx1="dk1" bg2="lt2" tx2="dk2" accent1="accent1" accent2="accent2" accent3="accent3" accent4="accent4" accent5="accent5" accent6="accent6" hlink="hlink" folHlink="folHlink"/>
   <p:sldLayoutIdLst>
-    <p:sldLayoutId id="2147483649" r:id="rId1"/>
-    <p:sldLayoutId id="2147483650" r:id="rId2"/>
-    <p:sldLayoutId id="2147483651" r:id="rId3"/>
-    <p:sldLayoutId id="2147483652" r:id="rId4"/>
-    <p:sldLayoutId id="2147483653" r:id="rId5"/>
-    <p:sldLayoutId id="2147483654" r:id="rId6"/>
-    <p:sldLayoutId id="2147483655" r:id="rId7"/>
-    <p:sldLayoutId id="2147483656" r:id="rId8"/>
-    <p:sldLayoutId id="2147483657" r:id="rId9"/>
-    <p:sldLayoutId id="2147483658" r:id="rId10"/>
-    <p:sldLayoutId id="2147483659" r:id="rId11"/>
+    <p:sldLayoutId id="2147483674" r:id="rId1"/>
+    <p:sldLayoutId id="2147483675" r:id="rId2"/>
+    <p:sldLayoutId id="2147483676" r:id="rId3"/>
+    <p:sldLayoutId id="2147483677" r:id="rId4"/>
+    <p:sldLayoutId id="2147483678" r:id="rId5"/>
+    <p:sldLayoutId id="2147483679" r:id="rId6"/>
+    <p:sldLayoutId id="2147483680" r:id="rId7"/>
+    <p:sldLayoutId id="2147483681" r:id="rId8"/>
+    <p:sldLayoutId id="2147483682" r:id="rId9"/>
+    <p:sldLayoutId id="2147483683" r:id="rId10"/>
+    <p:sldLayoutId id="2147483672" r:id="rId11"/>
   </p:sldLayoutIdLst>
   <p:txStyles>
     <p:titleStyle>
@@ -6152,6 +10828,1287 @@
 </p:sldMaster>
 </file>
 
+<file path=ppt/slideMasters/slideMaster3.xml><?xml version="1.0" encoding="utf-8"?>
+<p:sldMaster xmlns:a="http://schemas.openxmlformats.org/drawingml/2006/main" xmlns:r="http://schemas.openxmlformats.org/officeDocument/2006/relationships" xmlns:p="http://schemas.openxmlformats.org/presentationml/2006/main">
+  <p:cSld name="simple-light-2">
+    <p:bg>
+      <p:bgPr>
+        <a:solidFill>
+          <a:schemeClr val="lt1"/>
+        </a:solidFill>
+        <a:effectLst/>
+      </p:bgPr>
+    </p:bg>
+    <p:spTree>
+      <p:nvGrpSpPr>
+        <p:cNvPr id="1" name="Shape 5"/>
+        <p:cNvGrpSpPr/>
+        <p:nvPr/>
+      </p:nvGrpSpPr>
+      <p:grpSpPr>
+        <a:xfrm>
+          <a:off x="0" y="0"/>
+          <a:ext cx="0" cy="0"/>
+          <a:chOff x="0" y="0"/>
+          <a:chExt cx="0" cy="0"/>
+        </a:xfrm>
+      </p:grpSpPr>
+      <p:sp>
+        <p:nvSpPr>
+          <p:cNvPr id="6" name="Google Shape;6;p1"/>
+          <p:cNvSpPr txBox="1">
+            <a:spLocks noGrp="1"/>
+          </p:cNvSpPr>
+          <p:nvPr>
+            <p:ph type="title"/>
+          </p:nvPr>
+        </p:nvSpPr>
+        <p:spPr>
+          <a:xfrm>
+            <a:off x="415600" y="593367"/>
+            <a:ext cx="11360800" cy="763600"/>
+          </a:xfrm>
+          <a:prstGeom prst="rect">
+            <a:avLst/>
+          </a:prstGeom>
+          <a:noFill/>
+          <a:ln>
+            <a:noFill/>
+          </a:ln>
+        </p:spPr>
+        <p:txBody>
+          <a:bodyPr spcFirstLastPara="1" wrap="square" lIns="91425" tIns="91425" rIns="91425" bIns="91425" anchor="t" anchorCtr="0">
+            <a:noAutofit/>
+          </a:bodyPr>
+          <a:lstStyle>
+            <a:lvl1pPr lvl="0">
+              <a:spcBef>
+                <a:spcPts val="0"/>
+              </a:spcBef>
+              <a:spcAft>
+                <a:spcPts val="0"/>
+              </a:spcAft>
+              <a:buClr>
+                <a:schemeClr val="dk1"/>
+              </a:buClr>
+              <a:buSzPts val="2800"/>
+              <a:buNone/>
+              <a:defRPr sz="2800">
+                <a:solidFill>
+                  <a:schemeClr val="dk1"/>
+                </a:solidFill>
+              </a:defRPr>
+            </a:lvl1pPr>
+            <a:lvl2pPr lvl="1">
+              <a:spcBef>
+                <a:spcPts val="0"/>
+              </a:spcBef>
+              <a:spcAft>
+                <a:spcPts val="0"/>
+              </a:spcAft>
+              <a:buClr>
+                <a:schemeClr val="dk1"/>
+              </a:buClr>
+              <a:buSzPts val="2800"/>
+              <a:buNone/>
+              <a:defRPr sz="2800">
+                <a:solidFill>
+                  <a:schemeClr val="dk1"/>
+                </a:solidFill>
+              </a:defRPr>
+            </a:lvl2pPr>
+            <a:lvl3pPr lvl="2">
+              <a:spcBef>
+                <a:spcPts val="0"/>
+              </a:spcBef>
+              <a:spcAft>
+                <a:spcPts val="0"/>
+              </a:spcAft>
+              <a:buClr>
+                <a:schemeClr val="dk1"/>
+              </a:buClr>
+              <a:buSzPts val="2800"/>
+              <a:buNone/>
+              <a:defRPr sz="2800">
+                <a:solidFill>
+                  <a:schemeClr val="dk1"/>
+                </a:solidFill>
+              </a:defRPr>
+            </a:lvl3pPr>
+            <a:lvl4pPr lvl="3">
+              <a:spcBef>
+                <a:spcPts val="0"/>
+              </a:spcBef>
+              <a:spcAft>
+                <a:spcPts val="0"/>
+              </a:spcAft>
+              <a:buClr>
+                <a:schemeClr val="dk1"/>
+              </a:buClr>
+              <a:buSzPts val="2800"/>
+              <a:buNone/>
+              <a:defRPr sz="2800">
+                <a:solidFill>
+                  <a:schemeClr val="dk1"/>
+                </a:solidFill>
+              </a:defRPr>
+            </a:lvl4pPr>
+            <a:lvl5pPr lvl="4">
+              <a:spcBef>
+                <a:spcPts val="0"/>
+              </a:spcBef>
+              <a:spcAft>
+                <a:spcPts val="0"/>
+              </a:spcAft>
+              <a:buClr>
+                <a:schemeClr val="dk1"/>
+              </a:buClr>
+              <a:buSzPts val="2800"/>
+              <a:buNone/>
+              <a:defRPr sz="2800">
+                <a:solidFill>
+                  <a:schemeClr val="dk1"/>
+                </a:solidFill>
+              </a:defRPr>
+            </a:lvl5pPr>
+            <a:lvl6pPr lvl="5">
+              <a:spcBef>
+                <a:spcPts val="0"/>
+              </a:spcBef>
+              <a:spcAft>
+                <a:spcPts val="0"/>
+              </a:spcAft>
+              <a:buClr>
+                <a:schemeClr val="dk1"/>
+              </a:buClr>
+              <a:buSzPts val="2800"/>
+              <a:buNone/>
+              <a:defRPr sz="2800">
+                <a:solidFill>
+                  <a:schemeClr val="dk1"/>
+                </a:solidFill>
+              </a:defRPr>
+            </a:lvl6pPr>
+            <a:lvl7pPr lvl="6">
+              <a:spcBef>
+                <a:spcPts val="0"/>
+              </a:spcBef>
+              <a:spcAft>
+                <a:spcPts val="0"/>
+              </a:spcAft>
+              <a:buClr>
+                <a:schemeClr val="dk1"/>
+              </a:buClr>
+              <a:buSzPts val="2800"/>
+              <a:buNone/>
+              <a:defRPr sz="2800">
+                <a:solidFill>
+                  <a:schemeClr val="dk1"/>
+                </a:solidFill>
+              </a:defRPr>
+            </a:lvl7pPr>
+            <a:lvl8pPr lvl="7">
+              <a:spcBef>
+                <a:spcPts val="0"/>
+              </a:spcBef>
+              <a:spcAft>
+                <a:spcPts val="0"/>
+              </a:spcAft>
+              <a:buClr>
+                <a:schemeClr val="dk1"/>
+              </a:buClr>
+              <a:buSzPts val="2800"/>
+              <a:buNone/>
+              <a:defRPr sz="2800">
+                <a:solidFill>
+                  <a:schemeClr val="dk1"/>
+                </a:solidFill>
+              </a:defRPr>
+            </a:lvl8pPr>
+            <a:lvl9pPr lvl="8">
+              <a:spcBef>
+                <a:spcPts val="0"/>
+              </a:spcBef>
+              <a:spcAft>
+                <a:spcPts val="0"/>
+              </a:spcAft>
+              <a:buClr>
+                <a:schemeClr val="dk1"/>
+              </a:buClr>
+              <a:buSzPts val="2800"/>
+              <a:buNone/>
+              <a:defRPr sz="2800">
+                <a:solidFill>
+                  <a:schemeClr val="dk1"/>
+                </a:solidFill>
+              </a:defRPr>
+            </a:lvl9pPr>
+          </a:lstStyle>
+          <a:p>
+            <a:endParaRPr/>
+          </a:p>
+        </p:txBody>
+      </p:sp>
+      <p:sp>
+        <p:nvSpPr>
+          <p:cNvPr id="7" name="Google Shape;7;p1"/>
+          <p:cNvSpPr txBox="1">
+            <a:spLocks noGrp="1"/>
+          </p:cNvSpPr>
+          <p:nvPr>
+            <p:ph type="body" idx="1"/>
+          </p:nvPr>
+        </p:nvSpPr>
+        <p:spPr>
+          <a:xfrm>
+            <a:off x="415600" y="1536633"/>
+            <a:ext cx="11360800" cy="4555200"/>
+          </a:xfrm>
+          <a:prstGeom prst="rect">
+            <a:avLst/>
+          </a:prstGeom>
+          <a:noFill/>
+          <a:ln>
+            <a:noFill/>
+          </a:ln>
+        </p:spPr>
+        <p:txBody>
+          <a:bodyPr spcFirstLastPara="1" wrap="square" lIns="91425" tIns="91425" rIns="91425" bIns="91425" anchor="t" anchorCtr="0">
+            <a:noAutofit/>
+          </a:bodyPr>
+          <a:lstStyle>
+            <a:lvl1pPr marL="457200" lvl="0" indent="-342900">
+              <a:lnSpc>
+                <a:spcPct val="115000"/>
+              </a:lnSpc>
+              <a:spcBef>
+                <a:spcPts val="0"/>
+              </a:spcBef>
+              <a:spcAft>
+                <a:spcPts val="0"/>
+              </a:spcAft>
+              <a:buClr>
+                <a:schemeClr val="dk2"/>
+              </a:buClr>
+              <a:buSzPts val="1800"/>
+              <a:buChar char="●"/>
+              <a:defRPr sz="1800">
+                <a:solidFill>
+                  <a:schemeClr val="dk2"/>
+                </a:solidFill>
+              </a:defRPr>
+            </a:lvl1pPr>
+            <a:lvl2pPr marL="914400" lvl="1" indent="-317500">
+              <a:lnSpc>
+                <a:spcPct val="115000"/>
+              </a:lnSpc>
+              <a:spcBef>
+                <a:spcPts val="1600"/>
+              </a:spcBef>
+              <a:spcAft>
+                <a:spcPts val="0"/>
+              </a:spcAft>
+              <a:buClr>
+                <a:schemeClr val="dk2"/>
+              </a:buClr>
+              <a:buSzPts val="1400"/>
+              <a:buChar char="○"/>
+              <a:defRPr>
+                <a:solidFill>
+                  <a:schemeClr val="dk2"/>
+                </a:solidFill>
+              </a:defRPr>
+            </a:lvl2pPr>
+            <a:lvl3pPr marL="1371600" lvl="2" indent="-317500">
+              <a:lnSpc>
+                <a:spcPct val="115000"/>
+              </a:lnSpc>
+              <a:spcBef>
+                <a:spcPts val="1600"/>
+              </a:spcBef>
+              <a:spcAft>
+                <a:spcPts val="0"/>
+              </a:spcAft>
+              <a:buClr>
+                <a:schemeClr val="dk2"/>
+              </a:buClr>
+              <a:buSzPts val="1400"/>
+              <a:buChar char="■"/>
+              <a:defRPr>
+                <a:solidFill>
+                  <a:schemeClr val="dk2"/>
+                </a:solidFill>
+              </a:defRPr>
+            </a:lvl3pPr>
+            <a:lvl4pPr marL="1828800" lvl="3" indent="-317500">
+              <a:lnSpc>
+                <a:spcPct val="115000"/>
+              </a:lnSpc>
+              <a:spcBef>
+                <a:spcPts val="1600"/>
+              </a:spcBef>
+              <a:spcAft>
+                <a:spcPts val="0"/>
+              </a:spcAft>
+              <a:buClr>
+                <a:schemeClr val="dk2"/>
+              </a:buClr>
+              <a:buSzPts val="1400"/>
+              <a:buChar char="●"/>
+              <a:defRPr>
+                <a:solidFill>
+                  <a:schemeClr val="dk2"/>
+                </a:solidFill>
+              </a:defRPr>
+            </a:lvl4pPr>
+            <a:lvl5pPr marL="2286000" lvl="4" indent="-317500">
+              <a:lnSpc>
+                <a:spcPct val="115000"/>
+              </a:lnSpc>
+              <a:spcBef>
+                <a:spcPts val="1600"/>
+              </a:spcBef>
+              <a:spcAft>
+                <a:spcPts val="0"/>
+              </a:spcAft>
+              <a:buClr>
+                <a:schemeClr val="dk2"/>
+              </a:buClr>
+              <a:buSzPts val="1400"/>
+              <a:buChar char="○"/>
+              <a:defRPr>
+                <a:solidFill>
+                  <a:schemeClr val="dk2"/>
+                </a:solidFill>
+              </a:defRPr>
+            </a:lvl5pPr>
+            <a:lvl6pPr marL="2743200" lvl="5" indent="-317500">
+              <a:lnSpc>
+                <a:spcPct val="115000"/>
+              </a:lnSpc>
+              <a:spcBef>
+                <a:spcPts val="1600"/>
+              </a:spcBef>
+              <a:spcAft>
+                <a:spcPts val="0"/>
+              </a:spcAft>
+              <a:buClr>
+                <a:schemeClr val="dk2"/>
+              </a:buClr>
+              <a:buSzPts val="1400"/>
+              <a:buChar char="■"/>
+              <a:defRPr>
+                <a:solidFill>
+                  <a:schemeClr val="dk2"/>
+                </a:solidFill>
+              </a:defRPr>
+            </a:lvl6pPr>
+            <a:lvl7pPr marL="3200400" lvl="6" indent="-317500">
+              <a:lnSpc>
+                <a:spcPct val="115000"/>
+              </a:lnSpc>
+              <a:spcBef>
+                <a:spcPts val="1600"/>
+              </a:spcBef>
+              <a:spcAft>
+                <a:spcPts val="0"/>
+              </a:spcAft>
+              <a:buClr>
+                <a:schemeClr val="dk2"/>
+              </a:buClr>
+              <a:buSzPts val="1400"/>
+              <a:buChar char="●"/>
+              <a:defRPr>
+                <a:solidFill>
+                  <a:schemeClr val="dk2"/>
+                </a:solidFill>
+              </a:defRPr>
+            </a:lvl7pPr>
+            <a:lvl8pPr marL="3657600" lvl="7" indent="-317500">
+              <a:lnSpc>
+                <a:spcPct val="115000"/>
+              </a:lnSpc>
+              <a:spcBef>
+                <a:spcPts val="1600"/>
+              </a:spcBef>
+              <a:spcAft>
+                <a:spcPts val="0"/>
+              </a:spcAft>
+              <a:buClr>
+                <a:schemeClr val="dk2"/>
+              </a:buClr>
+              <a:buSzPts val="1400"/>
+              <a:buChar char="○"/>
+              <a:defRPr>
+                <a:solidFill>
+                  <a:schemeClr val="dk2"/>
+                </a:solidFill>
+              </a:defRPr>
+            </a:lvl8pPr>
+            <a:lvl9pPr marL="4114800" lvl="8" indent="-317500">
+              <a:lnSpc>
+                <a:spcPct val="115000"/>
+              </a:lnSpc>
+              <a:spcBef>
+                <a:spcPts val="1600"/>
+              </a:spcBef>
+              <a:spcAft>
+                <a:spcPts val="1600"/>
+              </a:spcAft>
+              <a:buClr>
+                <a:schemeClr val="dk2"/>
+              </a:buClr>
+              <a:buSzPts val="1400"/>
+              <a:buChar char="■"/>
+              <a:defRPr>
+                <a:solidFill>
+                  <a:schemeClr val="dk2"/>
+                </a:solidFill>
+              </a:defRPr>
+            </a:lvl9pPr>
+          </a:lstStyle>
+          <a:p>
+            <a:endParaRPr/>
+          </a:p>
+        </p:txBody>
+      </p:sp>
+      <p:sp>
+        <p:nvSpPr>
+          <p:cNvPr id="8" name="Google Shape;8;p1"/>
+          <p:cNvSpPr txBox="1">
+            <a:spLocks noGrp="1"/>
+          </p:cNvSpPr>
+          <p:nvPr>
+            <p:ph type="sldNum" idx="12"/>
+          </p:nvPr>
+        </p:nvSpPr>
+        <p:spPr>
+          <a:xfrm>
+            <a:off x="11296611" y="6217623"/>
+            <a:ext cx="731600" cy="524800"/>
+          </a:xfrm>
+          <a:prstGeom prst="rect">
+            <a:avLst/>
+          </a:prstGeom>
+          <a:noFill/>
+          <a:ln>
+            <a:noFill/>
+          </a:ln>
+        </p:spPr>
+        <p:txBody>
+          <a:bodyPr spcFirstLastPara="1" wrap="square" lIns="91425" tIns="91425" rIns="91425" bIns="91425" anchor="ctr" anchorCtr="0">
+            <a:noAutofit/>
+          </a:bodyPr>
+          <a:lstStyle>
+            <a:lvl1pPr lvl="0" algn="r">
+              <a:buNone/>
+              <a:defRPr sz="1300">
+                <a:solidFill>
+                  <a:schemeClr val="dk2"/>
+                </a:solidFill>
+              </a:defRPr>
+            </a:lvl1pPr>
+            <a:lvl2pPr lvl="1" algn="r">
+              <a:buNone/>
+              <a:defRPr sz="1300">
+                <a:solidFill>
+                  <a:schemeClr val="dk2"/>
+                </a:solidFill>
+              </a:defRPr>
+            </a:lvl2pPr>
+            <a:lvl3pPr lvl="2" algn="r">
+              <a:buNone/>
+              <a:defRPr sz="1300">
+                <a:solidFill>
+                  <a:schemeClr val="dk2"/>
+                </a:solidFill>
+              </a:defRPr>
+            </a:lvl3pPr>
+            <a:lvl4pPr lvl="3" algn="r">
+              <a:buNone/>
+              <a:defRPr sz="1300">
+                <a:solidFill>
+                  <a:schemeClr val="dk2"/>
+                </a:solidFill>
+              </a:defRPr>
+            </a:lvl4pPr>
+            <a:lvl5pPr lvl="4" algn="r">
+              <a:buNone/>
+              <a:defRPr sz="1300">
+                <a:solidFill>
+                  <a:schemeClr val="dk2"/>
+                </a:solidFill>
+              </a:defRPr>
+            </a:lvl5pPr>
+            <a:lvl6pPr lvl="5" algn="r">
+              <a:buNone/>
+              <a:defRPr sz="1300">
+                <a:solidFill>
+                  <a:schemeClr val="dk2"/>
+                </a:solidFill>
+              </a:defRPr>
+            </a:lvl6pPr>
+            <a:lvl7pPr lvl="6" algn="r">
+              <a:buNone/>
+              <a:defRPr sz="1300">
+                <a:solidFill>
+                  <a:schemeClr val="dk2"/>
+                </a:solidFill>
+              </a:defRPr>
+            </a:lvl7pPr>
+            <a:lvl8pPr lvl="7" algn="r">
+              <a:buNone/>
+              <a:defRPr sz="1300">
+                <a:solidFill>
+                  <a:schemeClr val="dk2"/>
+                </a:solidFill>
+              </a:defRPr>
+            </a:lvl8pPr>
+            <a:lvl9pPr lvl="8" algn="r">
+              <a:buNone/>
+              <a:defRPr sz="1300">
+                <a:solidFill>
+                  <a:schemeClr val="dk2"/>
+                </a:solidFill>
+              </a:defRPr>
+            </a:lvl9pPr>
+          </a:lstStyle>
+          <a:p>
+            <a:pPr marL="0" lvl="0" indent="0" algn="r" rtl="0">
+              <a:spcBef>
+                <a:spcPts val="0"/>
+              </a:spcBef>
+              <a:spcAft>
+                <a:spcPts val="0"/>
+              </a:spcAft>
+              <a:buNone/>
+            </a:pPr>
+            <a:fld id="{00000000-1234-1234-1234-123412341234}" type="slidenum">
+              <a:rPr lang="ko"/>
+              <a:pPr marL="0" lvl="0" indent="0" algn="r" rtl="0">
+                <a:spcBef>
+                  <a:spcPts val="0"/>
+                </a:spcBef>
+                <a:spcAft>
+                  <a:spcPts val="0"/>
+                </a:spcAft>
+                <a:buNone/>
+              </a:pPr>
+              <a:t>‹#›</a:t>
+            </a:fld>
+            <a:endParaRPr/>
+          </a:p>
+        </p:txBody>
+      </p:sp>
+    </p:spTree>
+  </p:cSld>
+  <p:clrMap bg1="lt1" tx1="dk1" bg2="dk2" tx2="lt2" accent1="accent1" accent2="accent2" accent3="accent3" accent4="accent4" accent5="accent5" accent6="accent6" hlink="hlink" folHlink="folHlink"/>
+  <p:sldLayoutIdLst>
+    <p:sldLayoutId id="2147483648" r:id="rId1"/>
+    <p:sldLayoutId id="2147483649" r:id="rId2"/>
+    <p:sldLayoutId id="2147483650" r:id="rId3"/>
+    <p:sldLayoutId id="2147483651" r:id="rId4"/>
+    <p:sldLayoutId id="2147483652" r:id="rId5"/>
+    <p:sldLayoutId id="2147483653" r:id="rId6"/>
+    <p:sldLayoutId id="2147483654" r:id="rId7"/>
+    <p:sldLayoutId id="2147483655" r:id="rId8"/>
+    <p:sldLayoutId id="2147483656" r:id="rId9"/>
+    <p:sldLayoutId id="2147483657" r:id="rId10"/>
+    <p:sldLayoutId id="2147483658" r:id="rId11"/>
+  </p:sldLayoutIdLst>
+  <p:hf sldNum="0" hdr="0" ftr="0" dt="0"/>
+  <p:txStyles>
+    <p:titleStyle>
+      <a:defPPr marR="0" lvl="0" algn="l" rtl="0">
+        <a:lnSpc>
+          <a:spcPct val="100000"/>
+        </a:lnSpc>
+        <a:spcBef>
+          <a:spcPts val="0"/>
+        </a:spcBef>
+        <a:spcAft>
+          <a:spcPts val="0"/>
+        </a:spcAft>
+      </a:defPPr>
+      <a:lvl1pPr marR="0" lvl="0" algn="l" rtl="0">
+        <a:lnSpc>
+          <a:spcPct val="100000"/>
+        </a:lnSpc>
+        <a:spcBef>
+          <a:spcPts val="0"/>
+        </a:spcBef>
+        <a:spcAft>
+          <a:spcPts val="0"/>
+        </a:spcAft>
+        <a:buClr>
+          <a:srgbClr val="000000"/>
+        </a:buClr>
+        <a:buFont typeface="Arial"/>
+        <a:defRPr sz="1900" b="0" i="0" u="none" strike="noStrike" cap="none">
+          <a:solidFill>
+            <a:srgbClr val="000000"/>
+          </a:solidFill>
+          <a:latin typeface="Arial"/>
+          <a:ea typeface="Arial"/>
+          <a:cs typeface="Arial"/>
+          <a:sym typeface="Arial"/>
+        </a:defRPr>
+      </a:lvl1pPr>
+      <a:lvl2pPr marR="0" lvl="1" algn="l" rtl="0">
+        <a:lnSpc>
+          <a:spcPct val="100000"/>
+        </a:lnSpc>
+        <a:spcBef>
+          <a:spcPts val="0"/>
+        </a:spcBef>
+        <a:spcAft>
+          <a:spcPts val="0"/>
+        </a:spcAft>
+        <a:buClr>
+          <a:srgbClr val="000000"/>
+        </a:buClr>
+        <a:buFont typeface="Arial"/>
+        <a:defRPr sz="1900" b="0" i="0" u="none" strike="noStrike" cap="none">
+          <a:solidFill>
+            <a:srgbClr val="000000"/>
+          </a:solidFill>
+          <a:latin typeface="Arial"/>
+          <a:ea typeface="Arial"/>
+          <a:cs typeface="Arial"/>
+          <a:sym typeface="Arial"/>
+        </a:defRPr>
+      </a:lvl2pPr>
+      <a:lvl3pPr marR="0" lvl="2" algn="l" rtl="0">
+        <a:lnSpc>
+          <a:spcPct val="100000"/>
+        </a:lnSpc>
+        <a:spcBef>
+          <a:spcPts val="0"/>
+        </a:spcBef>
+        <a:spcAft>
+          <a:spcPts val="0"/>
+        </a:spcAft>
+        <a:buClr>
+          <a:srgbClr val="000000"/>
+        </a:buClr>
+        <a:buFont typeface="Arial"/>
+        <a:defRPr sz="1900" b="0" i="0" u="none" strike="noStrike" cap="none">
+          <a:solidFill>
+            <a:srgbClr val="000000"/>
+          </a:solidFill>
+          <a:latin typeface="Arial"/>
+          <a:ea typeface="Arial"/>
+          <a:cs typeface="Arial"/>
+          <a:sym typeface="Arial"/>
+        </a:defRPr>
+      </a:lvl3pPr>
+      <a:lvl4pPr marR="0" lvl="3" algn="l" rtl="0">
+        <a:lnSpc>
+          <a:spcPct val="100000"/>
+        </a:lnSpc>
+        <a:spcBef>
+          <a:spcPts val="0"/>
+        </a:spcBef>
+        <a:spcAft>
+          <a:spcPts val="0"/>
+        </a:spcAft>
+        <a:buClr>
+          <a:srgbClr val="000000"/>
+        </a:buClr>
+        <a:buFont typeface="Arial"/>
+        <a:defRPr sz="1900" b="0" i="0" u="none" strike="noStrike" cap="none">
+          <a:solidFill>
+            <a:srgbClr val="000000"/>
+          </a:solidFill>
+          <a:latin typeface="Arial"/>
+          <a:ea typeface="Arial"/>
+          <a:cs typeface="Arial"/>
+          <a:sym typeface="Arial"/>
+        </a:defRPr>
+      </a:lvl4pPr>
+      <a:lvl5pPr marR="0" lvl="4" algn="l" rtl="0">
+        <a:lnSpc>
+          <a:spcPct val="100000"/>
+        </a:lnSpc>
+        <a:spcBef>
+          <a:spcPts val="0"/>
+        </a:spcBef>
+        <a:spcAft>
+          <a:spcPts val="0"/>
+        </a:spcAft>
+        <a:buClr>
+          <a:srgbClr val="000000"/>
+        </a:buClr>
+        <a:buFont typeface="Arial"/>
+        <a:defRPr sz="1900" b="0" i="0" u="none" strike="noStrike" cap="none">
+          <a:solidFill>
+            <a:srgbClr val="000000"/>
+          </a:solidFill>
+          <a:latin typeface="Arial"/>
+          <a:ea typeface="Arial"/>
+          <a:cs typeface="Arial"/>
+          <a:sym typeface="Arial"/>
+        </a:defRPr>
+      </a:lvl5pPr>
+      <a:lvl6pPr marR="0" lvl="5" algn="l" rtl="0">
+        <a:lnSpc>
+          <a:spcPct val="100000"/>
+        </a:lnSpc>
+        <a:spcBef>
+          <a:spcPts val="0"/>
+        </a:spcBef>
+        <a:spcAft>
+          <a:spcPts val="0"/>
+        </a:spcAft>
+        <a:buClr>
+          <a:srgbClr val="000000"/>
+        </a:buClr>
+        <a:buFont typeface="Arial"/>
+        <a:defRPr sz="1900" b="0" i="0" u="none" strike="noStrike" cap="none">
+          <a:solidFill>
+            <a:srgbClr val="000000"/>
+          </a:solidFill>
+          <a:latin typeface="Arial"/>
+          <a:ea typeface="Arial"/>
+          <a:cs typeface="Arial"/>
+          <a:sym typeface="Arial"/>
+        </a:defRPr>
+      </a:lvl6pPr>
+      <a:lvl7pPr marR="0" lvl="6" algn="l" rtl="0">
+        <a:lnSpc>
+          <a:spcPct val="100000"/>
+        </a:lnSpc>
+        <a:spcBef>
+          <a:spcPts val="0"/>
+        </a:spcBef>
+        <a:spcAft>
+          <a:spcPts val="0"/>
+        </a:spcAft>
+        <a:buClr>
+          <a:srgbClr val="000000"/>
+        </a:buClr>
+        <a:buFont typeface="Arial"/>
+        <a:defRPr sz="1900" b="0" i="0" u="none" strike="noStrike" cap="none">
+          <a:solidFill>
+            <a:srgbClr val="000000"/>
+          </a:solidFill>
+          <a:latin typeface="Arial"/>
+          <a:ea typeface="Arial"/>
+          <a:cs typeface="Arial"/>
+          <a:sym typeface="Arial"/>
+        </a:defRPr>
+      </a:lvl7pPr>
+      <a:lvl8pPr marR="0" lvl="7" algn="l" rtl="0">
+        <a:lnSpc>
+          <a:spcPct val="100000"/>
+        </a:lnSpc>
+        <a:spcBef>
+          <a:spcPts val="0"/>
+        </a:spcBef>
+        <a:spcAft>
+          <a:spcPts val="0"/>
+        </a:spcAft>
+        <a:buClr>
+          <a:srgbClr val="000000"/>
+        </a:buClr>
+        <a:buFont typeface="Arial"/>
+        <a:defRPr sz="1900" b="0" i="0" u="none" strike="noStrike" cap="none">
+          <a:solidFill>
+            <a:srgbClr val="000000"/>
+          </a:solidFill>
+          <a:latin typeface="Arial"/>
+          <a:ea typeface="Arial"/>
+          <a:cs typeface="Arial"/>
+          <a:sym typeface="Arial"/>
+        </a:defRPr>
+      </a:lvl8pPr>
+      <a:lvl9pPr marR="0" lvl="8" algn="l" rtl="0">
+        <a:lnSpc>
+          <a:spcPct val="100000"/>
+        </a:lnSpc>
+        <a:spcBef>
+          <a:spcPts val="0"/>
+        </a:spcBef>
+        <a:spcAft>
+          <a:spcPts val="0"/>
+        </a:spcAft>
+        <a:buClr>
+          <a:srgbClr val="000000"/>
+        </a:buClr>
+        <a:buFont typeface="Arial"/>
+        <a:defRPr sz="1900" b="0" i="0" u="none" strike="noStrike" cap="none">
+          <a:solidFill>
+            <a:srgbClr val="000000"/>
+          </a:solidFill>
+          <a:latin typeface="Arial"/>
+          <a:ea typeface="Arial"/>
+          <a:cs typeface="Arial"/>
+          <a:sym typeface="Arial"/>
+        </a:defRPr>
+      </a:lvl9pPr>
+    </p:titleStyle>
+    <p:bodyStyle>
+      <a:defPPr marR="0" lvl="0" algn="l" rtl="0">
+        <a:lnSpc>
+          <a:spcPct val="100000"/>
+        </a:lnSpc>
+        <a:spcBef>
+          <a:spcPts val="0"/>
+        </a:spcBef>
+        <a:spcAft>
+          <a:spcPts val="0"/>
+        </a:spcAft>
+      </a:defPPr>
+      <a:lvl1pPr marR="0" lvl="0" algn="l" rtl="0">
+        <a:lnSpc>
+          <a:spcPct val="100000"/>
+        </a:lnSpc>
+        <a:spcBef>
+          <a:spcPts val="0"/>
+        </a:spcBef>
+        <a:spcAft>
+          <a:spcPts val="0"/>
+        </a:spcAft>
+        <a:buClr>
+          <a:srgbClr val="000000"/>
+        </a:buClr>
+        <a:buFont typeface="Arial"/>
+        <a:defRPr sz="1900" b="0" i="0" u="none" strike="noStrike" cap="none">
+          <a:solidFill>
+            <a:srgbClr val="000000"/>
+          </a:solidFill>
+          <a:latin typeface="Arial"/>
+          <a:ea typeface="Arial"/>
+          <a:cs typeface="Arial"/>
+          <a:sym typeface="Arial"/>
+        </a:defRPr>
+      </a:lvl1pPr>
+      <a:lvl2pPr marR="0" lvl="1" algn="l" rtl="0">
+        <a:lnSpc>
+          <a:spcPct val="100000"/>
+        </a:lnSpc>
+        <a:spcBef>
+          <a:spcPts val="0"/>
+        </a:spcBef>
+        <a:spcAft>
+          <a:spcPts val="0"/>
+        </a:spcAft>
+        <a:buClr>
+          <a:srgbClr val="000000"/>
+        </a:buClr>
+        <a:buFont typeface="Arial"/>
+        <a:defRPr sz="1900" b="0" i="0" u="none" strike="noStrike" cap="none">
+          <a:solidFill>
+            <a:srgbClr val="000000"/>
+          </a:solidFill>
+          <a:latin typeface="Arial"/>
+          <a:ea typeface="Arial"/>
+          <a:cs typeface="Arial"/>
+          <a:sym typeface="Arial"/>
+        </a:defRPr>
+      </a:lvl2pPr>
+      <a:lvl3pPr marR="0" lvl="2" algn="l" rtl="0">
+        <a:lnSpc>
+          <a:spcPct val="100000"/>
+        </a:lnSpc>
+        <a:spcBef>
+          <a:spcPts val="0"/>
+        </a:spcBef>
+        <a:spcAft>
+          <a:spcPts val="0"/>
+        </a:spcAft>
+        <a:buClr>
+          <a:srgbClr val="000000"/>
+        </a:buClr>
+        <a:buFont typeface="Arial"/>
+        <a:defRPr sz="1900" b="0" i="0" u="none" strike="noStrike" cap="none">
+          <a:solidFill>
+            <a:srgbClr val="000000"/>
+          </a:solidFill>
+          <a:latin typeface="Arial"/>
+          <a:ea typeface="Arial"/>
+          <a:cs typeface="Arial"/>
+          <a:sym typeface="Arial"/>
+        </a:defRPr>
+      </a:lvl3pPr>
+      <a:lvl4pPr marR="0" lvl="3" algn="l" rtl="0">
+        <a:lnSpc>
+          <a:spcPct val="100000"/>
+        </a:lnSpc>
+        <a:spcBef>
+          <a:spcPts val="0"/>
+        </a:spcBef>
+        <a:spcAft>
+          <a:spcPts val="0"/>
+        </a:spcAft>
+        <a:buClr>
+          <a:srgbClr val="000000"/>
+        </a:buClr>
+        <a:buFont typeface="Arial"/>
+        <a:defRPr sz="1900" b="0" i="0" u="none" strike="noStrike" cap="none">
+          <a:solidFill>
+            <a:srgbClr val="000000"/>
+          </a:solidFill>
+          <a:latin typeface="Arial"/>
+          <a:ea typeface="Arial"/>
+          <a:cs typeface="Arial"/>
+          <a:sym typeface="Arial"/>
+        </a:defRPr>
+      </a:lvl4pPr>
+      <a:lvl5pPr marR="0" lvl="4" algn="l" rtl="0">
+        <a:lnSpc>
+          <a:spcPct val="100000"/>
+        </a:lnSpc>
+        <a:spcBef>
+          <a:spcPts val="0"/>
+        </a:spcBef>
+        <a:spcAft>
+          <a:spcPts val="0"/>
+        </a:spcAft>
+        <a:buClr>
+          <a:srgbClr val="000000"/>
+        </a:buClr>
+        <a:buFont typeface="Arial"/>
+        <a:defRPr sz="1900" b="0" i="0" u="none" strike="noStrike" cap="none">
+          <a:solidFill>
+            <a:srgbClr val="000000"/>
+          </a:solidFill>
+          <a:latin typeface="Arial"/>
+          <a:ea typeface="Arial"/>
+          <a:cs typeface="Arial"/>
+          <a:sym typeface="Arial"/>
+        </a:defRPr>
+      </a:lvl5pPr>
+      <a:lvl6pPr marR="0" lvl="5" algn="l" rtl="0">
+        <a:lnSpc>
+          <a:spcPct val="100000"/>
+        </a:lnSpc>
+        <a:spcBef>
+          <a:spcPts val="0"/>
+        </a:spcBef>
+        <a:spcAft>
+          <a:spcPts val="0"/>
+        </a:spcAft>
+        <a:buClr>
+          <a:srgbClr val="000000"/>
+        </a:buClr>
+        <a:buFont typeface="Arial"/>
+        <a:defRPr sz="1900" b="0" i="0" u="none" strike="noStrike" cap="none">
+          <a:solidFill>
+            <a:srgbClr val="000000"/>
+          </a:solidFill>
+          <a:latin typeface="Arial"/>
+          <a:ea typeface="Arial"/>
+          <a:cs typeface="Arial"/>
+          <a:sym typeface="Arial"/>
+        </a:defRPr>
+      </a:lvl6pPr>
+      <a:lvl7pPr marR="0" lvl="6" algn="l" rtl="0">
+        <a:lnSpc>
+          <a:spcPct val="100000"/>
+        </a:lnSpc>
+        <a:spcBef>
+          <a:spcPts val="0"/>
+        </a:spcBef>
+        <a:spcAft>
+          <a:spcPts val="0"/>
+        </a:spcAft>
+        <a:buClr>
+          <a:srgbClr val="000000"/>
+        </a:buClr>
+        <a:buFont typeface="Arial"/>
+        <a:defRPr sz="1900" b="0" i="0" u="none" strike="noStrike" cap="none">
+          <a:solidFill>
+            <a:srgbClr val="000000"/>
+          </a:solidFill>
+          <a:latin typeface="Arial"/>
+          <a:ea typeface="Arial"/>
+          <a:cs typeface="Arial"/>
+          <a:sym typeface="Arial"/>
+        </a:defRPr>
+      </a:lvl7pPr>
+      <a:lvl8pPr marR="0" lvl="7" algn="l" rtl="0">
+        <a:lnSpc>
+          <a:spcPct val="100000"/>
+        </a:lnSpc>
+        <a:spcBef>
+          <a:spcPts val="0"/>
+        </a:spcBef>
+        <a:spcAft>
+          <a:spcPts val="0"/>
+        </a:spcAft>
+        <a:buClr>
+          <a:srgbClr val="000000"/>
+        </a:buClr>
+        <a:buFont typeface="Arial"/>
+        <a:defRPr sz="1900" b="0" i="0" u="none" strike="noStrike" cap="none">
+          <a:solidFill>
+            <a:srgbClr val="000000"/>
+          </a:solidFill>
+          <a:latin typeface="Arial"/>
+          <a:ea typeface="Arial"/>
+          <a:cs typeface="Arial"/>
+          <a:sym typeface="Arial"/>
+        </a:defRPr>
+      </a:lvl8pPr>
+      <a:lvl9pPr marR="0" lvl="8" algn="l" rtl="0">
+        <a:lnSpc>
+          <a:spcPct val="100000"/>
+        </a:lnSpc>
+        <a:spcBef>
+          <a:spcPts val="0"/>
+        </a:spcBef>
+        <a:spcAft>
+          <a:spcPts val="0"/>
+        </a:spcAft>
+        <a:buClr>
+          <a:srgbClr val="000000"/>
+        </a:buClr>
+        <a:buFont typeface="Arial"/>
+        <a:defRPr sz="1900" b="0" i="0" u="none" strike="noStrike" cap="none">
+          <a:solidFill>
+            <a:srgbClr val="000000"/>
+          </a:solidFill>
+          <a:latin typeface="Arial"/>
+          <a:ea typeface="Arial"/>
+          <a:cs typeface="Arial"/>
+          <a:sym typeface="Arial"/>
+        </a:defRPr>
+      </a:lvl9pPr>
+    </p:bodyStyle>
+    <p:otherStyle>
+      <a:defPPr marR="0" lvl="0" algn="l" rtl="0">
+        <a:lnSpc>
+          <a:spcPct val="100000"/>
+        </a:lnSpc>
+        <a:spcBef>
+          <a:spcPts val="0"/>
+        </a:spcBef>
+        <a:spcAft>
+          <a:spcPts val="0"/>
+        </a:spcAft>
+      </a:defPPr>
+      <a:lvl1pPr marR="0" lvl="0" algn="l" rtl="0">
+        <a:lnSpc>
+          <a:spcPct val="100000"/>
+        </a:lnSpc>
+        <a:spcBef>
+          <a:spcPts val="0"/>
+        </a:spcBef>
+        <a:spcAft>
+          <a:spcPts val="0"/>
+        </a:spcAft>
+        <a:buClr>
+          <a:srgbClr val="000000"/>
+        </a:buClr>
+        <a:buFont typeface="Arial"/>
+        <a:defRPr sz="1900" b="0" i="0" u="none" strike="noStrike" cap="none">
+          <a:solidFill>
+            <a:srgbClr val="000000"/>
+          </a:solidFill>
+          <a:latin typeface="Arial"/>
+          <a:ea typeface="Arial"/>
+          <a:cs typeface="Arial"/>
+          <a:sym typeface="Arial"/>
+        </a:defRPr>
+      </a:lvl1pPr>
+      <a:lvl2pPr marR="0" lvl="1" algn="l" rtl="0">
+        <a:lnSpc>
+          <a:spcPct val="100000"/>
+        </a:lnSpc>
+        <a:spcBef>
+          <a:spcPts val="0"/>
+        </a:spcBef>
+        <a:spcAft>
+          <a:spcPts val="0"/>
+        </a:spcAft>
+        <a:buClr>
+          <a:srgbClr val="000000"/>
+        </a:buClr>
+        <a:buFont typeface="Arial"/>
+        <a:defRPr sz="1900" b="0" i="0" u="none" strike="noStrike" cap="none">
+          <a:solidFill>
+            <a:srgbClr val="000000"/>
+          </a:solidFill>
+          <a:latin typeface="Arial"/>
+          <a:ea typeface="Arial"/>
+          <a:cs typeface="Arial"/>
+          <a:sym typeface="Arial"/>
+        </a:defRPr>
+      </a:lvl2pPr>
+      <a:lvl3pPr marR="0" lvl="2" algn="l" rtl="0">
+        <a:lnSpc>
+          <a:spcPct val="100000"/>
+        </a:lnSpc>
+        <a:spcBef>
+          <a:spcPts val="0"/>
+        </a:spcBef>
+        <a:spcAft>
+          <a:spcPts val="0"/>
+        </a:spcAft>
+        <a:buClr>
+          <a:srgbClr val="000000"/>
+        </a:buClr>
+        <a:buFont typeface="Arial"/>
+        <a:defRPr sz="1900" b="0" i="0" u="none" strike="noStrike" cap="none">
+          <a:solidFill>
+            <a:srgbClr val="000000"/>
+          </a:solidFill>
+          <a:latin typeface="Arial"/>
+          <a:ea typeface="Arial"/>
+          <a:cs typeface="Arial"/>
+          <a:sym typeface="Arial"/>
+        </a:defRPr>
+      </a:lvl3pPr>
+      <a:lvl4pPr marR="0" lvl="3" algn="l" rtl="0">
+        <a:lnSpc>
+          <a:spcPct val="100000"/>
+        </a:lnSpc>
+        <a:spcBef>
+          <a:spcPts val="0"/>
+        </a:spcBef>
+        <a:spcAft>
+          <a:spcPts val="0"/>
+        </a:spcAft>
+        <a:buClr>
+          <a:srgbClr val="000000"/>
+        </a:buClr>
+        <a:buFont typeface="Arial"/>
+        <a:defRPr sz="1900" b="0" i="0" u="none" strike="noStrike" cap="none">
+          <a:solidFill>
+            <a:srgbClr val="000000"/>
+          </a:solidFill>
+          <a:latin typeface="Arial"/>
+          <a:ea typeface="Arial"/>
+          <a:cs typeface="Arial"/>
+          <a:sym typeface="Arial"/>
+        </a:defRPr>
+      </a:lvl4pPr>
+      <a:lvl5pPr marR="0" lvl="4" algn="l" rtl="0">
+        <a:lnSpc>
+          <a:spcPct val="100000"/>
+        </a:lnSpc>
+        <a:spcBef>
+          <a:spcPts val="0"/>
+        </a:spcBef>
+        <a:spcAft>
+          <a:spcPts val="0"/>
+        </a:spcAft>
+        <a:buClr>
+          <a:srgbClr val="000000"/>
+        </a:buClr>
+        <a:buFont typeface="Arial"/>
+        <a:defRPr sz="1900" b="0" i="0" u="none" strike="noStrike" cap="none">
+          <a:solidFill>
+            <a:srgbClr val="000000"/>
+          </a:solidFill>
+          <a:latin typeface="Arial"/>
+          <a:ea typeface="Arial"/>
+          <a:cs typeface="Arial"/>
+          <a:sym typeface="Arial"/>
+        </a:defRPr>
+      </a:lvl5pPr>
+      <a:lvl6pPr marR="0" lvl="5" algn="l" rtl="0">
+        <a:lnSpc>
+          <a:spcPct val="100000"/>
+        </a:lnSpc>
+        <a:spcBef>
+          <a:spcPts val="0"/>
+        </a:spcBef>
+        <a:spcAft>
+          <a:spcPts val="0"/>
+        </a:spcAft>
+        <a:buClr>
+          <a:srgbClr val="000000"/>
+        </a:buClr>
+        <a:buFont typeface="Arial"/>
+        <a:defRPr sz="1900" b="0" i="0" u="none" strike="noStrike" cap="none">
+          <a:solidFill>
+            <a:srgbClr val="000000"/>
+          </a:solidFill>
+          <a:latin typeface="Arial"/>
+          <a:ea typeface="Arial"/>
+          <a:cs typeface="Arial"/>
+          <a:sym typeface="Arial"/>
+        </a:defRPr>
+      </a:lvl6pPr>
+      <a:lvl7pPr marR="0" lvl="6" algn="l" rtl="0">
+        <a:lnSpc>
+          <a:spcPct val="100000"/>
+        </a:lnSpc>
+        <a:spcBef>
+          <a:spcPts val="0"/>
+        </a:spcBef>
+        <a:spcAft>
+          <a:spcPts val="0"/>
+        </a:spcAft>
+        <a:buClr>
+          <a:srgbClr val="000000"/>
+        </a:buClr>
+        <a:buFont typeface="Arial"/>
+        <a:defRPr sz="1900" b="0" i="0" u="none" strike="noStrike" cap="none">
+          <a:solidFill>
+            <a:srgbClr val="000000"/>
+          </a:solidFill>
+          <a:latin typeface="Arial"/>
+          <a:ea typeface="Arial"/>
+          <a:cs typeface="Arial"/>
+          <a:sym typeface="Arial"/>
+        </a:defRPr>
+      </a:lvl7pPr>
+      <a:lvl8pPr marR="0" lvl="7" algn="l" rtl="0">
+        <a:lnSpc>
+          <a:spcPct val="100000"/>
+        </a:lnSpc>
+        <a:spcBef>
+          <a:spcPts val="0"/>
+        </a:spcBef>
+        <a:spcAft>
+          <a:spcPts val="0"/>
+        </a:spcAft>
+        <a:buClr>
+          <a:srgbClr val="000000"/>
+        </a:buClr>
+        <a:buFont typeface="Arial"/>
+        <a:defRPr sz="1900" b="0" i="0" u="none" strike="noStrike" cap="none">
+          <a:solidFill>
+            <a:srgbClr val="000000"/>
+          </a:solidFill>
+          <a:latin typeface="Arial"/>
+          <a:ea typeface="Arial"/>
+          <a:cs typeface="Arial"/>
+          <a:sym typeface="Arial"/>
+        </a:defRPr>
+      </a:lvl8pPr>
+      <a:lvl9pPr marR="0" lvl="8" algn="l" rtl="0">
+        <a:lnSpc>
+          <a:spcPct val="100000"/>
+        </a:lnSpc>
+        <a:spcBef>
+          <a:spcPts val="0"/>
+        </a:spcBef>
+        <a:spcAft>
+          <a:spcPts val="0"/>
+        </a:spcAft>
+        <a:buClr>
+          <a:srgbClr val="000000"/>
+        </a:buClr>
+        <a:buFont typeface="Arial"/>
+        <a:defRPr sz="1900" b="0" i="0" u="none" strike="noStrike" cap="none">
+          <a:solidFill>
+            <a:srgbClr val="000000"/>
+          </a:solidFill>
+          <a:latin typeface="Arial"/>
+          <a:ea typeface="Arial"/>
+          <a:cs typeface="Arial"/>
+          <a:sym typeface="Arial"/>
+        </a:defRPr>
+      </a:lvl9pPr>
+    </p:otherStyle>
+  </p:txStyles>
+</p:sldMaster>
+</file>
+
 <file path=ppt/slides/slide1.xml><?xml version="1.0" encoding="utf-8"?>
 <p:sld xmlns:a="http://schemas.openxmlformats.org/drawingml/2006/main" xmlns:r="http://schemas.openxmlformats.org/officeDocument/2006/relationships" xmlns:p="http://schemas.openxmlformats.org/presentationml/2006/main">
   <p:cSld>
@@ -8112,6 +14069,126 @@
 </p:sld>
 </file>
 
+<file path=ppt/slides/slide16.xml><?xml version="1.0" encoding="utf-8"?>
+<p:sld xmlns:a="http://schemas.openxmlformats.org/drawingml/2006/main" xmlns:r="http://schemas.openxmlformats.org/officeDocument/2006/relationships" xmlns:p="http://schemas.openxmlformats.org/presentationml/2006/main">
+  <p:cSld>
+    <p:spTree>
+      <p:nvGrpSpPr>
+        <p:cNvPr id="1" name=""/>
+        <p:cNvGrpSpPr/>
+        <p:nvPr/>
+      </p:nvGrpSpPr>
+      <p:grpSpPr>
+        <a:xfrm>
+          <a:off x="0" y="0"/>
+          <a:ext cx="0" cy="0"/>
+          <a:chOff x="0" y="0"/>
+          <a:chExt cx="0" cy="0"/>
+        </a:xfrm>
+      </p:grpSpPr>
+    </p:spTree>
+    <p:extLst>
+      <p:ext uri="{BB962C8B-B14F-4D97-AF65-F5344CB8AC3E}">
+        <p14:creationId xmlns:p14="http://schemas.microsoft.com/office/powerpoint/2010/main" val="3519633044"/>
+      </p:ext>
+    </p:extLst>
+  </p:cSld>
+  <p:clrMapOvr>
+    <a:masterClrMapping/>
+  </p:clrMapOvr>
+</p:sld>
+</file>
+
+<file path=ppt/slides/slide17.xml><?xml version="1.0" encoding="utf-8"?>
+<p:sld xmlns:a="http://schemas.openxmlformats.org/drawingml/2006/main" xmlns:r="http://schemas.openxmlformats.org/officeDocument/2006/relationships" xmlns:p="http://schemas.openxmlformats.org/presentationml/2006/main">
+  <p:cSld>
+    <p:spTree>
+      <p:nvGrpSpPr>
+        <p:cNvPr id="1" name=""/>
+        <p:cNvGrpSpPr/>
+        <p:nvPr/>
+      </p:nvGrpSpPr>
+      <p:grpSpPr>
+        <a:xfrm>
+          <a:off x="0" y="0"/>
+          <a:ext cx="0" cy="0"/>
+          <a:chOff x="0" y="0"/>
+          <a:chExt cx="0" cy="0"/>
+        </a:xfrm>
+      </p:grpSpPr>
+    </p:spTree>
+    <p:extLst>
+      <p:ext uri="{BB962C8B-B14F-4D97-AF65-F5344CB8AC3E}">
+        <p14:creationId xmlns:p14="http://schemas.microsoft.com/office/powerpoint/2010/main" val="1960452701"/>
+      </p:ext>
+    </p:extLst>
+  </p:cSld>
+  <p:clrMapOvr>
+    <a:masterClrMapping/>
+  </p:clrMapOvr>
+</p:sld>
+</file>
+
+<file path=ppt/slides/slide18.xml><?xml version="1.0" encoding="utf-8"?>
+<p:sld xmlns:a="http://schemas.openxmlformats.org/drawingml/2006/main" xmlns:r="http://schemas.openxmlformats.org/officeDocument/2006/relationships" xmlns:p="http://schemas.openxmlformats.org/presentationml/2006/main">
+  <p:cSld>
+    <p:spTree>
+      <p:nvGrpSpPr>
+        <p:cNvPr id="1" name=""/>
+        <p:cNvGrpSpPr/>
+        <p:nvPr/>
+      </p:nvGrpSpPr>
+      <p:grpSpPr>
+        <a:xfrm>
+          <a:off x="0" y="0"/>
+          <a:ext cx="0" cy="0"/>
+          <a:chOff x="0" y="0"/>
+          <a:chExt cx="0" cy="0"/>
+        </a:xfrm>
+      </p:grpSpPr>
+    </p:spTree>
+    <p:extLst>
+      <p:ext uri="{BB962C8B-B14F-4D97-AF65-F5344CB8AC3E}">
+        <p14:creationId xmlns:p14="http://schemas.microsoft.com/office/powerpoint/2010/main" val="2340511007"/>
+      </p:ext>
+    </p:extLst>
+  </p:cSld>
+  <p:clrMapOvr>
+    <a:masterClrMapping/>
+  </p:clrMapOvr>
+</p:sld>
+</file>
+
+<file path=ppt/slides/slide19.xml><?xml version="1.0" encoding="utf-8"?>
+<p:sld xmlns:a="http://schemas.openxmlformats.org/drawingml/2006/main" xmlns:r="http://schemas.openxmlformats.org/officeDocument/2006/relationships" xmlns:p="http://schemas.openxmlformats.org/presentationml/2006/main">
+  <p:cSld>
+    <p:spTree>
+      <p:nvGrpSpPr>
+        <p:cNvPr id="1" name=""/>
+        <p:cNvGrpSpPr/>
+        <p:nvPr/>
+      </p:nvGrpSpPr>
+      <p:grpSpPr>
+        <a:xfrm>
+          <a:off x="0" y="0"/>
+          <a:ext cx="0" cy="0"/>
+          <a:chOff x="0" y="0"/>
+          <a:chExt cx="0" cy="0"/>
+        </a:xfrm>
+      </p:grpSpPr>
+    </p:spTree>
+    <p:extLst>
+      <p:ext uri="{BB962C8B-B14F-4D97-AF65-F5344CB8AC3E}">
+        <p14:creationId xmlns:p14="http://schemas.microsoft.com/office/powerpoint/2010/main" val="1628649293"/>
+      </p:ext>
+    </p:extLst>
+  </p:cSld>
+  <p:clrMapOvr>
+    <a:masterClrMapping/>
+  </p:clrMapOvr>
+</p:sld>
+</file>
+
 <file path=ppt/slides/slide2.xml><?xml version="1.0" encoding="utf-8"?>
 <p:sld xmlns:a="http://schemas.openxmlformats.org/drawingml/2006/main" xmlns:r="http://schemas.openxmlformats.org/officeDocument/2006/relationships" xmlns:p="http://schemas.openxmlformats.org/presentationml/2006/main">
   <p:cSld>
@@ -8365,6 +14442,2120 @@
 </p:sld>
 </file>
 
+<file path=ppt/slides/slide20.xml><?xml version="1.0" encoding="utf-8"?>
+<p:sld xmlns:a="http://schemas.openxmlformats.org/drawingml/2006/main" xmlns:r="http://schemas.openxmlformats.org/officeDocument/2006/relationships" xmlns:p="http://schemas.openxmlformats.org/presentationml/2006/main">
+  <p:cSld>
+    <p:spTree>
+      <p:nvGrpSpPr>
+        <p:cNvPr id="1" name=""/>
+        <p:cNvGrpSpPr/>
+        <p:nvPr/>
+      </p:nvGrpSpPr>
+      <p:grpSpPr>
+        <a:xfrm>
+          <a:off x="0" y="0"/>
+          <a:ext cx="0" cy="0"/>
+          <a:chOff x="0" y="0"/>
+          <a:chExt cx="0" cy="0"/>
+        </a:xfrm>
+      </p:grpSpPr>
+    </p:spTree>
+    <p:extLst>
+      <p:ext uri="{BB962C8B-B14F-4D97-AF65-F5344CB8AC3E}">
+        <p14:creationId xmlns:p14="http://schemas.microsoft.com/office/powerpoint/2010/main" val="274796521"/>
+      </p:ext>
+    </p:extLst>
+  </p:cSld>
+  <p:clrMapOvr>
+    <a:masterClrMapping/>
+  </p:clrMapOvr>
+</p:sld>
+</file>
+
+<file path=ppt/slides/slide21.xml><?xml version="1.0" encoding="utf-8"?>
+<p:sld xmlns:a="http://schemas.openxmlformats.org/drawingml/2006/main" xmlns:r="http://schemas.openxmlformats.org/officeDocument/2006/relationships" xmlns:p="http://schemas.openxmlformats.org/presentationml/2006/main">
+  <p:cSld>
+    <p:spTree>
+      <p:nvGrpSpPr>
+        <p:cNvPr id="1" name=""/>
+        <p:cNvGrpSpPr/>
+        <p:nvPr/>
+      </p:nvGrpSpPr>
+      <p:grpSpPr>
+        <a:xfrm>
+          <a:off x="0" y="0"/>
+          <a:ext cx="0" cy="0"/>
+          <a:chOff x="0" y="0"/>
+          <a:chExt cx="0" cy="0"/>
+        </a:xfrm>
+      </p:grpSpPr>
+    </p:spTree>
+    <p:extLst>
+      <p:ext uri="{BB962C8B-B14F-4D97-AF65-F5344CB8AC3E}">
+        <p14:creationId xmlns:p14="http://schemas.microsoft.com/office/powerpoint/2010/main" val="2317552132"/>
+      </p:ext>
+    </p:extLst>
+  </p:cSld>
+  <p:clrMapOvr>
+    <a:masterClrMapping/>
+  </p:clrMapOvr>
+</p:sld>
+</file>
+
+<file path=ppt/slides/slide22.xml><?xml version="1.0" encoding="utf-8"?>
+<p:sld xmlns:a="http://schemas.openxmlformats.org/drawingml/2006/main" xmlns:r="http://schemas.openxmlformats.org/officeDocument/2006/relationships" xmlns:p="http://schemas.openxmlformats.org/presentationml/2006/main">
+  <p:cSld>
+    <p:spTree>
+      <p:nvGrpSpPr>
+        <p:cNvPr id="1" name=""/>
+        <p:cNvGrpSpPr/>
+        <p:nvPr/>
+      </p:nvGrpSpPr>
+      <p:grpSpPr>
+        <a:xfrm>
+          <a:off x="0" y="0"/>
+          <a:ext cx="0" cy="0"/>
+          <a:chOff x="0" y="0"/>
+          <a:chExt cx="0" cy="0"/>
+        </a:xfrm>
+      </p:grpSpPr>
+    </p:spTree>
+    <p:extLst>
+      <p:ext uri="{BB962C8B-B14F-4D97-AF65-F5344CB8AC3E}">
+        <p14:creationId xmlns:p14="http://schemas.microsoft.com/office/powerpoint/2010/main" val="2990232565"/>
+      </p:ext>
+    </p:extLst>
+  </p:cSld>
+  <p:clrMapOvr>
+    <a:masterClrMapping/>
+  </p:clrMapOvr>
+</p:sld>
+</file>
+
+<file path=ppt/slides/slide23.xml><?xml version="1.0" encoding="utf-8"?>
+<p:sld xmlns:a="http://schemas.openxmlformats.org/drawingml/2006/main" xmlns:r="http://schemas.openxmlformats.org/officeDocument/2006/relationships" xmlns:p="http://schemas.openxmlformats.org/presentationml/2006/main">
+  <p:cSld>
+    <p:spTree>
+      <p:nvGrpSpPr>
+        <p:cNvPr id="1" name=""/>
+        <p:cNvGrpSpPr/>
+        <p:nvPr/>
+      </p:nvGrpSpPr>
+      <p:grpSpPr>
+        <a:xfrm>
+          <a:off x="0" y="0"/>
+          <a:ext cx="0" cy="0"/>
+          <a:chOff x="0" y="0"/>
+          <a:chExt cx="0" cy="0"/>
+        </a:xfrm>
+      </p:grpSpPr>
+    </p:spTree>
+    <p:extLst>
+      <p:ext uri="{BB962C8B-B14F-4D97-AF65-F5344CB8AC3E}">
+        <p14:creationId xmlns:p14="http://schemas.microsoft.com/office/powerpoint/2010/main" val="102270461"/>
+      </p:ext>
+    </p:extLst>
+  </p:cSld>
+  <p:clrMapOvr>
+    <a:masterClrMapping/>
+  </p:clrMapOvr>
+</p:sld>
+</file>
+
+<file path=ppt/slides/slide24.xml><?xml version="1.0" encoding="utf-8"?>
+<p:sld xmlns:a="http://schemas.openxmlformats.org/drawingml/2006/main" xmlns:r="http://schemas.openxmlformats.org/officeDocument/2006/relationships" xmlns:p="http://schemas.openxmlformats.org/presentationml/2006/main">
+  <p:cSld>
+    <p:spTree>
+      <p:nvGrpSpPr>
+        <p:cNvPr id="1" name="Shape 53"/>
+        <p:cNvGrpSpPr/>
+        <p:nvPr/>
+      </p:nvGrpSpPr>
+      <p:grpSpPr>
+        <a:xfrm>
+          <a:off x="0" y="0"/>
+          <a:ext cx="0" cy="0"/>
+          <a:chOff x="0" y="0"/>
+          <a:chExt cx="0" cy="0"/>
+        </a:xfrm>
+      </p:grpSpPr>
+      <p:sp>
+        <p:nvSpPr>
+          <p:cNvPr id="54" name="Google Shape;54;p13"/>
+          <p:cNvSpPr txBox="1"/>
+          <p:nvPr/>
+        </p:nvSpPr>
+        <p:spPr>
+          <a:xfrm>
+            <a:off x="1134600" y="1891300"/>
+            <a:ext cx="9922800" cy="2782000"/>
+          </a:xfrm>
+          <a:prstGeom prst="rect">
+            <a:avLst/>
+          </a:prstGeom>
+          <a:noFill/>
+          <a:ln>
+            <a:noFill/>
+          </a:ln>
+        </p:spPr>
+        <p:txBody>
+          <a:bodyPr spcFirstLastPara="1" wrap="square" lIns="121900" tIns="121900" rIns="121900" bIns="121900" anchor="t" anchorCtr="0">
+            <a:noAutofit/>
+          </a:bodyPr>
+          <a:lstStyle/>
+          <a:p>
+            <a:endParaRPr/>
+          </a:p>
+          <a:p>
+            <a:r>
+              <a:rPr lang="en-US" altLang="ko" sz="3200" b="1" dirty="0">
+                <a:ea typeface="맑은 고딕"/>
+              </a:rPr>
+              <a:t>(</a:t>
+            </a:r>
+            <a:r>
+              <a:rPr lang="ko" altLang="en-US" sz="3200" b="1" dirty="0">
+                <a:ea typeface="맑은 고딕"/>
+              </a:rPr>
+              <a:t>가설</a:t>
+            </a:r>
+            <a:r>
+              <a:rPr lang="en-US" altLang="ko" sz="3200" b="1" dirty="0">
+                <a:ea typeface="맑은 고딕"/>
+              </a:rPr>
+              <a:t>)</a:t>
+            </a:r>
+            <a:endParaRPr sz="3200" b="1" dirty="0">
+              <a:ea typeface="맑은 고딕"/>
+            </a:endParaRPr>
+          </a:p>
+          <a:p>
+            <a:endParaRPr sz="3200"/>
+          </a:p>
+          <a:p>
+            <a:r>
+              <a:rPr lang="en-US" altLang="ko" sz="3200" b="1" dirty="0">
+                <a:ea typeface="맑은 고딕"/>
+              </a:rPr>
+              <a:t>1</a:t>
+            </a:r>
+            <a:r>
+              <a:rPr lang="ko" altLang="en-US" sz="3200" b="1" dirty="0">
+                <a:ea typeface="맑은 고딕"/>
+              </a:rPr>
+              <a:t>인 가구가 혼자 살기 때문에 부담과 책임감이 줄어 </a:t>
+            </a:r>
+            <a:endParaRPr lang="ko" sz="3200" b="1"/>
+          </a:p>
+          <a:p>
+            <a:endParaRPr lang="ko" sz="3200" b="1">
+              <a:cs typeface="Arial"/>
+            </a:endParaRPr>
+          </a:p>
+          <a:p>
+            <a:r>
+              <a:rPr lang="ko" altLang="en-US" sz="3200" b="1" dirty="0" err="1">
+                <a:ea typeface="맑은 고딕"/>
+              </a:rPr>
+              <a:t>확진자</a:t>
+            </a:r>
+            <a:r>
+              <a:rPr lang="ko" altLang="en-US" sz="3200" b="1" dirty="0">
+                <a:ea typeface="맑은 고딕"/>
+              </a:rPr>
+              <a:t> 수에 영향을 끼치지 않을까</a:t>
+            </a:r>
+            <a:r>
+              <a:rPr lang="en-US" altLang="ko" sz="3200" b="1" dirty="0">
+                <a:ea typeface="맑은 고딕"/>
+              </a:rPr>
+              <a:t>?</a:t>
+            </a:r>
+            <a:endParaRPr sz="3200" b="1" dirty="0">
+              <a:ea typeface="맑은 고딕"/>
+            </a:endParaRPr>
+          </a:p>
+          <a:p>
+            <a:endParaRPr/>
+          </a:p>
+          <a:p>
+            <a:endParaRPr/>
+          </a:p>
+          <a:p>
+            <a:endParaRPr/>
+          </a:p>
+          <a:p>
+            <a:endParaRPr/>
+          </a:p>
+          <a:p>
+            <a:endParaRPr/>
+          </a:p>
+          <a:p>
+            <a:endParaRPr/>
+          </a:p>
+          <a:p>
+            <a:endParaRPr/>
+          </a:p>
+          <a:p>
+            <a:endParaRPr/>
+          </a:p>
+          <a:p>
+            <a:r>
+              <a:rPr lang="ko" altLang="en-US" dirty="0">
+                <a:ea typeface="맑은 고딕"/>
+              </a:rPr>
+              <a:t>  </a:t>
+            </a:r>
+            <a:endParaRPr/>
+          </a:p>
+        </p:txBody>
+      </p:sp>
+    </p:spTree>
+    <p:extLst>
+      <p:ext uri="{BB962C8B-B14F-4D97-AF65-F5344CB8AC3E}">
+        <p14:creationId xmlns:p14="http://schemas.microsoft.com/office/powerpoint/2010/main" val="1787753460"/>
+      </p:ext>
+    </p:extLst>
+  </p:cSld>
+  <p:clrMapOvr>
+    <a:masterClrMapping/>
+  </p:clrMapOvr>
+</p:sld>
+</file>
+
+<file path=ppt/slides/slide25.xml><?xml version="1.0" encoding="utf-8"?>
+<p:sld xmlns:a="http://schemas.openxmlformats.org/drawingml/2006/main" xmlns:r="http://schemas.openxmlformats.org/officeDocument/2006/relationships" xmlns:p="http://schemas.openxmlformats.org/presentationml/2006/main">
+  <p:cSld>
+    <p:spTree>
+      <p:nvGrpSpPr>
+        <p:cNvPr id="1" name="Shape 58"/>
+        <p:cNvGrpSpPr/>
+        <p:nvPr/>
+      </p:nvGrpSpPr>
+      <p:grpSpPr>
+        <a:xfrm>
+          <a:off x="0" y="0"/>
+          <a:ext cx="0" cy="0"/>
+          <a:chOff x="0" y="0"/>
+          <a:chExt cx="0" cy="0"/>
+        </a:xfrm>
+      </p:grpSpPr>
+      <p:pic>
+        <p:nvPicPr>
+          <p:cNvPr id="59" name="Google Shape;59;p14"/>
+          <p:cNvPicPr preferRelativeResize="0"/>
+          <p:nvPr/>
+        </p:nvPicPr>
+        <p:blipFill rotWithShape="1">
+          <a:blip r:embed="rId3">
+            <a:alphaModFix/>
+          </a:blip>
+          <a:srcRect t="7790" b="-7789"/>
+          <a:stretch/>
+        </p:blipFill>
+        <p:spPr>
+          <a:xfrm>
+            <a:off x="159833" y="571500"/>
+            <a:ext cx="11951067" cy="5446267"/>
+          </a:xfrm>
+          <a:prstGeom prst="rect">
+            <a:avLst/>
+          </a:prstGeom>
+          <a:noFill/>
+          <a:ln>
+            <a:noFill/>
+          </a:ln>
+        </p:spPr>
+      </p:pic>
+      <p:sp>
+        <p:nvSpPr>
+          <p:cNvPr id="60" name="Google Shape;60;p14"/>
+          <p:cNvSpPr txBox="1"/>
+          <p:nvPr/>
+        </p:nvSpPr>
+        <p:spPr>
+          <a:xfrm>
+            <a:off x="1244000" y="378400"/>
+            <a:ext cx="4975200" cy="874000"/>
+          </a:xfrm>
+          <a:prstGeom prst="rect">
+            <a:avLst/>
+          </a:prstGeom>
+          <a:noFill/>
+          <a:ln>
+            <a:noFill/>
+          </a:ln>
+        </p:spPr>
+        <p:txBody>
+          <a:bodyPr spcFirstLastPara="1" wrap="square" lIns="121900" tIns="121900" rIns="121900" bIns="121900" anchor="t" anchorCtr="0">
+            <a:noAutofit/>
+          </a:bodyPr>
+          <a:lstStyle/>
+          <a:p>
+            <a:r>
+              <a:rPr lang="en-US" altLang="ko" sz="4000" b="1"/>
+              <a:t>2. </a:t>
+            </a:r>
+            <a:r>
+              <a:rPr lang="ko" altLang="en-US" sz="3100" b="1">
+                <a:solidFill>
+                  <a:schemeClr val="dk1"/>
+                </a:solidFill>
+                <a:latin typeface="Malgun Gothic"/>
+                <a:ea typeface="Malgun Gothic"/>
+                <a:cs typeface="Malgun Gothic"/>
+                <a:sym typeface="Malgun Gothic"/>
+              </a:rPr>
+              <a:t>연령대별 </a:t>
+            </a:r>
+            <a:r>
+              <a:rPr lang="en-US" altLang="ko" sz="3100" b="1">
+                <a:solidFill>
+                  <a:schemeClr val="dk1"/>
+                </a:solidFill>
+                <a:latin typeface="Malgun Gothic"/>
+                <a:ea typeface="Malgun Gothic"/>
+                <a:cs typeface="Malgun Gothic"/>
+                <a:sym typeface="Malgun Gothic"/>
+              </a:rPr>
+              <a:t>1</a:t>
+            </a:r>
+            <a:r>
+              <a:rPr lang="ko" altLang="en-US" sz="3100" b="1">
+                <a:solidFill>
+                  <a:schemeClr val="dk1"/>
+                </a:solidFill>
+                <a:latin typeface="Malgun Gothic"/>
+                <a:ea typeface="Malgun Gothic"/>
+                <a:cs typeface="Malgun Gothic"/>
+                <a:sym typeface="Malgun Gothic"/>
+              </a:rPr>
+              <a:t>인가구 분포 </a:t>
+            </a:r>
+            <a:endParaRPr sz="3100" b="1">
+              <a:solidFill>
+                <a:schemeClr val="dk1"/>
+              </a:solidFill>
+              <a:latin typeface="Malgun Gothic"/>
+              <a:ea typeface="Malgun Gothic"/>
+              <a:cs typeface="Malgun Gothic"/>
+              <a:sym typeface="Malgun Gothic"/>
+            </a:endParaRPr>
+          </a:p>
+          <a:p>
+            <a:endParaRPr sz="4000" b="1"/>
+          </a:p>
+        </p:txBody>
+      </p:sp>
+      <p:sp>
+        <p:nvSpPr>
+          <p:cNvPr id="61" name="Google Shape;61;p14"/>
+          <p:cNvSpPr txBox="1"/>
+          <p:nvPr/>
+        </p:nvSpPr>
+        <p:spPr>
+          <a:xfrm>
+            <a:off x="1126367" y="5084867"/>
+            <a:ext cx="10337600" cy="1328000"/>
+          </a:xfrm>
+          <a:prstGeom prst="rect">
+            <a:avLst/>
+          </a:prstGeom>
+          <a:noFill/>
+          <a:ln>
+            <a:noFill/>
+          </a:ln>
+        </p:spPr>
+        <p:txBody>
+          <a:bodyPr spcFirstLastPara="1" wrap="square" lIns="121900" tIns="121900" rIns="121900" bIns="121900" anchor="t" anchorCtr="0">
+            <a:noAutofit/>
+          </a:bodyPr>
+          <a:lstStyle/>
+          <a:p>
+            <a:r>
+              <a:rPr lang="ko"/>
+              <a:t>전국 평균과 주요 지역의 연령별 1인 가구 분포 데이터를 확인한 결과 20대 비율이 가장 높았고 </a:t>
+            </a:r>
+            <a:endParaRPr/>
+          </a:p>
+          <a:p>
+            <a:endParaRPr/>
+          </a:p>
+          <a:p>
+            <a:r>
+              <a:rPr lang="ko"/>
+              <a:t>확진자 그래프와 어느 정도 비례하는 특성을 알 수 있습니다.</a:t>
+            </a:r>
+            <a:endParaRPr/>
+          </a:p>
+          <a:p>
+            <a:endParaRPr/>
+          </a:p>
+          <a:p>
+            <a:endParaRPr/>
+          </a:p>
+          <a:p>
+            <a:endParaRPr/>
+          </a:p>
+          <a:p>
+            <a:endParaRPr/>
+          </a:p>
+        </p:txBody>
+      </p:sp>
+    </p:spTree>
+    <p:extLst>
+      <p:ext uri="{BB962C8B-B14F-4D97-AF65-F5344CB8AC3E}">
+        <p14:creationId xmlns:p14="http://schemas.microsoft.com/office/powerpoint/2010/main" val="1623046112"/>
+      </p:ext>
+    </p:extLst>
+  </p:cSld>
+  <p:clrMapOvr>
+    <a:masterClrMapping/>
+  </p:clrMapOvr>
+</p:sld>
+</file>
+
+<file path=ppt/slides/slide26.xml><?xml version="1.0" encoding="utf-8"?>
+<p:sld xmlns:a="http://schemas.openxmlformats.org/drawingml/2006/main" xmlns:r="http://schemas.openxmlformats.org/officeDocument/2006/relationships" xmlns:p="http://schemas.openxmlformats.org/presentationml/2006/main">
+  <p:cSld>
+    <p:spTree>
+      <p:nvGrpSpPr>
+        <p:cNvPr id="1" name="Shape 65"/>
+        <p:cNvGrpSpPr/>
+        <p:nvPr/>
+      </p:nvGrpSpPr>
+      <p:grpSpPr>
+        <a:xfrm>
+          <a:off x="0" y="0"/>
+          <a:ext cx="0" cy="0"/>
+          <a:chOff x="0" y="0"/>
+          <a:chExt cx="0" cy="0"/>
+        </a:xfrm>
+      </p:grpSpPr>
+      <p:pic>
+        <p:nvPicPr>
+          <p:cNvPr id="66" name="Google Shape;66;p15"/>
+          <p:cNvPicPr preferRelativeResize="0"/>
+          <p:nvPr/>
+        </p:nvPicPr>
+        <p:blipFill>
+          <a:blip r:embed="rId3">
+            <a:alphaModFix/>
+          </a:blip>
+          <a:stretch>
+            <a:fillRect/>
+          </a:stretch>
+        </p:blipFill>
+        <p:spPr>
+          <a:xfrm>
+            <a:off x="365733" y="273121"/>
+            <a:ext cx="11169467" cy="5715000"/>
+          </a:xfrm>
+          <a:prstGeom prst="rect">
+            <a:avLst/>
+          </a:prstGeom>
+          <a:noFill/>
+          <a:ln>
+            <a:noFill/>
+          </a:ln>
+        </p:spPr>
+      </p:pic>
+      <p:sp>
+        <p:nvSpPr>
+          <p:cNvPr id="67" name="Google Shape;67;p15"/>
+          <p:cNvSpPr txBox="1"/>
+          <p:nvPr/>
+        </p:nvSpPr>
+        <p:spPr>
+          <a:xfrm>
+            <a:off x="1244000" y="378400"/>
+            <a:ext cx="4975200" cy="874000"/>
+          </a:xfrm>
+          <a:prstGeom prst="rect">
+            <a:avLst/>
+          </a:prstGeom>
+          <a:noFill/>
+          <a:ln>
+            <a:noFill/>
+          </a:ln>
+        </p:spPr>
+        <p:txBody>
+          <a:bodyPr spcFirstLastPara="1" wrap="square" lIns="121900" tIns="121900" rIns="121900" bIns="121900" anchor="t" anchorCtr="0">
+            <a:noAutofit/>
+          </a:bodyPr>
+          <a:lstStyle/>
+          <a:p>
+            <a:r>
+              <a:rPr lang="en-US" altLang="ko" sz="4000" b="1"/>
+              <a:t>2. </a:t>
+            </a:r>
+            <a:r>
+              <a:rPr lang="ko" altLang="en-US" sz="3100" b="1">
+                <a:solidFill>
+                  <a:schemeClr val="dk1"/>
+                </a:solidFill>
+                <a:latin typeface="Malgun Gothic"/>
+                <a:ea typeface="Malgun Gothic"/>
+                <a:cs typeface="Malgun Gothic"/>
+                <a:sym typeface="Malgun Gothic"/>
+              </a:rPr>
+              <a:t>연령대별 </a:t>
+            </a:r>
+            <a:r>
+              <a:rPr lang="en-US" altLang="ko" sz="3100" b="1">
+                <a:solidFill>
+                  <a:schemeClr val="dk1"/>
+                </a:solidFill>
+                <a:latin typeface="Malgun Gothic"/>
+                <a:ea typeface="Malgun Gothic"/>
+                <a:cs typeface="Malgun Gothic"/>
+                <a:sym typeface="Malgun Gothic"/>
+              </a:rPr>
+              <a:t>1</a:t>
+            </a:r>
+            <a:r>
+              <a:rPr lang="ko" altLang="en-US" sz="3100" b="1">
+                <a:solidFill>
+                  <a:schemeClr val="dk1"/>
+                </a:solidFill>
+                <a:latin typeface="Malgun Gothic"/>
+                <a:ea typeface="Malgun Gothic"/>
+                <a:cs typeface="Malgun Gothic"/>
+                <a:sym typeface="Malgun Gothic"/>
+              </a:rPr>
+              <a:t>인가구 분포 </a:t>
+            </a:r>
+            <a:endParaRPr sz="3100" b="1">
+              <a:solidFill>
+                <a:schemeClr val="dk1"/>
+              </a:solidFill>
+              <a:latin typeface="Malgun Gothic"/>
+              <a:ea typeface="Malgun Gothic"/>
+              <a:cs typeface="Malgun Gothic"/>
+              <a:sym typeface="Malgun Gothic"/>
+            </a:endParaRPr>
+          </a:p>
+          <a:p>
+            <a:endParaRPr sz="4000" b="1"/>
+          </a:p>
+        </p:txBody>
+      </p:sp>
+      <p:sp>
+        <p:nvSpPr>
+          <p:cNvPr id="68" name="Google Shape;68;p15"/>
+          <p:cNvSpPr txBox="1"/>
+          <p:nvPr/>
+        </p:nvSpPr>
+        <p:spPr>
+          <a:xfrm>
+            <a:off x="1032700" y="5525133"/>
+            <a:ext cx="10695200" cy="1071200"/>
+          </a:xfrm>
+          <a:prstGeom prst="rect">
+            <a:avLst/>
+          </a:prstGeom>
+          <a:noFill/>
+          <a:ln>
+            <a:noFill/>
+          </a:ln>
+        </p:spPr>
+        <p:txBody>
+          <a:bodyPr spcFirstLastPara="1" wrap="square" lIns="121900" tIns="121900" rIns="121900" bIns="121900" anchor="t" anchorCtr="0">
+            <a:noAutofit/>
+          </a:bodyPr>
+          <a:lstStyle/>
+          <a:p>
+            <a:r>
+              <a:rPr lang="ko" dirty="0">
+                <a:ea typeface="+mn-lt"/>
+                <a:cs typeface="+mn-lt"/>
+              </a:rPr>
+              <a:t>왜</a:t>
+            </a:r>
+            <a:r>
+              <a:rPr lang="ko" altLang="en-US" dirty="0">
+                <a:ea typeface="+mn-lt"/>
+                <a:cs typeface="+mn-lt"/>
+              </a:rPr>
+              <a:t> </a:t>
+            </a:r>
+            <a:r>
+              <a:rPr lang="ko" dirty="0">
+                <a:ea typeface="+mn-lt"/>
+                <a:cs typeface="+mn-lt"/>
+              </a:rPr>
+              <a:t>1</a:t>
+            </a:r>
+            <a:r>
+              <a:rPr lang="ko" altLang="en-US" dirty="0">
+                <a:ea typeface="+mn-lt"/>
+                <a:cs typeface="+mn-lt"/>
+              </a:rPr>
+              <a:t>인 가구와 </a:t>
+            </a:r>
+            <a:r>
+              <a:rPr lang="ko" dirty="0" err="1">
+                <a:ea typeface="+mn-lt"/>
+                <a:cs typeface="+mn-lt"/>
+              </a:rPr>
+              <a:t>확진자가</a:t>
+            </a:r>
+            <a:r>
+              <a:rPr lang="ko" altLang="en-US" dirty="0">
+                <a:ea typeface="+mn-lt"/>
+                <a:cs typeface="+mn-lt"/>
+              </a:rPr>
+              <a:t> 비례하지는 지</a:t>
+            </a:r>
+            <a:r>
+              <a:rPr lang="ko" dirty="0">
+                <a:ea typeface="+mn-lt"/>
+                <a:cs typeface="+mn-lt"/>
+              </a:rPr>
+              <a:t> 생각해보니</a:t>
+            </a:r>
+            <a:r>
+              <a:rPr lang="ko" altLang="en-US" dirty="0">
+                <a:ea typeface="+mn-lt"/>
+                <a:cs typeface="+mn-lt"/>
+              </a:rPr>
+              <a:t> </a:t>
+            </a:r>
+            <a:r>
+              <a:rPr lang="ko" dirty="0">
+                <a:ea typeface="+mn-lt"/>
+                <a:cs typeface="+mn-lt"/>
+              </a:rPr>
+              <a:t>1인 가구 중 </a:t>
+            </a:r>
+            <a:r>
+              <a:rPr lang="ko" dirty="0" err="1">
+                <a:ea typeface="+mn-lt"/>
+                <a:cs typeface="+mn-lt"/>
+              </a:rPr>
+              <a:t>확진자가</a:t>
+            </a:r>
+            <a:r>
+              <a:rPr lang="ko" dirty="0">
+                <a:ea typeface="+mn-lt"/>
+                <a:cs typeface="+mn-lt"/>
+              </a:rPr>
+              <a:t> </a:t>
+            </a:r>
+            <a:r>
+              <a:rPr lang="ko" dirty="0" err="1">
+                <a:ea typeface="+mn-lt"/>
+                <a:cs typeface="+mn-lt"/>
+              </a:rPr>
+              <a:t>많아서라고</a:t>
+            </a:r>
+            <a:r>
+              <a:rPr lang="ko" dirty="0">
+                <a:ea typeface="+mn-lt"/>
+                <a:cs typeface="+mn-lt"/>
+              </a:rPr>
+              <a:t> 생각합니다. </a:t>
+            </a:r>
+            <a:br>
+              <a:rPr lang="ko" dirty="0">
+                <a:ea typeface="+mn-lt"/>
+                <a:cs typeface="+mn-lt"/>
+              </a:rPr>
+            </a:br>
+            <a:br>
+              <a:rPr lang="ko" dirty="0">
+                <a:ea typeface="+mn-lt"/>
+                <a:cs typeface="+mn-lt"/>
+              </a:rPr>
+            </a:br>
+            <a:r>
+              <a:rPr lang="ko" dirty="0">
+                <a:ea typeface="+mn-lt"/>
+                <a:cs typeface="+mn-lt"/>
+              </a:rPr>
+              <a:t>왜</a:t>
+            </a:r>
+            <a:r>
+              <a:rPr lang="ko" altLang="en-US" dirty="0">
+                <a:ea typeface="+mn-lt"/>
+                <a:cs typeface="+mn-lt"/>
+              </a:rPr>
+              <a:t> </a:t>
+            </a:r>
+            <a:r>
+              <a:rPr lang="ko" dirty="0">
+                <a:ea typeface="+mn-lt"/>
+                <a:cs typeface="+mn-lt"/>
+              </a:rPr>
+              <a:t>1</a:t>
+            </a:r>
+            <a:r>
+              <a:rPr lang="ko" altLang="en-US" dirty="0">
+                <a:ea typeface="+mn-lt"/>
+                <a:cs typeface="+mn-lt"/>
+              </a:rPr>
+              <a:t>인 가구 </a:t>
+            </a:r>
+            <a:r>
+              <a:rPr lang="ko" dirty="0" err="1">
+                <a:ea typeface="+mn-lt"/>
+                <a:cs typeface="+mn-lt"/>
+              </a:rPr>
+              <a:t>확진자가</a:t>
+            </a:r>
+            <a:r>
+              <a:rPr lang="ko" dirty="0">
+                <a:ea typeface="+mn-lt"/>
+                <a:cs typeface="+mn-lt"/>
+              </a:rPr>
+              <a:t> </a:t>
+            </a:r>
+            <a:r>
+              <a:rPr lang="ko" dirty="0" err="1">
+                <a:ea typeface="+mn-lt"/>
+                <a:cs typeface="+mn-lt"/>
+              </a:rPr>
+              <a:t>많은지</a:t>
+            </a:r>
+            <a:r>
+              <a:rPr lang="ko" dirty="0">
+                <a:ea typeface="+mn-lt"/>
+                <a:cs typeface="+mn-lt"/>
+              </a:rPr>
+              <a:t> 알아보기 위해</a:t>
+            </a:r>
+            <a:r>
+              <a:rPr lang="ko" altLang="en-US" dirty="0">
+                <a:ea typeface="+mn-lt"/>
+                <a:cs typeface="+mn-lt"/>
+              </a:rPr>
+              <a:t> </a:t>
+            </a:r>
+            <a:r>
+              <a:rPr lang="ko" dirty="0">
+                <a:ea typeface="+mn-lt"/>
+                <a:cs typeface="+mn-lt"/>
+              </a:rPr>
+              <a:t>1</a:t>
+            </a:r>
+            <a:r>
+              <a:rPr lang="ko" altLang="en-US" dirty="0">
+                <a:ea typeface="+mn-lt"/>
+                <a:cs typeface="+mn-lt"/>
+              </a:rPr>
+              <a:t>인 가구 특성 중 </a:t>
+            </a:r>
+            <a:r>
+              <a:rPr lang="ko" dirty="0">
+                <a:ea typeface="+mn-lt"/>
+                <a:cs typeface="+mn-lt"/>
+              </a:rPr>
+              <a:t>여가활동 지출을 보면</a:t>
+            </a:r>
+            <a:r>
+              <a:rPr lang="ko" altLang="en-US" dirty="0">
+                <a:ea typeface="+mn-lt"/>
+                <a:cs typeface="+mn-lt"/>
+              </a:rPr>
+              <a:t> </a:t>
+            </a:r>
+            <a:endParaRPr lang="ko-KR" altLang="en-US"/>
+          </a:p>
+        </p:txBody>
+      </p:sp>
+    </p:spTree>
+    <p:extLst>
+      <p:ext uri="{BB962C8B-B14F-4D97-AF65-F5344CB8AC3E}">
+        <p14:creationId xmlns:p14="http://schemas.microsoft.com/office/powerpoint/2010/main" val="377664956"/>
+      </p:ext>
+    </p:extLst>
+  </p:cSld>
+  <p:clrMapOvr>
+    <a:masterClrMapping/>
+  </p:clrMapOvr>
+</p:sld>
+</file>
+
+<file path=ppt/slides/slide27.xml><?xml version="1.0" encoding="utf-8"?>
+<p:sld xmlns:a="http://schemas.openxmlformats.org/drawingml/2006/main" xmlns:r="http://schemas.openxmlformats.org/officeDocument/2006/relationships" xmlns:p="http://schemas.openxmlformats.org/presentationml/2006/main">
+  <p:cSld>
+    <p:spTree>
+      <p:nvGrpSpPr>
+        <p:cNvPr id="1" name="Shape 72"/>
+        <p:cNvGrpSpPr/>
+        <p:nvPr/>
+      </p:nvGrpSpPr>
+      <p:grpSpPr>
+        <a:xfrm>
+          <a:off x="0" y="0"/>
+          <a:ext cx="0" cy="0"/>
+          <a:chOff x="0" y="0"/>
+          <a:chExt cx="0" cy="0"/>
+        </a:xfrm>
+      </p:grpSpPr>
+      <p:pic>
+        <p:nvPicPr>
+          <p:cNvPr id="73" name="Google Shape;73;p16"/>
+          <p:cNvPicPr preferRelativeResize="0"/>
+          <p:nvPr/>
+        </p:nvPicPr>
+        <p:blipFill>
+          <a:blip r:embed="rId3">
+            <a:alphaModFix/>
+          </a:blip>
+          <a:stretch>
+            <a:fillRect/>
+          </a:stretch>
+        </p:blipFill>
+        <p:spPr>
+          <a:xfrm>
+            <a:off x="201700" y="869033"/>
+            <a:ext cx="7622968" cy="5715000"/>
+          </a:xfrm>
+          <a:prstGeom prst="rect">
+            <a:avLst/>
+          </a:prstGeom>
+          <a:noFill/>
+          <a:ln>
+            <a:noFill/>
+          </a:ln>
+        </p:spPr>
+      </p:pic>
+      <p:sp>
+        <p:nvSpPr>
+          <p:cNvPr id="74" name="Google Shape;74;p16"/>
+          <p:cNvSpPr txBox="1"/>
+          <p:nvPr/>
+        </p:nvSpPr>
+        <p:spPr>
+          <a:xfrm>
+            <a:off x="1244000" y="378400"/>
+            <a:ext cx="4975200" cy="874000"/>
+          </a:xfrm>
+          <a:prstGeom prst="rect">
+            <a:avLst/>
+          </a:prstGeom>
+          <a:noFill/>
+          <a:ln>
+            <a:noFill/>
+          </a:ln>
+        </p:spPr>
+        <p:txBody>
+          <a:bodyPr spcFirstLastPara="1" wrap="square" lIns="121900" tIns="121900" rIns="121900" bIns="121900" anchor="t" anchorCtr="0">
+            <a:noAutofit/>
+          </a:bodyPr>
+          <a:lstStyle/>
+          <a:p>
+            <a:r>
+              <a:rPr lang="en-US" altLang="ko" sz="4000" b="1"/>
+              <a:t>3.</a:t>
+            </a:r>
+            <a:r>
+              <a:rPr lang="ko" altLang="en-US" sz="3100" b="1">
+                <a:solidFill>
+                  <a:schemeClr val="dk1"/>
+                </a:solidFill>
+                <a:latin typeface="Malgun Gothic"/>
+                <a:ea typeface="Malgun Gothic"/>
+                <a:cs typeface="Malgun Gothic"/>
+                <a:sym typeface="Malgun Gothic"/>
+              </a:rPr>
+              <a:t> 특성 </a:t>
+            </a:r>
+            <a:endParaRPr sz="3100" b="1">
+              <a:solidFill>
+                <a:schemeClr val="dk1"/>
+              </a:solidFill>
+              <a:latin typeface="Malgun Gothic"/>
+              <a:ea typeface="Malgun Gothic"/>
+              <a:cs typeface="Malgun Gothic"/>
+              <a:sym typeface="Malgun Gothic"/>
+            </a:endParaRPr>
+          </a:p>
+          <a:p>
+            <a:endParaRPr sz="4000" b="1"/>
+          </a:p>
+        </p:txBody>
+      </p:sp>
+      <p:sp>
+        <p:nvSpPr>
+          <p:cNvPr id="75" name="Google Shape;75;p16"/>
+          <p:cNvSpPr txBox="1"/>
+          <p:nvPr/>
+        </p:nvSpPr>
+        <p:spPr>
+          <a:xfrm>
+            <a:off x="966667" y="1319700"/>
+            <a:ext cx="1412000" cy="310800"/>
+          </a:xfrm>
+          <a:prstGeom prst="rect">
+            <a:avLst/>
+          </a:prstGeom>
+          <a:noFill/>
+          <a:ln>
+            <a:noFill/>
+          </a:ln>
+        </p:spPr>
+        <p:txBody>
+          <a:bodyPr spcFirstLastPara="1" wrap="square" lIns="121900" tIns="121900" rIns="121900" bIns="121900" anchor="t" anchorCtr="0">
+            <a:noAutofit/>
+          </a:bodyPr>
+          <a:lstStyle/>
+          <a:p>
+            <a:endParaRPr/>
+          </a:p>
+        </p:txBody>
+      </p:sp>
+      <p:sp>
+        <p:nvSpPr>
+          <p:cNvPr id="76" name="Google Shape;76;p16"/>
+          <p:cNvSpPr txBox="1"/>
+          <p:nvPr/>
+        </p:nvSpPr>
+        <p:spPr>
+          <a:xfrm>
+            <a:off x="1151533" y="1409600"/>
+            <a:ext cx="1857200" cy="605200"/>
+          </a:xfrm>
+          <a:prstGeom prst="rect">
+            <a:avLst/>
+          </a:prstGeom>
+          <a:noFill/>
+          <a:ln>
+            <a:noFill/>
+          </a:ln>
+        </p:spPr>
+        <p:txBody>
+          <a:bodyPr spcFirstLastPara="1" wrap="square" lIns="121900" tIns="121900" rIns="121900" bIns="121900" anchor="t" anchorCtr="0">
+            <a:noAutofit/>
+          </a:bodyPr>
+          <a:lstStyle/>
+          <a:p>
+            <a:r>
+              <a:rPr lang="ko"/>
+              <a:t>여가 지출 비용</a:t>
+            </a:r>
+            <a:endParaRPr/>
+          </a:p>
+        </p:txBody>
+      </p:sp>
+      <p:sp>
+        <p:nvSpPr>
+          <p:cNvPr id="77" name="Google Shape;77;p16"/>
+          <p:cNvSpPr txBox="1"/>
+          <p:nvPr/>
+        </p:nvSpPr>
+        <p:spPr>
+          <a:xfrm>
+            <a:off x="7051433" y="2345067"/>
+            <a:ext cx="4975200" cy="2908000"/>
+          </a:xfrm>
+          <a:prstGeom prst="rect">
+            <a:avLst/>
+          </a:prstGeom>
+          <a:noFill/>
+          <a:ln>
+            <a:noFill/>
+          </a:ln>
+        </p:spPr>
+        <p:txBody>
+          <a:bodyPr spcFirstLastPara="1" wrap="square" lIns="121900" tIns="121900" rIns="121900" bIns="121900" anchor="t" anchorCtr="0">
+            <a:noAutofit/>
+          </a:bodyPr>
+          <a:lstStyle/>
+          <a:p>
+            <a:endParaRPr/>
+          </a:p>
+          <a:p>
+            <a:endParaRPr/>
+          </a:p>
+          <a:p>
+            <a:r>
+              <a:rPr lang="ko" dirty="0">
+                <a:ea typeface="+mn-lt"/>
+                <a:cs typeface="+mn-lt"/>
+              </a:rPr>
+              <a:t>1인 가구가 가구 원당 여가 지출 비용이 가장 </a:t>
+            </a:r>
+            <a:br>
+              <a:rPr lang="ko" dirty="0">
+                <a:ea typeface="+mn-lt"/>
+                <a:cs typeface="+mn-lt"/>
+              </a:rPr>
+            </a:br>
+            <a:r>
+              <a:rPr lang="ko" dirty="0">
+                <a:ea typeface="+mn-lt"/>
+                <a:cs typeface="+mn-lt"/>
+              </a:rPr>
+              <a:t>큰 것을 알 수 있습니다.</a:t>
+            </a:r>
+            <a:r>
+              <a:rPr lang="ko" altLang="en-US" dirty="0">
+                <a:ea typeface="+mn-lt"/>
+                <a:cs typeface="+mn-lt"/>
+              </a:rPr>
+              <a:t> </a:t>
+            </a:r>
+            <a:br>
+              <a:rPr lang="ko" altLang="en-US" dirty="0">
+                <a:ea typeface="+mn-lt"/>
+                <a:cs typeface="+mn-lt"/>
+              </a:rPr>
+            </a:br>
+            <a:br>
+              <a:rPr lang="ko" altLang="en-US" dirty="0">
+                <a:ea typeface="+mn-lt"/>
+                <a:cs typeface="+mn-lt"/>
+              </a:rPr>
+            </a:br>
+            <a:r>
+              <a:rPr lang="ko" altLang="en-US" dirty="0">
+                <a:ea typeface="+mn-lt"/>
+                <a:cs typeface="+mn-lt"/>
+              </a:rPr>
+              <a:t> </a:t>
+            </a:r>
+            <a:br>
+              <a:rPr lang="ko" altLang="en-US" dirty="0">
+                <a:ea typeface="+mn-lt"/>
+                <a:cs typeface="+mn-lt"/>
+              </a:rPr>
+            </a:br>
+            <a:br>
+              <a:rPr lang="ko" altLang="en-US" dirty="0">
+                <a:ea typeface="+mn-lt"/>
+                <a:cs typeface="+mn-lt"/>
+              </a:rPr>
+            </a:br>
+            <a:r>
+              <a:rPr lang="ko" altLang="en-US" dirty="0">
+                <a:ea typeface="+mn-lt"/>
+                <a:cs typeface="+mn-lt"/>
+              </a:rPr>
+              <a:t>여가 지출 비용에 </a:t>
+            </a:r>
+            <a:r>
+              <a:rPr lang="ko" altLang="en-US" dirty="0" err="1">
+                <a:ea typeface="+mn-lt"/>
+                <a:cs typeface="+mn-lt"/>
+              </a:rPr>
+              <a:t>비대면</a:t>
+            </a:r>
+            <a:r>
+              <a:rPr lang="ko" altLang="en-US" dirty="0">
+                <a:ea typeface="+mn-lt"/>
+                <a:cs typeface="+mn-lt"/>
+              </a:rPr>
+              <a:t> 활동도 포함됩니다.  </a:t>
+            </a:r>
+            <a:r>
+              <a:rPr lang="ko" altLang="en-US" dirty="0" err="1">
+                <a:ea typeface="+mn-lt"/>
+                <a:cs typeface="+mn-lt"/>
+              </a:rPr>
+              <a:t>비대면</a:t>
+            </a:r>
+            <a:r>
+              <a:rPr lang="ko" altLang="en-US" dirty="0">
+                <a:ea typeface="+mn-lt"/>
+                <a:cs typeface="+mn-lt"/>
+              </a:rPr>
+              <a:t> 활동을 걸러낸 수치를 만들기 위해 여가활동 분포를 보겠습니다.</a:t>
+            </a:r>
+            <a:endParaRPr lang="en-US" altLang="ko" dirty="0">
+              <a:ea typeface="+mn-lt"/>
+              <a:cs typeface="+mn-lt"/>
+            </a:endParaRPr>
+          </a:p>
+        </p:txBody>
+      </p:sp>
+    </p:spTree>
+    <p:extLst>
+      <p:ext uri="{BB962C8B-B14F-4D97-AF65-F5344CB8AC3E}">
+        <p14:creationId xmlns:p14="http://schemas.microsoft.com/office/powerpoint/2010/main" val="3355724664"/>
+      </p:ext>
+    </p:extLst>
+  </p:cSld>
+  <p:clrMapOvr>
+    <a:masterClrMapping/>
+  </p:clrMapOvr>
+</p:sld>
+</file>
+
+<file path=ppt/slides/slide28.xml><?xml version="1.0" encoding="utf-8"?>
+<p:sld xmlns:a="http://schemas.openxmlformats.org/drawingml/2006/main" xmlns:r="http://schemas.openxmlformats.org/officeDocument/2006/relationships" xmlns:p="http://schemas.openxmlformats.org/presentationml/2006/main">
+  <p:cSld>
+    <p:spTree>
+      <p:nvGrpSpPr>
+        <p:cNvPr id="1" name="Shape 81"/>
+        <p:cNvGrpSpPr/>
+        <p:nvPr/>
+      </p:nvGrpSpPr>
+      <p:grpSpPr>
+        <a:xfrm>
+          <a:off x="0" y="0"/>
+          <a:ext cx="0" cy="0"/>
+          <a:chOff x="0" y="0"/>
+          <a:chExt cx="0" cy="0"/>
+        </a:xfrm>
+      </p:grpSpPr>
+      <p:pic>
+        <p:nvPicPr>
+          <p:cNvPr id="82" name="Google Shape;82;p17"/>
+          <p:cNvPicPr preferRelativeResize="0"/>
+          <p:nvPr/>
+        </p:nvPicPr>
+        <p:blipFill rotWithShape="1">
+          <a:blip r:embed="rId3">
+            <a:alphaModFix/>
+          </a:blip>
+          <a:srcRect l="1830" t="-970" r="-1829" b="970"/>
+          <a:stretch/>
+        </p:blipFill>
+        <p:spPr>
+          <a:xfrm>
+            <a:off x="479234" y="674001"/>
+            <a:ext cx="11497233" cy="4326833"/>
+          </a:xfrm>
+          <a:prstGeom prst="rect">
+            <a:avLst/>
+          </a:prstGeom>
+          <a:noFill/>
+          <a:ln>
+            <a:noFill/>
+          </a:ln>
+        </p:spPr>
+      </p:pic>
+      <p:sp>
+        <p:nvSpPr>
+          <p:cNvPr id="83" name="Google Shape;83;p17"/>
+          <p:cNvSpPr txBox="1"/>
+          <p:nvPr/>
+        </p:nvSpPr>
+        <p:spPr>
+          <a:xfrm>
+            <a:off x="1244000" y="378400"/>
+            <a:ext cx="4975200" cy="874000"/>
+          </a:xfrm>
+          <a:prstGeom prst="rect">
+            <a:avLst/>
+          </a:prstGeom>
+          <a:noFill/>
+          <a:ln>
+            <a:noFill/>
+          </a:ln>
+        </p:spPr>
+        <p:txBody>
+          <a:bodyPr spcFirstLastPara="1" wrap="square" lIns="121900" tIns="121900" rIns="121900" bIns="121900" anchor="t" anchorCtr="0">
+            <a:noAutofit/>
+          </a:bodyPr>
+          <a:lstStyle/>
+          <a:p>
+            <a:r>
+              <a:rPr lang="en-US" altLang="ko" sz="4000" b="1"/>
+              <a:t>3.</a:t>
+            </a:r>
+            <a:r>
+              <a:rPr lang="ko" altLang="en-US" sz="3100" b="1">
+                <a:solidFill>
+                  <a:schemeClr val="dk1"/>
+                </a:solidFill>
+                <a:latin typeface="Malgun Gothic"/>
+                <a:ea typeface="Malgun Gothic"/>
+                <a:cs typeface="Malgun Gothic"/>
+                <a:sym typeface="Malgun Gothic"/>
+              </a:rPr>
+              <a:t> 특성 </a:t>
+            </a:r>
+            <a:endParaRPr sz="3100" b="1">
+              <a:solidFill>
+                <a:schemeClr val="dk1"/>
+              </a:solidFill>
+              <a:latin typeface="Malgun Gothic"/>
+              <a:ea typeface="Malgun Gothic"/>
+              <a:cs typeface="Malgun Gothic"/>
+              <a:sym typeface="Malgun Gothic"/>
+            </a:endParaRPr>
+          </a:p>
+          <a:p>
+            <a:endParaRPr sz="4000" b="1"/>
+          </a:p>
+        </p:txBody>
+      </p:sp>
+      <p:sp>
+        <p:nvSpPr>
+          <p:cNvPr id="84" name="Google Shape;84;p17"/>
+          <p:cNvSpPr txBox="1"/>
+          <p:nvPr/>
+        </p:nvSpPr>
+        <p:spPr>
+          <a:xfrm>
+            <a:off x="622100" y="5110100"/>
+            <a:ext cx="11463600" cy="1630400"/>
+          </a:xfrm>
+          <a:prstGeom prst="rect">
+            <a:avLst/>
+          </a:prstGeom>
+          <a:noFill/>
+          <a:ln>
+            <a:noFill/>
+          </a:ln>
+        </p:spPr>
+        <p:txBody>
+          <a:bodyPr spcFirstLastPara="1" wrap="square" lIns="121900" tIns="121900" rIns="121900" bIns="121900" anchor="t" anchorCtr="0">
+            <a:noAutofit/>
+          </a:bodyPr>
+          <a:lstStyle/>
+          <a:p>
+            <a:r>
+              <a:rPr lang="ko" altLang="en-US" sz="2000" dirty="0">
+                <a:ea typeface="맑은 고딕"/>
+              </a:rPr>
+              <a:t>여가활동 분포도를 본 결과</a:t>
+            </a:r>
+            <a:endParaRPr sz="2000" dirty="0">
+              <a:ea typeface="맑은 고딕"/>
+            </a:endParaRPr>
+          </a:p>
+          <a:p>
+            <a:r>
+              <a:rPr lang="ko" altLang="en-US" sz="2000" dirty="0" err="1">
+                <a:solidFill>
+                  <a:schemeClr val="dk1"/>
+                </a:solidFill>
+                <a:ea typeface="맑은 고딕"/>
+              </a:rPr>
+              <a:t>비대면</a:t>
+            </a:r>
+            <a:r>
+              <a:rPr lang="ko" altLang="en-US" sz="2000" dirty="0">
+                <a:solidFill>
+                  <a:schemeClr val="dk1"/>
+                </a:solidFill>
+                <a:ea typeface="맑은 고딕"/>
+              </a:rPr>
+              <a:t> 활동</a:t>
+            </a:r>
+            <a:endParaRPr sz="2000" dirty="0">
+              <a:solidFill>
+                <a:schemeClr val="dk1"/>
+              </a:solidFill>
+              <a:ea typeface="맑은 고딕"/>
+            </a:endParaRPr>
+          </a:p>
+          <a:p>
+            <a:pPr>
+              <a:buClr>
+                <a:schemeClr val="dk1"/>
+              </a:buClr>
+              <a:buSzPts val="1100"/>
+            </a:pPr>
+            <a:r>
+              <a:rPr lang="ko" altLang="en-US" sz="1600" dirty="0">
+                <a:solidFill>
+                  <a:schemeClr val="dk1"/>
+                </a:solidFill>
+                <a:ea typeface="맑은 고딕"/>
+              </a:rPr>
+              <a:t> </a:t>
+            </a:r>
+            <a:r>
+              <a:rPr lang="en-US" altLang="ko" sz="1300" dirty="0">
+                <a:solidFill>
+                  <a:schemeClr val="dk1"/>
+                </a:solidFill>
+                <a:ea typeface="맑은 고딕"/>
+              </a:rPr>
+              <a:t>'</a:t>
+            </a:r>
+            <a:r>
+              <a:rPr lang="ko" altLang="en-US" sz="1300" dirty="0">
+                <a:solidFill>
+                  <a:schemeClr val="dk1"/>
+                </a:solidFill>
+                <a:ea typeface="맑은 고딕"/>
+              </a:rPr>
+              <a:t>인터넷검색</a:t>
+            </a:r>
+            <a:r>
+              <a:rPr lang="en-US" altLang="ko" sz="1300" dirty="0">
+                <a:solidFill>
+                  <a:schemeClr val="dk1"/>
+                </a:solidFill>
+                <a:ea typeface="맑은 고딕"/>
+              </a:rPr>
+              <a:t>/</a:t>
+            </a:r>
+            <a:r>
+              <a:rPr lang="ko" altLang="en-US" sz="1300" dirty="0">
+                <a:solidFill>
+                  <a:schemeClr val="dk1"/>
+                </a:solidFill>
+                <a:ea typeface="맑은 고딕"/>
+              </a:rPr>
+              <a:t>채팅</a:t>
+            </a:r>
+            <a:r>
+              <a:rPr lang="en-US" altLang="ko" sz="1300" dirty="0">
+                <a:solidFill>
+                  <a:schemeClr val="dk1"/>
+                </a:solidFill>
+                <a:ea typeface="맑은 고딕"/>
+              </a:rPr>
+              <a:t>/1</a:t>
+            </a:r>
+            <a:r>
+              <a:rPr lang="ko" altLang="en-US" sz="1300" dirty="0">
+                <a:solidFill>
+                  <a:schemeClr val="dk1"/>
+                </a:solidFill>
+                <a:ea typeface="맑은 고딕"/>
+              </a:rPr>
+              <a:t>인 미디어 제작</a:t>
+            </a:r>
+            <a:r>
+              <a:rPr lang="en-US" altLang="ko" sz="1300" dirty="0">
+                <a:solidFill>
+                  <a:schemeClr val="dk1"/>
+                </a:solidFill>
+                <a:ea typeface="맑은 고딕"/>
+              </a:rPr>
+              <a:t>/SNS', '</a:t>
+            </a:r>
+            <a:r>
+              <a:rPr lang="ko" altLang="en-US" sz="1300" dirty="0">
+                <a:solidFill>
+                  <a:schemeClr val="dk1"/>
+                </a:solidFill>
+                <a:ea typeface="맑은 고딕"/>
+              </a:rPr>
+              <a:t>게임</a:t>
+            </a:r>
+            <a:r>
+              <a:rPr lang="en-US" altLang="ko" sz="1300" dirty="0">
+                <a:solidFill>
+                  <a:schemeClr val="dk1"/>
+                </a:solidFill>
+                <a:ea typeface="맑은 고딕"/>
+              </a:rPr>
+              <a:t>', '</a:t>
+            </a:r>
+            <a:r>
+              <a:rPr lang="ko" altLang="en-US" sz="1300" dirty="0">
+                <a:solidFill>
+                  <a:schemeClr val="dk1"/>
+                </a:solidFill>
+                <a:ea typeface="맑은 고딕"/>
+              </a:rPr>
+              <a:t>독서</a:t>
+            </a:r>
+            <a:r>
+              <a:rPr lang="en-US" altLang="ko" sz="1300" dirty="0">
+                <a:solidFill>
+                  <a:schemeClr val="dk1"/>
+                </a:solidFill>
+                <a:ea typeface="맑은 고딕"/>
+              </a:rPr>
+              <a:t>(</a:t>
+            </a:r>
+            <a:r>
+              <a:rPr lang="ko" altLang="en-US" sz="1300" dirty="0" err="1">
+                <a:solidFill>
+                  <a:schemeClr val="dk1"/>
+                </a:solidFill>
+                <a:ea typeface="맑은 고딕"/>
+              </a:rPr>
+              <a:t>웹소설</a:t>
+            </a:r>
+            <a:r>
+              <a:rPr lang="ko" altLang="en-US" sz="1300" dirty="0">
+                <a:solidFill>
+                  <a:schemeClr val="dk1"/>
+                </a:solidFill>
+                <a:ea typeface="맑은 고딕"/>
+              </a:rPr>
+              <a:t> 포함</a:t>
+            </a:r>
+            <a:r>
+              <a:rPr lang="en-US" altLang="ko" sz="1300" dirty="0">
+                <a:solidFill>
+                  <a:schemeClr val="dk1"/>
+                </a:solidFill>
+                <a:ea typeface="맑은 고딕"/>
+              </a:rPr>
+              <a:t>)', '</a:t>
+            </a:r>
+            <a:r>
+              <a:rPr lang="ko" altLang="en-US" sz="1300" dirty="0">
+                <a:solidFill>
+                  <a:schemeClr val="dk1"/>
+                </a:solidFill>
+                <a:ea typeface="맑은 고딕"/>
+              </a:rPr>
+              <a:t>요리하기</a:t>
+            </a:r>
+            <a:r>
+              <a:rPr lang="en-US" altLang="ko" sz="1300" dirty="0">
+                <a:solidFill>
+                  <a:schemeClr val="dk1"/>
+                </a:solidFill>
+                <a:ea typeface="맑은 고딕"/>
+              </a:rPr>
+              <a:t>/</a:t>
+            </a:r>
+            <a:r>
+              <a:rPr lang="ko" altLang="en-US" sz="1300" dirty="0">
+                <a:solidFill>
+                  <a:schemeClr val="dk1"/>
+                </a:solidFill>
+                <a:ea typeface="맑은 고딕"/>
+              </a:rPr>
+              <a:t>다도</a:t>
+            </a:r>
+            <a:r>
+              <a:rPr lang="en-US" altLang="ko" sz="1300" dirty="0">
+                <a:solidFill>
+                  <a:schemeClr val="dk1"/>
+                </a:solidFill>
+                <a:ea typeface="맑은 고딕"/>
+              </a:rPr>
+              <a:t>', '</a:t>
+            </a:r>
+            <a:r>
+              <a:rPr lang="ko" altLang="en-US" sz="1300" dirty="0">
+                <a:solidFill>
+                  <a:schemeClr val="dk1"/>
+                </a:solidFill>
+                <a:ea typeface="맑은 고딕"/>
+              </a:rPr>
+              <a:t>만화보기 </a:t>
+            </a:r>
+            <a:r>
+              <a:rPr lang="en-US" altLang="ko" sz="1300" dirty="0">
+                <a:solidFill>
+                  <a:schemeClr val="dk1"/>
+                </a:solidFill>
+                <a:ea typeface="맑은 고딕"/>
+              </a:rPr>
+              <a:t>(</a:t>
+            </a:r>
+            <a:r>
+              <a:rPr lang="ko" altLang="en-US" sz="1300" dirty="0">
+                <a:solidFill>
+                  <a:schemeClr val="dk1"/>
+                </a:solidFill>
+                <a:ea typeface="맑은 고딕"/>
+              </a:rPr>
+              <a:t>웹툰 포함</a:t>
+            </a:r>
+            <a:r>
+              <a:rPr lang="en-US" altLang="ko" sz="1300" dirty="0">
+                <a:solidFill>
+                  <a:schemeClr val="dk1"/>
+                </a:solidFill>
+                <a:ea typeface="맑은 고딕"/>
+              </a:rPr>
+              <a:t>)',</a:t>
+            </a:r>
+            <a:endParaRPr sz="1300" dirty="0">
+              <a:solidFill>
+                <a:schemeClr val="dk1"/>
+              </a:solidFill>
+              <a:ea typeface="맑은 고딕"/>
+            </a:endParaRPr>
+          </a:p>
+          <a:p>
+            <a:pPr>
+              <a:buClr>
+                <a:schemeClr val="dk1"/>
+              </a:buClr>
+              <a:buSzPts val="1100"/>
+            </a:pPr>
+            <a:r>
+              <a:rPr lang="ko" altLang="en-US" sz="1300" dirty="0">
+                <a:solidFill>
+                  <a:schemeClr val="dk1"/>
+                </a:solidFill>
+                <a:ea typeface="맑은 고딕"/>
+              </a:rPr>
+              <a:t> </a:t>
+            </a:r>
+            <a:r>
+              <a:rPr lang="en-US" altLang="ko" sz="1300" dirty="0">
+                <a:solidFill>
+                  <a:schemeClr val="dk1"/>
+                </a:solidFill>
+                <a:ea typeface="맑은 고딕"/>
+              </a:rPr>
+              <a:t>'</a:t>
+            </a:r>
+            <a:r>
+              <a:rPr lang="ko" altLang="en-US" sz="1300" dirty="0">
+                <a:solidFill>
+                  <a:schemeClr val="dk1"/>
+                </a:solidFill>
+                <a:ea typeface="맑은 고딕"/>
+              </a:rPr>
+              <a:t>원예</a:t>
+            </a:r>
+            <a:r>
+              <a:rPr lang="en-US" altLang="ko" sz="1300" dirty="0">
+                <a:solidFill>
+                  <a:schemeClr val="dk1"/>
+                </a:solidFill>
+                <a:ea typeface="맑은 고딕"/>
+              </a:rPr>
+              <a:t>', '15</a:t>
+            </a:r>
+            <a:r>
+              <a:rPr lang="ko" altLang="en-US" sz="1300" dirty="0">
+                <a:solidFill>
+                  <a:schemeClr val="dk1"/>
+                </a:solidFill>
+                <a:ea typeface="맑은 고딕"/>
+              </a:rPr>
+              <a:t>바둑 장기 체스</a:t>
+            </a:r>
+            <a:r>
+              <a:rPr lang="en-US" altLang="ko" sz="1300" dirty="0">
+                <a:solidFill>
+                  <a:schemeClr val="dk1"/>
+                </a:solidFill>
+                <a:ea typeface="맑은 고딕"/>
+              </a:rPr>
+              <a:t>', '</a:t>
+            </a:r>
+            <a:r>
+              <a:rPr lang="ko" altLang="en-US" sz="1300" dirty="0" err="1">
+                <a:solidFill>
+                  <a:schemeClr val="dk1"/>
+                </a:solidFill>
+                <a:ea typeface="맑은 고딕"/>
+              </a:rPr>
+              <a:t>보드게임퍼즐큐브</a:t>
+            </a:r>
+            <a:r>
+              <a:rPr lang="ko" altLang="en-US" sz="1300" dirty="0">
+                <a:solidFill>
+                  <a:schemeClr val="dk1"/>
+                </a:solidFill>
+                <a:ea typeface="맑은 고딕"/>
+              </a:rPr>
+              <a:t> 맞추기</a:t>
+            </a:r>
+            <a:r>
+              <a:rPr lang="en-US" altLang="ko" sz="1300" dirty="0">
+                <a:solidFill>
+                  <a:schemeClr val="dk1"/>
+                </a:solidFill>
+                <a:ea typeface="맑은 고딕"/>
+              </a:rPr>
+              <a:t>',  '20</a:t>
+            </a:r>
+            <a:r>
+              <a:rPr lang="ko" altLang="en-US" sz="1300" dirty="0">
+                <a:solidFill>
+                  <a:schemeClr val="dk1"/>
+                </a:solidFill>
+                <a:ea typeface="맑은 고딕"/>
+              </a:rPr>
+              <a:t>홈페이지</a:t>
+            </a:r>
+            <a:r>
+              <a:rPr lang="en-US" altLang="ko" sz="1300" dirty="0">
+                <a:solidFill>
+                  <a:schemeClr val="dk1"/>
+                </a:solidFill>
+                <a:ea typeface="맑은 고딕"/>
+              </a:rPr>
+              <a:t>/</a:t>
+            </a:r>
+            <a:r>
+              <a:rPr lang="ko" altLang="en-US" sz="1300" dirty="0">
+                <a:solidFill>
+                  <a:schemeClr val="dk1"/>
+                </a:solidFill>
+                <a:ea typeface="맑은 고딕"/>
+              </a:rPr>
+              <a:t>블로그관리</a:t>
+            </a:r>
+            <a:r>
+              <a:rPr lang="en-US" altLang="ko" sz="1300" dirty="0">
+                <a:solidFill>
+                  <a:schemeClr val="dk1"/>
+                </a:solidFill>
+                <a:ea typeface="맑은 고딕"/>
+              </a:rPr>
+              <a:t>' </a:t>
+            </a:r>
+            <a:r>
+              <a:rPr lang="ko" altLang="en-US" sz="1600" dirty="0">
+                <a:solidFill>
+                  <a:schemeClr val="dk1"/>
+                </a:solidFill>
+                <a:ea typeface="맑은 고딕"/>
+              </a:rPr>
+              <a:t> </a:t>
+            </a:r>
+            <a:r>
+              <a:rPr lang="ko" altLang="en-US" sz="2000" dirty="0">
+                <a:solidFill>
+                  <a:schemeClr val="dk1"/>
+                </a:solidFill>
+                <a:ea typeface="맑은 고딕"/>
+              </a:rPr>
+              <a:t>과 나머지로 대면 활동 분류 했습니다</a:t>
+            </a:r>
+            <a:r>
+              <a:rPr lang="en-US" altLang="ko" sz="2000" dirty="0">
+                <a:solidFill>
+                  <a:schemeClr val="dk1"/>
+                </a:solidFill>
+                <a:ea typeface="맑은 고딕"/>
+              </a:rPr>
+              <a:t>.</a:t>
+            </a:r>
+            <a:endParaRPr sz="2000" dirty="0">
+              <a:solidFill>
+                <a:schemeClr val="dk1"/>
+              </a:solidFill>
+              <a:ea typeface="맑은 고딕"/>
+            </a:endParaRPr>
+          </a:p>
+          <a:p>
+            <a:pPr>
+              <a:buClr>
+                <a:schemeClr val="dk1"/>
+              </a:buClr>
+              <a:buSzPts val="1100"/>
+            </a:pPr>
+            <a:endParaRPr sz="2000">
+              <a:solidFill>
+                <a:schemeClr val="dk1"/>
+              </a:solidFill>
+            </a:endParaRPr>
+          </a:p>
+          <a:p>
+            <a:endParaRPr/>
+          </a:p>
+          <a:p>
+            <a:endParaRPr/>
+          </a:p>
+        </p:txBody>
+      </p:sp>
+    </p:spTree>
+    <p:extLst>
+      <p:ext uri="{BB962C8B-B14F-4D97-AF65-F5344CB8AC3E}">
+        <p14:creationId xmlns:p14="http://schemas.microsoft.com/office/powerpoint/2010/main" val="2082780049"/>
+      </p:ext>
+    </p:extLst>
+  </p:cSld>
+  <p:clrMapOvr>
+    <a:masterClrMapping/>
+  </p:clrMapOvr>
+</p:sld>
+</file>
+
+<file path=ppt/slides/slide29.xml><?xml version="1.0" encoding="utf-8"?>
+<p:sld xmlns:a="http://schemas.openxmlformats.org/drawingml/2006/main" xmlns:r="http://schemas.openxmlformats.org/officeDocument/2006/relationships" xmlns:p="http://schemas.openxmlformats.org/presentationml/2006/main">
+  <p:cSld>
+    <p:spTree>
+      <p:nvGrpSpPr>
+        <p:cNvPr id="1" name="Shape 88"/>
+        <p:cNvGrpSpPr/>
+        <p:nvPr/>
+      </p:nvGrpSpPr>
+      <p:grpSpPr>
+        <a:xfrm>
+          <a:off x="0" y="0"/>
+          <a:ext cx="0" cy="0"/>
+          <a:chOff x="0" y="0"/>
+          <a:chExt cx="0" cy="0"/>
+        </a:xfrm>
+      </p:grpSpPr>
+      <p:pic>
+        <p:nvPicPr>
+          <p:cNvPr id="89" name="Google Shape;89;p18"/>
+          <p:cNvPicPr preferRelativeResize="0"/>
+          <p:nvPr/>
+        </p:nvPicPr>
+        <p:blipFill>
+          <a:blip r:embed="rId3">
+            <a:alphaModFix/>
+          </a:blip>
+          <a:stretch>
+            <a:fillRect/>
+          </a:stretch>
+        </p:blipFill>
+        <p:spPr>
+          <a:xfrm>
+            <a:off x="4104367" y="266167"/>
+            <a:ext cx="8087644" cy="5199200"/>
+          </a:xfrm>
+          <a:prstGeom prst="rect">
+            <a:avLst/>
+          </a:prstGeom>
+          <a:noFill/>
+          <a:ln>
+            <a:noFill/>
+          </a:ln>
+        </p:spPr>
+      </p:pic>
+      <p:sp>
+        <p:nvSpPr>
+          <p:cNvPr id="90" name="Google Shape;90;p18"/>
+          <p:cNvSpPr txBox="1"/>
+          <p:nvPr/>
+        </p:nvSpPr>
+        <p:spPr>
+          <a:xfrm>
+            <a:off x="1244000" y="378400"/>
+            <a:ext cx="4975200" cy="874000"/>
+          </a:xfrm>
+          <a:prstGeom prst="rect">
+            <a:avLst/>
+          </a:prstGeom>
+          <a:noFill/>
+          <a:ln>
+            <a:noFill/>
+          </a:ln>
+        </p:spPr>
+        <p:txBody>
+          <a:bodyPr spcFirstLastPara="1" wrap="square" lIns="121900" tIns="121900" rIns="121900" bIns="121900" anchor="t" anchorCtr="0">
+            <a:noAutofit/>
+          </a:bodyPr>
+          <a:lstStyle/>
+          <a:p>
+            <a:r>
+              <a:rPr lang="en-US" altLang="ko" sz="4000" b="1"/>
+              <a:t>3.</a:t>
+            </a:r>
+            <a:r>
+              <a:rPr lang="ko" altLang="en-US" sz="3100" b="1">
+                <a:solidFill>
+                  <a:schemeClr val="dk1"/>
+                </a:solidFill>
+                <a:latin typeface="Malgun Gothic"/>
+                <a:ea typeface="Malgun Gothic"/>
+                <a:cs typeface="Malgun Gothic"/>
+                <a:sym typeface="Malgun Gothic"/>
+              </a:rPr>
+              <a:t> 특성 </a:t>
+            </a:r>
+            <a:endParaRPr sz="3100" b="1">
+              <a:solidFill>
+                <a:schemeClr val="dk1"/>
+              </a:solidFill>
+              <a:latin typeface="Malgun Gothic"/>
+              <a:ea typeface="Malgun Gothic"/>
+              <a:cs typeface="Malgun Gothic"/>
+              <a:sym typeface="Malgun Gothic"/>
+            </a:endParaRPr>
+          </a:p>
+          <a:p>
+            <a:endParaRPr sz="4000" b="1"/>
+          </a:p>
+        </p:txBody>
+      </p:sp>
+      <p:pic>
+        <p:nvPicPr>
+          <p:cNvPr id="91" name="Google Shape;91;p18"/>
+          <p:cNvPicPr preferRelativeResize="0"/>
+          <p:nvPr/>
+        </p:nvPicPr>
+        <p:blipFill>
+          <a:blip r:embed="rId4">
+            <a:alphaModFix/>
+          </a:blip>
+          <a:stretch>
+            <a:fillRect/>
+          </a:stretch>
+        </p:blipFill>
+        <p:spPr>
+          <a:xfrm>
+            <a:off x="569911" y="1252400"/>
+            <a:ext cx="3494756" cy="3661173"/>
+          </a:xfrm>
+          <a:prstGeom prst="rect">
+            <a:avLst/>
+          </a:prstGeom>
+          <a:noFill/>
+          <a:ln>
+            <a:noFill/>
+          </a:ln>
+        </p:spPr>
+      </p:pic>
+      <p:sp>
+        <p:nvSpPr>
+          <p:cNvPr id="92" name="Google Shape;92;p18"/>
+          <p:cNvSpPr txBox="1"/>
+          <p:nvPr/>
+        </p:nvSpPr>
+        <p:spPr>
+          <a:xfrm>
+            <a:off x="193433" y="4950400"/>
+            <a:ext cx="12094000" cy="1739600"/>
+          </a:xfrm>
+          <a:prstGeom prst="rect">
+            <a:avLst/>
+          </a:prstGeom>
+          <a:noFill/>
+          <a:ln>
+            <a:noFill/>
+          </a:ln>
+        </p:spPr>
+        <p:txBody>
+          <a:bodyPr spcFirstLastPara="1" wrap="square" lIns="121900" tIns="121900" rIns="121900" bIns="121900" anchor="t" anchorCtr="0">
+            <a:noAutofit/>
+          </a:bodyPr>
+          <a:lstStyle/>
+          <a:p>
+            <a:r>
+              <a:rPr lang="ko" dirty="0">
+                <a:solidFill>
+                  <a:schemeClr val="dk1"/>
+                </a:solidFill>
+                <a:ea typeface="맑은 고딕"/>
+              </a:rPr>
+              <a:t>대면</a:t>
+            </a:r>
+            <a:r>
+              <a:rPr lang="en-US" altLang="ko" dirty="0">
+                <a:solidFill>
+                  <a:schemeClr val="dk1"/>
+                </a:solidFill>
+                <a:ea typeface="맑은 고딕"/>
+              </a:rPr>
+              <a:t>,</a:t>
+            </a:r>
+            <a:r>
+              <a:rPr lang="ko" altLang="en-US" dirty="0">
+                <a:solidFill>
+                  <a:schemeClr val="dk1"/>
+                </a:solidFill>
+                <a:ea typeface="맑은 고딕"/>
+              </a:rPr>
+              <a:t> </a:t>
+            </a:r>
+            <a:r>
+              <a:rPr lang="ko" dirty="0" err="1">
+                <a:solidFill>
+                  <a:schemeClr val="dk1"/>
+                </a:solidFill>
+                <a:ea typeface="맑은 고딕"/>
+              </a:rPr>
+              <a:t>비대면활동</a:t>
+            </a:r>
+            <a:r>
+              <a:rPr lang="ko" dirty="0">
+                <a:solidFill>
+                  <a:schemeClr val="dk1"/>
+                </a:solidFill>
+                <a:ea typeface="맑은 고딕"/>
+              </a:rPr>
+              <a:t> 수치를 비율로 만들어 보니 62대 38이 나왔고 가구별 여가지출에 </a:t>
+            </a:r>
+            <a:r>
+              <a:rPr lang="ko" altLang="en-US" dirty="0">
+                <a:solidFill>
+                  <a:schemeClr val="dk1"/>
+                </a:solidFill>
+                <a:ea typeface="맑은 고딕"/>
+              </a:rPr>
+              <a:t>대입시켜 </a:t>
+            </a:r>
+            <a:r>
+              <a:rPr lang="ko" dirty="0">
+                <a:solidFill>
+                  <a:schemeClr val="dk1"/>
+                </a:solidFill>
+                <a:ea typeface="맑은 고딕"/>
+              </a:rPr>
+              <a:t> </a:t>
+            </a:r>
+            <a:r>
+              <a:rPr lang="ko" altLang="en-US" dirty="0" err="1">
+                <a:ea typeface="맑은 고딕"/>
+              </a:rPr>
+              <a:t>비대면</a:t>
+            </a:r>
+            <a:r>
+              <a:rPr lang="ko" altLang="en-US" dirty="0">
+                <a:ea typeface="맑은 고딕"/>
+              </a:rPr>
+              <a:t> 활동을 걸러낸 수치를 만들어</a:t>
+            </a:r>
+            <a:r>
+              <a:rPr lang="ko" altLang="en-US" dirty="0">
+                <a:solidFill>
+                  <a:schemeClr val="dk1"/>
+                </a:solidFill>
+                <a:ea typeface="맑은 고딕"/>
+              </a:rPr>
+              <a:t> 보니 </a:t>
+            </a:r>
+            <a:endParaRPr dirty="0">
+              <a:solidFill>
+                <a:schemeClr val="dk1"/>
+              </a:solidFill>
+            </a:endParaRPr>
+          </a:p>
+          <a:p>
+            <a:r>
+              <a:rPr lang="ko" dirty="0" err="1">
+                <a:solidFill>
+                  <a:schemeClr val="dk1"/>
+                </a:solidFill>
+                <a:ea typeface="맑은 고딕"/>
+              </a:rPr>
+              <a:t>비대면</a:t>
+            </a:r>
+            <a:r>
+              <a:rPr lang="ko" dirty="0">
+                <a:solidFill>
+                  <a:schemeClr val="dk1"/>
+                </a:solidFill>
+                <a:ea typeface="맑은 고딕"/>
+              </a:rPr>
+              <a:t> 여가생활을 걸러내도 1인가구의 여가생활 지출이 가장 큰 것을 </a:t>
+            </a:r>
+            <a:r>
+              <a:rPr lang="ko" altLang="en-US" dirty="0">
+                <a:solidFill>
+                  <a:schemeClr val="dk1"/>
+                </a:solidFill>
+                <a:ea typeface="맑은 고딕"/>
+              </a:rPr>
+              <a:t>알 수</a:t>
+            </a:r>
+            <a:r>
+              <a:rPr lang="ko" dirty="0">
+                <a:solidFill>
+                  <a:schemeClr val="dk1"/>
+                </a:solidFill>
+                <a:ea typeface="맑은 고딕"/>
+              </a:rPr>
+              <a:t> 있습니다.</a:t>
+            </a:r>
+            <a:endParaRPr>
+              <a:solidFill>
+                <a:schemeClr val="dk1"/>
+              </a:solidFill>
+              <a:ea typeface="맑은 고딕"/>
+            </a:endParaRPr>
+          </a:p>
+          <a:p>
+            <a:r>
+              <a:rPr lang="ko" dirty="0">
+                <a:solidFill>
+                  <a:schemeClr val="dk1"/>
+                </a:solidFill>
+                <a:ea typeface="맑은 고딕"/>
+              </a:rPr>
+              <a:t>고로 1인 가구가 여가생활을 많이 하고</a:t>
+            </a:r>
+            <a:r>
+              <a:rPr lang="ko" altLang="en-US" dirty="0">
+                <a:solidFill>
+                  <a:schemeClr val="dk1"/>
+                </a:solidFill>
+                <a:ea typeface="맑은 고딕"/>
+              </a:rPr>
+              <a:t> </a:t>
+            </a:r>
+            <a:endParaRPr>
+              <a:solidFill>
+                <a:schemeClr val="dk1"/>
+              </a:solidFill>
+            </a:endParaRPr>
+          </a:p>
+          <a:p>
+            <a:r>
+              <a:rPr lang="ko" dirty="0">
+                <a:solidFill>
+                  <a:schemeClr val="dk1"/>
+                </a:solidFill>
+                <a:ea typeface="맑은 고딕"/>
+              </a:rPr>
+              <a:t>활동량이 커지면서 </a:t>
+            </a:r>
+            <a:r>
+              <a:rPr lang="ko" dirty="0" err="1">
+                <a:solidFill>
+                  <a:schemeClr val="dk1"/>
+                </a:solidFill>
+                <a:ea typeface="맑은 고딕"/>
+              </a:rPr>
+              <a:t>확진자</a:t>
+            </a:r>
+            <a:r>
+              <a:rPr lang="ko" dirty="0">
+                <a:solidFill>
+                  <a:schemeClr val="dk1"/>
+                </a:solidFill>
+                <a:ea typeface="맑은 고딕"/>
+              </a:rPr>
+              <a:t> 수에 영향을 끼치고 </a:t>
+            </a:r>
+            <a:r>
+              <a:rPr lang="ko" dirty="0" err="1">
+                <a:solidFill>
+                  <a:schemeClr val="dk1"/>
+                </a:solidFill>
+                <a:ea typeface="맑은 고딕"/>
+              </a:rPr>
+              <a:t>확진자</a:t>
+            </a:r>
+            <a:r>
+              <a:rPr lang="ko" dirty="0">
+                <a:solidFill>
+                  <a:schemeClr val="dk1"/>
+                </a:solidFill>
+                <a:ea typeface="맑은 고딕"/>
+              </a:rPr>
+              <a:t> 수와 1인 가구 수가 비례하는데 영향을 준다고 </a:t>
+            </a:r>
+            <a:r>
+              <a:rPr lang="ko" dirty="0" err="1">
+                <a:solidFill>
+                  <a:schemeClr val="dk1"/>
+                </a:solidFill>
+                <a:ea typeface="맑은 고딕"/>
+              </a:rPr>
+              <a:t>볼수</a:t>
+            </a:r>
+            <a:r>
+              <a:rPr lang="ko" dirty="0">
+                <a:solidFill>
+                  <a:schemeClr val="dk1"/>
+                </a:solidFill>
+                <a:ea typeface="맑은 고딕"/>
+              </a:rPr>
+              <a:t> 있습니다.</a:t>
+            </a:r>
+            <a:endParaRPr>
+              <a:solidFill>
+                <a:schemeClr val="dk1"/>
+              </a:solidFill>
+              <a:ea typeface="맑은 고딕"/>
+            </a:endParaRPr>
+          </a:p>
+        </p:txBody>
+      </p:sp>
+    </p:spTree>
+    <p:extLst>
+      <p:ext uri="{BB962C8B-B14F-4D97-AF65-F5344CB8AC3E}">
+        <p14:creationId xmlns:p14="http://schemas.microsoft.com/office/powerpoint/2010/main" val="2338595847"/>
+      </p:ext>
+    </p:extLst>
+  </p:cSld>
+  <p:clrMapOvr>
+    <a:masterClrMapping/>
+  </p:clrMapOvr>
+</p:sld>
+</file>
+
 <file path=ppt/slides/slide3.xml><?xml version="1.0" encoding="utf-8"?>
 <p:sld xmlns:a="http://schemas.openxmlformats.org/drawingml/2006/main" xmlns:r="http://schemas.openxmlformats.org/officeDocument/2006/relationships" xmlns:p="http://schemas.openxmlformats.org/presentationml/2006/main">
   <p:cSld>
@@ -8738,6 +16929,266 @@
     <p:extLst>
       <p:ext uri="{BB962C8B-B14F-4D97-AF65-F5344CB8AC3E}">
         <p14:creationId xmlns:p14="http://schemas.microsoft.com/office/powerpoint/2010/main" val="1899479455"/>
+      </p:ext>
+    </p:extLst>
+  </p:cSld>
+  <p:clrMapOvr>
+    <a:masterClrMapping/>
+  </p:clrMapOvr>
+</p:sld>
+</file>
+
+<file path=ppt/slides/slide30.xml><?xml version="1.0" encoding="utf-8"?>
+<p:sld xmlns:a="http://schemas.openxmlformats.org/drawingml/2006/main" xmlns:r="http://schemas.openxmlformats.org/officeDocument/2006/relationships" xmlns:p="http://schemas.openxmlformats.org/presentationml/2006/main">
+  <p:cSld>
+    <p:spTree>
+      <p:nvGrpSpPr>
+        <p:cNvPr id="1" name="Shape 96"/>
+        <p:cNvGrpSpPr/>
+        <p:nvPr/>
+      </p:nvGrpSpPr>
+      <p:grpSpPr>
+        <a:xfrm>
+          <a:off x="0" y="0"/>
+          <a:ext cx="0" cy="0"/>
+          <a:chOff x="0" y="0"/>
+          <a:chExt cx="0" cy="0"/>
+        </a:xfrm>
+      </p:grpSpPr>
+      <p:sp>
+        <p:nvSpPr>
+          <p:cNvPr id="97" name="Google Shape;97;p19"/>
+          <p:cNvSpPr txBox="1"/>
+          <p:nvPr/>
+        </p:nvSpPr>
+        <p:spPr>
+          <a:xfrm>
+            <a:off x="1244000" y="378400"/>
+            <a:ext cx="4975200" cy="874000"/>
+          </a:xfrm>
+          <a:prstGeom prst="rect">
+            <a:avLst/>
+          </a:prstGeom>
+          <a:noFill/>
+          <a:ln>
+            <a:noFill/>
+          </a:ln>
+        </p:spPr>
+        <p:txBody>
+          <a:bodyPr spcFirstLastPara="1" wrap="square" lIns="121900" tIns="121900" rIns="121900" bIns="121900" anchor="t" anchorCtr="0">
+            <a:noAutofit/>
+          </a:bodyPr>
+          <a:lstStyle/>
+          <a:p>
+            <a:r>
+              <a:rPr lang="en-US" altLang="ko" sz="4000" b="1"/>
+              <a:t>4.</a:t>
+            </a:r>
+            <a:r>
+              <a:rPr lang="ko" altLang="en-US" sz="3100" b="1">
+                <a:solidFill>
+                  <a:schemeClr val="dk1"/>
+                </a:solidFill>
+                <a:latin typeface="Malgun Gothic"/>
+                <a:ea typeface="Malgun Gothic"/>
+                <a:cs typeface="Malgun Gothic"/>
+                <a:sym typeface="Malgun Gothic"/>
+              </a:rPr>
+              <a:t> 결론 </a:t>
+            </a:r>
+            <a:endParaRPr sz="3100" b="1">
+              <a:solidFill>
+                <a:schemeClr val="dk1"/>
+              </a:solidFill>
+              <a:latin typeface="Malgun Gothic"/>
+              <a:ea typeface="Malgun Gothic"/>
+              <a:cs typeface="Malgun Gothic"/>
+              <a:sym typeface="Malgun Gothic"/>
+            </a:endParaRPr>
+          </a:p>
+          <a:p>
+            <a:endParaRPr sz="4000" b="1"/>
+          </a:p>
+        </p:txBody>
+      </p:sp>
+      <p:sp>
+        <p:nvSpPr>
+          <p:cNvPr id="98" name="Google Shape;98;p19"/>
+          <p:cNvSpPr txBox="1"/>
+          <p:nvPr/>
+        </p:nvSpPr>
+        <p:spPr>
+          <a:xfrm>
+            <a:off x="1033900" y="1664300"/>
+            <a:ext cx="10623200" cy="4605600"/>
+          </a:xfrm>
+          <a:prstGeom prst="rect">
+            <a:avLst/>
+          </a:prstGeom>
+          <a:noFill/>
+          <a:ln>
+            <a:noFill/>
+          </a:ln>
+        </p:spPr>
+        <p:txBody>
+          <a:bodyPr spcFirstLastPara="1" wrap="square" lIns="121900" tIns="121900" rIns="121900" bIns="121900" anchor="t" anchorCtr="0">
+            <a:noAutofit/>
+          </a:bodyPr>
+          <a:lstStyle/>
+          <a:p>
+            <a:endParaRPr/>
+          </a:p>
+          <a:p>
+            <a:endParaRPr/>
+          </a:p>
+          <a:p>
+            <a:endParaRPr/>
+          </a:p>
+          <a:p>
+            <a:r>
+              <a:rPr lang="ko"/>
+              <a:t>1인 가구의 비대면 여가생활 지출비용이 크기 때문에 확진자 수에 영향을 끼치고 비례했으며 </a:t>
+            </a:r>
+            <a:endParaRPr/>
+          </a:p>
+          <a:p>
+            <a:endParaRPr/>
+          </a:p>
+          <a:p>
+            <a:r>
+              <a:rPr lang="ko"/>
+              <a:t>20대 비율이 가장 크기 때문에 전체 20대 확진자가 커지는데 영향을 줬다.</a:t>
+            </a:r>
+            <a:endParaRPr/>
+          </a:p>
+          <a:p>
+            <a:endParaRPr/>
+          </a:p>
+          <a:p>
+            <a:r>
+              <a:rPr lang="ko"/>
+              <a:t>1인 가구가 코로나 주 전파원일 가능성이 크다.</a:t>
+            </a:r>
+            <a:endParaRPr/>
+          </a:p>
+          <a:p>
+            <a:endParaRPr/>
+          </a:p>
+          <a:p>
+            <a:r>
+              <a:rPr lang="ko"/>
+              <a:t>1인가구가 많은 지역에 관심을 기울여야 한다.</a:t>
+            </a:r>
+            <a:endParaRPr/>
+          </a:p>
+          <a:p>
+            <a:endParaRPr/>
+          </a:p>
+          <a:p>
+            <a:endParaRPr/>
+          </a:p>
+          <a:p>
+            <a:endParaRPr/>
+          </a:p>
+          <a:p>
+            <a:endParaRPr/>
+          </a:p>
+        </p:txBody>
+      </p:sp>
+    </p:spTree>
+    <p:extLst>
+      <p:ext uri="{BB962C8B-B14F-4D97-AF65-F5344CB8AC3E}">
+        <p14:creationId xmlns:p14="http://schemas.microsoft.com/office/powerpoint/2010/main" val="1041460637"/>
+      </p:ext>
+    </p:extLst>
+  </p:cSld>
+  <p:clrMapOvr>
+    <a:masterClrMapping/>
+  </p:clrMapOvr>
+</p:sld>
+</file>
+
+<file path=ppt/slides/slide31.xml><?xml version="1.0" encoding="utf-8"?>
+<p:sld xmlns:a="http://schemas.openxmlformats.org/drawingml/2006/main" xmlns:r="http://schemas.openxmlformats.org/officeDocument/2006/relationships" xmlns:p="http://schemas.openxmlformats.org/presentationml/2006/main">
+  <p:cSld>
+    <p:spTree>
+      <p:nvGrpSpPr>
+        <p:cNvPr id="1" name=""/>
+        <p:cNvGrpSpPr/>
+        <p:nvPr/>
+      </p:nvGrpSpPr>
+      <p:grpSpPr>
+        <a:xfrm>
+          <a:off x="0" y="0"/>
+          <a:ext cx="0" cy="0"/>
+          <a:chOff x="0" y="0"/>
+          <a:chExt cx="0" cy="0"/>
+        </a:xfrm>
+      </p:grpSpPr>
+    </p:spTree>
+    <p:extLst>
+      <p:ext uri="{BB962C8B-B14F-4D97-AF65-F5344CB8AC3E}">
+        <p14:creationId xmlns:p14="http://schemas.microsoft.com/office/powerpoint/2010/main" val="4198271166"/>
+      </p:ext>
+    </p:extLst>
+  </p:cSld>
+  <p:clrMapOvr>
+    <a:masterClrMapping/>
+  </p:clrMapOvr>
+</p:sld>
+</file>
+
+<file path=ppt/slides/slide32.xml><?xml version="1.0" encoding="utf-8"?>
+<p:sld xmlns:a="http://schemas.openxmlformats.org/drawingml/2006/main" xmlns:r="http://schemas.openxmlformats.org/officeDocument/2006/relationships" xmlns:p="http://schemas.openxmlformats.org/presentationml/2006/main">
+  <p:cSld>
+    <p:spTree>
+      <p:nvGrpSpPr>
+        <p:cNvPr id="1" name=""/>
+        <p:cNvGrpSpPr/>
+        <p:nvPr/>
+      </p:nvGrpSpPr>
+      <p:grpSpPr>
+        <a:xfrm>
+          <a:off x="0" y="0"/>
+          <a:ext cx="0" cy="0"/>
+          <a:chOff x="0" y="0"/>
+          <a:chExt cx="0" cy="0"/>
+        </a:xfrm>
+      </p:grpSpPr>
+    </p:spTree>
+    <p:extLst>
+      <p:ext uri="{BB962C8B-B14F-4D97-AF65-F5344CB8AC3E}">
+        <p14:creationId xmlns:p14="http://schemas.microsoft.com/office/powerpoint/2010/main" val="117368177"/>
+      </p:ext>
+    </p:extLst>
+  </p:cSld>
+  <p:clrMapOvr>
+    <a:masterClrMapping/>
+  </p:clrMapOvr>
+</p:sld>
+</file>
+
+<file path=ppt/slides/slide33.xml><?xml version="1.0" encoding="utf-8"?>
+<p:sld xmlns:a="http://schemas.openxmlformats.org/drawingml/2006/main" xmlns:r="http://schemas.openxmlformats.org/officeDocument/2006/relationships" xmlns:p="http://schemas.openxmlformats.org/presentationml/2006/main">
+  <p:cSld>
+    <p:spTree>
+      <p:nvGrpSpPr>
+        <p:cNvPr id="1" name=""/>
+        <p:cNvGrpSpPr/>
+        <p:nvPr/>
+      </p:nvGrpSpPr>
+      <p:grpSpPr>
+        <a:xfrm>
+          <a:off x="0" y="0"/>
+          <a:ext cx="0" cy="0"/>
+          <a:chOff x="0" y="0"/>
+          <a:chExt cx="0" cy="0"/>
+        </a:xfrm>
+      </p:grpSpPr>
+    </p:spTree>
+    <p:extLst>
+      <p:ext uri="{BB962C8B-B14F-4D97-AF65-F5344CB8AC3E}">
+        <p14:creationId xmlns:p14="http://schemas.microsoft.com/office/powerpoint/2010/main" val="3793694744"/>
       </p:ext>
     </p:extLst>
   </p:cSld>
@@ -11154,4 +19605,580 @@
     </a:ext>
   </a:extLst>
 </a:theme>
+</file>
+
+<file path=ppt/theme/theme3.xml><?xml version="1.0" encoding="utf-8"?>
+<a:theme xmlns:a="http://schemas.openxmlformats.org/drawingml/2006/main" name="Simple Light">
+  <a:themeElements>
+    <a:clrScheme name="Simple Light">
+      <a:dk1>
+        <a:srgbClr val="000000"/>
+      </a:dk1>
+      <a:lt1>
+        <a:srgbClr val="FFFFFF"/>
+      </a:lt1>
+      <a:dk2>
+        <a:srgbClr val="595959"/>
+      </a:dk2>
+      <a:lt2>
+        <a:srgbClr val="EEEEEE"/>
+      </a:lt2>
+      <a:accent1>
+        <a:srgbClr val="FFAB40"/>
+      </a:accent1>
+      <a:accent2>
+        <a:srgbClr val="212121"/>
+      </a:accent2>
+      <a:accent3>
+        <a:srgbClr val="78909C"/>
+      </a:accent3>
+      <a:accent4>
+        <a:srgbClr val="FFAB40"/>
+      </a:accent4>
+      <a:accent5>
+        <a:srgbClr val="0097A7"/>
+      </a:accent5>
+      <a:accent6>
+        <a:srgbClr val="EEFF41"/>
+      </a:accent6>
+      <a:hlink>
+        <a:srgbClr val="0097A7"/>
+      </a:hlink>
+      <a:folHlink>
+        <a:srgbClr val="0097A7"/>
+      </a:folHlink>
+    </a:clrScheme>
+    <a:fontScheme name="Office">
+      <a:majorFont>
+        <a:latin typeface="Arial"/>
+        <a:ea typeface=""/>
+        <a:cs typeface=""/>
+        <a:font script="Jpan" typeface="ＭＳ Ｐゴシック"/>
+        <a:font script="Hang" typeface="맑은 고딕"/>
+        <a:font script="Hans" typeface="宋体"/>
+        <a:font script="Hant" typeface="新細明體"/>
+        <a:font script="Arab" typeface="Times New Roman"/>
+        <a:font script="Hebr" typeface="Times New Roman"/>
+        <a:font script="Thai" typeface="Angsana New"/>
+        <a:font script="Ethi" typeface="Nyala"/>
+        <a:font script="Beng" typeface="Vrinda"/>
+        <a:font script="Gujr" typeface="Shruti"/>
+        <a:font script="Khmr" typeface="MoolBoran"/>
+        <a:font script="Knda" typeface="Tunga"/>
+        <a:font script="Guru" typeface="Raavi"/>
+        <a:font script="Cans" typeface="Euphemia"/>
+        <a:font script="Cher" typeface="Plantagenet Cherokee"/>
+        <a:font script="Yiii" typeface="Microsoft Yi Baiti"/>
+        <a:font script="Tibt" typeface="Microsoft Himalaya"/>
+        <a:font script="Thaa" typeface="MV Boli"/>
+        <a:font script="Deva" typeface="Mangal"/>
+        <a:font script="Telu" typeface="Gautami"/>
+        <a:font script="Taml" typeface="Latha"/>
+        <a:font script="Syrc" typeface="Estrangelo Edessa"/>
+        <a:font script="Orya" typeface="Kalinga"/>
+        <a:font script="Mlym" typeface="Kartika"/>
+        <a:font script="Laoo" typeface="DokChampa"/>
+        <a:font script="Sinh" typeface="Iskoola Pota"/>
+        <a:font script="Mong" typeface="Mongolian Baiti"/>
+        <a:font script="Viet" typeface="Times New Roman"/>
+        <a:font script="Uigh" typeface="Microsoft Uighur"/>
+        <a:font script="Geor" typeface="Sylfaen"/>
+      </a:majorFont>
+      <a:minorFont>
+        <a:latin typeface="Arial"/>
+        <a:ea typeface=""/>
+        <a:cs typeface=""/>
+        <a:font script="Jpan" typeface="ＭＳ Ｐゴシック"/>
+        <a:font script="Hang" typeface="맑은 고딕"/>
+        <a:font script="Hans" typeface="宋体"/>
+        <a:font script="Hant" typeface="新細明體"/>
+        <a:font script="Arab" typeface="Arial"/>
+        <a:font script="Hebr" typeface="Arial"/>
+        <a:font script="Thai" typeface="Cordia New"/>
+        <a:font script="Ethi" typeface="Nyala"/>
+        <a:font script="Beng" typeface="Vrinda"/>
+        <a:font script="Gujr" typeface="Shruti"/>
+        <a:font script="Khmr" typeface="DaunPenh"/>
+        <a:font script="Knda" typeface="Tunga"/>
+        <a:font script="Guru" typeface="Raavi"/>
+        <a:font script="Cans" typeface="Euphemia"/>
+        <a:font script="Cher" typeface="Plantagenet Cherokee"/>
+        <a:font script="Yiii" typeface="Microsoft Yi Baiti"/>
+        <a:font script="Tibt" typeface="Microsoft Himalaya"/>
+        <a:font script="Thaa" typeface="MV Boli"/>
+        <a:font script="Deva" typeface="Mangal"/>
+        <a:font script="Telu" typeface="Gautami"/>
+        <a:font script="Taml" typeface="Latha"/>
+        <a:font script="Syrc" typeface="Estrangelo Edessa"/>
+        <a:font script="Orya" typeface="Kalinga"/>
+        <a:font script="Mlym" typeface="Kartika"/>
+        <a:font script="Laoo" typeface="DokChampa"/>
+        <a:font script="Sinh" typeface="Iskoola Pota"/>
+        <a:font script="Mong" typeface="Mongolian Baiti"/>
+        <a:font script="Viet" typeface="Arial"/>
+        <a:font script="Uigh" typeface="Microsoft Uighur"/>
+        <a:font script="Geor" typeface="Sylfaen"/>
+      </a:minorFont>
+    </a:fontScheme>
+    <a:fmtScheme name="Office">
+      <a:fillStyleLst>
+        <a:solidFill>
+          <a:schemeClr val="phClr"/>
+        </a:solidFill>
+        <a:gradFill rotWithShape="1">
+          <a:gsLst>
+            <a:gs pos="0">
+              <a:schemeClr val="phClr">
+                <a:tint val="50000"/>
+                <a:satMod val="300000"/>
+              </a:schemeClr>
+            </a:gs>
+            <a:gs pos="35000">
+              <a:schemeClr val="phClr">
+                <a:tint val="37000"/>
+                <a:satMod val="300000"/>
+              </a:schemeClr>
+            </a:gs>
+            <a:gs pos="100000">
+              <a:schemeClr val="phClr">
+                <a:tint val="15000"/>
+                <a:satMod val="350000"/>
+              </a:schemeClr>
+            </a:gs>
+          </a:gsLst>
+          <a:lin ang="16200000" scaled="1"/>
+        </a:gradFill>
+        <a:gradFill rotWithShape="1">
+          <a:gsLst>
+            <a:gs pos="0">
+              <a:schemeClr val="phClr">
+                <a:tint val="100000"/>
+                <a:shade val="100000"/>
+                <a:satMod val="130000"/>
+              </a:schemeClr>
+            </a:gs>
+            <a:gs pos="100000">
+              <a:schemeClr val="phClr">
+                <a:tint val="50000"/>
+                <a:shade val="100000"/>
+                <a:satMod val="350000"/>
+              </a:schemeClr>
+            </a:gs>
+          </a:gsLst>
+          <a:lin ang="16200000" scaled="0"/>
+        </a:gradFill>
+      </a:fillStyleLst>
+      <a:lnStyleLst>
+        <a:ln w="9525" cap="flat" cmpd="sng" algn="ctr">
+          <a:solidFill>
+            <a:schemeClr val="phClr">
+              <a:shade val="95000"/>
+              <a:satMod val="105000"/>
+            </a:schemeClr>
+          </a:solidFill>
+          <a:prstDash val="solid"/>
+        </a:ln>
+        <a:ln w="25400" cap="flat" cmpd="sng" algn="ctr">
+          <a:solidFill>
+            <a:schemeClr val="phClr"/>
+          </a:solidFill>
+          <a:prstDash val="solid"/>
+        </a:ln>
+        <a:ln w="38100" cap="flat" cmpd="sng" algn="ctr">
+          <a:solidFill>
+            <a:schemeClr val="phClr"/>
+          </a:solidFill>
+          <a:prstDash val="solid"/>
+        </a:ln>
+      </a:lnStyleLst>
+      <a:effectStyleLst>
+        <a:effectStyle>
+          <a:effectLst>
+            <a:outerShdw blurRad="40000" dist="20000" dir="5400000" rotWithShape="0">
+              <a:srgbClr val="000000">
+                <a:alpha val="38000"/>
+              </a:srgbClr>
+            </a:outerShdw>
+          </a:effectLst>
+        </a:effectStyle>
+        <a:effectStyle>
+          <a:effectLst>
+            <a:outerShdw blurRad="40000" dist="23000" dir="5400000" rotWithShape="0">
+              <a:srgbClr val="000000">
+                <a:alpha val="35000"/>
+              </a:srgbClr>
+            </a:outerShdw>
+          </a:effectLst>
+        </a:effectStyle>
+        <a:effectStyle>
+          <a:effectLst>
+            <a:outerShdw blurRad="40000" dist="23000" dir="5400000" rotWithShape="0">
+              <a:srgbClr val="000000">
+                <a:alpha val="35000"/>
+              </a:srgbClr>
+            </a:outerShdw>
+          </a:effectLst>
+          <a:scene3d>
+            <a:camera prst="orthographicFront">
+              <a:rot lat="0" lon="0" rev="0"/>
+            </a:camera>
+            <a:lightRig rig="threePt" dir="t">
+              <a:rot lat="0" lon="0" rev="1200000"/>
+            </a:lightRig>
+          </a:scene3d>
+          <a:sp3d>
+            <a:bevelT w="63500" h="25400"/>
+          </a:sp3d>
+        </a:effectStyle>
+      </a:effectStyleLst>
+      <a:bgFillStyleLst>
+        <a:solidFill>
+          <a:schemeClr val="phClr"/>
+        </a:solidFill>
+        <a:gradFill rotWithShape="1">
+          <a:gsLst>
+            <a:gs pos="0">
+              <a:schemeClr val="phClr">
+                <a:tint val="40000"/>
+                <a:satMod val="350000"/>
+              </a:schemeClr>
+            </a:gs>
+            <a:gs pos="40000">
+              <a:schemeClr val="phClr">
+                <a:tint val="45000"/>
+                <a:shade val="99000"/>
+                <a:satMod val="350000"/>
+              </a:schemeClr>
+            </a:gs>
+            <a:gs pos="100000">
+              <a:schemeClr val="phClr">
+                <a:shade val="20000"/>
+                <a:satMod val="255000"/>
+              </a:schemeClr>
+            </a:gs>
+          </a:gsLst>
+          <a:path path="circle">
+            <a:fillToRect l="50000" t="-80000" r="50000" b="180000"/>
+          </a:path>
+        </a:gradFill>
+        <a:gradFill rotWithShape="1">
+          <a:gsLst>
+            <a:gs pos="0">
+              <a:schemeClr val="phClr">
+                <a:tint val="80000"/>
+                <a:satMod val="300000"/>
+              </a:schemeClr>
+            </a:gs>
+            <a:gs pos="100000">
+              <a:schemeClr val="phClr">
+                <a:shade val="30000"/>
+                <a:satMod val="200000"/>
+              </a:schemeClr>
+            </a:gs>
+          </a:gsLst>
+          <a:path path="circle">
+            <a:fillToRect l="50000" t="50000" r="50000" b="50000"/>
+          </a:path>
+        </a:gradFill>
+      </a:bgFillStyleLst>
+    </a:fmtScheme>
+  </a:themeElements>
+  <a:objectDefaults/>
+  <a:extraClrSchemeLst/>
+</a:theme>
+</file>
+
+<file path=ppt/theme/theme4.xml><?xml version="1.0" encoding="utf-8"?>
+<a:theme xmlns:a="http://schemas.openxmlformats.org/drawingml/2006/main" name="Office 테마">
+  <a:themeElements>
+    <a:clrScheme name="Office">
+      <a:dk1>
+        <a:sysClr val="windowText" lastClr="000000"/>
+      </a:dk1>
+      <a:lt1>
+        <a:sysClr val="window" lastClr="FFFFFF"/>
+      </a:lt1>
+      <a:dk2>
+        <a:srgbClr val="44546A"/>
+      </a:dk2>
+      <a:lt2>
+        <a:srgbClr val="E7E6E6"/>
+      </a:lt2>
+      <a:accent1>
+        <a:srgbClr val="4472C4"/>
+      </a:accent1>
+      <a:accent2>
+        <a:srgbClr val="ED7D31"/>
+      </a:accent2>
+      <a:accent3>
+        <a:srgbClr val="A5A5A5"/>
+      </a:accent3>
+      <a:accent4>
+        <a:srgbClr val="FFC000"/>
+      </a:accent4>
+      <a:accent5>
+        <a:srgbClr val="5B9BD5"/>
+      </a:accent5>
+      <a:accent6>
+        <a:srgbClr val="70AD47"/>
+      </a:accent6>
+      <a:hlink>
+        <a:srgbClr val="0563C1"/>
+      </a:hlink>
+      <a:folHlink>
+        <a:srgbClr val="954F72"/>
+      </a:folHlink>
+    </a:clrScheme>
+    <a:fontScheme name="Office">
+      <a:majorFont>
+        <a:latin typeface="맑은 고딕" panose="020F0302020204030204"/>
+        <a:ea typeface=""/>
+        <a:cs typeface=""/>
+        <a:font script="Jpan" typeface="游ゴシック Light"/>
+        <a:font script="Hang" typeface="맑은 고딕"/>
+        <a:font script="Hans" typeface="等线 Light"/>
+        <a:font script="Hant" typeface="新細明體"/>
+        <a:font script="Arab" typeface="Times New Roman"/>
+        <a:font script="Hebr" typeface="Times New Roman"/>
+        <a:font script="Thai" typeface="Angsana New"/>
+        <a:font script="Ethi" typeface="Nyala"/>
+        <a:font script="Beng" typeface="Vrinda"/>
+        <a:font script="Gujr" typeface="Shruti"/>
+        <a:font script="Khmr" typeface="MoolBoran"/>
+        <a:font script="Knda" typeface="Tunga"/>
+        <a:font script="Guru" typeface="Raavi"/>
+        <a:font script="Cans" typeface="Euphemia"/>
+        <a:font script="Cher" typeface="Plantagenet Cherokee"/>
+        <a:font script="Yiii" typeface="Microsoft Yi Baiti"/>
+        <a:font script="Tibt" typeface="Microsoft Himalaya"/>
+        <a:font script="Thaa" typeface="MV Boli"/>
+        <a:font script="Deva" typeface="Mangal"/>
+        <a:font script="Telu" typeface="Gautami"/>
+        <a:font script="Taml" typeface="Latha"/>
+        <a:font script="Syrc" typeface="Estrangelo Edessa"/>
+        <a:font script="Orya" typeface="Kalinga"/>
+        <a:font script="Mlym" typeface="Kartika"/>
+        <a:font script="Laoo" typeface="DokChampa"/>
+        <a:font script="Sinh" typeface="Iskoola Pota"/>
+        <a:font script="Mong" typeface="Mongolian Baiti"/>
+        <a:font script="Viet" typeface="Times New Roman"/>
+        <a:font script="Uigh" typeface="Microsoft Uighur"/>
+        <a:font script="Geor" typeface="Sylfaen"/>
+        <a:font script="Armn" typeface="Arial"/>
+        <a:font script="Bugi" typeface="Leelawadee UI"/>
+        <a:font script="Bopo" typeface="Microsoft JhengHei"/>
+        <a:font script="Java" typeface="Javanese Text"/>
+        <a:font script="Lisu" typeface="Segoe UI"/>
+        <a:font script="Mymr" typeface="Myanmar Text"/>
+        <a:font script="Nkoo" typeface="Ebrima"/>
+        <a:font script="Olck" typeface="Nirmala UI"/>
+        <a:font script="Osma" typeface="Ebrima"/>
+        <a:font script="Phag" typeface="Phagspa"/>
+        <a:font script="Syrn" typeface="Estrangelo Edessa"/>
+        <a:font script="Syrj" typeface="Estrangelo Edessa"/>
+        <a:font script="Syre" typeface="Estrangelo Edessa"/>
+        <a:font script="Sora" typeface="Nirmala UI"/>
+        <a:font script="Tale" typeface="Microsoft Tai Le"/>
+        <a:font script="Talu" typeface="Microsoft New Tai Lue"/>
+        <a:font script="Tfng" typeface="Ebrima"/>
+      </a:majorFont>
+      <a:minorFont>
+        <a:latin typeface="맑은 고딕" panose="020F0502020204030204"/>
+        <a:ea typeface=""/>
+        <a:cs typeface=""/>
+        <a:font script="Jpan" typeface="游ゴシック"/>
+        <a:font script="Hang" typeface="맑은 고딕"/>
+        <a:font script="Hans" typeface="等线"/>
+        <a:font script="Hant" typeface="新細明體"/>
+        <a:font script="Arab" typeface="Arial"/>
+        <a:font script="Hebr" typeface="Arial"/>
+        <a:font script="Thai" typeface="Cordia New"/>
+        <a:font script="Ethi" typeface="Nyala"/>
+        <a:font script="Beng" typeface="Vrinda"/>
+        <a:font script="Gujr" typeface="Shruti"/>
+        <a:font script="Khmr" typeface="DaunPenh"/>
+        <a:font script="Knda" typeface="Tunga"/>
+        <a:font script="Guru" typeface="Raavi"/>
+        <a:font script="Cans" typeface="Euphemia"/>
+        <a:font script="Cher" typeface="Plantagenet Cherokee"/>
+        <a:font script="Yiii" typeface="Microsoft Yi Baiti"/>
+        <a:font script="Tibt" typeface="Microsoft Himalaya"/>
+        <a:font script="Thaa" typeface="MV Boli"/>
+        <a:font script="Deva" typeface="Mangal"/>
+        <a:font script="Telu" typeface="Gautami"/>
+        <a:font script="Taml" typeface="Latha"/>
+        <a:font script="Syrc" typeface="Estrangelo Edessa"/>
+        <a:font script="Orya" typeface="Kalinga"/>
+        <a:font script="Mlym" typeface="Kartika"/>
+        <a:font script="Laoo" typeface="DokChampa"/>
+        <a:font script="Sinh" typeface="Iskoola Pota"/>
+        <a:font script="Mong" typeface="Mongolian Baiti"/>
+        <a:font script="Viet" typeface="Arial"/>
+        <a:font script="Uigh" typeface="Microsoft Uighur"/>
+        <a:font script="Geor" typeface="Sylfaen"/>
+        <a:font script="Armn" typeface="Arial"/>
+        <a:font script="Bugi" typeface="Leelawadee UI"/>
+        <a:font script="Bopo" typeface="Microsoft JhengHei"/>
+        <a:font script="Java" typeface="Javanese Text"/>
+        <a:font script="Lisu" typeface="Segoe UI"/>
+        <a:font script="Mymr" typeface="Myanmar Text"/>
+        <a:font script="Nkoo" typeface="Ebrima"/>
+        <a:font script="Olck" typeface="Nirmala UI"/>
+        <a:font script="Osma" typeface="Ebrima"/>
+        <a:font script="Phag" typeface="Phagspa"/>
+        <a:font script="Syrn" typeface="Estrangelo Edessa"/>
+        <a:font script="Syrj" typeface="Estrangelo Edessa"/>
+        <a:font script="Syre" typeface="Estrangelo Edessa"/>
+        <a:font script="Sora" typeface="Nirmala UI"/>
+        <a:font script="Tale" typeface="Microsoft Tai Le"/>
+        <a:font script="Talu" typeface="Microsoft New Tai Lue"/>
+        <a:font script="Tfng" typeface="Ebrima"/>
+      </a:minorFont>
+    </a:fontScheme>
+    <a:fmtScheme name="Office">
+      <a:fillStyleLst>
+        <a:solidFill>
+          <a:schemeClr val="phClr"/>
+        </a:solidFill>
+        <a:gradFill rotWithShape="1">
+          <a:gsLst>
+            <a:gs pos="0">
+              <a:schemeClr val="phClr">
+                <a:lumMod val="110000"/>
+                <a:satMod val="105000"/>
+                <a:tint val="67000"/>
+              </a:schemeClr>
+            </a:gs>
+            <a:gs pos="50000">
+              <a:schemeClr val="phClr">
+                <a:lumMod val="105000"/>
+                <a:satMod val="103000"/>
+                <a:tint val="73000"/>
+              </a:schemeClr>
+            </a:gs>
+            <a:gs pos="100000">
+              <a:schemeClr val="phClr">
+                <a:lumMod val="105000"/>
+                <a:satMod val="109000"/>
+                <a:tint val="81000"/>
+              </a:schemeClr>
+            </a:gs>
+          </a:gsLst>
+          <a:lin ang="5400000" scaled="0"/>
+        </a:gradFill>
+        <a:gradFill rotWithShape="1">
+          <a:gsLst>
+            <a:gs pos="0">
+              <a:schemeClr val="phClr">
+                <a:satMod val="103000"/>
+                <a:lumMod val="102000"/>
+                <a:tint val="94000"/>
+              </a:schemeClr>
+            </a:gs>
+            <a:gs pos="50000">
+              <a:schemeClr val="phClr">
+                <a:satMod val="110000"/>
+                <a:lumMod val="100000"/>
+                <a:shade val="100000"/>
+              </a:schemeClr>
+            </a:gs>
+            <a:gs pos="100000">
+              <a:schemeClr val="phClr">
+                <a:lumMod val="99000"/>
+                <a:satMod val="120000"/>
+                <a:shade val="78000"/>
+              </a:schemeClr>
+            </a:gs>
+          </a:gsLst>
+          <a:lin ang="5400000" scaled="0"/>
+        </a:gradFill>
+      </a:fillStyleLst>
+      <a:lnStyleLst>
+        <a:ln w="6350" cap="flat" cmpd="sng" algn="ctr">
+          <a:solidFill>
+            <a:schemeClr val="phClr"/>
+          </a:solidFill>
+          <a:prstDash val="solid"/>
+          <a:miter lim="800000"/>
+        </a:ln>
+        <a:ln w="12700" cap="flat" cmpd="sng" algn="ctr">
+          <a:solidFill>
+            <a:schemeClr val="phClr"/>
+          </a:solidFill>
+          <a:prstDash val="solid"/>
+          <a:miter lim="800000"/>
+        </a:ln>
+        <a:ln w="19050" cap="flat" cmpd="sng" algn="ctr">
+          <a:solidFill>
+            <a:schemeClr val="phClr"/>
+          </a:solidFill>
+          <a:prstDash val="solid"/>
+          <a:miter lim="800000"/>
+        </a:ln>
+      </a:lnStyleLst>
+      <a:effectStyleLst>
+        <a:effectStyle>
+          <a:effectLst/>
+        </a:effectStyle>
+        <a:effectStyle>
+          <a:effectLst/>
+        </a:effectStyle>
+        <a:effectStyle>
+          <a:effectLst>
+            <a:outerShdw blurRad="57150" dist="19050" dir="5400000" algn="ctr" rotWithShape="0">
+              <a:srgbClr val="000000">
+                <a:alpha val="63000"/>
+              </a:srgbClr>
+            </a:outerShdw>
+          </a:effectLst>
+        </a:effectStyle>
+      </a:effectStyleLst>
+      <a:bgFillStyleLst>
+        <a:solidFill>
+          <a:schemeClr val="phClr"/>
+        </a:solidFill>
+        <a:solidFill>
+          <a:schemeClr val="phClr">
+            <a:tint val="95000"/>
+            <a:satMod val="170000"/>
+          </a:schemeClr>
+        </a:solidFill>
+        <a:gradFill rotWithShape="1">
+          <a:gsLst>
+            <a:gs pos="0">
+              <a:schemeClr val="phClr">
+                <a:tint val="93000"/>
+                <a:satMod val="150000"/>
+                <a:shade val="98000"/>
+                <a:lumMod val="102000"/>
+              </a:schemeClr>
+            </a:gs>
+            <a:gs pos="50000">
+              <a:schemeClr val="phClr">
+                <a:tint val="98000"/>
+                <a:satMod val="130000"/>
+                <a:shade val="90000"/>
+                <a:lumMod val="103000"/>
+              </a:schemeClr>
+            </a:gs>
+            <a:gs pos="100000">
+              <a:schemeClr val="phClr">
+                <a:shade val="63000"/>
+                <a:satMod val="120000"/>
+              </a:schemeClr>
+            </a:gs>
+          </a:gsLst>
+          <a:lin ang="5400000" scaled="0"/>
+        </a:gradFill>
+      </a:bgFillStyleLst>
+    </a:fmtScheme>
+  </a:themeElements>
+  <a:objectDefaults/>
+  <a:extraClrSchemeLst/>
+  <a:extLst>
+    <a:ext uri="{05A4C25C-085E-4340-85A3-A5531E510DB2}">
+      <thm15:themeFamily xmlns:thm15="http://schemas.microsoft.com/office/thememl/2012/main" name="Office Theme" id="{62F939B6-93AF-4DB8-9C6B-D6C7DFDC589F}" vid="{4A3C46E8-61CC-4603-A589-7422A47A8E4A}"/>
+    </a:ext>
+  </a:extLst>
+</a:theme>
 </file>
--- a/최종합본.pptx
+++ b/최종합본.pptx
@@ -152,6 +152,7 @@
 <file path=ppt/revisionInfo.xml><?xml version="1.0" encoding="utf-8"?>
 <p1510:revInfo xmlns:a="http://schemas.openxmlformats.org/drawingml/2006/main" xmlns:r="http://schemas.openxmlformats.org/officeDocument/2006/relationships" xmlns:p1510="http://schemas.microsoft.com/office/powerpoint/2015/10/main">
   <p1510:revLst>
+    <p1510:client id="{2791EDFA-916E-79D0-EA78-3B849C7E7E3E}" v="3" dt="2020-09-08T03:51:31.941"/>
     <p1510:client id="{2BFF7B8E-AA04-4116-B7CD-F87AF890BA15}" v="3" dt="2020-09-08T02:08:56.498"/>
     <p1510:client id="{92C9369D-2089-4A04-5FF9-4FA6A585B5BE}" v="162" dt="2020-09-08T02:16:10.674"/>
     <p1510:client id="{F6EA998B-9D19-5BAC-384E-B7F480CAD6D9}" v="162" dt="2020-09-08T03:40:37.419"/>
@@ -17046,8 +17047,40 @@
           </a:p>
           <a:p>
             <a:r>
-              <a:rPr lang="ko"/>
-              <a:t>1인 가구의 비대면 여가생활 지출비용이 크기 때문에 확진자 수에 영향을 끼치고 비례했으며 </a:t>
+              <a:rPr lang="ko" dirty="0">
+                <a:ea typeface="맑은 고딕"/>
+              </a:rPr>
+              <a:t>1인 가구의 </a:t>
+            </a:r>
+            <a:r>
+              <a:rPr lang="ko" altLang="en-US" dirty="0">
+                <a:ea typeface="맑은 고딕"/>
+              </a:rPr>
+              <a:t>대면 </a:t>
+            </a:r>
+            <a:r>
+              <a:rPr lang="ko" dirty="0">
+                <a:ea typeface="맑은 고딕"/>
+              </a:rPr>
+              <a:t>여가생활 지출비용이 크기 때문에 </a:t>
+            </a:r>
+            <a:r>
+              <a:rPr lang="ko" dirty="0" err="1">
+                <a:ea typeface="맑은 고딕"/>
+              </a:rPr>
+              <a:t>확진자</a:t>
+            </a:r>
+            <a:r>
+              <a:rPr lang="ko" dirty="0">
+                <a:ea typeface="맑은 고딕"/>
+              </a:rPr>
+              <a:t> 수에 영향을 끼치고 비례했으며</a:t>
+            </a:r>
+            <a:r>
+              <a:rPr lang="ko" altLang="en-US" dirty="0">
+                <a:ea typeface="맑은 고딕"/>
+              </a:rPr>
+              <a:t> </a:t>
             </a:r>
             <a:endParaRPr/>
           </a:p>
@@ -17056,30 +17089,54 @@
           </a:p>
           <a:p>
             <a:r>
-              <a:rPr lang="ko"/>
-              <a:t>20대 비율이 가장 크기 때문에 전체 20대 확진자가 커지는데 영향을 줬다.</a:t>
-            </a:r>
+              <a:rPr lang="ko" dirty="0">
+                <a:ea typeface="맑은 고딕"/>
+              </a:rPr>
+              <a:t>20대 비율이 가장 크기 때문에 전체 20대 </a:t>
+            </a:r>
+            <a:r>
+              <a:rPr lang="ko" dirty="0" err="1">
+                <a:ea typeface="맑은 고딕"/>
+              </a:rPr>
+              <a:t>확진자가</a:t>
+            </a:r>
+            <a:r>
+              <a:rPr lang="ko" dirty="0">
+                <a:ea typeface="맑은 고딕"/>
+              </a:rPr>
+              <a:t> 커지는데 영향을 줬다.</a:t>
+            </a:r>
+            <a:endParaRPr dirty="0">
+              <a:ea typeface="맑은 고딕"/>
+            </a:endParaRPr>
+          </a:p>
+          <a:p>
             <a:endParaRPr/>
           </a:p>
           <a:p>
+            <a:r>
+              <a:rPr lang="ko" dirty="0">
+                <a:ea typeface="맑은 고딕"/>
+              </a:rPr>
+              <a:t>1인 가구가 코로나 주 전파원일 가능성이 크다.</a:t>
+            </a:r>
+            <a:endParaRPr dirty="0">
+              <a:ea typeface="맑은 고딕"/>
+            </a:endParaRPr>
+          </a:p>
+          <a:p>
             <a:endParaRPr/>
           </a:p>
           <a:p>
             <a:r>
-              <a:rPr lang="ko"/>
-              <a:t>1인 가구가 코로나 주 전파원일 가능성이 크다.</a:t>
-            </a:r>
-            <a:endParaRPr/>
-          </a:p>
-          <a:p>
-            <a:endParaRPr/>
-          </a:p>
-          <a:p>
-            <a:r>
-              <a:rPr lang="ko"/>
+              <a:rPr lang="ko" dirty="0">
+                <a:ea typeface="맑은 고딕"/>
+              </a:rPr>
               <a:t>1인가구가 많은 지역에 관심을 기울여야 한다.</a:t>
             </a:r>
-            <a:endParaRPr/>
+            <a:endParaRPr dirty="0">
+              <a:ea typeface="맑은 고딕"/>
+            </a:endParaRPr>
           </a:p>
           <a:p>
             <a:endParaRPr/>

--- a/최종합본.pptx
+++ b/최종합본.pptx
@@ -7,7 +7,7 @@
     <p:sldMasterId id="2147483659" r:id="rId3"/>
   </p:sldMasterIdLst>
   <p:notesMasterIdLst>
-    <p:notesMasterId r:id="rId42"/>
+    <p:notesMasterId r:id="rId43"/>
   </p:notesMasterIdLst>
   <p:sldIdLst>
     <p:sldId id="257" r:id="rId4"/>
@@ -21,33 +21,34 @@
     <p:sldId id="264" r:id="rId12"/>
     <p:sldId id="272" r:id="rId13"/>
     <p:sldId id="275" r:id="rId14"/>
-    <p:sldId id="276" r:id="rId15"/>
-    <p:sldId id="263" r:id="rId16"/>
-    <p:sldId id="265" r:id="rId17"/>
-    <p:sldId id="266" r:id="rId18"/>
-    <p:sldId id="267" r:id="rId19"/>
-    <p:sldId id="268" r:id="rId20"/>
-    <p:sldId id="273" r:id="rId21"/>
-    <p:sldId id="269" r:id="rId22"/>
-    <p:sldId id="274" r:id="rId23"/>
-    <p:sldId id="277" r:id="rId24"/>
-    <p:sldId id="292" r:id="rId25"/>
-    <p:sldId id="293" r:id="rId26"/>
-    <p:sldId id="294" r:id="rId27"/>
-    <p:sldId id="295" r:id="rId28"/>
-    <p:sldId id="296" r:id="rId29"/>
-    <p:sldId id="297" r:id="rId30"/>
-    <p:sldId id="298" r:id="rId31"/>
-    <p:sldId id="291" r:id="rId32"/>
-    <p:sldId id="290" r:id="rId33"/>
-    <p:sldId id="289" r:id="rId34"/>
-    <p:sldId id="288" r:id="rId35"/>
-    <p:sldId id="287" r:id="rId36"/>
-    <p:sldId id="286" r:id="rId37"/>
-    <p:sldId id="285" r:id="rId38"/>
-    <p:sldId id="278" r:id="rId39"/>
-    <p:sldId id="279" r:id="rId40"/>
-    <p:sldId id="280" r:id="rId41"/>
+    <p:sldId id="304" r:id="rId15"/>
+    <p:sldId id="305" r:id="rId16"/>
+    <p:sldId id="263" r:id="rId17"/>
+    <p:sldId id="265" r:id="rId18"/>
+    <p:sldId id="266" r:id="rId19"/>
+    <p:sldId id="267" r:id="rId20"/>
+    <p:sldId id="268" r:id="rId21"/>
+    <p:sldId id="273" r:id="rId22"/>
+    <p:sldId id="269" r:id="rId23"/>
+    <p:sldId id="274" r:id="rId24"/>
+    <p:sldId id="277" r:id="rId25"/>
+    <p:sldId id="292" r:id="rId26"/>
+    <p:sldId id="293" r:id="rId27"/>
+    <p:sldId id="294" r:id="rId28"/>
+    <p:sldId id="295" r:id="rId29"/>
+    <p:sldId id="296" r:id="rId30"/>
+    <p:sldId id="297" r:id="rId31"/>
+    <p:sldId id="298" r:id="rId32"/>
+    <p:sldId id="291" r:id="rId33"/>
+    <p:sldId id="290" r:id="rId34"/>
+    <p:sldId id="289" r:id="rId35"/>
+    <p:sldId id="288" r:id="rId36"/>
+    <p:sldId id="287" r:id="rId37"/>
+    <p:sldId id="286" r:id="rId38"/>
+    <p:sldId id="285" r:id="rId39"/>
+    <p:sldId id="278" r:id="rId40"/>
+    <p:sldId id="279" r:id="rId41"/>
+    <p:sldId id="280" r:id="rId42"/>
   </p:sldIdLst>
   <p:sldSz cx="12192000" cy="6858000"/>
   <p:notesSz cx="6858000" cy="9144000"/>
@@ -157,6 +158,7 @@
 <file path=ppt/revisionInfo.xml><?xml version="1.0" encoding="utf-8"?>
 <p1510:revInfo xmlns:a="http://schemas.openxmlformats.org/drawingml/2006/main" xmlns:r="http://schemas.openxmlformats.org/officeDocument/2006/relationships" xmlns:p1510="http://schemas.microsoft.com/office/powerpoint/2015/10/main">
   <p1510:revLst>
+    <p1510:client id="{05F0609E-E037-4E63-0928-5F665E8F1ED3}" v="248" dt="2020-09-08T05:48:20.967"/>
     <p1510:client id="{2791EDFA-916E-79D0-EA78-3B849C7E7E3E}" v="3" dt="2020-09-08T03:51:31.941"/>
     <p1510:client id="{2BFF7B8E-AA04-4116-B7CD-F87AF890BA15}" v="3" dt="2020-09-08T02:08:56.498"/>
     <p1510:client id="{61DD86B3-E603-4F76-D555-E89CF19E82A1}" v="43" dt="2020-09-08T04:08:31.047"/>
@@ -164,190 +166,6 @@
     <p1510:client id="{F6EA998B-9D19-5BAC-384E-B7F480CAD6D9}" v="162" dt="2020-09-08T03:40:37.419"/>
   </p1510:revLst>
 </p1510:revInfo>
-</file>
-
-<file path=ppt/changesInfos/changesInfo1.xml><?xml version="1.0" encoding="utf-8"?>
-<pc:chgInfo xmlns:a="http://schemas.openxmlformats.org/drawingml/2006/main" xmlns:r="http://schemas.openxmlformats.org/officeDocument/2006/relationships" xmlns:ac="http://schemas.microsoft.com/office/drawing/2013/main/command" xmlns:pc="http://schemas.microsoft.com/office/powerpoint/2013/main/command">
-  <pc:docChgLst>
-    <pc:chgData name="게스트 사용자" userId="b42a743e3333378e" providerId="Windows Live" clId="Web-{61DD86B3-E603-4F76-D555-E89CF19E82A1}"/>
-    <pc:docChg chg="addSld modSld sldOrd">
-      <pc:chgData name="게스트 사용자" userId="b42a743e3333378e" providerId="Windows Live" clId="Web-{61DD86B3-E603-4F76-D555-E89CF19E82A1}" dt="2020-09-08T04:08:30.781" v="33" actId="20577"/>
-      <pc:docMkLst>
-        <pc:docMk/>
-      </pc:docMkLst>
-      <pc:sldChg chg="modSp">
-        <pc:chgData name="게스트 사용자" userId="b42a743e3333378e" providerId="Windows Live" clId="Web-{61DD86B3-E603-4F76-D555-E89CF19E82A1}" dt="2020-09-08T04:07:57.265" v="6" actId="20577"/>
-        <pc:sldMkLst>
-          <pc:docMk/>
-          <pc:sldMk cId="1899479455" sldId="258"/>
-        </pc:sldMkLst>
-        <pc:spChg chg="mod">
-          <ac:chgData name="게스트 사용자" userId="b42a743e3333378e" providerId="Windows Live" clId="Web-{61DD86B3-E603-4F76-D555-E89CF19E82A1}" dt="2020-09-08T04:07:57.265" v="6" actId="20577"/>
-          <ac:spMkLst>
-            <pc:docMk/>
-            <pc:sldMk cId="1899479455" sldId="258"/>
-            <ac:spMk id="2" creationId="{B148CC22-7BEE-428A-A7E1-1E6388DB5C93}"/>
-          </ac:spMkLst>
-        </pc:spChg>
-      </pc:sldChg>
-      <pc:sldChg chg="modSp">
-        <pc:chgData name="게스트 사용자" userId="b42a743e3333378e" providerId="Windows Live" clId="Web-{61DD86B3-E603-4F76-D555-E89CF19E82A1}" dt="2020-09-08T04:08:07.280" v="14" actId="20577"/>
-        <pc:sldMkLst>
-          <pc:docMk/>
-          <pc:sldMk cId="3552012908" sldId="263"/>
-        </pc:sldMkLst>
-        <pc:spChg chg="mod">
-          <ac:chgData name="게스트 사용자" userId="b42a743e3333378e" providerId="Windows Live" clId="Web-{61DD86B3-E603-4F76-D555-E89CF19E82A1}" dt="2020-09-08T04:08:07.280" v="14" actId="20577"/>
-          <ac:spMkLst>
-            <pc:docMk/>
-            <pc:sldMk cId="3552012908" sldId="263"/>
-            <ac:spMk id="2" creationId="{B148CC22-7BEE-428A-A7E1-1E6388DB5C93}"/>
-          </ac:spMkLst>
-        </pc:spChg>
-      </pc:sldChg>
-      <pc:sldChg chg="modSp">
-        <pc:chgData name="게스트 사용자" userId="b42a743e3333378e" providerId="Windows Live" clId="Web-{61DD86B3-E603-4F76-D555-E89CF19E82A1}" dt="2020-09-08T04:08:02.593" v="9" actId="20577"/>
-        <pc:sldMkLst>
-          <pc:docMk/>
-          <pc:sldMk cId="1063728826" sldId="264"/>
-        </pc:sldMkLst>
-        <pc:spChg chg="mod">
-          <ac:chgData name="게스트 사용자" userId="b42a743e3333378e" providerId="Windows Live" clId="Web-{61DD86B3-E603-4F76-D555-E89CF19E82A1}" dt="2020-09-08T04:08:02.593" v="9" actId="20577"/>
-          <ac:spMkLst>
-            <pc:docMk/>
-            <pc:sldMk cId="1063728826" sldId="264"/>
-            <ac:spMk id="2" creationId="{B148CC22-7BEE-428A-A7E1-1E6388DB5C93}"/>
-          </ac:spMkLst>
-        </pc:spChg>
-      </pc:sldChg>
-      <pc:sldChg chg="modSp">
-        <pc:chgData name="게스트 사용자" userId="b42a743e3333378e" providerId="Windows Live" clId="Web-{61DD86B3-E603-4F76-D555-E89CF19E82A1}" dt="2020-09-08T04:08:11.484" v="17" actId="20577"/>
-        <pc:sldMkLst>
-          <pc:docMk/>
-          <pc:sldMk cId="4101479404" sldId="265"/>
-        </pc:sldMkLst>
-        <pc:spChg chg="mod">
-          <ac:chgData name="게스트 사용자" userId="b42a743e3333378e" providerId="Windows Live" clId="Web-{61DD86B3-E603-4F76-D555-E89CF19E82A1}" dt="2020-09-08T04:08:11.484" v="17" actId="20577"/>
-          <ac:spMkLst>
-            <pc:docMk/>
-            <pc:sldMk cId="4101479404" sldId="265"/>
-            <ac:spMk id="2" creationId="{B148CC22-7BEE-428A-A7E1-1E6388DB5C93}"/>
-          </ac:spMkLst>
-        </pc:spChg>
-      </pc:sldChg>
-      <pc:sldChg chg="modSp">
-        <pc:chgData name="게스트 사용자" userId="b42a743e3333378e" providerId="Windows Live" clId="Web-{61DD86B3-E603-4F76-D555-E89CF19E82A1}" dt="2020-09-08T04:08:14.374" v="20" actId="20577"/>
-        <pc:sldMkLst>
-          <pc:docMk/>
-          <pc:sldMk cId="164512347" sldId="266"/>
-        </pc:sldMkLst>
-        <pc:spChg chg="mod">
-          <ac:chgData name="게스트 사용자" userId="b42a743e3333378e" providerId="Windows Live" clId="Web-{61DD86B3-E603-4F76-D555-E89CF19E82A1}" dt="2020-09-08T04:08:14.374" v="20" actId="20577"/>
-          <ac:spMkLst>
-            <pc:docMk/>
-            <pc:sldMk cId="164512347" sldId="266"/>
-            <ac:spMk id="2" creationId="{B148CC22-7BEE-428A-A7E1-1E6388DB5C93}"/>
-          </ac:spMkLst>
-        </pc:spChg>
-      </pc:sldChg>
-      <pc:sldChg chg="modSp">
-        <pc:chgData name="게스트 사용자" userId="b42a743e3333378e" providerId="Windows Live" clId="Web-{61DD86B3-E603-4F76-D555-E89CF19E82A1}" dt="2020-09-08T04:08:17.609" v="23" actId="20577"/>
-        <pc:sldMkLst>
-          <pc:docMk/>
-          <pc:sldMk cId="2119341593" sldId="267"/>
-        </pc:sldMkLst>
-        <pc:spChg chg="mod">
-          <ac:chgData name="게스트 사용자" userId="b42a743e3333378e" providerId="Windows Live" clId="Web-{61DD86B3-E603-4F76-D555-E89CF19E82A1}" dt="2020-09-08T04:08:17.609" v="23" actId="20577"/>
-          <ac:spMkLst>
-            <pc:docMk/>
-            <pc:sldMk cId="2119341593" sldId="267"/>
-            <ac:spMk id="2" creationId="{B148CC22-7BEE-428A-A7E1-1E6388DB5C93}"/>
-          </ac:spMkLst>
-        </pc:spChg>
-      </pc:sldChg>
-      <pc:sldChg chg="modSp">
-        <pc:chgData name="게스트 사용자" userId="b42a743e3333378e" providerId="Windows Live" clId="Web-{61DD86B3-E603-4F76-D555-E89CF19E82A1}" dt="2020-09-08T04:08:22.562" v="26" actId="20577"/>
-        <pc:sldMkLst>
-          <pc:docMk/>
-          <pc:sldMk cId="748043010" sldId="268"/>
-        </pc:sldMkLst>
-        <pc:spChg chg="mod">
-          <ac:chgData name="게스트 사용자" userId="b42a743e3333378e" providerId="Windows Live" clId="Web-{61DD86B3-E603-4F76-D555-E89CF19E82A1}" dt="2020-09-08T04:08:22.562" v="26" actId="20577"/>
-          <ac:spMkLst>
-            <pc:docMk/>
-            <pc:sldMk cId="748043010" sldId="268"/>
-            <ac:spMk id="2" creationId="{B148CC22-7BEE-428A-A7E1-1E6388DB5C93}"/>
-          </ac:spMkLst>
-        </pc:spChg>
-      </pc:sldChg>
-      <pc:sldChg chg="modSp">
-        <pc:chgData name="게스트 사용자" userId="b42a743e3333378e" providerId="Windows Live" clId="Web-{61DD86B3-E603-4F76-D555-E89CF19E82A1}" dt="2020-09-08T04:08:29.328" v="31" actId="20577"/>
-        <pc:sldMkLst>
-          <pc:docMk/>
-          <pc:sldMk cId="1219664629" sldId="269"/>
-        </pc:sldMkLst>
-        <pc:spChg chg="mod">
-          <ac:chgData name="게스트 사용자" userId="b42a743e3333378e" providerId="Windows Live" clId="Web-{61DD86B3-E603-4F76-D555-E89CF19E82A1}" dt="2020-09-08T04:08:29.328" v="31" actId="20577"/>
-          <ac:spMkLst>
-            <pc:docMk/>
-            <pc:sldMk cId="1219664629" sldId="269"/>
-            <ac:spMk id="2" creationId="{B148CC22-7BEE-428A-A7E1-1E6388DB5C93}"/>
-          </ac:spMkLst>
-        </pc:spChg>
-      </pc:sldChg>
-      <pc:sldChg chg="modSp">
-        <pc:chgData name="게스트 사용자" userId="b42a743e3333378e" providerId="Windows Live" clId="Web-{61DD86B3-E603-4F76-D555-E89CF19E82A1}" dt="2020-09-08T04:08:26.703" v="29" actId="20577"/>
-        <pc:sldMkLst>
-          <pc:docMk/>
-          <pc:sldMk cId="434288412" sldId="273"/>
-        </pc:sldMkLst>
-        <pc:spChg chg="mod">
-          <ac:chgData name="게스트 사용자" userId="b42a743e3333378e" providerId="Windows Live" clId="Web-{61DD86B3-E603-4F76-D555-E89CF19E82A1}" dt="2020-09-08T04:08:26.703" v="29" actId="20577"/>
-          <ac:spMkLst>
-            <pc:docMk/>
-            <pc:sldMk cId="434288412" sldId="273"/>
-            <ac:spMk id="2" creationId="{B148CC22-7BEE-428A-A7E1-1E6388DB5C93}"/>
-          </ac:spMkLst>
-        </pc:spChg>
-      </pc:sldChg>
-      <pc:sldChg chg="add">
-        <pc:chgData name="게스트 사용자" userId="b42a743e3333378e" providerId="Windows Live" clId="Web-{61DD86B3-E603-4F76-D555-E89CF19E82A1}" dt="2020-09-08T04:07:19.357" v="0"/>
-        <pc:sldMkLst>
-          <pc:docMk/>
-          <pc:sldMk cId="3306904243" sldId="299"/>
-        </pc:sldMkLst>
-      </pc:sldChg>
-      <pc:sldChg chg="add ord">
-        <pc:chgData name="게스트 사용자" userId="b42a743e3333378e" providerId="Windows Live" clId="Web-{61DD86B3-E603-4F76-D555-E89CF19E82A1}" dt="2020-09-08T04:07:34.061" v="2"/>
-        <pc:sldMkLst>
-          <pc:docMk/>
-          <pc:sldMk cId="2436649047" sldId="300"/>
-        </pc:sldMkLst>
-      </pc:sldChg>
-      <pc:sldChg chg="add">
-        <pc:chgData name="게스트 사용자" userId="b42a743e3333378e" providerId="Windows Live" clId="Web-{61DD86B3-E603-4F76-D555-E89CF19E82A1}" dt="2020-09-08T04:07:39.920" v="3"/>
-        <pc:sldMkLst>
-          <pc:docMk/>
-          <pc:sldMk cId="2299653491" sldId="301"/>
-        </pc:sldMkLst>
-      </pc:sldChg>
-      <pc:sldChg chg="add">
-        <pc:chgData name="게스트 사용자" userId="b42a743e3333378e" providerId="Windows Live" clId="Web-{61DD86B3-E603-4F76-D555-E89CF19E82A1}" dt="2020-09-08T04:07:45.139" v="4"/>
-        <pc:sldMkLst>
-          <pc:docMk/>
-          <pc:sldMk cId="3868869699" sldId="302"/>
-        </pc:sldMkLst>
-      </pc:sldChg>
-      <pc:sldChg chg="add">
-        <pc:chgData name="게스트 사용자" userId="b42a743e3333378e" providerId="Windows Live" clId="Web-{61DD86B3-E603-4F76-D555-E89CF19E82A1}" dt="2020-09-08T04:07:49.749" v="5"/>
-        <pc:sldMkLst>
-          <pc:docMk/>
-          <pc:sldMk cId="438991075" sldId="303"/>
-        </pc:sldMkLst>
-      </pc:sldChg>
-    </pc:docChg>
-  </pc:docChgLst>
-</pc:chgInfo>
 </file>
 
 <file path=ppt/notesMasters/notesMaster1.xml><?xml version="1.0" encoding="utf-8"?>
@@ -13042,168 +12860,6 @@
           <a:chExt cx="0" cy="0"/>
         </a:xfrm>
       </p:grpSpPr>
-      <p:sp>
-        <p:nvSpPr>
-          <p:cNvPr id="7" name="직사각형 6">
-            <a:extLst>
-              <a:ext uri="{FF2B5EF4-FFF2-40B4-BE49-F238E27FC236}">
-                <a16:creationId xmlns:a16="http://schemas.microsoft.com/office/drawing/2014/main" id="{F94FF3B4-A60D-4B54-AE43-9E93AB19D675}"/>
-              </a:ext>
-            </a:extLst>
-          </p:cNvPr>
-          <p:cNvSpPr/>
-          <p:nvPr/>
-        </p:nvSpPr>
-        <p:spPr>
-          <a:xfrm>
-            <a:off x="0" y="4610100"/>
-            <a:ext cx="4248150" cy="2247900"/>
-          </a:xfrm>
-          <a:prstGeom prst="rect">
-            <a:avLst/>
-          </a:prstGeom>
-          <a:solidFill>
-            <a:schemeClr val="bg1">
-              <a:lumMod val="95000"/>
-            </a:schemeClr>
-          </a:solidFill>
-          <a:ln>
-            <a:noFill/>
-          </a:ln>
-        </p:spPr>
-        <p:style>
-          <a:lnRef idx="2">
-            <a:schemeClr val="accent1">
-              <a:shade val="50000"/>
-            </a:schemeClr>
-          </a:lnRef>
-          <a:fillRef idx="1">
-            <a:schemeClr val="accent1"/>
-          </a:fillRef>
-          <a:effectRef idx="0">
-            <a:schemeClr val="accent1"/>
-          </a:effectRef>
-          <a:fontRef idx="minor">
-            <a:schemeClr val="lt1"/>
-          </a:fontRef>
-        </p:style>
-        <p:txBody>
-          <a:bodyPr rtlCol="0" anchor="ctr"/>
-          <a:lstStyle/>
-          <a:p>
-            <a:pPr algn="ctr"/>
-            <a:endParaRPr lang="ko-KR" altLang="en-US"/>
-          </a:p>
-        </p:txBody>
-      </p:sp>
-      <p:sp>
-        <p:nvSpPr>
-          <p:cNvPr id="6" name="직사각형 5">
-            <a:extLst>
-              <a:ext uri="{FF2B5EF4-FFF2-40B4-BE49-F238E27FC236}">
-                <a16:creationId xmlns:a16="http://schemas.microsoft.com/office/drawing/2014/main" id="{5AEF4E89-0282-486F-9F0D-A993714A6CA4}"/>
-              </a:ext>
-            </a:extLst>
-          </p:cNvPr>
-          <p:cNvSpPr/>
-          <p:nvPr/>
-        </p:nvSpPr>
-        <p:spPr>
-          <a:xfrm>
-            <a:off x="0" y="0"/>
-            <a:ext cx="4248150" cy="2305050"/>
-          </a:xfrm>
-          <a:prstGeom prst="rect">
-            <a:avLst/>
-          </a:prstGeom>
-          <a:solidFill>
-            <a:schemeClr val="bg1">
-              <a:lumMod val="95000"/>
-            </a:schemeClr>
-          </a:solidFill>
-          <a:ln>
-            <a:noFill/>
-          </a:ln>
-        </p:spPr>
-        <p:style>
-          <a:lnRef idx="2">
-            <a:schemeClr val="accent1">
-              <a:shade val="50000"/>
-            </a:schemeClr>
-          </a:lnRef>
-          <a:fillRef idx="1">
-            <a:schemeClr val="accent1"/>
-          </a:fillRef>
-          <a:effectRef idx="0">
-            <a:schemeClr val="accent1"/>
-          </a:effectRef>
-          <a:fontRef idx="minor">
-            <a:schemeClr val="lt1"/>
-          </a:fontRef>
-        </p:style>
-        <p:txBody>
-          <a:bodyPr rtlCol="0" anchor="ctr"/>
-          <a:lstStyle/>
-          <a:p>
-            <a:pPr algn="ctr"/>
-            <a:endParaRPr lang="ko-KR" altLang="en-US"/>
-          </a:p>
-        </p:txBody>
-      </p:sp>
-      <p:sp>
-        <p:nvSpPr>
-          <p:cNvPr id="3" name="직사각형 2">
-            <a:extLst>
-              <a:ext uri="{FF2B5EF4-FFF2-40B4-BE49-F238E27FC236}">
-                <a16:creationId xmlns:a16="http://schemas.microsoft.com/office/drawing/2014/main" id="{2F766E5C-16D1-4613-AA74-28450984E65D}"/>
-              </a:ext>
-            </a:extLst>
-          </p:cNvPr>
-          <p:cNvSpPr/>
-          <p:nvPr/>
-        </p:nvSpPr>
-        <p:spPr>
-          <a:xfrm>
-            <a:off x="4156552" y="-3133"/>
-            <a:ext cx="8037532" cy="6857999"/>
-          </a:xfrm>
-          <a:prstGeom prst="rect">
-            <a:avLst/>
-          </a:prstGeom>
-          <a:solidFill>
-            <a:schemeClr val="bg1">
-              <a:lumMod val="95000"/>
-            </a:schemeClr>
-          </a:solidFill>
-          <a:ln>
-            <a:noFill/>
-          </a:ln>
-        </p:spPr>
-        <p:style>
-          <a:lnRef idx="2">
-            <a:schemeClr val="accent1">
-              <a:shade val="50000"/>
-            </a:schemeClr>
-          </a:lnRef>
-          <a:fillRef idx="1">
-            <a:schemeClr val="accent1"/>
-          </a:fillRef>
-          <a:effectRef idx="0">
-            <a:schemeClr val="accent1"/>
-          </a:effectRef>
-          <a:fontRef idx="minor">
-            <a:schemeClr val="lt1"/>
-          </a:fontRef>
-        </p:style>
-        <p:txBody>
-          <a:bodyPr rtlCol="0" anchor="ctr"/>
-          <a:lstStyle/>
-          <a:p>
-            <a:pPr algn="ctr"/>
-            <a:endParaRPr lang="ko-KR" altLang="en-US"/>
-          </a:p>
-        </p:txBody>
-      </p:sp>
       <p:pic>
         <p:nvPicPr>
           <p:cNvPr id="8" name="그림 8" descr="텍스트, 지도이(가) 표시된 사진&#10;&#10;자동 생성된 설명">
@@ -13226,8 +12882,8 @@
         </p:blipFill>
         <p:spPr>
           <a:xfrm>
-            <a:off x="4304647" y="531935"/>
-            <a:ext cx="7743041" cy="5896188"/>
+            <a:off x="4304647" y="740702"/>
+            <a:ext cx="7492520" cy="5687421"/>
           </a:xfrm>
           <a:prstGeom prst="rect">
             <a:avLst/>
@@ -13248,7 +12904,7 @@
         </p:nvSpPr>
         <p:spPr>
           <a:xfrm>
-            <a:off x="182278" y="2582972"/>
+            <a:off x="391045" y="2520342"/>
             <a:ext cx="4006241" cy="2215991"/>
           </a:xfrm>
           <a:prstGeom prst="rect">
@@ -13279,70 +12935,147 @@
           </a:p>
         </p:txBody>
       </p:sp>
-      <p:pic>
-        <p:nvPicPr>
-          <p:cNvPr id="4" name="그림 4">
+      <p:grpSp>
+        <p:nvGrpSpPr>
+          <p:cNvPr id="2" name="그룹 1">
             <a:extLst>
               <a:ext uri="{FF2B5EF4-FFF2-40B4-BE49-F238E27FC236}">
-                <a16:creationId xmlns:a16="http://schemas.microsoft.com/office/drawing/2014/main" id="{4E395E0F-0DFF-464B-804F-160598639312}"/>
+                <a16:creationId xmlns:a16="http://schemas.microsoft.com/office/drawing/2014/main" id="{EA1FC128-F800-4D32-9E6E-AD5443A8AF64}"/>
               </a:ext>
             </a:extLst>
           </p:cNvPr>
-          <p:cNvPicPr>
-            <a:picLocks noChangeAspect="1"/>
-          </p:cNvPicPr>
+          <p:cNvGrpSpPr/>
           <p:nvPr/>
-        </p:nvPicPr>
-        <p:blipFill>
-          <a:blip r:embed="rId3"/>
-          <a:stretch>
-            <a:fillRect/>
-          </a:stretch>
-        </p:blipFill>
-        <p:spPr>
+        </p:nvGrpSpPr>
+        <p:grpSpPr>
           <a:xfrm>
-            <a:off x="704850" y="-249"/>
-            <a:ext cx="2743200" cy="2191248"/>
+            <a:off x="234763" y="649380"/>
+            <a:ext cx="11721352" cy="5468471"/>
+            <a:chOff x="234763" y="649380"/>
+            <a:chExt cx="11721352" cy="5468471"/>
           </a:xfrm>
-          <a:prstGeom prst="rect">
-            <a:avLst/>
-          </a:prstGeom>
-        </p:spPr>
-      </p:pic>
-      <p:pic>
-        <p:nvPicPr>
-          <p:cNvPr id="5" name="그림 5" descr="텍스트이(가) 표시된 사진&#10;&#10;자동 생성된 설명">
-            <a:extLst>
-              <a:ext uri="{FF2B5EF4-FFF2-40B4-BE49-F238E27FC236}">
-                <a16:creationId xmlns:a16="http://schemas.microsoft.com/office/drawing/2014/main" id="{2BEDF4DA-EDD8-4237-A2A6-AE4F523B4E29}"/>
-              </a:ext>
-            </a:extLst>
-          </p:cNvPr>
-          <p:cNvPicPr>
-            <a:picLocks noChangeAspect="1"/>
-          </p:cNvPicPr>
-          <p:nvPr/>
-        </p:nvPicPr>
-        <p:blipFill>
-          <a:blip r:embed="rId4"/>
-          <a:stretch>
-            <a:fillRect/>
-          </a:stretch>
-        </p:blipFill>
-        <p:spPr>
-          <a:xfrm>
-            <a:off x="704850" y="4686051"/>
-            <a:ext cx="2743200" cy="2191248"/>
-          </a:xfrm>
-          <a:prstGeom prst="rect">
-            <a:avLst/>
-          </a:prstGeom>
-        </p:spPr>
-      </p:pic>
+        </p:grpSpPr>
+        <p:sp>
+          <p:nvSpPr>
+            <p:cNvPr id="10" name="직사각형 9">
+              <a:extLst>
+                <a:ext uri="{FF2B5EF4-FFF2-40B4-BE49-F238E27FC236}">
+                  <a16:creationId xmlns:a16="http://schemas.microsoft.com/office/drawing/2014/main" id="{4B657335-D5E5-43E3-BDF8-D57848859D43}"/>
+                </a:ext>
+              </a:extLst>
+            </p:cNvPr>
+            <p:cNvSpPr/>
+            <p:nvPr/>
+          </p:nvSpPr>
+          <p:spPr>
+            <a:xfrm>
+              <a:off x="234763" y="716616"/>
+              <a:ext cx="67235" cy="5401235"/>
+            </a:xfrm>
+            <a:prstGeom prst="rect">
+              <a:avLst/>
+            </a:prstGeom>
+            <a:solidFill>
+              <a:schemeClr val="bg1">
+                <a:lumMod val="65000"/>
+              </a:schemeClr>
+            </a:solidFill>
+            <a:ln>
+              <a:noFill/>
+            </a:ln>
+          </p:spPr>
+          <p:style>
+            <a:lnRef idx="2">
+              <a:schemeClr val="accent1">
+                <a:shade val="50000"/>
+              </a:schemeClr>
+            </a:lnRef>
+            <a:fillRef idx="1">
+              <a:schemeClr val="accent1"/>
+            </a:fillRef>
+            <a:effectRef idx="0">
+              <a:schemeClr val="accent1"/>
+            </a:effectRef>
+            <a:fontRef idx="minor">
+              <a:schemeClr val="lt1"/>
+            </a:fontRef>
+          </p:style>
+          <p:txBody>
+            <a:bodyPr rtlCol="0" anchor="ctr"/>
+            <a:lstStyle/>
+            <a:p>
+              <a:pPr algn="ctr"/>
+              <a:endParaRPr lang="ko-KR" altLang="en-US">
+                <a:solidFill>
+                  <a:srgbClr val="000000"/>
+                </a:solidFill>
+              </a:endParaRPr>
+            </a:p>
+          </p:txBody>
+        </p:sp>
+        <p:sp>
+          <p:nvSpPr>
+            <p:cNvPr id="12" name="직사각형 11">
+              <a:extLst>
+                <a:ext uri="{FF2B5EF4-FFF2-40B4-BE49-F238E27FC236}">
+                  <a16:creationId xmlns:a16="http://schemas.microsoft.com/office/drawing/2014/main" id="{5700D210-8719-4791-8484-CB5E23F0494A}"/>
+                </a:ext>
+              </a:extLst>
+            </p:cNvPr>
+            <p:cNvSpPr/>
+            <p:nvPr/>
+          </p:nvSpPr>
+          <p:spPr>
+            <a:xfrm>
+              <a:off x="11888880" y="649380"/>
+              <a:ext cx="67235" cy="5401235"/>
+            </a:xfrm>
+            <a:prstGeom prst="rect">
+              <a:avLst/>
+            </a:prstGeom>
+            <a:solidFill>
+              <a:schemeClr val="bg1">
+                <a:lumMod val="65000"/>
+              </a:schemeClr>
+            </a:solidFill>
+            <a:ln>
+              <a:noFill/>
+            </a:ln>
+          </p:spPr>
+          <p:style>
+            <a:lnRef idx="2">
+              <a:schemeClr val="accent1">
+                <a:shade val="50000"/>
+              </a:schemeClr>
+            </a:lnRef>
+            <a:fillRef idx="1">
+              <a:schemeClr val="accent1"/>
+            </a:fillRef>
+            <a:effectRef idx="0">
+              <a:schemeClr val="accent1"/>
+            </a:effectRef>
+            <a:fontRef idx="minor">
+              <a:schemeClr val="lt1"/>
+            </a:fontRef>
+          </p:style>
+          <p:txBody>
+            <a:bodyPr rtlCol="0" anchor="ctr"/>
+            <a:lstStyle/>
+            <a:p>
+              <a:pPr algn="ctr"/>
+              <a:endParaRPr lang="ko-KR" altLang="en-US">
+                <a:solidFill>
+                  <a:srgbClr val="000000"/>
+                </a:solidFill>
+              </a:endParaRPr>
+            </a:p>
+          </p:txBody>
+        </p:sp>
+      </p:grpSp>
     </p:spTree>
     <p:extLst>
       <p:ext uri="{BB962C8B-B14F-4D97-AF65-F5344CB8AC3E}">
-        <p14:creationId xmlns:p14="http://schemas.microsoft.com/office/powerpoint/2010/main" val="2728106436"/>
+        <p14:creationId xmlns:p14="http://schemas.microsoft.com/office/powerpoint/2010/main" val="830623982"/>
       </p:ext>
     </p:extLst>
   </p:cSld>
@@ -13353,6 +13086,314 @@
 </file>
 
 <file path=ppt/slides/slide13.xml><?xml version="1.0" encoding="utf-8"?>
+<p:sld xmlns:a="http://schemas.openxmlformats.org/drawingml/2006/main" xmlns:r="http://schemas.openxmlformats.org/officeDocument/2006/relationships" xmlns:p="http://schemas.openxmlformats.org/presentationml/2006/main">
+  <p:cSld>
+    <p:spTree>
+      <p:nvGrpSpPr>
+        <p:cNvPr id="1" name=""/>
+        <p:cNvGrpSpPr/>
+        <p:nvPr/>
+      </p:nvGrpSpPr>
+      <p:grpSpPr>
+        <a:xfrm>
+          <a:off x="0" y="0"/>
+          <a:ext cx="0" cy="0"/>
+          <a:chOff x="0" y="0"/>
+          <a:chExt cx="0" cy="0"/>
+        </a:xfrm>
+      </p:grpSpPr>
+      <p:grpSp>
+        <p:nvGrpSpPr>
+          <p:cNvPr id="8" name="그룹 7">
+            <a:extLst>
+              <a:ext uri="{FF2B5EF4-FFF2-40B4-BE49-F238E27FC236}">
+                <a16:creationId xmlns:a16="http://schemas.microsoft.com/office/drawing/2014/main" id="{26000095-EB84-4EE6-8E4E-F6CF4F187EAA}"/>
+              </a:ext>
+            </a:extLst>
+          </p:cNvPr>
+          <p:cNvGrpSpPr/>
+          <p:nvPr/>
+        </p:nvGrpSpPr>
+        <p:grpSpPr>
+          <a:xfrm>
+            <a:off x="1022583" y="653055"/>
+            <a:ext cx="9933138" cy="4362947"/>
+            <a:chOff x="1607898" y="1823071"/>
+            <a:chExt cx="5549030" cy="2191770"/>
+          </a:xfrm>
+        </p:grpSpPr>
+        <p:pic>
+          <p:nvPicPr>
+            <p:cNvPr id="5" name="그림 4">
+              <a:extLst>
+                <a:ext uri="{FF2B5EF4-FFF2-40B4-BE49-F238E27FC236}">
+                  <a16:creationId xmlns:a16="http://schemas.microsoft.com/office/drawing/2014/main" id="{79A9C66F-3125-4B85-B799-8617D00DCA21}"/>
+                </a:ext>
+              </a:extLst>
+            </p:cNvPr>
+            <p:cNvPicPr>
+              <a:picLocks noChangeAspect="1"/>
+            </p:cNvPicPr>
+            <p:nvPr/>
+          </p:nvPicPr>
+          <p:blipFill>
+            <a:blip r:embed="rId2"/>
+            <a:stretch>
+              <a:fillRect/>
+            </a:stretch>
+          </p:blipFill>
+          <p:spPr>
+            <a:xfrm>
+              <a:off x="1607898" y="1823071"/>
+              <a:ext cx="2743200" cy="2191248"/>
+            </a:xfrm>
+            <a:prstGeom prst="rect">
+              <a:avLst/>
+            </a:prstGeom>
+          </p:spPr>
+        </p:pic>
+        <p:pic>
+          <p:nvPicPr>
+            <p:cNvPr id="7" name="그림 5" descr="텍스트이(가) 표시된 사진&#10;&#10;자동 생성된 설명">
+              <a:extLst>
+                <a:ext uri="{FF2B5EF4-FFF2-40B4-BE49-F238E27FC236}">
+                  <a16:creationId xmlns:a16="http://schemas.microsoft.com/office/drawing/2014/main" id="{78BEDFF9-9B16-4349-95EC-D4461CCFF9E2}"/>
+                </a:ext>
+              </a:extLst>
+            </p:cNvPr>
+            <p:cNvPicPr>
+              <a:picLocks noChangeAspect="1"/>
+            </p:cNvPicPr>
+            <p:nvPr/>
+          </p:nvPicPr>
+          <p:blipFill>
+            <a:blip r:embed="rId3"/>
+            <a:stretch>
+              <a:fillRect/>
+            </a:stretch>
+          </p:blipFill>
+          <p:spPr>
+            <a:xfrm>
+              <a:off x="4413728" y="1823593"/>
+              <a:ext cx="2743200" cy="2191248"/>
+            </a:xfrm>
+            <a:prstGeom prst="rect">
+              <a:avLst/>
+            </a:prstGeom>
+          </p:spPr>
+        </p:pic>
+      </p:grpSp>
+      <p:grpSp>
+        <p:nvGrpSpPr>
+          <p:cNvPr id="12" name="그룹 11">
+            <a:extLst>
+              <a:ext uri="{FF2B5EF4-FFF2-40B4-BE49-F238E27FC236}">
+                <a16:creationId xmlns:a16="http://schemas.microsoft.com/office/drawing/2014/main" id="{9D6FB70B-B382-4426-A240-E7FC6CF1424B}"/>
+              </a:ext>
+            </a:extLst>
+          </p:cNvPr>
+          <p:cNvGrpSpPr/>
+          <p:nvPr/>
+        </p:nvGrpSpPr>
+        <p:grpSpPr>
+          <a:xfrm>
+            <a:off x="234763" y="649380"/>
+            <a:ext cx="11721352" cy="5468471"/>
+            <a:chOff x="234763" y="649380"/>
+            <a:chExt cx="11721352" cy="5468471"/>
+          </a:xfrm>
+        </p:grpSpPr>
+        <p:sp>
+          <p:nvSpPr>
+            <p:cNvPr id="10" name="직사각형 9">
+              <a:extLst>
+                <a:ext uri="{FF2B5EF4-FFF2-40B4-BE49-F238E27FC236}">
+                  <a16:creationId xmlns:a16="http://schemas.microsoft.com/office/drawing/2014/main" id="{84AA11CB-D617-4801-87D5-1F8DFE4C00FB}"/>
+                </a:ext>
+              </a:extLst>
+            </p:cNvPr>
+            <p:cNvSpPr/>
+            <p:nvPr/>
+          </p:nvSpPr>
+          <p:spPr>
+            <a:xfrm>
+              <a:off x="234763" y="716616"/>
+              <a:ext cx="67235" cy="5401235"/>
+            </a:xfrm>
+            <a:prstGeom prst="rect">
+              <a:avLst/>
+            </a:prstGeom>
+            <a:solidFill>
+              <a:schemeClr val="bg1">
+                <a:lumMod val="65000"/>
+              </a:schemeClr>
+            </a:solidFill>
+            <a:ln>
+              <a:noFill/>
+            </a:ln>
+          </p:spPr>
+          <p:style>
+            <a:lnRef idx="2">
+              <a:schemeClr val="accent1">
+                <a:shade val="50000"/>
+              </a:schemeClr>
+            </a:lnRef>
+            <a:fillRef idx="1">
+              <a:schemeClr val="accent1"/>
+            </a:fillRef>
+            <a:effectRef idx="0">
+              <a:schemeClr val="accent1"/>
+            </a:effectRef>
+            <a:fontRef idx="minor">
+              <a:schemeClr val="lt1"/>
+            </a:fontRef>
+          </p:style>
+          <p:txBody>
+            <a:bodyPr rtlCol="0" anchor="ctr"/>
+            <a:lstStyle/>
+            <a:p>
+              <a:pPr algn="ctr"/>
+              <a:endParaRPr lang="ko-KR" altLang="en-US">
+                <a:solidFill>
+                  <a:srgbClr val="000000"/>
+                </a:solidFill>
+              </a:endParaRPr>
+            </a:p>
+          </p:txBody>
+        </p:sp>
+        <p:sp>
+          <p:nvSpPr>
+            <p:cNvPr id="11" name="직사각형 10">
+              <a:extLst>
+                <a:ext uri="{FF2B5EF4-FFF2-40B4-BE49-F238E27FC236}">
+                  <a16:creationId xmlns:a16="http://schemas.microsoft.com/office/drawing/2014/main" id="{0B32965F-48C9-479F-81DE-88D49BD07DC7}"/>
+                </a:ext>
+              </a:extLst>
+            </p:cNvPr>
+            <p:cNvSpPr/>
+            <p:nvPr/>
+          </p:nvSpPr>
+          <p:spPr>
+            <a:xfrm>
+              <a:off x="11888880" y="649380"/>
+              <a:ext cx="67235" cy="5401235"/>
+            </a:xfrm>
+            <a:prstGeom prst="rect">
+              <a:avLst/>
+            </a:prstGeom>
+            <a:solidFill>
+              <a:schemeClr val="bg1">
+                <a:lumMod val="65000"/>
+              </a:schemeClr>
+            </a:solidFill>
+            <a:ln>
+              <a:noFill/>
+            </a:ln>
+          </p:spPr>
+          <p:style>
+            <a:lnRef idx="2">
+              <a:schemeClr val="accent1">
+                <a:shade val="50000"/>
+              </a:schemeClr>
+            </a:lnRef>
+            <a:fillRef idx="1">
+              <a:schemeClr val="accent1"/>
+            </a:fillRef>
+            <a:effectRef idx="0">
+              <a:schemeClr val="accent1"/>
+            </a:effectRef>
+            <a:fontRef idx="minor">
+              <a:schemeClr val="lt1"/>
+            </a:fontRef>
+          </p:style>
+          <p:txBody>
+            <a:bodyPr rtlCol="0" anchor="ctr"/>
+            <a:lstStyle/>
+            <a:p>
+              <a:pPr algn="ctr"/>
+              <a:endParaRPr lang="ko-KR" altLang="en-US">
+                <a:solidFill>
+                  <a:srgbClr val="000000"/>
+                </a:solidFill>
+              </a:endParaRPr>
+            </a:p>
+          </p:txBody>
+        </p:sp>
+      </p:grpSp>
+      <p:sp>
+        <p:nvSpPr>
+          <p:cNvPr id="2" name="TextBox 1">
+            <a:extLst>
+              <a:ext uri="{FF2B5EF4-FFF2-40B4-BE49-F238E27FC236}">
+                <a16:creationId xmlns:a16="http://schemas.microsoft.com/office/drawing/2014/main" id="{2B5FB3F8-64BE-4022-ABFD-8B0A6E31CD53}"/>
+              </a:ext>
+            </a:extLst>
+          </p:cNvPr>
+          <p:cNvSpPr txBox="1"/>
+          <p:nvPr/>
+        </p:nvSpPr>
+        <p:spPr>
+          <a:xfrm>
+            <a:off x="1149724" y="5385547"/>
+            <a:ext cx="9825317" cy="646331"/>
+          </a:xfrm>
+          <a:prstGeom prst="rect">
+            <a:avLst/>
+          </a:prstGeom>
+          <a:noFill/>
+        </p:spPr>
+        <p:txBody>
+          <a:bodyPr rot="0" spcFirstLastPara="0" vertOverflow="overflow" horzOverflow="overflow" vert="horz" wrap="square" lIns="91440" tIns="45720" rIns="91440" bIns="45720" numCol="1" spcCol="0" rtlCol="0" fromWordArt="0" anchor="t" anchorCtr="0" forceAA="0" compatLnSpc="1">
+            <a:prstTxWarp prst="textNoShape">
+              <a:avLst/>
+            </a:prstTxWarp>
+            <a:spAutoFit/>
+          </a:bodyPr>
+          <a:lstStyle/>
+          <a:p>
+            <a:r>
+              <a:rPr lang="ko-KR" altLang="en-US" dirty="0">
+                <a:ea typeface="맑은 고딕"/>
+              </a:rPr>
+              <a:t>50~60대 연령층 역시 코로나 관심도는 20대보다 낮은 것으로 보인다.</a:t>
+            </a:r>
+          </a:p>
+          <a:p>
+            <a:r>
+              <a:rPr lang="ko-KR" altLang="en-US" dirty="0">
+                <a:ea typeface="맑은 고딕"/>
+              </a:rPr>
+              <a:t>그렇다면 20대가 코로나 관심도는 높으면서도 </a:t>
+            </a:r>
+            <a:r>
+              <a:rPr lang="ko-KR" altLang="en-US" dirty="0" err="1">
+                <a:ea typeface="맑은 고딕"/>
+              </a:rPr>
+              <a:t>확진자</a:t>
+            </a:r>
+            <a:r>
+              <a:rPr lang="ko-KR" altLang="en-US" dirty="0">
+                <a:ea typeface="맑은 고딕"/>
+              </a:rPr>
+              <a:t> 수 역시 많은 이유는 무엇일까?</a:t>
+            </a:r>
+          </a:p>
+        </p:txBody>
+      </p:sp>
+    </p:spTree>
+    <p:extLst>
+      <p:ext uri="{BB962C8B-B14F-4D97-AF65-F5344CB8AC3E}">
+        <p14:creationId xmlns:p14="http://schemas.microsoft.com/office/powerpoint/2010/main" val="3808483020"/>
+      </p:ext>
+    </p:extLst>
+  </p:cSld>
+  <p:clrMapOvr>
+    <a:masterClrMapping/>
+  </p:clrMapOvr>
+</p:sld>
+</file>
+
+<file path=ppt/slides/slide14.xml><?xml version="1.0" encoding="utf-8"?>
 <p:sld xmlns:a="http://schemas.openxmlformats.org/drawingml/2006/main" xmlns:r="http://schemas.openxmlformats.org/officeDocument/2006/relationships" xmlns:p="http://schemas.openxmlformats.org/presentationml/2006/main">
   <p:cSld>
     <p:spTree>
@@ -13724,7 +13765,7 @@
 </p:sld>
 </file>
 
-<file path=ppt/slides/slide14.xml><?xml version="1.0" encoding="utf-8"?>
+<file path=ppt/slides/slide15.xml><?xml version="1.0" encoding="utf-8"?>
 <p:sld xmlns:a="http://schemas.openxmlformats.org/drawingml/2006/main" xmlns:r="http://schemas.openxmlformats.org/officeDocument/2006/relationships" xmlns:p="http://schemas.openxmlformats.org/presentationml/2006/main">
   <p:cSld>
     <p:spTree>
@@ -13964,7 +14005,7 @@
 </p:sld>
 </file>
 
-<file path=ppt/slides/slide15.xml><?xml version="1.0" encoding="utf-8"?>
+<file path=ppt/slides/slide16.xml><?xml version="1.0" encoding="utf-8"?>
 <p:sld xmlns:a="http://schemas.openxmlformats.org/drawingml/2006/main" xmlns:r="http://schemas.openxmlformats.org/officeDocument/2006/relationships" xmlns:p="http://schemas.openxmlformats.org/presentationml/2006/main">
   <p:cSld>
     <p:spTree>
@@ -14294,7 +14335,7 @@
 </p:sld>
 </file>
 
-<file path=ppt/slides/slide16.xml><?xml version="1.0" encoding="utf-8"?>
+<file path=ppt/slides/slide17.xml><?xml version="1.0" encoding="utf-8"?>
 <p:sld xmlns:a="http://schemas.openxmlformats.org/drawingml/2006/main" xmlns:r="http://schemas.openxmlformats.org/officeDocument/2006/relationships" xmlns:p="http://schemas.openxmlformats.org/presentationml/2006/main">
   <p:cSld>
     <p:spTree>
@@ -14653,7 +14694,7 @@
 </p:sld>
 </file>
 
-<file path=ppt/slides/slide17.xml><?xml version="1.0" encoding="utf-8"?>
+<file path=ppt/slides/slide18.xml><?xml version="1.0" encoding="utf-8"?>
 <p:sld xmlns:a="http://schemas.openxmlformats.org/drawingml/2006/main" xmlns:r="http://schemas.openxmlformats.org/officeDocument/2006/relationships" xmlns:p="http://schemas.openxmlformats.org/presentationml/2006/main">
   <p:cSld>
     <p:spTree>
@@ -15131,7 +15172,7 @@
 </p:sld>
 </file>
 
-<file path=ppt/slides/slide18.xml><?xml version="1.0" encoding="utf-8"?>
+<file path=ppt/slides/slide19.xml><?xml version="1.0" encoding="utf-8"?>
 <p:sld xmlns:a="http://schemas.openxmlformats.org/drawingml/2006/main" xmlns:r="http://schemas.openxmlformats.org/officeDocument/2006/relationships" xmlns:p="http://schemas.openxmlformats.org/presentationml/2006/main">
   <p:cSld>
     <p:spTree>
@@ -15473,229 +15514,6 @@
 </p:sld>
 </file>
 
-<file path=ppt/slides/slide19.xml><?xml version="1.0" encoding="utf-8"?>
-<p:sld xmlns:a="http://schemas.openxmlformats.org/drawingml/2006/main" xmlns:r="http://schemas.openxmlformats.org/officeDocument/2006/relationships" xmlns:p="http://schemas.openxmlformats.org/presentationml/2006/main">
-  <p:cSld>
-    <p:spTree>
-      <p:nvGrpSpPr>
-        <p:cNvPr id="1" name=""/>
-        <p:cNvGrpSpPr/>
-        <p:nvPr/>
-      </p:nvGrpSpPr>
-      <p:grpSpPr>
-        <a:xfrm>
-          <a:off x="0" y="0"/>
-          <a:ext cx="0" cy="0"/>
-          <a:chOff x="0" y="0"/>
-          <a:chExt cx="0" cy="0"/>
-        </a:xfrm>
-      </p:grpSpPr>
-      <p:sp>
-        <p:nvSpPr>
-          <p:cNvPr id="2" name="제목 1">
-            <a:extLst>
-              <a:ext uri="{FF2B5EF4-FFF2-40B4-BE49-F238E27FC236}">
-                <a16:creationId xmlns:a16="http://schemas.microsoft.com/office/drawing/2014/main" id="{B148CC22-7BEE-428A-A7E1-1E6388DB5C93}"/>
-              </a:ext>
-            </a:extLst>
-          </p:cNvPr>
-          <p:cNvSpPr>
-            <a:spLocks noGrp="1"/>
-          </p:cNvSpPr>
-          <p:nvPr>
-            <p:ph type="title"/>
-          </p:nvPr>
-        </p:nvSpPr>
-        <p:spPr/>
-        <p:txBody>
-          <a:bodyPr>
-            <a:normAutofit fontScale="90000"/>
-          </a:bodyPr>
-          <a:lstStyle/>
-          <a:p>
-            <a:pPr>
-              <a:lnSpc>
-                <a:spcPct val="150000"/>
-              </a:lnSpc>
-            </a:pPr>
-            <a:r>
-              <a:rPr lang="en-US" altLang="ko-KR" dirty="0">
-                <a:ea typeface="맑은 고딕"/>
-              </a:rPr>
-              <a:t>2. 20</a:t>
-            </a:r>
-            <a:r>
-              <a:rPr lang="ko-KR" altLang="en-US" dirty="0">
-                <a:ea typeface="맑은 고딕"/>
-              </a:rPr>
-              <a:t>대는 불타는 청춘</a:t>
-            </a:r>
-            <a:r>
-              <a:rPr lang="en-US" altLang="ko-KR" dirty="0">
-                <a:ea typeface="맑은 고딕"/>
-              </a:rPr>
-              <a:t>. </a:t>
-            </a:r>
-            <a:br>
-              <a:rPr lang="en-US" altLang="ko-KR" dirty="0"/>
-            </a:br>
-            <a:r>
-              <a:rPr lang="ko-KR" altLang="en-US" dirty="0">
-                <a:ea typeface="맑은 고딕"/>
-              </a:rPr>
-              <a:t>외출을 많이 해서 그렇지 않을까</a:t>
-            </a:r>
-            <a:r>
-              <a:rPr lang="en-US" altLang="ko-KR" dirty="0">
-                <a:ea typeface="맑은 고딕"/>
-              </a:rPr>
-              <a:t>??</a:t>
-            </a:r>
-            <a:endParaRPr lang="ko-KR" altLang="en-US" dirty="0">
-              <a:ea typeface="맑은 고딕"/>
-            </a:endParaRPr>
-          </a:p>
-        </p:txBody>
-      </p:sp>
-      <p:sp>
-        <p:nvSpPr>
-          <p:cNvPr id="3" name="TextBox 2">
-            <a:extLst>
-              <a:ext uri="{FF2B5EF4-FFF2-40B4-BE49-F238E27FC236}">
-                <a16:creationId xmlns:a16="http://schemas.microsoft.com/office/drawing/2014/main" id="{41EBE7FF-D261-4577-B0A2-BFCE149D07F0}"/>
-              </a:ext>
-            </a:extLst>
-          </p:cNvPr>
-          <p:cNvSpPr txBox="1"/>
-          <p:nvPr/>
-        </p:nvSpPr>
-        <p:spPr>
-          <a:xfrm>
-            <a:off x="977245" y="2144880"/>
-            <a:ext cx="10237510" cy="646331"/>
-          </a:xfrm>
-          <a:prstGeom prst="rect">
-            <a:avLst/>
-          </a:prstGeom>
-          <a:noFill/>
-        </p:spPr>
-        <p:txBody>
-          <a:bodyPr wrap="square" rtlCol="0">
-            <a:spAutoFit/>
-          </a:bodyPr>
-          <a:lstStyle/>
-          <a:p>
-            <a:r>
-              <a:rPr lang="ko-KR" altLang="en-US" dirty="0"/>
-              <a:t>다른 계층에 비해 마스크를 실내에서 쓰지 않는 곳의 비율이 </a:t>
-            </a:r>
-            <a:r>
-              <a:rPr lang="en-US" altLang="ko-KR" dirty="0"/>
-              <a:t>20</a:t>
-            </a:r>
-            <a:r>
-              <a:rPr lang="ko-KR" altLang="en-US" dirty="0"/>
-              <a:t>대가 높았고</a:t>
-            </a:r>
-            <a:r>
-              <a:rPr lang="en-US" altLang="ko-KR" dirty="0"/>
-              <a:t>,</a:t>
-            </a:r>
-          </a:p>
-          <a:p>
-            <a:r>
-              <a:rPr lang="ko-KR" altLang="en-US" dirty="0"/>
-              <a:t>이를 통해 두 번째 결론에 도달할 수 있었다</a:t>
-            </a:r>
-            <a:r>
-              <a:rPr lang="en-US" altLang="ko-KR" dirty="0"/>
-              <a:t>.</a:t>
-            </a:r>
-          </a:p>
-        </p:txBody>
-      </p:sp>
-      <p:sp>
-        <p:nvSpPr>
-          <p:cNvPr id="4" name="직사각형 3">
-            <a:extLst>
-              <a:ext uri="{FF2B5EF4-FFF2-40B4-BE49-F238E27FC236}">
-                <a16:creationId xmlns:a16="http://schemas.microsoft.com/office/drawing/2014/main" id="{FFC81EB3-B096-4587-8E2D-17D44BB080DE}"/>
-              </a:ext>
-            </a:extLst>
-          </p:cNvPr>
-          <p:cNvSpPr/>
-          <p:nvPr/>
-        </p:nvSpPr>
-        <p:spPr>
-          <a:xfrm>
-            <a:off x="838200" y="3009953"/>
-            <a:ext cx="9983771" cy="2061667"/>
-          </a:xfrm>
-          <a:prstGeom prst="rect">
-            <a:avLst/>
-          </a:prstGeom>
-        </p:spPr>
-        <p:style>
-          <a:lnRef idx="2">
-            <a:schemeClr val="accent1">
-              <a:shade val="50000"/>
-            </a:schemeClr>
-          </a:lnRef>
-          <a:fillRef idx="1">
-            <a:schemeClr val="accent1"/>
-          </a:fillRef>
-          <a:effectRef idx="0">
-            <a:schemeClr val="accent1"/>
-          </a:effectRef>
-          <a:fontRef idx="minor">
-            <a:schemeClr val="lt1"/>
-          </a:fontRef>
-        </p:style>
-        <p:txBody>
-          <a:bodyPr rtlCol="0" anchor="ctr"/>
-          <a:lstStyle/>
-          <a:p>
-            <a:pPr algn="ctr"/>
-            <a:r>
-              <a:rPr lang="ko-KR" altLang="en-US" sz="3200" dirty="0"/>
-              <a:t>두 번째 결론 </a:t>
-            </a:r>
-            <a:r>
-              <a:rPr lang="en-US" altLang="ko-KR" sz="3200" dirty="0"/>
-              <a:t>: 20</a:t>
-            </a:r>
-            <a:r>
-              <a:rPr lang="ko-KR" altLang="en-US" sz="3200" dirty="0"/>
-              <a:t>대는 실내에서 마스크를 착용하지 않는 곳에 외출을 많이 했고</a:t>
-            </a:r>
-            <a:r>
-              <a:rPr lang="en-US" altLang="ko-KR" sz="3200" dirty="0"/>
-              <a:t>, </a:t>
-            </a:r>
-            <a:r>
-              <a:rPr lang="ko-KR" altLang="en-US" sz="3200" dirty="0"/>
-              <a:t>감염의 위험이 높아졌다</a:t>
-            </a:r>
-            <a:r>
-              <a:rPr lang="en-US" altLang="ko-KR" sz="3200" dirty="0"/>
-              <a:t>.</a:t>
-            </a:r>
-          </a:p>
-        </p:txBody>
-      </p:sp>
-    </p:spTree>
-    <p:extLst>
-      <p:ext uri="{BB962C8B-B14F-4D97-AF65-F5344CB8AC3E}">
-        <p14:creationId xmlns:p14="http://schemas.microsoft.com/office/powerpoint/2010/main" val="1219664629"/>
-      </p:ext>
-    </p:extLst>
-  </p:cSld>
-  <p:clrMapOvr>
-    <a:masterClrMapping/>
-  </p:clrMapOvr>
-</p:sld>
-</file>
-
 <file path=ppt/slides/slide2.xml><?xml version="1.0" encoding="utf-8"?>
 <p:sld xmlns:a="http://schemas.openxmlformats.org/drawingml/2006/main" xmlns:r="http://schemas.openxmlformats.org/officeDocument/2006/relationships" xmlns:p="http://schemas.openxmlformats.org/presentationml/2006/main">
   <p:cSld>
@@ -15968,6 +15786,229 @@
       </p:grpSpPr>
       <p:sp>
         <p:nvSpPr>
+          <p:cNvPr id="2" name="제목 1">
+            <a:extLst>
+              <a:ext uri="{FF2B5EF4-FFF2-40B4-BE49-F238E27FC236}">
+                <a16:creationId xmlns:a16="http://schemas.microsoft.com/office/drawing/2014/main" id="{B148CC22-7BEE-428A-A7E1-1E6388DB5C93}"/>
+              </a:ext>
+            </a:extLst>
+          </p:cNvPr>
+          <p:cNvSpPr>
+            <a:spLocks noGrp="1"/>
+          </p:cNvSpPr>
+          <p:nvPr>
+            <p:ph type="title"/>
+          </p:nvPr>
+        </p:nvSpPr>
+        <p:spPr/>
+        <p:txBody>
+          <a:bodyPr>
+            <a:normAutofit fontScale="90000"/>
+          </a:bodyPr>
+          <a:lstStyle/>
+          <a:p>
+            <a:pPr>
+              <a:lnSpc>
+                <a:spcPct val="150000"/>
+              </a:lnSpc>
+            </a:pPr>
+            <a:r>
+              <a:rPr lang="en-US" altLang="ko-KR" dirty="0">
+                <a:ea typeface="맑은 고딕"/>
+              </a:rPr>
+              <a:t>2. 20</a:t>
+            </a:r>
+            <a:r>
+              <a:rPr lang="ko-KR" altLang="en-US" dirty="0">
+                <a:ea typeface="맑은 고딕"/>
+              </a:rPr>
+              <a:t>대는 불타는 청춘</a:t>
+            </a:r>
+            <a:r>
+              <a:rPr lang="en-US" altLang="ko-KR" dirty="0">
+                <a:ea typeface="맑은 고딕"/>
+              </a:rPr>
+              <a:t>. </a:t>
+            </a:r>
+            <a:br>
+              <a:rPr lang="en-US" altLang="ko-KR" dirty="0"/>
+            </a:br>
+            <a:r>
+              <a:rPr lang="ko-KR" altLang="en-US" dirty="0">
+                <a:ea typeface="맑은 고딕"/>
+              </a:rPr>
+              <a:t>외출을 많이 해서 그렇지 않을까</a:t>
+            </a:r>
+            <a:r>
+              <a:rPr lang="en-US" altLang="ko-KR" dirty="0">
+                <a:ea typeface="맑은 고딕"/>
+              </a:rPr>
+              <a:t>??</a:t>
+            </a:r>
+            <a:endParaRPr lang="ko-KR" altLang="en-US" dirty="0">
+              <a:ea typeface="맑은 고딕"/>
+            </a:endParaRPr>
+          </a:p>
+        </p:txBody>
+      </p:sp>
+      <p:sp>
+        <p:nvSpPr>
+          <p:cNvPr id="3" name="TextBox 2">
+            <a:extLst>
+              <a:ext uri="{FF2B5EF4-FFF2-40B4-BE49-F238E27FC236}">
+                <a16:creationId xmlns:a16="http://schemas.microsoft.com/office/drawing/2014/main" id="{41EBE7FF-D261-4577-B0A2-BFCE149D07F0}"/>
+              </a:ext>
+            </a:extLst>
+          </p:cNvPr>
+          <p:cNvSpPr txBox="1"/>
+          <p:nvPr/>
+        </p:nvSpPr>
+        <p:spPr>
+          <a:xfrm>
+            <a:off x="977245" y="2144880"/>
+            <a:ext cx="10237510" cy="646331"/>
+          </a:xfrm>
+          <a:prstGeom prst="rect">
+            <a:avLst/>
+          </a:prstGeom>
+          <a:noFill/>
+        </p:spPr>
+        <p:txBody>
+          <a:bodyPr wrap="square" rtlCol="0">
+            <a:spAutoFit/>
+          </a:bodyPr>
+          <a:lstStyle/>
+          <a:p>
+            <a:r>
+              <a:rPr lang="ko-KR" altLang="en-US" dirty="0"/>
+              <a:t>다른 계층에 비해 마스크를 실내에서 쓰지 않는 곳의 비율이 </a:t>
+            </a:r>
+            <a:r>
+              <a:rPr lang="en-US" altLang="ko-KR" dirty="0"/>
+              <a:t>20</a:t>
+            </a:r>
+            <a:r>
+              <a:rPr lang="ko-KR" altLang="en-US" dirty="0"/>
+              <a:t>대가 높았고</a:t>
+            </a:r>
+            <a:r>
+              <a:rPr lang="en-US" altLang="ko-KR" dirty="0"/>
+              <a:t>,</a:t>
+            </a:r>
+          </a:p>
+          <a:p>
+            <a:r>
+              <a:rPr lang="ko-KR" altLang="en-US" dirty="0"/>
+              <a:t>이를 통해 두 번째 결론에 도달할 수 있었다</a:t>
+            </a:r>
+            <a:r>
+              <a:rPr lang="en-US" altLang="ko-KR" dirty="0"/>
+              <a:t>.</a:t>
+            </a:r>
+          </a:p>
+        </p:txBody>
+      </p:sp>
+      <p:sp>
+        <p:nvSpPr>
+          <p:cNvPr id="4" name="직사각형 3">
+            <a:extLst>
+              <a:ext uri="{FF2B5EF4-FFF2-40B4-BE49-F238E27FC236}">
+                <a16:creationId xmlns:a16="http://schemas.microsoft.com/office/drawing/2014/main" id="{FFC81EB3-B096-4587-8E2D-17D44BB080DE}"/>
+              </a:ext>
+            </a:extLst>
+          </p:cNvPr>
+          <p:cNvSpPr/>
+          <p:nvPr/>
+        </p:nvSpPr>
+        <p:spPr>
+          <a:xfrm>
+            <a:off x="838200" y="3009953"/>
+            <a:ext cx="9983771" cy="2061667"/>
+          </a:xfrm>
+          <a:prstGeom prst="rect">
+            <a:avLst/>
+          </a:prstGeom>
+        </p:spPr>
+        <p:style>
+          <a:lnRef idx="2">
+            <a:schemeClr val="accent1">
+              <a:shade val="50000"/>
+            </a:schemeClr>
+          </a:lnRef>
+          <a:fillRef idx="1">
+            <a:schemeClr val="accent1"/>
+          </a:fillRef>
+          <a:effectRef idx="0">
+            <a:schemeClr val="accent1"/>
+          </a:effectRef>
+          <a:fontRef idx="minor">
+            <a:schemeClr val="lt1"/>
+          </a:fontRef>
+        </p:style>
+        <p:txBody>
+          <a:bodyPr rtlCol="0" anchor="ctr"/>
+          <a:lstStyle/>
+          <a:p>
+            <a:pPr algn="ctr"/>
+            <a:r>
+              <a:rPr lang="ko-KR" altLang="en-US" sz="3200" dirty="0"/>
+              <a:t>두 번째 결론 </a:t>
+            </a:r>
+            <a:r>
+              <a:rPr lang="en-US" altLang="ko-KR" sz="3200" dirty="0"/>
+              <a:t>: 20</a:t>
+            </a:r>
+            <a:r>
+              <a:rPr lang="ko-KR" altLang="en-US" sz="3200" dirty="0"/>
+              <a:t>대는 실내에서 마스크를 착용하지 않는 곳에 외출을 많이 했고</a:t>
+            </a:r>
+            <a:r>
+              <a:rPr lang="en-US" altLang="ko-KR" sz="3200" dirty="0"/>
+              <a:t>, </a:t>
+            </a:r>
+            <a:r>
+              <a:rPr lang="ko-KR" altLang="en-US" sz="3200" dirty="0"/>
+              <a:t>감염의 위험이 높아졌다</a:t>
+            </a:r>
+            <a:r>
+              <a:rPr lang="en-US" altLang="ko-KR" sz="3200" dirty="0"/>
+              <a:t>.</a:t>
+            </a:r>
+          </a:p>
+        </p:txBody>
+      </p:sp>
+    </p:spTree>
+    <p:extLst>
+      <p:ext uri="{BB962C8B-B14F-4D97-AF65-F5344CB8AC3E}">
+        <p14:creationId xmlns:p14="http://schemas.microsoft.com/office/powerpoint/2010/main" val="1219664629"/>
+      </p:ext>
+    </p:extLst>
+  </p:cSld>
+  <p:clrMapOvr>
+    <a:masterClrMapping/>
+  </p:clrMapOvr>
+</p:sld>
+</file>
+
+<file path=ppt/slides/slide21.xml><?xml version="1.0" encoding="utf-8"?>
+<p:sld xmlns:a="http://schemas.openxmlformats.org/drawingml/2006/main" xmlns:r="http://schemas.openxmlformats.org/officeDocument/2006/relationships" xmlns:p="http://schemas.openxmlformats.org/presentationml/2006/main">
+  <p:cSld>
+    <p:spTree>
+      <p:nvGrpSpPr>
+        <p:cNvPr id="1" name=""/>
+        <p:cNvGrpSpPr/>
+        <p:nvPr/>
+      </p:nvGrpSpPr>
+      <p:grpSpPr>
+        <a:xfrm>
+          <a:off x="0" y="0"/>
+          <a:ext cx="0" cy="0"/>
+          <a:chOff x="0" y="0"/>
+          <a:chExt cx="0" cy="0"/>
+        </a:xfrm>
+      </p:grpSpPr>
+      <p:sp>
+        <p:nvSpPr>
           <p:cNvPr id="5" name="직사각형 4">
             <a:extLst>
               <a:ext uri="{FF2B5EF4-FFF2-40B4-BE49-F238E27FC236}">
@@ -16154,7 +16195,7 @@
 </p:sld>
 </file>
 
-<file path=ppt/slides/slide21.xml><?xml version="1.0" encoding="utf-8"?>
+<file path=ppt/slides/slide22.xml><?xml version="1.0" encoding="utf-8"?>
 <p:sld xmlns:a="http://schemas.openxmlformats.org/drawingml/2006/main" xmlns:r="http://schemas.openxmlformats.org/officeDocument/2006/relationships" xmlns:p="http://schemas.openxmlformats.org/presentationml/2006/main">
   <p:cSld>
     <p:spTree>
@@ -16184,7 +16225,7 @@
 </p:sld>
 </file>
 
-<file path=ppt/slides/slide22.xml><?xml version="1.0" encoding="utf-8"?>
+<file path=ppt/slides/slide23.xml><?xml version="1.0" encoding="utf-8"?>
 <p:sld xmlns:a="http://schemas.openxmlformats.org/drawingml/2006/main" xmlns:r="http://schemas.openxmlformats.org/officeDocument/2006/relationships" xmlns:p="http://schemas.openxmlformats.org/presentationml/2006/main">
   <p:cSld>
     <p:spTree>
@@ -16214,7 +16255,7 @@
 </p:sld>
 </file>
 
-<file path=ppt/slides/slide23.xml><?xml version="1.0" encoding="utf-8"?>
+<file path=ppt/slides/slide24.xml><?xml version="1.0" encoding="utf-8"?>
 <p:sld xmlns:a="http://schemas.openxmlformats.org/drawingml/2006/main" xmlns:r="http://schemas.openxmlformats.org/officeDocument/2006/relationships" xmlns:p="http://schemas.openxmlformats.org/presentationml/2006/main">
   <p:cSld>
     <p:spTree>
@@ -16244,7 +16285,7 @@
 </p:sld>
 </file>
 
-<file path=ppt/slides/slide24.xml><?xml version="1.0" encoding="utf-8"?>
+<file path=ppt/slides/slide25.xml><?xml version="1.0" encoding="utf-8"?>
 <p:sld xmlns:a="http://schemas.openxmlformats.org/drawingml/2006/main" xmlns:r="http://schemas.openxmlformats.org/officeDocument/2006/relationships" xmlns:p="http://schemas.openxmlformats.org/presentationml/2006/main">
   <p:cSld>
     <p:spTree>
@@ -16274,7 +16315,7 @@
 </p:sld>
 </file>
 
-<file path=ppt/slides/slide25.xml><?xml version="1.0" encoding="utf-8"?>
+<file path=ppt/slides/slide26.xml><?xml version="1.0" encoding="utf-8"?>
 <p:sld xmlns:a="http://schemas.openxmlformats.org/drawingml/2006/main" xmlns:r="http://schemas.openxmlformats.org/officeDocument/2006/relationships" xmlns:p="http://schemas.openxmlformats.org/presentationml/2006/main">
   <p:cSld>
     <p:spTree>
@@ -16304,7 +16345,7 @@
 </p:sld>
 </file>
 
-<file path=ppt/slides/slide26.xml><?xml version="1.0" encoding="utf-8"?>
+<file path=ppt/slides/slide27.xml><?xml version="1.0" encoding="utf-8"?>
 <p:sld xmlns:a="http://schemas.openxmlformats.org/drawingml/2006/main" xmlns:r="http://schemas.openxmlformats.org/officeDocument/2006/relationships" xmlns:p="http://schemas.openxmlformats.org/presentationml/2006/main">
   <p:cSld>
     <p:spTree>
@@ -16334,7 +16375,7 @@
 </p:sld>
 </file>
 
-<file path=ppt/slides/slide27.xml><?xml version="1.0" encoding="utf-8"?>
+<file path=ppt/slides/slide28.xml><?xml version="1.0" encoding="utf-8"?>
 <p:sld xmlns:a="http://schemas.openxmlformats.org/drawingml/2006/main" xmlns:r="http://schemas.openxmlformats.org/officeDocument/2006/relationships" xmlns:p="http://schemas.openxmlformats.org/presentationml/2006/main">
   <p:cSld>
     <p:spTree>
@@ -16364,7 +16405,7 @@
 </p:sld>
 </file>
 
-<file path=ppt/slides/slide28.xml><?xml version="1.0" encoding="utf-8"?>
+<file path=ppt/slides/slide29.xml><?xml version="1.0" encoding="utf-8"?>
 <p:sld xmlns:a="http://schemas.openxmlformats.org/drawingml/2006/main" xmlns:r="http://schemas.openxmlformats.org/officeDocument/2006/relationships" xmlns:p="http://schemas.openxmlformats.org/presentationml/2006/main">
   <p:cSld>
     <p:spTree>
@@ -16385,167 +16426,6 @@
     <p:extLst>
       <p:ext uri="{BB962C8B-B14F-4D97-AF65-F5344CB8AC3E}">
         <p14:creationId xmlns:p14="http://schemas.microsoft.com/office/powerpoint/2010/main" val="102270461"/>
-      </p:ext>
-    </p:extLst>
-  </p:cSld>
-  <p:clrMapOvr>
-    <a:masterClrMapping/>
-  </p:clrMapOvr>
-</p:sld>
-</file>
-
-<file path=ppt/slides/slide29.xml><?xml version="1.0" encoding="utf-8"?>
-<p:sld xmlns:a="http://schemas.openxmlformats.org/drawingml/2006/main" xmlns:r="http://schemas.openxmlformats.org/officeDocument/2006/relationships" xmlns:p="http://schemas.openxmlformats.org/presentationml/2006/main">
-  <p:cSld>
-    <p:spTree>
-      <p:nvGrpSpPr>
-        <p:cNvPr id="1" name="Shape 53"/>
-        <p:cNvGrpSpPr/>
-        <p:nvPr/>
-      </p:nvGrpSpPr>
-      <p:grpSpPr>
-        <a:xfrm>
-          <a:off x="0" y="0"/>
-          <a:ext cx="0" cy="0"/>
-          <a:chOff x="0" y="0"/>
-          <a:chExt cx="0" cy="0"/>
-        </a:xfrm>
-      </p:grpSpPr>
-      <p:sp>
-        <p:nvSpPr>
-          <p:cNvPr id="54" name="Google Shape;54;p13"/>
-          <p:cNvSpPr txBox="1"/>
-          <p:nvPr/>
-        </p:nvSpPr>
-        <p:spPr>
-          <a:xfrm>
-            <a:off x="1134600" y="1891300"/>
-            <a:ext cx="9922800" cy="2782000"/>
-          </a:xfrm>
-          <a:prstGeom prst="rect">
-            <a:avLst/>
-          </a:prstGeom>
-          <a:noFill/>
-          <a:ln>
-            <a:noFill/>
-          </a:ln>
-        </p:spPr>
-        <p:txBody>
-          <a:bodyPr spcFirstLastPara="1" wrap="square" lIns="121900" tIns="121900" rIns="121900" bIns="121900" anchor="t" anchorCtr="0">
-            <a:noAutofit/>
-          </a:bodyPr>
-          <a:lstStyle/>
-          <a:p>
-            <a:endParaRPr/>
-          </a:p>
-          <a:p>
-            <a:r>
-              <a:rPr lang="en-US" altLang="ko" sz="3200" b="1" dirty="0">
-                <a:ea typeface="맑은 고딕"/>
-              </a:rPr>
-              <a:t>(</a:t>
-            </a:r>
-            <a:r>
-              <a:rPr lang="ko" altLang="en-US" sz="3200" b="1" dirty="0">
-                <a:ea typeface="맑은 고딕"/>
-              </a:rPr>
-              <a:t>가설</a:t>
-            </a:r>
-            <a:r>
-              <a:rPr lang="en-US" altLang="ko" sz="3200" b="1" dirty="0">
-                <a:ea typeface="맑은 고딕"/>
-              </a:rPr>
-              <a:t>)</a:t>
-            </a:r>
-            <a:endParaRPr sz="3200" b="1" dirty="0">
-              <a:ea typeface="맑은 고딕"/>
-            </a:endParaRPr>
-          </a:p>
-          <a:p>
-            <a:endParaRPr sz="3200"/>
-          </a:p>
-          <a:p>
-            <a:r>
-              <a:rPr lang="en-US" altLang="ko" sz="3200" b="1" dirty="0">
-                <a:ea typeface="맑은 고딕"/>
-              </a:rPr>
-              <a:t>1</a:t>
-            </a:r>
-            <a:r>
-              <a:rPr lang="ko" altLang="en-US" sz="3200" b="1" dirty="0">
-                <a:ea typeface="맑은 고딕"/>
-              </a:rPr>
-              <a:t>인 가구가 혼자 살기 때문에 부담과 책임감이 줄어 </a:t>
-            </a:r>
-            <a:endParaRPr lang="ko" sz="3200" b="1"/>
-          </a:p>
-          <a:p>
-            <a:endParaRPr lang="ko" sz="3200" b="1">
-              <a:cs typeface="Arial"/>
-            </a:endParaRPr>
-          </a:p>
-          <a:p>
-            <a:r>
-              <a:rPr lang="ko" altLang="en-US" sz="3200" b="1" dirty="0" err="1">
-                <a:ea typeface="맑은 고딕"/>
-              </a:rPr>
-              <a:t>확진자</a:t>
-            </a:r>
-            <a:r>
-              <a:rPr lang="ko" altLang="en-US" sz="3200" b="1" dirty="0">
-                <a:ea typeface="맑은 고딕"/>
-              </a:rPr>
-              <a:t> 수에 영향을 끼치지 않을까</a:t>
-            </a:r>
-            <a:r>
-              <a:rPr lang="en-US" altLang="ko" sz="3200" b="1" dirty="0">
-                <a:ea typeface="맑은 고딕"/>
-              </a:rPr>
-              <a:t>?</a:t>
-            </a:r>
-            <a:endParaRPr sz="3200" b="1" dirty="0">
-              <a:ea typeface="맑은 고딕"/>
-            </a:endParaRPr>
-          </a:p>
-          <a:p>
-            <a:endParaRPr/>
-          </a:p>
-          <a:p>
-            <a:endParaRPr/>
-          </a:p>
-          <a:p>
-            <a:endParaRPr/>
-          </a:p>
-          <a:p>
-            <a:endParaRPr/>
-          </a:p>
-          <a:p>
-            <a:endParaRPr/>
-          </a:p>
-          <a:p>
-            <a:endParaRPr/>
-          </a:p>
-          <a:p>
-            <a:endParaRPr/>
-          </a:p>
-          <a:p>
-            <a:endParaRPr/>
-          </a:p>
-          <a:p>
-            <a:r>
-              <a:rPr lang="ko" altLang="en-US" dirty="0">
-                <a:ea typeface="맑은 고딕"/>
-              </a:rPr>
-              <a:t>  </a:t>
-            </a:r>
-            <a:endParaRPr/>
-          </a:p>
-        </p:txBody>
-      </p:sp>
-    </p:spTree>
-    <p:extLst>
-      <p:ext uri="{BB962C8B-B14F-4D97-AF65-F5344CB8AC3E}">
-        <p14:creationId xmlns:p14="http://schemas.microsoft.com/office/powerpoint/2010/main" val="1787753460"/>
       </p:ext>
     </p:extLst>
   </p:cSld>
@@ -17469,6 +17349,167 @@
   <p:cSld>
     <p:spTree>
       <p:nvGrpSpPr>
+        <p:cNvPr id="1" name="Shape 53"/>
+        <p:cNvGrpSpPr/>
+        <p:nvPr/>
+      </p:nvGrpSpPr>
+      <p:grpSpPr>
+        <a:xfrm>
+          <a:off x="0" y="0"/>
+          <a:ext cx="0" cy="0"/>
+          <a:chOff x="0" y="0"/>
+          <a:chExt cx="0" cy="0"/>
+        </a:xfrm>
+      </p:grpSpPr>
+      <p:sp>
+        <p:nvSpPr>
+          <p:cNvPr id="54" name="Google Shape;54;p13"/>
+          <p:cNvSpPr txBox="1"/>
+          <p:nvPr/>
+        </p:nvSpPr>
+        <p:spPr>
+          <a:xfrm>
+            <a:off x="1134600" y="1891300"/>
+            <a:ext cx="9922800" cy="2782000"/>
+          </a:xfrm>
+          <a:prstGeom prst="rect">
+            <a:avLst/>
+          </a:prstGeom>
+          <a:noFill/>
+          <a:ln>
+            <a:noFill/>
+          </a:ln>
+        </p:spPr>
+        <p:txBody>
+          <a:bodyPr spcFirstLastPara="1" wrap="square" lIns="121900" tIns="121900" rIns="121900" bIns="121900" anchor="t" anchorCtr="0">
+            <a:noAutofit/>
+          </a:bodyPr>
+          <a:lstStyle/>
+          <a:p>
+            <a:endParaRPr/>
+          </a:p>
+          <a:p>
+            <a:r>
+              <a:rPr lang="en-US" altLang="ko" sz="3200" b="1" dirty="0">
+                <a:ea typeface="맑은 고딕"/>
+              </a:rPr>
+              <a:t>(</a:t>
+            </a:r>
+            <a:r>
+              <a:rPr lang="ko" altLang="en-US" sz="3200" b="1" dirty="0">
+                <a:ea typeface="맑은 고딕"/>
+              </a:rPr>
+              <a:t>가설</a:t>
+            </a:r>
+            <a:r>
+              <a:rPr lang="en-US" altLang="ko" sz="3200" b="1" dirty="0">
+                <a:ea typeface="맑은 고딕"/>
+              </a:rPr>
+              <a:t>)</a:t>
+            </a:r>
+            <a:endParaRPr sz="3200" b="1" dirty="0">
+              <a:ea typeface="맑은 고딕"/>
+            </a:endParaRPr>
+          </a:p>
+          <a:p>
+            <a:endParaRPr sz="3200"/>
+          </a:p>
+          <a:p>
+            <a:r>
+              <a:rPr lang="en-US" altLang="ko" sz="3200" b="1" dirty="0">
+                <a:ea typeface="맑은 고딕"/>
+              </a:rPr>
+              <a:t>1</a:t>
+            </a:r>
+            <a:r>
+              <a:rPr lang="ko" altLang="en-US" sz="3200" b="1" dirty="0">
+                <a:ea typeface="맑은 고딕"/>
+              </a:rPr>
+              <a:t>인 가구가 혼자 살기 때문에 부담과 책임감이 줄어 </a:t>
+            </a:r>
+            <a:endParaRPr lang="ko" sz="3200" b="1"/>
+          </a:p>
+          <a:p>
+            <a:endParaRPr lang="ko" sz="3200" b="1">
+              <a:cs typeface="Arial"/>
+            </a:endParaRPr>
+          </a:p>
+          <a:p>
+            <a:r>
+              <a:rPr lang="ko" altLang="en-US" sz="3200" b="1" dirty="0" err="1">
+                <a:ea typeface="맑은 고딕"/>
+              </a:rPr>
+              <a:t>확진자</a:t>
+            </a:r>
+            <a:r>
+              <a:rPr lang="ko" altLang="en-US" sz="3200" b="1" dirty="0">
+                <a:ea typeface="맑은 고딕"/>
+              </a:rPr>
+              <a:t> 수에 영향을 끼치지 않을까</a:t>
+            </a:r>
+            <a:r>
+              <a:rPr lang="en-US" altLang="ko" sz="3200" b="1" dirty="0">
+                <a:ea typeface="맑은 고딕"/>
+              </a:rPr>
+              <a:t>?</a:t>
+            </a:r>
+            <a:endParaRPr sz="3200" b="1" dirty="0">
+              <a:ea typeface="맑은 고딕"/>
+            </a:endParaRPr>
+          </a:p>
+          <a:p>
+            <a:endParaRPr/>
+          </a:p>
+          <a:p>
+            <a:endParaRPr/>
+          </a:p>
+          <a:p>
+            <a:endParaRPr/>
+          </a:p>
+          <a:p>
+            <a:endParaRPr/>
+          </a:p>
+          <a:p>
+            <a:endParaRPr/>
+          </a:p>
+          <a:p>
+            <a:endParaRPr/>
+          </a:p>
+          <a:p>
+            <a:endParaRPr/>
+          </a:p>
+          <a:p>
+            <a:endParaRPr/>
+          </a:p>
+          <a:p>
+            <a:r>
+              <a:rPr lang="ko" altLang="en-US" dirty="0">
+                <a:ea typeface="맑은 고딕"/>
+              </a:rPr>
+              <a:t>  </a:t>
+            </a:r>
+            <a:endParaRPr/>
+          </a:p>
+        </p:txBody>
+      </p:sp>
+    </p:spTree>
+    <p:extLst>
+      <p:ext uri="{BB962C8B-B14F-4D97-AF65-F5344CB8AC3E}">
+        <p14:creationId xmlns:p14="http://schemas.microsoft.com/office/powerpoint/2010/main" val="1787753460"/>
+      </p:ext>
+    </p:extLst>
+  </p:cSld>
+  <p:clrMapOvr>
+    <a:masterClrMapping/>
+  </p:clrMapOvr>
+</p:sld>
+</file>
+
+<file path=ppt/slides/slide31.xml><?xml version="1.0" encoding="utf-8"?>
+<p:sld xmlns:a="http://schemas.openxmlformats.org/drawingml/2006/main" xmlns:r="http://schemas.openxmlformats.org/officeDocument/2006/relationships" xmlns:p="http://schemas.openxmlformats.org/presentationml/2006/main">
+  <p:cSld>
+    <p:spTree>
+      <p:nvGrpSpPr>
         <p:cNvPr id="1" name="Shape 58"/>
         <p:cNvGrpSpPr/>
         <p:nvPr/>
@@ -17656,7 +17697,7 @@
 </p:sld>
 </file>
 
-<file path=ppt/slides/slide31.xml><?xml version="1.0" encoding="utf-8"?>
+<file path=ppt/slides/slide32.xml><?xml version="1.0" encoding="utf-8"?>
 <p:sld xmlns:a="http://schemas.openxmlformats.org/drawingml/2006/main" xmlns:r="http://schemas.openxmlformats.org/officeDocument/2006/relationships" xmlns:p="http://schemas.openxmlformats.org/presentationml/2006/main">
   <p:cSld>
     <p:spTree>
@@ -18017,7 +18058,7 @@
 </p:sld>
 </file>
 
-<file path=ppt/slides/slide32.xml><?xml version="1.0" encoding="utf-8"?>
+<file path=ppt/slides/slide33.xml><?xml version="1.0" encoding="utf-8"?>
 <p:sld xmlns:a="http://schemas.openxmlformats.org/drawingml/2006/main" xmlns:r="http://schemas.openxmlformats.org/officeDocument/2006/relationships" xmlns:p="http://schemas.openxmlformats.org/presentationml/2006/main">
   <p:cSld>
     <p:spTree>
@@ -18324,7 +18365,7 @@
 </p:sld>
 </file>
 
-<file path=ppt/slides/slide33.xml><?xml version="1.0" encoding="utf-8"?>
+<file path=ppt/slides/slide34.xml><?xml version="1.0" encoding="utf-8"?>
 <p:sld xmlns:a="http://schemas.openxmlformats.org/drawingml/2006/main" xmlns:r="http://schemas.openxmlformats.org/officeDocument/2006/relationships" xmlns:p="http://schemas.openxmlformats.org/presentationml/2006/main">
   <p:cSld>
     <p:spTree>
@@ -18898,7 +18939,7 @@
 </p:sld>
 </file>
 
-<file path=ppt/slides/slide34.xml><?xml version="1.0" encoding="utf-8"?>
+<file path=ppt/slides/slide35.xml><?xml version="1.0" encoding="utf-8"?>
 <p:sld xmlns:a="http://schemas.openxmlformats.org/drawingml/2006/main" xmlns:r="http://schemas.openxmlformats.org/officeDocument/2006/relationships" xmlns:p="http://schemas.openxmlformats.org/presentationml/2006/main">
   <p:cSld>
     <p:spTree>
@@ -19297,7 +19338,7 @@
 </p:sld>
 </file>
 
-<file path=ppt/slides/slide35.xml><?xml version="1.0" encoding="utf-8"?>
+<file path=ppt/slides/slide36.xml><?xml version="1.0" encoding="utf-8"?>
 <p:sld xmlns:a="http://schemas.openxmlformats.org/drawingml/2006/main" xmlns:r="http://schemas.openxmlformats.org/officeDocument/2006/relationships" xmlns:p="http://schemas.openxmlformats.org/presentationml/2006/main">
   <p:cSld>
     <p:spTree>
@@ -19523,7 +19564,7 @@
 </p:sld>
 </file>
 
-<file path=ppt/slides/slide36.xml><?xml version="1.0" encoding="utf-8"?>
+<file path=ppt/slides/slide37.xml><?xml version="1.0" encoding="utf-8"?>
 <p:sld xmlns:a="http://schemas.openxmlformats.org/drawingml/2006/main" xmlns:r="http://schemas.openxmlformats.org/officeDocument/2006/relationships" xmlns:p="http://schemas.openxmlformats.org/presentationml/2006/main">
   <p:cSld>
     <p:spTree>
@@ -19553,7 +19594,7 @@
 </p:sld>
 </file>
 
-<file path=ppt/slides/slide37.xml><?xml version="1.0" encoding="utf-8"?>
+<file path=ppt/slides/slide38.xml><?xml version="1.0" encoding="utf-8"?>
 <p:sld xmlns:a="http://schemas.openxmlformats.org/drawingml/2006/main" xmlns:r="http://schemas.openxmlformats.org/officeDocument/2006/relationships" xmlns:p="http://schemas.openxmlformats.org/presentationml/2006/main">
   <p:cSld>
     <p:spTree>
@@ -19583,7 +19624,7 @@
 </p:sld>
 </file>
 
-<file path=ppt/slides/slide38.xml><?xml version="1.0" encoding="utf-8"?>
+<file path=ppt/slides/slide39.xml><?xml version="1.0" encoding="utf-8"?>
 <p:sld xmlns:a="http://schemas.openxmlformats.org/drawingml/2006/main" xmlns:r="http://schemas.openxmlformats.org/officeDocument/2006/relationships" xmlns:p="http://schemas.openxmlformats.org/presentationml/2006/main">
   <p:cSld>
     <p:spTree>

--- a/최종합본.pptx
+++ b/최종합본.pptx
@@ -5,50 +5,39 @@
     <p:sldMasterId id="2147483660" r:id="rId1"/>
     <p:sldMasterId id="2147483673" r:id="rId2"/>
     <p:sldMasterId id="2147483659" r:id="rId3"/>
+    <p:sldMasterId id="2147483684" r:id="rId4"/>
   </p:sldMasterIdLst>
   <p:notesMasterIdLst>
-    <p:notesMasterId r:id="rId43"/>
+    <p:notesMasterId r:id="rId32"/>
   </p:notesMasterIdLst>
   <p:sldIdLst>
-    <p:sldId id="257" r:id="rId4"/>
-    <p:sldId id="271" r:id="rId5"/>
-    <p:sldId id="299" r:id="rId6"/>
-    <p:sldId id="300" r:id="rId7"/>
-    <p:sldId id="301" r:id="rId8"/>
-    <p:sldId id="302" r:id="rId9"/>
-    <p:sldId id="303" r:id="rId10"/>
-    <p:sldId id="258" r:id="rId11"/>
-    <p:sldId id="264" r:id="rId12"/>
-    <p:sldId id="272" r:id="rId13"/>
-    <p:sldId id="275" r:id="rId14"/>
-    <p:sldId id="304" r:id="rId15"/>
-    <p:sldId id="305" r:id="rId16"/>
-    <p:sldId id="263" r:id="rId17"/>
-    <p:sldId id="265" r:id="rId18"/>
-    <p:sldId id="266" r:id="rId19"/>
-    <p:sldId id="267" r:id="rId20"/>
-    <p:sldId id="268" r:id="rId21"/>
-    <p:sldId id="273" r:id="rId22"/>
-    <p:sldId id="269" r:id="rId23"/>
-    <p:sldId id="274" r:id="rId24"/>
-    <p:sldId id="277" r:id="rId25"/>
-    <p:sldId id="292" r:id="rId26"/>
-    <p:sldId id="293" r:id="rId27"/>
-    <p:sldId id="294" r:id="rId28"/>
-    <p:sldId id="295" r:id="rId29"/>
-    <p:sldId id="296" r:id="rId30"/>
-    <p:sldId id="297" r:id="rId31"/>
-    <p:sldId id="298" r:id="rId32"/>
-    <p:sldId id="291" r:id="rId33"/>
-    <p:sldId id="290" r:id="rId34"/>
-    <p:sldId id="289" r:id="rId35"/>
-    <p:sldId id="288" r:id="rId36"/>
-    <p:sldId id="287" r:id="rId37"/>
-    <p:sldId id="286" r:id="rId38"/>
-    <p:sldId id="285" r:id="rId39"/>
-    <p:sldId id="278" r:id="rId40"/>
-    <p:sldId id="279" r:id="rId41"/>
-    <p:sldId id="280" r:id="rId42"/>
+    <p:sldId id="257" r:id="rId5"/>
+    <p:sldId id="271" r:id="rId6"/>
+    <p:sldId id="299" r:id="rId7"/>
+    <p:sldId id="300" r:id="rId8"/>
+    <p:sldId id="301" r:id="rId9"/>
+    <p:sldId id="302" r:id="rId10"/>
+    <p:sldId id="303" r:id="rId11"/>
+    <p:sldId id="258" r:id="rId12"/>
+    <p:sldId id="264" r:id="rId13"/>
+    <p:sldId id="272" r:id="rId14"/>
+    <p:sldId id="275" r:id="rId15"/>
+    <p:sldId id="304" r:id="rId16"/>
+    <p:sldId id="305" r:id="rId17"/>
+    <p:sldId id="263" r:id="rId18"/>
+    <p:sldId id="265" r:id="rId19"/>
+    <p:sldId id="266" r:id="rId20"/>
+    <p:sldId id="267" r:id="rId21"/>
+    <p:sldId id="268" r:id="rId22"/>
+    <p:sldId id="273" r:id="rId23"/>
+    <p:sldId id="269" r:id="rId24"/>
+    <p:sldId id="274" r:id="rId25"/>
+    <p:sldId id="311" r:id="rId26"/>
+    <p:sldId id="310" r:id="rId27"/>
+    <p:sldId id="309" r:id="rId28"/>
+    <p:sldId id="308" r:id="rId29"/>
+    <p:sldId id="307" r:id="rId30"/>
+    <p:sldId id="306" r:id="rId31"/>
   </p:sldIdLst>
   <p:sldSz cx="12192000" cy="6858000"/>
   <p:notesSz cx="6858000" cy="9144000"/>
@@ -161,6 +150,7 @@
     <p1510:client id="{05F0609E-E037-4E63-0928-5F665E8F1ED3}" v="248" dt="2020-09-08T05:48:20.967"/>
     <p1510:client id="{2791EDFA-916E-79D0-EA78-3B849C7E7E3E}" v="3" dt="2020-09-08T03:51:31.941"/>
     <p1510:client id="{2BFF7B8E-AA04-4116-B7CD-F87AF890BA15}" v="3" dt="2020-09-08T02:08:56.498"/>
+    <p1510:client id="{46A9E124-45F3-420B-9813-86C013DD4413}" v="53" dt="2020-09-08T06:24:17.597"/>
     <p1510:client id="{61DD86B3-E603-4F76-D555-E89CF19E82A1}" v="43" dt="2020-09-08T04:08:31.047"/>
     <p1510:client id="{92C9369D-2089-4A04-5FF9-4FA6A585B5BE}" v="162" dt="2020-09-08T02:16:10.674"/>
     <p1510:client id="{F6EA998B-9D19-5BAC-384E-B7F480CAD6D9}" v="162" dt="2020-09-08T03:40:37.419"/>
@@ -730,110 +720,6 @@
   <p:cSld>
     <p:spTree>
       <p:nvGrpSpPr>
-        <p:cNvPr id="1" name="Shape 62"/>
-        <p:cNvGrpSpPr/>
-        <p:nvPr/>
-      </p:nvGrpSpPr>
-      <p:grpSpPr>
-        <a:xfrm>
-          <a:off x="0" y="0"/>
-          <a:ext cx="0" cy="0"/>
-          <a:chOff x="0" y="0"/>
-          <a:chExt cx="0" cy="0"/>
-        </a:xfrm>
-      </p:grpSpPr>
-      <p:sp>
-        <p:nvSpPr>
-          <p:cNvPr id="63" name="Google Shape;63;g970ef64d1e_0_86:notes"/>
-          <p:cNvSpPr>
-            <a:spLocks noGrp="1" noRot="1" noChangeAspect="1"/>
-          </p:cNvSpPr>
-          <p:nvPr>
-            <p:ph type="sldImg" idx="2"/>
-          </p:nvPr>
-        </p:nvSpPr>
-        <p:spPr>
-          <a:xfrm>
-            <a:off x="381000" y="685800"/>
-            <a:ext cx="6096000" cy="3429000"/>
-          </a:xfrm>
-          <a:custGeom>
-            <a:avLst/>
-            <a:gdLst/>
-            <a:ahLst/>
-            <a:cxnLst/>
-            <a:rect l="l" t="t" r="r" b="b"/>
-            <a:pathLst>
-              <a:path w="120000" h="120000" extrusionOk="0">
-                <a:moveTo>
-                  <a:pt x="0" y="0"/>
-                </a:moveTo>
-                <a:lnTo>
-                  <a:pt x="120000" y="0"/>
-                </a:lnTo>
-                <a:lnTo>
-                  <a:pt x="120000" y="120000"/>
-                </a:lnTo>
-                <a:lnTo>
-                  <a:pt x="0" y="120000"/>
-                </a:lnTo>
-                <a:close/>
-              </a:path>
-            </a:pathLst>
-          </a:custGeom>
-        </p:spPr>
-      </p:sp>
-      <p:sp>
-        <p:nvSpPr>
-          <p:cNvPr id="64" name="Google Shape;64;g970ef64d1e_0_86:notes"/>
-          <p:cNvSpPr txBox="1">
-            <a:spLocks noGrp="1"/>
-          </p:cNvSpPr>
-          <p:nvPr>
-            <p:ph type="body" idx="1"/>
-          </p:nvPr>
-        </p:nvSpPr>
-        <p:spPr>
-          <a:xfrm>
-            <a:off x="685800" y="4343400"/>
-            <a:ext cx="5486400" cy="4114800"/>
-          </a:xfrm>
-          <a:prstGeom prst="rect">
-            <a:avLst/>
-          </a:prstGeom>
-        </p:spPr>
-        <p:txBody>
-          <a:bodyPr spcFirstLastPara="1" wrap="square" lIns="91425" tIns="91425" rIns="91425" bIns="91425" anchor="t" anchorCtr="0">
-            <a:noAutofit/>
-          </a:bodyPr>
-          <a:lstStyle/>
-          <a:p>
-            <a:pPr marL="0" lvl="0" indent="0" algn="l" rtl="0">
-              <a:spcBef>
-                <a:spcPts val="0"/>
-              </a:spcBef>
-              <a:spcAft>
-                <a:spcPts val="0"/>
-              </a:spcAft>
-              <a:buNone/>
-            </a:pPr>
-            <a:endParaRPr/>
-          </a:p>
-        </p:txBody>
-      </p:sp>
-    </p:spTree>
-  </p:cSld>
-  <p:clrMapOvr>
-    <a:masterClrMapping/>
-  </p:clrMapOvr>
-</p:notes>
-</file>
-
-<file path=ppt/notesSlides/notesSlide4.xml><?xml version="1.0" encoding="utf-8"?>
-<p:notes xmlns:a="http://schemas.openxmlformats.org/drawingml/2006/main" xmlns:r="http://schemas.openxmlformats.org/officeDocument/2006/relationships" xmlns:p="http://schemas.openxmlformats.org/presentationml/2006/main" showMasterSp="0" showMasterPhAnim="0">
-  <p:cSld>
-    <p:spTree>
-      <p:nvGrpSpPr>
         <p:cNvPr id="1" name="Shape 69"/>
         <p:cNvGrpSpPr/>
         <p:nvPr/>
@@ -933,7 +819,7 @@
 </p:notes>
 </file>
 
-<file path=ppt/notesSlides/notesSlide5.xml><?xml version="1.0" encoding="utf-8"?>
+<file path=ppt/notesSlides/notesSlide4.xml><?xml version="1.0" encoding="utf-8"?>
 <p:notes xmlns:a="http://schemas.openxmlformats.org/drawingml/2006/main" xmlns:r="http://schemas.openxmlformats.org/officeDocument/2006/relationships" xmlns:p="http://schemas.openxmlformats.org/presentationml/2006/main" showMasterSp="0" showMasterPhAnim="0">
   <p:cSld>
     <p:spTree>
@@ -1037,7 +923,7 @@
 </p:notes>
 </file>
 
-<file path=ppt/notesSlides/notesSlide6.xml><?xml version="1.0" encoding="utf-8"?>
+<file path=ppt/notesSlides/notesSlide5.xml><?xml version="1.0" encoding="utf-8"?>
 <p:notes xmlns:a="http://schemas.openxmlformats.org/drawingml/2006/main" xmlns:r="http://schemas.openxmlformats.org/officeDocument/2006/relationships" xmlns:p="http://schemas.openxmlformats.org/presentationml/2006/main" showMasterSp="0" showMasterPhAnim="0">
   <p:cSld>
     <p:spTree>
@@ -1141,7 +1027,7 @@
 </p:notes>
 </file>
 
-<file path=ppt/notesSlides/notesSlide7.xml><?xml version="1.0" encoding="utf-8"?>
+<file path=ppt/notesSlides/notesSlide6.xml><?xml version="1.0" encoding="utf-8"?>
 <p:notes xmlns:a="http://schemas.openxmlformats.org/drawingml/2006/main" xmlns:r="http://schemas.openxmlformats.org/officeDocument/2006/relationships" xmlns:p="http://schemas.openxmlformats.org/presentationml/2006/main" showMasterSp="0" showMasterPhAnim="0">
   <p:cSld>
     <p:spTree>
@@ -8201,6 +8087,2130 @@
 </p:sldLayout>
 </file>
 
+<file path=ppt/slideLayouts/slideLayout34.xml><?xml version="1.0" encoding="utf-8"?>
+<p:sldLayout xmlns:a="http://schemas.openxmlformats.org/drawingml/2006/main" xmlns:r="http://schemas.openxmlformats.org/officeDocument/2006/relationships" xmlns:p="http://schemas.openxmlformats.org/presentationml/2006/main" matchingName="Title slide" type="title">
+  <p:cSld name="TITLE">
+    <p:spTree>
+      <p:nvGrpSpPr>
+        <p:cNvPr id="1" name="Shape 9"/>
+        <p:cNvGrpSpPr/>
+        <p:nvPr/>
+      </p:nvGrpSpPr>
+      <p:grpSpPr>
+        <a:xfrm>
+          <a:off x="0" y="0"/>
+          <a:ext cx="0" cy="0"/>
+          <a:chOff x="0" y="0"/>
+          <a:chExt cx="0" cy="0"/>
+        </a:xfrm>
+      </p:grpSpPr>
+      <p:sp>
+        <p:nvSpPr>
+          <p:cNvPr id="10" name="Google Shape;10;p2"/>
+          <p:cNvSpPr txBox="1">
+            <a:spLocks noGrp="1"/>
+          </p:cNvSpPr>
+          <p:nvPr>
+            <p:ph type="ctrTitle"/>
+          </p:nvPr>
+        </p:nvSpPr>
+        <p:spPr>
+          <a:xfrm>
+            <a:off x="415611" y="992767"/>
+            <a:ext cx="11360800" cy="2736800"/>
+          </a:xfrm>
+          <a:prstGeom prst="rect">
+            <a:avLst/>
+          </a:prstGeom>
+        </p:spPr>
+        <p:txBody>
+          <a:bodyPr spcFirstLastPara="1" wrap="square" lIns="91425" tIns="91425" rIns="91425" bIns="91425" anchor="b" anchorCtr="0">
+            <a:noAutofit/>
+          </a:bodyPr>
+          <a:lstStyle>
+            <a:lvl1pPr lvl="0" algn="ctr">
+              <a:spcBef>
+                <a:spcPts val="0"/>
+              </a:spcBef>
+              <a:spcAft>
+                <a:spcPts val="0"/>
+              </a:spcAft>
+              <a:buSzPts val="5200"/>
+              <a:buNone/>
+              <a:defRPr sz="6900"/>
+            </a:lvl1pPr>
+            <a:lvl2pPr lvl="1" algn="ctr">
+              <a:spcBef>
+                <a:spcPts val="0"/>
+              </a:spcBef>
+              <a:spcAft>
+                <a:spcPts val="0"/>
+              </a:spcAft>
+              <a:buSzPts val="5200"/>
+              <a:buNone/>
+              <a:defRPr sz="6900"/>
+            </a:lvl2pPr>
+            <a:lvl3pPr lvl="2" algn="ctr">
+              <a:spcBef>
+                <a:spcPts val="0"/>
+              </a:spcBef>
+              <a:spcAft>
+                <a:spcPts val="0"/>
+              </a:spcAft>
+              <a:buSzPts val="5200"/>
+              <a:buNone/>
+              <a:defRPr sz="6900"/>
+            </a:lvl3pPr>
+            <a:lvl4pPr lvl="3" algn="ctr">
+              <a:spcBef>
+                <a:spcPts val="0"/>
+              </a:spcBef>
+              <a:spcAft>
+                <a:spcPts val="0"/>
+              </a:spcAft>
+              <a:buSzPts val="5200"/>
+              <a:buNone/>
+              <a:defRPr sz="6900"/>
+            </a:lvl4pPr>
+            <a:lvl5pPr lvl="4" algn="ctr">
+              <a:spcBef>
+                <a:spcPts val="0"/>
+              </a:spcBef>
+              <a:spcAft>
+                <a:spcPts val="0"/>
+              </a:spcAft>
+              <a:buSzPts val="5200"/>
+              <a:buNone/>
+              <a:defRPr sz="6900"/>
+            </a:lvl5pPr>
+            <a:lvl6pPr lvl="5" algn="ctr">
+              <a:spcBef>
+                <a:spcPts val="0"/>
+              </a:spcBef>
+              <a:spcAft>
+                <a:spcPts val="0"/>
+              </a:spcAft>
+              <a:buSzPts val="5200"/>
+              <a:buNone/>
+              <a:defRPr sz="6900"/>
+            </a:lvl6pPr>
+            <a:lvl7pPr lvl="6" algn="ctr">
+              <a:spcBef>
+                <a:spcPts val="0"/>
+              </a:spcBef>
+              <a:spcAft>
+                <a:spcPts val="0"/>
+              </a:spcAft>
+              <a:buSzPts val="5200"/>
+              <a:buNone/>
+              <a:defRPr sz="6900"/>
+            </a:lvl7pPr>
+            <a:lvl8pPr lvl="7" algn="ctr">
+              <a:spcBef>
+                <a:spcPts val="0"/>
+              </a:spcBef>
+              <a:spcAft>
+                <a:spcPts val="0"/>
+              </a:spcAft>
+              <a:buSzPts val="5200"/>
+              <a:buNone/>
+              <a:defRPr sz="6900"/>
+            </a:lvl8pPr>
+            <a:lvl9pPr lvl="8" algn="ctr">
+              <a:spcBef>
+                <a:spcPts val="0"/>
+              </a:spcBef>
+              <a:spcAft>
+                <a:spcPts val="0"/>
+              </a:spcAft>
+              <a:buSzPts val="5200"/>
+              <a:buNone/>
+              <a:defRPr sz="6900"/>
+            </a:lvl9pPr>
+          </a:lstStyle>
+          <a:p>
+            <a:endParaRPr/>
+          </a:p>
+        </p:txBody>
+      </p:sp>
+      <p:sp>
+        <p:nvSpPr>
+          <p:cNvPr id="11" name="Google Shape;11;p2"/>
+          <p:cNvSpPr txBox="1">
+            <a:spLocks noGrp="1"/>
+          </p:cNvSpPr>
+          <p:nvPr>
+            <p:ph type="subTitle" idx="1"/>
+          </p:nvPr>
+        </p:nvSpPr>
+        <p:spPr>
+          <a:xfrm>
+            <a:off x="415600" y="3778833"/>
+            <a:ext cx="11360800" cy="1056800"/>
+          </a:xfrm>
+          <a:prstGeom prst="rect">
+            <a:avLst/>
+          </a:prstGeom>
+        </p:spPr>
+        <p:txBody>
+          <a:bodyPr spcFirstLastPara="1" wrap="square" lIns="91425" tIns="91425" rIns="91425" bIns="91425" anchor="t" anchorCtr="0">
+            <a:noAutofit/>
+          </a:bodyPr>
+          <a:lstStyle>
+            <a:lvl1pPr lvl="0" algn="ctr">
+              <a:lnSpc>
+                <a:spcPct val="100000"/>
+              </a:lnSpc>
+              <a:spcBef>
+                <a:spcPts val="0"/>
+              </a:spcBef>
+              <a:spcAft>
+                <a:spcPts val="0"/>
+              </a:spcAft>
+              <a:buSzPts val="2800"/>
+              <a:buNone/>
+              <a:defRPr sz="3700"/>
+            </a:lvl1pPr>
+            <a:lvl2pPr lvl="1" algn="ctr">
+              <a:lnSpc>
+                <a:spcPct val="100000"/>
+              </a:lnSpc>
+              <a:spcBef>
+                <a:spcPts val="0"/>
+              </a:spcBef>
+              <a:spcAft>
+                <a:spcPts val="0"/>
+              </a:spcAft>
+              <a:buSzPts val="2800"/>
+              <a:buNone/>
+              <a:defRPr sz="3700"/>
+            </a:lvl2pPr>
+            <a:lvl3pPr lvl="2" algn="ctr">
+              <a:lnSpc>
+                <a:spcPct val="100000"/>
+              </a:lnSpc>
+              <a:spcBef>
+                <a:spcPts val="0"/>
+              </a:spcBef>
+              <a:spcAft>
+                <a:spcPts val="0"/>
+              </a:spcAft>
+              <a:buSzPts val="2800"/>
+              <a:buNone/>
+              <a:defRPr sz="3700"/>
+            </a:lvl3pPr>
+            <a:lvl4pPr lvl="3" algn="ctr">
+              <a:lnSpc>
+                <a:spcPct val="100000"/>
+              </a:lnSpc>
+              <a:spcBef>
+                <a:spcPts val="0"/>
+              </a:spcBef>
+              <a:spcAft>
+                <a:spcPts val="0"/>
+              </a:spcAft>
+              <a:buSzPts val="2800"/>
+              <a:buNone/>
+              <a:defRPr sz="3700"/>
+            </a:lvl4pPr>
+            <a:lvl5pPr lvl="4" algn="ctr">
+              <a:lnSpc>
+                <a:spcPct val="100000"/>
+              </a:lnSpc>
+              <a:spcBef>
+                <a:spcPts val="0"/>
+              </a:spcBef>
+              <a:spcAft>
+                <a:spcPts val="0"/>
+              </a:spcAft>
+              <a:buSzPts val="2800"/>
+              <a:buNone/>
+              <a:defRPr sz="3700"/>
+            </a:lvl5pPr>
+            <a:lvl6pPr lvl="5" algn="ctr">
+              <a:lnSpc>
+                <a:spcPct val="100000"/>
+              </a:lnSpc>
+              <a:spcBef>
+                <a:spcPts val="0"/>
+              </a:spcBef>
+              <a:spcAft>
+                <a:spcPts val="0"/>
+              </a:spcAft>
+              <a:buSzPts val="2800"/>
+              <a:buNone/>
+              <a:defRPr sz="3700"/>
+            </a:lvl6pPr>
+            <a:lvl7pPr lvl="6" algn="ctr">
+              <a:lnSpc>
+                <a:spcPct val="100000"/>
+              </a:lnSpc>
+              <a:spcBef>
+                <a:spcPts val="0"/>
+              </a:spcBef>
+              <a:spcAft>
+                <a:spcPts val="0"/>
+              </a:spcAft>
+              <a:buSzPts val="2800"/>
+              <a:buNone/>
+              <a:defRPr sz="3700"/>
+            </a:lvl7pPr>
+            <a:lvl8pPr lvl="7" algn="ctr">
+              <a:lnSpc>
+                <a:spcPct val="100000"/>
+              </a:lnSpc>
+              <a:spcBef>
+                <a:spcPts val="0"/>
+              </a:spcBef>
+              <a:spcAft>
+                <a:spcPts val="0"/>
+              </a:spcAft>
+              <a:buSzPts val="2800"/>
+              <a:buNone/>
+              <a:defRPr sz="3700"/>
+            </a:lvl8pPr>
+            <a:lvl9pPr lvl="8" algn="ctr">
+              <a:lnSpc>
+                <a:spcPct val="100000"/>
+              </a:lnSpc>
+              <a:spcBef>
+                <a:spcPts val="0"/>
+              </a:spcBef>
+              <a:spcAft>
+                <a:spcPts val="0"/>
+              </a:spcAft>
+              <a:buSzPts val="2800"/>
+              <a:buNone/>
+              <a:defRPr sz="3700"/>
+            </a:lvl9pPr>
+          </a:lstStyle>
+          <a:p>
+            <a:endParaRPr/>
+          </a:p>
+        </p:txBody>
+      </p:sp>
+      <p:sp>
+        <p:nvSpPr>
+          <p:cNvPr id="12" name="Google Shape;12;p2"/>
+          <p:cNvSpPr txBox="1">
+            <a:spLocks noGrp="1"/>
+          </p:cNvSpPr>
+          <p:nvPr>
+            <p:ph type="sldNum" idx="12"/>
+          </p:nvPr>
+        </p:nvSpPr>
+        <p:spPr>
+          <a:xfrm>
+            <a:off x="11296611" y="6217623"/>
+            <a:ext cx="731600" cy="524800"/>
+          </a:xfrm>
+          <a:prstGeom prst="rect">
+            <a:avLst/>
+          </a:prstGeom>
+        </p:spPr>
+        <p:txBody>
+          <a:bodyPr spcFirstLastPara="1" wrap="square" lIns="91425" tIns="91425" rIns="91425" bIns="91425" anchor="ctr" anchorCtr="0">
+            <a:noAutofit/>
+          </a:bodyPr>
+          <a:lstStyle>
+            <a:lvl1pPr lvl="0">
+              <a:buNone/>
+              <a:defRPr/>
+            </a:lvl1pPr>
+            <a:lvl2pPr lvl="1">
+              <a:buNone/>
+              <a:defRPr/>
+            </a:lvl2pPr>
+            <a:lvl3pPr lvl="2">
+              <a:buNone/>
+              <a:defRPr/>
+            </a:lvl3pPr>
+            <a:lvl4pPr lvl="3">
+              <a:buNone/>
+              <a:defRPr/>
+            </a:lvl4pPr>
+            <a:lvl5pPr lvl="4">
+              <a:buNone/>
+              <a:defRPr/>
+            </a:lvl5pPr>
+            <a:lvl6pPr lvl="5">
+              <a:buNone/>
+              <a:defRPr/>
+            </a:lvl6pPr>
+            <a:lvl7pPr lvl="6">
+              <a:buNone/>
+              <a:defRPr/>
+            </a:lvl7pPr>
+            <a:lvl8pPr lvl="7">
+              <a:buNone/>
+              <a:defRPr/>
+            </a:lvl8pPr>
+            <a:lvl9pPr lvl="8">
+              <a:buNone/>
+              <a:defRPr/>
+            </a:lvl9pPr>
+          </a:lstStyle>
+          <a:p>
+            <a:pPr marL="0" lvl="0" indent="0" algn="r" rtl="0">
+              <a:spcBef>
+                <a:spcPts val="0"/>
+              </a:spcBef>
+              <a:spcAft>
+                <a:spcPts val="0"/>
+              </a:spcAft>
+              <a:buNone/>
+            </a:pPr>
+            <a:fld id="{00000000-1234-1234-1234-123412341234}" type="slidenum">
+              <a:rPr lang="en-US" altLang="ko"/>
+              <a:pPr marL="0" lvl="0" indent="0" algn="r" rtl="0">
+                <a:spcBef>
+                  <a:spcPts val="0"/>
+                </a:spcBef>
+                <a:spcAft>
+                  <a:spcPts val="0"/>
+                </a:spcAft>
+                <a:buNone/>
+              </a:pPr>
+              <a:t>‹#›</a:t>
+            </a:fld>
+            <a:endParaRPr/>
+          </a:p>
+        </p:txBody>
+      </p:sp>
+    </p:spTree>
+  </p:cSld>
+  <p:clrMapOvr>
+    <a:masterClrMapping/>
+  </p:clrMapOvr>
+</p:sldLayout>
+</file>
+
+<file path=ppt/slideLayouts/slideLayout35.xml><?xml version="1.0" encoding="utf-8"?>
+<p:sldLayout xmlns:a="http://schemas.openxmlformats.org/drawingml/2006/main" xmlns:r="http://schemas.openxmlformats.org/officeDocument/2006/relationships" xmlns:p="http://schemas.openxmlformats.org/presentationml/2006/main" matchingName="Section header" type="secHead">
+  <p:cSld name="SECTION_HEADER">
+    <p:spTree>
+      <p:nvGrpSpPr>
+        <p:cNvPr id="1" name="Shape 13"/>
+        <p:cNvGrpSpPr/>
+        <p:nvPr/>
+      </p:nvGrpSpPr>
+      <p:grpSpPr>
+        <a:xfrm>
+          <a:off x="0" y="0"/>
+          <a:ext cx="0" cy="0"/>
+          <a:chOff x="0" y="0"/>
+          <a:chExt cx="0" cy="0"/>
+        </a:xfrm>
+      </p:grpSpPr>
+      <p:sp>
+        <p:nvSpPr>
+          <p:cNvPr id="14" name="Google Shape;14;p3"/>
+          <p:cNvSpPr txBox="1">
+            <a:spLocks noGrp="1"/>
+          </p:cNvSpPr>
+          <p:nvPr>
+            <p:ph type="title"/>
+          </p:nvPr>
+        </p:nvSpPr>
+        <p:spPr>
+          <a:xfrm>
+            <a:off x="415600" y="2867800"/>
+            <a:ext cx="11360800" cy="1122400"/>
+          </a:xfrm>
+          <a:prstGeom prst="rect">
+            <a:avLst/>
+          </a:prstGeom>
+        </p:spPr>
+        <p:txBody>
+          <a:bodyPr spcFirstLastPara="1" wrap="square" lIns="91425" tIns="91425" rIns="91425" bIns="91425" anchor="ctr" anchorCtr="0">
+            <a:noAutofit/>
+          </a:bodyPr>
+          <a:lstStyle>
+            <a:lvl1pPr lvl="0" algn="ctr">
+              <a:spcBef>
+                <a:spcPts val="0"/>
+              </a:spcBef>
+              <a:spcAft>
+                <a:spcPts val="0"/>
+              </a:spcAft>
+              <a:buSzPts val="3600"/>
+              <a:buNone/>
+              <a:defRPr sz="4800"/>
+            </a:lvl1pPr>
+            <a:lvl2pPr lvl="1" algn="ctr">
+              <a:spcBef>
+                <a:spcPts val="0"/>
+              </a:spcBef>
+              <a:spcAft>
+                <a:spcPts val="0"/>
+              </a:spcAft>
+              <a:buSzPts val="3600"/>
+              <a:buNone/>
+              <a:defRPr sz="4800"/>
+            </a:lvl2pPr>
+            <a:lvl3pPr lvl="2" algn="ctr">
+              <a:spcBef>
+                <a:spcPts val="0"/>
+              </a:spcBef>
+              <a:spcAft>
+                <a:spcPts val="0"/>
+              </a:spcAft>
+              <a:buSzPts val="3600"/>
+              <a:buNone/>
+              <a:defRPr sz="4800"/>
+            </a:lvl3pPr>
+            <a:lvl4pPr lvl="3" algn="ctr">
+              <a:spcBef>
+                <a:spcPts val="0"/>
+              </a:spcBef>
+              <a:spcAft>
+                <a:spcPts val="0"/>
+              </a:spcAft>
+              <a:buSzPts val="3600"/>
+              <a:buNone/>
+              <a:defRPr sz="4800"/>
+            </a:lvl4pPr>
+            <a:lvl5pPr lvl="4" algn="ctr">
+              <a:spcBef>
+                <a:spcPts val="0"/>
+              </a:spcBef>
+              <a:spcAft>
+                <a:spcPts val="0"/>
+              </a:spcAft>
+              <a:buSzPts val="3600"/>
+              <a:buNone/>
+              <a:defRPr sz="4800"/>
+            </a:lvl5pPr>
+            <a:lvl6pPr lvl="5" algn="ctr">
+              <a:spcBef>
+                <a:spcPts val="0"/>
+              </a:spcBef>
+              <a:spcAft>
+                <a:spcPts val="0"/>
+              </a:spcAft>
+              <a:buSzPts val="3600"/>
+              <a:buNone/>
+              <a:defRPr sz="4800"/>
+            </a:lvl6pPr>
+            <a:lvl7pPr lvl="6" algn="ctr">
+              <a:spcBef>
+                <a:spcPts val="0"/>
+              </a:spcBef>
+              <a:spcAft>
+                <a:spcPts val="0"/>
+              </a:spcAft>
+              <a:buSzPts val="3600"/>
+              <a:buNone/>
+              <a:defRPr sz="4800"/>
+            </a:lvl7pPr>
+            <a:lvl8pPr lvl="7" algn="ctr">
+              <a:spcBef>
+                <a:spcPts val="0"/>
+              </a:spcBef>
+              <a:spcAft>
+                <a:spcPts val="0"/>
+              </a:spcAft>
+              <a:buSzPts val="3600"/>
+              <a:buNone/>
+              <a:defRPr sz="4800"/>
+            </a:lvl8pPr>
+            <a:lvl9pPr lvl="8" algn="ctr">
+              <a:spcBef>
+                <a:spcPts val="0"/>
+              </a:spcBef>
+              <a:spcAft>
+                <a:spcPts val="0"/>
+              </a:spcAft>
+              <a:buSzPts val="3600"/>
+              <a:buNone/>
+              <a:defRPr sz="4800"/>
+            </a:lvl9pPr>
+          </a:lstStyle>
+          <a:p>
+            <a:endParaRPr/>
+          </a:p>
+        </p:txBody>
+      </p:sp>
+      <p:sp>
+        <p:nvSpPr>
+          <p:cNvPr id="15" name="Google Shape;15;p3"/>
+          <p:cNvSpPr txBox="1">
+            <a:spLocks noGrp="1"/>
+          </p:cNvSpPr>
+          <p:nvPr>
+            <p:ph type="sldNum" idx="12"/>
+          </p:nvPr>
+        </p:nvSpPr>
+        <p:spPr>
+          <a:xfrm>
+            <a:off x="11296611" y="6217623"/>
+            <a:ext cx="731600" cy="524800"/>
+          </a:xfrm>
+          <a:prstGeom prst="rect">
+            <a:avLst/>
+          </a:prstGeom>
+        </p:spPr>
+        <p:txBody>
+          <a:bodyPr spcFirstLastPara="1" wrap="square" lIns="91425" tIns="91425" rIns="91425" bIns="91425" anchor="ctr" anchorCtr="0">
+            <a:noAutofit/>
+          </a:bodyPr>
+          <a:lstStyle>
+            <a:lvl1pPr lvl="0">
+              <a:buNone/>
+              <a:defRPr/>
+            </a:lvl1pPr>
+            <a:lvl2pPr lvl="1">
+              <a:buNone/>
+              <a:defRPr/>
+            </a:lvl2pPr>
+            <a:lvl3pPr lvl="2">
+              <a:buNone/>
+              <a:defRPr/>
+            </a:lvl3pPr>
+            <a:lvl4pPr lvl="3">
+              <a:buNone/>
+              <a:defRPr/>
+            </a:lvl4pPr>
+            <a:lvl5pPr lvl="4">
+              <a:buNone/>
+              <a:defRPr/>
+            </a:lvl5pPr>
+            <a:lvl6pPr lvl="5">
+              <a:buNone/>
+              <a:defRPr/>
+            </a:lvl6pPr>
+            <a:lvl7pPr lvl="6">
+              <a:buNone/>
+              <a:defRPr/>
+            </a:lvl7pPr>
+            <a:lvl8pPr lvl="7">
+              <a:buNone/>
+              <a:defRPr/>
+            </a:lvl8pPr>
+            <a:lvl9pPr lvl="8">
+              <a:buNone/>
+              <a:defRPr/>
+            </a:lvl9pPr>
+          </a:lstStyle>
+          <a:p>
+            <a:pPr marL="0" lvl="0" indent="0" algn="r" rtl="0">
+              <a:spcBef>
+                <a:spcPts val="0"/>
+              </a:spcBef>
+              <a:spcAft>
+                <a:spcPts val="0"/>
+              </a:spcAft>
+              <a:buNone/>
+            </a:pPr>
+            <a:fld id="{00000000-1234-1234-1234-123412341234}" type="slidenum">
+              <a:rPr lang="en-US" altLang="ko"/>
+              <a:pPr marL="0" lvl="0" indent="0" algn="r" rtl="0">
+                <a:spcBef>
+                  <a:spcPts val="0"/>
+                </a:spcBef>
+                <a:spcAft>
+                  <a:spcPts val="0"/>
+                </a:spcAft>
+                <a:buNone/>
+              </a:pPr>
+              <a:t>‹#›</a:t>
+            </a:fld>
+            <a:endParaRPr/>
+          </a:p>
+        </p:txBody>
+      </p:sp>
+    </p:spTree>
+  </p:cSld>
+  <p:clrMapOvr>
+    <a:masterClrMapping/>
+  </p:clrMapOvr>
+</p:sldLayout>
+</file>
+
+<file path=ppt/slideLayouts/slideLayout36.xml><?xml version="1.0" encoding="utf-8"?>
+<p:sldLayout xmlns:a="http://schemas.openxmlformats.org/drawingml/2006/main" xmlns:r="http://schemas.openxmlformats.org/officeDocument/2006/relationships" xmlns:p="http://schemas.openxmlformats.org/presentationml/2006/main" matchingName="Title and body" type="tx">
+  <p:cSld name="TITLE_AND_BODY">
+    <p:spTree>
+      <p:nvGrpSpPr>
+        <p:cNvPr id="1" name="Shape 16"/>
+        <p:cNvGrpSpPr/>
+        <p:nvPr/>
+      </p:nvGrpSpPr>
+      <p:grpSpPr>
+        <a:xfrm>
+          <a:off x="0" y="0"/>
+          <a:ext cx="0" cy="0"/>
+          <a:chOff x="0" y="0"/>
+          <a:chExt cx="0" cy="0"/>
+        </a:xfrm>
+      </p:grpSpPr>
+      <p:sp>
+        <p:nvSpPr>
+          <p:cNvPr id="17" name="Google Shape;17;p4"/>
+          <p:cNvSpPr txBox="1">
+            <a:spLocks noGrp="1"/>
+          </p:cNvSpPr>
+          <p:nvPr>
+            <p:ph type="title"/>
+          </p:nvPr>
+        </p:nvSpPr>
+        <p:spPr>
+          <a:xfrm>
+            <a:off x="415600" y="593367"/>
+            <a:ext cx="11360800" cy="763600"/>
+          </a:xfrm>
+          <a:prstGeom prst="rect">
+            <a:avLst/>
+          </a:prstGeom>
+        </p:spPr>
+        <p:txBody>
+          <a:bodyPr spcFirstLastPara="1" wrap="square" lIns="91425" tIns="91425" rIns="91425" bIns="91425" anchor="t" anchorCtr="0">
+            <a:noAutofit/>
+          </a:bodyPr>
+          <a:lstStyle>
+            <a:lvl1pPr lvl="0">
+              <a:spcBef>
+                <a:spcPts val="0"/>
+              </a:spcBef>
+              <a:spcAft>
+                <a:spcPts val="0"/>
+              </a:spcAft>
+              <a:buSzPts val="2800"/>
+              <a:buNone/>
+              <a:defRPr/>
+            </a:lvl1pPr>
+            <a:lvl2pPr lvl="1">
+              <a:spcBef>
+                <a:spcPts val="0"/>
+              </a:spcBef>
+              <a:spcAft>
+                <a:spcPts val="0"/>
+              </a:spcAft>
+              <a:buSzPts val="2800"/>
+              <a:buNone/>
+              <a:defRPr/>
+            </a:lvl2pPr>
+            <a:lvl3pPr lvl="2">
+              <a:spcBef>
+                <a:spcPts val="0"/>
+              </a:spcBef>
+              <a:spcAft>
+                <a:spcPts val="0"/>
+              </a:spcAft>
+              <a:buSzPts val="2800"/>
+              <a:buNone/>
+              <a:defRPr/>
+            </a:lvl3pPr>
+            <a:lvl4pPr lvl="3">
+              <a:spcBef>
+                <a:spcPts val="0"/>
+              </a:spcBef>
+              <a:spcAft>
+                <a:spcPts val="0"/>
+              </a:spcAft>
+              <a:buSzPts val="2800"/>
+              <a:buNone/>
+              <a:defRPr/>
+            </a:lvl4pPr>
+            <a:lvl5pPr lvl="4">
+              <a:spcBef>
+                <a:spcPts val="0"/>
+              </a:spcBef>
+              <a:spcAft>
+                <a:spcPts val="0"/>
+              </a:spcAft>
+              <a:buSzPts val="2800"/>
+              <a:buNone/>
+              <a:defRPr/>
+            </a:lvl5pPr>
+            <a:lvl6pPr lvl="5">
+              <a:spcBef>
+                <a:spcPts val="0"/>
+              </a:spcBef>
+              <a:spcAft>
+                <a:spcPts val="0"/>
+              </a:spcAft>
+              <a:buSzPts val="2800"/>
+              <a:buNone/>
+              <a:defRPr/>
+            </a:lvl6pPr>
+            <a:lvl7pPr lvl="6">
+              <a:spcBef>
+                <a:spcPts val="0"/>
+              </a:spcBef>
+              <a:spcAft>
+                <a:spcPts val="0"/>
+              </a:spcAft>
+              <a:buSzPts val="2800"/>
+              <a:buNone/>
+              <a:defRPr/>
+            </a:lvl7pPr>
+            <a:lvl8pPr lvl="7">
+              <a:spcBef>
+                <a:spcPts val="0"/>
+              </a:spcBef>
+              <a:spcAft>
+                <a:spcPts val="0"/>
+              </a:spcAft>
+              <a:buSzPts val="2800"/>
+              <a:buNone/>
+              <a:defRPr/>
+            </a:lvl8pPr>
+            <a:lvl9pPr lvl="8">
+              <a:spcBef>
+                <a:spcPts val="0"/>
+              </a:spcBef>
+              <a:spcAft>
+                <a:spcPts val="0"/>
+              </a:spcAft>
+              <a:buSzPts val="2800"/>
+              <a:buNone/>
+              <a:defRPr/>
+            </a:lvl9pPr>
+          </a:lstStyle>
+          <a:p>
+            <a:endParaRPr/>
+          </a:p>
+        </p:txBody>
+      </p:sp>
+      <p:sp>
+        <p:nvSpPr>
+          <p:cNvPr id="18" name="Google Shape;18;p4"/>
+          <p:cNvSpPr txBox="1">
+            <a:spLocks noGrp="1"/>
+          </p:cNvSpPr>
+          <p:nvPr>
+            <p:ph type="body" idx="1"/>
+          </p:nvPr>
+        </p:nvSpPr>
+        <p:spPr>
+          <a:xfrm>
+            <a:off x="415600" y="1536633"/>
+            <a:ext cx="11360800" cy="4555200"/>
+          </a:xfrm>
+          <a:prstGeom prst="rect">
+            <a:avLst/>
+          </a:prstGeom>
+        </p:spPr>
+        <p:txBody>
+          <a:bodyPr spcFirstLastPara="1" wrap="square" lIns="91425" tIns="91425" rIns="91425" bIns="91425" anchor="t" anchorCtr="0">
+            <a:noAutofit/>
+          </a:bodyPr>
+          <a:lstStyle>
+            <a:lvl1pPr marL="609585" lvl="0" indent="-457189">
+              <a:spcBef>
+                <a:spcPts val="0"/>
+              </a:spcBef>
+              <a:spcAft>
+                <a:spcPts val="0"/>
+              </a:spcAft>
+              <a:buSzPts val="1800"/>
+              <a:buChar char="●"/>
+              <a:defRPr/>
+            </a:lvl1pPr>
+            <a:lvl2pPr marL="1219170" lvl="1" indent="-423323">
+              <a:spcBef>
+                <a:spcPts val="2133"/>
+              </a:spcBef>
+              <a:spcAft>
+                <a:spcPts val="0"/>
+              </a:spcAft>
+              <a:buSzPts val="1400"/>
+              <a:buChar char="○"/>
+              <a:defRPr/>
+            </a:lvl2pPr>
+            <a:lvl3pPr marL="1828754" lvl="2" indent="-423323">
+              <a:spcBef>
+                <a:spcPts val="2133"/>
+              </a:spcBef>
+              <a:spcAft>
+                <a:spcPts val="0"/>
+              </a:spcAft>
+              <a:buSzPts val="1400"/>
+              <a:buChar char="■"/>
+              <a:defRPr/>
+            </a:lvl3pPr>
+            <a:lvl4pPr marL="2438339" lvl="3" indent="-423323">
+              <a:spcBef>
+                <a:spcPts val="2133"/>
+              </a:spcBef>
+              <a:spcAft>
+                <a:spcPts val="0"/>
+              </a:spcAft>
+              <a:buSzPts val="1400"/>
+              <a:buChar char="●"/>
+              <a:defRPr/>
+            </a:lvl4pPr>
+            <a:lvl5pPr marL="3047924" lvl="4" indent="-423323">
+              <a:spcBef>
+                <a:spcPts val="2133"/>
+              </a:spcBef>
+              <a:spcAft>
+                <a:spcPts val="0"/>
+              </a:spcAft>
+              <a:buSzPts val="1400"/>
+              <a:buChar char="○"/>
+              <a:defRPr/>
+            </a:lvl5pPr>
+            <a:lvl6pPr marL="3657509" lvl="5" indent="-423323">
+              <a:spcBef>
+                <a:spcPts val="2133"/>
+              </a:spcBef>
+              <a:spcAft>
+                <a:spcPts val="0"/>
+              </a:spcAft>
+              <a:buSzPts val="1400"/>
+              <a:buChar char="■"/>
+              <a:defRPr/>
+            </a:lvl6pPr>
+            <a:lvl7pPr marL="4267093" lvl="6" indent="-423323">
+              <a:spcBef>
+                <a:spcPts val="2133"/>
+              </a:spcBef>
+              <a:spcAft>
+                <a:spcPts val="0"/>
+              </a:spcAft>
+              <a:buSzPts val="1400"/>
+              <a:buChar char="●"/>
+              <a:defRPr/>
+            </a:lvl7pPr>
+            <a:lvl8pPr marL="4876678" lvl="7" indent="-423323">
+              <a:spcBef>
+                <a:spcPts val="2133"/>
+              </a:spcBef>
+              <a:spcAft>
+                <a:spcPts val="0"/>
+              </a:spcAft>
+              <a:buSzPts val="1400"/>
+              <a:buChar char="○"/>
+              <a:defRPr/>
+            </a:lvl8pPr>
+            <a:lvl9pPr marL="5486263" lvl="8" indent="-423323">
+              <a:spcBef>
+                <a:spcPts val="2133"/>
+              </a:spcBef>
+              <a:spcAft>
+                <a:spcPts val="2133"/>
+              </a:spcAft>
+              <a:buSzPts val="1400"/>
+              <a:buChar char="■"/>
+              <a:defRPr/>
+            </a:lvl9pPr>
+          </a:lstStyle>
+          <a:p>
+            <a:endParaRPr/>
+          </a:p>
+        </p:txBody>
+      </p:sp>
+      <p:sp>
+        <p:nvSpPr>
+          <p:cNvPr id="19" name="Google Shape;19;p4"/>
+          <p:cNvSpPr txBox="1">
+            <a:spLocks noGrp="1"/>
+          </p:cNvSpPr>
+          <p:nvPr>
+            <p:ph type="sldNum" idx="12"/>
+          </p:nvPr>
+        </p:nvSpPr>
+        <p:spPr>
+          <a:xfrm>
+            <a:off x="11296611" y="6217623"/>
+            <a:ext cx="731600" cy="524800"/>
+          </a:xfrm>
+          <a:prstGeom prst="rect">
+            <a:avLst/>
+          </a:prstGeom>
+        </p:spPr>
+        <p:txBody>
+          <a:bodyPr spcFirstLastPara="1" wrap="square" lIns="91425" tIns="91425" rIns="91425" bIns="91425" anchor="ctr" anchorCtr="0">
+            <a:noAutofit/>
+          </a:bodyPr>
+          <a:lstStyle>
+            <a:lvl1pPr lvl="0">
+              <a:buNone/>
+              <a:defRPr/>
+            </a:lvl1pPr>
+            <a:lvl2pPr lvl="1">
+              <a:buNone/>
+              <a:defRPr/>
+            </a:lvl2pPr>
+            <a:lvl3pPr lvl="2">
+              <a:buNone/>
+              <a:defRPr/>
+            </a:lvl3pPr>
+            <a:lvl4pPr lvl="3">
+              <a:buNone/>
+              <a:defRPr/>
+            </a:lvl4pPr>
+            <a:lvl5pPr lvl="4">
+              <a:buNone/>
+              <a:defRPr/>
+            </a:lvl5pPr>
+            <a:lvl6pPr lvl="5">
+              <a:buNone/>
+              <a:defRPr/>
+            </a:lvl6pPr>
+            <a:lvl7pPr lvl="6">
+              <a:buNone/>
+              <a:defRPr/>
+            </a:lvl7pPr>
+            <a:lvl8pPr lvl="7">
+              <a:buNone/>
+              <a:defRPr/>
+            </a:lvl8pPr>
+            <a:lvl9pPr lvl="8">
+              <a:buNone/>
+              <a:defRPr/>
+            </a:lvl9pPr>
+          </a:lstStyle>
+          <a:p>
+            <a:pPr marL="0" lvl="0" indent="0" algn="r" rtl="0">
+              <a:spcBef>
+                <a:spcPts val="0"/>
+              </a:spcBef>
+              <a:spcAft>
+                <a:spcPts val="0"/>
+              </a:spcAft>
+              <a:buNone/>
+            </a:pPr>
+            <a:fld id="{00000000-1234-1234-1234-123412341234}" type="slidenum">
+              <a:rPr lang="en-US" altLang="ko"/>
+              <a:pPr marL="0" lvl="0" indent="0" algn="r" rtl="0">
+                <a:spcBef>
+                  <a:spcPts val="0"/>
+                </a:spcBef>
+                <a:spcAft>
+                  <a:spcPts val="0"/>
+                </a:spcAft>
+                <a:buNone/>
+              </a:pPr>
+              <a:t>‹#›</a:t>
+            </a:fld>
+            <a:endParaRPr/>
+          </a:p>
+        </p:txBody>
+      </p:sp>
+    </p:spTree>
+  </p:cSld>
+  <p:clrMapOvr>
+    <a:masterClrMapping/>
+  </p:clrMapOvr>
+</p:sldLayout>
+</file>
+
+<file path=ppt/slideLayouts/slideLayout37.xml><?xml version="1.0" encoding="utf-8"?>
+<p:sldLayout xmlns:a="http://schemas.openxmlformats.org/drawingml/2006/main" xmlns:r="http://schemas.openxmlformats.org/officeDocument/2006/relationships" xmlns:p="http://schemas.openxmlformats.org/presentationml/2006/main" matchingName="Title and two columns" type="twoColTx">
+  <p:cSld name="TITLE_AND_TWO_COLUMNS">
+    <p:spTree>
+      <p:nvGrpSpPr>
+        <p:cNvPr id="1" name="Shape 20"/>
+        <p:cNvGrpSpPr/>
+        <p:nvPr/>
+      </p:nvGrpSpPr>
+      <p:grpSpPr>
+        <a:xfrm>
+          <a:off x="0" y="0"/>
+          <a:ext cx="0" cy="0"/>
+          <a:chOff x="0" y="0"/>
+          <a:chExt cx="0" cy="0"/>
+        </a:xfrm>
+      </p:grpSpPr>
+      <p:sp>
+        <p:nvSpPr>
+          <p:cNvPr id="21" name="Google Shape;21;p5"/>
+          <p:cNvSpPr txBox="1">
+            <a:spLocks noGrp="1"/>
+          </p:cNvSpPr>
+          <p:nvPr>
+            <p:ph type="title"/>
+          </p:nvPr>
+        </p:nvSpPr>
+        <p:spPr>
+          <a:xfrm>
+            <a:off x="415600" y="593367"/>
+            <a:ext cx="11360800" cy="763600"/>
+          </a:xfrm>
+          <a:prstGeom prst="rect">
+            <a:avLst/>
+          </a:prstGeom>
+        </p:spPr>
+        <p:txBody>
+          <a:bodyPr spcFirstLastPara="1" wrap="square" lIns="91425" tIns="91425" rIns="91425" bIns="91425" anchor="t" anchorCtr="0">
+            <a:noAutofit/>
+          </a:bodyPr>
+          <a:lstStyle>
+            <a:lvl1pPr lvl="0">
+              <a:spcBef>
+                <a:spcPts val="0"/>
+              </a:spcBef>
+              <a:spcAft>
+                <a:spcPts val="0"/>
+              </a:spcAft>
+              <a:buSzPts val="2800"/>
+              <a:buNone/>
+              <a:defRPr/>
+            </a:lvl1pPr>
+            <a:lvl2pPr lvl="1">
+              <a:spcBef>
+                <a:spcPts val="0"/>
+              </a:spcBef>
+              <a:spcAft>
+                <a:spcPts val="0"/>
+              </a:spcAft>
+              <a:buSzPts val="2800"/>
+              <a:buNone/>
+              <a:defRPr/>
+            </a:lvl2pPr>
+            <a:lvl3pPr lvl="2">
+              <a:spcBef>
+                <a:spcPts val="0"/>
+              </a:spcBef>
+              <a:spcAft>
+                <a:spcPts val="0"/>
+              </a:spcAft>
+              <a:buSzPts val="2800"/>
+              <a:buNone/>
+              <a:defRPr/>
+            </a:lvl3pPr>
+            <a:lvl4pPr lvl="3">
+              <a:spcBef>
+                <a:spcPts val="0"/>
+              </a:spcBef>
+              <a:spcAft>
+                <a:spcPts val="0"/>
+              </a:spcAft>
+              <a:buSzPts val="2800"/>
+              <a:buNone/>
+              <a:defRPr/>
+            </a:lvl4pPr>
+            <a:lvl5pPr lvl="4">
+              <a:spcBef>
+                <a:spcPts val="0"/>
+              </a:spcBef>
+              <a:spcAft>
+                <a:spcPts val="0"/>
+              </a:spcAft>
+              <a:buSzPts val="2800"/>
+              <a:buNone/>
+              <a:defRPr/>
+            </a:lvl5pPr>
+            <a:lvl6pPr lvl="5">
+              <a:spcBef>
+                <a:spcPts val="0"/>
+              </a:spcBef>
+              <a:spcAft>
+                <a:spcPts val="0"/>
+              </a:spcAft>
+              <a:buSzPts val="2800"/>
+              <a:buNone/>
+              <a:defRPr/>
+            </a:lvl6pPr>
+            <a:lvl7pPr lvl="6">
+              <a:spcBef>
+                <a:spcPts val="0"/>
+              </a:spcBef>
+              <a:spcAft>
+                <a:spcPts val="0"/>
+              </a:spcAft>
+              <a:buSzPts val="2800"/>
+              <a:buNone/>
+              <a:defRPr/>
+            </a:lvl7pPr>
+            <a:lvl8pPr lvl="7">
+              <a:spcBef>
+                <a:spcPts val="0"/>
+              </a:spcBef>
+              <a:spcAft>
+                <a:spcPts val="0"/>
+              </a:spcAft>
+              <a:buSzPts val="2800"/>
+              <a:buNone/>
+              <a:defRPr/>
+            </a:lvl8pPr>
+            <a:lvl9pPr lvl="8">
+              <a:spcBef>
+                <a:spcPts val="0"/>
+              </a:spcBef>
+              <a:spcAft>
+                <a:spcPts val="0"/>
+              </a:spcAft>
+              <a:buSzPts val="2800"/>
+              <a:buNone/>
+              <a:defRPr/>
+            </a:lvl9pPr>
+          </a:lstStyle>
+          <a:p>
+            <a:endParaRPr/>
+          </a:p>
+        </p:txBody>
+      </p:sp>
+      <p:sp>
+        <p:nvSpPr>
+          <p:cNvPr id="22" name="Google Shape;22;p5"/>
+          <p:cNvSpPr txBox="1">
+            <a:spLocks noGrp="1"/>
+          </p:cNvSpPr>
+          <p:nvPr>
+            <p:ph type="body" idx="1"/>
+          </p:nvPr>
+        </p:nvSpPr>
+        <p:spPr>
+          <a:xfrm>
+            <a:off x="415600" y="1536633"/>
+            <a:ext cx="5333200" cy="4555200"/>
+          </a:xfrm>
+          <a:prstGeom prst="rect">
+            <a:avLst/>
+          </a:prstGeom>
+        </p:spPr>
+        <p:txBody>
+          <a:bodyPr spcFirstLastPara="1" wrap="square" lIns="91425" tIns="91425" rIns="91425" bIns="91425" anchor="t" anchorCtr="0">
+            <a:noAutofit/>
+          </a:bodyPr>
+          <a:lstStyle>
+            <a:lvl1pPr marL="609585" lvl="0" indent="-423323">
+              <a:spcBef>
+                <a:spcPts val="0"/>
+              </a:spcBef>
+              <a:spcAft>
+                <a:spcPts val="0"/>
+              </a:spcAft>
+              <a:buSzPts val="1400"/>
+              <a:buChar char="●"/>
+              <a:defRPr sz="1900"/>
+            </a:lvl1pPr>
+            <a:lvl2pPr marL="1219170" lvl="1" indent="-406390">
+              <a:spcBef>
+                <a:spcPts val="2133"/>
+              </a:spcBef>
+              <a:spcAft>
+                <a:spcPts val="0"/>
+              </a:spcAft>
+              <a:buSzPts val="1200"/>
+              <a:buChar char="○"/>
+              <a:defRPr sz="1600"/>
+            </a:lvl2pPr>
+            <a:lvl3pPr marL="1828754" lvl="2" indent="-406390">
+              <a:spcBef>
+                <a:spcPts val="2133"/>
+              </a:spcBef>
+              <a:spcAft>
+                <a:spcPts val="0"/>
+              </a:spcAft>
+              <a:buSzPts val="1200"/>
+              <a:buChar char="■"/>
+              <a:defRPr sz="1600"/>
+            </a:lvl3pPr>
+            <a:lvl4pPr marL="2438339" lvl="3" indent="-406390">
+              <a:spcBef>
+                <a:spcPts val="2133"/>
+              </a:spcBef>
+              <a:spcAft>
+                <a:spcPts val="0"/>
+              </a:spcAft>
+              <a:buSzPts val="1200"/>
+              <a:buChar char="●"/>
+              <a:defRPr sz="1600"/>
+            </a:lvl4pPr>
+            <a:lvl5pPr marL="3047924" lvl="4" indent="-406390">
+              <a:spcBef>
+                <a:spcPts val="2133"/>
+              </a:spcBef>
+              <a:spcAft>
+                <a:spcPts val="0"/>
+              </a:spcAft>
+              <a:buSzPts val="1200"/>
+              <a:buChar char="○"/>
+              <a:defRPr sz="1600"/>
+            </a:lvl5pPr>
+            <a:lvl6pPr marL="3657509" lvl="5" indent="-406390">
+              <a:spcBef>
+                <a:spcPts val="2133"/>
+              </a:spcBef>
+              <a:spcAft>
+                <a:spcPts val="0"/>
+              </a:spcAft>
+              <a:buSzPts val="1200"/>
+              <a:buChar char="■"/>
+              <a:defRPr sz="1600"/>
+            </a:lvl6pPr>
+            <a:lvl7pPr marL="4267093" lvl="6" indent="-406390">
+              <a:spcBef>
+                <a:spcPts val="2133"/>
+              </a:spcBef>
+              <a:spcAft>
+                <a:spcPts val="0"/>
+              </a:spcAft>
+              <a:buSzPts val="1200"/>
+              <a:buChar char="●"/>
+              <a:defRPr sz="1600"/>
+            </a:lvl7pPr>
+            <a:lvl8pPr marL="4876678" lvl="7" indent="-406390">
+              <a:spcBef>
+                <a:spcPts val="2133"/>
+              </a:spcBef>
+              <a:spcAft>
+                <a:spcPts val="0"/>
+              </a:spcAft>
+              <a:buSzPts val="1200"/>
+              <a:buChar char="○"/>
+              <a:defRPr sz="1600"/>
+            </a:lvl8pPr>
+            <a:lvl9pPr marL="5486263" lvl="8" indent="-406390">
+              <a:spcBef>
+                <a:spcPts val="2133"/>
+              </a:spcBef>
+              <a:spcAft>
+                <a:spcPts val="2133"/>
+              </a:spcAft>
+              <a:buSzPts val="1200"/>
+              <a:buChar char="■"/>
+              <a:defRPr sz="1600"/>
+            </a:lvl9pPr>
+          </a:lstStyle>
+          <a:p>
+            <a:endParaRPr/>
+          </a:p>
+        </p:txBody>
+      </p:sp>
+      <p:sp>
+        <p:nvSpPr>
+          <p:cNvPr id="23" name="Google Shape;23;p5"/>
+          <p:cNvSpPr txBox="1">
+            <a:spLocks noGrp="1"/>
+          </p:cNvSpPr>
+          <p:nvPr>
+            <p:ph type="body" idx="2"/>
+          </p:nvPr>
+        </p:nvSpPr>
+        <p:spPr>
+          <a:xfrm>
+            <a:off x="6443200" y="1536633"/>
+            <a:ext cx="5333200" cy="4555200"/>
+          </a:xfrm>
+          <a:prstGeom prst="rect">
+            <a:avLst/>
+          </a:prstGeom>
+        </p:spPr>
+        <p:txBody>
+          <a:bodyPr spcFirstLastPara="1" wrap="square" lIns="91425" tIns="91425" rIns="91425" bIns="91425" anchor="t" anchorCtr="0">
+            <a:noAutofit/>
+          </a:bodyPr>
+          <a:lstStyle>
+            <a:lvl1pPr marL="609585" lvl="0" indent="-423323">
+              <a:spcBef>
+                <a:spcPts val="0"/>
+              </a:spcBef>
+              <a:spcAft>
+                <a:spcPts val="0"/>
+              </a:spcAft>
+              <a:buSzPts val="1400"/>
+              <a:buChar char="●"/>
+              <a:defRPr sz="1900"/>
+            </a:lvl1pPr>
+            <a:lvl2pPr marL="1219170" lvl="1" indent="-406390">
+              <a:spcBef>
+                <a:spcPts val="2133"/>
+              </a:spcBef>
+              <a:spcAft>
+                <a:spcPts val="0"/>
+              </a:spcAft>
+              <a:buSzPts val="1200"/>
+              <a:buChar char="○"/>
+              <a:defRPr sz="1600"/>
+            </a:lvl2pPr>
+            <a:lvl3pPr marL="1828754" lvl="2" indent="-406390">
+              <a:spcBef>
+                <a:spcPts val="2133"/>
+              </a:spcBef>
+              <a:spcAft>
+                <a:spcPts val="0"/>
+              </a:spcAft>
+              <a:buSzPts val="1200"/>
+              <a:buChar char="■"/>
+              <a:defRPr sz="1600"/>
+            </a:lvl3pPr>
+            <a:lvl4pPr marL="2438339" lvl="3" indent="-406390">
+              <a:spcBef>
+                <a:spcPts val="2133"/>
+              </a:spcBef>
+              <a:spcAft>
+                <a:spcPts val="0"/>
+              </a:spcAft>
+              <a:buSzPts val="1200"/>
+              <a:buChar char="●"/>
+              <a:defRPr sz="1600"/>
+            </a:lvl4pPr>
+            <a:lvl5pPr marL="3047924" lvl="4" indent="-406390">
+              <a:spcBef>
+                <a:spcPts val="2133"/>
+              </a:spcBef>
+              <a:spcAft>
+                <a:spcPts val="0"/>
+              </a:spcAft>
+              <a:buSzPts val="1200"/>
+              <a:buChar char="○"/>
+              <a:defRPr sz="1600"/>
+            </a:lvl5pPr>
+            <a:lvl6pPr marL="3657509" lvl="5" indent="-406390">
+              <a:spcBef>
+                <a:spcPts val="2133"/>
+              </a:spcBef>
+              <a:spcAft>
+                <a:spcPts val="0"/>
+              </a:spcAft>
+              <a:buSzPts val="1200"/>
+              <a:buChar char="■"/>
+              <a:defRPr sz="1600"/>
+            </a:lvl6pPr>
+            <a:lvl7pPr marL="4267093" lvl="6" indent="-406390">
+              <a:spcBef>
+                <a:spcPts val="2133"/>
+              </a:spcBef>
+              <a:spcAft>
+                <a:spcPts val="0"/>
+              </a:spcAft>
+              <a:buSzPts val="1200"/>
+              <a:buChar char="●"/>
+              <a:defRPr sz="1600"/>
+            </a:lvl7pPr>
+            <a:lvl8pPr marL="4876678" lvl="7" indent="-406390">
+              <a:spcBef>
+                <a:spcPts val="2133"/>
+              </a:spcBef>
+              <a:spcAft>
+                <a:spcPts val="0"/>
+              </a:spcAft>
+              <a:buSzPts val="1200"/>
+              <a:buChar char="○"/>
+              <a:defRPr sz="1600"/>
+            </a:lvl8pPr>
+            <a:lvl9pPr marL="5486263" lvl="8" indent="-406390">
+              <a:spcBef>
+                <a:spcPts val="2133"/>
+              </a:spcBef>
+              <a:spcAft>
+                <a:spcPts val="2133"/>
+              </a:spcAft>
+              <a:buSzPts val="1200"/>
+              <a:buChar char="■"/>
+              <a:defRPr sz="1600"/>
+            </a:lvl9pPr>
+          </a:lstStyle>
+          <a:p>
+            <a:endParaRPr/>
+          </a:p>
+        </p:txBody>
+      </p:sp>
+      <p:sp>
+        <p:nvSpPr>
+          <p:cNvPr id="24" name="Google Shape;24;p5"/>
+          <p:cNvSpPr txBox="1">
+            <a:spLocks noGrp="1"/>
+          </p:cNvSpPr>
+          <p:nvPr>
+            <p:ph type="sldNum" idx="12"/>
+          </p:nvPr>
+        </p:nvSpPr>
+        <p:spPr>
+          <a:xfrm>
+            <a:off x="11296611" y="6217623"/>
+            <a:ext cx="731600" cy="524800"/>
+          </a:xfrm>
+          <a:prstGeom prst="rect">
+            <a:avLst/>
+          </a:prstGeom>
+        </p:spPr>
+        <p:txBody>
+          <a:bodyPr spcFirstLastPara="1" wrap="square" lIns="91425" tIns="91425" rIns="91425" bIns="91425" anchor="ctr" anchorCtr="0">
+            <a:noAutofit/>
+          </a:bodyPr>
+          <a:lstStyle>
+            <a:lvl1pPr lvl="0">
+              <a:buNone/>
+              <a:defRPr/>
+            </a:lvl1pPr>
+            <a:lvl2pPr lvl="1">
+              <a:buNone/>
+              <a:defRPr/>
+            </a:lvl2pPr>
+            <a:lvl3pPr lvl="2">
+              <a:buNone/>
+              <a:defRPr/>
+            </a:lvl3pPr>
+            <a:lvl4pPr lvl="3">
+              <a:buNone/>
+              <a:defRPr/>
+            </a:lvl4pPr>
+            <a:lvl5pPr lvl="4">
+              <a:buNone/>
+              <a:defRPr/>
+            </a:lvl5pPr>
+            <a:lvl6pPr lvl="5">
+              <a:buNone/>
+              <a:defRPr/>
+            </a:lvl6pPr>
+            <a:lvl7pPr lvl="6">
+              <a:buNone/>
+              <a:defRPr/>
+            </a:lvl7pPr>
+            <a:lvl8pPr lvl="7">
+              <a:buNone/>
+              <a:defRPr/>
+            </a:lvl8pPr>
+            <a:lvl9pPr lvl="8">
+              <a:buNone/>
+              <a:defRPr/>
+            </a:lvl9pPr>
+          </a:lstStyle>
+          <a:p>
+            <a:pPr marL="0" lvl="0" indent="0" algn="r" rtl="0">
+              <a:spcBef>
+                <a:spcPts val="0"/>
+              </a:spcBef>
+              <a:spcAft>
+                <a:spcPts val="0"/>
+              </a:spcAft>
+              <a:buNone/>
+            </a:pPr>
+            <a:fld id="{00000000-1234-1234-1234-123412341234}" type="slidenum">
+              <a:rPr lang="en-US" altLang="ko"/>
+              <a:pPr marL="0" lvl="0" indent="0" algn="r" rtl="0">
+                <a:spcBef>
+                  <a:spcPts val="0"/>
+                </a:spcBef>
+                <a:spcAft>
+                  <a:spcPts val="0"/>
+                </a:spcAft>
+                <a:buNone/>
+              </a:pPr>
+              <a:t>‹#›</a:t>
+            </a:fld>
+            <a:endParaRPr/>
+          </a:p>
+        </p:txBody>
+      </p:sp>
+    </p:spTree>
+  </p:cSld>
+  <p:clrMapOvr>
+    <a:masterClrMapping/>
+  </p:clrMapOvr>
+</p:sldLayout>
+</file>
+
+<file path=ppt/slideLayouts/slideLayout38.xml><?xml version="1.0" encoding="utf-8"?>
+<p:sldLayout xmlns:a="http://schemas.openxmlformats.org/drawingml/2006/main" xmlns:r="http://schemas.openxmlformats.org/officeDocument/2006/relationships" xmlns:p="http://schemas.openxmlformats.org/presentationml/2006/main" matchingName="Title only" type="titleOnly">
+  <p:cSld name="TITLE_ONLY">
+    <p:spTree>
+      <p:nvGrpSpPr>
+        <p:cNvPr id="1" name="Shape 25"/>
+        <p:cNvGrpSpPr/>
+        <p:nvPr/>
+      </p:nvGrpSpPr>
+      <p:grpSpPr>
+        <a:xfrm>
+          <a:off x="0" y="0"/>
+          <a:ext cx="0" cy="0"/>
+          <a:chOff x="0" y="0"/>
+          <a:chExt cx="0" cy="0"/>
+        </a:xfrm>
+      </p:grpSpPr>
+      <p:sp>
+        <p:nvSpPr>
+          <p:cNvPr id="26" name="Google Shape;26;p6"/>
+          <p:cNvSpPr txBox="1">
+            <a:spLocks noGrp="1"/>
+          </p:cNvSpPr>
+          <p:nvPr>
+            <p:ph type="title"/>
+          </p:nvPr>
+        </p:nvSpPr>
+        <p:spPr>
+          <a:xfrm>
+            <a:off x="415600" y="593367"/>
+            <a:ext cx="11360800" cy="763600"/>
+          </a:xfrm>
+          <a:prstGeom prst="rect">
+            <a:avLst/>
+          </a:prstGeom>
+        </p:spPr>
+        <p:txBody>
+          <a:bodyPr spcFirstLastPara="1" wrap="square" lIns="91425" tIns="91425" rIns="91425" bIns="91425" anchor="t" anchorCtr="0">
+            <a:noAutofit/>
+          </a:bodyPr>
+          <a:lstStyle>
+            <a:lvl1pPr lvl="0">
+              <a:spcBef>
+                <a:spcPts val="0"/>
+              </a:spcBef>
+              <a:spcAft>
+                <a:spcPts val="0"/>
+              </a:spcAft>
+              <a:buSzPts val="2800"/>
+              <a:buNone/>
+              <a:defRPr/>
+            </a:lvl1pPr>
+            <a:lvl2pPr lvl="1">
+              <a:spcBef>
+                <a:spcPts val="0"/>
+              </a:spcBef>
+              <a:spcAft>
+                <a:spcPts val="0"/>
+              </a:spcAft>
+              <a:buSzPts val="2800"/>
+              <a:buNone/>
+              <a:defRPr/>
+            </a:lvl2pPr>
+            <a:lvl3pPr lvl="2">
+              <a:spcBef>
+                <a:spcPts val="0"/>
+              </a:spcBef>
+              <a:spcAft>
+                <a:spcPts val="0"/>
+              </a:spcAft>
+              <a:buSzPts val="2800"/>
+              <a:buNone/>
+              <a:defRPr/>
+            </a:lvl3pPr>
+            <a:lvl4pPr lvl="3">
+              <a:spcBef>
+                <a:spcPts val="0"/>
+              </a:spcBef>
+              <a:spcAft>
+                <a:spcPts val="0"/>
+              </a:spcAft>
+              <a:buSzPts val="2800"/>
+              <a:buNone/>
+              <a:defRPr/>
+            </a:lvl4pPr>
+            <a:lvl5pPr lvl="4">
+              <a:spcBef>
+                <a:spcPts val="0"/>
+              </a:spcBef>
+              <a:spcAft>
+                <a:spcPts val="0"/>
+              </a:spcAft>
+              <a:buSzPts val="2800"/>
+              <a:buNone/>
+              <a:defRPr/>
+            </a:lvl5pPr>
+            <a:lvl6pPr lvl="5">
+              <a:spcBef>
+                <a:spcPts val="0"/>
+              </a:spcBef>
+              <a:spcAft>
+                <a:spcPts val="0"/>
+              </a:spcAft>
+              <a:buSzPts val="2800"/>
+              <a:buNone/>
+              <a:defRPr/>
+            </a:lvl6pPr>
+            <a:lvl7pPr lvl="6">
+              <a:spcBef>
+                <a:spcPts val="0"/>
+              </a:spcBef>
+              <a:spcAft>
+                <a:spcPts val="0"/>
+              </a:spcAft>
+              <a:buSzPts val="2800"/>
+              <a:buNone/>
+              <a:defRPr/>
+            </a:lvl7pPr>
+            <a:lvl8pPr lvl="7">
+              <a:spcBef>
+                <a:spcPts val="0"/>
+              </a:spcBef>
+              <a:spcAft>
+                <a:spcPts val="0"/>
+              </a:spcAft>
+              <a:buSzPts val="2800"/>
+              <a:buNone/>
+              <a:defRPr/>
+            </a:lvl8pPr>
+            <a:lvl9pPr lvl="8">
+              <a:spcBef>
+                <a:spcPts val="0"/>
+              </a:spcBef>
+              <a:spcAft>
+                <a:spcPts val="0"/>
+              </a:spcAft>
+              <a:buSzPts val="2800"/>
+              <a:buNone/>
+              <a:defRPr/>
+            </a:lvl9pPr>
+          </a:lstStyle>
+          <a:p>
+            <a:endParaRPr/>
+          </a:p>
+        </p:txBody>
+      </p:sp>
+      <p:sp>
+        <p:nvSpPr>
+          <p:cNvPr id="27" name="Google Shape;27;p6"/>
+          <p:cNvSpPr txBox="1">
+            <a:spLocks noGrp="1"/>
+          </p:cNvSpPr>
+          <p:nvPr>
+            <p:ph type="sldNum" idx="12"/>
+          </p:nvPr>
+        </p:nvSpPr>
+        <p:spPr>
+          <a:xfrm>
+            <a:off x="11296611" y="6217623"/>
+            <a:ext cx="731600" cy="524800"/>
+          </a:xfrm>
+          <a:prstGeom prst="rect">
+            <a:avLst/>
+          </a:prstGeom>
+        </p:spPr>
+        <p:txBody>
+          <a:bodyPr spcFirstLastPara="1" wrap="square" lIns="91425" tIns="91425" rIns="91425" bIns="91425" anchor="ctr" anchorCtr="0">
+            <a:noAutofit/>
+          </a:bodyPr>
+          <a:lstStyle>
+            <a:lvl1pPr lvl="0">
+              <a:buNone/>
+              <a:defRPr/>
+            </a:lvl1pPr>
+            <a:lvl2pPr lvl="1">
+              <a:buNone/>
+              <a:defRPr/>
+            </a:lvl2pPr>
+            <a:lvl3pPr lvl="2">
+              <a:buNone/>
+              <a:defRPr/>
+            </a:lvl3pPr>
+            <a:lvl4pPr lvl="3">
+              <a:buNone/>
+              <a:defRPr/>
+            </a:lvl4pPr>
+            <a:lvl5pPr lvl="4">
+              <a:buNone/>
+              <a:defRPr/>
+            </a:lvl5pPr>
+            <a:lvl6pPr lvl="5">
+              <a:buNone/>
+              <a:defRPr/>
+            </a:lvl6pPr>
+            <a:lvl7pPr lvl="6">
+              <a:buNone/>
+              <a:defRPr/>
+            </a:lvl7pPr>
+            <a:lvl8pPr lvl="7">
+              <a:buNone/>
+              <a:defRPr/>
+            </a:lvl8pPr>
+            <a:lvl9pPr lvl="8">
+              <a:buNone/>
+              <a:defRPr/>
+            </a:lvl9pPr>
+          </a:lstStyle>
+          <a:p>
+            <a:pPr marL="0" lvl="0" indent="0" algn="r" rtl="0">
+              <a:spcBef>
+                <a:spcPts val="0"/>
+              </a:spcBef>
+              <a:spcAft>
+                <a:spcPts val="0"/>
+              </a:spcAft>
+              <a:buNone/>
+            </a:pPr>
+            <a:fld id="{00000000-1234-1234-1234-123412341234}" type="slidenum">
+              <a:rPr lang="en-US" altLang="ko"/>
+              <a:pPr marL="0" lvl="0" indent="0" algn="r" rtl="0">
+                <a:spcBef>
+                  <a:spcPts val="0"/>
+                </a:spcBef>
+                <a:spcAft>
+                  <a:spcPts val="0"/>
+                </a:spcAft>
+                <a:buNone/>
+              </a:pPr>
+              <a:t>‹#›</a:t>
+            </a:fld>
+            <a:endParaRPr/>
+          </a:p>
+        </p:txBody>
+      </p:sp>
+    </p:spTree>
+  </p:cSld>
+  <p:clrMapOvr>
+    <a:masterClrMapping/>
+  </p:clrMapOvr>
+</p:sldLayout>
+</file>
+
+<file path=ppt/slideLayouts/slideLayout39.xml><?xml version="1.0" encoding="utf-8"?>
+<p:sldLayout xmlns:a="http://schemas.openxmlformats.org/drawingml/2006/main" xmlns:r="http://schemas.openxmlformats.org/officeDocument/2006/relationships" xmlns:p="http://schemas.openxmlformats.org/presentationml/2006/main" matchingName="One column text">
+  <p:cSld name="ONE_COLUMN_TEXT">
+    <p:spTree>
+      <p:nvGrpSpPr>
+        <p:cNvPr id="1" name="Shape 28"/>
+        <p:cNvGrpSpPr/>
+        <p:nvPr/>
+      </p:nvGrpSpPr>
+      <p:grpSpPr>
+        <a:xfrm>
+          <a:off x="0" y="0"/>
+          <a:ext cx="0" cy="0"/>
+          <a:chOff x="0" y="0"/>
+          <a:chExt cx="0" cy="0"/>
+        </a:xfrm>
+      </p:grpSpPr>
+      <p:sp>
+        <p:nvSpPr>
+          <p:cNvPr id="29" name="Google Shape;29;p7"/>
+          <p:cNvSpPr txBox="1">
+            <a:spLocks noGrp="1"/>
+          </p:cNvSpPr>
+          <p:nvPr>
+            <p:ph type="title"/>
+          </p:nvPr>
+        </p:nvSpPr>
+        <p:spPr>
+          <a:xfrm>
+            <a:off x="415600" y="740800"/>
+            <a:ext cx="3744000" cy="1007600"/>
+          </a:xfrm>
+          <a:prstGeom prst="rect">
+            <a:avLst/>
+          </a:prstGeom>
+        </p:spPr>
+        <p:txBody>
+          <a:bodyPr spcFirstLastPara="1" wrap="square" lIns="91425" tIns="91425" rIns="91425" bIns="91425" anchor="b" anchorCtr="0">
+            <a:noAutofit/>
+          </a:bodyPr>
+          <a:lstStyle>
+            <a:lvl1pPr lvl="0">
+              <a:spcBef>
+                <a:spcPts val="0"/>
+              </a:spcBef>
+              <a:spcAft>
+                <a:spcPts val="0"/>
+              </a:spcAft>
+              <a:buSzPts val="2400"/>
+              <a:buNone/>
+              <a:defRPr sz="3200"/>
+            </a:lvl1pPr>
+            <a:lvl2pPr lvl="1">
+              <a:spcBef>
+                <a:spcPts val="0"/>
+              </a:spcBef>
+              <a:spcAft>
+                <a:spcPts val="0"/>
+              </a:spcAft>
+              <a:buSzPts val="2400"/>
+              <a:buNone/>
+              <a:defRPr sz="3200"/>
+            </a:lvl2pPr>
+            <a:lvl3pPr lvl="2">
+              <a:spcBef>
+                <a:spcPts val="0"/>
+              </a:spcBef>
+              <a:spcAft>
+                <a:spcPts val="0"/>
+              </a:spcAft>
+              <a:buSzPts val="2400"/>
+              <a:buNone/>
+              <a:defRPr sz="3200"/>
+            </a:lvl3pPr>
+            <a:lvl4pPr lvl="3">
+              <a:spcBef>
+                <a:spcPts val="0"/>
+              </a:spcBef>
+              <a:spcAft>
+                <a:spcPts val="0"/>
+              </a:spcAft>
+              <a:buSzPts val="2400"/>
+              <a:buNone/>
+              <a:defRPr sz="3200"/>
+            </a:lvl4pPr>
+            <a:lvl5pPr lvl="4">
+              <a:spcBef>
+                <a:spcPts val="0"/>
+              </a:spcBef>
+              <a:spcAft>
+                <a:spcPts val="0"/>
+              </a:spcAft>
+              <a:buSzPts val="2400"/>
+              <a:buNone/>
+              <a:defRPr sz="3200"/>
+            </a:lvl5pPr>
+            <a:lvl6pPr lvl="5">
+              <a:spcBef>
+                <a:spcPts val="0"/>
+              </a:spcBef>
+              <a:spcAft>
+                <a:spcPts val="0"/>
+              </a:spcAft>
+              <a:buSzPts val="2400"/>
+              <a:buNone/>
+              <a:defRPr sz="3200"/>
+            </a:lvl6pPr>
+            <a:lvl7pPr lvl="6">
+              <a:spcBef>
+                <a:spcPts val="0"/>
+              </a:spcBef>
+              <a:spcAft>
+                <a:spcPts val="0"/>
+              </a:spcAft>
+              <a:buSzPts val="2400"/>
+              <a:buNone/>
+              <a:defRPr sz="3200"/>
+            </a:lvl7pPr>
+            <a:lvl8pPr lvl="7">
+              <a:spcBef>
+                <a:spcPts val="0"/>
+              </a:spcBef>
+              <a:spcAft>
+                <a:spcPts val="0"/>
+              </a:spcAft>
+              <a:buSzPts val="2400"/>
+              <a:buNone/>
+              <a:defRPr sz="3200"/>
+            </a:lvl8pPr>
+            <a:lvl9pPr lvl="8">
+              <a:spcBef>
+                <a:spcPts val="0"/>
+              </a:spcBef>
+              <a:spcAft>
+                <a:spcPts val="0"/>
+              </a:spcAft>
+              <a:buSzPts val="2400"/>
+              <a:buNone/>
+              <a:defRPr sz="3200"/>
+            </a:lvl9pPr>
+          </a:lstStyle>
+          <a:p>
+            <a:endParaRPr/>
+          </a:p>
+        </p:txBody>
+      </p:sp>
+      <p:sp>
+        <p:nvSpPr>
+          <p:cNvPr id="30" name="Google Shape;30;p7"/>
+          <p:cNvSpPr txBox="1">
+            <a:spLocks noGrp="1"/>
+          </p:cNvSpPr>
+          <p:nvPr>
+            <p:ph type="body" idx="1"/>
+          </p:nvPr>
+        </p:nvSpPr>
+        <p:spPr>
+          <a:xfrm>
+            <a:off x="415600" y="1852800"/>
+            <a:ext cx="3744000" cy="4239200"/>
+          </a:xfrm>
+          <a:prstGeom prst="rect">
+            <a:avLst/>
+          </a:prstGeom>
+        </p:spPr>
+        <p:txBody>
+          <a:bodyPr spcFirstLastPara="1" wrap="square" lIns="91425" tIns="91425" rIns="91425" bIns="91425" anchor="t" anchorCtr="0">
+            <a:noAutofit/>
+          </a:bodyPr>
+          <a:lstStyle>
+            <a:lvl1pPr marL="609585" lvl="0" indent="-406390">
+              <a:spcBef>
+                <a:spcPts val="0"/>
+              </a:spcBef>
+              <a:spcAft>
+                <a:spcPts val="0"/>
+              </a:spcAft>
+              <a:buSzPts val="1200"/>
+              <a:buChar char="●"/>
+              <a:defRPr sz="1600"/>
+            </a:lvl1pPr>
+            <a:lvl2pPr marL="1219170" lvl="1" indent="-406390">
+              <a:spcBef>
+                <a:spcPts val="2133"/>
+              </a:spcBef>
+              <a:spcAft>
+                <a:spcPts val="0"/>
+              </a:spcAft>
+              <a:buSzPts val="1200"/>
+              <a:buChar char="○"/>
+              <a:defRPr sz="1600"/>
+            </a:lvl2pPr>
+            <a:lvl3pPr marL="1828754" lvl="2" indent="-406390">
+              <a:spcBef>
+                <a:spcPts val="2133"/>
+              </a:spcBef>
+              <a:spcAft>
+                <a:spcPts val="0"/>
+              </a:spcAft>
+              <a:buSzPts val="1200"/>
+              <a:buChar char="■"/>
+              <a:defRPr sz="1600"/>
+            </a:lvl3pPr>
+            <a:lvl4pPr marL="2438339" lvl="3" indent="-406390">
+              <a:spcBef>
+                <a:spcPts val="2133"/>
+              </a:spcBef>
+              <a:spcAft>
+                <a:spcPts val="0"/>
+              </a:spcAft>
+              <a:buSzPts val="1200"/>
+              <a:buChar char="●"/>
+              <a:defRPr sz="1600"/>
+            </a:lvl4pPr>
+            <a:lvl5pPr marL="3047924" lvl="4" indent="-406390">
+              <a:spcBef>
+                <a:spcPts val="2133"/>
+              </a:spcBef>
+              <a:spcAft>
+                <a:spcPts val="0"/>
+              </a:spcAft>
+              <a:buSzPts val="1200"/>
+              <a:buChar char="○"/>
+              <a:defRPr sz="1600"/>
+            </a:lvl5pPr>
+            <a:lvl6pPr marL="3657509" lvl="5" indent="-406390">
+              <a:spcBef>
+                <a:spcPts val="2133"/>
+              </a:spcBef>
+              <a:spcAft>
+                <a:spcPts val="0"/>
+              </a:spcAft>
+              <a:buSzPts val="1200"/>
+              <a:buChar char="■"/>
+              <a:defRPr sz="1600"/>
+            </a:lvl6pPr>
+            <a:lvl7pPr marL="4267093" lvl="6" indent="-406390">
+              <a:spcBef>
+                <a:spcPts val="2133"/>
+              </a:spcBef>
+              <a:spcAft>
+                <a:spcPts val="0"/>
+              </a:spcAft>
+              <a:buSzPts val="1200"/>
+              <a:buChar char="●"/>
+              <a:defRPr sz="1600"/>
+            </a:lvl7pPr>
+            <a:lvl8pPr marL="4876678" lvl="7" indent="-406390">
+              <a:spcBef>
+                <a:spcPts val="2133"/>
+              </a:spcBef>
+              <a:spcAft>
+                <a:spcPts val="0"/>
+              </a:spcAft>
+              <a:buSzPts val="1200"/>
+              <a:buChar char="○"/>
+              <a:defRPr sz="1600"/>
+            </a:lvl8pPr>
+            <a:lvl9pPr marL="5486263" lvl="8" indent="-406390">
+              <a:spcBef>
+                <a:spcPts val="2133"/>
+              </a:spcBef>
+              <a:spcAft>
+                <a:spcPts val="2133"/>
+              </a:spcAft>
+              <a:buSzPts val="1200"/>
+              <a:buChar char="■"/>
+              <a:defRPr sz="1600"/>
+            </a:lvl9pPr>
+          </a:lstStyle>
+          <a:p>
+            <a:endParaRPr/>
+          </a:p>
+        </p:txBody>
+      </p:sp>
+      <p:sp>
+        <p:nvSpPr>
+          <p:cNvPr id="31" name="Google Shape;31;p7"/>
+          <p:cNvSpPr txBox="1">
+            <a:spLocks noGrp="1"/>
+          </p:cNvSpPr>
+          <p:nvPr>
+            <p:ph type="sldNum" idx="12"/>
+          </p:nvPr>
+        </p:nvSpPr>
+        <p:spPr>
+          <a:xfrm>
+            <a:off x="11296611" y="6217623"/>
+            <a:ext cx="731600" cy="524800"/>
+          </a:xfrm>
+          <a:prstGeom prst="rect">
+            <a:avLst/>
+          </a:prstGeom>
+        </p:spPr>
+        <p:txBody>
+          <a:bodyPr spcFirstLastPara="1" wrap="square" lIns="91425" tIns="91425" rIns="91425" bIns="91425" anchor="ctr" anchorCtr="0">
+            <a:noAutofit/>
+          </a:bodyPr>
+          <a:lstStyle>
+            <a:lvl1pPr lvl="0">
+              <a:buNone/>
+              <a:defRPr/>
+            </a:lvl1pPr>
+            <a:lvl2pPr lvl="1">
+              <a:buNone/>
+              <a:defRPr/>
+            </a:lvl2pPr>
+            <a:lvl3pPr lvl="2">
+              <a:buNone/>
+              <a:defRPr/>
+            </a:lvl3pPr>
+            <a:lvl4pPr lvl="3">
+              <a:buNone/>
+              <a:defRPr/>
+            </a:lvl4pPr>
+            <a:lvl5pPr lvl="4">
+              <a:buNone/>
+              <a:defRPr/>
+            </a:lvl5pPr>
+            <a:lvl6pPr lvl="5">
+              <a:buNone/>
+              <a:defRPr/>
+            </a:lvl6pPr>
+            <a:lvl7pPr lvl="6">
+              <a:buNone/>
+              <a:defRPr/>
+            </a:lvl7pPr>
+            <a:lvl8pPr lvl="7">
+              <a:buNone/>
+              <a:defRPr/>
+            </a:lvl8pPr>
+            <a:lvl9pPr lvl="8">
+              <a:buNone/>
+              <a:defRPr/>
+            </a:lvl9pPr>
+          </a:lstStyle>
+          <a:p>
+            <a:pPr marL="0" lvl="0" indent="0" algn="r" rtl="0">
+              <a:spcBef>
+                <a:spcPts val="0"/>
+              </a:spcBef>
+              <a:spcAft>
+                <a:spcPts val="0"/>
+              </a:spcAft>
+              <a:buNone/>
+            </a:pPr>
+            <a:fld id="{00000000-1234-1234-1234-123412341234}" type="slidenum">
+              <a:rPr lang="en-US" altLang="ko"/>
+              <a:pPr marL="0" lvl="0" indent="0" algn="r" rtl="0">
+                <a:spcBef>
+                  <a:spcPts val="0"/>
+                </a:spcBef>
+                <a:spcAft>
+                  <a:spcPts val="0"/>
+                </a:spcAft>
+                <a:buNone/>
+              </a:pPr>
+              <a:t>‹#›</a:t>
+            </a:fld>
+            <a:endParaRPr/>
+          </a:p>
+        </p:txBody>
+      </p:sp>
+    </p:spTree>
+  </p:cSld>
+  <p:clrMapOvr>
+    <a:masterClrMapping/>
+  </p:clrMapOvr>
+</p:sldLayout>
+</file>
+
 <file path=ppt/slideLayouts/slideLayout4.xml><?xml version="1.0" encoding="utf-8"?>
 <p:sldLayout xmlns:a="http://schemas.openxmlformats.org/drawingml/2006/main" xmlns:r="http://schemas.openxmlformats.org/officeDocument/2006/relationships" xmlns:p="http://schemas.openxmlformats.org/presentationml/2006/main" type="twoObj" preserve="1">
   <p:cSld name="콘텐츠 2개">
@@ -8459,6 +10469,1458 @@
         <p14:creationId xmlns:p14="http://schemas.microsoft.com/office/powerpoint/2010/main" val="2682904040"/>
       </p:ext>
     </p:extLst>
+  </p:cSld>
+  <p:clrMapOvr>
+    <a:masterClrMapping/>
+  </p:clrMapOvr>
+</p:sldLayout>
+</file>
+
+<file path=ppt/slideLayouts/slideLayout40.xml><?xml version="1.0" encoding="utf-8"?>
+<p:sldLayout xmlns:a="http://schemas.openxmlformats.org/drawingml/2006/main" xmlns:r="http://schemas.openxmlformats.org/officeDocument/2006/relationships" xmlns:p="http://schemas.openxmlformats.org/presentationml/2006/main" matchingName="Main point">
+  <p:cSld name="MAIN_POINT">
+    <p:spTree>
+      <p:nvGrpSpPr>
+        <p:cNvPr id="1" name="Shape 32"/>
+        <p:cNvGrpSpPr/>
+        <p:nvPr/>
+      </p:nvGrpSpPr>
+      <p:grpSpPr>
+        <a:xfrm>
+          <a:off x="0" y="0"/>
+          <a:ext cx="0" cy="0"/>
+          <a:chOff x="0" y="0"/>
+          <a:chExt cx="0" cy="0"/>
+        </a:xfrm>
+      </p:grpSpPr>
+      <p:sp>
+        <p:nvSpPr>
+          <p:cNvPr id="33" name="Google Shape;33;p8"/>
+          <p:cNvSpPr txBox="1">
+            <a:spLocks noGrp="1"/>
+          </p:cNvSpPr>
+          <p:nvPr>
+            <p:ph type="title"/>
+          </p:nvPr>
+        </p:nvSpPr>
+        <p:spPr>
+          <a:xfrm>
+            <a:off x="653667" y="600200"/>
+            <a:ext cx="8490400" cy="5454400"/>
+          </a:xfrm>
+          <a:prstGeom prst="rect">
+            <a:avLst/>
+          </a:prstGeom>
+        </p:spPr>
+        <p:txBody>
+          <a:bodyPr spcFirstLastPara="1" wrap="square" lIns="91425" tIns="91425" rIns="91425" bIns="91425" anchor="ctr" anchorCtr="0">
+            <a:noAutofit/>
+          </a:bodyPr>
+          <a:lstStyle>
+            <a:lvl1pPr lvl="0">
+              <a:spcBef>
+                <a:spcPts val="0"/>
+              </a:spcBef>
+              <a:spcAft>
+                <a:spcPts val="0"/>
+              </a:spcAft>
+              <a:buSzPts val="4800"/>
+              <a:buNone/>
+              <a:defRPr sz="6400"/>
+            </a:lvl1pPr>
+            <a:lvl2pPr lvl="1">
+              <a:spcBef>
+                <a:spcPts val="0"/>
+              </a:spcBef>
+              <a:spcAft>
+                <a:spcPts val="0"/>
+              </a:spcAft>
+              <a:buSzPts val="4800"/>
+              <a:buNone/>
+              <a:defRPr sz="6400"/>
+            </a:lvl2pPr>
+            <a:lvl3pPr lvl="2">
+              <a:spcBef>
+                <a:spcPts val="0"/>
+              </a:spcBef>
+              <a:spcAft>
+                <a:spcPts val="0"/>
+              </a:spcAft>
+              <a:buSzPts val="4800"/>
+              <a:buNone/>
+              <a:defRPr sz="6400"/>
+            </a:lvl3pPr>
+            <a:lvl4pPr lvl="3">
+              <a:spcBef>
+                <a:spcPts val="0"/>
+              </a:spcBef>
+              <a:spcAft>
+                <a:spcPts val="0"/>
+              </a:spcAft>
+              <a:buSzPts val="4800"/>
+              <a:buNone/>
+              <a:defRPr sz="6400"/>
+            </a:lvl4pPr>
+            <a:lvl5pPr lvl="4">
+              <a:spcBef>
+                <a:spcPts val="0"/>
+              </a:spcBef>
+              <a:spcAft>
+                <a:spcPts val="0"/>
+              </a:spcAft>
+              <a:buSzPts val="4800"/>
+              <a:buNone/>
+              <a:defRPr sz="6400"/>
+            </a:lvl5pPr>
+            <a:lvl6pPr lvl="5">
+              <a:spcBef>
+                <a:spcPts val="0"/>
+              </a:spcBef>
+              <a:spcAft>
+                <a:spcPts val="0"/>
+              </a:spcAft>
+              <a:buSzPts val="4800"/>
+              <a:buNone/>
+              <a:defRPr sz="6400"/>
+            </a:lvl6pPr>
+            <a:lvl7pPr lvl="6">
+              <a:spcBef>
+                <a:spcPts val="0"/>
+              </a:spcBef>
+              <a:spcAft>
+                <a:spcPts val="0"/>
+              </a:spcAft>
+              <a:buSzPts val="4800"/>
+              <a:buNone/>
+              <a:defRPr sz="6400"/>
+            </a:lvl7pPr>
+            <a:lvl8pPr lvl="7">
+              <a:spcBef>
+                <a:spcPts val="0"/>
+              </a:spcBef>
+              <a:spcAft>
+                <a:spcPts val="0"/>
+              </a:spcAft>
+              <a:buSzPts val="4800"/>
+              <a:buNone/>
+              <a:defRPr sz="6400"/>
+            </a:lvl8pPr>
+            <a:lvl9pPr lvl="8">
+              <a:spcBef>
+                <a:spcPts val="0"/>
+              </a:spcBef>
+              <a:spcAft>
+                <a:spcPts val="0"/>
+              </a:spcAft>
+              <a:buSzPts val="4800"/>
+              <a:buNone/>
+              <a:defRPr sz="6400"/>
+            </a:lvl9pPr>
+          </a:lstStyle>
+          <a:p>
+            <a:endParaRPr/>
+          </a:p>
+        </p:txBody>
+      </p:sp>
+      <p:sp>
+        <p:nvSpPr>
+          <p:cNvPr id="34" name="Google Shape;34;p8"/>
+          <p:cNvSpPr txBox="1">
+            <a:spLocks noGrp="1"/>
+          </p:cNvSpPr>
+          <p:nvPr>
+            <p:ph type="sldNum" idx="12"/>
+          </p:nvPr>
+        </p:nvSpPr>
+        <p:spPr>
+          <a:xfrm>
+            <a:off x="11296611" y="6217623"/>
+            <a:ext cx="731600" cy="524800"/>
+          </a:xfrm>
+          <a:prstGeom prst="rect">
+            <a:avLst/>
+          </a:prstGeom>
+        </p:spPr>
+        <p:txBody>
+          <a:bodyPr spcFirstLastPara="1" wrap="square" lIns="91425" tIns="91425" rIns="91425" bIns="91425" anchor="ctr" anchorCtr="0">
+            <a:noAutofit/>
+          </a:bodyPr>
+          <a:lstStyle>
+            <a:lvl1pPr lvl="0">
+              <a:buNone/>
+              <a:defRPr/>
+            </a:lvl1pPr>
+            <a:lvl2pPr lvl="1">
+              <a:buNone/>
+              <a:defRPr/>
+            </a:lvl2pPr>
+            <a:lvl3pPr lvl="2">
+              <a:buNone/>
+              <a:defRPr/>
+            </a:lvl3pPr>
+            <a:lvl4pPr lvl="3">
+              <a:buNone/>
+              <a:defRPr/>
+            </a:lvl4pPr>
+            <a:lvl5pPr lvl="4">
+              <a:buNone/>
+              <a:defRPr/>
+            </a:lvl5pPr>
+            <a:lvl6pPr lvl="5">
+              <a:buNone/>
+              <a:defRPr/>
+            </a:lvl6pPr>
+            <a:lvl7pPr lvl="6">
+              <a:buNone/>
+              <a:defRPr/>
+            </a:lvl7pPr>
+            <a:lvl8pPr lvl="7">
+              <a:buNone/>
+              <a:defRPr/>
+            </a:lvl8pPr>
+            <a:lvl9pPr lvl="8">
+              <a:buNone/>
+              <a:defRPr/>
+            </a:lvl9pPr>
+          </a:lstStyle>
+          <a:p>
+            <a:pPr marL="0" lvl="0" indent="0" algn="r" rtl="0">
+              <a:spcBef>
+                <a:spcPts val="0"/>
+              </a:spcBef>
+              <a:spcAft>
+                <a:spcPts val="0"/>
+              </a:spcAft>
+              <a:buNone/>
+            </a:pPr>
+            <a:fld id="{00000000-1234-1234-1234-123412341234}" type="slidenum">
+              <a:rPr lang="en-US" altLang="ko"/>
+              <a:pPr marL="0" lvl="0" indent="0" algn="r" rtl="0">
+                <a:spcBef>
+                  <a:spcPts val="0"/>
+                </a:spcBef>
+                <a:spcAft>
+                  <a:spcPts val="0"/>
+                </a:spcAft>
+                <a:buNone/>
+              </a:pPr>
+              <a:t>‹#›</a:t>
+            </a:fld>
+            <a:endParaRPr/>
+          </a:p>
+        </p:txBody>
+      </p:sp>
+    </p:spTree>
+  </p:cSld>
+  <p:clrMapOvr>
+    <a:masterClrMapping/>
+  </p:clrMapOvr>
+</p:sldLayout>
+</file>
+
+<file path=ppt/slideLayouts/slideLayout41.xml><?xml version="1.0" encoding="utf-8"?>
+<p:sldLayout xmlns:a="http://schemas.openxmlformats.org/drawingml/2006/main" xmlns:r="http://schemas.openxmlformats.org/officeDocument/2006/relationships" xmlns:p="http://schemas.openxmlformats.org/presentationml/2006/main" matchingName="Section title and description">
+  <p:cSld name="SECTION_TITLE_AND_DESCRIPTION">
+    <p:spTree>
+      <p:nvGrpSpPr>
+        <p:cNvPr id="1" name="Shape 35"/>
+        <p:cNvGrpSpPr/>
+        <p:nvPr/>
+      </p:nvGrpSpPr>
+      <p:grpSpPr>
+        <a:xfrm>
+          <a:off x="0" y="0"/>
+          <a:ext cx="0" cy="0"/>
+          <a:chOff x="0" y="0"/>
+          <a:chExt cx="0" cy="0"/>
+        </a:xfrm>
+      </p:grpSpPr>
+      <p:sp>
+        <p:nvSpPr>
+          <p:cNvPr id="36" name="Google Shape;36;p9"/>
+          <p:cNvSpPr/>
+          <p:nvPr/>
+        </p:nvSpPr>
+        <p:spPr>
+          <a:xfrm>
+            <a:off x="6096000" y="-167"/>
+            <a:ext cx="6096000" cy="6858000"/>
+          </a:xfrm>
+          <a:prstGeom prst="rect">
+            <a:avLst/>
+          </a:prstGeom>
+          <a:solidFill>
+            <a:schemeClr val="lt2"/>
+          </a:solidFill>
+          <a:ln>
+            <a:noFill/>
+          </a:ln>
+        </p:spPr>
+        <p:txBody>
+          <a:bodyPr spcFirstLastPara="1" wrap="square" lIns="121900" tIns="121900" rIns="121900" bIns="121900" anchor="ctr" anchorCtr="0">
+            <a:noAutofit/>
+          </a:bodyPr>
+          <a:lstStyle/>
+          <a:p>
+            <a:pPr marL="0" lvl="0" indent="0" algn="l" rtl="0">
+              <a:spcBef>
+                <a:spcPts val="0"/>
+              </a:spcBef>
+              <a:spcAft>
+                <a:spcPts val="0"/>
+              </a:spcAft>
+              <a:buNone/>
+            </a:pPr>
+            <a:endParaRPr/>
+          </a:p>
+        </p:txBody>
+      </p:sp>
+      <p:sp>
+        <p:nvSpPr>
+          <p:cNvPr id="37" name="Google Shape;37;p9"/>
+          <p:cNvSpPr txBox="1">
+            <a:spLocks noGrp="1"/>
+          </p:cNvSpPr>
+          <p:nvPr>
+            <p:ph type="title"/>
+          </p:nvPr>
+        </p:nvSpPr>
+        <p:spPr>
+          <a:xfrm>
+            <a:off x="354000" y="1644233"/>
+            <a:ext cx="5393600" cy="1976400"/>
+          </a:xfrm>
+          <a:prstGeom prst="rect">
+            <a:avLst/>
+          </a:prstGeom>
+        </p:spPr>
+        <p:txBody>
+          <a:bodyPr spcFirstLastPara="1" wrap="square" lIns="91425" tIns="91425" rIns="91425" bIns="91425" anchor="b" anchorCtr="0">
+            <a:noAutofit/>
+          </a:bodyPr>
+          <a:lstStyle>
+            <a:lvl1pPr lvl="0" algn="ctr">
+              <a:spcBef>
+                <a:spcPts val="0"/>
+              </a:spcBef>
+              <a:spcAft>
+                <a:spcPts val="0"/>
+              </a:spcAft>
+              <a:buSzPts val="4200"/>
+              <a:buNone/>
+              <a:defRPr sz="5600"/>
+            </a:lvl1pPr>
+            <a:lvl2pPr lvl="1" algn="ctr">
+              <a:spcBef>
+                <a:spcPts val="0"/>
+              </a:spcBef>
+              <a:spcAft>
+                <a:spcPts val="0"/>
+              </a:spcAft>
+              <a:buSzPts val="4200"/>
+              <a:buNone/>
+              <a:defRPr sz="5600"/>
+            </a:lvl2pPr>
+            <a:lvl3pPr lvl="2" algn="ctr">
+              <a:spcBef>
+                <a:spcPts val="0"/>
+              </a:spcBef>
+              <a:spcAft>
+                <a:spcPts val="0"/>
+              </a:spcAft>
+              <a:buSzPts val="4200"/>
+              <a:buNone/>
+              <a:defRPr sz="5600"/>
+            </a:lvl3pPr>
+            <a:lvl4pPr lvl="3" algn="ctr">
+              <a:spcBef>
+                <a:spcPts val="0"/>
+              </a:spcBef>
+              <a:spcAft>
+                <a:spcPts val="0"/>
+              </a:spcAft>
+              <a:buSzPts val="4200"/>
+              <a:buNone/>
+              <a:defRPr sz="5600"/>
+            </a:lvl4pPr>
+            <a:lvl5pPr lvl="4" algn="ctr">
+              <a:spcBef>
+                <a:spcPts val="0"/>
+              </a:spcBef>
+              <a:spcAft>
+                <a:spcPts val="0"/>
+              </a:spcAft>
+              <a:buSzPts val="4200"/>
+              <a:buNone/>
+              <a:defRPr sz="5600"/>
+            </a:lvl5pPr>
+            <a:lvl6pPr lvl="5" algn="ctr">
+              <a:spcBef>
+                <a:spcPts val="0"/>
+              </a:spcBef>
+              <a:spcAft>
+                <a:spcPts val="0"/>
+              </a:spcAft>
+              <a:buSzPts val="4200"/>
+              <a:buNone/>
+              <a:defRPr sz="5600"/>
+            </a:lvl6pPr>
+            <a:lvl7pPr lvl="6" algn="ctr">
+              <a:spcBef>
+                <a:spcPts val="0"/>
+              </a:spcBef>
+              <a:spcAft>
+                <a:spcPts val="0"/>
+              </a:spcAft>
+              <a:buSzPts val="4200"/>
+              <a:buNone/>
+              <a:defRPr sz="5600"/>
+            </a:lvl7pPr>
+            <a:lvl8pPr lvl="7" algn="ctr">
+              <a:spcBef>
+                <a:spcPts val="0"/>
+              </a:spcBef>
+              <a:spcAft>
+                <a:spcPts val="0"/>
+              </a:spcAft>
+              <a:buSzPts val="4200"/>
+              <a:buNone/>
+              <a:defRPr sz="5600"/>
+            </a:lvl8pPr>
+            <a:lvl9pPr lvl="8" algn="ctr">
+              <a:spcBef>
+                <a:spcPts val="0"/>
+              </a:spcBef>
+              <a:spcAft>
+                <a:spcPts val="0"/>
+              </a:spcAft>
+              <a:buSzPts val="4200"/>
+              <a:buNone/>
+              <a:defRPr sz="5600"/>
+            </a:lvl9pPr>
+          </a:lstStyle>
+          <a:p>
+            <a:endParaRPr/>
+          </a:p>
+        </p:txBody>
+      </p:sp>
+      <p:sp>
+        <p:nvSpPr>
+          <p:cNvPr id="38" name="Google Shape;38;p9"/>
+          <p:cNvSpPr txBox="1">
+            <a:spLocks noGrp="1"/>
+          </p:cNvSpPr>
+          <p:nvPr>
+            <p:ph type="subTitle" idx="1"/>
+          </p:nvPr>
+        </p:nvSpPr>
+        <p:spPr>
+          <a:xfrm>
+            <a:off x="354000" y="3737433"/>
+            <a:ext cx="5393600" cy="1646800"/>
+          </a:xfrm>
+          <a:prstGeom prst="rect">
+            <a:avLst/>
+          </a:prstGeom>
+        </p:spPr>
+        <p:txBody>
+          <a:bodyPr spcFirstLastPara="1" wrap="square" lIns="91425" tIns="91425" rIns="91425" bIns="91425" anchor="t" anchorCtr="0">
+            <a:noAutofit/>
+          </a:bodyPr>
+          <a:lstStyle>
+            <a:lvl1pPr lvl="0" algn="ctr">
+              <a:lnSpc>
+                <a:spcPct val="100000"/>
+              </a:lnSpc>
+              <a:spcBef>
+                <a:spcPts val="0"/>
+              </a:spcBef>
+              <a:spcAft>
+                <a:spcPts val="0"/>
+              </a:spcAft>
+              <a:buSzPts val="2100"/>
+              <a:buNone/>
+              <a:defRPr sz="2800"/>
+            </a:lvl1pPr>
+            <a:lvl2pPr lvl="1" algn="ctr">
+              <a:lnSpc>
+                <a:spcPct val="100000"/>
+              </a:lnSpc>
+              <a:spcBef>
+                <a:spcPts val="0"/>
+              </a:spcBef>
+              <a:spcAft>
+                <a:spcPts val="0"/>
+              </a:spcAft>
+              <a:buSzPts val="2100"/>
+              <a:buNone/>
+              <a:defRPr sz="2800"/>
+            </a:lvl2pPr>
+            <a:lvl3pPr lvl="2" algn="ctr">
+              <a:lnSpc>
+                <a:spcPct val="100000"/>
+              </a:lnSpc>
+              <a:spcBef>
+                <a:spcPts val="0"/>
+              </a:spcBef>
+              <a:spcAft>
+                <a:spcPts val="0"/>
+              </a:spcAft>
+              <a:buSzPts val="2100"/>
+              <a:buNone/>
+              <a:defRPr sz="2800"/>
+            </a:lvl3pPr>
+            <a:lvl4pPr lvl="3" algn="ctr">
+              <a:lnSpc>
+                <a:spcPct val="100000"/>
+              </a:lnSpc>
+              <a:spcBef>
+                <a:spcPts val="0"/>
+              </a:spcBef>
+              <a:spcAft>
+                <a:spcPts val="0"/>
+              </a:spcAft>
+              <a:buSzPts val="2100"/>
+              <a:buNone/>
+              <a:defRPr sz="2800"/>
+            </a:lvl4pPr>
+            <a:lvl5pPr lvl="4" algn="ctr">
+              <a:lnSpc>
+                <a:spcPct val="100000"/>
+              </a:lnSpc>
+              <a:spcBef>
+                <a:spcPts val="0"/>
+              </a:spcBef>
+              <a:spcAft>
+                <a:spcPts val="0"/>
+              </a:spcAft>
+              <a:buSzPts val="2100"/>
+              <a:buNone/>
+              <a:defRPr sz="2800"/>
+            </a:lvl5pPr>
+            <a:lvl6pPr lvl="5" algn="ctr">
+              <a:lnSpc>
+                <a:spcPct val="100000"/>
+              </a:lnSpc>
+              <a:spcBef>
+                <a:spcPts val="0"/>
+              </a:spcBef>
+              <a:spcAft>
+                <a:spcPts val="0"/>
+              </a:spcAft>
+              <a:buSzPts val="2100"/>
+              <a:buNone/>
+              <a:defRPr sz="2800"/>
+            </a:lvl6pPr>
+            <a:lvl7pPr lvl="6" algn="ctr">
+              <a:lnSpc>
+                <a:spcPct val="100000"/>
+              </a:lnSpc>
+              <a:spcBef>
+                <a:spcPts val="0"/>
+              </a:spcBef>
+              <a:spcAft>
+                <a:spcPts val="0"/>
+              </a:spcAft>
+              <a:buSzPts val="2100"/>
+              <a:buNone/>
+              <a:defRPr sz="2800"/>
+            </a:lvl7pPr>
+            <a:lvl8pPr lvl="7" algn="ctr">
+              <a:lnSpc>
+                <a:spcPct val="100000"/>
+              </a:lnSpc>
+              <a:spcBef>
+                <a:spcPts val="0"/>
+              </a:spcBef>
+              <a:spcAft>
+                <a:spcPts val="0"/>
+              </a:spcAft>
+              <a:buSzPts val="2100"/>
+              <a:buNone/>
+              <a:defRPr sz="2800"/>
+            </a:lvl8pPr>
+            <a:lvl9pPr lvl="8" algn="ctr">
+              <a:lnSpc>
+                <a:spcPct val="100000"/>
+              </a:lnSpc>
+              <a:spcBef>
+                <a:spcPts val="0"/>
+              </a:spcBef>
+              <a:spcAft>
+                <a:spcPts val="0"/>
+              </a:spcAft>
+              <a:buSzPts val="2100"/>
+              <a:buNone/>
+              <a:defRPr sz="2800"/>
+            </a:lvl9pPr>
+          </a:lstStyle>
+          <a:p>
+            <a:endParaRPr/>
+          </a:p>
+        </p:txBody>
+      </p:sp>
+      <p:sp>
+        <p:nvSpPr>
+          <p:cNvPr id="39" name="Google Shape;39;p9"/>
+          <p:cNvSpPr txBox="1">
+            <a:spLocks noGrp="1"/>
+          </p:cNvSpPr>
+          <p:nvPr>
+            <p:ph type="body" idx="2"/>
+          </p:nvPr>
+        </p:nvSpPr>
+        <p:spPr>
+          <a:xfrm>
+            <a:off x="6586000" y="965433"/>
+            <a:ext cx="5116000" cy="4926800"/>
+          </a:xfrm>
+          <a:prstGeom prst="rect">
+            <a:avLst/>
+          </a:prstGeom>
+        </p:spPr>
+        <p:txBody>
+          <a:bodyPr spcFirstLastPara="1" wrap="square" lIns="91425" tIns="91425" rIns="91425" bIns="91425" anchor="ctr" anchorCtr="0">
+            <a:noAutofit/>
+          </a:bodyPr>
+          <a:lstStyle>
+            <a:lvl1pPr marL="609585" lvl="0" indent="-457189">
+              <a:spcBef>
+                <a:spcPts val="0"/>
+              </a:spcBef>
+              <a:spcAft>
+                <a:spcPts val="0"/>
+              </a:spcAft>
+              <a:buSzPts val="1800"/>
+              <a:buChar char="●"/>
+              <a:defRPr/>
+            </a:lvl1pPr>
+            <a:lvl2pPr marL="1219170" lvl="1" indent="-423323">
+              <a:spcBef>
+                <a:spcPts val="2133"/>
+              </a:spcBef>
+              <a:spcAft>
+                <a:spcPts val="0"/>
+              </a:spcAft>
+              <a:buSzPts val="1400"/>
+              <a:buChar char="○"/>
+              <a:defRPr/>
+            </a:lvl2pPr>
+            <a:lvl3pPr marL="1828754" lvl="2" indent="-423323">
+              <a:spcBef>
+                <a:spcPts val="2133"/>
+              </a:spcBef>
+              <a:spcAft>
+                <a:spcPts val="0"/>
+              </a:spcAft>
+              <a:buSzPts val="1400"/>
+              <a:buChar char="■"/>
+              <a:defRPr/>
+            </a:lvl3pPr>
+            <a:lvl4pPr marL="2438339" lvl="3" indent="-423323">
+              <a:spcBef>
+                <a:spcPts val="2133"/>
+              </a:spcBef>
+              <a:spcAft>
+                <a:spcPts val="0"/>
+              </a:spcAft>
+              <a:buSzPts val="1400"/>
+              <a:buChar char="●"/>
+              <a:defRPr/>
+            </a:lvl4pPr>
+            <a:lvl5pPr marL="3047924" lvl="4" indent="-423323">
+              <a:spcBef>
+                <a:spcPts val="2133"/>
+              </a:spcBef>
+              <a:spcAft>
+                <a:spcPts val="0"/>
+              </a:spcAft>
+              <a:buSzPts val="1400"/>
+              <a:buChar char="○"/>
+              <a:defRPr/>
+            </a:lvl5pPr>
+            <a:lvl6pPr marL="3657509" lvl="5" indent="-423323">
+              <a:spcBef>
+                <a:spcPts val="2133"/>
+              </a:spcBef>
+              <a:spcAft>
+                <a:spcPts val="0"/>
+              </a:spcAft>
+              <a:buSzPts val="1400"/>
+              <a:buChar char="■"/>
+              <a:defRPr/>
+            </a:lvl6pPr>
+            <a:lvl7pPr marL="4267093" lvl="6" indent="-423323">
+              <a:spcBef>
+                <a:spcPts val="2133"/>
+              </a:spcBef>
+              <a:spcAft>
+                <a:spcPts val="0"/>
+              </a:spcAft>
+              <a:buSzPts val="1400"/>
+              <a:buChar char="●"/>
+              <a:defRPr/>
+            </a:lvl7pPr>
+            <a:lvl8pPr marL="4876678" lvl="7" indent="-423323">
+              <a:spcBef>
+                <a:spcPts val="2133"/>
+              </a:spcBef>
+              <a:spcAft>
+                <a:spcPts val="0"/>
+              </a:spcAft>
+              <a:buSzPts val="1400"/>
+              <a:buChar char="○"/>
+              <a:defRPr/>
+            </a:lvl8pPr>
+            <a:lvl9pPr marL="5486263" lvl="8" indent="-423323">
+              <a:spcBef>
+                <a:spcPts val="2133"/>
+              </a:spcBef>
+              <a:spcAft>
+                <a:spcPts val="2133"/>
+              </a:spcAft>
+              <a:buSzPts val="1400"/>
+              <a:buChar char="■"/>
+              <a:defRPr/>
+            </a:lvl9pPr>
+          </a:lstStyle>
+          <a:p>
+            <a:endParaRPr/>
+          </a:p>
+        </p:txBody>
+      </p:sp>
+      <p:sp>
+        <p:nvSpPr>
+          <p:cNvPr id="40" name="Google Shape;40;p9"/>
+          <p:cNvSpPr txBox="1">
+            <a:spLocks noGrp="1"/>
+          </p:cNvSpPr>
+          <p:nvPr>
+            <p:ph type="sldNum" idx="12"/>
+          </p:nvPr>
+        </p:nvSpPr>
+        <p:spPr>
+          <a:xfrm>
+            <a:off x="11296611" y="6217623"/>
+            <a:ext cx="731600" cy="524800"/>
+          </a:xfrm>
+          <a:prstGeom prst="rect">
+            <a:avLst/>
+          </a:prstGeom>
+        </p:spPr>
+        <p:txBody>
+          <a:bodyPr spcFirstLastPara="1" wrap="square" lIns="91425" tIns="91425" rIns="91425" bIns="91425" anchor="ctr" anchorCtr="0">
+            <a:noAutofit/>
+          </a:bodyPr>
+          <a:lstStyle>
+            <a:lvl1pPr lvl="0">
+              <a:buNone/>
+              <a:defRPr/>
+            </a:lvl1pPr>
+            <a:lvl2pPr lvl="1">
+              <a:buNone/>
+              <a:defRPr/>
+            </a:lvl2pPr>
+            <a:lvl3pPr lvl="2">
+              <a:buNone/>
+              <a:defRPr/>
+            </a:lvl3pPr>
+            <a:lvl4pPr lvl="3">
+              <a:buNone/>
+              <a:defRPr/>
+            </a:lvl4pPr>
+            <a:lvl5pPr lvl="4">
+              <a:buNone/>
+              <a:defRPr/>
+            </a:lvl5pPr>
+            <a:lvl6pPr lvl="5">
+              <a:buNone/>
+              <a:defRPr/>
+            </a:lvl6pPr>
+            <a:lvl7pPr lvl="6">
+              <a:buNone/>
+              <a:defRPr/>
+            </a:lvl7pPr>
+            <a:lvl8pPr lvl="7">
+              <a:buNone/>
+              <a:defRPr/>
+            </a:lvl8pPr>
+            <a:lvl9pPr lvl="8">
+              <a:buNone/>
+              <a:defRPr/>
+            </a:lvl9pPr>
+          </a:lstStyle>
+          <a:p>
+            <a:pPr marL="0" lvl="0" indent="0" algn="r" rtl="0">
+              <a:spcBef>
+                <a:spcPts val="0"/>
+              </a:spcBef>
+              <a:spcAft>
+                <a:spcPts val="0"/>
+              </a:spcAft>
+              <a:buNone/>
+            </a:pPr>
+            <a:fld id="{00000000-1234-1234-1234-123412341234}" type="slidenum">
+              <a:rPr lang="en-US" altLang="ko"/>
+              <a:pPr marL="0" lvl="0" indent="0" algn="r" rtl="0">
+                <a:spcBef>
+                  <a:spcPts val="0"/>
+                </a:spcBef>
+                <a:spcAft>
+                  <a:spcPts val="0"/>
+                </a:spcAft>
+                <a:buNone/>
+              </a:pPr>
+              <a:t>‹#›</a:t>
+            </a:fld>
+            <a:endParaRPr/>
+          </a:p>
+        </p:txBody>
+      </p:sp>
+    </p:spTree>
+  </p:cSld>
+  <p:clrMapOvr>
+    <a:masterClrMapping/>
+  </p:clrMapOvr>
+</p:sldLayout>
+</file>
+
+<file path=ppt/slideLayouts/slideLayout42.xml><?xml version="1.0" encoding="utf-8"?>
+<p:sldLayout xmlns:a="http://schemas.openxmlformats.org/drawingml/2006/main" xmlns:r="http://schemas.openxmlformats.org/officeDocument/2006/relationships" xmlns:p="http://schemas.openxmlformats.org/presentationml/2006/main" matchingName="Caption">
+  <p:cSld name="CAPTION_ONLY">
+    <p:spTree>
+      <p:nvGrpSpPr>
+        <p:cNvPr id="1" name="Shape 41"/>
+        <p:cNvGrpSpPr/>
+        <p:nvPr/>
+      </p:nvGrpSpPr>
+      <p:grpSpPr>
+        <a:xfrm>
+          <a:off x="0" y="0"/>
+          <a:ext cx="0" cy="0"/>
+          <a:chOff x="0" y="0"/>
+          <a:chExt cx="0" cy="0"/>
+        </a:xfrm>
+      </p:grpSpPr>
+      <p:sp>
+        <p:nvSpPr>
+          <p:cNvPr id="42" name="Google Shape;42;p10"/>
+          <p:cNvSpPr txBox="1">
+            <a:spLocks noGrp="1"/>
+          </p:cNvSpPr>
+          <p:nvPr>
+            <p:ph type="body" idx="1"/>
+          </p:nvPr>
+        </p:nvSpPr>
+        <p:spPr>
+          <a:xfrm>
+            <a:off x="415600" y="5640767"/>
+            <a:ext cx="7998400" cy="806800"/>
+          </a:xfrm>
+          <a:prstGeom prst="rect">
+            <a:avLst/>
+          </a:prstGeom>
+        </p:spPr>
+        <p:txBody>
+          <a:bodyPr spcFirstLastPara="1" wrap="square" lIns="91425" tIns="91425" rIns="91425" bIns="91425" anchor="ctr" anchorCtr="0">
+            <a:noAutofit/>
+          </a:bodyPr>
+          <a:lstStyle>
+            <a:lvl1pPr marL="609585" lvl="0" indent="-304792">
+              <a:lnSpc>
+                <a:spcPct val="100000"/>
+              </a:lnSpc>
+              <a:spcBef>
+                <a:spcPts val="0"/>
+              </a:spcBef>
+              <a:spcAft>
+                <a:spcPts val="0"/>
+              </a:spcAft>
+              <a:buSzPts val="1800"/>
+              <a:buNone/>
+              <a:defRPr/>
+            </a:lvl1pPr>
+          </a:lstStyle>
+          <a:p>
+            <a:endParaRPr/>
+          </a:p>
+        </p:txBody>
+      </p:sp>
+      <p:sp>
+        <p:nvSpPr>
+          <p:cNvPr id="43" name="Google Shape;43;p10"/>
+          <p:cNvSpPr txBox="1">
+            <a:spLocks noGrp="1"/>
+          </p:cNvSpPr>
+          <p:nvPr>
+            <p:ph type="sldNum" idx="12"/>
+          </p:nvPr>
+        </p:nvSpPr>
+        <p:spPr>
+          <a:xfrm>
+            <a:off x="11296611" y="6217623"/>
+            <a:ext cx="731600" cy="524800"/>
+          </a:xfrm>
+          <a:prstGeom prst="rect">
+            <a:avLst/>
+          </a:prstGeom>
+        </p:spPr>
+        <p:txBody>
+          <a:bodyPr spcFirstLastPara="1" wrap="square" lIns="91425" tIns="91425" rIns="91425" bIns="91425" anchor="ctr" anchorCtr="0">
+            <a:noAutofit/>
+          </a:bodyPr>
+          <a:lstStyle>
+            <a:lvl1pPr lvl="0">
+              <a:buNone/>
+              <a:defRPr/>
+            </a:lvl1pPr>
+            <a:lvl2pPr lvl="1">
+              <a:buNone/>
+              <a:defRPr/>
+            </a:lvl2pPr>
+            <a:lvl3pPr lvl="2">
+              <a:buNone/>
+              <a:defRPr/>
+            </a:lvl3pPr>
+            <a:lvl4pPr lvl="3">
+              <a:buNone/>
+              <a:defRPr/>
+            </a:lvl4pPr>
+            <a:lvl5pPr lvl="4">
+              <a:buNone/>
+              <a:defRPr/>
+            </a:lvl5pPr>
+            <a:lvl6pPr lvl="5">
+              <a:buNone/>
+              <a:defRPr/>
+            </a:lvl6pPr>
+            <a:lvl7pPr lvl="6">
+              <a:buNone/>
+              <a:defRPr/>
+            </a:lvl7pPr>
+            <a:lvl8pPr lvl="7">
+              <a:buNone/>
+              <a:defRPr/>
+            </a:lvl8pPr>
+            <a:lvl9pPr lvl="8">
+              <a:buNone/>
+              <a:defRPr/>
+            </a:lvl9pPr>
+          </a:lstStyle>
+          <a:p>
+            <a:pPr marL="0" lvl="0" indent="0" algn="r" rtl="0">
+              <a:spcBef>
+                <a:spcPts val="0"/>
+              </a:spcBef>
+              <a:spcAft>
+                <a:spcPts val="0"/>
+              </a:spcAft>
+              <a:buNone/>
+            </a:pPr>
+            <a:fld id="{00000000-1234-1234-1234-123412341234}" type="slidenum">
+              <a:rPr lang="en-US" altLang="ko"/>
+              <a:pPr marL="0" lvl="0" indent="0" algn="r" rtl="0">
+                <a:spcBef>
+                  <a:spcPts val="0"/>
+                </a:spcBef>
+                <a:spcAft>
+                  <a:spcPts val="0"/>
+                </a:spcAft>
+                <a:buNone/>
+              </a:pPr>
+              <a:t>‹#›</a:t>
+            </a:fld>
+            <a:endParaRPr/>
+          </a:p>
+        </p:txBody>
+      </p:sp>
+    </p:spTree>
+  </p:cSld>
+  <p:clrMapOvr>
+    <a:masterClrMapping/>
+  </p:clrMapOvr>
+</p:sldLayout>
+</file>
+
+<file path=ppt/slideLayouts/slideLayout43.xml><?xml version="1.0" encoding="utf-8"?>
+<p:sldLayout xmlns:a="http://schemas.openxmlformats.org/drawingml/2006/main" xmlns:r="http://schemas.openxmlformats.org/officeDocument/2006/relationships" xmlns:p="http://schemas.openxmlformats.org/presentationml/2006/main" matchingName="Big number">
+  <p:cSld name="BIG_NUMBER">
+    <p:spTree>
+      <p:nvGrpSpPr>
+        <p:cNvPr id="1" name="Shape 44"/>
+        <p:cNvGrpSpPr/>
+        <p:nvPr/>
+      </p:nvGrpSpPr>
+      <p:grpSpPr>
+        <a:xfrm>
+          <a:off x="0" y="0"/>
+          <a:ext cx="0" cy="0"/>
+          <a:chOff x="0" y="0"/>
+          <a:chExt cx="0" cy="0"/>
+        </a:xfrm>
+      </p:grpSpPr>
+      <p:sp>
+        <p:nvSpPr>
+          <p:cNvPr id="45" name="Google Shape;45;p11"/>
+          <p:cNvSpPr txBox="1">
+            <a:spLocks noGrp="1"/>
+          </p:cNvSpPr>
+          <p:nvPr>
+            <p:ph type="title" hasCustomPrompt="1"/>
+          </p:nvPr>
+        </p:nvSpPr>
+        <p:spPr>
+          <a:xfrm>
+            <a:off x="415600" y="1474833"/>
+            <a:ext cx="11360800" cy="2618000"/>
+          </a:xfrm>
+          <a:prstGeom prst="rect">
+            <a:avLst/>
+          </a:prstGeom>
+        </p:spPr>
+        <p:txBody>
+          <a:bodyPr spcFirstLastPara="1" wrap="square" lIns="91425" tIns="91425" rIns="91425" bIns="91425" anchor="b" anchorCtr="0">
+            <a:noAutofit/>
+          </a:bodyPr>
+          <a:lstStyle>
+            <a:lvl1pPr lvl="0" algn="ctr">
+              <a:spcBef>
+                <a:spcPts val="0"/>
+              </a:spcBef>
+              <a:spcAft>
+                <a:spcPts val="0"/>
+              </a:spcAft>
+              <a:buSzPts val="12000"/>
+              <a:buNone/>
+              <a:defRPr sz="16000"/>
+            </a:lvl1pPr>
+            <a:lvl2pPr lvl="1" algn="ctr">
+              <a:spcBef>
+                <a:spcPts val="0"/>
+              </a:spcBef>
+              <a:spcAft>
+                <a:spcPts val="0"/>
+              </a:spcAft>
+              <a:buSzPts val="12000"/>
+              <a:buNone/>
+              <a:defRPr sz="16000"/>
+            </a:lvl2pPr>
+            <a:lvl3pPr lvl="2" algn="ctr">
+              <a:spcBef>
+                <a:spcPts val="0"/>
+              </a:spcBef>
+              <a:spcAft>
+                <a:spcPts val="0"/>
+              </a:spcAft>
+              <a:buSzPts val="12000"/>
+              <a:buNone/>
+              <a:defRPr sz="16000"/>
+            </a:lvl3pPr>
+            <a:lvl4pPr lvl="3" algn="ctr">
+              <a:spcBef>
+                <a:spcPts val="0"/>
+              </a:spcBef>
+              <a:spcAft>
+                <a:spcPts val="0"/>
+              </a:spcAft>
+              <a:buSzPts val="12000"/>
+              <a:buNone/>
+              <a:defRPr sz="16000"/>
+            </a:lvl4pPr>
+            <a:lvl5pPr lvl="4" algn="ctr">
+              <a:spcBef>
+                <a:spcPts val="0"/>
+              </a:spcBef>
+              <a:spcAft>
+                <a:spcPts val="0"/>
+              </a:spcAft>
+              <a:buSzPts val="12000"/>
+              <a:buNone/>
+              <a:defRPr sz="16000"/>
+            </a:lvl5pPr>
+            <a:lvl6pPr lvl="5" algn="ctr">
+              <a:spcBef>
+                <a:spcPts val="0"/>
+              </a:spcBef>
+              <a:spcAft>
+                <a:spcPts val="0"/>
+              </a:spcAft>
+              <a:buSzPts val="12000"/>
+              <a:buNone/>
+              <a:defRPr sz="16000"/>
+            </a:lvl6pPr>
+            <a:lvl7pPr lvl="6" algn="ctr">
+              <a:spcBef>
+                <a:spcPts val="0"/>
+              </a:spcBef>
+              <a:spcAft>
+                <a:spcPts val="0"/>
+              </a:spcAft>
+              <a:buSzPts val="12000"/>
+              <a:buNone/>
+              <a:defRPr sz="16000"/>
+            </a:lvl7pPr>
+            <a:lvl8pPr lvl="7" algn="ctr">
+              <a:spcBef>
+                <a:spcPts val="0"/>
+              </a:spcBef>
+              <a:spcAft>
+                <a:spcPts val="0"/>
+              </a:spcAft>
+              <a:buSzPts val="12000"/>
+              <a:buNone/>
+              <a:defRPr sz="16000"/>
+            </a:lvl8pPr>
+            <a:lvl9pPr lvl="8" algn="ctr">
+              <a:spcBef>
+                <a:spcPts val="0"/>
+              </a:spcBef>
+              <a:spcAft>
+                <a:spcPts val="0"/>
+              </a:spcAft>
+              <a:buSzPts val="12000"/>
+              <a:buNone/>
+              <a:defRPr sz="16000"/>
+            </a:lvl9pPr>
+          </a:lstStyle>
+          <a:p>
+            <a:r>
+              <a:t>xx%</a:t>
+            </a:r>
+          </a:p>
+        </p:txBody>
+      </p:sp>
+      <p:sp>
+        <p:nvSpPr>
+          <p:cNvPr id="46" name="Google Shape;46;p11"/>
+          <p:cNvSpPr txBox="1">
+            <a:spLocks noGrp="1"/>
+          </p:cNvSpPr>
+          <p:nvPr>
+            <p:ph type="body" idx="1"/>
+          </p:nvPr>
+        </p:nvSpPr>
+        <p:spPr>
+          <a:xfrm>
+            <a:off x="415600" y="4202967"/>
+            <a:ext cx="11360800" cy="1734400"/>
+          </a:xfrm>
+          <a:prstGeom prst="rect">
+            <a:avLst/>
+          </a:prstGeom>
+        </p:spPr>
+        <p:txBody>
+          <a:bodyPr spcFirstLastPara="1" wrap="square" lIns="91425" tIns="91425" rIns="91425" bIns="91425" anchor="t" anchorCtr="0">
+            <a:noAutofit/>
+          </a:bodyPr>
+          <a:lstStyle>
+            <a:lvl1pPr marL="609585" lvl="0" indent="-457189" algn="ctr">
+              <a:spcBef>
+                <a:spcPts val="0"/>
+              </a:spcBef>
+              <a:spcAft>
+                <a:spcPts val="0"/>
+              </a:spcAft>
+              <a:buSzPts val="1800"/>
+              <a:buChar char="●"/>
+              <a:defRPr/>
+            </a:lvl1pPr>
+            <a:lvl2pPr marL="1219170" lvl="1" indent="-423323" algn="ctr">
+              <a:spcBef>
+                <a:spcPts val="2133"/>
+              </a:spcBef>
+              <a:spcAft>
+                <a:spcPts val="0"/>
+              </a:spcAft>
+              <a:buSzPts val="1400"/>
+              <a:buChar char="○"/>
+              <a:defRPr/>
+            </a:lvl2pPr>
+            <a:lvl3pPr marL="1828754" lvl="2" indent="-423323" algn="ctr">
+              <a:spcBef>
+                <a:spcPts val="2133"/>
+              </a:spcBef>
+              <a:spcAft>
+                <a:spcPts val="0"/>
+              </a:spcAft>
+              <a:buSzPts val="1400"/>
+              <a:buChar char="■"/>
+              <a:defRPr/>
+            </a:lvl3pPr>
+            <a:lvl4pPr marL="2438339" lvl="3" indent="-423323" algn="ctr">
+              <a:spcBef>
+                <a:spcPts val="2133"/>
+              </a:spcBef>
+              <a:spcAft>
+                <a:spcPts val="0"/>
+              </a:spcAft>
+              <a:buSzPts val="1400"/>
+              <a:buChar char="●"/>
+              <a:defRPr/>
+            </a:lvl4pPr>
+            <a:lvl5pPr marL="3047924" lvl="4" indent="-423323" algn="ctr">
+              <a:spcBef>
+                <a:spcPts val="2133"/>
+              </a:spcBef>
+              <a:spcAft>
+                <a:spcPts val="0"/>
+              </a:spcAft>
+              <a:buSzPts val="1400"/>
+              <a:buChar char="○"/>
+              <a:defRPr/>
+            </a:lvl5pPr>
+            <a:lvl6pPr marL="3657509" lvl="5" indent="-423323" algn="ctr">
+              <a:spcBef>
+                <a:spcPts val="2133"/>
+              </a:spcBef>
+              <a:spcAft>
+                <a:spcPts val="0"/>
+              </a:spcAft>
+              <a:buSzPts val="1400"/>
+              <a:buChar char="■"/>
+              <a:defRPr/>
+            </a:lvl6pPr>
+            <a:lvl7pPr marL="4267093" lvl="6" indent="-423323" algn="ctr">
+              <a:spcBef>
+                <a:spcPts val="2133"/>
+              </a:spcBef>
+              <a:spcAft>
+                <a:spcPts val="0"/>
+              </a:spcAft>
+              <a:buSzPts val="1400"/>
+              <a:buChar char="●"/>
+              <a:defRPr/>
+            </a:lvl7pPr>
+            <a:lvl8pPr marL="4876678" lvl="7" indent="-423323" algn="ctr">
+              <a:spcBef>
+                <a:spcPts val="2133"/>
+              </a:spcBef>
+              <a:spcAft>
+                <a:spcPts val="0"/>
+              </a:spcAft>
+              <a:buSzPts val="1400"/>
+              <a:buChar char="○"/>
+              <a:defRPr/>
+            </a:lvl8pPr>
+            <a:lvl9pPr marL="5486263" lvl="8" indent="-423323" algn="ctr">
+              <a:spcBef>
+                <a:spcPts val="2133"/>
+              </a:spcBef>
+              <a:spcAft>
+                <a:spcPts val="2133"/>
+              </a:spcAft>
+              <a:buSzPts val="1400"/>
+              <a:buChar char="■"/>
+              <a:defRPr/>
+            </a:lvl9pPr>
+          </a:lstStyle>
+          <a:p>
+            <a:endParaRPr/>
+          </a:p>
+        </p:txBody>
+      </p:sp>
+      <p:sp>
+        <p:nvSpPr>
+          <p:cNvPr id="47" name="Google Shape;47;p11"/>
+          <p:cNvSpPr txBox="1">
+            <a:spLocks noGrp="1"/>
+          </p:cNvSpPr>
+          <p:nvPr>
+            <p:ph type="sldNum" idx="12"/>
+          </p:nvPr>
+        </p:nvSpPr>
+        <p:spPr>
+          <a:xfrm>
+            <a:off x="11296611" y="6217623"/>
+            <a:ext cx="731600" cy="524800"/>
+          </a:xfrm>
+          <a:prstGeom prst="rect">
+            <a:avLst/>
+          </a:prstGeom>
+        </p:spPr>
+        <p:txBody>
+          <a:bodyPr spcFirstLastPara="1" wrap="square" lIns="91425" tIns="91425" rIns="91425" bIns="91425" anchor="ctr" anchorCtr="0">
+            <a:noAutofit/>
+          </a:bodyPr>
+          <a:lstStyle>
+            <a:lvl1pPr lvl="0">
+              <a:buNone/>
+              <a:defRPr/>
+            </a:lvl1pPr>
+            <a:lvl2pPr lvl="1">
+              <a:buNone/>
+              <a:defRPr/>
+            </a:lvl2pPr>
+            <a:lvl3pPr lvl="2">
+              <a:buNone/>
+              <a:defRPr/>
+            </a:lvl3pPr>
+            <a:lvl4pPr lvl="3">
+              <a:buNone/>
+              <a:defRPr/>
+            </a:lvl4pPr>
+            <a:lvl5pPr lvl="4">
+              <a:buNone/>
+              <a:defRPr/>
+            </a:lvl5pPr>
+            <a:lvl6pPr lvl="5">
+              <a:buNone/>
+              <a:defRPr/>
+            </a:lvl6pPr>
+            <a:lvl7pPr lvl="6">
+              <a:buNone/>
+              <a:defRPr/>
+            </a:lvl7pPr>
+            <a:lvl8pPr lvl="7">
+              <a:buNone/>
+              <a:defRPr/>
+            </a:lvl8pPr>
+            <a:lvl9pPr lvl="8">
+              <a:buNone/>
+              <a:defRPr/>
+            </a:lvl9pPr>
+          </a:lstStyle>
+          <a:p>
+            <a:pPr marL="0" lvl="0" indent="0" algn="r" rtl="0">
+              <a:spcBef>
+                <a:spcPts val="0"/>
+              </a:spcBef>
+              <a:spcAft>
+                <a:spcPts val="0"/>
+              </a:spcAft>
+              <a:buNone/>
+            </a:pPr>
+            <a:fld id="{00000000-1234-1234-1234-123412341234}" type="slidenum">
+              <a:rPr lang="en-US" altLang="ko"/>
+              <a:pPr marL="0" lvl="0" indent="0" algn="r" rtl="0">
+                <a:spcBef>
+                  <a:spcPts val="0"/>
+                </a:spcBef>
+                <a:spcAft>
+                  <a:spcPts val="0"/>
+                </a:spcAft>
+                <a:buNone/>
+              </a:pPr>
+              <a:t>‹#›</a:t>
+            </a:fld>
+            <a:endParaRPr/>
+          </a:p>
+        </p:txBody>
+      </p:sp>
+    </p:spTree>
+  </p:cSld>
+  <p:clrMapOvr>
+    <a:masterClrMapping/>
+  </p:clrMapOvr>
+</p:sldLayout>
+</file>
+
+<file path=ppt/slideLayouts/slideLayout44.xml><?xml version="1.0" encoding="utf-8"?>
+<p:sldLayout xmlns:a="http://schemas.openxmlformats.org/drawingml/2006/main" xmlns:r="http://schemas.openxmlformats.org/officeDocument/2006/relationships" xmlns:p="http://schemas.openxmlformats.org/presentationml/2006/main" matchingName="Blank" type="blank">
+  <p:cSld name="BLANK">
+    <p:spTree>
+      <p:nvGrpSpPr>
+        <p:cNvPr id="1" name="Shape 48"/>
+        <p:cNvGrpSpPr/>
+        <p:nvPr/>
+      </p:nvGrpSpPr>
+      <p:grpSpPr>
+        <a:xfrm>
+          <a:off x="0" y="0"/>
+          <a:ext cx="0" cy="0"/>
+          <a:chOff x="0" y="0"/>
+          <a:chExt cx="0" cy="0"/>
+        </a:xfrm>
+      </p:grpSpPr>
+      <p:sp>
+        <p:nvSpPr>
+          <p:cNvPr id="49" name="Google Shape;49;p12"/>
+          <p:cNvSpPr txBox="1">
+            <a:spLocks noGrp="1"/>
+          </p:cNvSpPr>
+          <p:nvPr>
+            <p:ph type="sldNum" idx="12"/>
+          </p:nvPr>
+        </p:nvSpPr>
+        <p:spPr>
+          <a:xfrm>
+            <a:off x="11296611" y="6217623"/>
+            <a:ext cx="731600" cy="524800"/>
+          </a:xfrm>
+          <a:prstGeom prst="rect">
+            <a:avLst/>
+          </a:prstGeom>
+        </p:spPr>
+        <p:txBody>
+          <a:bodyPr spcFirstLastPara="1" wrap="square" lIns="91425" tIns="91425" rIns="91425" bIns="91425" anchor="ctr" anchorCtr="0">
+            <a:noAutofit/>
+          </a:bodyPr>
+          <a:lstStyle>
+            <a:lvl1pPr lvl="0">
+              <a:buNone/>
+              <a:defRPr/>
+            </a:lvl1pPr>
+            <a:lvl2pPr lvl="1">
+              <a:buNone/>
+              <a:defRPr/>
+            </a:lvl2pPr>
+            <a:lvl3pPr lvl="2">
+              <a:buNone/>
+              <a:defRPr/>
+            </a:lvl3pPr>
+            <a:lvl4pPr lvl="3">
+              <a:buNone/>
+              <a:defRPr/>
+            </a:lvl4pPr>
+            <a:lvl5pPr lvl="4">
+              <a:buNone/>
+              <a:defRPr/>
+            </a:lvl5pPr>
+            <a:lvl6pPr lvl="5">
+              <a:buNone/>
+              <a:defRPr/>
+            </a:lvl6pPr>
+            <a:lvl7pPr lvl="6">
+              <a:buNone/>
+              <a:defRPr/>
+            </a:lvl7pPr>
+            <a:lvl8pPr lvl="7">
+              <a:buNone/>
+              <a:defRPr/>
+            </a:lvl8pPr>
+            <a:lvl9pPr lvl="8">
+              <a:buNone/>
+              <a:defRPr/>
+            </a:lvl9pPr>
+          </a:lstStyle>
+          <a:p>
+            <a:pPr marL="0" lvl="0" indent="0" algn="r" rtl="0">
+              <a:spcBef>
+                <a:spcPts val="0"/>
+              </a:spcBef>
+              <a:spcAft>
+                <a:spcPts val="0"/>
+              </a:spcAft>
+              <a:buNone/>
+            </a:pPr>
+            <a:fld id="{00000000-1234-1234-1234-123412341234}" type="slidenum">
+              <a:rPr lang="en-US" altLang="ko"/>
+              <a:pPr marL="0" lvl="0" indent="0" algn="r" rtl="0">
+                <a:spcBef>
+                  <a:spcPts val="0"/>
+                </a:spcBef>
+                <a:spcAft>
+                  <a:spcPts val="0"/>
+                </a:spcAft>
+                <a:buNone/>
+              </a:pPr>
+              <a:t>‹#›</a:t>
+            </a:fld>
+            <a:endParaRPr/>
+          </a:p>
+        </p:txBody>
+      </p:sp>
+    </p:spTree>
   </p:cSld>
   <p:clrMapOvr>
     <a:masterClrMapping/>
@@ -11424,6 +14886,1287 @@
     <p:sldLayoutId id="2147483656" r:id="rId9"/>
     <p:sldLayoutId id="2147483657" r:id="rId10"/>
     <p:sldLayoutId id="2147483658" r:id="rId11"/>
+  </p:sldLayoutIdLst>
+  <p:hf sldNum="0" hdr="0" ftr="0" dt="0"/>
+  <p:txStyles>
+    <p:titleStyle>
+      <a:defPPr marR="0" lvl="0" algn="l" rtl="0">
+        <a:lnSpc>
+          <a:spcPct val="100000"/>
+        </a:lnSpc>
+        <a:spcBef>
+          <a:spcPts val="0"/>
+        </a:spcBef>
+        <a:spcAft>
+          <a:spcPts val="0"/>
+        </a:spcAft>
+      </a:defPPr>
+      <a:lvl1pPr marR="0" lvl="0" algn="l" rtl="0">
+        <a:lnSpc>
+          <a:spcPct val="100000"/>
+        </a:lnSpc>
+        <a:spcBef>
+          <a:spcPts val="0"/>
+        </a:spcBef>
+        <a:spcAft>
+          <a:spcPts val="0"/>
+        </a:spcAft>
+        <a:buClr>
+          <a:srgbClr val="000000"/>
+        </a:buClr>
+        <a:buFont typeface="Arial"/>
+        <a:defRPr sz="1900" b="0" i="0" u="none" strike="noStrike" cap="none">
+          <a:solidFill>
+            <a:srgbClr val="000000"/>
+          </a:solidFill>
+          <a:latin typeface="Arial"/>
+          <a:ea typeface="Arial"/>
+          <a:cs typeface="Arial"/>
+          <a:sym typeface="Arial"/>
+        </a:defRPr>
+      </a:lvl1pPr>
+      <a:lvl2pPr marR="0" lvl="1" algn="l" rtl="0">
+        <a:lnSpc>
+          <a:spcPct val="100000"/>
+        </a:lnSpc>
+        <a:spcBef>
+          <a:spcPts val="0"/>
+        </a:spcBef>
+        <a:spcAft>
+          <a:spcPts val="0"/>
+        </a:spcAft>
+        <a:buClr>
+          <a:srgbClr val="000000"/>
+        </a:buClr>
+        <a:buFont typeface="Arial"/>
+        <a:defRPr sz="1900" b="0" i="0" u="none" strike="noStrike" cap="none">
+          <a:solidFill>
+            <a:srgbClr val="000000"/>
+          </a:solidFill>
+          <a:latin typeface="Arial"/>
+          <a:ea typeface="Arial"/>
+          <a:cs typeface="Arial"/>
+          <a:sym typeface="Arial"/>
+        </a:defRPr>
+      </a:lvl2pPr>
+      <a:lvl3pPr marR="0" lvl="2" algn="l" rtl="0">
+        <a:lnSpc>
+          <a:spcPct val="100000"/>
+        </a:lnSpc>
+        <a:spcBef>
+          <a:spcPts val="0"/>
+        </a:spcBef>
+        <a:spcAft>
+          <a:spcPts val="0"/>
+        </a:spcAft>
+        <a:buClr>
+          <a:srgbClr val="000000"/>
+        </a:buClr>
+        <a:buFont typeface="Arial"/>
+        <a:defRPr sz="1900" b="0" i="0" u="none" strike="noStrike" cap="none">
+          <a:solidFill>
+            <a:srgbClr val="000000"/>
+          </a:solidFill>
+          <a:latin typeface="Arial"/>
+          <a:ea typeface="Arial"/>
+          <a:cs typeface="Arial"/>
+          <a:sym typeface="Arial"/>
+        </a:defRPr>
+      </a:lvl3pPr>
+      <a:lvl4pPr marR="0" lvl="3" algn="l" rtl="0">
+        <a:lnSpc>
+          <a:spcPct val="100000"/>
+        </a:lnSpc>
+        <a:spcBef>
+          <a:spcPts val="0"/>
+        </a:spcBef>
+        <a:spcAft>
+          <a:spcPts val="0"/>
+        </a:spcAft>
+        <a:buClr>
+          <a:srgbClr val="000000"/>
+        </a:buClr>
+        <a:buFont typeface="Arial"/>
+        <a:defRPr sz="1900" b="0" i="0" u="none" strike="noStrike" cap="none">
+          <a:solidFill>
+            <a:srgbClr val="000000"/>
+          </a:solidFill>
+          <a:latin typeface="Arial"/>
+          <a:ea typeface="Arial"/>
+          <a:cs typeface="Arial"/>
+          <a:sym typeface="Arial"/>
+        </a:defRPr>
+      </a:lvl4pPr>
+      <a:lvl5pPr marR="0" lvl="4" algn="l" rtl="0">
+        <a:lnSpc>
+          <a:spcPct val="100000"/>
+        </a:lnSpc>
+        <a:spcBef>
+          <a:spcPts val="0"/>
+        </a:spcBef>
+        <a:spcAft>
+          <a:spcPts val="0"/>
+        </a:spcAft>
+        <a:buClr>
+          <a:srgbClr val="000000"/>
+        </a:buClr>
+        <a:buFont typeface="Arial"/>
+        <a:defRPr sz="1900" b="0" i="0" u="none" strike="noStrike" cap="none">
+          <a:solidFill>
+            <a:srgbClr val="000000"/>
+          </a:solidFill>
+          <a:latin typeface="Arial"/>
+          <a:ea typeface="Arial"/>
+          <a:cs typeface="Arial"/>
+          <a:sym typeface="Arial"/>
+        </a:defRPr>
+      </a:lvl5pPr>
+      <a:lvl6pPr marR="0" lvl="5" algn="l" rtl="0">
+        <a:lnSpc>
+          <a:spcPct val="100000"/>
+        </a:lnSpc>
+        <a:spcBef>
+          <a:spcPts val="0"/>
+        </a:spcBef>
+        <a:spcAft>
+          <a:spcPts val="0"/>
+        </a:spcAft>
+        <a:buClr>
+          <a:srgbClr val="000000"/>
+        </a:buClr>
+        <a:buFont typeface="Arial"/>
+        <a:defRPr sz="1900" b="0" i="0" u="none" strike="noStrike" cap="none">
+          <a:solidFill>
+            <a:srgbClr val="000000"/>
+          </a:solidFill>
+          <a:latin typeface="Arial"/>
+          <a:ea typeface="Arial"/>
+          <a:cs typeface="Arial"/>
+          <a:sym typeface="Arial"/>
+        </a:defRPr>
+      </a:lvl6pPr>
+      <a:lvl7pPr marR="0" lvl="6" algn="l" rtl="0">
+        <a:lnSpc>
+          <a:spcPct val="100000"/>
+        </a:lnSpc>
+        <a:spcBef>
+          <a:spcPts val="0"/>
+        </a:spcBef>
+        <a:spcAft>
+          <a:spcPts val="0"/>
+        </a:spcAft>
+        <a:buClr>
+          <a:srgbClr val="000000"/>
+        </a:buClr>
+        <a:buFont typeface="Arial"/>
+        <a:defRPr sz="1900" b="0" i="0" u="none" strike="noStrike" cap="none">
+          <a:solidFill>
+            <a:srgbClr val="000000"/>
+          </a:solidFill>
+          <a:latin typeface="Arial"/>
+          <a:ea typeface="Arial"/>
+          <a:cs typeface="Arial"/>
+          <a:sym typeface="Arial"/>
+        </a:defRPr>
+      </a:lvl7pPr>
+      <a:lvl8pPr marR="0" lvl="7" algn="l" rtl="0">
+        <a:lnSpc>
+          <a:spcPct val="100000"/>
+        </a:lnSpc>
+        <a:spcBef>
+          <a:spcPts val="0"/>
+        </a:spcBef>
+        <a:spcAft>
+          <a:spcPts val="0"/>
+        </a:spcAft>
+        <a:buClr>
+          <a:srgbClr val="000000"/>
+        </a:buClr>
+        <a:buFont typeface="Arial"/>
+        <a:defRPr sz="1900" b="0" i="0" u="none" strike="noStrike" cap="none">
+          <a:solidFill>
+            <a:srgbClr val="000000"/>
+          </a:solidFill>
+          <a:latin typeface="Arial"/>
+          <a:ea typeface="Arial"/>
+          <a:cs typeface="Arial"/>
+          <a:sym typeface="Arial"/>
+        </a:defRPr>
+      </a:lvl8pPr>
+      <a:lvl9pPr marR="0" lvl="8" algn="l" rtl="0">
+        <a:lnSpc>
+          <a:spcPct val="100000"/>
+        </a:lnSpc>
+        <a:spcBef>
+          <a:spcPts val="0"/>
+        </a:spcBef>
+        <a:spcAft>
+          <a:spcPts val="0"/>
+        </a:spcAft>
+        <a:buClr>
+          <a:srgbClr val="000000"/>
+        </a:buClr>
+        <a:buFont typeface="Arial"/>
+        <a:defRPr sz="1900" b="0" i="0" u="none" strike="noStrike" cap="none">
+          <a:solidFill>
+            <a:srgbClr val="000000"/>
+          </a:solidFill>
+          <a:latin typeface="Arial"/>
+          <a:ea typeface="Arial"/>
+          <a:cs typeface="Arial"/>
+          <a:sym typeface="Arial"/>
+        </a:defRPr>
+      </a:lvl9pPr>
+    </p:titleStyle>
+    <p:bodyStyle>
+      <a:defPPr marR="0" lvl="0" algn="l" rtl="0">
+        <a:lnSpc>
+          <a:spcPct val="100000"/>
+        </a:lnSpc>
+        <a:spcBef>
+          <a:spcPts val="0"/>
+        </a:spcBef>
+        <a:spcAft>
+          <a:spcPts val="0"/>
+        </a:spcAft>
+      </a:defPPr>
+      <a:lvl1pPr marR="0" lvl="0" algn="l" rtl="0">
+        <a:lnSpc>
+          <a:spcPct val="100000"/>
+        </a:lnSpc>
+        <a:spcBef>
+          <a:spcPts val="0"/>
+        </a:spcBef>
+        <a:spcAft>
+          <a:spcPts val="0"/>
+        </a:spcAft>
+        <a:buClr>
+          <a:srgbClr val="000000"/>
+        </a:buClr>
+        <a:buFont typeface="Arial"/>
+        <a:defRPr sz="1900" b="0" i="0" u="none" strike="noStrike" cap="none">
+          <a:solidFill>
+            <a:srgbClr val="000000"/>
+          </a:solidFill>
+          <a:latin typeface="Arial"/>
+          <a:ea typeface="Arial"/>
+          <a:cs typeface="Arial"/>
+          <a:sym typeface="Arial"/>
+        </a:defRPr>
+      </a:lvl1pPr>
+      <a:lvl2pPr marR="0" lvl="1" algn="l" rtl="0">
+        <a:lnSpc>
+          <a:spcPct val="100000"/>
+        </a:lnSpc>
+        <a:spcBef>
+          <a:spcPts val="0"/>
+        </a:spcBef>
+        <a:spcAft>
+          <a:spcPts val="0"/>
+        </a:spcAft>
+        <a:buClr>
+          <a:srgbClr val="000000"/>
+        </a:buClr>
+        <a:buFont typeface="Arial"/>
+        <a:defRPr sz="1900" b="0" i="0" u="none" strike="noStrike" cap="none">
+          <a:solidFill>
+            <a:srgbClr val="000000"/>
+          </a:solidFill>
+          <a:latin typeface="Arial"/>
+          <a:ea typeface="Arial"/>
+          <a:cs typeface="Arial"/>
+          <a:sym typeface="Arial"/>
+        </a:defRPr>
+      </a:lvl2pPr>
+      <a:lvl3pPr marR="0" lvl="2" algn="l" rtl="0">
+        <a:lnSpc>
+          <a:spcPct val="100000"/>
+        </a:lnSpc>
+        <a:spcBef>
+          <a:spcPts val="0"/>
+        </a:spcBef>
+        <a:spcAft>
+          <a:spcPts val="0"/>
+        </a:spcAft>
+        <a:buClr>
+          <a:srgbClr val="000000"/>
+        </a:buClr>
+        <a:buFont typeface="Arial"/>
+        <a:defRPr sz="1900" b="0" i="0" u="none" strike="noStrike" cap="none">
+          <a:solidFill>
+            <a:srgbClr val="000000"/>
+          </a:solidFill>
+          <a:latin typeface="Arial"/>
+          <a:ea typeface="Arial"/>
+          <a:cs typeface="Arial"/>
+          <a:sym typeface="Arial"/>
+        </a:defRPr>
+      </a:lvl3pPr>
+      <a:lvl4pPr marR="0" lvl="3" algn="l" rtl="0">
+        <a:lnSpc>
+          <a:spcPct val="100000"/>
+        </a:lnSpc>
+        <a:spcBef>
+          <a:spcPts val="0"/>
+        </a:spcBef>
+        <a:spcAft>
+          <a:spcPts val="0"/>
+        </a:spcAft>
+        <a:buClr>
+          <a:srgbClr val="000000"/>
+        </a:buClr>
+        <a:buFont typeface="Arial"/>
+        <a:defRPr sz="1900" b="0" i="0" u="none" strike="noStrike" cap="none">
+          <a:solidFill>
+            <a:srgbClr val="000000"/>
+          </a:solidFill>
+          <a:latin typeface="Arial"/>
+          <a:ea typeface="Arial"/>
+          <a:cs typeface="Arial"/>
+          <a:sym typeface="Arial"/>
+        </a:defRPr>
+      </a:lvl4pPr>
+      <a:lvl5pPr marR="0" lvl="4" algn="l" rtl="0">
+        <a:lnSpc>
+          <a:spcPct val="100000"/>
+        </a:lnSpc>
+        <a:spcBef>
+          <a:spcPts val="0"/>
+        </a:spcBef>
+        <a:spcAft>
+          <a:spcPts val="0"/>
+        </a:spcAft>
+        <a:buClr>
+          <a:srgbClr val="000000"/>
+        </a:buClr>
+        <a:buFont typeface="Arial"/>
+        <a:defRPr sz="1900" b="0" i="0" u="none" strike="noStrike" cap="none">
+          <a:solidFill>
+            <a:srgbClr val="000000"/>
+          </a:solidFill>
+          <a:latin typeface="Arial"/>
+          <a:ea typeface="Arial"/>
+          <a:cs typeface="Arial"/>
+          <a:sym typeface="Arial"/>
+        </a:defRPr>
+      </a:lvl5pPr>
+      <a:lvl6pPr marR="0" lvl="5" algn="l" rtl="0">
+        <a:lnSpc>
+          <a:spcPct val="100000"/>
+        </a:lnSpc>
+        <a:spcBef>
+          <a:spcPts val="0"/>
+        </a:spcBef>
+        <a:spcAft>
+          <a:spcPts val="0"/>
+        </a:spcAft>
+        <a:buClr>
+          <a:srgbClr val="000000"/>
+        </a:buClr>
+        <a:buFont typeface="Arial"/>
+        <a:defRPr sz="1900" b="0" i="0" u="none" strike="noStrike" cap="none">
+          <a:solidFill>
+            <a:srgbClr val="000000"/>
+          </a:solidFill>
+          <a:latin typeface="Arial"/>
+          <a:ea typeface="Arial"/>
+          <a:cs typeface="Arial"/>
+          <a:sym typeface="Arial"/>
+        </a:defRPr>
+      </a:lvl6pPr>
+      <a:lvl7pPr marR="0" lvl="6" algn="l" rtl="0">
+        <a:lnSpc>
+          <a:spcPct val="100000"/>
+        </a:lnSpc>
+        <a:spcBef>
+          <a:spcPts val="0"/>
+        </a:spcBef>
+        <a:spcAft>
+          <a:spcPts val="0"/>
+        </a:spcAft>
+        <a:buClr>
+          <a:srgbClr val="000000"/>
+        </a:buClr>
+        <a:buFont typeface="Arial"/>
+        <a:defRPr sz="1900" b="0" i="0" u="none" strike="noStrike" cap="none">
+          <a:solidFill>
+            <a:srgbClr val="000000"/>
+          </a:solidFill>
+          <a:latin typeface="Arial"/>
+          <a:ea typeface="Arial"/>
+          <a:cs typeface="Arial"/>
+          <a:sym typeface="Arial"/>
+        </a:defRPr>
+      </a:lvl7pPr>
+      <a:lvl8pPr marR="0" lvl="7" algn="l" rtl="0">
+        <a:lnSpc>
+          <a:spcPct val="100000"/>
+        </a:lnSpc>
+        <a:spcBef>
+          <a:spcPts val="0"/>
+        </a:spcBef>
+        <a:spcAft>
+          <a:spcPts val="0"/>
+        </a:spcAft>
+        <a:buClr>
+          <a:srgbClr val="000000"/>
+        </a:buClr>
+        <a:buFont typeface="Arial"/>
+        <a:defRPr sz="1900" b="0" i="0" u="none" strike="noStrike" cap="none">
+          <a:solidFill>
+            <a:srgbClr val="000000"/>
+          </a:solidFill>
+          <a:latin typeface="Arial"/>
+          <a:ea typeface="Arial"/>
+          <a:cs typeface="Arial"/>
+          <a:sym typeface="Arial"/>
+        </a:defRPr>
+      </a:lvl8pPr>
+      <a:lvl9pPr marR="0" lvl="8" algn="l" rtl="0">
+        <a:lnSpc>
+          <a:spcPct val="100000"/>
+        </a:lnSpc>
+        <a:spcBef>
+          <a:spcPts val="0"/>
+        </a:spcBef>
+        <a:spcAft>
+          <a:spcPts val="0"/>
+        </a:spcAft>
+        <a:buClr>
+          <a:srgbClr val="000000"/>
+        </a:buClr>
+        <a:buFont typeface="Arial"/>
+        <a:defRPr sz="1900" b="0" i="0" u="none" strike="noStrike" cap="none">
+          <a:solidFill>
+            <a:srgbClr val="000000"/>
+          </a:solidFill>
+          <a:latin typeface="Arial"/>
+          <a:ea typeface="Arial"/>
+          <a:cs typeface="Arial"/>
+          <a:sym typeface="Arial"/>
+        </a:defRPr>
+      </a:lvl9pPr>
+    </p:bodyStyle>
+    <p:otherStyle>
+      <a:defPPr marR="0" lvl="0" algn="l" rtl="0">
+        <a:lnSpc>
+          <a:spcPct val="100000"/>
+        </a:lnSpc>
+        <a:spcBef>
+          <a:spcPts val="0"/>
+        </a:spcBef>
+        <a:spcAft>
+          <a:spcPts val="0"/>
+        </a:spcAft>
+      </a:defPPr>
+      <a:lvl1pPr marR="0" lvl="0" algn="l" rtl="0">
+        <a:lnSpc>
+          <a:spcPct val="100000"/>
+        </a:lnSpc>
+        <a:spcBef>
+          <a:spcPts val="0"/>
+        </a:spcBef>
+        <a:spcAft>
+          <a:spcPts val="0"/>
+        </a:spcAft>
+        <a:buClr>
+          <a:srgbClr val="000000"/>
+        </a:buClr>
+        <a:buFont typeface="Arial"/>
+        <a:defRPr sz="1900" b="0" i="0" u="none" strike="noStrike" cap="none">
+          <a:solidFill>
+            <a:srgbClr val="000000"/>
+          </a:solidFill>
+          <a:latin typeface="Arial"/>
+          <a:ea typeface="Arial"/>
+          <a:cs typeface="Arial"/>
+          <a:sym typeface="Arial"/>
+        </a:defRPr>
+      </a:lvl1pPr>
+      <a:lvl2pPr marR="0" lvl="1" algn="l" rtl="0">
+        <a:lnSpc>
+          <a:spcPct val="100000"/>
+        </a:lnSpc>
+        <a:spcBef>
+          <a:spcPts val="0"/>
+        </a:spcBef>
+        <a:spcAft>
+          <a:spcPts val="0"/>
+        </a:spcAft>
+        <a:buClr>
+          <a:srgbClr val="000000"/>
+        </a:buClr>
+        <a:buFont typeface="Arial"/>
+        <a:defRPr sz="1900" b="0" i="0" u="none" strike="noStrike" cap="none">
+          <a:solidFill>
+            <a:srgbClr val="000000"/>
+          </a:solidFill>
+          <a:latin typeface="Arial"/>
+          <a:ea typeface="Arial"/>
+          <a:cs typeface="Arial"/>
+          <a:sym typeface="Arial"/>
+        </a:defRPr>
+      </a:lvl2pPr>
+      <a:lvl3pPr marR="0" lvl="2" algn="l" rtl="0">
+        <a:lnSpc>
+          <a:spcPct val="100000"/>
+        </a:lnSpc>
+        <a:spcBef>
+          <a:spcPts val="0"/>
+        </a:spcBef>
+        <a:spcAft>
+          <a:spcPts val="0"/>
+        </a:spcAft>
+        <a:buClr>
+          <a:srgbClr val="000000"/>
+        </a:buClr>
+        <a:buFont typeface="Arial"/>
+        <a:defRPr sz="1900" b="0" i="0" u="none" strike="noStrike" cap="none">
+          <a:solidFill>
+            <a:srgbClr val="000000"/>
+          </a:solidFill>
+          <a:latin typeface="Arial"/>
+          <a:ea typeface="Arial"/>
+          <a:cs typeface="Arial"/>
+          <a:sym typeface="Arial"/>
+        </a:defRPr>
+      </a:lvl3pPr>
+      <a:lvl4pPr marR="0" lvl="3" algn="l" rtl="0">
+        <a:lnSpc>
+          <a:spcPct val="100000"/>
+        </a:lnSpc>
+        <a:spcBef>
+          <a:spcPts val="0"/>
+        </a:spcBef>
+        <a:spcAft>
+          <a:spcPts val="0"/>
+        </a:spcAft>
+        <a:buClr>
+          <a:srgbClr val="000000"/>
+        </a:buClr>
+        <a:buFont typeface="Arial"/>
+        <a:defRPr sz="1900" b="0" i="0" u="none" strike="noStrike" cap="none">
+          <a:solidFill>
+            <a:srgbClr val="000000"/>
+          </a:solidFill>
+          <a:latin typeface="Arial"/>
+          <a:ea typeface="Arial"/>
+          <a:cs typeface="Arial"/>
+          <a:sym typeface="Arial"/>
+        </a:defRPr>
+      </a:lvl4pPr>
+      <a:lvl5pPr marR="0" lvl="4" algn="l" rtl="0">
+        <a:lnSpc>
+          <a:spcPct val="100000"/>
+        </a:lnSpc>
+        <a:spcBef>
+          <a:spcPts val="0"/>
+        </a:spcBef>
+        <a:spcAft>
+          <a:spcPts val="0"/>
+        </a:spcAft>
+        <a:buClr>
+          <a:srgbClr val="000000"/>
+        </a:buClr>
+        <a:buFont typeface="Arial"/>
+        <a:defRPr sz="1900" b="0" i="0" u="none" strike="noStrike" cap="none">
+          <a:solidFill>
+            <a:srgbClr val="000000"/>
+          </a:solidFill>
+          <a:latin typeface="Arial"/>
+          <a:ea typeface="Arial"/>
+          <a:cs typeface="Arial"/>
+          <a:sym typeface="Arial"/>
+        </a:defRPr>
+      </a:lvl5pPr>
+      <a:lvl6pPr marR="0" lvl="5" algn="l" rtl="0">
+        <a:lnSpc>
+          <a:spcPct val="100000"/>
+        </a:lnSpc>
+        <a:spcBef>
+          <a:spcPts val="0"/>
+        </a:spcBef>
+        <a:spcAft>
+          <a:spcPts val="0"/>
+        </a:spcAft>
+        <a:buClr>
+          <a:srgbClr val="000000"/>
+        </a:buClr>
+        <a:buFont typeface="Arial"/>
+        <a:defRPr sz="1900" b="0" i="0" u="none" strike="noStrike" cap="none">
+          <a:solidFill>
+            <a:srgbClr val="000000"/>
+          </a:solidFill>
+          <a:latin typeface="Arial"/>
+          <a:ea typeface="Arial"/>
+          <a:cs typeface="Arial"/>
+          <a:sym typeface="Arial"/>
+        </a:defRPr>
+      </a:lvl6pPr>
+      <a:lvl7pPr marR="0" lvl="6" algn="l" rtl="0">
+        <a:lnSpc>
+          <a:spcPct val="100000"/>
+        </a:lnSpc>
+        <a:spcBef>
+          <a:spcPts val="0"/>
+        </a:spcBef>
+        <a:spcAft>
+          <a:spcPts val="0"/>
+        </a:spcAft>
+        <a:buClr>
+          <a:srgbClr val="000000"/>
+        </a:buClr>
+        <a:buFont typeface="Arial"/>
+        <a:defRPr sz="1900" b="0" i="0" u="none" strike="noStrike" cap="none">
+          <a:solidFill>
+            <a:srgbClr val="000000"/>
+          </a:solidFill>
+          <a:latin typeface="Arial"/>
+          <a:ea typeface="Arial"/>
+          <a:cs typeface="Arial"/>
+          <a:sym typeface="Arial"/>
+        </a:defRPr>
+      </a:lvl7pPr>
+      <a:lvl8pPr marR="0" lvl="7" algn="l" rtl="0">
+        <a:lnSpc>
+          <a:spcPct val="100000"/>
+        </a:lnSpc>
+        <a:spcBef>
+          <a:spcPts val="0"/>
+        </a:spcBef>
+        <a:spcAft>
+          <a:spcPts val="0"/>
+        </a:spcAft>
+        <a:buClr>
+          <a:srgbClr val="000000"/>
+        </a:buClr>
+        <a:buFont typeface="Arial"/>
+        <a:defRPr sz="1900" b="0" i="0" u="none" strike="noStrike" cap="none">
+          <a:solidFill>
+            <a:srgbClr val="000000"/>
+          </a:solidFill>
+          <a:latin typeface="Arial"/>
+          <a:ea typeface="Arial"/>
+          <a:cs typeface="Arial"/>
+          <a:sym typeface="Arial"/>
+        </a:defRPr>
+      </a:lvl8pPr>
+      <a:lvl9pPr marR="0" lvl="8" algn="l" rtl="0">
+        <a:lnSpc>
+          <a:spcPct val="100000"/>
+        </a:lnSpc>
+        <a:spcBef>
+          <a:spcPts val="0"/>
+        </a:spcBef>
+        <a:spcAft>
+          <a:spcPts val="0"/>
+        </a:spcAft>
+        <a:buClr>
+          <a:srgbClr val="000000"/>
+        </a:buClr>
+        <a:buFont typeface="Arial"/>
+        <a:defRPr sz="1900" b="0" i="0" u="none" strike="noStrike" cap="none">
+          <a:solidFill>
+            <a:srgbClr val="000000"/>
+          </a:solidFill>
+          <a:latin typeface="Arial"/>
+          <a:ea typeface="Arial"/>
+          <a:cs typeface="Arial"/>
+          <a:sym typeface="Arial"/>
+        </a:defRPr>
+      </a:lvl9pPr>
+    </p:otherStyle>
+  </p:txStyles>
+</p:sldMaster>
+</file>
+
+<file path=ppt/slideMasters/slideMaster4.xml><?xml version="1.0" encoding="utf-8"?>
+<p:sldMaster xmlns:a="http://schemas.openxmlformats.org/drawingml/2006/main" xmlns:r="http://schemas.openxmlformats.org/officeDocument/2006/relationships" xmlns:p="http://schemas.openxmlformats.org/presentationml/2006/main">
+  <p:cSld name="simple-light-2">
+    <p:bg>
+      <p:bgPr>
+        <a:solidFill>
+          <a:schemeClr val="lt1"/>
+        </a:solidFill>
+        <a:effectLst/>
+      </p:bgPr>
+    </p:bg>
+    <p:spTree>
+      <p:nvGrpSpPr>
+        <p:cNvPr id="1" name="Shape 5"/>
+        <p:cNvGrpSpPr/>
+        <p:nvPr/>
+      </p:nvGrpSpPr>
+      <p:grpSpPr>
+        <a:xfrm>
+          <a:off x="0" y="0"/>
+          <a:ext cx="0" cy="0"/>
+          <a:chOff x="0" y="0"/>
+          <a:chExt cx="0" cy="0"/>
+        </a:xfrm>
+      </p:grpSpPr>
+      <p:sp>
+        <p:nvSpPr>
+          <p:cNvPr id="6" name="Google Shape;6;p1"/>
+          <p:cNvSpPr txBox="1">
+            <a:spLocks noGrp="1"/>
+          </p:cNvSpPr>
+          <p:nvPr>
+            <p:ph type="title"/>
+          </p:nvPr>
+        </p:nvSpPr>
+        <p:spPr>
+          <a:xfrm>
+            <a:off x="415600" y="593367"/>
+            <a:ext cx="11360800" cy="763600"/>
+          </a:xfrm>
+          <a:prstGeom prst="rect">
+            <a:avLst/>
+          </a:prstGeom>
+          <a:noFill/>
+          <a:ln>
+            <a:noFill/>
+          </a:ln>
+        </p:spPr>
+        <p:txBody>
+          <a:bodyPr spcFirstLastPara="1" wrap="square" lIns="91425" tIns="91425" rIns="91425" bIns="91425" anchor="t" anchorCtr="0">
+            <a:noAutofit/>
+          </a:bodyPr>
+          <a:lstStyle>
+            <a:lvl1pPr lvl="0">
+              <a:spcBef>
+                <a:spcPts val="0"/>
+              </a:spcBef>
+              <a:spcAft>
+                <a:spcPts val="0"/>
+              </a:spcAft>
+              <a:buClr>
+                <a:schemeClr val="dk1"/>
+              </a:buClr>
+              <a:buSzPts val="2800"/>
+              <a:buNone/>
+              <a:defRPr sz="2800">
+                <a:solidFill>
+                  <a:schemeClr val="dk1"/>
+                </a:solidFill>
+              </a:defRPr>
+            </a:lvl1pPr>
+            <a:lvl2pPr lvl="1">
+              <a:spcBef>
+                <a:spcPts val="0"/>
+              </a:spcBef>
+              <a:spcAft>
+                <a:spcPts val="0"/>
+              </a:spcAft>
+              <a:buClr>
+                <a:schemeClr val="dk1"/>
+              </a:buClr>
+              <a:buSzPts val="2800"/>
+              <a:buNone/>
+              <a:defRPr sz="2800">
+                <a:solidFill>
+                  <a:schemeClr val="dk1"/>
+                </a:solidFill>
+              </a:defRPr>
+            </a:lvl2pPr>
+            <a:lvl3pPr lvl="2">
+              <a:spcBef>
+                <a:spcPts val="0"/>
+              </a:spcBef>
+              <a:spcAft>
+                <a:spcPts val="0"/>
+              </a:spcAft>
+              <a:buClr>
+                <a:schemeClr val="dk1"/>
+              </a:buClr>
+              <a:buSzPts val="2800"/>
+              <a:buNone/>
+              <a:defRPr sz="2800">
+                <a:solidFill>
+                  <a:schemeClr val="dk1"/>
+                </a:solidFill>
+              </a:defRPr>
+            </a:lvl3pPr>
+            <a:lvl4pPr lvl="3">
+              <a:spcBef>
+                <a:spcPts val="0"/>
+              </a:spcBef>
+              <a:spcAft>
+                <a:spcPts val="0"/>
+              </a:spcAft>
+              <a:buClr>
+                <a:schemeClr val="dk1"/>
+              </a:buClr>
+              <a:buSzPts val="2800"/>
+              <a:buNone/>
+              <a:defRPr sz="2800">
+                <a:solidFill>
+                  <a:schemeClr val="dk1"/>
+                </a:solidFill>
+              </a:defRPr>
+            </a:lvl4pPr>
+            <a:lvl5pPr lvl="4">
+              <a:spcBef>
+                <a:spcPts val="0"/>
+              </a:spcBef>
+              <a:spcAft>
+                <a:spcPts val="0"/>
+              </a:spcAft>
+              <a:buClr>
+                <a:schemeClr val="dk1"/>
+              </a:buClr>
+              <a:buSzPts val="2800"/>
+              <a:buNone/>
+              <a:defRPr sz="2800">
+                <a:solidFill>
+                  <a:schemeClr val="dk1"/>
+                </a:solidFill>
+              </a:defRPr>
+            </a:lvl5pPr>
+            <a:lvl6pPr lvl="5">
+              <a:spcBef>
+                <a:spcPts val="0"/>
+              </a:spcBef>
+              <a:spcAft>
+                <a:spcPts val="0"/>
+              </a:spcAft>
+              <a:buClr>
+                <a:schemeClr val="dk1"/>
+              </a:buClr>
+              <a:buSzPts val="2800"/>
+              <a:buNone/>
+              <a:defRPr sz="2800">
+                <a:solidFill>
+                  <a:schemeClr val="dk1"/>
+                </a:solidFill>
+              </a:defRPr>
+            </a:lvl6pPr>
+            <a:lvl7pPr lvl="6">
+              <a:spcBef>
+                <a:spcPts val="0"/>
+              </a:spcBef>
+              <a:spcAft>
+                <a:spcPts val="0"/>
+              </a:spcAft>
+              <a:buClr>
+                <a:schemeClr val="dk1"/>
+              </a:buClr>
+              <a:buSzPts val="2800"/>
+              <a:buNone/>
+              <a:defRPr sz="2800">
+                <a:solidFill>
+                  <a:schemeClr val="dk1"/>
+                </a:solidFill>
+              </a:defRPr>
+            </a:lvl7pPr>
+            <a:lvl8pPr lvl="7">
+              <a:spcBef>
+                <a:spcPts val="0"/>
+              </a:spcBef>
+              <a:spcAft>
+                <a:spcPts val="0"/>
+              </a:spcAft>
+              <a:buClr>
+                <a:schemeClr val="dk1"/>
+              </a:buClr>
+              <a:buSzPts val="2800"/>
+              <a:buNone/>
+              <a:defRPr sz="2800">
+                <a:solidFill>
+                  <a:schemeClr val="dk1"/>
+                </a:solidFill>
+              </a:defRPr>
+            </a:lvl8pPr>
+            <a:lvl9pPr lvl="8">
+              <a:spcBef>
+                <a:spcPts val="0"/>
+              </a:spcBef>
+              <a:spcAft>
+                <a:spcPts val="0"/>
+              </a:spcAft>
+              <a:buClr>
+                <a:schemeClr val="dk1"/>
+              </a:buClr>
+              <a:buSzPts val="2800"/>
+              <a:buNone/>
+              <a:defRPr sz="2800">
+                <a:solidFill>
+                  <a:schemeClr val="dk1"/>
+                </a:solidFill>
+              </a:defRPr>
+            </a:lvl9pPr>
+          </a:lstStyle>
+          <a:p>
+            <a:endParaRPr/>
+          </a:p>
+        </p:txBody>
+      </p:sp>
+      <p:sp>
+        <p:nvSpPr>
+          <p:cNvPr id="7" name="Google Shape;7;p1"/>
+          <p:cNvSpPr txBox="1">
+            <a:spLocks noGrp="1"/>
+          </p:cNvSpPr>
+          <p:nvPr>
+            <p:ph type="body" idx="1"/>
+          </p:nvPr>
+        </p:nvSpPr>
+        <p:spPr>
+          <a:xfrm>
+            <a:off x="415600" y="1536633"/>
+            <a:ext cx="11360800" cy="4555200"/>
+          </a:xfrm>
+          <a:prstGeom prst="rect">
+            <a:avLst/>
+          </a:prstGeom>
+          <a:noFill/>
+          <a:ln>
+            <a:noFill/>
+          </a:ln>
+        </p:spPr>
+        <p:txBody>
+          <a:bodyPr spcFirstLastPara="1" wrap="square" lIns="91425" tIns="91425" rIns="91425" bIns="91425" anchor="t" anchorCtr="0">
+            <a:noAutofit/>
+          </a:bodyPr>
+          <a:lstStyle>
+            <a:lvl1pPr marL="457200" lvl="0" indent="-342900">
+              <a:lnSpc>
+                <a:spcPct val="115000"/>
+              </a:lnSpc>
+              <a:spcBef>
+                <a:spcPts val="0"/>
+              </a:spcBef>
+              <a:spcAft>
+                <a:spcPts val="0"/>
+              </a:spcAft>
+              <a:buClr>
+                <a:schemeClr val="dk2"/>
+              </a:buClr>
+              <a:buSzPts val="1800"/>
+              <a:buChar char="●"/>
+              <a:defRPr sz="1800">
+                <a:solidFill>
+                  <a:schemeClr val="dk2"/>
+                </a:solidFill>
+              </a:defRPr>
+            </a:lvl1pPr>
+            <a:lvl2pPr marL="914400" lvl="1" indent="-317500">
+              <a:lnSpc>
+                <a:spcPct val="115000"/>
+              </a:lnSpc>
+              <a:spcBef>
+                <a:spcPts val="1600"/>
+              </a:spcBef>
+              <a:spcAft>
+                <a:spcPts val="0"/>
+              </a:spcAft>
+              <a:buClr>
+                <a:schemeClr val="dk2"/>
+              </a:buClr>
+              <a:buSzPts val="1400"/>
+              <a:buChar char="○"/>
+              <a:defRPr>
+                <a:solidFill>
+                  <a:schemeClr val="dk2"/>
+                </a:solidFill>
+              </a:defRPr>
+            </a:lvl2pPr>
+            <a:lvl3pPr marL="1371600" lvl="2" indent="-317500">
+              <a:lnSpc>
+                <a:spcPct val="115000"/>
+              </a:lnSpc>
+              <a:spcBef>
+                <a:spcPts val="1600"/>
+              </a:spcBef>
+              <a:spcAft>
+                <a:spcPts val="0"/>
+              </a:spcAft>
+              <a:buClr>
+                <a:schemeClr val="dk2"/>
+              </a:buClr>
+              <a:buSzPts val="1400"/>
+              <a:buChar char="■"/>
+              <a:defRPr>
+                <a:solidFill>
+                  <a:schemeClr val="dk2"/>
+                </a:solidFill>
+              </a:defRPr>
+            </a:lvl3pPr>
+            <a:lvl4pPr marL="1828800" lvl="3" indent="-317500">
+              <a:lnSpc>
+                <a:spcPct val="115000"/>
+              </a:lnSpc>
+              <a:spcBef>
+                <a:spcPts val="1600"/>
+              </a:spcBef>
+              <a:spcAft>
+                <a:spcPts val="0"/>
+              </a:spcAft>
+              <a:buClr>
+                <a:schemeClr val="dk2"/>
+              </a:buClr>
+              <a:buSzPts val="1400"/>
+              <a:buChar char="●"/>
+              <a:defRPr>
+                <a:solidFill>
+                  <a:schemeClr val="dk2"/>
+                </a:solidFill>
+              </a:defRPr>
+            </a:lvl4pPr>
+            <a:lvl5pPr marL="2286000" lvl="4" indent="-317500">
+              <a:lnSpc>
+                <a:spcPct val="115000"/>
+              </a:lnSpc>
+              <a:spcBef>
+                <a:spcPts val="1600"/>
+              </a:spcBef>
+              <a:spcAft>
+                <a:spcPts val="0"/>
+              </a:spcAft>
+              <a:buClr>
+                <a:schemeClr val="dk2"/>
+              </a:buClr>
+              <a:buSzPts val="1400"/>
+              <a:buChar char="○"/>
+              <a:defRPr>
+                <a:solidFill>
+                  <a:schemeClr val="dk2"/>
+                </a:solidFill>
+              </a:defRPr>
+            </a:lvl5pPr>
+            <a:lvl6pPr marL="2743200" lvl="5" indent="-317500">
+              <a:lnSpc>
+                <a:spcPct val="115000"/>
+              </a:lnSpc>
+              <a:spcBef>
+                <a:spcPts val="1600"/>
+              </a:spcBef>
+              <a:spcAft>
+                <a:spcPts val="0"/>
+              </a:spcAft>
+              <a:buClr>
+                <a:schemeClr val="dk2"/>
+              </a:buClr>
+              <a:buSzPts val="1400"/>
+              <a:buChar char="■"/>
+              <a:defRPr>
+                <a:solidFill>
+                  <a:schemeClr val="dk2"/>
+                </a:solidFill>
+              </a:defRPr>
+            </a:lvl6pPr>
+            <a:lvl7pPr marL="3200400" lvl="6" indent="-317500">
+              <a:lnSpc>
+                <a:spcPct val="115000"/>
+              </a:lnSpc>
+              <a:spcBef>
+                <a:spcPts val="1600"/>
+              </a:spcBef>
+              <a:spcAft>
+                <a:spcPts val="0"/>
+              </a:spcAft>
+              <a:buClr>
+                <a:schemeClr val="dk2"/>
+              </a:buClr>
+              <a:buSzPts val="1400"/>
+              <a:buChar char="●"/>
+              <a:defRPr>
+                <a:solidFill>
+                  <a:schemeClr val="dk2"/>
+                </a:solidFill>
+              </a:defRPr>
+            </a:lvl7pPr>
+            <a:lvl8pPr marL="3657600" lvl="7" indent="-317500">
+              <a:lnSpc>
+                <a:spcPct val="115000"/>
+              </a:lnSpc>
+              <a:spcBef>
+                <a:spcPts val="1600"/>
+              </a:spcBef>
+              <a:spcAft>
+                <a:spcPts val="0"/>
+              </a:spcAft>
+              <a:buClr>
+                <a:schemeClr val="dk2"/>
+              </a:buClr>
+              <a:buSzPts val="1400"/>
+              <a:buChar char="○"/>
+              <a:defRPr>
+                <a:solidFill>
+                  <a:schemeClr val="dk2"/>
+                </a:solidFill>
+              </a:defRPr>
+            </a:lvl8pPr>
+            <a:lvl9pPr marL="4114800" lvl="8" indent="-317500">
+              <a:lnSpc>
+                <a:spcPct val="115000"/>
+              </a:lnSpc>
+              <a:spcBef>
+                <a:spcPts val="1600"/>
+              </a:spcBef>
+              <a:spcAft>
+                <a:spcPts val="1600"/>
+              </a:spcAft>
+              <a:buClr>
+                <a:schemeClr val="dk2"/>
+              </a:buClr>
+              <a:buSzPts val="1400"/>
+              <a:buChar char="■"/>
+              <a:defRPr>
+                <a:solidFill>
+                  <a:schemeClr val="dk2"/>
+                </a:solidFill>
+              </a:defRPr>
+            </a:lvl9pPr>
+          </a:lstStyle>
+          <a:p>
+            <a:endParaRPr/>
+          </a:p>
+        </p:txBody>
+      </p:sp>
+      <p:sp>
+        <p:nvSpPr>
+          <p:cNvPr id="8" name="Google Shape;8;p1"/>
+          <p:cNvSpPr txBox="1">
+            <a:spLocks noGrp="1"/>
+          </p:cNvSpPr>
+          <p:nvPr>
+            <p:ph type="sldNum" idx="12"/>
+          </p:nvPr>
+        </p:nvSpPr>
+        <p:spPr>
+          <a:xfrm>
+            <a:off x="11296611" y="6217623"/>
+            <a:ext cx="731600" cy="524800"/>
+          </a:xfrm>
+          <a:prstGeom prst="rect">
+            <a:avLst/>
+          </a:prstGeom>
+          <a:noFill/>
+          <a:ln>
+            <a:noFill/>
+          </a:ln>
+        </p:spPr>
+        <p:txBody>
+          <a:bodyPr spcFirstLastPara="1" wrap="square" lIns="91425" tIns="91425" rIns="91425" bIns="91425" anchor="ctr" anchorCtr="0">
+            <a:noAutofit/>
+          </a:bodyPr>
+          <a:lstStyle>
+            <a:lvl1pPr lvl="0" algn="r">
+              <a:buNone/>
+              <a:defRPr sz="1300">
+                <a:solidFill>
+                  <a:schemeClr val="dk2"/>
+                </a:solidFill>
+              </a:defRPr>
+            </a:lvl1pPr>
+            <a:lvl2pPr lvl="1" algn="r">
+              <a:buNone/>
+              <a:defRPr sz="1300">
+                <a:solidFill>
+                  <a:schemeClr val="dk2"/>
+                </a:solidFill>
+              </a:defRPr>
+            </a:lvl2pPr>
+            <a:lvl3pPr lvl="2" algn="r">
+              <a:buNone/>
+              <a:defRPr sz="1300">
+                <a:solidFill>
+                  <a:schemeClr val="dk2"/>
+                </a:solidFill>
+              </a:defRPr>
+            </a:lvl3pPr>
+            <a:lvl4pPr lvl="3" algn="r">
+              <a:buNone/>
+              <a:defRPr sz="1300">
+                <a:solidFill>
+                  <a:schemeClr val="dk2"/>
+                </a:solidFill>
+              </a:defRPr>
+            </a:lvl4pPr>
+            <a:lvl5pPr lvl="4" algn="r">
+              <a:buNone/>
+              <a:defRPr sz="1300">
+                <a:solidFill>
+                  <a:schemeClr val="dk2"/>
+                </a:solidFill>
+              </a:defRPr>
+            </a:lvl5pPr>
+            <a:lvl6pPr lvl="5" algn="r">
+              <a:buNone/>
+              <a:defRPr sz="1300">
+                <a:solidFill>
+                  <a:schemeClr val="dk2"/>
+                </a:solidFill>
+              </a:defRPr>
+            </a:lvl6pPr>
+            <a:lvl7pPr lvl="6" algn="r">
+              <a:buNone/>
+              <a:defRPr sz="1300">
+                <a:solidFill>
+                  <a:schemeClr val="dk2"/>
+                </a:solidFill>
+              </a:defRPr>
+            </a:lvl7pPr>
+            <a:lvl8pPr lvl="7" algn="r">
+              <a:buNone/>
+              <a:defRPr sz="1300">
+                <a:solidFill>
+                  <a:schemeClr val="dk2"/>
+                </a:solidFill>
+              </a:defRPr>
+            </a:lvl8pPr>
+            <a:lvl9pPr lvl="8" algn="r">
+              <a:buNone/>
+              <a:defRPr sz="1300">
+                <a:solidFill>
+                  <a:schemeClr val="dk2"/>
+                </a:solidFill>
+              </a:defRPr>
+            </a:lvl9pPr>
+          </a:lstStyle>
+          <a:p>
+            <a:pPr marL="0" lvl="0" indent="0" algn="r" rtl="0">
+              <a:spcBef>
+                <a:spcPts val="0"/>
+              </a:spcBef>
+              <a:spcAft>
+                <a:spcPts val="0"/>
+              </a:spcAft>
+              <a:buNone/>
+            </a:pPr>
+            <a:fld id="{00000000-1234-1234-1234-123412341234}" type="slidenum">
+              <a:rPr lang="en-US" altLang="ko"/>
+              <a:pPr marL="0" lvl="0" indent="0" algn="r" rtl="0">
+                <a:spcBef>
+                  <a:spcPts val="0"/>
+                </a:spcBef>
+                <a:spcAft>
+                  <a:spcPts val="0"/>
+                </a:spcAft>
+                <a:buNone/>
+              </a:pPr>
+              <a:t>‹#›</a:t>
+            </a:fld>
+            <a:endParaRPr/>
+          </a:p>
+        </p:txBody>
+      </p:sp>
+    </p:spTree>
+  </p:cSld>
+  <p:clrMap bg1="lt1" tx1="dk1" bg2="dk2" tx2="lt2" accent1="accent1" accent2="accent2" accent3="accent3" accent4="accent4" accent5="accent5" accent6="accent6" hlink="hlink" folHlink="folHlink"/>
+  <p:sldLayoutIdLst>
+    <p:sldLayoutId id="2147483685" r:id="rId1"/>
+    <p:sldLayoutId id="2147483686" r:id="rId2"/>
+    <p:sldLayoutId id="2147483687" r:id="rId3"/>
+    <p:sldLayoutId id="2147483688" r:id="rId4"/>
+    <p:sldLayoutId id="2147483689" r:id="rId5"/>
+    <p:sldLayoutId id="2147483690" r:id="rId6"/>
+    <p:sldLayoutId id="2147483691" r:id="rId7"/>
+    <p:sldLayoutId id="2147483692" r:id="rId8"/>
+    <p:sldLayoutId id="2147483693" r:id="rId9"/>
+    <p:sldLayoutId id="2147483694" r:id="rId10"/>
+    <p:sldLayoutId id="2147483695" r:id="rId11"/>
   </p:sldLayoutIdLst>
   <p:hf sldNum="0" hdr="0" ftr="0" dt="0"/>
   <p:txStyles>
@@ -16200,7 +20943,7 @@
   <p:cSld>
     <p:spTree>
       <p:nvGrpSpPr>
-        <p:cNvPr id="1" name=""/>
+        <p:cNvPr id="1" name="Shape 53"/>
         <p:cNvGrpSpPr/>
         <p:nvPr/>
       </p:nvGrpSpPr>
@@ -16212,10 +20955,263 @@
           <a:chExt cx="0" cy="0"/>
         </a:xfrm>
       </p:grpSpPr>
+      <p:sp>
+        <p:nvSpPr>
+          <p:cNvPr id="54" name="Google Shape;54;p13"/>
+          <p:cNvSpPr txBox="1"/>
+          <p:nvPr/>
+        </p:nvSpPr>
+        <p:spPr>
+          <a:xfrm>
+            <a:off x="1267950" y="3015250"/>
+            <a:ext cx="9922800" cy="2782000"/>
+          </a:xfrm>
+          <a:prstGeom prst="rect">
+            <a:avLst/>
+          </a:prstGeom>
+          <a:noFill/>
+          <a:ln>
+            <a:noFill/>
+          </a:ln>
+        </p:spPr>
+        <p:txBody>
+          <a:bodyPr spcFirstLastPara="1" wrap="square" lIns="121900" tIns="121900" rIns="121900" bIns="121900" anchor="t" anchorCtr="0">
+            <a:noAutofit/>
+          </a:bodyPr>
+          <a:lstStyle/>
+          <a:p>
+            <a:endParaRPr/>
+          </a:p>
+          <a:p>
+            <a:r>
+              <a:rPr lang="en-US" altLang="ko" sz="3200" b="1">
+                <a:ea typeface="맑은 고딕"/>
+              </a:rPr>
+              <a:t>(</a:t>
+            </a:r>
+            <a:r>
+              <a:rPr lang="ko" altLang="en-US" sz="3200" b="1">
+                <a:ea typeface="맑은 고딕"/>
+              </a:rPr>
+              <a:t>가설</a:t>
+            </a:r>
+            <a:r>
+              <a:rPr lang="en-US" altLang="ko" sz="3200" b="1">
+                <a:ea typeface="맑은 고딕"/>
+              </a:rPr>
+              <a:t>)</a:t>
+            </a:r>
+            <a:endParaRPr sz="3200" b="1">
+              <a:ea typeface="맑은 고딕"/>
+            </a:endParaRPr>
+          </a:p>
+          <a:p>
+            <a:endParaRPr sz="3200"/>
+          </a:p>
+          <a:p>
+            <a:r>
+              <a:rPr lang="en-US" altLang="ko" sz="3200" b="1">
+                <a:ea typeface="맑은 고딕"/>
+              </a:rPr>
+              <a:t>1</a:t>
+            </a:r>
+            <a:r>
+              <a:rPr lang="ko" altLang="en-US" sz="3200" b="1">
+                <a:ea typeface="맑은 고딕"/>
+              </a:rPr>
+              <a:t>인 가구가 혼자 살기 때문에 부담과 책임감이 줄어 </a:t>
+            </a:r>
+            <a:endParaRPr lang="ko" sz="3200" b="1"/>
+          </a:p>
+          <a:p>
+            <a:endParaRPr lang="ko" sz="3200" b="1">
+              <a:cs typeface="Arial"/>
+            </a:endParaRPr>
+          </a:p>
+          <a:p>
+            <a:r>
+              <a:rPr lang="ko" altLang="en-US" sz="3200" b="1" err="1">
+                <a:ea typeface="맑은 고딕"/>
+              </a:rPr>
+              <a:t>확진자</a:t>
+            </a:r>
+            <a:r>
+              <a:rPr lang="ko" altLang="en-US" sz="3200" b="1">
+                <a:ea typeface="맑은 고딕"/>
+              </a:rPr>
+              <a:t> 수에 영향을 끼치지 않을까</a:t>
+            </a:r>
+            <a:r>
+              <a:rPr lang="en-US" altLang="ko" sz="3200" b="1">
+                <a:ea typeface="맑은 고딕"/>
+              </a:rPr>
+              <a:t>?</a:t>
+            </a:r>
+            <a:endParaRPr sz="3200" b="1">
+              <a:ea typeface="맑은 고딕"/>
+            </a:endParaRPr>
+          </a:p>
+          <a:p>
+            <a:endParaRPr/>
+          </a:p>
+          <a:p>
+            <a:endParaRPr/>
+          </a:p>
+          <a:p>
+            <a:endParaRPr/>
+          </a:p>
+          <a:p>
+            <a:endParaRPr/>
+          </a:p>
+          <a:p>
+            <a:endParaRPr/>
+          </a:p>
+          <a:p>
+            <a:endParaRPr/>
+          </a:p>
+          <a:p>
+            <a:endParaRPr/>
+          </a:p>
+          <a:p>
+            <a:endParaRPr/>
+          </a:p>
+          <a:p>
+            <a:r>
+              <a:rPr lang="ko" altLang="en-US">
+                <a:ea typeface="맑은 고딕"/>
+              </a:rPr>
+              <a:t>  </a:t>
+            </a:r>
+            <a:endParaRPr/>
+          </a:p>
+        </p:txBody>
+      </p:sp>
+      <p:sp>
+        <p:nvSpPr>
+          <p:cNvPr id="2" name="TextBox 1">
+            <a:extLst>
+              <a:ext uri="{FF2B5EF4-FFF2-40B4-BE49-F238E27FC236}">
+                <a16:creationId xmlns:a16="http://schemas.microsoft.com/office/drawing/2014/main" id="{6E75B500-3ED6-4990-A4C1-771917E1060E}"/>
+              </a:ext>
+            </a:extLst>
+          </p:cNvPr>
+          <p:cNvSpPr txBox="1"/>
+          <p:nvPr/>
+        </p:nvSpPr>
+        <p:spPr>
+          <a:xfrm>
+            <a:off x="1000125" y="923925"/>
+            <a:ext cx="10458450" cy="923330"/>
+          </a:xfrm>
+          <a:prstGeom prst="rect">
+            <a:avLst/>
+          </a:prstGeom>
+          <a:noFill/>
+        </p:spPr>
+        <p:txBody>
+          <a:bodyPr rot="0" spcFirstLastPara="0" vertOverflow="overflow" horzOverflow="overflow" vert="horz" wrap="square" lIns="91440" tIns="45720" rIns="91440" bIns="45720" numCol="1" spcCol="0" rtlCol="0" fromWordArt="0" anchor="t" anchorCtr="0" forceAA="0" compatLnSpc="1">
+            <a:prstTxWarp prst="textNoShape">
+              <a:avLst/>
+            </a:prstTxWarp>
+            <a:spAutoFit/>
+          </a:bodyPr>
+          <a:lstStyle/>
+          <a:p>
+            <a:r>
+              <a:rPr lang="ko-KR" dirty="0">
+                <a:ea typeface="+mn-lt"/>
+                <a:cs typeface="+mn-lt"/>
+              </a:rPr>
+              <a:t>주위에 자취하는 1인 가구원들이 코로나에 대해 경각심이 떨어진다고 느꼈습니다. 그 이유로 1인 가구는 주로 20대이고 </a:t>
+            </a:r>
+            <a:r>
+              <a:rPr lang="ko-KR" dirty="0" err="1">
+                <a:ea typeface="+mn-lt"/>
+                <a:cs typeface="+mn-lt"/>
+              </a:rPr>
+              <a:t>치명률이</a:t>
+            </a:r>
+            <a:r>
+              <a:rPr lang="ko-KR" dirty="0">
+                <a:ea typeface="+mn-lt"/>
+                <a:cs typeface="+mn-lt"/>
+              </a:rPr>
+              <a:t> 낮고 본인만 격리되기 때문에 책임감이 낮고 </a:t>
+            </a:r>
+            <a:br>
+              <a:rPr lang="ko-KR" dirty="0">
+                <a:ea typeface="+mn-lt"/>
+                <a:cs typeface="+mn-lt"/>
+              </a:rPr>
+            </a:br>
+            <a:r>
+              <a:rPr lang="ko-KR" dirty="0">
+                <a:ea typeface="+mn-lt"/>
+                <a:cs typeface="+mn-lt"/>
+              </a:rPr>
+              <a:t>가구원들이 많은 가구는 가구원들에게 피해를 입힐 수 있어 책임감이 상대적으로 크다고 생각됩니다.</a:t>
+            </a:r>
+            <a:r>
+              <a:rPr lang="ko-KR" altLang="en-US" dirty="0">
+                <a:ea typeface="+mn-lt"/>
+                <a:cs typeface="+mn-lt"/>
+              </a:rPr>
+              <a:t> </a:t>
+            </a:r>
+            <a:endParaRPr lang="ko-KR" dirty="0"/>
+          </a:p>
+        </p:txBody>
+      </p:sp>
+      <p:sp>
+        <p:nvSpPr>
+          <p:cNvPr id="3" name="화살표: 아래쪽 2">
+            <a:extLst>
+              <a:ext uri="{FF2B5EF4-FFF2-40B4-BE49-F238E27FC236}">
+                <a16:creationId xmlns:a16="http://schemas.microsoft.com/office/drawing/2014/main" id="{DE7D4CDA-A31E-4B2B-8304-64118FBC4F8C}"/>
+              </a:ext>
+            </a:extLst>
+          </p:cNvPr>
+          <p:cNvSpPr/>
+          <p:nvPr/>
+        </p:nvSpPr>
+        <p:spPr>
+          <a:xfrm>
+            <a:off x="5644133" y="2492120"/>
+            <a:ext cx="485775" cy="981075"/>
+          </a:xfrm>
+          <a:prstGeom prst="downArrow">
+            <a:avLst/>
+          </a:prstGeom>
+        </p:spPr>
+        <p:style>
+          <a:lnRef idx="2">
+            <a:schemeClr val="accent1">
+              <a:shade val="50000"/>
+            </a:schemeClr>
+          </a:lnRef>
+          <a:fillRef idx="1">
+            <a:schemeClr val="accent1"/>
+          </a:fillRef>
+          <a:effectRef idx="0">
+            <a:schemeClr val="accent1"/>
+          </a:effectRef>
+          <a:fontRef idx="minor">
+            <a:schemeClr val="lt1"/>
+          </a:fontRef>
+        </p:style>
+        <p:txBody>
+          <a:bodyPr rtlCol="0" anchor="ctr"/>
+          <a:lstStyle/>
+          <a:p>
+            <a:pPr algn="ctr"/>
+            <a:endParaRPr lang="ko-KR" altLang="en-US"/>
+          </a:p>
+        </p:txBody>
+      </p:sp>
     </p:spTree>
     <p:extLst>
       <p:ext uri="{BB962C8B-B14F-4D97-AF65-F5344CB8AC3E}">
-        <p14:creationId xmlns:p14="http://schemas.microsoft.com/office/powerpoint/2010/main" val="3519633044"/>
+        <p14:creationId xmlns:p14="http://schemas.microsoft.com/office/powerpoint/2010/main" val="57184875"/>
       </p:ext>
     </p:extLst>
   </p:cSld>
@@ -16230,7 +21226,7 @@
   <p:cSld>
     <p:spTree>
       <p:nvGrpSpPr>
-        <p:cNvPr id="1" name=""/>
+        <p:cNvPr id="1" name="Shape 58"/>
         <p:cNvGrpSpPr/>
         <p:nvPr/>
       </p:nvGrpSpPr>
@@ -16242,10 +21238,264 @@
           <a:chExt cx="0" cy="0"/>
         </a:xfrm>
       </p:grpSpPr>
+      <p:pic>
+        <p:nvPicPr>
+          <p:cNvPr id="2" name="Google Shape;66;p15" descr="연필이(가) 표시된 사진&#10;&#10;자동 생성된 설명">
+            <a:extLst>
+              <a:ext uri="{FF2B5EF4-FFF2-40B4-BE49-F238E27FC236}">
+                <a16:creationId xmlns:a16="http://schemas.microsoft.com/office/drawing/2014/main" id="{264CAC17-C0EE-4456-B9F6-A3CD64727014}"/>
+              </a:ext>
+            </a:extLst>
+          </p:cNvPr>
+          <p:cNvPicPr preferRelativeResize="0"/>
+          <p:nvPr/>
+        </p:nvPicPr>
+        <p:blipFill>
+          <a:blip r:embed="rId3">
+            <a:alphaModFix/>
+          </a:blip>
+          <a:stretch>
+            <a:fillRect/>
+          </a:stretch>
+        </p:blipFill>
+        <p:spPr>
+          <a:xfrm>
+            <a:off x="260958" y="120721"/>
+            <a:ext cx="10340792" cy="5010150"/>
+          </a:xfrm>
+          <a:prstGeom prst="rect">
+            <a:avLst/>
+          </a:prstGeom>
+          <a:noFill/>
+          <a:ln>
+            <a:noFill/>
+          </a:ln>
+        </p:spPr>
+      </p:pic>
+      <p:sp>
+        <p:nvSpPr>
+          <p:cNvPr id="60" name="Google Shape;60;p14"/>
+          <p:cNvSpPr txBox="1"/>
+          <p:nvPr/>
+        </p:nvSpPr>
+        <p:spPr>
+          <a:xfrm>
+            <a:off x="1244000" y="378400"/>
+            <a:ext cx="4975200" cy="874000"/>
+          </a:xfrm>
+          <a:prstGeom prst="rect">
+            <a:avLst/>
+          </a:prstGeom>
+          <a:noFill/>
+          <a:ln>
+            <a:noFill/>
+          </a:ln>
+        </p:spPr>
+        <p:txBody>
+          <a:bodyPr spcFirstLastPara="1" wrap="square" lIns="121900" tIns="121900" rIns="121900" bIns="121900" anchor="t" anchorCtr="0">
+            <a:noAutofit/>
+          </a:bodyPr>
+          <a:lstStyle/>
+          <a:p>
+            <a:r>
+              <a:rPr lang="en-US" altLang="ko" sz="4000" b="1"/>
+              <a:t>2. </a:t>
+            </a:r>
+            <a:r>
+              <a:rPr lang="ko" altLang="en-US" sz="3100" b="1">
+                <a:solidFill>
+                  <a:schemeClr val="dk1"/>
+                </a:solidFill>
+                <a:latin typeface="Malgun Gothic"/>
+                <a:ea typeface="Malgun Gothic"/>
+                <a:cs typeface="Malgun Gothic"/>
+                <a:sym typeface="Malgun Gothic"/>
+              </a:rPr>
+              <a:t>연령대별 </a:t>
+            </a:r>
+            <a:r>
+              <a:rPr lang="en-US" altLang="ko" sz="3100" b="1">
+                <a:solidFill>
+                  <a:schemeClr val="dk1"/>
+                </a:solidFill>
+                <a:latin typeface="Malgun Gothic"/>
+                <a:ea typeface="Malgun Gothic"/>
+                <a:cs typeface="Malgun Gothic"/>
+                <a:sym typeface="Malgun Gothic"/>
+              </a:rPr>
+              <a:t>1</a:t>
+            </a:r>
+            <a:r>
+              <a:rPr lang="ko" altLang="en-US" sz="3100" b="1">
+                <a:solidFill>
+                  <a:schemeClr val="dk1"/>
+                </a:solidFill>
+                <a:latin typeface="Malgun Gothic"/>
+                <a:ea typeface="Malgun Gothic"/>
+                <a:cs typeface="Malgun Gothic"/>
+                <a:sym typeface="Malgun Gothic"/>
+              </a:rPr>
+              <a:t>인가구 분포 </a:t>
+            </a:r>
+            <a:endParaRPr sz="3100" b="1">
+              <a:solidFill>
+                <a:schemeClr val="dk1"/>
+              </a:solidFill>
+              <a:latin typeface="Malgun Gothic"/>
+              <a:ea typeface="Malgun Gothic"/>
+              <a:cs typeface="Malgun Gothic"/>
+              <a:sym typeface="Malgun Gothic"/>
+            </a:endParaRPr>
+          </a:p>
+          <a:p>
+            <a:endParaRPr sz="4000" b="1"/>
+          </a:p>
+        </p:txBody>
+      </p:sp>
+      <p:sp>
+        <p:nvSpPr>
+          <p:cNvPr id="61" name="Google Shape;61;p14"/>
+          <p:cNvSpPr txBox="1"/>
+          <p:nvPr/>
+        </p:nvSpPr>
+        <p:spPr>
+          <a:xfrm>
+            <a:off x="1116842" y="4789592"/>
+            <a:ext cx="10461425" cy="1328000"/>
+          </a:xfrm>
+          <a:prstGeom prst="rect">
+            <a:avLst/>
+          </a:prstGeom>
+          <a:noFill/>
+          <a:ln>
+            <a:noFill/>
+          </a:ln>
+        </p:spPr>
+        <p:txBody>
+          <a:bodyPr spcFirstLastPara="1" wrap="square" lIns="121900" tIns="121900" rIns="121900" bIns="121900" anchor="t" anchorCtr="0">
+            <a:noAutofit/>
+          </a:bodyPr>
+          <a:lstStyle/>
+          <a:p>
+            <a:r>
+              <a:rPr lang="ko" dirty="0">
+                <a:ea typeface="맑은 고딕"/>
+              </a:rPr>
+              <a:t>전국 평균과 주요 지역의 연령별 1인 가구 분포 데이터를 확인한 결과 20대 비율이 가장 높았고</a:t>
+            </a:r>
+            <a:r>
+              <a:rPr lang="ko" altLang="en-US" dirty="0">
+                <a:ea typeface="맑은 고딕"/>
+              </a:rPr>
+              <a:t> </a:t>
+            </a:r>
+            <a:endParaRPr/>
+          </a:p>
+          <a:p>
+            <a:r>
+              <a:rPr lang="ko">
+                <a:ea typeface="맑은 고딕"/>
+              </a:rPr>
+              <a:t>확진자</a:t>
+            </a:r>
+            <a:r>
+              <a:rPr lang="ko" dirty="0">
+                <a:ea typeface="맑은 고딕"/>
+              </a:rPr>
+              <a:t> 그래프와 어느 정도 비례하는 특성을 알 수 있습니다.</a:t>
+            </a:r>
+            <a:endParaRPr dirty="0">
+              <a:ea typeface="맑은 고딕"/>
+            </a:endParaRPr>
+          </a:p>
+          <a:p>
+            <a:endParaRPr lang="ko" altLang="en-US" dirty="0">
+              <a:ea typeface="맑은 고딕"/>
+              <a:cs typeface="Arial"/>
+            </a:endParaRPr>
+          </a:p>
+          <a:p>
+            <a:r>
+              <a:rPr lang="ko">
+                <a:ea typeface="맑은 고딕"/>
+                <a:cs typeface="Arial"/>
+              </a:rPr>
+              <a:t>왜 1인 가구와 확진자가 비례하지는 지 생각해보니 양적 확진자가 많아서라고 생각합니다.</a:t>
+            </a:r>
+            <a:endParaRPr lang="ko" altLang="en-US">
+              <a:ea typeface="맑은 고딕" panose="020B0503020000020004" pitchFamily="34" charset="-127"/>
+              <a:cs typeface="Arial"/>
+            </a:endParaRPr>
+          </a:p>
+          <a:p>
+            <a:r>
+              <a:rPr lang="ko" altLang="en-US" dirty="0">
+                <a:ea typeface="맑은 고딕"/>
+                <a:cs typeface="Arial"/>
+              </a:rPr>
+              <a:t>다음으로 왜 </a:t>
+            </a:r>
+            <a:r>
+              <a:rPr lang="en-US" altLang="ko" dirty="0">
+                <a:ea typeface="맑은 고딕"/>
+                <a:cs typeface="Arial"/>
+              </a:rPr>
+              <a:t>1</a:t>
+            </a:r>
+            <a:r>
+              <a:rPr lang="ko" altLang="en-US" dirty="0">
+                <a:ea typeface="맑은 고딕"/>
+                <a:cs typeface="Arial"/>
+              </a:rPr>
+              <a:t>인 가구 확진자가 많은지 알아보기 위해 </a:t>
+            </a:r>
+            <a:r>
+              <a:rPr lang="en-US" altLang="ko" dirty="0">
+                <a:ea typeface="맑은 고딕"/>
+                <a:cs typeface="Arial"/>
+              </a:rPr>
+              <a:t>1</a:t>
+            </a:r>
+            <a:r>
+              <a:rPr lang="ko" altLang="en-US">
+                <a:ea typeface="맑은 고딕"/>
+                <a:cs typeface="Arial"/>
+              </a:rPr>
+              <a:t>인 가구 특성 중 여가활동 지출을 보겠습니다. </a:t>
+            </a:r>
+            <a:endParaRPr lang="ko" altLang="en-US">
+              <a:ea typeface="+mn-lt"/>
+              <a:cs typeface="+mn-lt"/>
+            </a:endParaRPr>
+          </a:p>
+          <a:p>
+            <a:endParaRPr lang="ko" dirty="0">
+              <a:ea typeface="맑은 고딕"/>
+              <a:cs typeface="Arial"/>
+            </a:endParaRPr>
+          </a:p>
+          <a:p>
+            <a:endParaRPr/>
+          </a:p>
+          <a:p>
+            <a:endParaRPr/>
+          </a:p>
+          <a:p>
+            <a:endParaRPr lang="ko-KR">
+              <a:cs typeface="Arial"/>
+            </a:endParaRPr>
+          </a:p>
+          <a:p>
+            <a:endParaRPr lang="ko-KR" altLang="en-US">
+              <a:cs typeface="Arial"/>
+            </a:endParaRPr>
+          </a:p>
+        </p:txBody>
+      </p:sp>
     </p:spTree>
     <p:extLst>
       <p:ext uri="{BB962C8B-B14F-4D97-AF65-F5344CB8AC3E}">
-        <p14:creationId xmlns:p14="http://schemas.microsoft.com/office/powerpoint/2010/main" val="1960452701"/>
+        <p14:creationId xmlns:p14="http://schemas.microsoft.com/office/powerpoint/2010/main" val="3772726456"/>
       </p:ext>
     </p:extLst>
   </p:cSld>
@@ -16260,7 +21510,7 @@
   <p:cSld>
     <p:spTree>
       <p:nvGrpSpPr>
-        <p:cNvPr id="1" name=""/>
+        <p:cNvPr id="1" name="Shape 72"/>
         <p:cNvGrpSpPr/>
         <p:nvPr/>
       </p:nvGrpSpPr>
@@ -16272,10 +21522,266 @@
           <a:chExt cx="0" cy="0"/>
         </a:xfrm>
       </p:grpSpPr>
+      <p:pic>
+        <p:nvPicPr>
+          <p:cNvPr id="73" name="Google Shape;73;p16"/>
+          <p:cNvPicPr preferRelativeResize="0"/>
+          <p:nvPr/>
+        </p:nvPicPr>
+        <p:blipFill>
+          <a:blip r:embed="rId3">
+            <a:alphaModFix/>
+          </a:blip>
+          <a:stretch>
+            <a:fillRect/>
+          </a:stretch>
+        </p:blipFill>
+        <p:spPr>
+          <a:xfrm>
+            <a:off x="135025" y="764258"/>
+            <a:ext cx="7622968" cy="5715000"/>
+          </a:xfrm>
+          <a:prstGeom prst="rect">
+            <a:avLst/>
+          </a:prstGeom>
+          <a:noFill/>
+          <a:ln>
+            <a:noFill/>
+          </a:ln>
+        </p:spPr>
+      </p:pic>
+      <p:sp>
+        <p:nvSpPr>
+          <p:cNvPr id="74" name="Google Shape;74;p16"/>
+          <p:cNvSpPr txBox="1"/>
+          <p:nvPr/>
+        </p:nvSpPr>
+        <p:spPr>
+          <a:xfrm>
+            <a:off x="1244000" y="378400"/>
+            <a:ext cx="4975200" cy="874000"/>
+          </a:xfrm>
+          <a:prstGeom prst="rect">
+            <a:avLst/>
+          </a:prstGeom>
+          <a:noFill/>
+          <a:ln>
+            <a:noFill/>
+          </a:ln>
+        </p:spPr>
+        <p:txBody>
+          <a:bodyPr spcFirstLastPara="1" wrap="square" lIns="121900" tIns="121900" rIns="121900" bIns="121900" anchor="t" anchorCtr="0">
+            <a:noAutofit/>
+          </a:bodyPr>
+          <a:lstStyle/>
+          <a:p>
+            <a:r>
+              <a:rPr lang="en-US" altLang="ko" sz="4000" b="1"/>
+              <a:t>3.</a:t>
+            </a:r>
+            <a:r>
+              <a:rPr lang="ko" altLang="en-US" sz="3100" b="1">
+                <a:solidFill>
+                  <a:schemeClr val="dk1"/>
+                </a:solidFill>
+                <a:latin typeface="Malgun Gothic"/>
+                <a:ea typeface="Malgun Gothic"/>
+                <a:cs typeface="Malgun Gothic"/>
+                <a:sym typeface="Malgun Gothic"/>
+              </a:rPr>
+              <a:t> 특성 </a:t>
+            </a:r>
+            <a:endParaRPr sz="3100" b="1">
+              <a:solidFill>
+                <a:schemeClr val="dk1"/>
+              </a:solidFill>
+              <a:latin typeface="Malgun Gothic"/>
+              <a:ea typeface="Malgun Gothic"/>
+              <a:cs typeface="Malgun Gothic"/>
+              <a:sym typeface="Malgun Gothic"/>
+            </a:endParaRPr>
+          </a:p>
+          <a:p>
+            <a:endParaRPr sz="4000" b="1"/>
+          </a:p>
+        </p:txBody>
+      </p:sp>
+      <p:sp>
+        <p:nvSpPr>
+          <p:cNvPr id="75" name="Google Shape;75;p16"/>
+          <p:cNvSpPr txBox="1"/>
+          <p:nvPr/>
+        </p:nvSpPr>
+        <p:spPr>
+          <a:xfrm>
+            <a:off x="966667" y="1319700"/>
+            <a:ext cx="1412000" cy="310800"/>
+          </a:xfrm>
+          <a:prstGeom prst="rect">
+            <a:avLst/>
+          </a:prstGeom>
+          <a:noFill/>
+          <a:ln>
+            <a:noFill/>
+          </a:ln>
+        </p:spPr>
+        <p:txBody>
+          <a:bodyPr spcFirstLastPara="1" wrap="square" lIns="121900" tIns="121900" rIns="121900" bIns="121900" anchor="t" anchorCtr="0">
+            <a:noAutofit/>
+          </a:bodyPr>
+          <a:lstStyle/>
+          <a:p>
+            <a:endParaRPr/>
+          </a:p>
+        </p:txBody>
+      </p:sp>
+      <p:sp>
+        <p:nvSpPr>
+          <p:cNvPr id="76" name="Google Shape;76;p16"/>
+          <p:cNvSpPr txBox="1"/>
+          <p:nvPr/>
+        </p:nvSpPr>
+        <p:spPr>
+          <a:xfrm>
+            <a:off x="1151533" y="1409600"/>
+            <a:ext cx="1857200" cy="605200"/>
+          </a:xfrm>
+          <a:prstGeom prst="rect">
+            <a:avLst/>
+          </a:prstGeom>
+          <a:noFill/>
+          <a:ln>
+            <a:noFill/>
+          </a:ln>
+        </p:spPr>
+        <p:txBody>
+          <a:bodyPr spcFirstLastPara="1" wrap="square" lIns="121900" tIns="121900" rIns="121900" bIns="121900" anchor="t" anchorCtr="0">
+            <a:noAutofit/>
+          </a:bodyPr>
+          <a:lstStyle/>
+          <a:p>
+            <a:r>
+              <a:rPr lang="ko"/>
+              <a:t>여가 지출 비용</a:t>
+            </a:r>
+            <a:endParaRPr/>
+          </a:p>
+        </p:txBody>
+      </p:sp>
+      <p:sp>
+        <p:nvSpPr>
+          <p:cNvPr id="77" name="Google Shape;77;p16"/>
+          <p:cNvSpPr txBox="1"/>
+          <p:nvPr/>
+        </p:nvSpPr>
+        <p:spPr>
+          <a:xfrm>
+            <a:off x="7013333" y="1906917"/>
+            <a:ext cx="4975200" cy="3298525"/>
+          </a:xfrm>
+          <a:prstGeom prst="rect">
+            <a:avLst/>
+          </a:prstGeom>
+          <a:noFill/>
+          <a:ln>
+            <a:noFill/>
+          </a:ln>
+        </p:spPr>
+        <p:txBody>
+          <a:bodyPr spcFirstLastPara="1" wrap="square" lIns="121900" tIns="121900" rIns="121900" bIns="121900" anchor="t" anchorCtr="0">
+            <a:noAutofit/>
+          </a:bodyPr>
+          <a:lstStyle/>
+          <a:p>
+            <a:endParaRPr/>
+          </a:p>
+          <a:p>
+            <a:endParaRPr/>
+          </a:p>
+          <a:p>
+            <a:r>
+              <a:rPr lang="ko" dirty="0">
+                <a:ea typeface="+mn-lt"/>
+                <a:cs typeface="+mn-lt"/>
+              </a:rPr>
+              <a:t>1인 가구가 가구 원당 여가 지출 비용이 가장 </a:t>
+            </a:r>
+            <a:br>
+              <a:rPr lang="ko" dirty="0">
+                <a:ea typeface="+mn-lt"/>
+                <a:cs typeface="+mn-lt"/>
+              </a:rPr>
+            </a:br>
+            <a:r>
+              <a:rPr lang="ko" dirty="0">
+                <a:ea typeface="+mn-lt"/>
+                <a:cs typeface="+mn-lt"/>
+              </a:rPr>
+              <a:t>큰 것을 알 수 있습니다.</a:t>
+            </a:r>
+            <a:r>
+              <a:rPr lang="ko" altLang="en-US" dirty="0">
+                <a:ea typeface="+mn-lt"/>
+                <a:cs typeface="+mn-lt"/>
+              </a:rPr>
+              <a:t> </a:t>
+            </a:r>
+            <a:br>
+              <a:rPr lang="ko" altLang="en-US" dirty="0">
+                <a:ea typeface="+mn-lt"/>
+                <a:cs typeface="+mn-lt"/>
+              </a:rPr>
+            </a:br>
+            <a:br>
+              <a:rPr lang="ko" altLang="en-US" dirty="0">
+                <a:ea typeface="+mn-lt"/>
+                <a:cs typeface="+mn-lt"/>
+              </a:rPr>
+            </a:br>
+            <a:r>
+              <a:rPr lang="ko" altLang="en-US" dirty="0">
+                <a:ea typeface="+mn-lt"/>
+                <a:cs typeface="+mn-lt"/>
+              </a:rPr>
+              <a:t> </a:t>
+            </a:r>
+            <a:br>
+              <a:rPr lang="ko" altLang="en-US" dirty="0">
+                <a:ea typeface="+mn-lt"/>
+                <a:cs typeface="+mn-lt"/>
+              </a:rPr>
+            </a:br>
+            <a:br>
+              <a:rPr lang="ko" altLang="en-US" dirty="0">
+                <a:ea typeface="+mn-lt"/>
+                <a:cs typeface="+mn-lt"/>
+              </a:rPr>
+            </a:br>
+            <a:r>
+              <a:rPr lang="ko" altLang="en-US">
+                <a:ea typeface="+mn-lt"/>
+                <a:cs typeface="+mn-lt"/>
+              </a:rPr>
+              <a:t>하지만 여가 지출 비용에 비대면 활동도 포함되기 때문에  비대면</a:t>
+            </a:r>
+            <a:r>
+              <a:rPr lang="ko" altLang="en-US" dirty="0">
+                <a:ea typeface="+mn-lt"/>
+                <a:cs typeface="+mn-lt"/>
+              </a:rPr>
+              <a:t> 활동을 걸러낸 수치를 만들기 위해 여가활동 분포를 보겠습니다.</a:t>
+            </a:r>
+            <a:endParaRPr lang="en-US" altLang="ko" dirty="0">
+              <a:ea typeface="+mn-lt"/>
+              <a:cs typeface="+mn-lt"/>
+            </a:endParaRPr>
+          </a:p>
+        </p:txBody>
+      </p:sp>
     </p:spTree>
     <p:extLst>
       <p:ext uri="{BB962C8B-B14F-4D97-AF65-F5344CB8AC3E}">
-        <p14:creationId xmlns:p14="http://schemas.microsoft.com/office/powerpoint/2010/main" val="2340511007"/>
+        <p14:creationId xmlns:p14="http://schemas.microsoft.com/office/powerpoint/2010/main" val="4183380586"/>
       </p:ext>
     </p:extLst>
   </p:cSld>
@@ -16290,7 +21796,7 @@
   <p:cSld>
     <p:spTree>
       <p:nvGrpSpPr>
-        <p:cNvPr id="1" name=""/>
+        <p:cNvPr id="1" name="Shape 81"/>
         <p:cNvGrpSpPr/>
         <p:nvPr/>
       </p:nvGrpSpPr>
@@ -16302,10 +21808,588 @@
           <a:chExt cx="0" cy="0"/>
         </a:xfrm>
       </p:grpSpPr>
+      <p:pic>
+        <p:nvPicPr>
+          <p:cNvPr id="82" name="Google Shape;82;p17"/>
+          <p:cNvPicPr preferRelativeResize="0"/>
+          <p:nvPr/>
+        </p:nvPicPr>
+        <p:blipFill rotWithShape="1">
+          <a:blip r:embed="rId3">
+            <a:alphaModFix/>
+          </a:blip>
+          <a:srcRect l="1830" t="-970" r="-1829" b="970"/>
+          <a:stretch/>
+        </p:blipFill>
+        <p:spPr>
+          <a:xfrm>
+            <a:off x="479234" y="674001"/>
+            <a:ext cx="11497233" cy="4326833"/>
+          </a:xfrm>
+          <a:prstGeom prst="rect">
+            <a:avLst/>
+          </a:prstGeom>
+          <a:noFill/>
+          <a:ln>
+            <a:noFill/>
+          </a:ln>
+        </p:spPr>
+      </p:pic>
+      <p:sp>
+        <p:nvSpPr>
+          <p:cNvPr id="83" name="Google Shape;83;p17"/>
+          <p:cNvSpPr txBox="1"/>
+          <p:nvPr/>
+        </p:nvSpPr>
+        <p:spPr>
+          <a:xfrm>
+            <a:off x="1244000" y="378400"/>
+            <a:ext cx="4975200" cy="874000"/>
+          </a:xfrm>
+          <a:prstGeom prst="rect">
+            <a:avLst/>
+          </a:prstGeom>
+          <a:noFill/>
+          <a:ln>
+            <a:noFill/>
+          </a:ln>
+        </p:spPr>
+        <p:txBody>
+          <a:bodyPr spcFirstLastPara="1" wrap="square" lIns="121900" tIns="121900" rIns="121900" bIns="121900" anchor="t" anchorCtr="0">
+            <a:noAutofit/>
+          </a:bodyPr>
+          <a:lstStyle/>
+          <a:p>
+            <a:r>
+              <a:rPr lang="en-US" altLang="ko" sz="4000" b="1"/>
+              <a:t>3.</a:t>
+            </a:r>
+            <a:r>
+              <a:rPr lang="ko" altLang="en-US" sz="3100" b="1">
+                <a:solidFill>
+                  <a:schemeClr val="dk1"/>
+                </a:solidFill>
+                <a:latin typeface="Malgun Gothic"/>
+                <a:ea typeface="Malgun Gothic"/>
+                <a:cs typeface="Malgun Gothic"/>
+                <a:sym typeface="Malgun Gothic"/>
+              </a:rPr>
+              <a:t> 특성 </a:t>
+            </a:r>
+            <a:endParaRPr sz="3100" b="1">
+              <a:solidFill>
+                <a:schemeClr val="dk1"/>
+              </a:solidFill>
+              <a:latin typeface="Malgun Gothic"/>
+              <a:ea typeface="Malgun Gothic"/>
+              <a:cs typeface="Malgun Gothic"/>
+              <a:sym typeface="Malgun Gothic"/>
+            </a:endParaRPr>
+          </a:p>
+          <a:p>
+            <a:endParaRPr sz="4000" b="1"/>
+          </a:p>
+        </p:txBody>
+      </p:sp>
+      <p:sp>
+        <p:nvSpPr>
+          <p:cNvPr id="84" name="Google Shape;84;p17"/>
+          <p:cNvSpPr txBox="1"/>
+          <p:nvPr/>
+        </p:nvSpPr>
+        <p:spPr>
+          <a:xfrm>
+            <a:off x="622100" y="5110100"/>
+            <a:ext cx="11463600" cy="1630400"/>
+          </a:xfrm>
+          <a:prstGeom prst="rect">
+            <a:avLst/>
+          </a:prstGeom>
+          <a:noFill/>
+          <a:ln>
+            <a:noFill/>
+          </a:ln>
+        </p:spPr>
+        <p:txBody>
+          <a:bodyPr spcFirstLastPara="1" wrap="square" lIns="121900" tIns="121900" rIns="121900" bIns="121900" anchor="t" anchorCtr="0">
+            <a:noAutofit/>
+          </a:bodyPr>
+          <a:lstStyle/>
+          <a:p>
+            <a:r>
+              <a:rPr lang="ko" altLang="en-US" sz="2000" dirty="0">
+                <a:ea typeface="맑은 고딕"/>
+              </a:rPr>
+              <a:t>여가활동 분포도를 본 결과</a:t>
+            </a:r>
+            <a:endParaRPr sz="2000" dirty="0">
+              <a:ea typeface="맑은 고딕"/>
+            </a:endParaRPr>
+          </a:p>
+          <a:p>
+            <a:r>
+              <a:rPr lang="ko" altLang="en-US" sz="2000" dirty="0" err="1">
+                <a:solidFill>
+                  <a:schemeClr val="dk1"/>
+                </a:solidFill>
+                <a:ea typeface="맑은 고딕"/>
+              </a:rPr>
+              <a:t>비대면</a:t>
+            </a:r>
+            <a:r>
+              <a:rPr lang="ko" altLang="en-US" sz="2000" dirty="0">
+                <a:solidFill>
+                  <a:schemeClr val="dk1"/>
+                </a:solidFill>
+                <a:ea typeface="맑은 고딕"/>
+              </a:rPr>
+              <a:t> 활동</a:t>
+            </a:r>
+            <a:endParaRPr sz="2000" dirty="0">
+              <a:solidFill>
+                <a:schemeClr val="dk1"/>
+              </a:solidFill>
+              <a:ea typeface="맑은 고딕"/>
+            </a:endParaRPr>
+          </a:p>
+          <a:p>
+            <a:pPr>
+              <a:buClr>
+                <a:schemeClr val="dk1"/>
+              </a:buClr>
+              <a:buSzPts val="1100"/>
+            </a:pPr>
+            <a:r>
+              <a:rPr lang="ko" altLang="en-US" sz="1600" dirty="0">
+                <a:solidFill>
+                  <a:schemeClr val="dk1"/>
+                </a:solidFill>
+                <a:ea typeface="맑은 고딕"/>
+              </a:rPr>
+              <a:t> </a:t>
+            </a:r>
+            <a:r>
+              <a:rPr lang="en-US" altLang="ko" sz="1300" dirty="0">
+                <a:solidFill>
+                  <a:schemeClr val="dk1"/>
+                </a:solidFill>
+                <a:ea typeface="맑은 고딕"/>
+              </a:rPr>
+              <a:t>'</a:t>
+            </a:r>
+            <a:r>
+              <a:rPr lang="ko" altLang="en-US" sz="1300" dirty="0">
+                <a:solidFill>
+                  <a:schemeClr val="dk1"/>
+                </a:solidFill>
+                <a:ea typeface="맑은 고딕"/>
+              </a:rPr>
+              <a:t>인터넷검색</a:t>
+            </a:r>
+            <a:r>
+              <a:rPr lang="en-US" altLang="ko" sz="1300" dirty="0">
+                <a:solidFill>
+                  <a:schemeClr val="dk1"/>
+                </a:solidFill>
+                <a:ea typeface="맑은 고딕"/>
+              </a:rPr>
+              <a:t>/</a:t>
+            </a:r>
+            <a:r>
+              <a:rPr lang="ko" altLang="en-US" sz="1300" dirty="0">
+                <a:solidFill>
+                  <a:schemeClr val="dk1"/>
+                </a:solidFill>
+                <a:ea typeface="맑은 고딕"/>
+              </a:rPr>
+              <a:t>채팅</a:t>
+            </a:r>
+            <a:r>
+              <a:rPr lang="en-US" altLang="ko" sz="1300" dirty="0">
+                <a:solidFill>
+                  <a:schemeClr val="dk1"/>
+                </a:solidFill>
+                <a:ea typeface="맑은 고딕"/>
+              </a:rPr>
+              <a:t>/1</a:t>
+            </a:r>
+            <a:r>
+              <a:rPr lang="ko" altLang="en-US" sz="1300" dirty="0">
+                <a:solidFill>
+                  <a:schemeClr val="dk1"/>
+                </a:solidFill>
+                <a:ea typeface="맑은 고딕"/>
+              </a:rPr>
+              <a:t>인 미디어 제작</a:t>
+            </a:r>
+            <a:r>
+              <a:rPr lang="en-US" altLang="ko" sz="1300" dirty="0">
+                <a:solidFill>
+                  <a:schemeClr val="dk1"/>
+                </a:solidFill>
+                <a:ea typeface="맑은 고딕"/>
+              </a:rPr>
+              <a:t>/SNS', '</a:t>
+            </a:r>
+            <a:r>
+              <a:rPr lang="ko" altLang="en-US" sz="1300" dirty="0">
+                <a:solidFill>
+                  <a:schemeClr val="dk1"/>
+                </a:solidFill>
+                <a:ea typeface="맑은 고딕"/>
+              </a:rPr>
+              <a:t>게임</a:t>
+            </a:r>
+            <a:r>
+              <a:rPr lang="en-US" altLang="ko" sz="1300" dirty="0">
+                <a:solidFill>
+                  <a:schemeClr val="dk1"/>
+                </a:solidFill>
+                <a:ea typeface="맑은 고딕"/>
+              </a:rPr>
+              <a:t>', '</a:t>
+            </a:r>
+            <a:r>
+              <a:rPr lang="ko" altLang="en-US" sz="1300" dirty="0">
+                <a:solidFill>
+                  <a:schemeClr val="dk1"/>
+                </a:solidFill>
+                <a:ea typeface="맑은 고딕"/>
+              </a:rPr>
+              <a:t>독서</a:t>
+            </a:r>
+            <a:r>
+              <a:rPr lang="en-US" altLang="ko" sz="1300" dirty="0">
+                <a:solidFill>
+                  <a:schemeClr val="dk1"/>
+                </a:solidFill>
+                <a:ea typeface="맑은 고딕"/>
+              </a:rPr>
+              <a:t>(</a:t>
+            </a:r>
+            <a:r>
+              <a:rPr lang="ko" altLang="en-US" sz="1300" dirty="0" err="1">
+                <a:solidFill>
+                  <a:schemeClr val="dk1"/>
+                </a:solidFill>
+                <a:ea typeface="맑은 고딕"/>
+              </a:rPr>
+              <a:t>웹소설</a:t>
+            </a:r>
+            <a:r>
+              <a:rPr lang="ko" altLang="en-US" sz="1300" dirty="0">
+                <a:solidFill>
+                  <a:schemeClr val="dk1"/>
+                </a:solidFill>
+                <a:ea typeface="맑은 고딕"/>
+              </a:rPr>
+              <a:t> 포함</a:t>
+            </a:r>
+            <a:r>
+              <a:rPr lang="en-US" altLang="ko" sz="1300" dirty="0">
+                <a:solidFill>
+                  <a:schemeClr val="dk1"/>
+                </a:solidFill>
+                <a:ea typeface="맑은 고딕"/>
+              </a:rPr>
+              <a:t>)', '</a:t>
+            </a:r>
+            <a:r>
+              <a:rPr lang="ko" altLang="en-US" sz="1300" dirty="0">
+                <a:solidFill>
+                  <a:schemeClr val="dk1"/>
+                </a:solidFill>
+                <a:ea typeface="맑은 고딕"/>
+              </a:rPr>
+              <a:t>요리하기</a:t>
+            </a:r>
+            <a:r>
+              <a:rPr lang="en-US" altLang="ko" sz="1300" dirty="0">
+                <a:solidFill>
+                  <a:schemeClr val="dk1"/>
+                </a:solidFill>
+                <a:ea typeface="맑은 고딕"/>
+              </a:rPr>
+              <a:t>/</a:t>
+            </a:r>
+            <a:r>
+              <a:rPr lang="ko" altLang="en-US" sz="1300" dirty="0">
+                <a:solidFill>
+                  <a:schemeClr val="dk1"/>
+                </a:solidFill>
+                <a:ea typeface="맑은 고딕"/>
+              </a:rPr>
+              <a:t>다도</a:t>
+            </a:r>
+            <a:r>
+              <a:rPr lang="en-US" altLang="ko" sz="1300" dirty="0">
+                <a:solidFill>
+                  <a:schemeClr val="dk1"/>
+                </a:solidFill>
+                <a:ea typeface="맑은 고딕"/>
+              </a:rPr>
+              <a:t>', '</a:t>
+            </a:r>
+            <a:r>
+              <a:rPr lang="ko" altLang="en-US" sz="1300" dirty="0">
+                <a:solidFill>
+                  <a:schemeClr val="dk1"/>
+                </a:solidFill>
+                <a:ea typeface="맑은 고딕"/>
+              </a:rPr>
+              <a:t>만화보기 </a:t>
+            </a:r>
+            <a:r>
+              <a:rPr lang="en-US" altLang="ko" sz="1300" dirty="0">
+                <a:solidFill>
+                  <a:schemeClr val="dk1"/>
+                </a:solidFill>
+                <a:ea typeface="맑은 고딕"/>
+              </a:rPr>
+              <a:t>(</a:t>
+            </a:r>
+            <a:r>
+              <a:rPr lang="ko" altLang="en-US" sz="1300" dirty="0">
+                <a:solidFill>
+                  <a:schemeClr val="dk1"/>
+                </a:solidFill>
+                <a:ea typeface="맑은 고딕"/>
+              </a:rPr>
+              <a:t>웹툰 포함</a:t>
+            </a:r>
+            <a:r>
+              <a:rPr lang="en-US" altLang="ko" sz="1300" dirty="0">
+                <a:solidFill>
+                  <a:schemeClr val="dk1"/>
+                </a:solidFill>
+                <a:ea typeface="맑은 고딕"/>
+              </a:rPr>
+              <a:t>)',</a:t>
+            </a:r>
+            <a:endParaRPr sz="1300" dirty="0">
+              <a:solidFill>
+                <a:schemeClr val="dk1"/>
+              </a:solidFill>
+              <a:ea typeface="맑은 고딕"/>
+            </a:endParaRPr>
+          </a:p>
+          <a:p>
+            <a:pPr>
+              <a:buClr>
+                <a:schemeClr val="dk1"/>
+              </a:buClr>
+              <a:buSzPts val="1100"/>
+            </a:pPr>
+            <a:r>
+              <a:rPr lang="ko" altLang="en-US" sz="1300" dirty="0">
+                <a:solidFill>
+                  <a:schemeClr val="dk1"/>
+                </a:solidFill>
+                <a:ea typeface="맑은 고딕"/>
+              </a:rPr>
+              <a:t> </a:t>
+            </a:r>
+            <a:r>
+              <a:rPr lang="en-US" altLang="ko" sz="1300" dirty="0">
+                <a:solidFill>
+                  <a:schemeClr val="dk1"/>
+                </a:solidFill>
+                <a:ea typeface="맑은 고딕"/>
+              </a:rPr>
+              <a:t>'</a:t>
+            </a:r>
+            <a:r>
+              <a:rPr lang="ko" altLang="en-US" sz="1300" dirty="0">
+                <a:solidFill>
+                  <a:schemeClr val="dk1"/>
+                </a:solidFill>
+                <a:ea typeface="맑은 고딕"/>
+              </a:rPr>
+              <a:t>원예</a:t>
+            </a:r>
+            <a:r>
+              <a:rPr lang="en-US" altLang="ko" sz="1300" dirty="0">
+                <a:solidFill>
+                  <a:schemeClr val="dk1"/>
+                </a:solidFill>
+                <a:ea typeface="맑은 고딕"/>
+              </a:rPr>
+              <a:t>', '15</a:t>
+            </a:r>
+            <a:r>
+              <a:rPr lang="ko" altLang="en-US" sz="1300" dirty="0">
+                <a:solidFill>
+                  <a:schemeClr val="dk1"/>
+                </a:solidFill>
+                <a:ea typeface="맑은 고딕"/>
+              </a:rPr>
+              <a:t>바둑 장기 체스</a:t>
+            </a:r>
+            <a:r>
+              <a:rPr lang="en-US" altLang="ko" sz="1300" dirty="0">
+                <a:solidFill>
+                  <a:schemeClr val="dk1"/>
+                </a:solidFill>
+                <a:ea typeface="맑은 고딕"/>
+              </a:rPr>
+              <a:t>', '</a:t>
+            </a:r>
+            <a:r>
+              <a:rPr lang="ko" altLang="en-US" sz="1300" dirty="0" err="1">
+                <a:solidFill>
+                  <a:schemeClr val="dk1"/>
+                </a:solidFill>
+                <a:ea typeface="맑은 고딕"/>
+              </a:rPr>
+              <a:t>보드게임퍼즐큐브</a:t>
+            </a:r>
+            <a:r>
+              <a:rPr lang="ko" altLang="en-US" sz="1300" dirty="0">
+                <a:solidFill>
+                  <a:schemeClr val="dk1"/>
+                </a:solidFill>
+                <a:ea typeface="맑은 고딕"/>
+              </a:rPr>
+              <a:t> 맞추기</a:t>
+            </a:r>
+            <a:r>
+              <a:rPr lang="en-US" altLang="ko" sz="1300" dirty="0">
+                <a:solidFill>
+                  <a:schemeClr val="dk1"/>
+                </a:solidFill>
+                <a:ea typeface="맑은 고딕"/>
+              </a:rPr>
+              <a:t>',  '20</a:t>
+            </a:r>
+            <a:r>
+              <a:rPr lang="ko" altLang="en-US" sz="1300" dirty="0">
+                <a:solidFill>
+                  <a:schemeClr val="dk1"/>
+                </a:solidFill>
+                <a:ea typeface="맑은 고딕"/>
+              </a:rPr>
+              <a:t>홈페이지</a:t>
+            </a:r>
+            <a:r>
+              <a:rPr lang="en-US" altLang="ko" sz="1300" dirty="0">
+                <a:solidFill>
+                  <a:schemeClr val="dk1"/>
+                </a:solidFill>
+                <a:ea typeface="맑은 고딕"/>
+              </a:rPr>
+              <a:t>/</a:t>
+            </a:r>
+            <a:r>
+              <a:rPr lang="ko" altLang="en-US" sz="1300" dirty="0">
+                <a:solidFill>
+                  <a:schemeClr val="dk1"/>
+                </a:solidFill>
+                <a:ea typeface="맑은 고딕"/>
+              </a:rPr>
+              <a:t>블로그관리</a:t>
+            </a:r>
+            <a:r>
+              <a:rPr lang="en-US" altLang="ko" sz="1300" dirty="0">
+                <a:solidFill>
+                  <a:schemeClr val="dk1"/>
+                </a:solidFill>
+                <a:ea typeface="맑은 고딕"/>
+              </a:rPr>
+              <a:t>' </a:t>
+            </a:r>
+            <a:r>
+              <a:rPr lang="ko" altLang="en-US" sz="1600" dirty="0">
+                <a:solidFill>
+                  <a:schemeClr val="dk1"/>
+                </a:solidFill>
+                <a:ea typeface="맑은 고딕"/>
+              </a:rPr>
+              <a:t> </a:t>
+            </a:r>
+            <a:r>
+              <a:rPr lang="ko" altLang="en-US" sz="2000" dirty="0">
+                <a:solidFill>
+                  <a:schemeClr val="dk1"/>
+                </a:solidFill>
+                <a:ea typeface="맑은 고딕"/>
+              </a:rPr>
+              <a:t>과 나머지로 대면 활동 분류 해봤고 </a:t>
+            </a:r>
+            <a:endParaRPr lang="ko" altLang="en-US" sz="2000" dirty="0">
+              <a:solidFill>
+                <a:schemeClr val="dk1"/>
+              </a:solidFill>
+              <a:ea typeface="맑은 고딕"/>
+              <a:cs typeface="Arial"/>
+            </a:endParaRPr>
+          </a:p>
+          <a:p>
+            <a:pPr>
+              <a:buClr>
+                <a:schemeClr val="dk1"/>
+              </a:buClr>
+              <a:buSzPts val="1100"/>
+            </a:pPr>
+            <a:r>
+              <a:rPr lang="ko" altLang="en-US" sz="2000" dirty="0">
+                <a:solidFill>
+                  <a:schemeClr val="dk1"/>
+                </a:solidFill>
+                <a:ea typeface="맑은 고딕"/>
+              </a:rPr>
+              <a:t>다시 대입시킨 </a:t>
+            </a:r>
+            <a:r>
+              <a:rPr lang="ko" altLang="en-US" sz="2000" dirty="0" err="1">
+                <a:solidFill>
+                  <a:schemeClr val="dk1"/>
+                </a:solidFill>
+                <a:ea typeface="맑은 고딕"/>
+              </a:rPr>
+              <a:t>대면할동</a:t>
+            </a:r>
+            <a:r>
+              <a:rPr lang="ko" altLang="en-US" sz="2000" dirty="0">
+                <a:solidFill>
+                  <a:schemeClr val="dk1"/>
+                </a:solidFill>
+                <a:ea typeface="맑은 고딕"/>
+              </a:rPr>
+              <a:t> 수치를 보겠습니다.</a:t>
+            </a:r>
+            <a:endParaRPr lang="ko" altLang="en-US" sz="2000" dirty="0">
+              <a:solidFill>
+                <a:schemeClr val="dk1"/>
+              </a:solidFill>
+              <a:ea typeface="맑은 고딕"/>
+              <a:cs typeface="Arial"/>
+            </a:endParaRPr>
+          </a:p>
+          <a:p>
+            <a:pPr>
+              <a:buClr>
+                <a:schemeClr val="dk1"/>
+              </a:buClr>
+              <a:buSzPts val="1100"/>
+            </a:pPr>
+            <a:endParaRPr sz="2000">
+              <a:solidFill>
+                <a:schemeClr val="dk1"/>
+              </a:solidFill>
+            </a:endParaRPr>
+          </a:p>
+          <a:p>
+            <a:endParaRPr/>
+          </a:p>
+          <a:p>
+            <a:endParaRPr/>
+          </a:p>
+        </p:txBody>
+      </p:sp>
     </p:spTree>
     <p:extLst>
       <p:ext uri="{BB962C8B-B14F-4D97-AF65-F5344CB8AC3E}">
-        <p14:creationId xmlns:p14="http://schemas.microsoft.com/office/powerpoint/2010/main" val="1628649293"/>
+        <p14:creationId xmlns:p14="http://schemas.microsoft.com/office/powerpoint/2010/main" val="3769501543"/>
       </p:ext>
     </p:extLst>
   </p:cSld>
@@ -16320,7 +22404,7 @@
   <p:cSld>
     <p:spTree>
       <p:nvGrpSpPr>
-        <p:cNvPr id="1" name=""/>
+        <p:cNvPr id="1" name="Shape 88"/>
         <p:cNvGrpSpPr/>
         <p:nvPr/>
       </p:nvGrpSpPr>
@@ -16332,10 +22416,406 @@
           <a:chExt cx="0" cy="0"/>
         </a:xfrm>
       </p:grpSpPr>
+      <p:pic>
+        <p:nvPicPr>
+          <p:cNvPr id="89" name="Google Shape;89;p18"/>
+          <p:cNvPicPr preferRelativeResize="0"/>
+          <p:nvPr/>
+        </p:nvPicPr>
+        <p:blipFill>
+          <a:blip r:embed="rId3">
+            <a:alphaModFix/>
+          </a:blip>
+          <a:stretch>
+            <a:fillRect/>
+          </a:stretch>
+        </p:blipFill>
+        <p:spPr>
+          <a:xfrm>
+            <a:off x="4913992" y="647167"/>
+            <a:ext cx="6601744" cy="3941900"/>
+          </a:xfrm>
+          <a:prstGeom prst="rect">
+            <a:avLst/>
+          </a:prstGeom>
+          <a:noFill/>
+          <a:ln>
+            <a:noFill/>
+          </a:ln>
+        </p:spPr>
+      </p:pic>
+      <p:sp>
+        <p:nvSpPr>
+          <p:cNvPr id="90" name="Google Shape;90;p18"/>
+          <p:cNvSpPr txBox="1"/>
+          <p:nvPr/>
+        </p:nvSpPr>
+        <p:spPr>
+          <a:xfrm>
+            <a:off x="1244000" y="378400"/>
+            <a:ext cx="4975200" cy="874000"/>
+          </a:xfrm>
+          <a:prstGeom prst="rect">
+            <a:avLst/>
+          </a:prstGeom>
+          <a:noFill/>
+          <a:ln>
+            <a:noFill/>
+          </a:ln>
+        </p:spPr>
+        <p:txBody>
+          <a:bodyPr spcFirstLastPara="1" wrap="square" lIns="121900" tIns="121900" rIns="121900" bIns="121900" anchor="t" anchorCtr="0">
+            <a:noAutofit/>
+          </a:bodyPr>
+          <a:lstStyle/>
+          <a:p>
+            <a:r>
+              <a:rPr lang="en-US" altLang="ko" sz="4000" b="1"/>
+              <a:t>3.</a:t>
+            </a:r>
+            <a:r>
+              <a:rPr lang="ko" altLang="en-US" sz="3100" b="1">
+                <a:solidFill>
+                  <a:schemeClr val="dk1"/>
+                </a:solidFill>
+                <a:latin typeface="Malgun Gothic"/>
+                <a:ea typeface="Malgun Gothic"/>
+                <a:cs typeface="Malgun Gothic"/>
+                <a:sym typeface="Malgun Gothic"/>
+              </a:rPr>
+              <a:t> 특성 </a:t>
+            </a:r>
+            <a:endParaRPr sz="3100" b="1">
+              <a:solidFill>
+                <a:schemeClr val="dk1"/>
+              </a:solidFill>
+              <a:latin typeface="Malgun Gothic"/>
+              <a:ea typeface="Malgun Gothic"/>
+              <a:cs typeface="Malgun Gothic"/>
+              <a:sym typeface="Malgun Gothic"/>
+            </a:endParaRPr>
+          </a:p>
+          <a:p>
+            <a:endParaRPr sz="4000" b="1"/>
+          </a:p>
+        </p:txBody>
+      </p:sp>
+      <p:pic>
+        <p:nvPicPr>
+          <p:cNvPr id="91" name="Google Shape;91;p18"/>
+          <p:cNvPicPr preferRelativeResize="0"/>
+          <p:nvPr/>
+        </p:nvPicPr>
+        <p:blipFill>
+          <a:blip r:embed="rId4">
+            <a:alphaModFix/>
+          </a:blip>
+          <a:stretch>
+            <a:fillRect/>
+          </a:stretch>
+        </p:blipFill>
+        <p:spPr>
+          <a:xfrm>
+            <a:off x="407986" y="1138100"/>
+            <a:ext cx="3008981" cy="2956323"/>
+          </a:xfrm>
+          <a:prstGeom prst="rect">
+            <a:avLst/>
+          </a:prstGeom>
+          <a:noFill/>
+          <a:ln>
+            <a:noFill/>
+          </a:ln>
+        </p:spPr>
+      </p:pic>
+      <p:sp>
+        <p:nvSpPr>
+          <p:cNvPr id="92" name="Google Shape;92;p18"/>
+          <p:cNvSpPr txBox="1"/>
+          <p:nvPr/>
+        </p:nvSpPr>
+        <p:spPr>
+          <a:xfrm>
+            <a:off x="193433" y="4950400"/>
+            <a:ext cx="12094000" cy="1739600"/>
+          </a:xfrm>
+          <a:prstGeom prst="rect">
+            <a:avLst/>
+          </a:prstGeom>
+          <a:noFill/>
+          <a:ln>
+            <a:noFill/>
+          </a:ln>
+        </p:spPr>
+        <p:txBody>
+          <a:bodyPr spcFirstLastPara="1" wrap="square" lIns="121900" tIns="121900" rIns="121900" bIns="121900" anchor="t" anchorCtr="0">
+            <a:noAutofit/>
+          </a:bodyPr>
+          <a:lstStyle/>
+          <a:p>
+            <a:r>
+              <a:rPr lang="ko" dirty="0">
+                <a:solidFill>
+                  <a:schemeClr val="dk1"/>
+                </a:solidFill>
+                <a:ea typeface="맑은 고딕"/>
+              </a:rPr>
+              <a:t>대면</a:t>
+            </a:r>
+            <a:r>
+              <a:rPr lang="en-US" altLang="ko" dirty="0">
+                <a:solidFill>
+                  <a:schemeClr val="dk1"/>
+                </a:solidFill>
+                <a:ea typeface="맑은 고딕"/>
+              </a:rPr>
+              <a:t>,</a:t>
+            </a:r>
+            <a:r>
+              <a:rPr lang="ko" altLang="en-US" dirty="0">
+                <a:solidFill>
+                  <a:schemeClr val="dk1"/>
+                </a:solidFill>
+                <a:ea typeface="맑은 고딕"/>
+              </a:rPr>
+              <a:t> </a:t>
+            </a:r>
+            <a:r>
+              <a:rPr lang="ko" dirty="0" err="1">
+                <a:solidFill>
+                  <a:schemeClr val="dk1"/>
+                </a:solidFill>
+                <a:ea typeface="맑은 고딕"/>
+              </a:rPr>
+              <a:t>비대면활동</a:t>
+            </a:r>
+            <a:r>
+              <a:rPr lang="ko" dirty="0">
+                <a:solidFill>
+                  <a:schemeClr val="dk1"/>
+                </a:solidFill>
+                <a:ea typeface="맑은 고딕"/>
+              </a:rPr>
+              <a:t> 수치를 비율로 만들어 62대 38이 나왔고 가구별 여가지출에 </a:t>
+            </a:r>
+            <a:r>
+              <a:rPr lang="ko" altLang="en-US" dirty="0">
+                <a:solidFill>
+                  <a:schemeClr val="dk1"/>
+                </a:solidFill>
+                <a:ea typeface="맑은 고딕"/>
+              </a:rPr>
+              <a:t>대입시켜 보니 </a:t>
+            </a:r>
+            <a:r>
+              <a:rPr lang="ko" dirty="0" err="1">
+                <a:solidFill>
+                  <a:schemeClr val="dk1"/>
+                </a:solidFill>
+                <a:ea typeface="맑은 고딕"/>
+              </a:rPr>
+              <a:t>비대면</a:t>
+            </a:r>
+            <a:r>
+              <a:rPr lang="ko" dirty="0">
+                <a:solidFill>
+                  <a:schemeClr val="dk1"/>
+                </a:solidFill>
+                <a:ea typeface="맑은 고딕"/>
+              </a:rPr>
+              <a:t> 여가생활을 걸러내도 1인가구의 여가생활 지출이 가장 큰 것을 </a:t>
+            </a:r>
+            <a:r>
+              <a:rPr lang="ko" altLang="en-US" dirty="0">
+                <a:solidFill>
+                  <a:schemeClr val="dk1"/>
+                </a:solidFill>
+                <a:ea typeface="맑은 고딕"/>
+              </a:rPr>
+              <a:t>알 수</a:t>
+            </a:r>
+            <a:r>
+              <a:rPr lang="ko" dirty="0">
+                <a:solidFill>
+                  <a:schemeClr val="dk1"/>
+                </a:solidFill>
+                <a:ea typeface="맑은 고딕"/>
+              </a:rPr>
+              <a:t> 있습니다.</a:t>
+            </a:r>
+            <a:endParaRPr lang="ko-KR" altLang="en-US" dirty="0">
+              <a:solidFill>
+                <a:schemeClr val="dk1"/>
+              </a:solidFill>
+              <a:ea typeface="맑은 고딕"/>
+              <a:cs typeface="Arial"/>
+            </a:endParaRPr>
+          </a:p>
+          <a:p>
+            <a:endParaRPr lang="ko" altLang="en-US" dirty="0">
+              <a:solidFill>
+                <a:schemeClr val="dk1"/>
+              </a:solidFill>
+              <a:ea typeface="맑은 고딕"/>
+            </a:endParaRPr>
+          </a:p>
+          <a:p>
+            <a:r>
+              <a:rPr lang="ko" dirty="0">
+                <a:solidFill>
+                  <a:schemeClr val="dk1"/>
+                </a:solidFill>
+                <a:ea typeface="맑은 고딕"/>
+              </a:rPr>
+              <a:t>고로 1인 가구가 여가생활을 많이 </a:t>
+            </a:r>
+            <a:r>
+              <a:rPr lang="ko" altLang="en-US" dirty="0">
+                <a:solidFill>
+                  <a:schemeClr val="dk1"/>
+                </a:solidFill>
+                <a:ea typeface="맑은 고딕"/>
+              </a:rPr>
+              <a:t>하기때문에  </a:t>
+            </a:r>
+            <a:r>
+              <a:rPr lang="ko" dirty="0">
+                <a:solidFill>
+                  <a:schemeClr val="dk1"/>
+                </a:solidFill>
+                <a:ea typeface="맑은 고딕"/>
+              </a:rPr>
+              <a:t>활동량이 커지면서 </a:t>
+            </a:r>
+            <a:r>
+              <a:rPr lang="ko" dirty="0" err="1">
+                <a:solidFill>
+                  <a:schemeClr val="dk1"/>
+                </a:solidFill>
+                <a:ea typeface="맑은 고딕"/>
+              </a:rPr>
+              <a:t>확진자</a:t>
+            </a:r>
+            <a:r>
+              <a:rPr lang="ko" dirty="0">
+                <a:solidFill>
+                  <a:schemeClr val="dk1"/>
+                </a:solidFill>
+                <a:ea typeface="맑은 고딕"/>
+              </a:rPr>
+              <a:t> 수에 영향을 주고있고 </a:t>
+            </a:r>
+            <a:endParaRPr lang="ko" altLang="en-US" dirty="0">
+              <a:solidFill>
+                <a:schemeClr val="dk1"/>
+              </a:solidFill>
+              <a:ea typeface="맑은 고딕"/>
+            </a:endParaRPr>
+          </a:p>
+          <a:p>
+            <a:r>
+              <a:rPr lang="ko" altLang="en-US" dirty="0">
+                <a:solidFill>
+                  <a:schemeClr val="dk1"/>
+                </a:solidFill>
+                <a:ea typeface="맑은 고딕"/>
+                <a:cs typeface="Arial"/>
+              </a:rPr>
+              <a:t>1인가구수중 가장 많은 20대가 전체 </a:t>
+            </a:r>
+            <a:r>
+              <a:rPr lang="ko" altLang="en-US" dirty="0" err="1">
+                <a:solidFill>
+                  <a:schemeClr val="dk1"/>
+                </a:solidFill>
+                <a:ea typeface="맑은 고딕"/>
+                <a:cs typeface="Arial"/>
+              </a:rPr>
+              <a:t>확진자에서</a:t>
+            </a:r>
+            <a:r>
+              <a:rPr lang="ko" altLang="en-US" dirty="0">
+                <a:solidFill>
+                  <a:schemeClr val="dk1"/>
+                </a:solidFill>
+                <a:ea typeface="맑은 고딕"/>
+                <a:cs typeface="Arial"/>
+              </a:rPr>
+              <a:t>  </a:t>
+            </a:r>
+            <a:r>
+              <a:rPr lang="ko" altLang="en-US" dirty="0" err="1">
+                <a:solidFill>
+                  <a:schemeClr val="dk1"/>
+                </a:solidFill>
+                <a:ea typeface="맑은 고딕"/>
+                <a:cs typeface="Arial"/>
+              </a:rPr>
+              <a:t>많이나온</a:t>
+            </a:r>
+            <a:r>
+              <a:rPr lang="ko" altLang="en-US" dirty="0">
+                <a:solidFill>
+                  <a:schemeClr val="dk1"/>
+                </a:solidFill>
+                <a:ea typeface="맑은 고딕"/>
+                <a:cs typeface="Arial"/>
+              </a:rPr>
+              <a:t> 이유로 생각됩니다.</a:t>
+            </a:r>
+          </a:p>
+        </p:txBody>
+      </p:sp>
+      <p:sp>
+        <p:nvSpPr>
+          <p:cNvPr id="2" name="화살표: 오른쪽 1">
+            <a:extLst>
+              <a:ext uri="{FF2B5EF4-FFF2-40B4-BE49-F238E27FC236}">
+                <a16:creationId xmlns:a16="http://schemas.microsoft.com/office/drawing/2014/main" id="{0F18CAA8-DC64-4FA2-A9E2-434E1D3DC4DC}"/>
+              </a:ext>
+            </a:extLst>
+          </p:cNvPr>
+          <p:cNvSpPr/>
+          <p:nvPr/>
+        </p:nvSpPr>
+        <p:spPr>
+          <a:xfrm>
+            <a:off x="3844670" y="2472308"/>
+            <a:ext cx="981075" cy="485775"/>
+          </a:xfrm>
+          <a:prstGeom prst="rightArrow">
+            <a:avLst/>
+          </a:prstGeom>
+        </p:spPr>
+        <p:style>
+          <a:lnRef idx="2">
+            <a:schemeClr val="accent1">
+              <a:shade val="50000"/>
+            </a:schemeClr>
+          </a:lnRef>
+          <a:fillRef idx="1">
+            <a:schemeClr val="accent1"/>
+          </a:fillRef>
+          <a:effectRef idx="0">
+            <a:schemeClr val="accent1"/>
+          </a:effectRef>
+          <a:fontRef idx="minor">
+            <a:schemeClr val="lt1"/>
+          </a:fontRef>
+        </p:style>
+        <p:txBody>
+          <a:bodyPr rtlCol="0" anchor="ctr"/>
+          <a:lstStyle/>
+          <a:p>
+            <a:pPr algn="ctr"/>
+            <a:endParaRPr lang="ko-KR" altLang="en-US"/>
+          </a:p>
+        </p:txBody>
+      </p:sp>
     </p:spTree>
     <p:extLst>
       <p:ext uri="{BB962C8B-B14F-4D97-AF65-F5344CB8AC3E}">
-        <p14:creationId xmlns:p14="http://schemas.microsoft.com/office/powerpoint/2010/main" val="274796521"/>
+        <p14:creationId xmlns:p14="http://schemas.microsoft.com/office/powerpoint/2010/main" val="2937932651"/>
       </p:ext>
     </p:extLst>
   </p:cSld>
@@ -16350,7 +22830,7 @@
   <p:cSld>
     <p:spTree>
       <p:nvGrpSpPr>
-        <p:cNvPr id="1" name=""/>
+        <p:cNvPr id="1" name="Shape 96"/>
         <p:cNvGrpSpPr/>
         <p:nvPr/>
       </p:nvGrpSpPr>
@@ -16362,70 +22842,166 @@
           <a:chExt cx="0" cy="0"/>
         </a:xfrm>
       </p:grpSpPr>
+      <p:sp>
+        <p:nvSpPr>
+          <p:cNvPr id="97" name="Google Shape;97;p19"/>
+          <p:cNvSpPr txBox="1"/>
+          <p:nvPr/>
+        </p:nvSpPr>
+        <p:spPr>
+          <a:xfrm>
+            <a:off x="1244000" y="378400"/>
+            <a:ext cx="4975200" cy="874000"/>
+          </a:xfrm>
+          <a:prstGeom prst="rect">
+            <a:avLst/>
+          </a:prstGeom>
+          <a:noFill/>
+          <a:ln>
+            <a:noFill/>
+          </a:ln>
+        </p:spPr>
+        <p:txBody>
+          <a:bodyPr spcFirstLastPara="1" wrap="square" lIns="121900" tIns="121900" rIns="121900" bIns="121900" anchor="t" anchorCtr="0">
+            <a:noAutofit/>
+          </a:bodyPr>
+          <a:lstStyle/>
+          <a:p>
+            <a:r>
+              <a:rPr lang="en-US" altLang="ko" sz="4000" b="1"/>
+              <a:t>4.</a:t>
+            </a:r>
+            <a:r>
+              <a:rPr lang="ko" altLang="en-US" sz="3100" b="1">
+                <a:solidFill>
+                  <a:schemeClr val="dk1"/>
+                </a:solidFill>
+                <a:latin typeface="Malgun Gothic"/>
+                <a:ea typeface="Malgun Gothic"/>
+                <a:cs typeface="Malgun Gothic"/>
+                <a:sym typeface="Malgun Gothic"/>
+              </a:rPr>
+              <a:t> 결론 </a:t>
+            </a:r>
+            <a:endParaRPr sz="3100" b="1">
+              <a:solidFill>
+                <a:schemeClr val="dk1"/>
+              </a:solidFill>
+              <a:latin typeface="Malgun Gothic"/>
+              <a:ea typeface="Malgun Gothic"/>
+              <a:cs typeface="Malgun Gothic"/>
+              <a:sym typeface="Malgun Gothic"/>
+            </a:endParaRPr>
+          </a:p>
+          <a:p>
+            <a:endParaRPr sz="4000" b="1"/>
+          </a:p>
+        </p:txBody>
+      </p:sp>
+      <p:sp>
+        <p:nvSpPr>
+          <p:cNvPr id="98" name="Google Shape;98;p19"/>
+          <p:cNvSpPr txBox="1"/>
+          <p:nvPr/>
+        </p:nvSpPr>
+        <p:spPr>
+          <a:xfrm>
+            <a:off x="1033900" y="1664300"/>
+            <a:ext cx="10623200" cy="4605600"/>
+          </a:xfrm>
+          <a:prstGeom prst="rect">
+            <a:avLst/>
+          </a:prstGeom>
+          <a:noFill/>
+          <a:ln>
+            <a:noFill/>
+          </a:ln>
+        </p:spPr>
+        <p:txBody>
+          <a:bodyPr spcFirstLastPara="1" wrap="square" lIns="121900" tIns="121900" rIns="121900" bIns="121900" anchor="t" anchorCtr="0">
+            <a:noAutofit/>
+          </a:bodyPr>
+          <a:lstStyle/>
+          <a:p>
+            <a:endParaRPr/>
+          </a:p>
+          <a:p>
+            <a:endParaRPr/>
+          </a:p>
+          <a:p>
+            <a:endParaRPr lang="ko" altLang="en-US" dirty="0">
+              <a:ea typeface="맑은 고딕"/>
+              <a:cs typeface="Arial"/>
+            </a:endParaRPr>
+          </a:p>
+          <a:p>
+            <a:endParaRPr/>
+          </a:p>
+          <a:p>
+            <a:endParaRPr/>
+          </a:p>
+          <a:p>
+            <a:r>
+              <a:rPr lang="ko" dirty="0">
+                <a:ea typeface="맑은 고딕"/>
+              </a:rPr>
+              <a:t>1인 가구가 코로나 주 전파원일 가능성이 </a:t>
+            </a:r>
+            <a:r>
+              <a:rPr lang="ko" altLang="en-US" dirty="0">
+                <a:ea typeface="맑은 고딕"/>
+              </a:rPr>
+              <a:t>크고 20대 1인가구가 가장 많음으로 전체 확진자 중 20대가 </a:t>
+            </a:r>
+            <a:r>
+              <a:rPr lang="ko" altLang="en-US">
+                <a:ea typeface="맑은 고딕"/>
+              </a:rPr>
+              <a:t>가장 많이 나왔다라고 유추해볼수 있었다.</a:t>
+            </a:r>
+            <a:endParaRPr lang="ko" altLang="en-US">
+              <a:ea typeface="맑은 고딕"/>
+              <a:cs typeface="Arial"/>
+            </a:endParaRPr>
+          </a:p>
+          <a:p>
+            <a:endParaRPr/>
+          </a:p>
+          <a:p>
+            <a:r>
+              <a:rPr lang="en-US" altLang="ko">
+                <a:ea typeface="맑은 고딕"/>
+              </a:rPr>
+              <a:t>-&gt;20대 1</a:t>
+            </a:r>
+            <a:r>
+              <a:rPr lang="ko">
+                <a:ea typeface="맑은 고딕"/>
+              </a:rPr>
+              <a:t>인가구가 많은 지역에 관심을 기울여야 한다.</a:t>
+            </a:r>
+            <a:endParaRPr>
+              <a:ea typeface="맑은 고딕"/>
+            </a:endParaRPr>
+          </a:p>
+          <a:p>
+            <a:endParaRPr/>
+          </a:p>
+          <a:p>
+            <a:endParaRPr/>
+          </a:p>
+          <a:p>
+            <a:endParaRPr/>
+          </a:p>
+          <a:p>
+            <a:endParaRPr/>
+          </a:p>
+        </p:txBody>
+      </p:sp>
     </p:spTree>
     <p:extLst>
       <p:ext uri="{BB962C8B-B14F-4D97-AF65-F5344CB8AC3E}">
-        <p14:creationId xmlns:p14="http://schemas.microsoft.com/office/powerpoint/2010/main" val="2317552132"/>
-      </p:ext>
-    </p:extLst>
-  </p:cSld>
-  <p:clrMapOvr>
-    <a:masterClrMapping/>
-  </p:clrMapOvr>
-</p:sld>
-</file>
-
-<file path=ppt/slides/slide28.xml><?xml version="1.0" encoding="utf-8"?>
-<p:sld xmlns:a="http://schemas.openxmlformats.org/drawingml/2006/main" xmlns:r="http://schemas.openxmlformats.org/officeDocument/2006/relationships" xmlns:p="http://schemas.openxmlformats.org/presentationml/2006/main">
-  <p:cSld>
-    <p:spTree>
-      <p:nvGrpSpPr>
-        <p:cNvPr id="1" name=""/>
-        <p:cNvGrpSpPr/>
-        <p:nvPr/>
-      </p:nvGrpSpPr>
-      <p:grpSpPr>
-        <a:xfrm>
-          <a:off x="0" y="0"/>
-          <a:ext cx="0" cy="0"/>
-          <a:chOff x="0" y="0"/>
-          <a:chExt cx="0" cy="0"/>
-        </a:xfrm>
-      </p:grpSpPr>
-    </p:spTree>
-    <p:extLst>
-      <p:ext uri="{BB962C8B-B14F-4D97-AF65-F5344CB8AC3E}">
-        <p14:creationId xmlns:p14="http://schemas.microsoft.com/office/powerpoint/2010/main" val="2990232565"/>
-      </p:ext>
-    </p:extLst>
-  </p:cSld>
-  <p:clrMapOvr>
-    <a:masterClrMapping/>
-  </p:clrMapOvr>
-</p:sld>
-</file>
-
-<file path=ppt/slides/slide29.xml><?xml version="1.0" encoding="utf-8"?>
-<p:sld xmlns:a="http://schemas.openxmlformats.org/drawingml/2006/main" xmlns:r="http://schemas.openxmlformats.org/officeDocument/2006/relationships" xmlns:p="http://schemas.openxmlformats.org/presentationml/2006/main">
-  <p:cSld>
-    <p:spTree>
-      <p:nvGrpSpPr>
-        <p:cNvPr id="1" name=""/>
-        <p:cNvGrpSpPr/>
-        <p:nvPr/>
-      </p:nvGrpSpPr>
-      <p:grpSpPr>
-        <a:xfrm>
-          <a:off x="0" y="0"/>
-          <a:ext cx="0" cy="0"/>
-          <a:chOff x="0" y="0"/>
-          <a:chExt cx="0" cy="0"/>
-        </a:xfrm>
-      </p:grpSpPr>
-    </p:spTree>
-    <p:extLst>
-      <p:ext uri="{BB962C8B-B14F-4D97-AF65-F5344CB8AC3E}">
-        <p14:creationId xmlns:p14="http://schemas.microsoft.com/office/powerpoint/2010/main" val="102270461"/>
+        <p14:creationId xmlns:p14="http://schemas.microsoft.com/office/powerpoint/2010/main" val="2941577260"/>
       </p:ext>
     </p:extLst>
   </p:cSld>
@@ -17335,2316 +23911,6 @@
     <p:extLst>
       <p:ext uri="{BB962C8B-B14F-4D97-AF65-F5344CB8AC3E}">
         <p14:creationId xmlns:p14="http://schemas.microsoft.com/office/powerpoint/2010/main" val="3306904243"/>
-      </p:ext>
-    </p:extLst>
-  </p:cSld>
-  <p:clrMapOvr>
-    <a:masterClrMapping/>
-  </p:clrMapOvr>
-</p:sld>
-</file>
-
-<file path=ppt/slides/slide30.xml><?xml version="1.0" encoding="utf-8"?>
-<p:sld xmlns:a="http://schemas.openxmlformats.org/drawingml/2006/main" xmlns:r="http://schemas.openxmlformats.org/officeDocument/2006/relationships" xmlns:p="http://schemas.openxmlformats.org/presentationml/2006/main">
-  <p:cSld>
-    <p:spTree>
-      <p:nvGrpSpPr>
-        <p:cNvPr id="1" name="Shape 53"/>
-        <p:cNvGrpSpPr/>
-        <p:nvPr/>
-      </p:nvGrpSpPr>
-      <p:grpSpPr>
-        <a:xfrm>
-          <a:off x="0" y="0"/>
-          <a:ext cx="0" cy="0"/>
-          <a:chOff x="0" y="0"/>
-          <a:chExt cx="0" cy="0"/>
-        </a:xfrm>
-      </p:grpSpPr>
-      <p:sp>
-        <p:nvSpPr>
-          <p:cNvPr id="54" name="Google Shape;54;p13"/>
-          <p:cNvSpPr txBox="1"/>
-          <p:nvPr/>
-        </p:nvSpPr>
-        <p:spPr>
-          <a:xfrm>
-            <a:off x="1134600" y="1891300"/>
-            <a:ext cx="9922800" cy="2782000"/>
-          </a:xfrm>
-          <a:prstGeom prst="rect">
-            <a:avLst/>
-          </a:prstGeom>
-          <a:noFill/>
-          <a:ln>
-            <a:noFill/>
-          </a:ln>
-        </p:spPr>
-        <p:txBody>
-          <a:bodyPr spcFirstLastPara="1" wrap="square" lIns="121900" tIns="121900" rIns="121900" bIns="121900" anchor="t" anchorCtr="0">
-            <a:noAutofit/>
-          </a:bodyPr>
-          <a:lstStyle/>
-          <a:p>
-            <a:endParaRPr/>
-          </a:p>
-          <a:p>
-            <a:r>
-              <a:rPr lang="en-US" altLang="ko" sz="3200" b="1" dirty="0">
-                <a:ea typeface="맑은 고딕"/>
-              </a:rPr>
-              <a:t>(</a:t>
-            </a:r>
-            <a:r>
-              <a:rPr lang="ko" altLang="en-US" sz="3200" b="1" dirty="0">
-                <a:ea typeface="맑은 고딕"/>
-              </a:rPr>
-              <a:t>가설</a:t>
-            </a:r>
-            <a:r>
-              <a:rPr lang="en-US" altLang="ko" sz="3200" b="1" dirty="0">
-                <a:ea typeface="맑은 고딕"/>
-              </a:rPr>
-              <a:t>)</a:t>
-            </a:r>
-            <a:endParaRPr sz="3200" b="1" dirty="0">
-              <a:ea typeface="맑은 고딕"/>
-            </a:endParaRPr>
-          </a:p>
-          <a:p>
-            <a:endParaRPr sz="3200"/>
-          </a:p>
-          <a:p>
-            <a:r>
-              <a:rPr lang="en-US" altLang="ko" sz="3200" b="1" dirty="0">
-                <a:ea typeface="맑은 고딕"/>
-              </a:rPr>
-              <a:t>1</a:t>
-            </a:r>
-            <a:r>
-              <a:rPr lang="ko" altLang="en-US" sz="3200" b="1" dirty="0">
-                <a:ea typeface="맑은 고딕"/>
-              </a:rPr>
-              <a:t>인 가구가 혼자 살기 때문에 부담과 책임감이 줄어 </a:t>
-            </a:r>
-            <a:endParaRPr lang="ko" sz="3200" b="1"/>
-          </a:p>
-          <a:p>
-            <a:endParaRPr lang="ko" sz="3200" b="1">
-              <a:cs typeface="Arial"/>
-            </a:endParaRPr>
-          </a:p>
-          <a:p>
-            <a:r>
-              <a:rPr lang="ko" altLang="en-US" sz="3200" b="1" dirty="0" err="1">
-                <a:ea typeface="맑은 고딕"/>
-              </a:rPr>
-              <a:t>확진자</a:t>
-            </a:r>
-            <a:r>
-              <a:rPr lang="ko" altLang="en-US" sz="3200" b="1" dirty="0">
-                <a:ea typeface="맑은 고딕"/>
-              </a:rPr>
-              <a:t> 수에 영향을 끼치지 않을까</a:t>
-            </a:r>
-            <a:r>
-              <a:rPr lang="en-US" altLang="ko" sz="3200" b="1" dirty="0">
-                <a:ea typeface="맑은 고딕"/>
-              </a:rPr>
-              <a:t>?</a:t>
-            </a:r>
-            <a:endParaRPr sz="3200" b="1" dirty="0">
-              <a:ea typeface="맑은 고딕"/>
-            </a:endParaRPr>
-          </a:p>
-          <a:p>
-            <a:endParaRPr/>
-          </a:p>
-          <a:p>
-            <a:endParaRPr/>
-          </a:p>
-          <a:p>
-            <a:endParaRPr/>
-          </a:p>
-          <a:p>
-            <a:endParaRPr/>
-          </a:p>
-          <a:p>
-            <a:endParaRPr/>
-          </a:p>
-          <a:p>
-            <a:endParaRPr/>
-          </a:p>
-          <a:p>
-            <a:endParaRPr/>
-          </a:p>
-          <a:p>
-            <a:endParaRPr/>
-          </a:p>
-          <a:p>
-            <a:r>
-              <a:rPr lang="ko" altLang="en-US" dirty="0">
-                <a:ea typeface="맑은 고딕"/>
-              </a:rPr>
-              <a:t>  </a:t>
-            </a:r>
-            <a:endParaRPr/>
-          </a:p>
-        </p:txBody>
-      </p:sp>
-    </p:spTree>
-    <p:extLst>
-      <p:ext uri="{BB962C8B-B14F-4D97-AF65-F5344CB8AC3E}">
-        <p14:creationId xmlns:p14="http://schemas.microsoft.com/office/powerpoint/2010/main" val="1787753460"/>
-      </p:ext>
-    </p:extLst>
-  </p:cSld>
-  <p:clrMapOvr>
-    <a:masterClrMapping/>
-  </p:clrMapOvr>
-</p:sld>
-</file>
-
-<file path=ppt/slides/slide31.xml><?xml version="1.0" encoding="utf-8"?>
-<p:sld xmlns:a="http://schemas.openxmlformats.org/drawingml/2006/main" xmlns:r="http://schemas.openxmlformats.org/officeDocument/2006/relationships" xmlns:p="http://schemas.openxmlformats.org/presentationml/2006/main">
-  <p:cSld>
-    <p:spTree>
-      <p:nvGrpSpPr>
-        <p:cNvPr id="1" name="Shape 58"/>
-        <p:cNvGrpSpPr/>
-        <p:nvPr/>
-      </p:nvGrpSpPr>
-      <p:grpSpPr>
-        <a:xfrm>
-          <a:off x="0" y="0"/>
-          <a:ext cx="0" cy="0"/>
-          <a:chOff x="0" y="0"/>
-          <a:chExt cx="0" cy="0"/>
-        </a:xfrm>
-      </p:grpSpPr>
-      <p:pic>
-        <p:nvPicPr>
-          <p:cNvPr id="59" name="Google Shape;59;p14"/>
-          <p:cNvPicPr preferRelativeResize="0"/>
-          <p:nvPr/>
-        </p:nvPicPr>
-        <p:blipFill rotWithShape="1">
-          <a:blip r:embed="rId3">
-            <a:alphaModFix/>
-          </a:blip>
-          <a:srcRect t="7790" b="-7789"/>
-          <a:stretch/>
-        </p:blipFill>
-        <p:spPr>
-          <a:xfrm>
-            <a:off x="159833" y="571500"/>
-            <a:ext cx="11951067" cy="5446267"/>
-          </a:xfrm>
-          <a:prstGeom prst="rect">
-            <a:avLst/>
-          </a:prstGeom>
-          <a:noFill/>
-          <a:ln>
-            <a:noFill/>
-          </a:ln>
-        </p:spPr>
-      </p:pic>
-      <p:sp>
-        <p:nvSpPr>
-          <p:cNvPr id="60" name="Google Shape;60;p14"/>
-          <p:cNvSpPr txBox="1"/>
-          <p:nvPr/>
-        </p:nvSpPr>
-        <p:spPr>
-          <a:xfrm>
-            <a:off x="1244000" y="378400"/>
-            <a:ext cx="4975200" cy="874000"/>
-          </a:xfrm>
-          <a:prstGeom prst="rect">
-            <a:avLst/>
-          </a:prstGeom>
-          <a:noFill/>
-          <a:ln>
-            <a:noFill/>
-          </a:ln>
-        </p:spPr>
-        <p:txBody>
-          <a:bodyPr spcFirstLastPara="1" wrap="square" lIns="121900" tIns="121900" rIns="121900" bIns="121900" anchor="t" anchorCtr="0">
-            <a:noAutofit/>
-          </a:bodyPr>
-          <a:lstStyle/>
-          <a:p>
-            <a:r>
-              <a:rPr lang="en-US" altLang="ko" sz="4000" b="1"/>
-              <a:t>2. </a:t>
-            </a:r>
-            <a:r>
-              <a:rPr lang="ko" altLang="en-US" sz="3100" b="1">
-                <a:solidFill>
-                  <a:schemeClr val="dk1"/>
-                </a:solidFill>
-                <a:latin typeface="Malgun Gothic"/>
-                <a:ea typeface="Malgun Gothic"/>
-                <a:cs typeface="Malgun Gothic"/>
-                <a:sym typeface="Malgun Gothic"/>
-              </a:rPr>
-              <a:t>연령대별 </a:t>
-            </a:r>
-            <a:r>
-              <a:rPr lang="en-US" altLang="ko" sz="3100" b="1">
-                <a:solidFill>
-                  <a:schemeClr val="dk1"/>
-                </a:solidFill>
-                <a:latin typeface="Malgun Gothic"/>
-                <a:ea typeface="Malgun Gothic"/>
-                <a:cs typeface="Malgun Gothic"/>
-                <a:sym typeface="Malgun Gothic"/>
-              </a:rPr>
-              <a:t>1</a:t>
-            </a:r>
-            <a:r>
-              <a:rPr lang="ko" altLang="en-US" sz="3100" b="1">
-                <a:solidFill>
-                  <a:schemeClr val="dk1"/>
-                </a:solidFill>
-                <a:latin typeface="Malgun Gothic"/>
-                <a:ea typeface="Malgun Gothic"/>
-                <a:cs typeface="Malgun Gothic"/>
-                <a:sym typeface="Malgun Gothic"/>
-              </a:rPr>
-              <a:t>인가구 분포 </a:t>
-            </a:r>
-            <a:endParaRPr sz="3100" b="1">
-              <a:solidFill>
-                <a:schemeClr val="dk1"/>
-              </a:solidFill>
-              <a:latin typeface="Malgun Gothic"/>
-              <a:ea typeface="Malgun Gothic"/>
-              <a:cs typeface="Malgun Gothic"/>
-              <a:sym typeface="Malgun Gothic"/>
-            </a:endParaRPr>
-          </a:p>
-          <a:p>
-            <a:endParaRPr sz="4000" b="1"/>
-          </a:p>
-        </p:txBody>
-      </p:sp>
-      <p:sp>
-        <p:nvSpPr>
-          <p:cNvPr id="61" name="Google Shape;61;p14"/>
-          <p:cNvSpPr txBox="1"/>
-          <p:nvPr/>
-        </p:nvSpPr>
-        <p:spPr>
-          <a:xfrm>
-            <a:off x="1126367" y="5084867"/>
-            <a:ext cx="10337600" cy="1328000"/>
-          </a:xfrm>
-          <a:prstGeom prst="rect">
-            <a:avLst/>
-          </a:prstGeom>
-          <a:noFill/>
-          <a:ln>
-            <a:noFill/>
-          </a:ln>
-        </p:spPr>
-        <p:txBody>
-          <a:bodyPr spcFirstLastPara="1" wrap="square" lIns="121900" tIns="121900" rIns="121900" bIns="121900" anchor="t" anchorCtr="0">
-            <a:noAutofit/>
-          </a:bodyPr>
-          <a:lstStyle/>
-          <a:p>
-            <a:r>
-              <a:rPr lang="ko"/>
-              <a:t>전국 평균과 주요 지역의 연령별 1인 가구 분포 데이터를 확인한 결과 20대 비율이 가장 높았고 </a:t>
-            </a:r>
-            <a:endParaRPr/>
-          </a:p>
-          <a:p>
-            <a:endParaRPr/>
-          </a:p>
-          <a:p>
-            <a:r>
-              <a:rPr lang="ko"/>
-              <a:t>확진자 그래프와 어느 정도 비례하는 특성을 알 수 있습니다.</a:t>
-            </a:r>
-            <a:endParaRPr/>
-          </a:p>
-          <a:p>
-            <a:endParaRPr/>
-          </a:p>
-          <a:p>
-            <a:endParaRPr/>
-          </a:p>
-          <a:p>
-            <a:endParaRPr/>
-          </a:p>
-          <a:p>
-            <a:endParaRPr/>
-          </a:p>
-        </p:txBody>
-      </p:sp>
-    </p:spTree>
-    <p:extLst>
-      <p:ext uri="{BB962C8B-B14F-4D97-AF65-F5344CB8AC3E}">
-        <p14:creationId xmlns:p14="http://schemas.microsoft.com/office/powerpoint/2010/main" val="1623046112"/>
-      </p:ext>
-    </p:extLst>
-  </p:cSld>
-  <p:clrMapOvr>
-    <a:masterClrMapping/>
-  </p:clrMapOvr>
-</p:sld>
-</file>
-
-<file path=ppt/slides/slide32.xml><?xml version="1.0" encoding="utf-8"?>
-<p:sld xmlns:a="http://schemas.openxmlformats.org/drawingml/2006/main" xmlns:r="http://schemas.openxmlformats.org/officeDocument/2006/relationships" xmlns:p="http://schemas.openxmlformats.org/presentationml/2006/main">
-  <p:cSld>
-    <p:spTree>
-      <p:nvGrpSpPr>
-        <p:cNvPr id="1" name="Shape 65"/>
-        <p:cNvGrpSpPr/>
-        <p:nvPr/>
-      </p:nvGrpSpPr>
-      <p:grpSpPr>
-        <a:xfrm>
-          <a:off x="0" y="0"/>
-          <a:ext cx="0" cy="0"/>
-          <a:chOff x="0" y="0"/>
-          <a:chExt cx="0" cy="0"/>
-        </a:xfrm>
-      </p:grpSpPr>
-      <p:pic>
-        <p:nvPicPr>
-          <p:cNvPr id="66" name="Google Shape;66;p15"/>
-          <p:cNvPicPr preferRelativeResize="0"/>
-          <p:nvPr/>
-        </p:nvPicPr>
-        <p:blipFill>
-          <a:blip r:embed="rId3">
-            <a:alphaModFix/>
-          </a:blip>
-          <a:stretch>
-            <a:fillRect/>
-          </a:stretch>
-        </p:blipFill>
-        <p:spPr>
-          <a:xfrm>
-            <a:off x="365733" y="273121"/>
-            <a:ext cx="11169467" cy="5715000"/>
-          </a:xfrm>
-          <a:prstGeom prst="rect">
-            <a:avLst/>
-          </a:prstGeom>
-          <a:noFill/>
-          <a:ln>
-            <a:noFill/>
-          </a:ln>
-        </p:spPr>
-      </p:pic>
-      <p:sp>
-        <p:nvSpPr>
-          <p:cNvPr id="67" name="Google Shape;67;p15"/>
-          <p:cNvSpPr txBox="1"/>
-          <p:nvPr/>
-        </p:nvSpPr>
-        <p:spPr>
-          <a:xfrm>
-            <a:off x="1244000" y="378400"/>
-            <a:ext cx="4975200" cy="874000"/>
-          </a:xfrm>
-          <a:prstGeom prst="rect">
-            <a:avLst/>
-          </a:prstGeom>
-          <a:noFill/>
-          <a:ln>
-            <a:noFill/>
-          </a:ln>
-        </p:spPr>
-        <p:txBody>
-          <a:bodyPr spcFirstLastPara="1" wrap="square" lIns="121900" tIns="121900" rIns="121900" bIns="121900" anchor="t" anchorCtr="0">
-            <a:noAutofit/>
-          </a:bodyPr>
-          <a:lstStyle/>
-          <a:p>
-            <a:r>
-              <a:rPr lang="en-US" altLang="ko" sz="4000" b="1"/>
-              <a:t>2. </a:t>
-            </a:r>
-            <a:r>
-              <a:rPr lang="ko" altLang="en-US" sz="3100" b="1">
-                <a:solidFill>
-                  <a:schemeClr val="dk1"/>
-                </a:solidFill>
-                <a:latin typeface="Malgun Gothic"/>
-                <a:ea typeface="Malgun Gothic"/>
-                <a:cs typeface="Malgun Gothic"/>
-                <a:sym typeface="Malgun Gothic"/>
-              </a:rPr>
-              <a:t>연령대별 </a:t>
-            </a:r>
-            <a:r>
-              <a:rPr lang="en-US" altLang="ko" sz="3100" b="1">
-                <a:solidFill>
-                  <a:schemeClr val="dk1"/>
-                </a:solidFill>
-                <a:latin typeface="Malgun Gothic"/>
-                <a:ea typeface="Malgun Gothic"/>
-                <a:cs typeface="Malgun Gothic"/>
-                <a:sym typeface="Malgun Gothic"/>
-              </a:rPr>
-              <a:t>1</a:t>
-            </a:r>
-            <a:r>
-              <a:rPr lang="ko" altLang="en-US" sz="3100" b="1">
-                <a:solidFill>
-                  <a:schemeClr val="dk1"/>
-                </a:solidFill>
-                <a:latin typeface="Malgun Gothic"/>
-                <a:ea typeface="Malgun Gothic"/>
-                <a:cs typeface="Malgun Gothic"/>
-                <a:sym typeface="Malgun Gothic"/>
-              </a:rPr>
-              <a:t>인가구 분포 </a:t>
-            </a:r>
-            <a:endParaRPr sz="3100" b="1">
-              <a:solidFill>
-                <a:schemeClr val="dk1"/>
-              </a:solidFill>
-              <a:latin typeface="Malgun Gothic"/>
-              <a:ea typeface="Malgun Gothic"/>
-              <a:cs typeface="Malgun Gothic"/>
-              <a:sym typeface="Malgun Gothic"/>
-            </a:endParaRPr>
-          </a:p>
-          <a:p>
-            <a:endParaRPr sz="4000" b="1"/>
-          </a:p>
-        </p:txBody>
-      </p:sp>
-      <p:sp>
-        <p:nvSpPr>
-          <p:cNvPr id="68" name="Google Shape;68;p15"/>
-          <p:cNvSpPr txBox="1"/>
-          <p:nvPr/>
-        </p:nvSpPr>
-        <p:spPr>
-          <a:xfrm>
-            <a:off x="1032700" y="5525133"/>
-            <a:ext cx="10695200" cy="1071200"/>
-          </a:xfrm>
-          <a:prstGeom prst="rect">
-            <a:avLst/>
-          </a:prstGeom>
-          <a:noFill/>
-          <a:ln>
-            <a:noFill/>
-          </a:ln>
-        </p:spPr>
-        <p:txBody>
-          <a:bodyPr spcFirstLastPara="1" wrap="square" lIns="121900" tIns="121900" rIns="121900" bIns="121900" anchor="t" anchorCtr="0">
-            <a:noAutofit/>
-          </a:bodyPr>
-          <a:lstStyle/>
-          <a:p>
-            <a:r>
-              <a:rPr lang="ko" dirty="0">
-                <a:ea typeface="+mn-lt"/>
-                <a:cs typeface="+mn-lt"/>
-              </a:rPr>
-              <a:t>왜</a:t>
-            </a:r>
-            <a:r>
-              <a:rPr lang="ko" altLang="en-US" dirty="0">
-                <a:ea typeface="+mn-lt"/>
-                <a:cs typeface="+mn-lt"/>
-              </a:rPr>
-              <a:t> </a:t>
-            </a:r>
-            <a:r>
-              <a:rPr lang="ko" dirty="0">
-                <a:ea typeface="+mn-lt"/>
-                <a:cs typeface="+mn-lt"/>
-              </a:rPr>
-              <a:t>1</a:t>
-            </a:r>
-            <a:r>
-              <a:rPr lang="ko" altLang="en-US" dirty="0">
-                <a:ea typeface="+mn-lt"/>
-                <a:cs typeface="+mn-lt"/>
-              </a:rPr>
-              <a:t>인 가구와 </a:t>
-            </a:r>
-            <a:r>
-              <a:rPr lang="ko" dirty="0" err="1">
-                <a:ea typeface="+mn-lt"/>
-                <a:cs typeface="+mn-lt"/>
-              </a:rPr>
-              <a:t>확진자가</a:t>
-            </a:r>
-            <a:r>
-              <a:rPr lang="ko" altLang="en-US" dirty="0">
-                <a:ea typeface="+mn-lt"/>
-                <a:cs typeface="+mn-lt"/>
-              </a:rPr>
-              <a:t> 비례하지는 지</a:t>
-            </a:r>
-            <a:r>
-              <a:rPr lang="ko" dirty="0">
-                <a:ea typeface="+mn-lt"/>
-                <a:cs typeface="+mn-lt"/>
-              </a:rPr>
-              <a:t> 생각해보니</a:t>
-            </a:r>
-            <a:r>
-              <a:rPr lang="ko" altLang="en-US" dirty="0">
-                <a:ea typeface="+mn-lt"/>
-                <a:cs typeface="+mn-lt"/>
-              </a:rPr>
-              <a:t> </a:t>
-            </a:r>
-            <a:r>
-              <a:rPr lang="ko" dirty="0">
-                <a:ea typeface="+mn-lt"/>
-                <a:cs typeface="+mn-lt"/>
-              </a:rPr>
-              <a:t>1인 가구 중 </a:t>
-            </a:r>
-            <a:r>
-              <a:rPr lang="ko" dirty="0" err="1">
-                <a:ea typeface="+mn-lt"/>
-                <a:cs typeface="+mn-lt"/>
-              </a:rPr>
-              <a:t>확진자가</a:t>
-            </a:r>
-            <a:r>
-              <a:rPr lang="ko" dirty="0">
-                <a:ea typeface="+mn-lt"/>
-                <a:cs typeface="+mn-lt"/>
-              </a:rPr>
-              <a:t> </a:t>
-            </a:r>
-            <a:r>
-              <a:rPr lang="ko" dirty="0" err="1">
-                <a:ea typeface="+mn-lt"/>
-                <a:cs typeface="+mn-lt"/>
-              </a:rPr>
-              <a:t>많아서라고</a:t>
-            </a:r>
-            <a:r>
-              <a:rPr lang="ko" dirty="0">
-                <a:ea typeface="+mn-lt"/>
-                <a:cs typeface="+mn-lt"/>
-              </a:rPr>
-              <a:t> 생각합니다. </a:t>
-            </a:r>
-            <a:br>
-              <a:rPr lang="ko" dirty="0">
-                <a:ea typeface="+mn-lt"/>
-                <a:cs typeface="+mn-lt"/>
-              </a:rPr>
-            </a:br>
-            <a:br>
-              <a:rPr lang="ko" dirty="0">
-                <a:ea typeface="+mn-lt"/>
-                <a:cs typeface="+mn-lt"/>
-              </a:rPr>
-            </a:br>
-            <a:r>
-              <a:rPr lang="ko" dirty="0">
-                <a:ea typeface="+mn-lt"/>
-                <a:cs typeface="+mn-lt"/>
-              </a:rPr>
-              <a:t>왜</a:t>
-            </a:r>
-            <a:r>
-              <a:rPr lang="ko" altLang="en-US" dirty="0">
-                <a:ea typeface="+mn-lt"/>
-                <a:cs typeface="+mn-lt"/>
-              </a:rPr>
-              <a:t> </a:t>
-            </a:r>
-            <a:r>
-              <a:rPr lang="ko" dirty="0">
-                <a:ea typeface="+mn-lt"/>
-                <a:cs typeface="+mn-lt"/>
-              </a:rPr>
-              <a:t>1</a:t>
-            </a:r>
-            <a:r>
-              <a:rPr lang="ko" altLang="en-US" dirty="0">
-                <a:ea typeface="+mn-lt"/>
-                <a:cs typeface="+mn-lt"/>
-              </a:rPr>
-              <a:t>인 가구 </a:t>
-            </a:r>
-            <a:r>
-              <a:rPr lang="ko" dirty="0" err="1">
-                <a:ea typeface="+mn-lt"/>
-                <a:cs typeface="+mn-lt"/>
-              </a:rPr>
-              <a:t>확진자가</a:t>
-            </a:r>
-            <a:r>
-              <a:rPr lang="ko" dirty="0">
-                <a:ea typeface="+mn-lt"/>
-                <a:cs typeface="+mn-lt"/>
-              </a:rPr>
-              <a:t> </a:t>
-            </a:r>
-            <a:r>
-              <a:rPr lang="ko" dirty="0" err="1">
-                <a:ea typeface="+mn-lt"/>
-                <a:cs typeface="+mn-lt"/>
-              </a:rPr>
-              <a:t>많은지</a:t>
-            </a:r>
-            <a:r>
-              <a:rPr lang="ko" dirty="0">
-                <a:ea typeface="+mn-lt"/>
-                <a:cs typeface="+mn-lt"/>
-              </a:rPr>
-              <a:t> 알아보기 위해</a:t>
-            </a:r>
-            <a:r>
-              <a:rPr lang="ko" altLang="en-US" dirty="0">
-                <a:ea typeface="+mn-lt"/>
-                <a:cs typeface="+mn-lt"/>
-              </a:rPr>
-              <a:t> </a:t>
-            </a:r>
-            <a:r>
-              <a:rPr lang="ko" dirty="0">
-                <a:ea typeface="+mn-lt"/>
-                <a:cs typeface="+mn-lt"/>
-              </a:rPr>
-              <a:t>1</a:t>
-            </a:r>
-            <a:r>
-              <a:rPr lang="ko" altLang="en-US" dirty="0">
-                <a:ea typeface="+mn-lt"/>
-                <a:cs typeface="+mn-lt"/>
-              </a:rPr>
-              <a:t>인 가구 특성 중 </a:t>
-            </a:r>
-            <a:r>
-              <a:rPr lang="ko" dirty="0">
-                <a:ea typeface="+mn-lt"/>
-                <a:cs typeface="+mn-lt"/>
-              </a:rPr>
-              <a:t>여가활동 지출을 보면</a:t>
-            </a:r>
-            <a:r>
-              <a:rPr lang="ko" altLang="en-US" dirty="0">
-                <a:ea typeface="+mn-lt"/>
-                <a:cs typeface="+mn-lt"/>
-              </a:rPr>
-              <a:t> </a:t>
-            </a:r>
-            <a:endParaRPr lang="ko-KR" altLang="en-US"/>
-          </a:p>
-        </p:txBody>
-      </p:sp>
-    </p:spTree>
-    <p:extLst>
-      <p:ext uri="{BB962C8B-B14F-4D97-AF65-F5344CB8AC3E}">
-        <p14:creationId xmlns:p14="http://schemas.microsoft.com/office/powerpoint/2010/main" val="377664956"/>
-      </p:ext>
-    </p:extLst>
-  </p:cSld>
-  <p:clrMapOvr>
-    <a:masterClrMapping/>
-  </p:clrMapOvr>
-</p:sld>
-</file>
-
-<file path=ppt/slides/slide33.xml><?xml version="1.0" encoding="utf-8"?>
-<p:sld xmlns:a="http://schemas.openxmlformats.org/drawingml/2006/main" xmlns:r="http://schemas.openxmlformats.org/officeDocument/2006/relationships" xmlns:p="http://schemas.openxmlformats.org/presentationml/2006/main">
-  <p:cSld>
-    <p:spTree>
-      <p:nvGrpSpPr>
-        <p:cNvPr id="1" name="Shape 72"/>
-        <p:cNvGrpSpPr/>
-        <p:nvPr/>
-      </p:nvGrpSpPr>
-      <p:grpSpPr>
-        <a:xfrm>
-          <a:off x="0" y="0"/>
-          <a:ext cx="0" cy="0"/>
-          <a:chOff x="0" y="0"/>
-          <a:chExt cx="0" cy="0"/>
-        </a:xfrm>
-      </p:grpSpPr>
-      <p:pic>
-        <p:nvPicPr>
-          <p:cNvPr id="73" name="Google Shape;73;p16"/>
-          <p:cNvPicPr preferRelativeResize="0"/>
-          <p:nvPr/>
-        </p:nvPicPr>
-        <p:blipFill>
-          <a:blip r:embed="rId3">
-            <a:alphaModFix/>
-          </a:blip>
-          <a:stretch>
-            <a:fillRect/>
-          </a:stretch>
-        </p:blipFill>
-        <p:spPr>
-          <a:xfrm>
-            <a:off x="201700" y="869033"/>
-            <a:ext cx="7622968" cy="5715000"/>
-          </a:xfrm>
-          <a:prstGeom prst="rect">
-            <a:avLst/>
-          </a:prstGeom>
-          <a:noFill/>
-          <a:ln>
-            <a:noFill/>
-          </a:ln>
-        </p:spPr>
-      </p:pic>
-      <p:sp>
-        <p:nvSpPr>
-          <p:cNvPr id="74" name="Google Shape;74;p16"/>
-          <p:cNvSpPr txBox="1"/>
-          <p:nvPr/>
-        </p:nvSpPr>
-        <p:spPr>
-          <a:xfrm>
-            <a:off x="1244000" y="378400"/>
-            <a:ext cx="4975200" cy="874000"/>
-          </a:xfrm>
-          <a:prstGeom prst="rect">
-            <a:avLst/>
-          </a:prstGeom>
-          <a:noFill/>
-          <a:ln>
-            <a:noFill/>
-          </a:ln>
-        </p:spPr>
-        <p:txBody>
-          <a:bodyPr spcFirstLastPara="1" wrap="square" lIns="121900" tIns="121900" rIns="121900" bIns="121900" anchor="t" anchorCtr="0">
-            <a:noAutofit/>
-          </a:bodyPr>
-          <a:lstStyle/>
-          <a:p>
-            <a:r>
-              <a:rPr lang="en-US" altLang="ko" sz="4000" b="1"/>
-              <a:t>3.</a:t>
-            </a:r>
-            <a:r>
-              <a:rPr lang="ko" altLang="en-US" sz="3100" b="1">
-                <a:solidFill>
-                  <a:schemeClr val="dk1"/>
-                </a:solidFill>
-                <a:latin typeface="Malgun Gothic"/>
-                <a:ea typeface="Malgun Gothic"/>
-                <a:cs typeface="Malgun Gothic"/>
-                <a:sym typeface="Malgun Gothic"/>
-              </a:rPr>
-              <a:t> 특성 </a:t>
-            </a:r>
-            <a:endParaRPr sz="3100" b="1">
-              <a:solidFill>
-                <a:schemeClr val="dk1"/>
-              </a:solidFill>
-              <a:latin typeface="Malgun Gothic"/>
-              <a:ea typeface="Malgun Gothic"/>
-              <a:cs typeface="Malgun Gothic"/>
-              <a:sym typeface="Malgun Gothic"/>
-            </a:endParaRPr>
-          </a:p>
-          <a:p>
-            <a:endParaRPr sz="4000" b="1"/>
-          </a:p>
-        </p:txBody>
-      </p:sp>
-      <p:sp>
-        <p:nvSpPr>
-          <p:cNvPr id="75" name="Google Shape;75;p16"/>
-          <p:cNvSpPr txBox="1"/>
-          <p:nvPr/>
-        </p:nvSpPr>
-        <p:spPr>
-          <a:xfrm>
-            <a:off x="966667" y="1319700"/>
-            <a:ext cx="1412000" cy="310800"/>
-          </a:xfrm>
-          <a:prstGeom prst="rect">
-            <a:avLst/>
-          </a:prstGeom>
-          <a:noFill/>
-          <a:ln>
-            <a:noFill/>
-          </a:ln>
-        </p:spPr>
-        <p:txBody>
-          <a:bodyPr spcFirstLastPara="1" wrap="square" lIns="121900" tIns="121900" rIns="121900" bIns="121900" anchor="t" anchorCtr="0">
-            <a:noAutofit/>
-          </a:bodyPr>
-          <a:lstStyle/>
-          <a:p>
-            <a:endParaRPr/>
-          </a:p>
-        </p:txBody>
-      </p:sp>
-      <p:sp>
-        <p:nvSpPr>
-          <p:cNvPr id="76" name="Google Shape;76;p16"/>
-          <p:cNvSpPr txBox="1"/>
-          <p:nvPr/>
-        </p:nvSpPr>
-        <p:spPr>
-          <a:xfrm>
-            <a:off x="1151533" y="1409600"/>
-            <a:ext cx="1857200" cy="605200"/>
-          </a:xfrm>
-          <a:prstGeom prst="rect">
-            <a:avLst/>
-          </a:prstGeom>
-          <a:noFill/>
-          <a:ln>
-            <a:noFill/>
-          </a:ln>
-        </p:spPr>
-        <p:txBody>
-          <a:bodyPr spcFirstLastPara="1" wrap="square" lIns="121900" tIns="121900" rIns="121900" bIns="121900" anchor="t" anchorCtr="0">
-            <a:noAutofit/>
-          </a:bodyPr>
-          <a:lstStyle/>
-          <a:p>
-            <a:r>
-              <a:rPr lang="ko"/>
-              <a:t>여가 지출 비용</a:t>
-            </a:r>
-            <a:endParaRPr/>
-          </a:p>
-        </p:txBody>
-      </p:sp>
-      <p:sp>
-        <p:nvSpPr>
-          <p:cNvPr id="77" name="Google Shape;77;p16"/>
-          <p:cNvSpPr txBox="1"/>
-          <p:nvPr/>
-        </p:nvSpPr>
-        <p:spPr>
-          <a:xfrm>
-            <a:off x="7051433" y="2345067"/>
-            <a:ext cx="4975200" cy="2908000"/>
-          </a:xfrm>
-          <a:prstGeom prst="rect">
-            <a:avLst/>
-          </a:prstGeom>
-          <a:noFill/>
-          <a:ln>
-            <a:noFill/>
-          </a:ln>
-        </p:spPr>
-        <p:txBody>
-          <a:bodyPr spcFirstLastPara="1" wrap="square" lIns="121900" tIns="121900" rIns="121900" bIns="121900" anchor="t" anchorCtr="0">
-            <a:noAutofit/>
-          </a:bodyPr>
-          <a:lstStyle/>
-          <a:p>
-            <a:endParaRPr/>
-          </a:p>
-          <a:p>
-            <a:endParaRPr/>
-          </a:p>
-          <a:p>
-            <a:r>
-              <a:rPr lang="ko" dirty="0">
-                <a:ea typeface="+mn-lt"/>
-                <a:cs typeface="+mn-lt"/>
-              </a:rPr>
-              <a:t>1인 가구가 가구 원당 여가 지출 비용이 가장 </a:t>
-            </a:r>
-            <a:br>
-              <a:rPr lang="ko" dirty="0">
-                <a:ea typeface="+mn-lt"/>
-                <a:cs typeface="+mn-lt"/>
-              </a:rPr>
-            </a:br>
-            <a:r>
-              <a:rPr lang="ko" dirty="0">
-                <a:ea typeface="+mn-lt"/>
-                <a:cs typeface="+mn-lt"/>
-              </a:rPr>
-              <a:t>큰 것을 알 수 있습니다.</a:t>
-            </a:r>
-            <a:r>
-              <a:rPr lang="ko" altLang="en-US" dirty="0">
-                <a:ea typeface="+mn-lt"/>
-                <a:cs typeface="+mn-lt"/>
-              </a:rPr>
-              <a:t> </a:t>
-            </a:r>
-            <a:br>
-              <a:rPr lang="ko" altLang="en-US" dirty="0">
-                <a:ea typeface="+mn-lt"/>
-                <a:cs typeface="+mn-lt"/>
-              </a:rPr>
-            </a:br>
-            <a:br>
-              <a:rPr lang="ko" altLang="en-US" dirty="0">
-                <a:ea typeface="+mn-lt"/>
-                <a:cs typeface="+mn-lt"/>
-              </a:rPr>
-            </a:br>
-            <a:r>
-              <a:rPr lang="ko" altLang="en-US" dirty="0">
-                <a:ea typeface="+mn-lt"/>
-                <a:cs typeface="+mn-lt"/>
-              </a:rPr>
-              <a:t> </a:t>
-            </a:r>
-            <a:br>
-              <a:rPr lang="ko" altLang="en-US" dirty="0">
-                <a:ea typeface="+mn-lt"/>
-                <a:cs typeface="+mn-lt"/>
-              </a:rPr>
-            </a:br>
-            <a:br>
-              <a:rPr lang="ko" altLang="en-US" dirty="0">
-                <a:ea typeface="+mn-lt"/>
-                <a:cs typeface="+mn-lt"/>
-              </a:rPr>
-            </a:br>
-            <a:r>
-              <a:rPr lang="ko" altLang="en-US" dirty="0">
-                <a:ea typeface="+mn-lt"/>
-                <a:cs typeface="+mn-lt"/>
-              </a:rPr>
-              <a:t>여가 지출 비용에 </a:t>
-            </a:r>
-            <a:r>
-              <a:rPr lang="ko" altLang="en-US" dirty="0" err="1">
-                <a:ea typeface="+mn-lt"/>
-                <a:cs typeface="+mn-lt"/>
-              </a:rPr>
-              <a:t>비대면</a:t>
-            </a:r>
-            <a:r>
-              <a:rPr lang="ko" altLang="en-US" dirty="0">
-                <a:ea typeface="+mn-lt"/>
-                <a:cs typeface="+mn-lt"/>
-              </a:rPr>
-              <a:t> 활동도 포함됩니다.  </a:t>
-            </a:r>
-            <a:r>
-              <a:rPr lang="ko" altLang="en-US" dirty="0" err="1">
-                <a:ea typeface="+mn-lt"/>
-                <a:cs typeface="+mn-lt"/>
-              </a:rPr>
-              <a:t>비대면</a:t>
-            </a:r>
-            <a:r>
-              <a:rPr lang="ko" altLang="en-US" dirty="0">
-                <a:ea typeface="+mn-lt"/>
-                <a:cs typeface="+mn-lt"/>
-              </a:rPr>
-              <a:t> 활동을 걸러낸 수치를 만들기 위해 여가활동 분포를 보겠습니다.</a:t>
-            </a:r>
-            <a:endParaRPr lang="en-US" altLang="ko" dirty="0">
-              <a:ea typeface="+mn-lt"/>
-              <a:cs typeface="+mn-lt"/>
-            </a:endParaRPr>
-          </a:p>
-        </p:txBody>
-      </p:sp>
-    </p:spTree>
-    <p:extLst>
-      <p:ext uri="{BB962C8B-B14F-4D97-AF65-F5344CB8AC3E}">
-        <p14:creationId xmlns:p14="http://schemas.microsoft.com/office/powerpoint/2010/main" val="3355724664"/>
-      </p:ext>
-    </p:extLst>
-  </p:cSld>
-  <p:clrMapOvr>
-    <a:masterClrMapping/>
-  </p:clrMapOvr>
-</p:sld>
-</file>
-
-<file path=ppt/slides/slide34.xml><?xml version="1.0" encoding="utf-8"?>
-<p:sld xmlns:a="http://schemas.openxmlformats.org/drawingml/2006/main" xmlns:r="http://schemas.openxmlformats.org/officeDocument/2006/relationships" xmlns:p="http://schemas.openxmlformats.org/presentationml/2006/main">
-  <p:cSld>
-    <p:spTree>
-      <p:nvGrpSpPr>
-        <p:cNvPr id="1" name="Shape 81"/>
-        <p:cNvGrpSpPr/>
-        <p:nvPr/>
-      </p:nvGrpSpPr>
-      <p:grpSpPr>
-        <a:xfrm>
-          <a:off x="0" y="0"/>
-          <a:ext cx="0" cy="0"/>
-          <a:chOff x="0" y="0"/>
-          <a:chExt cx="0" cy="0"/>
-        </a:xfrm>
-      </p:grpSpPr>
-      <p:pic>
-        <p:nvPicPr>
-          <p:cNvPr id="82" name="Google Shape;82;p17"/>
-          <p:cNvPicPr preferRelativeResize="0"/>
-          <p:nvPr/>
-        </p:nvPicPr>
-        <p:blipFill rotWithShape="1">
-          <a:blip r:embed="rId3">
-            <a:alphaModFix/>
-          </a:blip>
-          <a:srcRect l="1830" t="-970" r="-1829" b="970"/>
-          <a:stretch/>
-        </p:blipFill>
-        <p:spPr>
-          <a:xfrm>
-            <a:off x="479234" y="674001"/>
-            <a:ext cx="11497233" cy="4326833"/>
-          </a:xfrm>
-          <a:prstGeom prst="rect">
-            <a:avLst/>
-          </a:prstGeom>
-          <a:noFill/>
-          <a:ln>
-            <a:noFill/>
-          </a:ln>
-        </p:spPr>
-      </p:pic>
-      <p:sp>
-        <p:nvSpPr>
-          <p:cNvPr id="83" name="Google Shape;83;p17"/>
-          <p:cNvSpPr txBox="1"/>
-          <p:nvPr/>
-        </p:nvSpPr>
-        <p:spPr>
-          <a:xfrm>
-            <a:off x="1244000" y="378400"/>
-            <a:ext cx="4975200" cy="874000"/>
-          </a:xfrm>
-          <a:prstGeom prst="rect">
-            <a:avLst/>
-          </a:prstGeom>
-          <a:noFill/>
-          <a:ln>
-            <a:noFill/>
-          </a:ln>
-        </p:spPr>
-        <p:txBody>
-          <a:bodyPr spcFirstLastPara="1" wrap="square" lIns="121900" tIns="121900" rIns="121900" bIns="121900" anchor="t" anchorCtr="0">
-            <a:noAutofit/>
-          </a:bodyPr>
-          <a:lstStyle/>
-          <a:p>
-            <a:r>
-              <a:rPr lang="en-US" altLang="ko" sz="4000" b="1"/>
-              <a:t>3.</a:t>
-            </a:r>
-            <a:r>
-              <a:rPr lang="ko" altLang="en-US" sz="3100" b="1">
-                <a:solidFill>
-                  <a:schemeClr val="dk1"/>
-                </a:solidFill>
-                <a:latin typeface="Malgun Gothic"/>
-                <a:ea typeface="Malgun Gothic"/>
-                <a:cs typeface="Malgun Gothic"/>
-                <a:sym typeface="Malgun Gothic"/>
-              </a:rPr>
-              <a:t> 특성 </a:t>
-            </a:r>
-            <a:endParaRPr sz="3100" b="1">
-              <a:solidFill>
-                <a:schemeClr val="dk1"/>
-              </a:solidFill>
-              <a:latin typeface="Malgun Gothic"/>
-              <a:ea typeface="Malgun Gothic"/>
-              <a:cs typeface="Malgun Gothic"/>
-              <a:sym typeface="Malgun Gothic"/>
-            </a:endParaRPr>
-          </a:p>
-          <a:p>
-            <a:endParaRPr sz="4000" b="1"/>
-          </a:p>
-        </p:txBody>
-      </p:sp>
-      <p:sp>
-        <p:nvSpPr>
-          <p:cNvPr id="84" name="Google Shape;84;p17"/>
-          <p:cNvSpPr txBox="1"/>
-          <p:nvPr/>
-        </p:nvSpPr>
-        <p:spPr>
-          <a:xfrm>
-            <a:off x="622100" y="5110100"/>
-            <a:ext cx="11463600" cy="1630400"/>
-          </a:xfrm>
-          <a:prstGeom prst="rect">
-            <a:avLst/>
-          </a:prstGeom>
-          <a:noFill/>
-          <a:ln>
-            <a:noFill/>
-          </a:ln>
-        </p:spPr>
-        <p:txBody>
-          <a:bodyPr spcFirstLastPara="1" wrap="square" lIns="121900" tIns="121900" rIns="121900" bIns="121900" anchor="t" anchorCtr="0">
-            <a:noAutofit/>
-          </a:bodyPr>
-          <a:lstStyle/>
-          <a:p>
-            <a:r>
-              <a:rPr lang="ko" altLang="en-US" sz="2000" dirty="0">
-                <a:ea typeface="맑은 고딕"/>
-              </a:rPr>
-              <a:t>여가활동 분포도를 본 결과</a:t>
-            </a:r>
-            <a:endParaRPr sz="2000" dirty="0">
-              <a:ea typeface="맑은 고딕"/>
-            </a:endParaRPr>
-          </a:p>
-          <a:p>
-            <a:r>
-              <a:rPr lang="ko" altLang="en-US" sz="2000" dirty="0" err="1">
-                <a:solidFill>
-                  <a:schemeClr val="dk1"/>
-                </a:solidFill>
-                <a:ea typeface="맑은 고딕"/>
-              </a:rPr>
-              <a:t>비대면</a:t>
-            </a:r>
-            <a:r>
-              <a:rPr lang="ko" altLang="en-US" sz="2000" dirty="0">
-                <a:solidFill>
-                  <a:schemeClr val="dk1"/>
-                </a:solidFill>
-                <a:ea typeface="맑은 고딕"/>
-              </a:rPr>
-              <a:t> 활동</a:t>
-            </a:r>
-            <a:endParaRPr sz="2000" dirty="0">
-              <a:solidFill>
-                <a:schemeClr val="dk1"/>
-              </a:solidFill>
-              <a:ea typeface="맑은 고딕"/>
-            </a:endParaRPr>
-          </a:p>
-          <a:p>
-            <a:pPr>
-              <a:buClr>
-                <a:schemeClr val="dk1"/>
-              </a:buClr>
-              <a:buSzPts val="1100"/>
-            </a:pPr>
-            <a:r>
-              <a:rPr lang="ko" altLang="en-US" sz="1600" dirty="0">
-                <a:solidFill>
-                  <a:schemeClr val="dk1"/>
-                </a:solidFill>
-                <a:ea typeface="맑은 고딕"/>
-              </a:rPr>
-              <a:t> </a:t>
-            </a:r>
-            <a:r>
-              <a:rPr lang="en-US" altLang="ko" sz="1300" dirty="0">
-                <a:solidFill>
-                  <a:schemeClr val="dk1"/>
-                </a:solidFill>
-                <a:ea typeface="맑은 고딕"/>
-              </a:rPr>
-              <a:t>'</a:t>
-            </a:r>
-            <a:r>
-              <a:rPr lang="ko" altLang="en-US" sz="1300" dirty="0">
-                <a:solidFill>
-                  <a:schemeClr val="dk1"/>
-                </a:solidFill>
-                <a:ea typeface="맑은 고딕"/>
-              </a:rPr>
-              <a:t>인터넷검색</a:t>
-            </a:r>
-            <a:r>
-              <a:rPr lang="en-US" altLang="ko" sz="1300" dirty="0">
-                <a:solidFill>
-                  <a:schemeClr val="dk1"/>
-                </a:solidFill>
-                <a:ea typeface="맑은 고딕"/>
-              </a:rPr>
-              <a:t>/</a:t>
-            </a:r>
-            <a:r>
-              <a:rPr lang="ko" altLang="en-US" sz="1300" dirty="0">
-                <a:solidFill>
-                  <a:schemeClr val="dk1"/>
-                </a:solidFill>
-                <a:ea typeface="맑은 고딕"/>
-              </a:rPr>
-              <a:t>채팅</a:t>
-            </a:r>
-            <a:r>
-              <a:rPr lang="en-US" altLang="ko" sz="1300" dirty="0">
-                <a:solidFill>
-                  <a:schemeClr val="dk1"/>
-                </a:solidFill>
-                <a:ea typeface="맑은 고딕"/>
-              </a:rPr>
-              <a:t>/1</a:t>
-            </a:r>
-            <a:r>
-              <a:rPr lang="ko" altLang="en-US" sz="1300" dirty="0">
-                <a:solidFill>
-                  <a:schemeClr val="dk1"/>
-                </a:solidFill>
-                <a:ea typeface="맑은 고딕"/>
-              </a:rPr>
-              <a:t>인 미디어 제작</a:t>
-            </a:r>
-            <a:r>
-              <a:rPr lang="en-US" altLang="ko" sz="1300" dirty="0">
-                <a:solidFill>
-                  <a:schemeClr val="dk1"/>
-                </a:solidFill>
-                <a:ea typeface="맑은 고딕"/>
-              </a:rPr>
-              <a:t>/SNS', '</a:t>
-            </a:r>
-            <a:r>
-              <a:rPr lang="ko" altLang="en-US" sz="1300" dirty="0">
-                <a:solidFill>
-                  <a:schemeClr val="dk1"/>
-                </a:solidFill>
-                <a:ea typeface="맑은 고딕"/>
-              </a:rPr>
-              <a:t>게임</a:t>
-            </a:r>
-            <a:r>
-              <a:rPr lang="en-US" altLang="ko" sz="1300" dirty="0">
-                <a:solidFill>
-                  <a:schemeClr val="dk1"/>
-                </a:solidFill>
-                <a:ea typeface="맑은 고딕"/>
-              </a:rPr>
-              <a:t>', '</a:t>
-            </a:r>
-            <a:r>
-              <a:rPr lang="ko" altLang="en-US" sz="1300" dirty="0">
-                <a:solidFill>
-                  <a:schemeClr val="dk1"/>
-                </a:solidFill>
-                <a:ea typeface="맑은 고딕"/>
-              </a:rPr>
-              <a:t>독서</a:t>
-            </a:r>
-            <a:r>
-              <a:rPr lang="en-US" altLang="ko" sz="1300" dirty="0">
-                <a:solidFill>
-                  <a:schemeClr val="dk1"/>
-                </a:solidFill>
-                <a:ea typeface="맑은 고딕"/>
-              </a:rPr>
-              <a:t>(</a:t>
-            </a:r>
-            <a:r>
-              <a:rPr lang="ko" altLang="en-US" sz="1300" dirty="0" err="1">
-                <a:solidFill>
-                  <a:schemeClr val="dk1"/>
-                </a:solidFill>
-                <a:ea typeface="맑은 고딕"/>
-              </a:rPr>
-              <a:t>웹소설</a:t>
-            </a:r>
-            <a:r>
-              <a:rPr lang="ko" altLang="en-US" sz="1300" dirty="0">
-                <a:solidFill>
-                  <a:schemeClr val="dk1"/>
-                </a:solidFill>
-                <a:ea typeface="맑은 고딕"/>
-              </a:rPr>
-              <a:t> 포함</a:t>
-            </a:r>
-            <a:r>
-              <a:rPr lang="en-US" altLang="ko" sz="1300" dirty="0">
-                <a:solidFill>
-                  <a:schemeClr val="dk1"/>
-                </a:solidFill>
-                <a:ea typeface="맑은 고딕"/>
-              </a:rPr>
-              <a:t>)', '</a:t>
-            </a:r>
-            <a:r>
-              <a:rPr lang="ko" altLang="en-US" sz="1300" dirty="0">
-                <a:solidFill>
-                  <a:schemeClr val="dk1"/>
-                </a:solidFill>
-                <a:ea typeface="맑은 고딕"/>
-              </a:rPr>
-              <a:t>요리하기</a:t>
-            </a:r>
-            <a:r>
-              <a:rPr lang="en-US" altLang="ko" sz="1300" dirty="0">
-                <a:solidFill>
-                  <a:schemeClr val="dk1"/>
-                </a:solidFill>
-                <a:ea typeface="맑은 고딕"/>
-              </a:rPr>
-              <a:t>/</a:t>
-            </a:r>
-            <a:r>
-              <a:rPr lang="ko" altLang="en-US" sz="1300" dirty="0">
-                <a:solidFill>
-                  <a:schemeClr val="dk1"/>
-                </a:solidFill>
-                <a:ea typeface="맑은 고딕"/>
-              </a:rPr>
-              <a:t>다도</a:t>
-            </a:r>
-            <a:r>
-              <a:rPr lang="en-US" altLang="ko" sz="1300" dirty="0">
-                <a:solidFill>
-                  <a:schemeClr val="dk1"/>
-                </a:solidFill>
-                <a:ea typeface="맑은 고딕"/>
-              </a:rPr>
-              <a:t>', '</a:t>
-            </a:r>
-            <a:r>
-              <a:rPr lang="ko" altLang="en-US" sz="1300" dirty="0">
-                <a:solidFill>
-                  <a:schemeClr val="dk1"/>
-                </a:solidFill>
-                <a:ea typeface="맑은 고딕"/>
-              </a:rPr>
-              <a:t>만화보기 </a:t>
-            </a:r>
-            <a:r>
-              <a:rPr lang="en-US" altLang="ko" sz="1300" dirty="0">
-                <a:solidFill>
-                  <a:schemeClr val="dk1"/>
-                </a:solidFill>
-                <a:ea typeface="맑은 고딕"/>
-              </a:rPr>
-              <a:t>(</a:t>
-            </a:r>
-            <a:r>
-              <a:rPr lang="ko" altLang="en-US" sz="1300" dirty="0">
-                <a:solidFill>
-                  <a:schemeClr val="dk1"/>
-                </a:solidFill>
-                <a:ea typeface="맑은 고딕"/>
-              </a:rPr>
-              <a:t>웹툰 포함</a:t>
-            </a:r>
-            <a:r>
-              <a:rPr lang="en-US" altLang="ko" sz="1300" dirty="0">
-                <a:solidFill>
-                  <a:schemeClr val="dk1"/>
-                </a:solidFill>
-                <a:ea typeface="맑은 고딕"/>
-              </a:rPr>
-              <a:t>)',</a:t>
-            </a:r>
-            <a:endParaRPr sz="1300" dirty="0">
-              <a:solidFill>
-                <a:schemeClr val="dk1"/>
-              </a:solidFill>
-              <a:ea typeface="맑은 고딕"/>
-            </a:endParaRPr>
-          </a:p>
-          <a:p>
-            <a:pPr>
-              <a:buClr>
-                <a:schemeClr val="dk1"/>
-              </a:buClr>
-              <a:buSzPts val="1100"/>
-            </a:pPr>
-            <a:r>
-              <a:rPr lang="ko" altLang="en-US" sz="1300" dirty="0">
-                <a:solidFill>
-                  <a:schemeClr val="dk1"/>
-                </a:solidFill>
-                <a:ea typeface="맑은 고딕"/>
-              </a:rPr>
-              <a:t> </a:t>
-            </a:r>
-            <a:r>
-              <a:rPr lang="en-US" altLang="ko" sz="1300" dirty="0">
-                <a:solidFill>
-                  <a:schemeClr val="dk1"/>
-                </a:solidFill>
-                <a:ea typeface="맑은 고딕"/>
-              </a:rPr>
-              <a:t>'</a:t>
-            </a:r>
-            <a:r>
-              <a:rPr lang="ko" altLang="en-US" sz="1300" dirty="0">
-                <a:solidFill>
-                  <a:schemeClr val="dk1"/>
-                </a:solidFill>
-                <a:ea typeface="맑은 고딕"/>
-              </a:rPr>
-              <a:t>원예</a:t>
-            </a:r>
-            <a:r>
-              <a:rPr lang="en-US" altLang="ko" sz="1300" dirty="0">
-                <a:solidFill>
-                  <a:schemeClr val="dk1"/>
-                </a:solidFill>
-                <a:ea typeface="맑은 고딕"/>
-              </a:rPr>
-              <a:t>', '15</a:t>
-            </a:r>
-            <a:r>
-              <a:rPr lang="ko" altLang="en-US" sz="1300" dirty="0">
-                <a:solidFill>
-                  <a:schemeClr val="dk1"/>
-                </a:solidFill>
-                <a:ea typeface="맑은 고딕"/>
-              </a:rPr>
-              <a:t>바둑 장기 체스</a:t>
-            </a:r>
-            <a:r>
-              <a:rPr lang="en-US" altLang="ko" sz="1300" dirty="0">
-                <a:solidFill>
-                  <a:schemeClr val="dk1"/>
-                </a:solidFill>
-                <a:ea typeface="맑은 고딕"/>
-              </a:rPr>
-              <a:t>', '</a:t>
-            </a:r>
-            <a:r>
-              <a:rPr lang="ko" altLang="en-US" sz="1300" dirty="0" err="1">
-                <a:solidFill>
-                  <a:schemeClr val="dk1"/>
-                </a:solidFill>
-                <a:ea typeface="맑은 고딕"/>
-              </a:rPr>
-              <a:t>보드게임퍼즐큐브</a:t>
-            </a:r>
-            <a:r>
-              <a:rPr lang="ko" altLang="en-US" sz="1300" dirty="0">
-                <a:solidFill>
-                  <a:schemeClr val="dk1"/>
-                </a:solidFill>
-                <a:ea typeface="맑은 고딕"/>
-              </a:rPr>
-              <a:t> 맞추기</a:t>
-            </a:r>
-            <a:r>
-              <a:rPr lang="en-US" altLang="ko" sz="1300" dirty="0">
-                <a:solidFill>
-                  <a:schemeClr val="dk1"/>
-                </a:solidFill>
-                <a:ea typeface="맑은 고딕"/>
-              </a:rPr>
-              <a:t>',  '20</a:t>
-            </a:r>
-            <a:r>
-              <a:rPr lang="ko" altLang="en-US" sz="1300" dirty="0">
-                <a:solidFill>
-                  <a:schemeClr val="dk1"/>
-                </a:solidFill>
-                <a:ea typeface="맑은 고딕"/>
-              </a:rPr>
-              <a:t>홈페이지</a:t>
-            </a:r>
-            <a:r>
-              <a:rPr lang="en-US" altLang="ko" sz="1300" dirty="0">
-                <a:solidFill>
-                  <a:schemeClr val="dk1"/>
-                </a:solidFill>
-                <a:ea typeface="맑은 고딕"/>
-              </a:rPr>
-              <a:t>/</a:t>
-            </a:r>
-            <a:r>
-              <a:rPr lang="ko" altLang="en-US" sz="1300" dirty="0">
-                <a:solidFill>
-                  <a:schemeClr val="dk1"/>
-                </a:solidFill>
-                <a:ea typeface="맑은 고딕"/>
-              </a:rPr>
-              <a:t>블로그관리</a:t>
-            </a:r>
-            <a:r>
-              <a:rPr lang="en-US" altLang="ko" sz="1300" dirty="0">
-                <a:solidFill>
-                  <a:schemeClr val="dk1"/>
-                </a:solidFill>
-                <a:ea typeface="맑은 고딕"/>
-              </a:rPr>
-              <a:t>' </a:t>
-            </a:r>
-            <a:r>
-              <a:rPr lang="ko" altLang="en-US" sz="1600" dirty="0">
-                <a:solidFill>
-                  <a:schemeClr val="dk1"/>
-                </a:solidFill>
-                <a:ea typeface="맑은 고딕"/>
-              </a:rPr>
-              <a:t> </a:t>
-            </a:r>
-            <a:r>
-              <a:rPr lang="ko" altLang="en-US" sz="2000" dirty="0">
-                <a:solidFill>
-                  <a:schemeClr val="dk1"/>
-                </a:solidFill>
-                <a:ea typeface="맑은 고딕"/>
-              </a:rPr>
-              <a:t>과 나머지로 대면 활동 분류 했습니다</a:t>
-            </a:r>
-            <a:r>
-              <a:rPr lang="en-US" altLang="ko" sz="2000" dirty="0">
-                <a:solidFill>
-                  <a:schemeClr val="dk1"/>
-                </a:solidFill>
-                <a:ea typeface="맑은 고딕"/>
-              </a:rPr>
-              <a:t>.</a:t>
-            </a:r>
-            <a:endParaRPr sz="2000" dirty="0">
-              <a:solidFill>
-                <a:schemeClr val="dk1"/>
-              </a:solidFill>
-              <a:ea typeface="맑은 고딕"/>
-            </a:endParaRPr>
-          </a:p>
-          <a:p>
-            <a:pPr>
-              <a:buClr>
-                <a:schemeClr val="dk1"/>
-              </a:buClr>
-              <a:buSzPts val="1100"/>
-            </a:pPr>
-            <a:endParaRPr sz="2000">
-              <a:solidFill>
-                <a:schemeClr val="dk1"/>
-              </a:solidFill>
-            </a:endParaRPr>
-          </a:p>
-          <a:p>
-            <a:endParaRPr/>
-          </a:p>
-          <a:p>
-            <a:endParaRPr/>
-          </a:p>
-        </p:txBody>
-      </p:sp>
-    </p:spTree>
-    <p:extLst>
-      <p:ext uri="{BB962C8B-B14F-4D97-AF65-F5344CB8AC3E}">
-        <p14:creationId xmlns:p14="http://schemas.microsoft.com/office/powerpoint/2010/main" val="2082780049"/>
-      </p:ext>
-    </p:extLst>
-  </p:cSld>
-  <p:clrMapOvr>
-    <a:masterClrMapping/>
-  </p:clrMapOvr>
-</p:sld>
-</file>
-
-<file path=ppt/slides/slide35.xml><?xml version="1.0" encoding="utf-8"?>
-<p:sld xmlns:a="http://schemas.openxmlformats.org/drawingml/2006/main" xmlns:r="http://schemas.openxmlformats.org/officeDocument/2006/relationships" xmlns:p="http://schemas.openxmlformats.org/presentationml/2006/main">
-  <p:cSld>
-    <p:spTree>
-      <p:nvGrpSpPr>
-        <p:cNvPr id="1" name="Shape 88"/>
-        <p:cNvGrpSpPr/>
-        <p:nvPr/>
-      </p:nvGrpSpPr>
-      <p:grpSpPr>
-        <a:xfrm>
-          <a:off x="0" y="0"/>
-          <a:ext cx="0" cy="0"/>
-          <a:chOff x="0" y="0"/>
-          <a:chExt cx="0" cy="0"/>
-        </a:xfrm>
-      </p:grpSpPr>
-      <p:pic>
-        <p:nvPicPr>
-          <p:cNvPr id="89" name="Google Shape;89;p18"/>
-          <p:cNvPicPr preferRelativeResize="0"/>
-          <p:nvPr/>
-        </p:nvPicPr>
-        <p:blipFill>
-          <a:blip r:embed="rId3">
-            <a:alphaModFix/>
-          </a:blip>
-          <a:stretch>
-            <a:fillRect/>
-          </a:stretch>
-        </p:blipFill>
-        <p:spPr>
-          <a:xfrm>
-            <a:off x="4104367" y="266167"/>
-            <a:ext cx="8087644" cy="5199200"/>
-          </a:xfrm>
-          <a:prstGeom prst="rect">
-            <a:avLst/>
-          </a:prstGeom>
-          <a:noFill/>
-          <a:ln>
-            <a:noFill/>
-          </a:ln>
-        </p:spPr>
-      </p:pic>
-      <p:sp>
-        <p:nvSpPr>
-          <p:cNvPr id="90" name="Google Shape;90;p18"/>
-          <p:cNvSpPr txBox="1"/>
-          <p:nvPr/>
-        </p:nvSpPr>
-        <p:spPr>
-          <a:xfrm>
-            <a:off x="1244000" y="378400"/>
-            <a:ext cx="4975200" cy="874000"/>
-          </a:xfrm>
-          <a:prstGeom prst="rect">
-            <a:avLst/>
-          </a:prstGeom>
-          <a:noFill/>
-          <a:ln>
-            <a:noFill/>
-          </a:ln>
-        </p:spPr>
-        <p:txBody>
-          <a:bodyPr spcFirstLastPara="1" wrap="square" lIns="121900" tIns="121900" rIns="121900" bIns="121900" anchor="t" anchorCtr="0">
-            <a:noAutofit/>
-          </a:bodyPr>
-          <a:lstStyle/>
-          <a:p>
-            <a:r>
-              <a:rPr lang="en-US" altLang="ko" sz="4000" b="1"/>
-              <a:t>3.</a:t>
-            </a:r>
-            <a:r>
-              <a:rPr lang="ko" altLang="en-US" sz="3100" b="1">
-                <a:solidFill>
-                  <a:schemeClr val="dk1"/>
-                </a:solidFill>
-                <a:latin typeface="Malgun Gothic"/>
-                <a:ea typeface="Malgun Gothic"/>
-                <a:cs typeface="Malgun Gothic"/>
-                <a:sym typeface="Malgun Gothic"/>
-              </a:rPr>
-              <a:t> 특성 </a:t>
-            </a:r>
-            <a:endParaRPr sz="3100" b="1">
-              <a:solidFill>
-                <a:schemeClr val="dk1"/>
-              </a:solidFill>
-              <a:latin typeface="Malgun Gothic"/>
-              <a:ea typeface="Malgun Gothic"/>
-              <a:cs typeface="Malgun Gothic"/>
-              <a:sym typeface="Malgun Gothic"/>
-            </a:endParaRPr>
-          </a:p>
-          <a:p>
-            <a:endParaRPr sz="4000" b="1"/>
-          </a:p>
-        </p:txBody>
-      </p:sp>
-      <p:pic>
-        <p:nvPicPr>
-          <p:cNvPr id="91" name="Google Shape;91;p18"/>
-          <p:cNvPicPr preferRelativeResize="0"/>
-          <p:nvPr/>
-        </p:nvPicPr>
-        <p:blipFill>
-          <a:blip r:embed="rId4">
-            <a:alphaModFix/>
-          </a:blip>
-          <a:stretch>
-            <a:fillRect/>
-          </a:stretch>
-        </p:blipFill>
-        <p:spPr>
-          <a:xfrm>
-            <a:off x="569911" y="1252400"/>
-            <a:ext cx="3494756" cy="3661173"/>
-          </a:xfrm>
-          <a:prstGeom prst="rect">
-            <a:avLst/>
-          </a:prstGeom>
-          <a:noFill/>
-          <a:ln>
-            <a:noFill/>
-          </a:ln>
-        </p:spPr>
-      </p:pic>
-      <p:sp>
-        <p:nvSpPr>
-          <p:cNvPr id="92" name="Google Shape;92;p18"/>
-          <p:cNvSpPr txBox="1"/>
-          <p:nvPr/>
-        </p:nvSpPr>
-        <p:spPr>
-          <a:xfrm>
-            <a:off x="193433" y="4950400"/>
-            <a:ext cx="12094000" cy="1739600"/>
-          </a:xfrm>
-          <a:prstGeom prst="rect">
-            <a:avLst/>
-          </a:prstGeom>
-          <a:noFill/>
-          <a:ln>
-            <a:noFill/>
-          </a:ln>
-        </p:spPr>
-        <p:txBody>
-          <a:bodyPr spcFirstLastPara="1" wrap="square" lIns="121900" tIns="121900" rIns="121900" bIns="121900" anchor="t" anchorCtr="0">
-            <a:noAutofit/>
-          </a:bodyPr>
-          <a:lstStyle/>
-          <a:p>
-            <a:r>
-              <a:rPr lang="ko" dirty="0">
-                <a:solidFill>
-                  <a:schemeClr val="dk1"/>
-                </a:solidFill>
-                <a:ea typeface="맑은 고딕"/>
-              </a:rPr>
-              <a:t>대면</a:t>
-            </a:r>
-            <a:r>
-              <a:rPr lang="en-US" altLang="ko" dirty="0">
-                <a:solidFill>
-                  <a:schemeClr val="dk1"/>
-                </a:solidFill>
-                <a:ea typeface="맑은 고딕"/>
-              </a:rPr>
-              <a:t>,</a:t>
-            </a:r>
-            <a:r>
-              <a:rPr lang="ko" altLang="en-US" dirty="0">
-                <a:solidFill>
-                  <a:schemeClr val="dk1"/>
-                </a:solidFill>
-                <a:ea typeface="맑은 고딕"/>
-              </a:rPr>
-              <a:t> </a:t>
-            </a:r>
-            <a:r>
-              <a:rPr lang="ko" dirty="0" err="1">
-                <a:solidFill>
-                  <a:schemeClr val="dk1"/>
-                </a:solidFill>
-                <a:ea typeface="맑은 고딕"/>
-              </a:rPr>
-              <a:t>비대면활동</a:t>
-            </a:r>
-            <a:r>
-              <a:rPr lang="ko" dirty="0">
-                <a:solidFill>
-                  <a:schemeClr val="dk1"/>
-                </a:solidFill>
-                <a:ea typeface="맑은 고딕"/>
-              </a:rPr>
-              <a:t> 수치를 비율로 만들어 보니 62대 38이 나왔고 가구별 여가지출에 </a:t>
-            </a:r>
-            <a:r>
-              <a:rPr lang="ko" altLang="en-US" dirty="0">
-                <a:solidFill>
-                  <a:schemeClr val="dk1"/>
-                </a:solidFill>
-                <a:ea typeface="맑은 고딕"/>
-              </a:rPr>
-              <a:t>대입시켜 </a:t>
-            </a:r>
-            <a:r>
-              <a:rPr lang="ko" dirty="0">
-                <a:solidFill>
-                  <a:schemeClr val="dk1"/>
-                </a:solidFill>
-                <a:ea typeface="맑은 고딕"/>
-              </a:rPr>
-              <a:t> </a:t>
-            </a:r>
-            <a:r>
-              <a:rPr lang="ko" altLang="en-US" dirty="0" err="1">
-                <a:ea typeface="맑은 고딕"/>
-              </a:rPr>
-              <a:t>비대면</a:t>
-            </a:r>
-            <a:r>
-              <a:rPr lang="ko" altLang="en-US" dirty="0">
-                <a:ea typeface="맑은 고딕"/>
-              </a:rPr>
-              <a:t> 활동을 걸러낸 수치를 만들어</a:t>
-            </a:r>
-            <a:r>
-              <a:rPr lang="ko" altLang="en-US" dirty="0">
-                <a:solidFill>
-                  <a:schemeClr val="dk1"/>
-                </a:solidFill>
-                <a:ea typeface="맑은 고딕"/>
-              </a:rPr>
-              <a:t> 보니 </a:t>
-            </a:r>
-            <a:endParaRPr dirty="0">
-              <a:solidFill>
-                <a:schemeClr val="dk1"/>
-              </a:solidFill>
-            </a:endParaRPr>
-          </a:p>
-          <a:p>
-            <a:r>
-              <a:rPr lang="ko" dirty="0" err="1">
-                <a:solidFill>
-                  <a:schemeClr val="dk1"/>
-                </a:solidFill>
-                <a:ea typeface="맑은 고딕"/>
-              </a:rPr>
-              <a:t>비대면</a:t>
-            </a:r>
-            <a:r>
-              <a:rPr lang="ko" dirty="0">
-                <a:solidFill>
-                  <a:schemeClr val="dk1"/>
-                </a:solidFill>
-                <a:ea typeface="맑은 고딕"/>
-              </a:rPr>
-              <a:t> 여가생활을 걸러내도 1인가구의 여가생활 지출이 가장 큰 것을 </a:t>
-            </a:r>
-            <a:r>
-              <a:rPr lang="ko" altLang="en-US" dirty="0">
-                <a:solidFill>
-                  <a:schemeClr val="dk1"/>
-                </a:solidFill>
-                <a:ea typeface="맑은 고딕"/>
-              </a:rPr>
-              <a:t>알 수</a:t>
-            </a:r>
-            <a:r>
-              <a:rPr lang="ko" dirty="0">
-                <a:solidFill>
-                  <a:schemeClr val="dk1"/>
-                </a:solidFill>
-                <a:ea typeface="맑은 고딕"/>
-              </a:rPr>
-              <a:t> 있습니다.</a:t>
-            </a:r>
-            <a:endParaRPr>
-              <a:solidFill>
-                <a:schemeClr val="dk1"/>
-              </a:solidFill>
-              <a:ea typeface="맑은 고딕"/>
-            </a:endParaRPr>
-          </a:p>
-          <a:p>
-            <a:r>
-              <a:rPr lang="ko" dirty="0">
-                <a:solidFill>
-                  <a:schemeClr val="dk1"/>
-                </a:solidFill>
-                <a:ea typeface="맑은 고딕"/>
-              </a:rPr>
-              <a:t>고로 1인 가구가 여가생활을 많이 하고</a:t>
-            </a:r>
-            <a:r>
-              <a:rPr lang="ko" altLang="en-US" dirty="0">
-                <a:solidFill>
-                  <a:schemeClr val="dk1"/>
-                </a:solidFill>
-                <a:ea typeface="맑은 고딕"/>
-              </a:rPr>
-              <a:t> </a:t>
-            </a:r>
-            <a:endParaRPr>
-              <a:solidFill>
-                <a:schemeClr val="dk1"/>
-              </a:solidFill>
-            </a:endParaRPr>
-          </a:p>
-          <a:p>
-            <a:r>
-              <a:rPr lang="ko" dirty="0">
-                <a:solidFill>
-                  <a:schemeClr val="dk1"/>
-                </a:solidFill>
-                <a:ea typeface="맑은 고딕"/>
-              </a:rPr>
-              <a:t>활동량이 커지면서 </a:t>
-            </a:r>
-            <a:r>
-              <a:rPr lang="ko" dirty="0" err="1">
-                <a:solidFill>
-                  <a:schemeClr val="dk1"/>
-                </a:solidFill>
-                <a:ea typeface="맑은 고딕"/>
-              </a:rPr>
-              <a:t>확진자</a:t>
-            </a:r>
-            <a:r>
-              <a:rPr lang="ko" dirty="0">
-                <a:solidFill>
-                  <a:schemeClr val="dk1"/>
-                </a:solidFill>
-                <a:ea typeface="맑은 고딕"/>
-              </a:rPr>
-              <a:t> 수에 영향을 끼치고 </a:t>
-            </a:r>
-            <a:r>
-              <a:rPr lang="ko" dirty="0" err="1">
-                <a:solidFill>
-                  <a:schemeClr val="dk1"/>
-                </a:solidFill>
-                <a:ea typeface="맑은 고딕"/>
-              </a:rPr>
-              <a:t>확진자</a:t>
-            </a:r>
-            <a:r>
-              <a:rPr lang="ko" dirty="0">
-                <a:solidFill>
-                  <a:schemeClr val="dk1"/>
-                </a:solidFill>
-                <a:ea typeface="맑은 고딕"/>
-              </a:rPr>
-              <a:t> 수와 1인 가구 수가 비례하는데 영향을 준다고 </a:t>
-            </a:r>
-            <a:r>
-              <a:rPr lang="ko" dirty="0" err="1">
-                <a:solidFill>
-                  <a:schemeClr val="dk1"/>
-                </a:solidFill>
-                <a:ea typeface="맑은 고딕"/>
-              </a:rPr>
-              <a:t>볼수</a:t>
-            </a:r>
-            <a:r>
-              <a:rPr lang="ko" dirty="0">
-                <a:solidFill>
-                  <a:schemeClr val="dk1"/>
-                </a:solidFill>
-                <a:ea typeface="맑은 고딕"/>
-              </a:rPr>
-              <a:t> 있습니다.</a:t>
-            </a:r>
-            <a:endParaRPr>
-              <a:solidFill>
-                <a:schemeClr val="dk1"/>
-              </a:solidFill>
-              <a:ea typeface="맑은 고딕"/>
-            </a:endParaRPr>
-          </a:p>
-        </p:txBody>
-      </p:sp>
-    </p:spTree>
-    <p:extLst>
-      <p:ext uri="{BB962C8B-B14F-4D97-AF65-F5344CB8AC3E}">
-        <p14:creationId xmlns:p14="http://schemas.microsoft.com/office/powerpoint/2010/main" val="2338595847"/>
-      </p:ext>
-    </p:extLst>
-  </p:cSld>
-  <p:clrMapOvr>
-    <a:masterClrMapping/>
-  </p:clrMapOvr>
-</p:sld>
-</file>
-
-<file path=ppt/slides/slide36.xml><?xml version="1.0" encoding="utf-8"?>
-<p:sld xmlns:a="http://schemas.openxmlformats.org/drawingml/2006/main" xmlns:r="http://schemas.openxmlformats.org/officeDocument/2006/relationships" xmlns:p="http://schemas.openxmlformats.org/presentationml/2006/main">
-  <p:cSld>
-    <p:spTree>
-      <p:nvGrpSpPr>
-        <p:cNvPr id="1" name="Shape 96"/>
-        <p:cNvGrpSpPr/>
-        <p:nvPr/>
-      </p:nvGrpSpPr>
-      <p:grpSpPr>
-        <a:xfrm>
-          <a:off x="0" y="0"/>
-          <a:ext cx="0" cy="0"/>
-          <a:chOff x="0" y="0"/>
-          <a:chExt cx="0" cy="0"/>
-        </a:xfrm>
-      </p:grpSpPr>
-      <p:sp>
-        <p:nvSpPr>
-          <p:cNvPr id="97" name="Google Shape;97;p19"/>
-          <p:cNvSpPr txBox="1"/>
-          <p:nvPr/>
-        </p:nvSpPr>
-        <p:spPr>
-          <a:xfrm>
-            <a:off x="1244000" y="378400"/>
-            <a:ext cx="4975200" cy="874000"/>
-          </a:xfrm>
-          <a:prstGeom prst="rect">
-            <a:avLst/>
-          </a:prstGeom>
-          <a:noFill/>
-          <a:ln>
-            <a:noFill/>
-          </a:ln>
-        </p:spPr>
-        <p:txBody>
-          <a:bodyPr spcFirstLastPara="1" wrap="square" lIns="121900" tIns="121900" rIns="121900" bIns="121900" anchor="t" anchorCtr="0">
-            <a:noAutofit/>
-          </a:bodyPr>
-          <a:lstStyle/>
-          <a:p>
-            <a:r>
-              <a:rPr lang="en-US" altLang="ko" sz="4000" b="1"/>
-              <a:t>4.</a:t>
-            </a:r>
-            <a:r>
-              <a:rPr lang="ko" altLang="en-US" sz="3100" b="1">
-                <a:solidFill>
-                  <a:schemeClr val="dk1"/>
-                </a:solidFill>
-                <a:latin typeface="Malgun Gothic"/>
-                <a:ea typeface="Malgun Gothic"/>
-                <a:cs typeface="Malgun Gothic"/>
-                <a:sym typeface="Malgun Gothic"/>
-              </a:rPr>
-              <a:t> 결론 </a:t>
-            </a:r>
-            <a:endParaRPr sz="3100" b="1">
-              <a:solidFill>
-                <a:schemeClr val="dk1"/>
-              </a:solidFill>
-              <a:latin typeface="Malgun Gothic"/>
-              <a:ea typeface="Malgun Gothic"/>
-              <a:cs typeface="Malgun Gothic"/>
-              <a:sym typeface="Malgun Gothic"/>
-            </a:endParaRPr>
-          </a:p>
-          <a:p>
-            <a:endParaRPr sz="4000" b="1"/>
-          </a:p>
-        </p:txBody>
-      </p:sp>
-      <p:sp>
-        <p:nvSpPr>
-          <p:cNvPr id="98" name="Google Shape;98;p19"/>
-          <p:cNvSpPr txBox="1"/>
-          <p:nvPr/>
-        </p:nvSpPr>
-        <p:spPr>
-          <a:xfrm>
-            <a:off x="1033900" y="1664300"/>
-            <a:ext cx="10623200" cy="4605600"/>
-          </a:xfrm>
-          <a:prstGeom prst="rect">
-            <a:avLst/>
-          </a:prstGeom>
-          <a:noFill/>
-          <a:ln>
-            <a:noFill/>
-          </a:ln>
-        </p:spPr>
-        <p:txBody>
-          <a:bodyPr spcFirstLastPara="1" wrap="square" lIns="121900" tIns="121900" rIns="121900" bIns="121900" anchor="t" anchorCtr="0">
-            <a:noAutofit/>
-          </a:bodyPr>
-          <a:lstStyle/>
-          <a:p>
-            <a:endParaRPr/>
-          </a:p>
-          <a:p>
-            <a:endParaRPr/>
-          </a:p>
-          <a:p>
-            <a:endParaRPr/>
-          </a:p>
-          <a:p>
-            <a:r>
-              <a:rPr lang="ko" dirty="0">
-                <a:ea typeface="맑은 고딕"/>
-              </a:rPr>
-              <a:t>1인 가구의 </a:t>
-            </a:r>
-            <a:r>
-              <a:rPr lang="ko" altLang="en-US" dirty="0">
-                <a:ea typeface="맑은 고딕"/>
-              </a:rPr>
-              <a:t>대면 </a:t>
-            </a:r>
-            <a:r>
-              <a:rPr lang="ko" dirty="0">
-                <a:ea typeface="맑은 고딕"/>
-              </a:rPr>
-              <a:t>여가생활 지출비용이 크기 때문에 </a:t>
-            </a:r>
-            <a:r>
-              <a:rPr lang="ko" dirty="0" err="1">
-                <a:ea typeface="맑은 고딕"/>
-              </a:rPr>
-              <a:t>확진자</a:t>
-            </a:r>
-            <a:r>
-              <a:rPr lang="ko" dirty="0">
-                <a:ea typeface="맑은 고딕"/>
-              </a:rPr>
-              <a:t> 수에 영향을 끼치고 비례했으며</a:t>
-            </a:r>
-            <a:r>
-              <a:rPr lang="ko" altLang="en-US" dirty="0">
-                <a:ea typeface="맑은 고딕"/>
-              </a:rPr>
-              <a:t> </a:t>
-            </a:r>
-            <a:endParaRPr/>
-          </a:p>
-          <a:p>
-            <a:endParaRPr/>
-          </a:p>
-          <a:p>
-            <a:r>
-              <a:rPr lang="ko" dirty="0">
-                <a:ea typeface="맑은 고딕"/>
-              </a:rPr>
-              <a:t>20대 비율이 가장 크기 때문에 전체 20대 </a:t>
-            </a:r>
-            <a:r>
-              <a:rPr lang="ko" dirty="0" err="1">
-                <a:ea typeface="맑은 고딕"/>
-              </a:rPr>
-              <a:t>확진자가</a:t>
-            </a:r>
-            <a:r>
-              <a:rPr lang="ko" dirty="0">
-                <a:ea typeface="맑은 고딕"/>
-              </a:rPr>
-              <a:t> 커지는데 영향을 줬다.</a:t>
-            </a:r>
-            <a:endParaRPr dirty="0">
-              <a:ea typeface="맑은 고딕"/>
-            </a:endParaRPr>
-          </a:p>
-          <a:p>
-            <a:endParaRPr/>
-          </a:p>
-          <a:p>
-            <a:r>
-              <a:rPr lang="ko" dirty="0">
-                <a:ea typeface="맑은 고딕"/>
-              </a:rPr>
-              <a:t>1인 가구가 코로나 주 전파원일 가능성이 크다.</a:t>
-            </a:r>
-            <a:endParaRPr dirty="0">
-              <a:ea typeface="맑은 고딕"/>
-            </a:endParaRPr>
-          </a:p>
-          <a:p>
-            <a:endParaRPr/>
-          </a:p>
-          <a:p>
-            <a:r>
-              <a:rPr lang="ko" dirty="0">
-                <a:ea typeface="맑은 고딕"/>
-              </a:rPr>
-              <a:t>1인가구가 많은 지역에 관심을 기울여야 한다.</a:t>
-            </a:r>
-            <a:endParaRPr dirty="0">
-              <a:ea typeface="맑은 고딕"/>
-            </a:endParaRPr>
-          </a:p>
-          <a:p>
-            <a:endParaRPr/>
-          </a:p>
-          <a:p>
-            <a:endParaRPr/>
-          </a:p>
-          <a:p>
-            <a:endParaRPr/>
-          </a:p>
-          <a:p>
-            <a:endParaRPr/>
-          </a:p>
-        </p:txBody>
-      </p:sp>
-    </p:spTree>
-    <p:extLst>
-      <p:ext uri="{BB962C8B-B14F-4D97-AF65-F5344CB8AC3E}">
-        <p14:creationId xmlns:p14="http://schemas.microsoft.com/office/powerpoint/2010/main" val="1041460637"/>
-      </p:ext>
-    </p:extLst>
-  </p:cSld>
-  <p:clrMapOvr>
-    <a:masterClrMapping/>
-  </p:clrMapOvr>
-</p:sld>
-</file>
-
-<file path=ppt/slides/slide37.xml><?xml version="1.0" encoding="utf-8"?>
-<p:sld xmlns:a="http://schemas.openxmlformats.org/drawingml/2006/main" xmlns:r="http://schemas.openxmlformats.org/officeDocument/2006/relationships" xmlns:p="http://schemas.openxmlformats.org/presentationml/2006/main">
-  <p:cSld>
-    <p:spTree>
-      <p:nvGrpSpPr>
-        <p:cNvPr id="1" name=""/>
-        <p:cNvGrpSpPr/>
-        <p:nvPr/>
-      </p:nvGrpSpPr>
-      <p:grpSpPr>
-        <a:xfrm>
-          <a:off x="0" y="0"/>
-          <a:ext cx="0" cy="0"/>
-          <a:chOff x="0" y="0"/>
-          <a:chExt cx="0" cy="0"/>
-        </a:xfrm>
-      </p:grpSpPr>
-    </p:spTree>
-    <p:extLst>
-      <p:ext uri="{BB962C8B-B14F-4D97-AF65-F5344CB8AC3E}">
-        <p14:creationId xmlns:p14="http://schemas.microsoft.com/office/powerpoint/2010/main" val="4198271166"/>
-      </p:ext>
-    </p:extLst>
-  </p:cSld>
-  <p:clrMapOvr>
-    <a:masterClrMapping/>
-  </p:clrMapOvr>
-</p:sld>
-</file>
-
-<file path=ppt/slides/slide38.xml><?xml version="1.0" encoding="utf-8"?>
-<p:sld xmlns:a="http://schemas.openxmlformats.org/drawingml/2006/main" xmlns:r="http://schemas.openxmlformats.org/officeDocument/2006/relationships" xmlns:p="http://schemas.openxmlformats.org/presentationml/2006/main">
-  <p:cSld>
-    <p:spTree>
-      <p:nvGrpSpPr>
-        <p:cNvPr id="1" name=""/>
-        <p:cNvGrpSpPr/>
-        <p:nvPr/>
-      </p:nvGrpSpPr>
-      <p:grpSpPr>
-        <a:xfrm>
-          <a:off x="0" y="0"/>
-          <a:ext cx="0" cy="0"/>
-          <a:chOff x="0" y="0"/>
-          <a:chExt cx="0" cy="0"/>
-        </a:xfrm>
-      </p:grpSpPr>
-    </p:spTree>
-    <p:extLst>
-      <p:ext uri="{BB962C8B-B14F-4D97-AF65-F5344CB8AC3E}">
-        <p14:creationId xmlns:p14="http://schemas.microsoft.com/office/powerpoint/2010/main" val="117368177"/>
-      </p:ext>
-    </p:extLst>
-  </p:cSld>
-  <p:clrMapOvr>
-    <a:masterClrMapping/>
-  </p:clrMapOvr>
-</p:sld>
-</file>
-
-<file path=ppt/slides/slide39.xml><?xml version="1.0" encoding="utf-8"?>
-<p:sld xmlns:a="http://schemas.openxmlformats.org/drawingml/2006/main" xmlns:r="http://schemas.openxmlformats.org/officeDocument/2006/relationships" xmlns:p="http://schemas.openxmlformats.org/presentationml/2006/main">
-  <p:cSld>
-    <p:spTree>
-      <p:nvGrpSpPr>
-        <p:cNvPr id="1" name=""/>
-        <p:cNvGrpSpPr/>
-        <p:nvPr/>
-      </p:nvGrpSpPr>
-      <p:grpSpPr>
-        <a:xfrm>
-          <a:off x="0" y="0"/>
-          <a:ext cx="0" cy="0"/>
-          <a:chOff x="0" y="0"/>
-          <a:chExt cx="0" cy="0"/>
-        </a:xfrm>
-      </p:grpSpPr>
-    </p:spTree>
-    <p:extLst>
-      <p:ext uri="{BB962C8B-B14F-4D97-AF65-F5344CB8AC3E}">
-        <p14:creationId xmlns:p14="http://schemas.microsoft.com/office/powerpoint/2010/main" val="3793694744"/>
       </p:ext>
     </p:extLst>
   </p:cSld>
@@ -24601,6 +28867,287 @@
 </file>
 
 <file path=ppt/theme/theme4.xml><?xml version="1.0" encoding="utf-8"?>
+<a:theme xmlns:a="http://schemas.openxmlformats.org/drawingml/2006/main" name="Simple Light">
+  <a:themeElements>
+    <a:clrScheme name="Simple Light">
+      <a:dk1>
+        <a:srgbClr val="000000"/>
+      </a:dk1>
+      <a:lt1>
+        <a:srgbClr val="FFFFFF"/>
+      </a:lt1>
+      <a:dk2>
+        <a:srgbClr val="595959"/>
+      </a:dk2>
+      <a:lt2>
+        <a:srgbClr val="EEEEEE"/>
+      </a:lt2>
+      <a:accent1>
+        <a:srgbClr val="FFAB40"/>
+      </a:accent1>
+      <a:accent2>
+        <a:srgbClr val="212121"/>
+      </a:accent2>
+      <a:accent3>
+        <a:srgbClr val="78909C"/>
+      </a:accent3>
+      <a:accent4>
+        <a:srgbClr val="FFAB40"/>
+      </a:accent4>
+      <a:accent5>
+        <a:srgbClr val="0097A7"/>
+      </a:accent5>
+      <a:accent6>
+        <a:srgbClr val="EEFF41"/>
+      </a:accent6>
+      <a:hlink>
+        <a:srgbClr val="0097A7"/>
+      </a:hlink>
+      <a:folHlink>
+        <a:srgbClr val="0097A7"/>
+      </a:folHlink>
+    </a:clrScheme>
+    <a:fontScheme name="Office">
+      <a:majorFont>
+        <a:latin typeface="Arial"/>
+        <a:ea typeface=""/>
+        <a:cs typeface=""/>
+        <a:font script="Jpan" typeface="ＭＳ Ｐゴシック"/>
+        <a:font script="Hang" typeface="맑은 고딕"/>
+        <a:font script="Hans" typeface="宋体"/>
+        <a:font script="Hant" typeface="新細明體"/>
+        <a:font script="Arab" typeface="Times New Roman"/>
+        <a:font script="Hebr" typeface="Times New Roman"/>
+        <a:font script="Thai" typeface="Angsana New"/>
+        <a:font script="Ethi" typeface="Nyala"/>
+        <a:font script="Beng" typeface="Vrinda"/>
+        <a:font script="Gujr" typeface="Shruti"/>
+        <a:font script="Khmr" typeface="MoolBoran"/>
+        <a:font script="Knda" typeface="Tunga"/>
+        <a:font script="Guru" typeface="Raavi"/>
+        <a:font script="Cans" typeface="Euphemia"/>
+        <a:font script="Cher" typeface="Plantagenet Cherokee"/>
+        <a:font script="Yiii" typeface="Microsoft Yi Baiti"/>
+        <a:font script="Tibt" typeface="Microsoft Himalaya"/>
+        <a:font script="Thaa" typeface="MV Boli"/>
+        <a:font script="Deva" typeface="Mangal"/>
+        <a:font script="Telu" typeface="Gautami"/>
+        <a:font script="Taml" typeface="Latha"/>
+        <a:font script="Syrc" typeface="Estrangelo Edessa"/>
+        <a:font script="Orya" typeface="Kalinga"/>
+        <a:font script="Mlym" typeface="Kartika"/>
+        <a:font script="Laoo" typeface="DokChampa"/>
+        <a:font script="Sinh" typeface="Iskoola Pota"/>
+        <a:font script="Mong" typeface="Mongolian Baiti"/>
+        <a:font script="Viet" typeface="Times New Roman"/>
+        <a:font script="Uigh" typeface="Microsoft Uighur"/>
+        <a:font script="Geor" typeface="Sylfaen"/>
+      </a:majorFont>
+      <a:minorFont>
+        <a:latin typeface="Arial"/>
+        <a:ea typeface=""/>
+        <a:cs typeface=""/>
+        <a:font script="Jpan" typeface="ＭＳ Ｐゴシック"/>
+        <a:font script="Hang" typeface="맑은 고딕"/>
+        <a:font script="Hans" typeface="宋体"/>
+        <a:font script="Hant" typeface="新細明體"/>
+        <a:font script="Arab" typeface="Arial"/>
+        <a:font script="Hebr" typeface="Arial"/>
+        <a:font script="Thai" typeface="Cordia New"/>
+        <a:font script="Ethi" typeface="Nyala"/>
+        <a:font script="Beng" typeface="Vrinda"/>
+        <a:font script="Gujr" typeface="Shruti"/>
+        <a:font script="Khmr" typeface="DaunPenh"/>
+        <a:font script="Knda" typeface="Tunga"/>
+        <a:font script="Guru" typeface="Raavi"/>
+        <a:font script="Cans" typeface="Euphemia"/>
+        <a:font script="Cher" typeface="Plantagenet Cherokee"/>
+        <a:font script="Yiii" typeface="Microsoft Yi Baiti"/>
+        <a:font script="Tibt" typeface="Microsoft Himalaya"/>
+        <a:font script="Thaa" typeface="MV Boli"/>
+        <a:font script="Deva" typeface="Mangal"/>
+        <a:font script="Telu" typeface="Gautami"/>
+        <a:font script="Taml" typeface="Latha"/>
+        <a:font script="Syrc" typeface="Estrangelo Edessa"/>
+        <a:font script="Orya" typeface="Kalinga"/>
+        <a:font script="Mlym" typeface="Kartika"/>
+        <a:font script="Laoo" typeface="DokChampa"/>
+        <a:font script="Sinh" typeface="Iskoola Pota"/>
+        <a:font script="Mong" typeface="Mongolian Baiti"/>
+        <a:font script="Viet" typeface="Arial"/>
+        <a:font script="Uigh" typeface="Microsoft Uighur"/>
+        <a:font script="Geor" typeface="Sylfaen"/>
+      </a:minorFont>
+    </a:fontScheme>
+    <a:fmtScheme name="Office">
+      <a:fillStyleLst>
+        <a:solidFill>
+          <a:schemeClr val="phClr"/>
+        </a:solidFill>
+        <a:gradFill rotWithShape="1">
+          <a:gsLst>
+            <a:gs pos="0">
+              <a:schemeClr val="phClr">
+                <a:tint val="50000"/>
+                <a:satMod val="300000"/>
+              </a:schemeClr>
+            </a:gs>
+            <a:gs pos="35000">
+              <a:schemeClr val="phClr">
+                <a:tint val="37000"/>
+                <a:satMod val="300000"/>
+              </a:schemeClr>
+            </a:gs>
+            <a:gs pos="100000">
+              <a:schemeClr val="phClr">
+                <a:tint val="15000"/>
+                <a:satMod val="350000"/>
+              </a:schemeClr>
+            </a:gs>
+          </a:gsLst>
+          <a:lin ang="16200000" scaled="1"/>
+        </a:gradFill>
+        <a:gradFill rotWithShape="1">
+          <a:gsLst>
+            <a:gs pos="0">
+              <a:schemeClr val="phClr">
+                <a:tint val="100000"/>
+                <a:shade val="100000"/>
+                <a:satMod val="130000"/>
+              </a:schemeClr>
+            </a:gs>
+            <a:gs pos="100000">
+              <a:schemeClr val="phClr">
+                <a:tint val="50000"/>
+                <a:shade val="100000"/>
+                <a:satMod val="350000"/>
+              </a:schemeClr>
+            </a:gs>
+          </a:gsLst>
+          <a:lin ang="16200000" scaled="0"/>
+        </a:gradFill>
+      </a:fillStyleLst>
+      <a:lnStyleLst>
+        <a:ln w="9525" cap="flat" cmpd="sng" algn="ctr">
+          <a:solidFill>
+            <a:schemeClr val="phClr">
+              <a:shade val="95000"/>
+              <a:satMod val="105000"/>
+            </a:schemeClr>
+          </a:solidFill>
+          <a:prstDash val="solid"/>
+        </a:ln>
+        <a:ln w="25400" cap="flat" cmpd="sng" algn="ctr">
+          <a:solidFill>
+            <a:schemeClr val="phClr"/>
+          </a:solidFill>
+          <a:prstDash val="solid"/>
+        </a:ln>
+        <a:ln w="38100" cap="flat" cmpd="sng" algn="ctr">
+          <a:solidFill>
+            <a:schemeClr val="phClr"/>
+          </a:solidFill>
+          <a:prstDash val="solid"/>
+        </a:ln>
+      </a:lnStyleLst>
+      <a:effectStyleLst>
+        <a:effectStyle>
+          <a:effectLst>
+            <a:outerShdw blurRad="40000" dist="20000" dir="5400000" rotWithShape="0">
+              <a:srgbClr val="000000">
+                <a:alpha val="38000"/>
+              </a:srgbClr>
+            </a:outerShdw>
+          </a:effectLst>
+        </a:effectStyle>
+        <a:effectStyle>
+          <a:effectLst>
+            <a:outerShdw blurRad="40000" dist="23000" dir="5400000" rotWithShape="0">
+              <a:srgbClr val="000000">
+                <a:alpha val="35000"/>
+              </a:srgbClr>
+            </a:outerShdw>
+          </a:effectLst>
+        </a:effectStyle>
+        <a:effectStyle>
+          <a:effectLst>
+            <a:outerShdw blurRad="40000" dist="23000" dir="5400000" rotWithShape="0">
+              <a:srgbClr val="000000">
+                <a:alpha val="35000"/>
+              </a:srgbClr>
+            </a:outerShdw>
+          </a:effectLst>
+          <a:scene3d>
+            <a:camera prst="orthographicFront">
+              <a:rot lat="0" lon="0" rev="0"/>
+            </a:camera>
+            <a:lightRig rig="threePt" dir="t">
+              <a:rot lat="0" lon="0" rev="1200000"/>
+            </a:lightRig>
+          </a:scene3d>
+          <a:sp3d>
+            <a:bevelT w="63500" h="25400"/>
+          </a:sp3d>
+        </a:effectStyle>
+      </a:effectStyleLst>
+      <a:bgFillStyleLst>
+        <a:solidFill>
+          <a:schemeClr val="phClr"/>
+        </a:solidFill>
+        <a:gradFill rotWithShape="1">
+          <a:gsLst>
+            <a:gs pos="0">
+              <a:schemeClr val="phClr">
+                <a:tint val="40000"/>
+                <a:satMod val="350000"/>
+              </a:schemeClr>
+            </a:gs>
+            <a:gs pos="40000">
+              <a:schemeClr val="phClr">
+                <a:tint val="45000"/>
+                <a:shade val="99000"/>
+                <a:satMod val="350000"/>
+              </a:schemeClr>
+            </a:gs>
+            <a:gs pos="100000">
+              <a:schemeClr val="phClr">
+                <a:shade val="20000"/>
+                <a:satMod val="255000"/>
+              </a:schemeClr>
+            </a:gs>
+          </a:gsLst>
+          <a:path path="circle">
+            <a:fillToRect l="50000" t="-80000" r="50000" b="180000"/>
+          </a:path>
+        </a:gradFill>
+        <a:gradFill rotWithShape="1">
+          <a:gsLst>
+            <a:gs pos="0">
+              <a:schemeClr val="phClr">
+                <a:tint val="80000"/>
+                <a:satMod val="300000"/>
+              </a:schemeClr>
+            </a:gs>
+            <a:gs pos="100000">
+              <a:schemeClr val="phClr">
+                <a:shade val="30000"/>
+                <a:satMod val="200000"/>
+              </a:schemeClr>
+            </a:gs>
+          </a:gsLst>
+          <a:path path="circle">
+            <a:fillToRect l="50000" t="50000" r="50000" b="50000"/>
+          </a:path>
+        </a:gradFill>
+      </a:bgFillStyleLst>
+    </a:fmtScheme>
+  </a:themeElements>
+  <a:objectDefaults/>
+  <a:extraClrSchemeLst/>
+</a:theme>
+</file>
+
+<file path=ppt/theme/theme5.xml><?xml version="1.0" encoding="utf-8"?>
 <a:theme xmlns:a="http://schemas.openxmlformats.org/drawingml/2006/main" name="Office 테마">
   <a:themeElements>
     <a:clrScheme name="Office">

--- a/최종합본.pptx
+++ b/최종합본.pptx
@@ -148,6 +148,7 @@
 <p1510:revInfo xmlns:a="http://schemas.openxmlformats.org/drawingml/2006/main" xmlns:r="http://schemas.openxmlformats.org/officeDocument/2006/relationships" xmlns:p1510="http://schemas.microsoft.com/office/powerpoint/2015/10/main">
   <p1510:revLst>
     <p1510:client id="{05F0609E-E037-4E63-0928-5F665E8F1ED3}" v="248" dt="2020-09-08T05:48:20.967"/>
+    <p1510:client id="{22706086-C684-AFA1-1D0C-838F982223F4}" v="240" dt="2020-09-08T06:53:15.236"/>
     <p1510:client id="{2791EDFA-916E-79D0-EA78-3B849C7E7E3E}" v="3" dt="2020-09-08T03:51:31.941"/>
     <p1510:client id="{2BFF7B8E-AA04-4116-B7CD-F87AF890BA15}" v="3" dt="2020-09-08T02:08:56.498"/>
     <p1510:client id="{46A9E124-45F3-420B-9813-86C013DD4413}" v="53" dt="2020-09-08T06:24:17.597"/>
@@ -21101,7 +21102,7 @@
         <p:spPr>
           <a:xfrm>
             <a:off x="1000125" y="923925"/>
-            <a:ext cx="10458450" cy="923330"/>
+            <a:ext cx="10458450" cy="1200329"/>
           </a:xfrm>
           <a:prstGeom prst="rect">
             <a:avLst/>
@@ -21122,21 +21123,63 @@
                 <a:ea typeface="+mn-lt"/>
                 <a:cs typeface="+mn-lt"/>
               </a:rPr>
-              <a:t>주위에 자취하는 1인 가구원들이 코로나에 대해 경각심이 떨어진다고 느꼈습니다. 그 이유로 1인 가구는 주로 20대이고 </a:t>
-            </a:r>
-            <a:r>
-              <a:rPr lang="ko-KR" dirty="0" err="1">
+              <a:t>주위에 자취하는</a:t>
+            </a:r>
+            <a:r>
+              <a:rPr lang="ko-KR" altLang="en-US" dirty="0">
                 <a:ea typeface="+mn-lt"/>
                 <a:cs typeface="+mn-lt"/>
               </a:rPr>
-              <a:t>치명률이</a:t>
+              <a:t> </a:t>
             </a:r>
             <a:r>
               <a:rPr lang="ko-KR" dirty="0">
                 <a:ea typeface="+mn-lt"/>
                 <a:cs typeface="+mn-lt"/>
               </a:rPr>
-              <a:t> 낮고 본인만 격리되기 때문에 책임감이 낮고 </a:t>
+              <a:t>1인 가구원들이</a:t>
+            </a:r>
+            <a:r>
+              <a:rPr lang="ko-KR" altLang="en-US" dirty="0">
+                <a:ea typeface="+mn-lt"/>
+                <a:cs typeface="+mn-lt"/>
+              </a:rPr>
+              <a:t> </a:t>
+            </a:r>
+            <a:r>
+              <a:rPr lang="ko-KR" dirty="0">
+                <a:ea typeface="+mn-lt"/>
+                <a:cs typeface="+mn-lt"/>
+              </a:rPr>
+              <a:t>코로나에 대해</a:t>
+            </a:r>
+            <a:r>
+              <a:rPr lang="ko-KR" altLang="en-US" dirty="0">
+                <a:ea typeface="+mn-lt"/>
+                <a:cs typeface="+mn-lt"/>
+              </a:rPr>
+              <a:t> </a:t>
+            </a:r>
+            <a:r>
+              <a:rPr lang="ko-KR" dirty="0">
+                <a:ea typeface="+mn-lt"/>
+                <a:cs typeface="+mn-lt"/>
+              </a:rPr>
+              <a:t>경각심이 떨어진다고 느꼈습니다. 그 이유로 본인만</a:t>
+            </a:r>
+            <a:r>
+              <a:rPr lang="ko-KR" altLang="en-US" dirty="0">
+                <a:ea typeface="+mn-lt"/>
+                <a:cs typeface="+mn-lt"/>
+              </a:rPr>
+              <a:t> 격리 되는 점이  책임감을 낮췄다고 생각합니다</a:t>
+            </a:r>
+            <a:r>
+              <a:rPr lang="ko-KR" dirty="0">
+                <a:ea typeface="+mn-lt"/>
+                <a:cs typeface="+mn-lt"/>
+              </a:rPr>
+              <a:t>. </a:t>
             </a:r>
             <a:br>
               <a:rPr lang="ko-KR" dirty="0">
@@ -21145,6 +21188,13 @@
               </a:rPr>
             </a:br>
             <a:r>
+              <a:rPr lang="ko-KR" altLang="en-US" dirty="0">
+                <a:ea typeface="+mn-lt"/>
+                <a:cs typeface="+mn-lt"/>
+              </a:rPr>
+              <a:t>반면 </a:t>
+            </a:r>
+            <a:r>
               <a:rPr lang="ko-KR" dirty="0">
                 <a:ea typeface="+mn-lt"/>
                 <a:cs typeface="+mn-lt"/>
@@ -21158,7 +21208,10 @@
               </a:rPr>
               <a:t> </a:t>
             </a:r>
-            <a:endParaRPr lang="ko-KR" dirty="0"/>
+            <a:endParaRPr lang="ko-KR">
+              <a:ea typeface="맑은 고딕"/>
+              <a:cs typeface="Arial"/>
+            </a:endParaRPr>
           </a:p>
         </p:txBody>
       </p:sp>
@@ -22313,7 +22366,7 @@
                 </a:solidFill>
                 <a:ea typeface="맑은 고딕"/>
               </a:rPr>
-              <a:t>과 나머지로 대면 활동 분류 해봤고 </a:t>
+              <a:t>과 나머지로 대면 활동 분류를 해봤고 </a:t>
             </a:r>
             <a:endParaRPr lang="ko" altLang="en-US" sz="2000" dirty="0">
               <a:solidFill>
@@ -22337,25 +22390,7 @@
                 </a:solidFill>
                 <a:ea typeface="맑은 고딕"/>
               </a:rPr>
-              <a:t>다시 대입시킨 </a:t>
-            </a:r>
-            <a:r>
-              <a:rPr lang="ko" altLang="en-US" sz="2000" dirty="0" err="1">
-                <a:solidFill>
-                  <a:schemeClr val="dk1"/>
-                </a:solidFill>
-                <a:ea typeface="맑은 고딕"/>
-              </a:rPr>
-              <a:t>대면할동</a:t>
-            </a:r>
-            <a:r>
-              <a:rPr lang="ko" altLang="en-US" sz="2000" dirty="0">
-                <a:solidFill>
-                  <a:schemeClr val="dk1"/>
-                </a:solidFill>
-                <a:ea typeface="맑은 고딕"/>
-              </a:rPr>
-              <a:t> 수치를 보겠습니다.</a:t>
+              <a:t> 비율을 여가 지출 비용에 대입시켜 수치를 알아보겠습니다.</a:t>
             </a:r>
             <a:endParaRPr lang="ko" altLang="en-US" sz="2000" dirty="0">
               <a:solidFill>
@@ -22581,13 +22616,13 @@
               <a:t> </a:t>
             </a:r>
             <a:r>
-              <a:rPr lang="ko" dirty="0" err="1">
+              <a:rPr lang="ko" altLang="en-US" dirty="0" err="1">
                 <a:solidFill>
                   <a:schemeClr val="dk1"/>
                 </a:solidFill>
                 <a:ea typeface="맑은 고딕"/>
               </a:rPr>
-              <a:t>비대면활동</a:t>
+              <a:t>비대면활동을</a:t>
             </a:r>
             <a:r>
               <a:rPr lang="ko" dirty="0">
@@ -22596,7 +22631,7 @@
                 </a:solidFill>
                 <a:ea typeface="맑은 고딕"/>
               </a:rPr>
-              <a:t> 수치를 비율로 만들어 62대 38이 나왔고 가구별 여가지출에 </a:t>
+              <a:t> 비율로 만들어 62대 38이 나왔고 가구별 여가지출에 </a:t>
             </a:r>
             <a:r>
               <a:rPr lang="ko" altLang="en-US" dirty="0">
